--- a/kubernetes/11_administration.pptx
+++ b/kubernetes/11_administration.pptx
@@ -5,10 +5,10 @@
     <p:sldMasterId id="2147483733" r:id="rId1"/>
   </p:sldMasterIdLst>
   <p:notesMasterIdLst>
-    <p:notesMasterId r:id="rId22"/>
+    <p:notesMasterId r:id="rId23"/>
   </p:notesMasterIdLst>
   <p:handoutMasterIdLst>
-    <p:handoutMasterId r:id="rId23"/>
+    <p:handoutMasterId r:id="rId24"/>
   </p:handoutMasterIdLst>
   <p:sldIdLst>
     <p:sldId id="433" r:id="rId2"/>
@@ -25,12 +25,13 @@
     <p:sldId id="458" r:id="rId13"/>
     <p:sldId id="445" r:id="rId14"/>
     <p:sldId id="450" r:id="rId15"/>
-    <p:sldId id="457" r:id="rId16"/>
-    <p:sldId id="456" r:id="rId17"/>
-    <p:sldId id="449" r:id="rId18"/>
-    <p:sldId id="460" r:id="rId19"/>
-    <p:sldId id="461" r:id="rId20"/>
-    <p:sldId id="265" r:id="rId21"/>
+    <p:sldId id="462" r:id="rId16"/>
+    <p:sldId id="457" r:id="rId17"/>
+    <p:sldId id="456" r:id="rId18"/>
+    <p:sldId id="449" r:id="rId19"/>
+    <p:sldId id="460" r:id="rId20"/>
+    <p:sldId id="461" r:id="rId21"/>
+    <p:sldId id="265" r:id="rId22"/>
   </p:sldIdLst>
   <p:sldSz cx="12195175" cy="6858000"/>
   <p:notesSz cx="6858000" cy="9144000"/>
@@ -1254,7 +1255,7 @@
             <a:fld id="{7D8C2C35-2B8A-446E-BEC0-FD36716C29AC}" type="slidenum">
               <a:rPr lang="de-DE" smtClean="0"/>
               <a:pPr/>
-              <a:t>15</a:t>
+              <a:t>16</a:t>
             </a:fld>
             <a:endParaRPr lang="de-DE" dirty="0"/>
           </a:p>
@@ -1412,7 +1413,7 @@
             <a:fld id="{7D8C2C35-2B8A-446E-BEC0-FD36716C29AC}" type="slidenum">
               <a:rPr lang="de-DE" smtClean="0"/>
               <a:pPr/>
-              <a:t>16</a:t>
+              <a:t>17</a:t>
             </a:fld>
             <a:endParaRPr lang="de-DE" dirty="0"/>
           </a:p>
@@ -1530,7 +1531,7 @@
             <a:fld id="{7D8C2C35-2B8A-446E-BEC0-FD36716C29AC}" type="slidenum">
               <a:rPr lang="de-DE" smtClean="0"/>
               <a:pPr/>
-              <a:t>17</a:t>
+              <a:t>18</a:t>
             </a:fld>
             <a:endParaRPr lang="de-DE" dirty="0"/>
           </a:p>
@@ -1618,7 +1619,7 @@
             <a:fld id="{7D8C2C35-2B8A-446E-BEC0-FD36716C29AC}" type="slidenum">
               <a:rPr lang="en-US" smtClean="0"/>
               <a:pPr/>
-              <a:t>18</a:t>
+              <a:t>19</a:t>
             </a:fld>
             <a:endParaRPr lang="en-US" dirty="0"/>
           </a:p>
@@ -1711,7 +1712,7 @@
             <a:fld id="{7D8C2C35-2B8A-446E-BEC0-FD36716C29AC}" type="slidenum">
               <a:rPr lang="de-DE" smtClean="0"/>
               <a:pPr/>
-              <a:t>19</a:t>
+              <a:t>20</a:t>
             </a:fld>
             <a:endParaRPr lang="de-DE" dirty="0"/>
           </a:p>
@@ -1765,7 +1766,7 @@
             <a:fld id="{7D8C2C35-2B8A-446E-BEC0-FD36716C29AC}" type="slidenum">
               <a:rPr lang="en-US" smtClean="0"/>
               <a:pPr/>
-              <a:t>20</a:t>
+              <a:t>21</a:t>
             </a:fld>
             <a:endParaRPr lang="en-US" dirty="0"/>
           </a:p>
@@ -22173,7 +22174,13 @@
       </p:grpSpPr>
       <p:sp>
         <p:nvSpPr>
-          <p:cNvPr id="3" name="Title 2"/>
+          <p:cNvPr id="3" name="Title 2">
+            <a:extLst>
+              <a:ext uri="{FF2B5EF4-FFF2-40B4-BE49-F238E27FC236}">
+                <a16:creationId xmlns:a16="http://schemas.microsoft.com/office/drawing/2014/main" id="{4B5B3171-6747-4BE9-86AF-A5644F76A623}"/>
+              </a:ext>
+            </a:extLst>
+          </p:cNvPr>
           <p:cNvSpPr>
             <a:spLocks noGrp="1"/>
           </p:cNvSpPr>
@@ -22188,95 +22195,50 @@
           <a:p>
             <a:r>
               <a:rPr lang="en-US" dirty="0"/>
-              <a:t>Sometimes working with </a:t>
+              <a:t>Example: </a:t>
             </a:r>
             <a:r>
               <a:rPr lang="en-US" dirty="0" err="1"/>
-              <a:t>kubernetes</a:t>
-            </a:r>
-            <a:r>
-              <a:rPr lang="en-US" dirty="0"/>
-              <a:t> is like …</a:t>
-            </a:r>
+              <a:t>NodeSelector</a:t>
+            </a:r>
+            <a:endParaRPr lang="en-US" dirty="0"/>
           </a:p>
         </p:txBody>
       </p:sp>
       <p:pic>
         <p:nvPicPr>
-          <p:cNvPr id="1028" name="Picture 4" descr="The Important Field"/>
+          <p:cNvPr id="4" name="Picture 3">
+            <a:extLst>
+              <a:ext uri="{FF2B5EF4-FFF2-40B4-BE49-F238E27FC236}">
+                <a16:creationId xmlns:a16="http://schemas.microsoft.com/office/drawing/2014/main" id="{63572B24-95A9-44B1-ADEF-F45AE37D5E46}"/>
+              </a:ext>
+            </a:extLst>
+          </p:cNvPr>
           <p:cNvPicPr>
-            <a:picLocks noChangeAspect="1" noChangeArrowheads="1"/>
+            <a:picLocks noChangeAspect="1"/>
           </p:cNvPicPr>
           <p:nvPr/>
         </p:nvPicPr>
         <p:blipFill>
-          <a:blip r:embed="rId3">
-            <a:extLst>
-              <a:ext uri="{28A0092B-C50C-407E-A947-70E740481C1C}">
-                <a14:useLocalDpi xmlns:a14="http://schemas.microsoft.com/office/drawing/2010/main" val="0"/>
-              </a:ext>
-            </a:extLst>
-          </a:blip>
-          <a:srcRect/>
+          <a:blip r:embed="rId2"/>
           <a:stretch>
             <a:fillRect/>
           </a:stretch>
         </p:blipFill>
-        <p:spPr bwMode="auto">
-          <a:xfrm>
-            <a:off x="1258388" y="1370845"/>
-            <a:ext cx="9753039" cy="4239116"/>
-          </a:xfrm>
-          <a:prstGeom prst="rect">
-            <a:avLst/>
-          </a:prstGeom>
-          <a:noFill/>
-          <a:extLst>
-            <a:ext uri="{909E8E84-426E-40DD-AFC4-6F175D3DCCD1}">
-              <a14:hiddenFill xmlns:a14="http://schemas.microsoft.com/office/drawing/2010/main">
-                <a:solidFill>
-                  <a:srgbClr val="FFFFFF"/>
-                </a:solidFill>
-              </a14:hiddenFill>
-            </a:ext>
-          </a:extLst>
-        </p:spPr>
-      </p:pic>
-      <p:sp>
-        <p:nvSpPr>
-          <p:cNvPr id="5" name="Rectangle 4"/>
-          <p:cNvSpPr/>
-          <p:nvPr/>
-        </p:nvSpPr>
         <p:spPr>
           <a:xfrm>
-            <a:off x="4732922" y="5691976"/>
-            <a:ext cx="2803973" cy="415498"/>
+            <a:off x="1839050" y="1611085"/>
+            <a:ext cx="8516377" cy="4055938"/>
           </a:xfrm>
           <a:prstGeom prst="rect">
             <a:avLst/>
           </a:prstGeom>
         </p:spPr>
-        <p:txBody>
-          <a:bodyPr wrap="none">
-            <a:spAutoFit/>
-          </a:bodyPr>
-          <a:lstStyle/>
-          <a:p>
-            <a:r>
-              <a:rPr lang="en-US" dirty="0">
-                <a:hlinkClick r:id="rId4"/>
-              </a:rPr>
-              <a:t>https://xkcd.com/970/</a:t>
-            </a:r>
-            <a:endParaRPr lang="en-US" dirty="0"/>
-          </a:p>
-        </p:txBody>
-      </p:sp>
+      </p:pic>
     </p:spTree>
     <p:extLst>
       <p:ext uri="{BB962C8B-B14F-4D97-AF65-F5344CB8AC3E}">
-        <p14:creationId xmlns:p14="http://schemas.microsoft.com/office/powerpoint/2010/main" val="822933932"/>
+        <p14:creationId xmlns:p14="http://schemas.microsoft.com/office/powerpoint/2010/main" val="3881617192"/>
       </p:ext>
     </p:extLst>
   </p:cSld>
@@ -22320,6 +22282,138 @@
           <a:p>
             <a:r>
               <a:rPr lang="en-US" dirty="0"/>
+              <a:t>Sometimes working with </a:t>
+            </a:r>
+            <a:r>
+              <a:rPr lang="en-US" dirty="0" err="1"/>
+              <a:t>kubernetes</a:t>
+            </a:r>
+            <a:r>
+              <a:rPr lang="en-US" dirty="0"/>
+              <a:t> is like …</a:t>
+            </a:r>
+          </a:p>
+        </p:txBody>
+      </p:sp>
+      <p:pic>
+        <p:nvPicPr>
+          <p:cNvPr id="1028" name="Picture 4" descr="The Important Field"/>
+          <p:cNvPicPr>
+            <a:picLocks noChangeAspect="1" noChangeArrowheads="1"/>
+          </p:cNvPicPr>
+          <p:nvPr/>
+        </p:nvPicPr>
+        <p:blipFill>
+          <a:blip r:embed="rId3">
+            <a:extLst>
+              <a:ext uri="{28A0092B-C50C-407E-A947-70E740481C1C}">
+                <a14:useLocalDpi xmlns:a14="http://schemas.microsoft.com/office/drawing/2010/main" val="0"/>
+              </a:ext>
+            </a:extLst>
+          </a:blip>
+          <a:srcRect/>
+          <a:stretch>
+            <a:fillRect/>
+          </a:stretch>
+        </p:blipFill>
+        <p:spPr bwMode="auto">
+          <a:xfrm>
+            <a:off x="1258388" y="1370845"/>
+            <a:ext cx="9753039" cy="4239116"/>
+          </a:xfrm>
+          <a:prstGeom prst="rect">
+            <a:avLst/>
+          </a:prstGeom>
+          <a:noFill/>
+          <a:extLst>
+            <a:ext uri="{909E8E84-426E-40DD-AFC4-6F175D3DCCD1}">
+              <a14:hiddenFill xmlns:a14="http://schemas.microsoft.com/office/drawing/2010/main">
+                <a:solidFill>
+                  <a:srgbClr val="FFFFFF"/>
+                </a:solidFill>
+              </a14:hiddenFill>
+            </a:ext>
+          </a:extLst>
+        </p:spPr>
+      </p:pic>
+      <p:sp>
+        <p:nvSpPr>
+          <p:cNvPr id="5" name="Rectangle 4"/>
+          <p:cNvSpPr/>
+          <p:nvPr/>
+        </p:nvSpPr>
+        <p:spPr>
+          <a:xfrm>
+            <a:off x="4732922" y="5691976"/>
+            <a:ext cx="2803973" cy="415498"/>
+          </a:xfrm>
+          <a:prstGeom prst="rect">
+            <a:avLst/>
+          </a:prstGeom>
+        </p:spPr>
+        <p:txBody>
+          <a:bodyPr wrap="none">
+            <a:spAutoFit/>
+          </a:bodyPr>
+          <a:lstStyle/>
+          <a:p>
+            <a:r>
+              <a:rPr lang="en-US" dirty="0">
+                <a:hlinkClick r:id="rId4"/>
+              </a:rPr>
+              <a:t>https://xkcd.com/970/</a:t>
+            </a:r>
+            <a:endParaRPr lang="en-US" dirty="0"/>
+          </a:p>
+        </p:txBody>
+      </p:sp>
+    </p:spTree>
+    <p:extLst>
+      <p:ext uri="{BB962C8B-B14F-4D97-AF65-F5344CB8AC3E}">
+        <p14:creationId xmlns:p14="http://schemas.microsoft.com/office/powerpoint/2010/main" val="822933932"/>
+      </p:ext>
+    </p:extLst>
+  </p:cSld>
+  <p:clrMapOvr>
+    <a:masterClrMapping/>
+  </p:clrMapOvr>
+</p:sld>
+</file>
+
+<file path=ppt/slides/slide17.xml><?xml version="1.0" encoding="utf-8"?>
+<p:sld xmlns:a="http://schemas.openxmlformats.org/drawingml/2006/main" xmlns:r="http://schemas.openxmlformats.org/officeDocument/2006/relationships" xmlns:p="http://schemas.openxmlformats.org/presentationml/2006/main">
+  <p:cSld>
+    <p:spTree>
+      <p:nvGrpSpPr>
+        <p:cNvPr id="1" name=""/>
+        <p:cNvGrpSpPr/>
+        <p:nvPr/>
+      </p:nvGrpSpPr>
+      <p:grpSpPr>
+        <a:xfrm>
+          <a:off x="0" y="0"/>
+          <a:ext cx="0" cy="0"/>
+          <a:chOff x="0" y="0"/>
+          <a:chExt cx="0" cy="0"/>
+        </a:xfrm>
+      </p:grpSpPr>
+      <p:sp>
+        <p:nvSpPr>
+          <p:cNvPr id="3" name="Title 2"/>
+          <p:cNvSpPr>
+            <a:spLocks noGrp="1"/>
+          </p:cNvSpPr>
+          <p:nvPr>
+            <p:ph type="title"/>
+          </p:nvPr>
+        </p:nvSpPr>
+        <p:spPr/>
+        <p:txBody>
+          <a:bodyPr/>
+          <a:lstStyle/>
+          <a:p>
+            <a:r>
+              <a:rPr lang="en-US" dirty="0"/>
               <a:t> K8s Dashboard</a:t>
             </a:r>
           </a:p>
@@ -22362,7 +22456,7 @@
 </p:sld>
 </file>
 
-<file path=ppt/slides/slide17.xml><?xml version="1.0" encoding="utf-8"?>
+<file path=ppt/slides/slide18.xml><?xml version="1.0" encoding="utf-8"?>
 <p:sld xmlns:a="http://schemas.openxmlformats.org/drawingml/2006/main" xmlns:r="http://schemas.openxmlformats.org/officeDocument/2006/relationships" xmlns:p="http://schemas.openxmlformats.org/presentationml/2006/main">
   <p:cSld>
     <p:spTree>
@@ -23030,7 +23124,7 @@
 </p:sld>
 </file>
 
-<file path=ppt/slides/slide18.xml><?xml version="1.0" encoding="utf-8"?>
+<file path=ppt/slides/slide19.xml><?xml version="1.0" encoding="utf-8"?>
 <p:sld xmlns:a="http://schemas.openxmlformats.org/drawingml/2006/main" xmlns:r="http://schemas.openxmlformats.org/officeDocument/2006/relationships" xmlns:p="http://schemas.openxmlformats.org/presentationml/2006/main">
   <p:cSld>
     <p:spTree>
@@ -25153,7 +25247,662 @@
 </p:sld>
 </file>
 
-<file path=ppt/slides/slide19.xml><?xml version="1.0" encoding="utf-8"?>
+<file path=ppt/slides/slide2.xml><?xml version="1.0" encoding="utf-8"?>
+<p:sld xmlns:a="http://schemas.openxmlformats.org/drawingml/2006/main" xmlns:r="http://schemas.openxmlformats.org/officeDocument/2006/relationships" xmlns:p="http://schemas.openxmlformats.org/presentationml/2006/main">
+  <p:cSld>
+    <p:spTree>
+      <p:nvGrpSpPr>
+        <p:cNvPr id="1" name=""/>
+        <p:cNvGrpSpPr/>
+        <p:nvPr/>
+      </p:nvGrpSpPr>
+      <p:grpSpPr>
+        <a:xfrm>
+          <a:off x="0" y="0"/>
+          <a:ext cx="0" cy="0"/>
+          <a:chOff x="0" y="0"/>
+          <a:chExt cx="0" cy="0"/>
+        </a:xfrm>
+      </p:grpSpPr>
+      <p:sp>
+        <p:nvSpPr>
+          <p:cNvPr id="13" name="Rectangle 12"/>
+          <p:cNvSpPr/>
+          <p:nvPr/>
+        </p:nvSpPr>
+        <p:spPr bwMode="gray">
+          <a:xfrm>
+            <a:off x="2171701" y="3185160"/>
+            <a:ext cx="6179820" cy="3303743"/>
+          </a:xfrm>
+          <a:prstGeom prst="rect">
+            <a:avLst/>
+          </a:prstGeom>
+          <a:ln>
+            <a:headEnd/>
+            <a:tailEnd/>
+          </a:ln>
+        </p:spPr>
+        <p:style>
+          <a:lnRef idx="2">
+            <a:schemeClr val="accent2">
+              <a:shade val="50000"/>
+            </a:schemeClr>
+          </a:lnRef>
+          <a:fillRef idx="1">
+            <a:schemeClr val="accent2"/>
+          </a:fillRef>
+          <a:effectRef idx="0">
+            <a:schemeClr val="accent2"/>
+          </a:effectRef>
+          <a:fontRef idx="minor">
+            <a:schemeClr val="lt1"/>
+          </a:fontRef>
+        </p:style>
+        <p:txBody>
+          <a:bodyPr lIns="90000" tIns="72000" rIns="90000" bIns="72000" rtlCol="0" anchor="t"/>
+          <a:lstStyle/>
+          <a:p>
+            <a:pPr marR="0" algn="ctr" defTabSz="914400" eaLnBrk="1" fontAlgn="base" latinLnBrk="0" hangingPunct="1">
+              <a:lnSpc>
+                <a:spcPct val="100000"/>
+              </a:lnSpc>
+              <a:spcBef>
+                <a:spcPct val="50000"/>
+              </a:spcBef>
+              <a:spcAft>
+                <a:spcPct val="0"/>
+              </a:spcAft>
+              <a:buClr>
+                <a:srgbClr val="F0AB00"/>
+              </a:buClr>
+              <a:buSzPct val="80000"/>
+              <a:tabLst/>
+            </a:pPr>
+            <a:r>
+              <a:rPr lang="en-US" sz="1600" b="1" kern="0" dirty="0">
+                <a:ea typeface="Arial Unicode MS" pitchFamily="34" charset="-128"/>
+                <a:cs typeface="Arial Unicode MS" pitchFamily="34" charset="-128"/>
+              </a:rPr>
+              <a:t>Namespace</a:t>
+            </a:r>
+            <a:endParaRPr kumimoji="0" lang="en-US" sz="1600" b="1" i="0" u="none" strike="noStrike" kern="0" cap="none" spc="0" normalizeH="0" baseline="0" noProof="0" dirty="0">
+              <a:ln>
+                <a:noFill/>
+              </a:ln>
+              <a:effectLst/>
+              <a:uLnTx/>
+              <a:uFillTx/>
+              <a:ea typeface="Arial Unicode MS" pitchFamily="34" charset="-128"/>
+              <a:cs typeface="Arial Unicode MS" pitchFamily="34" charset="-128"/>
+            </a:endParaRPr>
+          </a:p>
+        </p:txBody>
+      </p:sp>
+      <p:sp>
+        <p:nvSpPr>
+          <p:cNvPr id="2" name="Title 1"/>
+          <p:cNvSpPr>
+            <a:spLocks noGrp="1"/>
+          </p:cNvSpPr>
+          <p:nvPr>
+            <p:ph type="title"/>
+          </p:nvPr>
+        </p:nvSpPr>
+        <p:spPr/>
+        <p:txBody>
+          <a:bodyPr/>
+          <a:lstStyle/>
+          <a:p>
+            <a:r>
+              <a:rPr lang="en-US" dirty="0"/>
+              <a:t>Service Accounts</a:t>
+            </a:r>
+          </a:p>
+        </p:txBody>
+      </p:sp>
+      <p:sp>
+        <p:nvSpPr>
+          <p:cNvPr id="8" name="Rectangle 7"/>
+          <p:cNvSpPr/>
+          <p:nvPr/>
+        </p:nvSpPr>
+        <p:spPr>
+          <a:xfrm>
+            <a:off x="504000" y="1223190"/>
+            <a:ext cx="10918380" cy="1708160"/>
+          </a:xfrm>
+          <a:prstGeom prst="rect">
+            <a:avLst/>
+          </a:prstGeom>
+        </p:spPr>
+        <p:txBody>
+          <a:bodyPr wrap="square">
+            <a:spAutoFit/>
+          </a:bodyPr>
+          <a:lstStyle/>
+          <a:p>
+            <a:pPr marL="342900" indent="-342900">
+              <a:buFont typeface="Wingdings" panose="05000000000000000000" pitchFamily="2" charset="2"/>
+              <a:buChar char="§"/>
+            </a:pPr>
+            <a:r>
+              <a:rPr lang="en-US" dirty="0"/>
+              <a:t>Service accounts are technical user in Kubernetes</a:t>
+            </a:r>
+          </a:p>
+          <a:p>
+            <a:pPr marL="342900" indent="-342900">
+              <a:buFont typeface="Wingdings" panose="05000000000000000000" pitchFamily="2" charset="2"/>
+              <a:buChar char="§"/>
+            </a:pPr>
+            <a:r>
+              <a:rPr lang="en-US" dirty="0"/>
+              <a:t>Bound to a namespace</a:t>
+            </a:r>
+          </a:p>
+          <a:p>
+            <a:pPr marL="342900" indent="-342900">
+              <a:buFont typeface="Wingdings" panose="05000000000000000000" pitchFamily="2" charset="2"/>
+              <a:buChar char="§"/>
+            </a:pPr>
+            <a:r>
+              <a:rPr lang="en-US" dirty="0"/>
+              <a:t>Allowed to communicate with the API server</a:t>
+            </a:r>
+          </a:p>
+          <a:p>
+            <a:pPr marL="342900" indent="-342900">
+              <a:buFont typeface="Wingdings" panose="05000000000000000000" pitchFamily="2" charset="2"/>
+              <a:buChar char="§"/>
+            </a:pPr>
+            <a:r>
+              <a:rPr lang="en-US" dirty="0"/>
+              <a:t>Provide identity for pods</a:t>
+            </a:r>
+          </a:p>
+          <a:p>
+            <a:pPr marL="342900" indent="-342900">
+              <a:buFont typeface="Wingdings" panose="05000000000000000000" pitchFamily="2" charset="2"/>
+              <a:buChar char="§"/>
+            </a:pPr>
+            <a:r>
+              <a:rPr lang="en-US" dirty="0"/>
+              <a:t>Pods can inherit permissions to access the API server or a registry (image pull secret)</a:t>
+            </a:r>
+          </a:p>
+        </p:txBody>
+      </p:sp>
+      <p:sp>
+        <p:nvSpPr>
+          <p:cNvPr id="7" name="Rectangle 6"/>
+          <p:cNvSpPr/>
+          <p:nvPr/>
+        </p:nvSpPr>
+        <p:spPr bwMode="gray">
+          <a:xfrm>
+            <a:off x="3169059" y="3966951"/>
+            <a:ext cx="1627931" cy="1156258"/>
+          </a:xfrm>
+          <a:prstGeom prst="rect">
+            <a:avLst/>
+          </a:prstGeom>
+          <a:ln>
+            <a:headEnd/>
+            <a:tailEnd/>
+          </a:ln>
+        </p:spPr>
+        <p:style>
+          <a:lnRef idx="2">
+            <a:schemeClr val="accent2"/>
+          </a:lnRef>
+          <a:fillRef idx="1">
+            <a:schemeClr val="lt1"/>
+          </a:fillRef>
+          <a:effectRef idx="0">
+            <a:schemeClr val="accent2"/>
+          </a:effectRef>
+          <a:fontRef idx="minor">
+            <a:schemeClr val="dk1"/>
+          </a:fontRef>
+        </p:style>
+        <p:txBody>
+          <a:bodyPr lIns="90000" tIns="72000" rIns="90000" bIns="72000" rtlCol="0" anchor="ctr"/>
+          <a:lstStyle/>
+          <a:p>
+            <a:pPr marR="0" algn="ctr" defTabSz="914400" eaLnBrk="1" fontAlgn="base" latinLnBrk="0" hangingPunct="1">
+              <a:lnSpc>
+                <a:spcPct val="100000"/>
+              </a:lnSpc>
+              <a:spcBef>
+                <a:spcPct val="50000"/>
+              </a:spcBef>
+              <a:spcAft>
+                <a:spcPct val="0"/>
+              </a:spcAft>
+              <a:buClr>
+                <a:srgbClr val="F0AB00"/>
+              </a:buClr>
+              <a:buSzPct val="80000"/>
+              <a:tabLst/>
+            </a:pPr>
+            <a:r>
+              <a:rPr lang="en-US" sz="1800" kern="0" dirty="0">
+                <a:ea typeface="Arial Unicode MS" pitchFamily="34" charset="-128"/>
+                <a:cs typeface="Arial Unicode MS" pitchFamily="34" charset="-128"/>
+              </a:rPr>
+              <a:t>service account</a:t>
+            </a:r>
+          </a:p>
+          <a:p>
+            <a:pPr marR="0" algn="ctr" defTabSz="914400" eaLnBrk="1" fontAlgn="base" latinLnBrk="0" hangingPunct="1">
+              <a:lnSpc>
+                <a:spcPct val="100000"/>
+              </a:lnSpc>
+              <a:spcBef>
+                <a:spcPct val="50000"/>
+              </a:spcBef>
+              <a:spcAft>
+                <a:spcPct val="0"/>
+              </a:spcAft>
+              <a:buClr>
+                <a:srgbClr val="F0AB00"/>
+              </a:buClr>
+              <a:buSzPct val="80000"/>
+              <a:tabLst/>
+            </a:pPr>
+            <a:r>
+              <a:rPr kumimoji="0" lang="en-US" sz="1800" b="0" i="0" u="none" strike="noStrike" kern="0" cap="none" spc="0" normalizeH="0" baseline="0" noProof="0" dirty="0">
+                <a:ln>
+                  <a:noFill/>
+                </a:ln>
+                <a:effectLst/>
+                <a:uLnTx/>
+                <a:uFillTx/>
+                <a:ea typeface="Arial Unicode MS" pitchFamily="34" charset="-128"/>
+                <a:cs typeface="Arial Unicode MS" pitchFamily="34" charset="-128"/>
+              </a:rPr>
+              <a:t>“default”</a:t>
+            </a:r>
+          </a:p>
+        </p:txBody>
+      </p:sp>
+      <p:sp>
+        <p:nvSpPr>
+          <p:cNvPr id="12" name="Rectangle 11"/>
+          <p:cNvSpPr/>
+          <p:nvPr/>
+        </p:nvSpPr>
+        <p:spPr bwMode="gray">
+          <a:xfrm>
+            <a:off x="6624394" y="3542373"/>
+            <a:ext cx="1062486" cy="806724"/>
+          </a:xfrm>
+          <a:prstGeom prst="rect">
+            <a:avLst/>
+          </a:prstGeom>
+          <a:ln>
+            <a:headEnd/>
+            <a:tailEnd/>
+          </a:ln>
+        </p:spPr>
+        <p:style>
+          <a:lnRef idx="2">
+            <a:schemeClr val="accent2"/>
+          </a:lnRef>
+          <a:fillRef idx="1">
+            <a:schemeClr val="lt1"/>
+          </a:fillRef>
+          <a:effectRef idx="0">
+            <a:schemeClr val="accent2"/>
+          </a:effectRef>
+          <a:fontRef idx="minor">
+            <a:schemeClr val="dk1"/>
+          </a:fontRef>
+        </p:style>
+        <p:txBody>
+          <a:bodyPr lIns="90000" tIns="72000" rIns="90000" bIns="72000" rtlCol="0" anchor="ctr"/>
+          <a:lstStyle/>
+          <a:p>
+            <a:pPr marR="0" algn="ctr" defTabSz="914400" eaLnBrk="1" fontAlgn="base" latinLnBrk="0" hangingPunct="1">
+              <a:lnSpc>
+                <a:spcPct val="100000"/>
+              </a:lnSpc>
+              <a:spcBef>
+                <a:spcPct val="50000"/>
+              </a:spcBef>
+              <a:spcAft>
+                <a:spcPct val="0"/>
+              </a:spcAft>
+              <a:buClr>
+                <a:srgbClr val="F0AB00"/>
+              </a:buClr>
+              <a:buSzPct val="80000"/>
+              <a:tabLst/>
+            </a:pPr>
+            <a:r>
+              <a:rPr lang="en-US" sz="1800" kern="0" noProof="0" dirty="0">
+                <a:ea typeface="Arial Unicode MS" pitchFamily="34" charset="-128"/>
+                <a:cs typeface="Arial Unicode MS" pitchFamily="34" charset="-128"/>
+              </a:rPr>
+              <a:t>Pod</a:t>
+            </a:r>
+            <a:r>
+              <a:rPr lang="en-US" sz="1800" kern="0" dirty="0">
+                <a:ea typeface="Arial Unicode MS" pitchFamily="34" charset="-128"/>
+                <a:cs typeface="Arial Unicode MS" pitchFamily="34" charset="-128"/>
+              </a:rPr>
+              <a:t> A</a:t>
+            </a:r>
+            <a:endParaRPr kumimoji="0" lang="en-US" sz="1800" b="0" i="0" u="none" strike="noStrike" kern="0" cap="none" spc="0" normalizeH="0" baseline="0" noProof="0" dirty="0">
+              <a:ln>
+                <a:noFill/>
+              </a:ln>
+              <a:effectLst/>
+              <a:uLnTx/>
+              <a:uFillTx/>
+              <a:ea typeface="Arial Unicode MS" pitchFamily="34" charset="-128"/>
+              <a:cs typeface="Arial Unicode MS" pitchFamily="34" charset="-128"/>
+            </a:endParaRPr>
+          </a:p>
+        </p:txBody>
+      </p:sp>
+      <p:sp>
+        <p:nvSpPr>
+          <p:cNvPr id="14" name="Rectangle 13"/>
+          <p:cNvSpPr/>
+          <p:nvPr/>
+        </p:nvSpPr>
+        <p:spPr bwMode="gray">
+          <a:xfrm>
+            <a:off x="6624394" y="5477853"/>
+            <a:ext cx="1062486" cy="806724"/>
+          </a:xfrm>
+          <a:prstGeom prst="rect">
+            <a:avLst/>
+          </a:prstGeom>
+          <a:ln>
+            <a:headEnd/>
+            <a:tailEnd/>
+          </a:ln>
+        </p:spPr>
+        <p:style>
+          <a:lnRef idx="2">
+            <a:schemeClr val="accent2"/>
+          </a:lnRef>
+          <a:fillRef idx="1">
+            <a:schemeClr val="lt1"/>
+          </a:fillRef>
+          <a:effectRef idx="0">
+            <a:schemeClr val="accent2"/>
+          </a:effectRef>
+          <a:fontRef idx="minor">
+            <a:schemeClr val="dk1"/>
+          </a:fontRef>
+        </p:style>
+        <p:txBody>
+          <a:bodyPr lIns="90000" tIns="72000" rIns="90000" bIns="72000" rtlCol="0" anchor="ctr"/>
+          <a:lstStyle/>
+          <a:p>
+            <a:pPr marR="0" algn="ctr" defTabSz="914400" eaLnBrk="1" fontAlgn="base" latinLnBrk="0" hangingPunct="1">
+              <a:lnSpc>
+                <a:spcPct val="100000"/>
+              </a:lnSpc>
+              <a:spcBef>
+                <a:spcPct val="50000"/>
+              </a:spcBef>
+              <a:spcAft>
+                <a:spcPct val="0"/>
+              </a:spcAft>
+              <a:buClr>
+                <a:srgbClr val="F0AB00"/>
+              </a:buClr>
+              <a:buSzPct val="80000"/>
+              <a:tabLst/>
+            </a:pPr>
+            <a:r>
+              <a:rPr lang="en-US" sz="1800" kern="0" noProof="0" dirty="0">
+                <a:ea typeface="Arial Unicode MS" pitchFamily="34" charset="-128"/>
+                <a:cs typeface="Arial Unicode MS" pitchFamily="34" charset="-128"/>
+              </a:rPr>
+              <a:t>Pod</a:t>
+            </a:r>
+            <a:r>
+              <a:rPr lang="en-US" sz="1800" kern="0" dirty="0">
+                <a:ea typeface="Arial Unicode MS" pitchFamily="34" charset="-128"/>
+                <a:cs typeface="Arial Unicode MS" pitchFamily="34" charset="-128"/>
+              </a:rPr>
+              <a:t> B</a:t>
+            </a:r>
+            <a:endParaRPr kumimoji="0" lang="en-US" sz="1800" b="0" i="0" u="none" strike="noStrike" kern="0" cap="none" spc="0" normalizeH="0" baseline="0" noProof="0" dirty="0">
+              <a:ln>
+                <a:noFill/>
+              </a:ln>
+              <a:effectLst/>
+              <a:uLnTx/>
+              <a:uFillTx/>
+              <a:ea typeface="Arial Unicode MS" pitchFamily="34" charset="-128"/>
+              <a:cs typeface="Arial Unicode MS" pitchFamily="34" charset="-128"/>
+            </a:endParaRPr>
+          </a:p>
+        </p:txBody>
+      </p:sp>
+      <p:cxnSp>
+        <p:nvCxnSpPr>
+          <p:cNvPr id="16" name="Straight Arrow Connector 15"/>
+          <p:cNvCxnSpPr>
+            <a:stCxn id="7" idx="3"/>
+            <a:endCxn id="12" idx="1"/>
+          </p:cNvCxnSpPr>
+          <p:nvPr/>
+        </p:nvCxnSpPr>
+        <p:spPr>
+          <a:xfrm flipV="1">
+            <a:off x="4796990" y="3945735"/>
+            <a:ext cx="1827404" cy="599345"/>
+          </a:xfrm>
+          <a:prstGeom prst="straightConnector1">
+            <a:avLst/>
+          </a:prstGeom>
+          <a:ln w="38100">
+            <a:solidFill>
+              <a:schemeClr val="tx2">
+                <a:lumMod val="60000"/>
+                <a:lumOff val="40000"/>
+              </a:schemeClr>
+            </a:solidFill>
+            <a:headEnd type="none" w="med" len="med"/>
+            <a:tailEnd type="triangle"/>
+          </a:ln>
+        </p:spPr>
+        <p:style>
+          <a:lnRef idx="1">
+            <a:schemeClr val="accent1"/>
+          </a:lnRef>
+          <a:fillRef idx="0">
+            <a:schemeClr val="accent1"/>
+          </a:fillRef>
+          <a:effectRef idx="0">
+            <a:schemeClr val="accent1"/>
+          </a:effectRef>
+          <a:fontRef idx="minor">
+            <a:schemeClr val="tx1"/>
+          </a:fontRef>
+        </p:style>
+      </p:cxnSp>
+      <p:cxnSp>
+        <p:nvCxnSpPr>
+          <p:cNvPr id="17" name="Straight Arrow Connector 16"/>
+          <p:cNvCxnSpPr>
+            <a:stCxn id="7" idx="3"/>
+            <a:endCxn id="14" idx="1"/>
+          </p:cNvCxnSpPr>
+          <p:nvPr/>
+        </p:nvCxnSpPr>
+        <p:spPr>
+          <a:xfrm>
+            <a:off x="4796990" y="4545080"/>
+            <a:ext cx="1827404" cy="1336135"/>
+          </a:xfrm>
+          <a:prstGeom prst="straightConnector1">
+            <a:avLst/>
+          </a:prstGeom>
+          <a:ln w="38100">
+            <a:solidFill>
+              <a:schemeClr val="tx2">
+                <a:lumMod val="60000"/>
+                <a:lumOff val="40000"/>
+              </a:schemeClr>
+            </a:solidFill>
+            <a:headEnd type="none" w="med" len="med"/>
+            <a:tailEnd type="triangle"/>
+          </a:ln>
+        </p:spPr>
+        <p:style>
+          <a:lnRef idx="1">
+            <a:schemeClr val="accent1"/>
+          </a:lnRef>
+          <a:fillRef idx="0">
+            <a:schemeClr val="accent1"/>
+          </a:fillRef>
+          <a:effectRef idx="0">
+            <a:schemeClr val="accent1"/>
+          </a:effectRef>
+          <a:fontRef idx="minor">
+            <a:schemeClr val="tx1"/>
+          </a:fontRef>
+        </p:style>
+      </p:cxnSp>
+      <p:sp>
+        <p:nvSpPr>
+          <p:cNvPr id="22" name="Cylinder 21"/>
+          <p:cNvSpPr/>
+          <p:nvPr/>
+        </p:nvSpPr>
+        <p:spPr bwMode="gray">
+          <a:xfrm>
+            <a:off x="3481540" y="5500723"/>
+            <a:ext cx="1002967" cy="812920"/>
+          </a:xfrm>
+          <a:prstGeom prst="can">
+            <a:avLst/>
+          </a:prstGeom>
+          <a:ln>
+            <a:headEnd/>
+            <a:tailEnd/>
+          </a:ln>
+        </p:spPr>
+        <p:style>
+          <a:lnRef idx="2">
+            <a:schemeClr val="accent2"/>
+          </a:lnRef>
+          <a:fillRef idx="1">
+            <a:schemeClr val="lt1"/>
+          </a:fillRef>
+          <a:effectRef idx="0">
+            <a:schemeClr val="accent2"/>
+          </a:effectRef>
+          <a:fontRef idx="minor">
+            <a:schemeClr val="dk1"/>
+          </a:fontRef>
+        </p:style>
+        <p:txBody>
+          <a:bodyPr lIns="90000" tIns="72000" rIns="90000" bIns="72000" rtlCol="0" anchor="ctr"/>
+          <a:lstStyle/>
+          <a:p>
+            <a:pPr marR="0" algn="ctr" defTabSz="914400" eaLnBrk="1" fontAlgn="base" latinLnBrk="0" hangingPunct="1">
+              <a:lnSpc>
+                <a:spcPct val="100000"/>
+              </a:lnSpc>
+              <a:spcBef>
+                <a:spcPct val="50000"/>
+              </a:spcBef>
+              <a:spcAft>
+                <a:spcPct val="0"/>
+              </a:spcAft>
+              <a:buClr>
+                <a:srgbClr val="F0AB00"/>
+              </a:buClr>
+              <a:buSzPct val="80000"/>
+              <a:tabLst/>
+            </a:pPr>
+            <a:r>
+              <a:rPr lang="en-US" sz="1800" kern="0" dirty="0">
+                <a:ea typeface="Arial Unicode MS" pitchFamily="34" charset="-128"/>
+                <a:cs typeface="Arial Unicode MS" pitchFamily="34" charset="-128"/>
+              </a:rPr>
+              <a:t>secrets</a:t>
+            </a:r>
+            <a:endParaRPr kumimoji="0" lang="en-US" sz="1800" b="0" i="0" u="none" strike="noStrike" kern="0" cap="none" spc="0" normalizeH="0" baseline="0" noProof="0" dirty="0">
+              <a:ln>
+                <a:noFill/>
+              </a:ln>
+              <a:effectLst/>
+              <a:uLnTx/>
+              <a:uFillTx/>
+              <a:ea typeface="Arial Unicode MS" pitchFamily="34" charset="-128"/>
+              <a:cs typeface="Arial Unicode MS" pitchFamily="34" charset="-128"/>
+            </a:endParaRPr>
+          </a:p>
+        </p:txBody>
+      </p:sp>
+      <p:cxnSp>
+        <p:nvCxnSpPr>
+          <p:cNvPr id="24" name="Straight Arrow Connector 23"/>
+          <p:cNvCxnSpPr>
+            <a:stCxn id="22" idx="1"/>
+            <a:endCxn id="7" idx="2"/>
+          </p:cNvCxnSpPr>
+          <p:nvPr/>
+        </p:nvCxnSpPr>
+        <p:spPr>
+          <a:xfrm flipV="1">
+            <a:off x="3983024" y="5123209"/>
+            <a:ext cx="1" cy="377514"/>
+          </a:xfrm>
+          <a:prstGeom prst="straightConnector1">
+            <a:avLst/>
+          </a:prstGeom>
+          <a:ln w="38100">
+            <a:solidFill>
+              <a:schemeClr val="tx2">
+                <a:lumMod val="60000"/>
+                <a:lumOff val="40000"/>
+              </a:schemeClr>
+            </a:solidFill>
+            <a:headEnd type="none" w="med" len="med"/>
+            <a:tailEnd type="triangle"/>
+          </a:ln>
+        </p:spPr>
+        <p:style>
+          <a:lnRef idx="1">
+            <a:schemeClr val="accent1"/>
+          </a:lnRef>
+          <a:fillRef idx="0">
+            <a:schemeClr val="accent1"/>
+          </a:fillRef>
+          <a:effectRef idx="0">
+            <a:schemeClr val="accent1"/>
+          </a:effectRef>
+          <a:fontRef idx="minor">
+            <a:schemeClr val="tx1"/>
+          </a:fontRef>
+        </p:style>
+      </p:cxnSp>
+    </p:spTree>
+    <p:extLst>
+      <p:ext uri="{BB962C8B-B14F-4D97-AF65-F5344CB8AC3E}">
+        <p14:creationId xmlns:p14="http://schemas.microsoft.com/office/powerpoint/2010/main" val="864191870"/>
+      </p:ext>
+    </p:extLst>
+  </p:cSld>
+  <p:clrMapOvr>
+    <a:masterClrMapping/>
+  </p:clrMapOvr>
+</p:sld>
+</file>
+
+<file path=ppt/slides/slide20.xml><?xml version="1.0" encoding="utf-8"?>
 <p:sld xmlns:a="http://schemas.openxmlformats.org/drawingml/2006/main" xmlns:r="http://schemas.openxmlformats.org/officeDocument/2006/relationships" xmlns:p="http://schemas.openxmlformats.org/presentationml/2006/main">
   <p:cSld>
     <p:spTree>
@@ -29292,662 +30041,7 @@
 </p:sld>
 </file>
 
-<file path=ppt/slides/slide2.xml><?xml version="1.0" encoding="utf-8"?>
-<p:sld xmlns:a="http://schemas.openxmlformats.org/drawingml/2006/main" xmlns:r="http://schemas.openxmlformats.org/officeDocument/2006/relationships" xmlns:p="http://schemas.openxmlformats.org/presentationml/2006/main">
-  <p:cSld>
-    <p:spTree>
-      <p:nvGrpSpPr>
-        <p:cNvPr id="1" name=""/>
-        <p:cNvGrpSpPr/>
-        <p:nvPr/>
-      </p:nvGrpSpPr>
-      <p:grpSpPr>
-        <a:xfrm>
-          <a:off x="0" y="0"/>
-          <a:ext cx="0" cy="0"/>
-          <a:chOff x="0" y="0"/>
-          <a:chExt cx="0" cy="0"/>
-        </a:xfrm>
-      </p:grpSpPr>
-      <p:sp>
-        <p:nvSpPr>
-          <p:cNvPr id="13" name="Rectangle 12"/>
-          <p:cNvSpPr/>
-          <p:nvPr/>
-        </p:nvSpPr>
-        <p:spPr bwMode="gray">
-          <a:xfrm>
-            <a:off x="2171701" y="3185160"/>
-            <a:ext cx="6179820" cy="3303743"/>
-          </a:xfrm>
-          <a:prstGeom prst="rect">
-            <a:avLst/>
-          </a:prstGeom>
-          <a:ln>
-            <a:headEnd/>
-            <a:tailEnd/>
-          </a:ln>
-        </p:spPr>
-        <p:style>
-          <a:lnRef idx="2">
-            <a:schemeClr val="accent2">
-              <a:shade val="50000"/>
-            </a:schemeClr>
-          </a:lnRef>
-          <a:fillRef idx="1">
-            <a:schemeClr val="accent2"/>
-          </a:fillRef>
-          <a:effectRef idx="0">
-            <a:schemeClr val="accent2"/>
-          </a:effectRef>
-          <a:fontRef idx="minor">
-            <a:schemeClr val="lt1"/>
-          </a:fontRef>
-        </p:style>
-        <p:txBody>
-          <a:bodyPr lIns="90000" tIns="72000" rIns="90000" bIns="72000" rtlCol="0" anchor="t"/>
-          <a:lstStyle/>
-          <a:p>
-            <a:pPr marR="0" algn="ctr" defTabSz="914400" eaLnBrk="1" fontAlgn="base" latinLnBrk="0" hangingPunct="1">
-              <a:lnSpc>
-                <a:spcPct val="100000"/>
-              </a:lnSpc>
-              <a:spcBef>
-                <a:spcPct val="50000"/>
-              </a:spcBef>
-              <a:spcAft>
-                <a:spcPct val="0"/>
-              </a:spcAft>
-              <a:buClr>
-                <a:srgbClr val="F0AB00"/>
-              </a:buClr>
-              <a:buSzPct val="80000"/>
-              <a:tabLst/>
-            </a:pPr>
-            <a:r>
-              <a:rPr lang="en-US" sz="1600" b="1" kern="0" dirty="0">
-                <a:ea typeface="Arial Unicode MS" pitchFamily="34" charset="-128"/>
-                <a:cs typeface="Arial Unicode MS" pitchFamily="34" charset="-128"/>
-              </a:rPr>
-              <a:t>Namespace</a:t>
-            </a:r>
-            <a:endParaRPr kumimoji="0" lang="en-US" sz="1600" b="1" i="0" u="none" strike="noStrike" kern="0" cap="none" spc="0" normalizeH="0" baseline="0" noProof="0" dirty="0">
-              <a:ln>
-                <a:noFill/>
-              </a:ln>
-              <a:effectLst/>
-              <a:uLnTx/>
-              <a:uFillTx/>
-              <a:ea typeface="Arial Unicode MS" pitchFamily="34" charset="-128"/>
-              <a:cs typeface="Arial Unicode MS" pitchFamily="34" charset="-128"/>
-            </a:endParaRPr>
-          </a:p>
-        </p:txBody>
-      </p:sp>
-      <p:sp>
-        <p:nvSpPr>
-          <p:cNvPr id="2" name="Title 1"/>
-          <p:cNvSpPr>
-            <a:spLocks noGrp="1"/>
-          </p:cNvSpPr>
-          <p:nvPr>
-            <p:ph type="title"/>
-          </p:nvPr>
-        </p:nvSpPr>
-        <p:spPr/>
-        <p:txBody>
-          <a:bodyPr/>
-          <a:lstStyle/>
-          <a:p>
-            <a:r>
-              <a:rPr lang="en-US" dirty="0"/>
-              <a:t>Service Accounts</a:t>
-            </a:r>
-          </a:p>
-        </p:txBody>
-      </p:sp>
-      <p:sp>
-        <p:nvSpPr>
-          <p:cNvPr id="8" name="Rectangle 7"/>
-          <p:cNvSpPr/>
-          <p:nvPr/>
-        </p:nvSpPr>
-        <p:spPr>
-          <a:xfrm>
-            <a:off x="504000" y="1223190"/>
-            <a:ext cx="10918380" cy="1708160"/>
-          </a:xfrm>
-          <a:prstGeom prst="rect">
-            <a:avLst/>
-          </a:prstGeom>
-        </p:spPr>
-        <p:txBody>
-          <a:bodyPr wrap="square">
-            <a:spAutoFit/>
-          </a:bodyPr>
-          <a:lstStyle/>
-          <a:p>
-            <a:pPr marL="342900" indent="-342900">
-              <a:buFont typeface="Wingdings" panose="05000000000000000000" pitchFamily="2" charset="2"/>
-              <a:buChar char="§"/>
-            </a:pPr>
-            <a:r>
-              <a:rPr lang="en-US" dirty="0"/>
-              <a:t>Service accounts are technical user in Kubernetes</a:t>
-            </a:r>
-          </a:p>
-          <a:p>
-            <a:pPr marL="342900" indent="-342900">
-              <a:buFont typeface="Wingdings" panose="05000000000000000000" pitchFamily="2" charset="2"/>
-              <a:buChar char="§"/>
-            </a:pPr>
-            <a:r>
-              <a:rPr lang="en-US" dirty="0"/>
-              <a:t>Bound to a namespace</a:t>
-            </a:r>
-          </a:p>
-          <a:p>
-            <a:pPr marL="342900" indent="-342900">
-              <a:buFont typeface="Wingdings" panose="05000000000000000000" pitchFamily="2" charset="2"/>
-              <a:buChar char="§"/>
-            </a:pPr>
-            <a:r>
-              <a:rPr lang="en-US" dirty="0"/>
-              <a:t>Allowed to communicate with the API server</a:t>
-            </a:r>
-          </a:p>
-          <a:p>
-            <a:pPr marL="342900" indent="-342900">
-              <a:buFont typeface="Wingdings" panose="05000000000000000000" pitchFamily="2" charset="2"/>
-              <a:buChar char="§"/>
-            </a:pPr>
-            <a:r>
-              <a:rPr lang="en-US" dirty="0"/>
-              <a:t>Provide identity for pods</a:t>
-            </a:r>
-          </a:p>
-          <a:p>
-            <a:pPr marL="342900" indent="-342900">
-              <a:buFont typeface="Wingdings" panose="05000000000000000000" pitchFamily="2" charset="2"/>
-              <a:buChar char="§"/>
-            </a:pPr>
-            <a:r>
-              <a:rPr lang="en-US" dirty="0"/>
-              <a:t>Pods can inherit permissions to access the API server or a registry (image pull secret)</a:t>
-            </a:r>
-          </a:p>
-        </p:txBody>
-      </p:sp>
-      <p:sp>
-        <p:nvSpPr>
-          <p:cNvPr id="7" name="Rectangle 6"/>
-          <p:cNvSpPr/>
-          <p:nvPr/>
-        </p:nvSpPr>
-        <p:spPr bwMode="gray">
-          <a:xfrm>
-            <a:off x="3169059" y="3966951"/>
-            <a:ext cx="1627931" cy="1156258"/>
-          </a:xfrm>
-          <a:prstGeom prst="rect">
-            <a:avLst/>
-          </a:prstGeom>
-          <a:ln>
-            <a:headEnd/>
-            <a:tailEnd/>
-          </a:ln>
-        </p:spPr>
-        <p:style>
-          <a:lnRef idx="2">
-            <a:schemeClr val="accent2"/>
-          </a:lnRef>
-          <a:fillRef idx="1">
-            <a:schemeClr val="lt1"/>
-          </a:fillRef>
-          <a:effectRef idx="0">
-            <a:schemeClr val="accent2"/>
-          </a:effectRef>
-          <a:fontRef idx="minor">
-            <a:schemeClr val="dk1"/>
-          </a:fontRef>
-        </p:style>
-        <p:txBody>
-          <a:bodyPr lIns="90000" tIns="72000" rIns="90000" bIns="72000" rtlCol="0" anchor="ctr"/>
-          <a:lstStyle/>
-          <a:p>
-            <a:pPr marR="0" algn="ctr" defTabSz="914400" eaLnBrk="1" fontAlgn="base" latinLnBrk="0" hangingPunct="1">
-              <a:lnSpc>
-                <a:spcPct val="100000"/>
-              </a:lnSpc>
-              <a:spcBef>
-                <a:spcPct val="50000"/>
-              </a:spcBef>
-              <a:spcAft>
-                <a:spcPct val="0"/>
-              </a:spcAft>
-              <a:buClr>
-                <a:srgbClr val="F0AB00"/>
-              </a:buClr>
-              <a:buSzPct val="80000"/>
-              <a:tabLst/>
-            </a:pPr>
-            <a:r>
-              <a:rPr lang="en-US" sz="1800" kern="0" dirty="0">
-                <a:ea typeface="Arial Unicode MS" pitchFamily="34" charset="-128"/>
-                <a:cs typeface="Arial Unicode MS" pitchFamily="34" charset="-128"/>
-              </a:rPr>
-              <a:t>service account</a:t>
-            </a:r>
-          </a:p>
-          <a:p>
-            <a:pPr marR="0" algn="ctr" defTabSz="914400" eaLnBrk="1" fontAlgn="base" latinLnBrk="0" hangingPunct="1">
-              <a:lnSpc>
-                <a:spcPct val="100000"/>
-              </a:lnSpc>
-              <a:spcBef>
-                <a:spcPct val="50000"/>
-              </a:spcBef>
-              <a:spcAft>
-                <a:spcPct val="0"/>
-              </a:spcAft>
-              <a:buClr>
-                <a:srgbClr val="F0AB00"/>
-              </a:buClr>
-              <a:buSzPct val="80000"/>
-              <a:tabLst/>
-            </a:pPr>
-            <a:r>
-              <a:rPr kumimoji="0" lang="en-US" sz="1800" b="0" i="0" u="none" strike="noStrike" kern="0" cap="none" spc="0" normalizeH="0" baseline="0" noProof="0" dirty="0">
-                <a:ln>
-                  <a:noFill/>
-                </a:ln>
-                <a:effectLst/>
-                <a:uLnTx/>
-                <a:uFillTx/>
-                <a:ea typeface="Arial Unicode MS" pitchFamily="34" charset="-128"/>
-                <a:cs typeface="Arial Unicode MS" pitchFamily="34" charset="-128"/>
-              </a:rPr>
-              <a:t>“default”</a:t>
-            </a:r>
-          </a:p>
-        </p:txBody>
-      </p:sp>
-      <p:sp>
-        <p:nvSpPr>
-          <p:cNvPr id="12" name="Rectangle 11"/>
-          <p:cNvSpPr/>
-          <p:nvPr/>
-        </p:nvSpPr>
-        <p:spPr bwMode="gray">
-          <a:xfrm>
-            <a:off x="6624394" y="3542373"/>
-            <a:ext cx="1062486" cy="806724"/>
-          </a:xfrm>
-          <a:prstGeom prst="rect">
-            <a:avLst/>
-          </a:prstGeom>
-          <a:ln>
-            <a:headEnd/>
-            <a:tailEnd/>
-          </a:ln>
-        </p:spPr>
-        <p:style>
-          <a:lnRef idx="2">
-            <a:schemeClr val="accent2"/>
-          </a:lnRef>
-          <a:fillRef idx="1">
-            <a:schemeClr val="lt1"/>
-          </a:fillRef>
-          <a:effectRef idx="0">
-            <a:schemeClr val="accent2"/>
-          </a:effectRef>
-          <a:fontRef idx="minor">
-            <a:schemeClr val="dk1"/>
-          </a:fontRef>
-        </p:style>
-        <p:txBody>
-          <a:bodyPr lIns="90000" tIns="72000" rIns="90000" bIns="72000" rtlCol="0" anchor="ctr"/>
-          <a:lstStyle/>
-          <a:p>
-            <a:pPr marR="0" algn="ctr" defTabSz="914400" eaLnBrk="1" fontAlgn="base" latinLnBrk="0" hangingPunct="1">
-              <a:lnSpc>
-                <a:spcPct val="100000"/>
-              </a:lnSpc>
-              <a:spcBef>
-                <a:spcPct val="50000"/>
-              </a:spcBef>
-              <a:spcAft>
-                <a:spcPct val="0"/>
-              </a:spcAft>
-              <a:buClr>
-                <a:srgbClr val="F0AB00"/>
-              </a:buClr>
-              <a:buSzPct val="80000"/>
-              <a:tabLst/>
-            </a:pPr>
-            <a:r>
-              <a:rPr lang="en-US" sz="1800" kern="0" noProof="0" dirty="0">
-                <a:ea typeface="Arial Unicode MS" pitchFamily="34" charset="-128"/>
-                <a:cs typeface="Arial Unicode MS" pitchFamily="34" charset="-128"/>
-              </a:rPr>
-              <a:t>Pod</a:t>
-            </a:r>
-            <a:r>
-              <a:rPr lang="en-US" sz="1800" kern="0" dirty="0">
-                <a:ea typeface="Arial Unicode MS" pitchFamily="34" charset="-128"/>
-                <a:cs typeface="Arial Unicode MS" pitchFamily="34" charset="-128"/>
-              </a:rPr>
-              <a:t> A</a:t>
-            </a:r>
-            <a:endParaRPr kumimoji="0" lang="en-US" sz="1800" b="0" i="0" u="none" strike="noStrike" kern="0" cap="none" spc="0" normalizeH="0" baseline="0" noProof="0" dirty="0">
-              <a:ln>
-                <a:noFill/>
-              </a:ln>
-              <a:effectLst/>
-              <a:uLnTx/>
-              <a:uFillTx/>
-              <a:ea typeface="Arial Unicode MS" pitchFamily="34" charset="-128"/>
-              <a:cs typeface="Arial Unicode MS" pitchFamily="34" charset="-128"/>
-            </a:endParaRPr>
-          </a:p>
-        </p:txBody>
-      </p:sp>
-      <p:sp>
-        <p:nvSpPr>
-          <p:cNvPr id="14" name="Rectangle 13"/>
-          <p:cNvSpPr/>
-          <p:nvPr/>
-        </p:nvSpPr>
-        <p:spPr bwMode="gray">
-          <a:xfrm>
-            <a:off x="6624394" y="5477853"/>
-            <a:ext cx="1062486" cy="806724"/>
-          </a:xfrm>
-          <a:prstGeom prst="rect">
-            <a:avLst/>
-          </a:prstGeom>
-          <a:ln>
-            <a:headEnd/>
-            <a:tailEnd/>
-          </a:ln>
-        </p:spPr>
-        <p:style>
-          <a:lnRef idx="2">
-            <a:schemeClr val="accent2"/>
-          </a:lnRef>
-          <a:fillRef idx="1">
-            <a:schemeClr val="lt1"/>
-          </a:fillRef>
-          <a:effectRef idx="0">
-            <a:schemeClr val="accent2"/>
-          </a:effectRef>
-          <a:fontRef idx="minor">
-            <a:schemeClr val="dk1"/>
-          </a:fontRef>
-        </p:style>
-        <p:txBody>
-          <a:bodyPr lIns="90000" tIns="72000" rIns="90000" bIns="72000" rtlCol="0" anchor="ctr"/>
-          <a:lstStyle/>
-          <a:p>
-            <a:pPr marR="0" algn="ctr" defTabSz="914400" eaLnBrk="1" fontAlgn="base" latinLnBrk="0" hangingPunct="1">
-              <a:lnSpc>
-                <a:spcPct val="100000"/>
-              </a:lnSpc>
-              <a:spcBef>
-                <a:spcPct val="50000"/>
-              </a:spcBef>
-              <a:spcAft>
-                <a:spcPct val="0"/>
-              </a:spcAft>
-              <a:buClr>
-                <a:srgbClr val="F0AB00"/>
-              </a:buClr>
-              <a:buSzPct val="80000"/>
-              <a:tabLst/>
-            </a:pPr>
-            <a:r>
-              <a:rPr lang="en-US" sz="1800" kern="0" noProof="0" dirty="0">
-                <a:ea typeface="Arial Unicode MS" pitchFamily="34" charset="-128"/>
-                <a:cs typeface="Arial Unicode MS" pitchFamily="34" charset="-128"/>
-              </a:rPr>
-              <a:t>Pod</a:t>
-            </a:r>
-            <a:r>
-              <a:rPr lang="en-US" sz="1800" kern="0" dirty="0">
-                <a:ea typeface="Arial Unicode MS" pitchFamily="34" charset="-128"/>
-                <a:cs typeface="Arial Unicode MS" pitchFamily="34" charset="-128"/>
-              </a:rPr>
-              <a:t> B</a:t>
-            </a:r>
-            <a:endParaRPr kumimoji="0" lang="en-US" sz="1800" b="0" i="0" u="none" strike="noStrike" kern="0" cap="none" spc="0" normalizeH="0" baseline="0" noProof="0" dirty="0">
-              <a:ln>
-                <a:noFill/>
-              </a:ln>
-              <a:effectLst/>
-              <a:uLnTx/>
-              <a:uFillTx/>
-              <a:ea typeface="Arial Unicode MS" pitchFamily="34" charset="-128"/>
-              <a:cs typeface="Arial Unicode MS" pitchFamily="34" charset="-128"/>
-            </a:endParaRPr>
-          </a:p>
-        </p:txBody>
-      </p:sp>
-      <p:cxnSp>
-        <p:nvCxnSpPr>
-          <p:cNvPr id="16" name="Straight Arrow Connector 15"/>
-          <p:cNvCxnSpPr>
-            <a:stCxn id="7" idx="3"/>
-            <a:endCxn id="12" idx="1"/>
-          </p:cNvCxnSpPr>
-          <p:nvPr/>
-        </p:nvCxnSpPr>
-        <p:spPr>
-          <a:xfrm flipV="1">
-            <a:off x="4796990" y="3945735"/>
-            <a:ext cx="1827404" cy="599345"/>
-          </a:xfrm>
-          <a:prstGeom prst="straightConnector1">
-            <a:avLst/>
-          </a:prstGeom>
-          <a:ln w="38100">
-            <a:solidFill>
-              <a:schemeClr val="tx2">
-                <a:lumMod val="60000"/>
-                <a:lumOff val="40000"/>
-              </a:schemeClr>
-            </a:solidFill>
-            <a:headEnd type="none" w="med" len="med"/>
-            <a:tailEnd type="triangle"/>
-          </a:ln>
-        </p:spPr>
-        <p:style>
-          <a:lnRef idx="1">
-            <a:schemeClr val="accent1"/>
-          </a:lnRef>
-          <a:fillRef idx="0">
-            <a:schemeClr val="accent1"/>
-          </a:fillRef>
-          <a:effectRef idx="0">
-            <a:schemeClr val="accent1"/>
-          </a:effectRef>
-          <a:fontRef idx="minor">
-            <a:schemeClr val="tx1"/>
-          </a:fontRef>
-        </p:style>
-      </p:cxnSp>
-      <p:cxnSp>
-        <p:nvCxnSpPr>
-          <p:cNvPr id="17" name="Straight Arrow Connector 16"/>
-          <p:cNvCxnSpPr>
-            <a:stCxn id="7" idx="3"/>
-            <a:endCxn id="14" idx="1"/>
-          </p:cNvCxnSpPr>
-          <p:nvPr/>
-        </p:nvCxnSpPr>
-        <p:spPr>
-          <a:xfrm>
-            <a:off x="4796990" y="4545080"/>
-            <a:ext cx="1827404" cy="1336135"/>
-          </a:xfrm>
-          <a:prstGeom prst="straightConnector1">
-            <a:avLst/>
-          </a:prstGeom>
-          <a:ln w="38100">
-            <a:solidFill>
-              <a:schemeClr val="tx2">
-                <a:lumMod val="60000"/>
-                <a:lumOff val="40000"/>
-              </a:schemeClr>
-            </a:solidFill>
-            <a:headEnd type="none" w="med" len="med"/>
-            <a:tailEnd type="triangle"/>
-          </a:ln>
-        </p:spPr>
-        <p:style>
-          <a:lnRef idx="1">
-            <a:schemeClr val="accent1"/>
-          </a:lnRef>
-          <a:fillRef idx="0">
-            <a:schemeClr val="accent1"/>
-          </a:fillRef>
-          <a:effectRef idx="0">
-            <a:schemeClr val="accent1"/>
-          </a:effectRef>
-          <a:fontRef idx="minor">
-            <a:schemeClr val="tx1"/>
-          </a:fontRef>
-        </p:style>
-      </p:cxnSp>
-      <p:sp>
-        <p:nvSpPr>
-          <p:cNvPr id="22" name="Cylinder 21"/>
-          <p:cNvSpPr/>
-          <p:nvPr/>
-        </p:nvSpPr>
-        <p:spPr bwMode="gray">
-          <a:xfrm>
-            <a:off x="3481540" y="5500723"/>
-            <a:ext cx="1002967" cy="812920"/>
-          </a:xfrm>
-          <a:prstGeom prst="can">
-            <a:avLst/>
-          </a:prstGeom>
-          <a:ln>
-            <a:headEnd/>
-            <a:tailEnd/>
-          </a:ln>
-        </p:spPr>
-        <p:style>
-          <a:lnRef idx="2">
-            <a:schemeClr val="accent2"/>
-          </a:lnRef>
-          <a:fillRef idx="1">
-            <a:schemeClr val="lt1"/>
-          </a:fillRef>
-          <a:effectRef idx="0">
-            <a:schemeClr val="accent2"/>
-          </a:effectRef>
-          <a:fontRef idx="minor">
-            <a:schemeClr val="dk1"/>
-          </a:fontRef>
-        </p:style>
-        <p:txBody>
-          <a:bodyPr lIns="90000" tIns="72000" rIns="90000" bIns="72000" rtlCol="0" anchor="ctr"/>
-          <a:lstStyle/>
-          <a:p>
-            <a:pPr marR="0" algn="ctr" defTabSz="914400" eaLnBrk="1" fontAlgn="base" latinLnBrk="0" hangingPunct="1">
-              <a:lnSpc>
-                <a:spcPct val="100000"/>
-              </a:lnSpc>
-              <a:spcBef>
-                <a:spcPct val="50000"/>
-              </a:spcBef>
-              <a:spcAft>
-                <a:spcPct val="0"/>
-              </a:spcAft>
-              <a:buClr>
-                <a:srgbClr val="F0AB00"/>
-              </a:buClr>
-              <a:buSzPct val="80000"/>
-              <a:tabLst/>
-            </a:pPr>
-            <a:r>
-              <a:rPr lang="en-US" sz="1800" kern="0" dirty="0">
-                <a:ea typeface="Arial Unicode MS" pitchFamily="34" charset="-128"/>
-                <a:cs typeface="Arial Unicode MS" pitchFamily="34" charset="-128"/>
-              </a:rPr>
-              <a:t>secrets</a:t>
-            </a:r>
-            <a:endParaRPr kumimoji="0" lang="en-US" sz="1800" b="0" i="0" u="none" strike="noStrike" kern="0" cap="none" spc="0" normalizeH="0" baseline="0" noProof="0" dirty="0">
-              <a:ln>
-                <a:noFill/>
-              </a:ln>
-              <a:effectLst/>
-              <a:uLnTx/>
-              <a:uFillTx/>
-              <a:ea typeface="Arial Unicode MS" pitchFamily="34" charset="-128"/>
-              <a:cs typeface="Arial Unicode MS" pitchFamily="34" charset="-128"/>
-            </a:endParaRPr>
-          </a:p>
-        </p:txBody>
-      </p:sp>
-      <p:cxnSp>
-        <p:nvCxnSpPr>
-          <p:cNvPr id="24" name="Straight Arrow Connector 23"/>
-          <p:cNvCxnSpPr>
-            <a:stCxn id="22" idx="1"/>
-            <a:endCxn id="7" idx="2"/>
-          </p:cNvCxnSpPr>
-          <p:nvPr/>
-        </p:nvCxnSpPr>
-        <p:spPr>
-          <a:xfrm flipV="1">
-            <a:off x="3983024" y="5123209"/>
-            <a:ext cx="1" cy="377514"/>
-          </a:xfrm>
-          <a:prstGeom prst="straightConnector1">
-            <a:avLst/>
-          </a:prstGeom>
-          <a:ln w="38100">
-            <a:solidFill>
-              <a:schemeClr val="tx2">
-                <a:lumMod val="60000"/>
-                <a:lumOff val="40000"/>
-              </a:schemeClr>
-            </a:solidFill>
-            <a:headEnd type="none" w="med" len="med"/>
-            <a:tailEnd type="triangle"/>
-          </a:ln>
-        </p:spPr>
-        <p:style>
-          <a:lnRef idx="1">
-            <a:schemeClr val="accent1"/>
-          </a:lnRef>
-          <a:fillRef idx="0">
-            <a:schemeClr val="accent1"/>
-          </a:fillRef>
-          <a:effectRef idx="0">
-            <a:schemeClr val="accent1"/>
-          </a:effectRef>
-          <a:fontRef idx="minor">
-            <a:schemeClr val="tx1"/>
-          </a:fontRef>
-        </p:style>
-      </p:cxnSp>
-    </p:spTree>
-    <p:extLst>
-      <p:ext uri="{BB962C8B-B14F-4D97-AF65-F5344CB8AC3E}">
-        <p14:creationId xmlns:p14="http://schemas.microsoft.com/office/powerpoint/2010/main" val="864191870"/>
-      </p:ext>
-    </p:extLst>
-  </p:cSld>
-  <p:clrMapOvr>
-    <a:masterClrMapping/>
-  </p:clrMapOvr>
-</p:sld>
-</file>
-
-<file path=ppt/slides/slide20.xml><?xml version="1.0" encoding="utf-8"?>
+<file path=ppt/slides/slide21.xml><?xml version="1.0" encoding="utf-8"?>
 <p:sld xmlns:a="http://schemas.openxmlformats.org/drawingml/2006/main" xmlns:r="http://schemas.openxmlformats.org/officeDocument/2006/relationships" xmlns:p="http://schemas.openxmlformats.org/presentationml/2006/main" show="0">
   <p:cSld>
     <p:spTree>
@@ -33403,7 +33497,7 @@
         </p:nvSpPr>
         <p:spPr bwMode="gray">
           <a:xfrm>
-            <a:off x="4612822" y="1395846"/>
+            <a:off x="4612822" y="1407135"/>
             <a:ext cx="6179820" cy="4604904"/>
           </a:xfrm>
           <a:prstGeom prst="rect">

--- a/kubernetes/11_administration.pptx
+++ b/kubernetes/11_administration.pptx
@@ -17491,6 +17491,44 @@
           </a:p>
         </p:txBody>
       </p:sp>
+      <p:pic>
+        <p:nvPicPr>
+          <p:cNvPr id="4" name="mario">
+            <a:hlinkClick r:id="" action="ppaction://media"/>
+            <a:extLst>
+              <a:ext uri="{FF2B5EF4-FFF2-40B4-BE49-F238E27FC236}">
+                <a16:creationId xmlns:a16="http://schemas.microsoft.com/office/drawing/2014/main" id="{5EDB2663-CD61-4DD6-BC63-9F4A86D811FD}"/>
+              </a:ext>
+            </a:extLst>
+          </p:cNvPr>
+          <p:cNvPicPr>
+            <a:picLocks noChangeAspect="1"/>
+          </p:cNvPicPr>
+          <p:nvPr>
+            <a:audioFile r:link="rId2"/>
+            <p:extLst>
+              <p:ext uri="{DAA4B4D4-6D71-4841-9C94-3DE7FCFB9230}">
+                <p14:media xmlns:p14="http://schemas.microsoft.com/office/powerpoint/2010/main" r:embed="rId1"/>
+              </p:ext>
+            </p:extLst>
+          </p:nvPr>
+        </p:nvPicPr>
+        <p:blipFill>
+          <a:blip r:embed="rId5"/>
+          <a:stretch>
+            <a:fillRect/>
+          </a:stretch>
+        </p:blipFill>
+        <p:spPr>
+          <a:xfrm>
+            <a:off x="3231203" y="383866"/>
+            <a:ext cx="609600" cy="609600"/>
+          </a:xfrm>
+          <a:prstGeom prst="rect">
+            <a:avLst/>
+          </a:prstGeom>
+        </p:spPr>
+      </p:pic>
     </p:spTree>
     <p:extLst>
       <p:ext uri="{BB962C8B-B14F-4D97-AF65-F5344CB8AC3E}">
@@ -17501,6 +17539,93 @@
   <p:clrMapOvr>
     <a:masterClrMapping/>
   </p:clrMapOvr>
+  <p:timing>
+    <p:tnLst>
+      <p:par>
+        <p:cTn id="1" dur="indefinite" restart="never" nodeType="tmRoot">
+          <p:childTnLst>
+            <p:seq concurrent="1" nextAc="seek">
+              <p:cTn id="2" dur="indefinite" nodeType="mainSeq">
+                <p:childTnLst>
+                  <p:par>
+                    <p:cTn id="3" fill="hold">
+                      <p:stCondLst>
+                        <p:cond delay="indefinite"/>
+                        <p:cond evt="onBegin" delay="0">
+                          <p:tn val="2"/>
+                        </p:cond>
+                      </p:stCondLst>
+                      <p:childTnLst>
+                        <p:par>
+                          <p:cTn id="4" fill="hold">
+                            <p:stCondLst>
+                              <p:cond delay="0"/>
+                            </p:stCondLst>
+                            <p:childTnLst>
+                              <p:par>
+                                <p:cTn id="5" presetID="1" presetClass="mediacall" presetSubtype="0" fill="hold" nodeType="afterEffect">
+                                  <p:stCondLst>
+                                    <p:cond delay="0"/>
+                                  </p:stCondLst>
+                                  <p:childTnLst>
+                                    <p:cmd type="call" cmd="playFrom(0.0)">
+                                      <p:cBhvr>
+                                        <p:cTn id="6" dur="2361" fill="hold"/>
+                                        <p:tgtEl>
+                                          <p:spTgt spid="4"/>
+                                        </p:tgtEl>
+                                      </p:cBhvr>
+                                    </p:cmd>
+                                  </p:childTnLst>
+                                </p:cTn>
+                              </p:par>
+                            </p:childTnLst>
+                          </p:cTn>
+                        </p:par>
+                      </p:childTnLst>
+                    </p:cTn>
+                  </p:par>
+                </p:childTnLst>
+              </p:cTn>
+              <p:prevCondLst>
+                <p:cond evt="onPrev" delay="0">
+                  <p:tgtEl>
+                    <p:sldTgt/>
+                  </p:tgtEl>
+                </p:cond>
+              </p:prevCondLst>
+              <p:nextCondLst>
+                <p:cond evt="onNext" delay="0">
+                  <p:tgtEl>
+                    <p:sldTgt/>
+                  </p:tgtEl>
+                </p:cond>
+              </p:nextCondLst>
+            </p:seq>
+            <p:audio>
+              <p:cMediaNode vol="80000" showWhenStopped="0">
+                <p:cTn id="7" fill="hold" display="0">
+                  <p:stCondLst>
+                    <p:cond delay="indefinite"/>
+                  </p:stCondLst>
+                  <p:endCondLst>
+                    <p:cond evt="onStopAudio" delay="0">
+                      <p:tgtEl>
+                        <p:sldTgt/>
+                      </p:tgtEl>
+                    </p:cond>
+                  </p:endCondLst>
+                </p:cTn>
+                <p:tgtEl>
+                  <p:spTgt spid="4"/>
+                </p:tgtEl>
+              </p:cMediaNode>
+            </p:audio>
+          </p:childTnLst>
+        </p:cTn>
+      </p:par>
+    </p:tnLst>
+  </p:timing>
 </p:sld>
 </file>
 
@@ -19817,6 +19942,44 @@
           </a:fontRef>
         </p:style>
       </p:cxnSp>
+      <p:pic>
+        <p:nvPicPr>
+          <p:cNvPr id="5" name="mario-end">
+            <a:hlinkClick r:id="" action="ppaction://media"/>
+            <a:extLst>
+              <a:ext uri="{FF2B5EF4-FFF2-40B4-BE49-F238E27FC236}">
+                <a16:creationId xmlns:a16="http://schemas.microsoft.com/office/drawing/2014/main" id="{81106E6E-145A-4D99-B520-20556078FE9F}"/>
+              </a:ext>
+            </a:extLst>
+          </p:cNvPr>
+          <p:cNvPicPr>
+            <a:picLocks noChangeAspect="1"/>
+          </p:cNvPicPr>
+          <p:nvPr>
+            <a:audioFile r:link="rId2"/>
+            <p:extLst>
+              <p:ext uri="{DAA4B4D4-6D71-4841-9C94-3DE7FCFB9230}">
+                <p14:media xmlns:p14="http://schemas.microsoft.com/office/powerpoint/2010/main" r:embed="rId1"/>
+              </p:ext>
+            </p:extLst>
+          </p:nvPr>
+        </p:nvPicPr>
+        <p:blipFill>
+          <a:blip r:embed="rId4"/>
+          <a:stretch>
+            <a:fillRect/>
+          </a:stretch>
+        </p:blipFill>
+        <p:spPr>
+          <a:xfrm>
+            <a:off x="10930622" y="5736631"/>
+            <a:ext cx="609600" cy="609600"/>
+          </a:xfrm>
+          <a:prstGeom prst="rect">
+            <a:avLst/>
+          </a:prstGeom>
+        </p:spPr>
+      </p:pic>
     </p:spTree>
     <p:extLst>
       <p:ext uri="{BB962C8B-B14F-4D97-AF65-F5344CB8AC3E}">
@@ -19827,6 +19990,93 @@
   <p:clrMapOvr>
     <a:masterClrMapping/>
   </p:clrMapOvr>
+  <p:timing>
+    <p:tnLst>
+      <p:par>
+        <p:cTn id="1" dur="indefinite" restart="never" nodeType="tmRoot">
+          <p:childTnLst>
+            <p:seq concurrent="1" nextAc="seek">
+              <p:cTn id="2" dur="indefinite" nodeType="mainSeq">
+                <p:childTnLst>
+                  <p:par>
+                    <p:cTn id="3" fill="hold">
+                      <p:stCondLst>
+                        <p:cond delay="indefinite"/>
+                        <p:cond evt="onBegin" delay="0">
+                          <p:tn val="2"/>
+                        </p:cond>
+                      </p:stCondLst>
+                      <p:childTnLst>
+                        <p:par>
+                          <p:cTn id="4" fill="hold">
+                            <p:stCondLst>
+                              <p:cond delay="0"/>
+                            </p:stCondLst>
+                            <p:childTnLst>
+                              <p:par>
+                                <p:cTn id="5" presetID="1" presetClass="mediacall" presetSubtype="0" fill="hold" nodeType="afterEffect">
+                                  <p:stCondLst>
+                                    <p:cond delay="0"/>
+                                  </p:stCondLst>
+                                  <p:childTnLst>
+                                    <p:cmd type="call" cmd="playFrom(0.0)">
+                                      <p:cBhvr>
+                                        <p:cTn id="6" dur="3791" fill="hold"/>
+                                        <p:tgtEl>
+                                          <p:spTgt spid="5"/>
+                                        </p:tgtEl>
+                                      </p:cBhvr>
+                                    </p:cmd>
+                                  </p:childTnLst>
+                                </p:cTn>
+                              </p:par>
+                            </p:childTnLst>
+                          </p:cTn>
+                        </p:par>
+                      </p:childTnLst>
+                    </p:cTn>
+                  </p:par>
+                </p:childTnLst>
+              </p:cTn>
+              <p:prevCondLst>
+                <p:cond evt="onPrev" delay="0">
+                  <p:tgtEl>
+                    <p:sldTgt/>
+                  </p:tgtEl>
+                </p:cond>
+              </p:prevCondLst>
+              <p:nextCondLst>
+                <p:cond evt="onNext" delay="0">
+                  <p:tgtEl>
+                    <p:sldTgt/>
+                  </p:tgtEl>
+                </p:cond>
+              </p:nextCondLst>
+            </p:seq>
+            <p:audio>
+              <p:cMediaNode vol="80000" showWhenStopped="0">
+                <p:cTn id="7" fill="hold" display="0">
+                  <p:stCondLst>
+                    <p:cond delay="indefinite"/>
+                  </p:stCondLst>
+                  <p:endCondLst>
+                    <p:cond evt="onStopAudio" delay="0">
+                      <p:tgtEl>
+                        <p:sldTgt/>
+                      </p:tgtEl>
+                    </p:cond>
+                  </p:endCondLst>
+                </p:cTn>
+                <p:tgtEl>
+                  <p:spTgt spid="5"/>
+                </p:tgtEl>
+              </p:cMediaNode>
+            </p:audio>
+          </p:childTnLst>
+        </p:cTn>
+      </p:par>
+    </p:tnLst>
+  </p:timing>
 </p:sld>
 </file>
 

--- a/kubernetes/11_administration.pptx
+++ b/kubernetes/11_administration.pptx
@@ -5,10 +5,10 @@
     <p:sldMasterId id="2147483733" r:id="rId1"/>
   </p:sldMasterIdLst>
   <p:notesMasterIdLst>
-    <p:notesMasterId r:id="rId23"/>
+    <p:notesMasterId r:id="rId24"/>
   </p:notesMasterIdLst>
   <p:handoutMasterIdLst>
-    <p:handoutMasterId r:id="rId24"/>
+    <p:handoutMasterId r:id="rId25"/>
   </p:handoutMasterIdLst>
   <p:sldIdLst>
     <p:sldId id="433" r:id="rId2"/>
@@ -31,7 +31,8 @@
     <p:sldId id="449" r:id="rId19"/>
     <p:sldId id="460" r:id="rId20"/>
     <p:sldId id="461" r:id="rId21"/>
-    <p:sldId id="265" r:id="rId22"/>
+    <p:sldId id="465" r:id="rId22"/>
+    <p:sldId id="265" r:id="rId23"/>
   </p:sldIdLst>
   <p:sldSz cx="12195175" cy="6858000"/>
   <p:notesSz cx="6858000" cy="9144000"/>
@@ -207,10 +208,6 @@
 </p:presentation>
 </file>
 
-<file path=ppt/revisionInfo.xml><?xml version="1.0" encoding="utf-8"?>
-<p1510:revInfo xmlns:a="http://schemas.openxmlformats.org/drawingml/2006/main" xmlns:r="http://schemas.openxmlformats.org/officeDocument/2006/relationships" xmlns:p1510="http://schemas.microsoft.com/office/powerpoint/2015/10/main"/>
-</file>
-
 <file path=ppt/handoutMasters/handoutMaster1.xml><?xml version="1.0" encoding="utf-8"?>
 <p:handoutMaster xmlns:a="http://schemas.openxmlformats.org/drawingml/2006/main" xmlns:r="http://schemas.openxmlformats.org/officeDocument/2006/relationships" xmlns:p="http://schemas.openxmlformats.org/presentationml/2006/main">
   <p:cSld>
@@ -1750,6 +1747,37 @@
       </p:grpSpPr>
       <p:sp>
         <p:nvSpPr>
+          <p:cNvPr id="2" name="Slide Image Placeholder 1"/>
+          <p:cNvSpPr>
+            <a:spLocks noGrp="1" noRot="1" noChangeAspect="1"/>
+          </p:cNvSpPr>
+          <p:nvPr>
+            <p:ph type="sldImg"/>
+          </p:nvPr>
+        </p:nvSpPr>
+        <p:spPr/>
+      </p:sp>
+      <p:sp>
+        <p:nvSpPr>
+          <p:cNvPr id="3" name="Notes Placeholder 2"/>
+          <p:cNvSpPr>
+            <a:spLocks noGrp="1"/>
+          </p:cNvSpPr>
+          <p:nvPr>
+            <p:ph type="body" idx="1"/>
+          </p:nvPr>
+        </p:nvSpPr>
+        <p:spPr/>
+        <p:txBody>
+          <a:bodyPr/>
+          <a:lstStyle/>
+          <a:p>
+            <a:endParaRPr lang="en-US" dirty="0"/>
+          </a:p>
+        </p:txBody>
+      </p:sp>
+      <p:sp>
+        <p:nvSpPr>
           <p:cNvPr id="4" name="Slide Number Placeholder 3"/>
           <p:cNvSpPr>
             <a:spLocks noGrp="1"/>
@@ -1764,9 +1792,63 @@
           <a:lstStyle/>
           <a:p>
             <a:fld id="{7D8C2C35-2B8A-446E-BEC0-FD36716C29AC}" type="slidenum">
+              <a:rPr lang="de-DE" smtClean="0"/>
+              <a:pPr/>
+              <a:t>21</a:t>
+            </a:fld>
+            <a:endParaRPr lang="de-DE" dirty="0"/>
+          </a:p>
+        </p:txBody>
+      </p:sp>
+    </p:spTree>
+    <p:extLst>
+      <p:ext uri="{BB962C8B-B14F-4D97-AF65-F5344CB8AC3E}">
+        <p14:creationId xmlns:p14="http://schemas.microsoft.com/office/powerpoint/2010/main" val="857575218"/>
+      </p:ext>
+    </p:extLst>
+  </p:cSld>
+  <p:clrMapOvr>
+    <a:masterClrMapping/>
+  </p:clrMapOvr>
+</p:notes>
+</file>
+
+<file path=ppt/notesSlides/notesSlide19.xml><?xml version="1.0" encoding="utf-8"?>
+<p:notes xmlns:a="http://schemas.openxmlformats.org/drawingml/2006/main" xmlns:r="http://schemas.openxmlformats.org/officeDocument/2006/relationships" xmlns:p="http://schemas.openxmlformats.org/presentationml/2006/main">
+  <p:cSld>
+    <p:spTree>
+      <p:nvGrpSpPr>
+        <p:cNvPr id="1" name=""/>
+        <p:cNvGrpSpPr/>
+        <p:nvPr/>
+      </p:nvGrpSpPr>
+      <p:grpSpPr>
+        <a:xfrm>
+          <a:off x="0" y="0"/>
+          <a:ext cx="0" cy="0"/>
+          <a:chOff x="0" y="0"/>
+          <a:chExt cx="0" cy="0"/>
+        </a:xfrm>
+      </p:grpSpPr>
+      <p:sp>
+        <p:nvSpPr>
+          <p:cNvPr id="4" name="Slide Number Placeholder 3"/>
+          <p:cNvSpPr>
+            <a:spLocks noGrp="1"/>
+          </p:cNvSpPr>
+          <p:nvPr>
+            <p:ph type="sldNum" sz="quarter" idx="10"/>
+          </p:nvPr>
+        </p:nvSpPr>
+        <p:spPr/>
+        <p:txBody>
+          <a:bodyPr/>
+          <a:lstStyle/>
+          <a:p>
+            <a:fld id="{7D8C2C35-2B8A-446E-BEC0-FD36716C29AC}" type="slidenum">
               <a:rPr lang="en-US" smtClean="0"/>
               <a:pPr/>
-              <a:t>21</a:t>
+              <a:t>22</a:t>
             </a:fld>
             <a:endParaRPr lang="en-US" dirty="0"/>
           </a:p>
@@ -30292,6 +30374,1650 @@
 </file>
 
 <file path=ppt/slides/slide21.xml><?xml version="1.0" encoding="utf-8"?>
+<p:sld xmlns:a="http://schemas.openxmlformats.org/drawingml/2006/main" xmlns:r="http://schemas.openxmlformats.org/officeDocument/2006/relationships" xmlns:p="http://schemas.openxmlformats.org/presentationml/2006/main">
+  <p:cSld>
+    <p:spTree>
+      <p:nvGrpSpPr>
+        <p:cNvPr id="1" name=""/>
+        <p:cNvGrpSpPr/>
+        <p:nvPr/>
+      </p:nvGrpSpPr>
+      <p:grpSpPr>
+        <a:xfrm>
+          <a:off x="0" y="0"/>
+          <a:ext cx="0" cy="0"/>
+          <a:chOff x="0" y="0"/>
+          <a:chExt cx="0" cy="0"/>
+        </a:xfrm>
+      </p:grpSpPr>
+      <p:sp>
+        <p:nvSpPr>
+          <p:cNvPr id="3" name="Title 2"/>
+          <p:cNvSpPr>
+            <a:spLocks noGrp="1"/>
+          </p:cNvSpPr>
+          <p:nvPr>
+            <p:ph type="title"/>
+          </p:nvPr>
+        </p:nvSpPr>
+        <p:spPr>
+          <a:xfrm>
+            <a:off x="504001" y="504000"/>
+            <a:ext cx="11186476" cy="738664"/>
+          </a:xfrm>
+        </p:spPr>
+        <p:txBody>
+          <a:bodyPr/>
+          <a:lstStyle/>
+          <a:p>
+            <a:r>
+              <a:rPr lang="de-DE" dirty="0" err="1"/>
+              <a:t>No</a:t>
+            </a:r>
+            <a:r>
+              <a:rPr lang="de-DE" dirty="0"/>
+              <a:t> „</a:t>
+            </a:r>
+            <a:r>
+              <a:rPr lang="de-DE" dirty="0" err="1"/>
+              <a:t>one</a:t>
+            </a:r>
+            <a:r>
+              <a:rPr lang="de-DE" dirty="0"/>
+              <a:t> </a:t>
+            </a:r>
+            <a:r>
+              <a:rPr lang="de-DE" dirty="0" err="1"/>
+              <a:t>size</a:t>
+            </a:r>
+            <a:r>
+              <a:rPr lang="de-DE" dirty="0"/>
+              <a:t> </a:t>
+            </a:r>
+            <a:r>
+              <a:rPr lang="de-DE" dirty="0" err="1"/>
+              <a:t>fits</a:t>
+            </a:r>
+            <a:r>
+              <a:rPr lang="de-DE" dirty="0"/>
+              <a:t> all“ - Cloud </a:t>
+            </a:r>
+            <a:r>
+              <a:rPr lang="de-DE" dirty="0" err="1"/>
+              <a:t>Foundry</a:t>
+            </a:r>
+            <a:r>
+              <a:rPr lang="de-DE" dirty="0"/>
+              <a:t> </a:t>
+            </a:r>
+            <a:r>
+              <a:rPr lang="de-DE" dirty="0" err="1"/>
+              <a:t>and</a:t>
+            </a:r>
+            <a:r>
+              <a:rPr lang="de-DE" dirty="0"/>
+              <a:t> </a:t>
+            </a:r>
+            <a:r>
+              <a:rPr lang="de-DE" dirty="0" err="1"/>
+              <a:t>Kubernetes</a:t>
+            </a:r>
+            <a:br>
+              <a:rPr lang="de-DE" dirty="0"/>
+            </a:br>
+            <a:endParaRPr lang="en-US" dirty="0"/>
+          </a:p>
+        </p:txBody>
+      </p:sp>
+      <p:grpSp>
+        <p:nvGrpSpPr>
+          <p:cNvPr id="4" name="Group 3"/>
+          <p:cNvGrpSpPr/>
+          <p:nvPr/>
+        </p:nvGrpSpPr>
+        <p:grpSpPr>
+          <a:xfrm>
+            <a:off x="369403" y="1674928"/>
+            <a:ext cx="5000980" cy="4150401"/>
+            <a:chOff x="428106" y="2378312"/>
+            <a:chExt cx="5000980" cy="4150401"/>
+          </a:xfrm>
+        </p:grpSpPr>
+        <p:cxnSp>
+          <p:nvCxnSpPr>
+            <p:cNvPr id="5" name="Straight Connector 4"/>
+            <p:cNvCxnSpPr/>
+            <p:nvPr/>
+          </p:nvCxnSpPr>
+          <p:spPr>
+            <a:xfrm>
+              <a:off x="1542670" y="2708734"/>
+              <a:ext cx="0" cy="2725772"/>
+            </a:xfrm>
+            <a:prstGeom prst="line">
+              <a:avLst/>
+            </a:prstGeom>
+            <a:ln w="9525">
+              <a:solidFill>
+                <a:schemeClr val="tx1"/>
+              </a:solidFill>
+              <a:headEnd type="none" w="med" len="med"/>
+              <a:tailEnd type="none" w="med" len="med"/>
+            </a:ln>
+          </p:spPr>
+          <p:style>
+            <a:lnRef idx="1">
+              <a:schemeClr val="accent1"/>
+            </a:lnRef>
+            <a:fillRef idx="0">
+              <a:schemeClr val="accent1"/>
+            </a:fillRef>
+            <a:effectRef idx="0">
+              <a:schemeClr val="accent1"/>
+            </a:effectRef>
+            <a:fontRef idx="minor">
+              <a:schemeClr val="tx1"/>
+            </a:fontRef>
+          </p:style>
+        </p:cxnSp>
+        <p:cxnSp>
+          <p:nvCxnSpPr>
+            <p:cNvPr id="7" name="Straight Connector 6"/>
+            <p:cNvCxnSpPr/>
+            <p:nvPr/>
+          </p:nvCxnSpPr>
+          <p:spPr>
+            <a:xfrm>
+              <a:off x="1524363" y="5434506"/>
+              <a:ext cx="3561781" cy="0"/>
+            </a:xfrm>
+            <a:prstGeom prst="line">
+              <a:avLst/>
+            </a:prstGeom>
+            <a:ln w="9525">
+              <a:solidFill>
+                <a:schemeClr val="tx1"/>
+              </a:solidFill>
+              <a:headEnd type="none" w="med" len="med"/>
+              <a:tailEnd type="none" w="med" len="med"/>
+            </a:ln>
+          </p:spPr>
+          <p:style>
+            <a:lnRef idx="1">
+              <a:schemeClr val="accent1"/>
+            </a:lnRef>
+            <a:fillRef idx="0">
+              <a:schemeClr val="accent1"/>
+            </a:fillRef>
+            <a:effectRef idx="0">
+              <a:schemeClr val="accent1"/>
+            </a:effectRef>
+            <a:fontRef idx="minor">
+              <a:schemeClr val="tx1"/>
+            </a:fontRef>
+          </p:style>
+        </p:cxnSp>
+        <p:sp>
+          <p:nvSpPr>
+            <p:cNvPr id="9" name="TextBox 8"/>
+            <p:cNvSpPr txBox="1"/>
+            <p:nvPr/>
+          </p:nvSpPr>
+          <p:spPr>
+            <a:xfrm>
+              <a:off x="1542670" y="5489127"/>
+              <a:ext cx="1620502" cy="215388"/>
+            </a:xfrm>
+            <a:prstGeom prst="rect">
+              <a:avLst/>
+            </a:prstGeom>
+            <a:noFill/>
+          </p:spPr>
+          <p:txBody>
+            <a:bodyPr wrap="square" lIns="0" tIns="0" rIns="0" bIns="0" rtlCol="0">
+              <a:spAutoFit/>
+            </a:bodyPr>
+            <a:lstStyle/>
+            <a:p>
+              <a:pPr defTabSz="1088449" fontAlgn="base">
+                <a:spcBef>
+                  <a:spcPct val="50000"/>
+                </a:spcBef>
+                <a:spcAft>
+                  <a:spcPct val="0"/>
+                </a:spcAft>
+                <a:buClr>
+                  <a:srgbClr val="F0AB00"/>
+                </a:buClr>
+                <a:buSzPct val="80000"/>
+              </a:pPr>
+              <a:r>
+                <a:rPr lang="de-DE" sz="1400" kern="0" dirty="0" err="1">
+                  <a:ea typeface="Arial Unicode MS" pitchFamily="34" charset="-128"/>
+                  <a:cs typeface="Arial Unicode MS" pitchFamily="34" charset="-128"/>
+                </a:rPr>
+                <a:t>Porting</a:t>
+              </a:r>
+              <a:r>
+                <a:rPr lang="de-DE" sz="1400" kern="0" dirty="0">
+                  <a:ea typeface="Arial Unicode MS" pitchFamily="34" charset="-128"/>
+                  <a:cs typeface="Arial Unicode MS" pitchFamily="34" charset="-128"/>
+                </a:rPr>
+                <a:t> </a:t>
+              </a:r>
+              <a:r>
+                <a:rPr lang="de-DE" sz="1400" kern="0" dirty="0" err="1">
+                  <a:ea typeface="Arial Unicode MS" pitchFamily="34" charset="-128"/>
+                  <a:cs typeface="Arial Unicode MS" pitchFamily="34" charset="-128"/>
+                </a:rPr>
+                <a:t>only</a:t>
+              </a:r>
+              <a:r>
+                <a:rPr lang="de-DE" sz="1400" kern="0" dirty="0">
+                  <a:ea typeface="Arial Unicode MS" pitchFamily="34" charset="-128"/>
+                  <a:cs typeface="Arial Unicode MS" pitchFamily="34" charset="-128"/>
+                </a:rPr>
+                <a:t> (</a:t>
+              </a:r>
+              <a:r>
+                <a:rPr lang="de-DE" sz="1400" kern="0" dirty="0" err="1">
+                  <a:ea typeface="Arial Unicode MS" pitchFamily="34" charset="-128"/>
+                  <a:cs typeface="Arial Unicode MS" pitchFamily="34" charset="-128"/>
+                </a:rPr>
+                <a:t>as-is</a:t>
+              </a:r>
+              <a:r>
+                <a:rPr lang="de-DE" sz="1400" kern="0" dirty="0">
+                  <a:ea typeface="Arial Unicode MS" pitchFamily="34" charset="-128"/>
+                  <a:cs typeface="Arial Unicode MS" pitchFamily="34" charset="-128"/>
+                </a:rPr>
+                <a:t>)</a:t>
+              </a:r>
+              <a:endParaRPr lang="en-US" sz="1400" kern="0" dirty="0" err="1">
+                <a:ea typeface="Arial Unicode MS" pitchFamily="34" charset="-128"/>
+                <a:cs typeface="Arial Unicode MS" pitchFamily="34" charset="-128"/>
+              </a:endParaRPr>
+            </a:p>
+          </p:txBody>
+        </p:sp>
+        <p:sp>
+          <p:nvSpPr>
+            <p:cNvPr id="10" name="TextBox 9"/>
+            <p:cNvSpPr txBox="1"/>
+            <p:nvPr/>
+          </p:nvSpPr>
+          <p:spPr>
+            <a:xfrm>
+              <a:off x="3496293" y="5467151"/>
+              <a:ext cx="1932793" cy="215388"/>
+            </a:xfrm>
+            <a:prstGeom prst="rect">
+              <a:avLst/>
+            </a:prstGeom>
+            <a:noFill/>
+          </p:spPr>
+          <p:txBody>
+            <a:bodyPr wrap="square" lIns="0" tIns="0" rIns="0" bIns="0" rtlCol="0">
+              <a:spAutoFit/>
+            </a:bodyPr>
+            <a:lstStyle/>
+            <a:p>
+              <a:pPr defTabSz="1088449" fontAlgn="base">
+                <a:spcBef>
+                  <a:spcPct val="50000"/>
+                </a:spcBef>
+                <a:spcAft>
+                  <a:spcPct val="0"/>
+                </a:spcAft>
+                <a:buClr>
+                  <a:srgbClr val="F0AB00"/>
+                </a:buClr>
+                <a:buSzPct val="80000"/>
+              </a:pPr>
+              <a:r>
+                <a:rPr lang="de-DE" sz="1400" kern="0" dirty="0">
+                  <a:ea typeface="Arial Unicode MS" pitchFamily="34" charset="-128"/>
+                  <a:cs typeface="Arial Unicode MS" pitchFamily="34" charset="-128"/>
+                </a:rPr>
+                <a:t>New </a:t>
+              </a:r>
+              <a:r>
+                <a:rPr lang="de-DE" sz="1400" kern="0" dirty="0" err="1">
+                  <a:ea typeface="Arial Unicode MS" pitchFamily="34" charset="-128"/>
+                  <a:cs typeface="Arial Unicode MS" pitchFamily="34" charset="-128"/>
+                </a:rPr>
+                <a:t>or</a:t>
+              </a:r>
+              <a:r>
+                <a:rPr lang="de-DE" sz="1400" kern="0" dirty="0">
+                  <a:ea typeface="Arial Unicode MS" pitchFamily="34" charset="-128"/>
+                  <a:cs typeface="Arial Unicode MS" pitchFamily="34" charset="-128"/>
+                </a:rPr>
+                <a:t> </a:t>
+              </a:r>
+              <a:r>
+                <a:rPr lang="de-DE" sz="1400" kern="0" dirty="0" err="1">
+                  <a:ea typeface="Arial Unicode MS" pitchFamily="34" charset="-128"/>
+                  <a:cs typeface="Arial Unicode MS" pitchFamily="34" charset="-128"/>
+                </a:rPr>
+                <a:t>major</a:t>
+              </a:r>
+              <a:r>
+                <a:rPr lang="de-DE" sz="1400" kern="0" dirty="0">
+                  <a:ea typeface="Arial Unicode MS" pitchFamily="34" charset="-128"/>
+                  <a:cs typeface="Arial Unicode MS" pitchFamily="34" charset="-128"/>
+                </a:rPr>
+                <a:t> </a:t>
+              </a:r>
+              <a:r>
+                <a:rPr lang="de-DE" sz="1400" kern="0" dirty="0" err="1">
+                  <a:ea typeface="Arial Unicode MS" pitchFamily="34" charset="-128"/>
+                  <a:cs typeface="Arial Unicode MS" pitchFamily="34" charset="-128"/>
+                </a:rPr>
+                <a:t>redesign</a:t>
+              </a:r>
+              <a:endParaRPr lang="en-US" sz="1400" kern="0" dirty="0" err="1">
+                <a:ea typeface="Arial Unicode MS" pitchFamily="34" charset="-128"/>
+                <a:cs typeface="Arial Unicode MS" pitchFamily="34" charset="-128"/>
+              </a:endParaRPr>
+            </a:p>
+          </p:txBody>
+        </p:sp>
+        <p:sp>
+          <p:nvSpPr>
+            <p:cNvPr id="11" name="TextBox 10"/>
+            <p:cNvSpPr txBox="1"/>
+            <p:nvPr/>
+          </p:nvSpPr>
+          <p:spPr>
+            <a:xfrm rot="16200000">
+              <a:off x="-166757" y="3743147"/>
+              <a:ext cx="1620502" cy="430775"/>
+            </a:xfrm>
+            <a:prstGeom prst="rect">
+              <a:avLst/>
+            </a:prstGeom>
+            <a:noFill/>
+          </p:spPr>
+          <p:txBody>
+            <a:bodyPr wrap="square" lIns="0" tIns="0" rIns="0" bIns="0" rtlCol="0">
+              <a:spAutoFit/>
+            </a:bodyPr>
+            <a:lstStyle/>
+            <a:p>
+              <a:pPr defTabSz="1088449" fontAlgn="base">
+                <a:spcBef>
+                  <a:spcPct val="50000"/>
+                </a:spcBef>
+                <a:spcAft>
+                  <a:spcPct val="0"/>
+                </a:spcAft>
+                <a:buClr>
+                  <a:srgbClr val="F0AB00"/>
+                </a:buClr>
+                <a:buSzPct val="80000"/>
+              </a:pPr>
+              <a:r>
+                <a:rPr lang="de-DE" sz="1400" b="1" kern="0" dirty="0">
+                  <a:ea typeface="Arial Unicode MS" pitchFamily="34" charset="-128"/>
+                  <a:cs typeface="Arial Unicode MS" pitchFamily="34" charset="-128"/>
+                </a:rPr>
+                <a:t>Platform </a:t>
+              </a:r>
+              <a:r>
+                <a:rPr lang="de-DE" sz="1400" b="1" kern="0" dirty="0" err="1">
+                  <a:ea typeface="Arial Unicode MS" pitchFamily="34" charset="-128"/>
+                  <a:cs typeface="Arial Unicode MS" pitchFamily="34" charset="-128"/>
+                </a:rPr>
+                <a:t>support</a:t>
+              </a:r>
+              <a:r>
+                <a:rPr lang="de-DE" sz="1400" b="1" kern="0" dirty="0">
+                  <a:ea typeface="Arial Unicode MS" pitchFamily="34" charset="-128"/>
+                  <a:cs typeface="Arial Unicode MS" pitchFamily="34" charset="-128"/>
+                </a:rPr>
+                <a:t> </a:t>
+              </a:r>
+              <a:r>
+                <a:rPr lang="de-DE" sz="1400" kern="0" dirty="0" err="1">
+                  <a:ea typeface="Arial Unicode MS" pitchFamily="34" charset="-128"/>
+                  <a:cs typeface="Arial Unicode MS" pitchFamily="34" charset="-128"/>
+                </a:rPr>
+                <a:t>for</a:t>
+              </a:r>
+              <a:r>
+                <a:rPr lang="de-DE" sz="1400" kern="0" dirty="0">
+                  <a:ea typeface="Arial Unicode MS" pitchFamily="34" charset="-128"/>
+                  <a:cs typeface="Arial Unicode MS" pitchFamily="34" charset="-128"/>
+                </a:rPr>
+                <a:t> </a:t>
+              </a:r>
+              <a:r>
+                <a:rPr lang="de-DE" sz="1400" kern="0" dirty="0" err="1">
+                  <a:ea typeface="Arial Unicode MS" pitchFamily="34" charset="-128"/>
+                  <a:cs typeface="Arial Unicode MS" pitchFamily="34" charset="-128"/>
+                </a:rPr>
+                <a:t>dev</a:t>
+              </a:r>
+              <a:r>
+                <a:rPr lang="de-DE" sz="1400" kern="0" dirty="0">
+                  <a:ea typeface="Arial Unicode MS" pitchFamily="34" charset="-128"/>
+                  <a:cs typeface="Arial Unicode MS" pitchFamily="34" charset="-128"/>
+                </a:rPr>
+                <a:t> + </a:t>
+              </a:r>
+              <a:r>
+                <a:rPr lang="de-DE" sz="1400" kern="0" dirty="0" err="1">
+                  <a:ea typeface="Arial Unicode MS" pitchFamily="34" charset="-128"/>
+                  <a:cs typeface="Arial Unicode MS" pitchFamily="34" charset="-128"/>
+                </a:rPr>
+                <a:t>ops</a:t>
+              </a:r>
+              <a:endParaRPr lang="en-US" sz="1400" kern="0" dirty="0" err="1">
+                <a:ea typeface="Arial Unicode MS" pitchFamily="34" charset="-128"/>
+                <a:cs typeface="Arial Unicode MS" pitchFamily="34" charset="-128"/>
+              </a:endParaRPr>
+            </a:p>
+          </p:txBody>
+        </p:sp>
+        <p:sp>
+          <p:nvSpPr>
+            <p:cNvPr id="12" name="TextBox 11"/>
+            <p:cNvSpPr txBox="1"/>
+            <p:nvPr/>
+          </p:nvSpPr>
+          <p:spPr>
+            <a:xfrm>
+              <a:off x="2344882" y="5923148"/>
+              <a:ext cx="1620502" cy="215388"/>
+            </a:xfrm>
+            <a:prstGeom prst="rect">
+              <a:avLst/>
+            </a:prstGeom>
+            <a:noFill/>
+          </p:spPr>
+          <p:txBody>
+            <a:bodyPr wrap="square" lIns="0" tIns="0" rIns="0" bIns="0" rtlCol="0">
+              <a:spAutoFit/>
+            </a:bodyPr>
+            <a:lstStyle/>
+            <a:p>
+              <a:pPr defTabSz="1088449" fontAlgn="base">
+                <a:spcBef>
+                  <a:spcPct val="50000"/>
+                </a:spcBef>
+                <a:spcAft>
+                  <a:spcPct val="0"/>
+                </a:spcAft>
+                <a:buClr>
+                  <a:srgbClr val="F0AB00"/>
+                </a:buClr>
+                <a:buSzPct val="80000"/>
+              </a:pPr>
+              <a:r>
+                <a:rPr lang="de-DE" sz="1400" b="1" kern="0" dirty="0" err="1">
+                  <a:ea typeface="Arial Unicode MS" pitchFamily="34" charset="-128"/>
+                  <a:cs typeface="Arial Unicode MS" pitchFamily="34" charset="-128"/>
+                </a:rPr>
+                <a:t>Redesign</a:t>
+              </a:r>
+              <a:r>
+                <a:rPr lang="de-DE" sz="1400" b="1" kern="0" dirty="0">
+                  <a:ea typeface="Arial Unicode MS" pitchFamily="34" charset="-128"/>
+                  <a:cs typeface="Arial Unicode MS" pitchFamily="34" charset="-128"/>
+                </a:rPr>
+                <a:t> </a:t>
+              </a:r>
+              <a:r>
+                <a:rPr lang="de-DE" sz="1400" b="1" kern="0" dirty="0" err="1">
+                  <a:ea typeface="Arial Unicode MS" pitchFamily="34" charset="-128"/>
+                  <a:cs typeface="Arial Unicode MS" pitchFamily="34" charset="-128"/>
+                </a:rPr>
+                <a:t>flexibility</a:t>
+              </a:r>
+              <a:endParaRPr lang="en-US" sz="1400" b="1" kern="0" dirty="0" err="1">
+                <a:ea typeface="Arial Unicode MS" pitchFamily="34" charset="-128"/>
+                <a:cs typeface="Arial Unicode MS" pitchFamily="34" charset="-128"/>
+              </a:endParaRPr>
+            </a:p>
+          </p:txBody>
+        </p:sp>
+        <p:sp>
+          <p:nvSpPr>
+            <p:cNvPr id="13" name="TextBox 12"/>
+            <p:cNvSpPr txBox="1"/>
+            <p:nvPr/>
+          </p:nvSpPr>
+          <p:spPr>
+            <a:xfrm rot="16200000">
+              <a:off x="417632" y="4593679"/>
+              <a:ext cx="1620502" cy="430775"/>
+            </a:xfrm>
+            <a:prstGeom prst="rect">
+              <a:avLst/>
+            </a:prstGeom>
+            <a:noFill/>
+          </p:spPr>
+          <p:txBody>
+            <a:bodyPr wrap="square" lIns="0" tIns="0" rIns="0" bIns="0" rtlCol="0">
+              <a:spAutoFit/>
+            </a:bodyPr>
+            <a:lstStyle/>
+            <a:p>
+              <a:pPr defTabSz="1088449" fontAlgn="base">
+                <a:spcBef>
+                  <a:spcPct val="50000"/>
+                </a:spcBef>
+                <a:spcAft>
+                  <a:spcPct val="0"/>
+                </a:spcAft>
+                <a:buClr>
+                  <a:srgbClr val="F0AB00"/>
+                </a:buClr>
+                <a:buSzPct val="80000"/>
+              </a:pPr>
+              <a:r>
+                <a:rPr lang="de-DE" sz="1400" kern="0" dirty="0">
+                  <a:ea typeface="Arial Unicode MS" pitchFamily="34" charset="-128"/>
+                  <a:cs typeface="Arial Unicode MS" pitchFamily="34" charset="-128"/>
+                </a:rPr>
+                <a:t>Low </a:t>
+              </a:r>
+              <a:br>
+                <a:rPr lang="de-DE" sz="1400" kern="0" dirty="0">
+                  <a:ea typeface="Arial Unicode MS" pitchFamily="34" charset="-128"/>
+                  <a:cs typeface="Arial Unicode MS" pitchFamily="34" charset="-128"/>
+                </a:rPr>
+              </a:br>
+              <a:r>
+                <a:rPr lang="de-DE" sz="1400" kern="0" dirty="0">
+                  <a:ea typeface="Arial Unicode MS" pitchFamily="34" charset="-128"/>
+                  <a:cs typeface="Arial Unicode MS" pitchFamily="34" charset="-128"/>
+                </a:rPr>
+                <a:t>(bring </a:t>
+              </a:r>
+              <a:r>
+                <a:rPr lang="de-DE" sz="1400" kern="0" dirty="0" err="1">
+                  <a:ea typeface="Arial Unicode MS" pitchFamily="34" charset="-128"/>
+                  <a:cs typeface="Arial Unicode MS" pitchFamily="34" charset="-128"/>
+                </a:rPr>
+                <a:t>your</a:t>
+              </a:r>
+              <a:r>
+                <a:rPr lang="de-DE" sz="1400" kern="0" dirty="0">
+                  <a:ea typeface="Arial Unicode MS" pitchFamily="34" charset="-128"/>
+                  <a:cs typeface="Arial Unicode MS" pitchFamily="34" charset="-128"/>
+                </a:rPr>
+                <a:t> </a:t>
+              </a:r>
+              <a:r>
+                <a:rPr lang="de-DE" sz="1400" kern="0" dirty="0" err="1">
+                  <a:ea typeface="Arial Unicode MS" pitchFamily="34" charset="-128"/>
+                  <a:cs typeface="Arial Unicode MS" pitchFamily="34" charset="-128"/>
+                </a:rPr>
+                <a:t>own</a:t>
+              </a:r>
+              <a:r>
+                <a:rPr lang="de-DE" sz="1400" kern="0" dirty="0">
+                  <a:ea typeface="Arial Unicode MS" pitchFamily="34" charset="-128"/>
+                  <a:cs typeface="Arial Unicode MS" pitchFamily="34" charset="-128"/>
+                </a:rPr>
+                <a:t> …)</a:t>
+              </a:r>
+              <a:endParaRPr lang="en-US" sz="1400" kern="0" dirty="0" err="1">
+                <a:ea typeface="Arial Unicode MS" pitchFamily="34" charset="-128"/>
+                <a:cs typeface="Arial Unicode MS" pitchFamily="34" charset="-128"/>
+              </a:endParaRPr>
+            </a:p>
+          </p:txBody>
+        </p:sp>
+        <p:sp>
+          <p:nvSpPr>
+            <p:cNvPr id="14" name="TextBox 13"/>
+            <p:cNvSpPr txBox="1"/>
+            <p:nvPr/>
+          </p:nvSpPr>
+          <p:spPr>
+            <a:xfrm rot="16200000">
+              <a:off x="417633" y="2973175"/>
+              <a:ext cx="1620502" cy="430775"/>
+            </a:xfrm>
+            <a:prstGeom prst="rect">
+              <a:avLst/>
+            </a:prstGeom>
+            <a:noFill/>
+          </p:spPr>
+          <p:txBody>
+            <a:bodyPr wrap="square" lIns="0" tIns="0" rIns="0" bIns="0" rtlCol="0">
+              <a:spAutoFit/>
+            </a:bodyPr>
+            <a:lstStyle/>
+            <a:p>
+              <a:pPr defTabSz="1088449" fontAlgn="base">
+                <a:spcBef>
+                  <a:spcPct val="50000"/>
+                </a:spcBef>
+                <a:spcAft>
+                  <a:spcPct val="0"/>
+                </a:spcAft>
+                <a:buClr>
+                  <a:srgbClr val="F0AB00"/>
+                </a:buClr>
+                <a:buSzPct val="80000"/>
+              </a:pPr>
+              <a:r>
+                <a:rPr lang="de-DE" sz="1400" kern="0" dirty="0">
+                  <a:ea typeface="Arial Unicode MS" pitchFamily="34" charset="-128"/>
+                  <a:cs typeface="Arial Unicode MS" pitchFamily="34" charset="-128"/>
+                </a:rPr>
+                <a:t>High </a:t>
+              </a:r>
+              <a:br>
+                <a:rPr lang="de-DE" sz="1400" kern="0" dirty="0">
+                  <a:ea typeface="Arial Unicode MS" pitchFamily="34" charset="-128"/>
+                  <a:cs typeface="Arial Unicode MS" pitchFamily="34" charset="-128"/>
+                </a:rPr>
+              </a:br>
+              <a:r>
+                <a:rPr lang="de-DE" sz="1400" kern="0" dirty="0">
+                  <a:ea typeface="Arial Unicode MS" pitchFamily="34" charset="-128"/>
+                  <a:cs typeface="Arial Unicode MS" pitchFamily="34" charset="-128"/>
+                </a:rPr>
+                <a:t>(</a:t>
+              </a:r>
+              <a:r>
+                <a:rPr lang="de-DE" sz="1400" kern="0" dirty="0" err="1">
+                  <a:ea typeface="Arial Unicode MS" pitchFamily="34" charset="-128"/>
+                  <a:cs typeface="Arial Unicode MS" pitchFamily="34" charset="-128"/>
+                </a:rPr>
+                <a:t>leverage</a:t>
+              </a:r>
+              <a:r>
+                <a:rPr lang="de-DE" sz="1400" kern="0" dirty="0">
+                  <a:ea typeface="Arial Unicode MS" pitchFamily="34" charset="-128"/>
+                  <a:cs typeface="Arial Unicode MS" pitchFamily="34" charset="-128"/>
+                </a:rPr>
+                <a:t> </a:t>
+              </a:r>
+              <a:r>
+                <a:rPr lang="de-DE" sz="1400" kern="0" dirty="0" err="1">
+                  <a:ea typeface="Arial Unicode MS" pitchFamily="34" charset="-128"/>
+                  <a:cs typeface="Arial Unicode MS" pitchFamily="34" charset="-128"/>
+                </a:rPr>
+                <a:t>platform</a:t>
+              </a:r>
+              <a:r>
+                <a:rPr lang="de-DE" sz="1400" kern="0" dirty="0">
+                  <a:ea typeface="Arial Unicode MS" pitchFamily="34" charset="-128"/>
+                  <a:cs typeface="Arial Unicode MS" pitchFamily="34" charset="-128"/>
+                </a:rPr>
+                <a:t>)</a:t>
+              </a:r>
+              <a:endParaRPr lang="en-US" sz="1400" kern="0" dirty="0" err="1">
+                <a:ea typeface="Arial Unicode MS" pitchFamily="34" charset="-128"/>
+                <a:cs typeface="Arial Unicode MS" pitchFamily="34" charset="-128"/>
+              </a:endParaRPr>
+            </a:p>
+          </p:txBody>
+        </p:sp>
+        <p:sp>
+          <p:nvSpPr>
+            <p:cNvPr id="18" name="Oval 17"/>
+            <p:cNvSpPr/>
+            <p:nvPr/>
+          </p:nvSpPr>
+          <p:spPr bwMode="gray">
+            <a:xfrm>
+              <a:off x="480907" y="6238266"/>
+              <a:ext cx="275974" cy="290447"/>
+            </a:xfrm>
+            <a:prstGeom prst="ellipse">
+              <a:avLst/>
+            </a:prstGeom>
+            <a:solidFill>
+              <a:schemeClr val="bg1"/>
+            </a:solidFill>
+            <a:ln w="12700" algn="ctr">
+              <a:solidFill>
+                <a:schemeClr val="tx1"/>
+              </a:solidFill>
+              <a:miter lim="800000"/>
+              <a:headEnd/>
+              <a:tailEnd/>
+            </a:ln>
+          </p:spPr>
+          <p:txBody>
+            <a:bodyPr lIns="89977" tIns="71981" rIns="89977" bIns="71981" rtlCol="0" anchor="ctr"/>
+            <a:lstStyle/>
+            <a:p>
+              <a:pPr algn="ctr" defTabSz="914126" fontAlgn="base">
+                <a:spcBef>
+                  <a:spcPct val="50000"/>
+                </a:spcBef>
+                <a:spcAft>
+                  <a:spcPct val="0"/>
+                </a:spcAft>
+                <a:buClr>
+                  <a:srgbClr val="F0AB00"/>
+                </a:buClr>
+                <a:buSzPct val="80000"/>
+              </a:pPr>
+              <a:endParaRPr lang="en-US" sz="1799" kern="0" dirty="0" err="1">
+                <a:ea typeface="Arial Unicode MS" pitchFamily="34" charset="-128"/>
+                <a:cs typeface="Arial Unicode MS" pitchFamily="34" charset="-128"/>
+              </a:endParaRPr>
+            </a:p>
+          </p:txBody>
+        </p:sp>
+        <p:sp>
+          <p:nvSpPr>
+            <p:cNvPr id="20" name="TextBox 19"/>
+            <p:cNvSpPr txBox="1"/>
+            <p:nvPr/>
+          </p:nvSpPr>
+          <p:spPr>
+            <a:xfrm>
+              <a:off x="840267" y="6300851"/>
+              <a:ext cx="3305084" cy="184618"/>
+            </a:xfrm>
+            <a:prstGeom prst="rect">
+              <a:avLst/>
+            </a:prstGeom>
+            <a:noFill/>
+          </p:spPr>
+          <p:txBody>
+            <a:bodyPr wrap="square" lIns="0" tIns="0" rIns="0" bIns="0" rtlCol="0">
+              <a:spAutoFit/>
+            </a:bodyPr>
+            <a:lstStyle/>
+            <a:p>
+              <a:pPr defTabSz="1088449" fontAlgn="base">
+                <a:spcBef>
+                  <a:spcPct val="50000"/>
+                </a:spcBef>
+                <a:spcAft>
+                  <a:spcPct val="0"/>
+                </a:spcAft>
+                <a:buClr>
+                  <a:srgbClr val="F0AB00"/>
+                </a:buClr>
+                <a:buSzPct val="80000"/>
+              </a:pPr>
+              <a:r>
+                <a:rPr lang="de-DE" sz="1200" i="1" kern="0" dirty="0">
+                  <a:ea typeface="Arial Unicode MS" pitchFamily="34" charset="-128"/>
+                  <a:cs typeface="Arial Unicode MS" pitchFamily="34" charset="-128"/>
+                </a:rPr>
+                <a:t>Size = </a:t>
+              </a:r>
+              <a:r>
+                <a:rPr lang="de-DE" sz="1200" i="1" kern="0" dirty="0" err="1">
+                  <a:ea typeface="Arial Unicode MS" pitchFamily="34" charset="-128"/>
+                  <a:cs typeface="Arial Unicode MS" pitchFamily="34" charset="-128"/>
+                </a:rPr>
+                <a:t>Resource</a:t>
+              </a:r>
+              <a:r>
+                <a:rPr lang="de-DE" sz="1200" i="1" kern="0" dirty="0">
+                  <a:ea typeface="Arial Unicode MS" pitchFamily="34" charset="-128"/>
+                  <a:cs typeface="Arial Unicode MS" pitchFamily="34" charset="-128"/>
+                </a:rPr>
+                <a:t> </a:t>
+              </a:r>
+              <a:r>
+                <a:rPr lang="de-DE" sz="1200" i="1" kern="0" dirty="0" err="1">
+                  <a:ea typeface="Arial Unicode MS" pitchFamily="34" charset="-128"/>
+                  <a:cs typeface="Arial Unicode MS" pitchFamily="34" charset="-128"/>
+                </a:rPr>
+                <a:t>consumption</a:t>
+              </a:r>
+              <a:r>
+                <a:rPr lang="de-DE" sz="1200" i="1" kern="0" dirty="0">
+                  <a:ea typeface="Arial Unicode MS" pitchFamily="34" charset="-128"/>
+                  <a:cs typeface="Arial Unicode MS" pitchFamily="34" charset="-128"/>
+                </a:rPr>
+                <a:t> per </a:t>
+              </a:r>
+              <a:r>
+                <a:rPr lang="de-DE" sz="1200" i="1" kern="0" dirty="0" err="1">
+                  <a:ea typeface="Arial Unicode MS" pitchFamily="34" charset="-128"/>
+                  <a:cs typeface="Arial Unicode MS" pitchFamily="34" charset="-128"/>
+                </a:rPr>
+                <a:t>microservice</a:t>
+              </a:r>
+              <a:endParaRPr lang="en-US" sz="1200" i="1" kern="0" dirty="0" err="1">
+                <a:ea typeface="Arial Unicode MS" pitchFamily="34" charset="-128"/>
+                <a:cs typeface="Arial Unicode MS" pitchFamily="34" charset="-128"/>
+              </a:endParaRPr>
+            </a:p>
+          </p:txBody>
+        </p:sp>
+      </p:grpSp>
+      <p:grpSp>
+        <p:nvGrpSpPr>
+          <p:cNvPr id="6" name="Group 5"/>
+          <p:cNvGrpSpPr/>
+          <p:nvPr/>
+        </p:nvGrpSpPr>
+        <p:grpSpPr>
+          <a:xfrm>
+            <a:off x="3166918" y="1735341"/>
+            <a:ext cx="1714853" cy="801932"/>
+            <a:chOff x="3225620" y="2438726"/>
+            <a:chExt cx="1714853" cy="801932"/>
+          </a:xfrm>
+        </p:grpSpPr>
+        <p:sp>
+          <p:nvSpPr>
+            <p:cNvPr id="30" name="Oval 29"/>
+            <p:cNvSpPr/>
+            <p:nvPr/>
+          </p:nvSpPr>
+          <p:spPr bwMode="gray">
+            <a:xfrm>
+              <a:off x="4427038" y="2556218"/>
+              <a:ext cx="513435" cy="531924"/>
+            </a:xfrm>
+            <a:prstGeom prst="ellipse">
+              <a:avLst/>
+            </a:prstGeom>
+            <a:solidFill>
+              <a:schemeClr val="accent1">
+                <a:lumMod val="40000"/>
+                <a:lumOff val="60000"/>
+              </a:schemeClr>
+            </a:solidFill>
+            <a:ln w="6350" algn="ctr">
+              <a:solidFill>
+                <a:schemeClr val="accent1"/>
+              </a:solidFill>
+              <a:miter lim="800000"/>
+              <a:headEnd/>
+              <a:tailEnd/>
+            </a:ln>
+          </p:spPr>
+          <p:txBody>
+            <a:bodyPr lIns="89977" tIns="71981" rIns="89977" bIns="71981" rtlCol="0" anchor="ctr"/>
+            <a:lstStyle/>
+            <a:p>
+              <a:pPr algn="ctr" defTabSz="914126" fontAlgn="base">
+                <a:spcBef>
+                  <a:spcPct val="50000"/>
+                </a:spcBef>
+                <a:spcAft>
+                  <a:spcPct val="0"/>
+                </a:spcAft>
+                <a:buClr>
+                  <a:srgbClr val="F0AB00"/>
+                </a:buClr>
+                <a:buSzPct val="80000"/>
+              </a:pPr>
+              <a:endParaRPr lang="en-US" sz="1799" kern="0" dirty="0" err="1">
+                <a:solidFill>
+                  <a:srgbClr val="000000"/>
+                </a:solidFill>
+                <a:ea typeface="Arial Unicode MS" pitchFamily="34" charset="-128"/>
+                <a:cs typeface="Arial Unicode MS" pitchFamily="34" charset="-128"/>
+              </a:endParaRPr>
+            </a:p>
+          </p:txBody>
+        </p:sp>
+        <p:sp>
+          <p:nvSpPr>
+            <p:cNvPr id="29" name="Oval 28"/>
+            <p:cNvSpPr/>
+            <p:nvPr/>
+          </p:nvSpPr>
+          <p:spPr bwMode="gray">
+            <a:xfrm>
+              <a:off x="4357388" y="2620950"/>
+              <a:ext cx="513435" cy="531924"/>
+            </a:xfrm>
+            <a:prstGeom prst="ellipse">
+              <a:avLst/>
+            </a:prstGeom>
+            <a:solidFill>
+              <a:schemeClr val="accent1">
+                <a:lumMod val="40000"/>
+                <a:lumOff val="60000"/>
+              </a:schemeClr>
+            </a:solidFill>
+            <a:ln w="6350" algn="ctr">
+              <a:solidFill>
+                <a:schemeClr val="accent1"/>
+              </a:solidFill>
+              <a:miter lim="800000"/>
+              <a:headEnd/>
+              <a:tailEnd/>
+            </a:ln>
+          </p:spPr>
+          <p:txBody>
+            <a:bodyPr lIns="89977" tIns="71981" rIns="89977" bIns="71981" rtlCol="0" anchor="ctr"/>
+            <a:lstStyle/>
+            <a:p>
+              <a:pPr algn="ctr" defTabSz="914126" fontAlgn="base">
+                <a:spcBef>
+                  <a:spcPct val="50000"/>
+                </a:spcBef>
+                <a:spcAft>
+                  <a:spcPct val="0"/>
+                </a:spcAft>
+                <a:buClr>
+                  <a:srgbClr val="F0AB00"/>
+                </a:buClr>
+                <a:buSzPct val="80000"/>
+              </a:pPr>
+              <a:endParaRPr lang="en-US" sz="1799" kern="0" dirty="0" err="1">
+                <a:solidFill>
+                  <a:srgbClr val="000000"/>
+                </a:solidFill>
+                <a:ea typeface="Arial Unicode MS" pitchFamily="34" charset="-128"/>
+                <a:cs typeface="Arial Unicode MS" pitchFamily="34" charset="-128"/>
+              </a:endParaRPr>
+            </a:p>
+          </p:txBody>
+        </p:sp>
+        <p:sp>
+          <p:nvSpPr>
+            <p:cNvPr id="17" name="Oval 16"/>
+            <p:cNvSpPr/>
+            <p:nvPr/>
+          </p:nvSpPr>
+          <p:spPr bwMode="gray">
+            <a:xfrm>
+              <a:off x="4260300" y="2708734"/>
+              <a:ext cx="513435" cy="531924"/>
+            </a:xfrm>
+            <a:prstGeom prst="ellipse">
+              <a:avLst/>
+            </a:prstGeom>
+            <a:solidFill>
+              <a:schemeClr val="accent1">
+                <a:lumMod val="60000"/>
+                <a:lumOff val="40000"/>
+              </a:schemeClr>
+            </a:solidFill>
+            <a:ln w="6350" algn="ctr">
+              <a:noFill/>
+              <a:miter lim="800000"/>
+              <a:headEnd/>
+              <a:tailEnd/>
+            </a:ln>
+          </p:spPr>
+          <p:txBody>
+            <a:bodyPr lIns="89977" tIns="71981" rIns="89977" bIns="71981" rtlCol="0" anchor="ctr"/>
+            <a:lstStyle/>
+            <a:p>
+              <a:pPr algn="ctr" defTabSz="914126" fontAlgn="base">
+                <a:spcBef>
+                  <a:spcPct val="50000"/>
+                </a:spcBef>
+                <a:spcAft>
+                  <a:spcPct val="0"/>
+                </a:spcAft>
+                <a:buClr>
+                  <a:srgbClr val="F0AB00"/>
+                </a:buClr>
+                <a:buSzPct val="80000"/>
+              </a:pPr>
+              <a:endParaRPr lang="en-US" sz="1799" kern="0" dirty="0" err="1">
+                <a:solidFill>
+                  <a:srgbClr val="000000"/>
+                </a:solidFill>
+                <a:ea typeface="Arial Unicode MS" pitchFamily="34" charset="-128"/>
+                <a:cs typeface="Arial Unicode MS" pitchFamily="34" charset="-128"/>
+              </a:endParaRPr>
+            </a:p>
+          </p:txBody>
+        </p:sp>
+        <p:sp>
+          <p:nvSpPr>
+            <p:cNvPr id="22" name="TextBox 21"/>
+            <p:cNvSpPr txBox="1"/>
+            <p:nvPr/>
+          </p:nvSpPr>
+          <p:spPr>
+            <a:xfrm>
+              <a:off x="3225620" y="2438726"/>
+              <a:ext cx="1134079" cy="430775"/>
+            </a:xfrm>
+            <a:prstGeom prst="rect">
+              <a:avLst/>
+            </a:prstGeom>
+            <a:noFill/>
+          </p:spPr>
+          <p:txBody>
+            <a:bodyPr wrap="square" lIns="0" tIns="0" rIns="0" bIns="0" rtlCol="0">
+              <a:spAutoFit/>
+            </a:bodyPr>
+            <a:lstStyle/>
+            <a:p>
+              <a:pPr defTabSz="1088449" fontAlgn="base">
+                <a:spcBef>
+                  <a:spcPct val="50000"/>
+                </a:spcBef>
+                <a:spcAft>
+                  <a:spcPct val="0"/>
+                </a:spcAft>
+                <a:buClr>
+                  <a:srgbClr val="F0AB00"/>
+                </a:buClr>
+                <a:buSzPct val="80000"/>
+              </a:pPr>
+              <a:r>
+                <a:rPr lang="de-DE" sz="1400" kern="0" dirty="0">
+                  <a:ea typeface="Arial Unicode MS" pitchFamily="34" charset="-128"/>
+                  <a:cs typeface="Arial Unicode MS" pitchFamily="34" charset="-128"/>
+                </a:rPr>
+                <a:t>Business </a:t>
+              </a:r>
+              <a:r>
+                <a:rPr lang="de-DE" sz="1400" kern="0" dirty="0" err="1">
+                  <a:ea typeface="Arial Unicode MS" pitchFamily="34" charset="-128"/>
+                  <a:cs typeface="Arial Unicode MS" pitchFamily="34" charset="-128"/>
+                </a:rPr>
+                <a:t>Applications</a:t>
+              </a:r>
+              <a:endParaRPr lang="en-US" sz="1400" kern="0" dirty="0" err="1">
+                <a:ea typeface="Arial Unicode MS" pitchFamily="34" charset="-128"/>
+                <a:cs typeface="Arial Unicode MS" pitchFamily="34" charset="-128"/>
+              </a:endParaRPr>
+            </a:p>
+          </p:txBody>
+        </p:sp>
+      </p:grpSp>
+      <p:grpSp>
+        <p:nvGrpSpPr>
+          <p:cNvPr id="16" name="Group 15"/>
+          <p:cNvGrpSpPr/>
+          <p:nvPr/>
+        </p:nvGrpSpPr>
+        <p:grpSpPr>
+          <a:xfrm>
+            <a:off x="1713722" y="3295429"/>
+            <a:ext cx="1438800" cy="1363324"/>
+            <a:chOff x="1772425" y="3998814"/>
+            <a:chExt cx="1438800" cy="1363324"/>
+          </a:xfrm>
+        </p:grpSpPr>
+        <p:sp>
+          <p:nvSpPr>
+            <p:cNvPr id="15" name="Oval 14"/>
+            <p:cNvSpPr/>
+            <p:nvPr/>
+          </p:nvSpPr>
+          <p:spPr bwMode="gray">
+            <a:xfrm>
+              <a:off x="1772425" y="3998814"/>
+              <a:ext cx="1438800" cy="1363324"/>
+            </a:xfrm>
+            <a:prstGeom prst="ellipse">
+              <a:avLst/>
+            </a:prstGeom>
+            <a:solidFill>
+              <a:schemeClr val="accent3">
+                <a:lumMod val="20000"/>
+                <a:lumOff val="80000"/>
+              </a:schemeClr>
+            </a:solidFill>
+            <a:ln w="6350" algn="ctr">
+              <a:solidFill>
+                <a:schemeClr val="accent3">
+                  <a:lumMod val="40000"/>
+                  <a:lumOff val="60000"/>
+                </a:schemeClr>
+              </a:solidFill>
+              <a:miter lim="800000"/>
+              <a:headEnd/>
+              <a:tailEnd/>
+            </a:ln>
+          </p:spPr>
+          <p:txBody>
+            <a:bodyPr lIns="89977" tIns="71981" rIns="89977" bIns="71981" rtlCol="0" anchor="ctr"/>
+            <a:lstStyle/>
+            <a:p>
+              <a:pPr algn="ctr" defTabSz="914126" fontAlgn="base">
+                <a:spcBef>
+                  <a:spcPct val="50000"/>
+                </a:spcBef>
+                <a:spcAft>
+                  <a:spcPct val="0"/>
+                </a:spcAft>
+                <a:buClr>
+                  <a:srgbClr val="F0AB00"/>
+                </a:buClr>
+                <a:buSzPct val="80000"/>
+              </a:pPr>
+              <a:endParaRPr lang="en-US" sz="1799" kern="0" dirty="0" err="1">
+                <a:solidFill>
+                  <a:srgbClr val="000000"/>
+                </a:solidFill>
+                <a:ea typeface="Arial Unicode MS" pitchFamily="34" charset="-128"/>
+                <a:cs typeface="Arial Unicode MS" pitchFamily="34" charset="-128"/>
+              </a:endParaRPr>
+            </a:p>
+          </p:txBody>
+        </p:sp>
+        <p:sp>
+          <p:nvSpPr>
+            <p:cNvPr id="25" name="TextBox 24"/>
+            <p:cNvSpPr txBox="1"/>
+            <p:nvPr/>
+          </p:nvSpPr>
+          <p:spPr>
+            <a:xfrm>
+              <a:off x="2014314" y="4421249"/>
+              <a:ext cx="1056595" cy="430775"/>
+            </a:xfrm>
+            <a:prstGeom prst="rect">
+              <a:avLst/>
+            </a:prstGeom>
+            <a:noFill/>
+          </p:spPr>
+          <p:txBody>
+            <a:bodyPr wrap="square" lIns="0" tIns="0" rIns="0" bIns="0" rtlCol="0">
+              <a:spAutoFit/>
+            </a:bodyPr>
+            <a:lstStyle/>
+            <a:p>
+              <a:pPr defTabSz="1088449" fontAlgn="base">
+                <a:spcBef>
+                  <a:spcPct val="50000"/>
+                </a:spcBef>
+                <a:spcAft>
+                  <a:spcPct val="0"/>
+                </a:spcAft>
+                <a:buClr>
+                  <a:srgbClr val="F0AB00"/>
+                </a:buClr>
+                <a:buSzPct val="80000"/>
+              </a:pPr>
+              <a:r>
+                <a:rPr lang="de-DE" sz="1400" kern="0" dirty="0">
+                  <a:solidFill>
+                    <a:srgbClr val="000000"/>
+                  </a:solidFill>
+                  <a:ea typeface="Arial Unicode MS" pitchFamily="34" charset="-128"/>
+                  <a:cs typeface="Arial Unicode MS" pitchFamily="34" charset="-128"/>
+                </a:rPr>
+                <a:t>Business </a:t>
+              </a:r>
+              <a:r>
+                <a:rPr lang="de-DE" sz="1400" kern="0" dirty="0" err="1">
+                  <a:solidFill>
+                    <a:srgbClr val="000000"/>
+                  </a:solidFill>
+                  <a:ea typeface="Arial Unicode MS" pitchFamily="34" charset="-128"/>
+                  <a:cs typeface="Arial Unicode MS" pitchFamily="34" charset="-128"/>
+                </a:rPr>
+                <a:t>Applications</a:t>
+              </a:r>
+              <a:endParaRPr lang="en-US" sz="1400" kern="0" dirty="0" err="1">
+                <a:solidFill>
+                  <a:srgbClr val="000000"/>
+                </a:solidFill>
+                <a:ea typeface="Arial Unicode MS" pitchFamily="34" charset="-128"/>
+                <a:cs typeface="Arial Unicode MS" pitchFamily="34" charset="-128"/>
+              </a:endParaRPr>
+            </a:p>
+          </p:txBody>
+        </p:sp>
+      </p:grpSp>
+      <p:grpSp>
+        <p:nvGrpSpPr>
+          <p:cNvPr id="8" name="Group 7"/>
+          <p:cNvGrpSpPr/>
+          <p:nvPr/>
+        </p:nvGrpSpPr>
+        <p:grpSpPr>
+          <a:xfrm>
+            <a:off x="4007403" y="3603207"/>
+            <a:ext cx="977322" cy="924389"/>
+            <a:chOff x="4066106" y="4306591"/>
+            <a:chExt cx="977322" cy="924389"/>
+          </a:xfrm>
+        </p:grpSpPr>
+        <p:sp>
+          <p:nvSpPr>
+            <p:cNvPr id="26" name="Oval 25"/>
+            <p:cNvSpPr/>
+            <p:nvPr/>
+          </p:nvSpPr>
+          <p:spPr bwMode="gray">
+            <a:xfrm>
+              <a:off x="4066106" y="4306591"/>
+              <a:ext cx="901821" cy="924389"/>
+            </a:xfrm>
+            <a:prstGeom prst="ellipse">
+              <a:avLst/>
+            </a:prstGeom>
+            <a:solidFill>
+              <a:schemeClr val="accent3">
+                <a:lumMod val="20000"/>
+                <a:lumOff val="80000"/>
+              </a:schemeClr>
+            </a:solidFill>
+            <a:ln w="6350" algn="ctr">
+              <a:solidFill>
+                <a:schemeClr val="accent3">
+                  <a:lumMod val="40000"/>
+                  <a:lumOff val="60000"/>
+                </a:schemeClr>
+              </a:solidFill>
+              <a:miter lim="800000"/>
+              <a:headEnd/>
+              <a:tailEnd/>
+            </a:ln>
+          </p:spPr>
+          <p:txBody>
+            <a:bodyPr lIns="89977" tIns="71981" rIns="89977" bIns="71981" rtlCol="0" anchor="ctr"/>
+            <a:lstStyle/>
+            <a:p>
+              <a:pPr algn="ctr" defTabSz="914126" fontAlgn="base">
+                <a:spcBef>
+                  <a:spcPct val="50000"/>
+                </a:spcBef>
+                <a:spcAft>
+                  <a:spcPct val="0"/>
+                </a:spcAft>
+                <a:buClr>
+                  <a:srgbClr val="F0AB00"/>
+                </a:buClr>
+                <a:buSzPct val="80000"/>
+              </a:pPr>
+              <a:endParaRPr lang="en-US" sz="1799" kern="0" dirty="0" err="1">
+                <a:solidFill>
+                  <a:srgbClr val="000000"/>
+                </a:solidFill>
+                <a:ea typeface="Arial Unicode MS" pitchFamily="34" charset="-128"/>
+                <a:cs typeface="Arial Unicode MS" pitchFamily="34" charset="-128"/>
+              </a:endParaRPr>
+            </a:p>
+          </p:txBody>
+        </p:sp>
+        <p:sp>
+          <p:nvSpPr>
+            <p:cNvPr id="27" name="TextBox 26"/>
+            <p:cNvSpPr txBox="1"/>
+            <p:nvPr/>
+          </p:nvSpPr>
+          <p:spPr>
+            <a:xfrm>
+              <a:off x="4210226" y="4537443"/>
+              <a:ext cx="833202" cy="430775"/>
+            </a:xfrm>
+            <a:prstGeom prst="rect">
+              <a:avLst/>
+            </a:prstGeom>
+            <a:noFill/>
+          </p:spPr>
+          <p:txBody>
+            <a:bodyPr wrap="square" lIns="0" tIns="0" rIns="0" bIns="0" rtlCol="0">
+              <a:spAutoFit/>
+            </a:bodyPr>
+            <a:lstStyle/>
+            <a:p>
+              <a:pPr defTabSz="1088449" fontAlgn="base">
+                <a:spcBef>
+                  <a:spcPct val="50000"/>
+                </a:spcBef>
+                <a:spcAft>
+                  <a:spcPct val="0"/>
+                </a:spcAft>
+                <a:buClr>
+                  <a:srgbClr val="F0AB00"/>
+                </a:buClr>
+                <a:buSzPct val="80000"/>
+              </a:pPr>
+              <a:r>
+                <a:rPr lang="de-DE" sz="1400" kern="0" dirty="0" err="1">
+                  <a:solidFill>
+                    <a:srgbClr val="000000"/>
+                  </a:solidFill>
+                  <a:ea typeface="Arial Unicode MS" pitchFamily="34" charset="-128"/>
+                  <a:cs typeface="Arial Unicode MS" pitchFamily="34" charset="-128"/>
+                </a:rPr>
+                <a:t>Backing</a:t>
+              </a:r>
+              <a:r>
+                <a:rPr lang="de-DE" sz="1400" kern="0" dirty="0">
+                  <a:solidFill>
+                    <a:srgbClr val="000000"/>
+                  </a:solidFill>
+                  <a:ea typeface="Arial Unicode MS" pitchFamily="34" charset="-128"/>
+                  <a:cs typeface="Arial Unicode MS" pitchFamily="34" charset="-128"/>
+                </a:rPr>
+                <a:t> </a:t>
+              </a:r>
+              <a:r>
+                <a:rPr lang="de-DE" sz="1400" kern="0" dirty="0" err="1">
+                  <a:solidFill>
+                    <a:srgbClr val="000000"/>
+                  </a:solidFill>
+                  <a:ea typeface="Arial Unicode MS" pitchFamily="34" charset="-128"/>
+                  <a:cs typeface="Arial Unicode MS" pitchFamily="34" charset="-128"/>
+                </a:rPr>
+                <a:t>services</a:t>
+              </a:r>
+              <a:endParaRPr lang="en-US" sz="1400" kern="0" dirty="0" err="1">
+                <a:solidFill>
+                  <a:srgbClr val="000000"/>
+                </a:solidFill>
+                <a:ea typeface="Arial Unicode MS" pitchFamily="34" charset="-128"/>
+                <a:cs typeface="Arial Unicode MS" pitchFamily="34" charset="-128"/>
+              </a:endParaRPr>
+            </a:p>
+          </p:txBody>
+        </p:sp>
+      </p:grpSp>
+      <p:sp>
+        <p:nvSpPr>
+          <p:cNvPr id="28" name="Rectangle 27"/>
+          <p:cNvSpPr/>
+          <p:nvPr/>
+        </p:nvSpPr>
+        <p:spPr>
+          <a:xfrm>
+            <a:off x="5520151" y="1597709"/>
+            <a:ext cx="6302757" cy="4242187"/>
+          </a:xfrm>
+          <a:prstGeom prst="rect">
+            <a:avLst/>
+          </a:prstGeom>
+        </p:spPr>
+        <p:txBody>
+          <a:bodyPr wrap="square">
+            <a:spAutoFit/>
+          </a:bodyPr>
+          <a:lstStyle/>
+          <a:p>
+            <a:pPr marL="0" lvl="1" defTabSz="1088231">
+              <a:lnSpc>
+                <a:spcPct val="107000"/>
+              </a:lnSpc>
+              <a:spcBef>
+                <a:spcPts val="600"/>
+              </a:spcBef>
+              <a:buClr>
+                <a:srgbClr val="F0AB00"/>
+              </a:buClr>
+              <a:buNone/>
+            </a:pPr>
+            <a:r>
+              <a:rPr lang="en-US" sz="1400" b="1" dirty="0">
+                <a:solidFill>
+                  <a:srgbClr val="000000"/>
+                </a:solidFill>
+              </a:rPr>
+              <a:t>Business Applications </a:t>
+            </a:r>
+          </a:p>
+          <a:p>
+            <a:pPr marL="179910" lvl="1" indent="-179910" defTabSz="1088231">
+              <a:lnSpc>
+                <a:spcPct val="107000"/>
+              </a:lnSpc>
+              <a:spcBef>
+                <a:spcPts val="600"/>
+              </a:spcBef>
+              <a:buClr>
+                <a:schemeClr val="accent1"/>
+              </a:buClr>
+              <a:buFont typeface="Wingdings" pitchFamily="2" charset="2"/>
+              <a:buChar char="§"/>
+            </a:pPr>
+            <a:r>
+              <a:rPr lang="en-US" sz="1400" dirty="0">
+                <a:latin typeface="Arial" panose="020B0604020202020204" pitchFamily="34" charset="0"/>
+                <a:cs typeface="Arial" panose="020B0604020202020204" pitchFamily="34" charset="0"/>
+              </a:rPr>
+              <a:t>High level of support and platform services available, limited resource consumption per microservice and low level of legacy code are assumed (e.g. Currency Conversion, Consent Management </a:t>
+            </a:r>
+            <a:r>
+              <a:rPr lang="en-US" sz="1400" dirty="0" err="1">
+                <a:latin typeface="Arial" panose="020B0604020202020204" pitchFamily="34" charset="0"/>
+                <a:cs typeface="Arial" panose="020B0604020202020204" pitchFamily="34" charset="0"/>
+              </a:rPr>
+              <a:t>etc</a:t>
+            </a:r>
+            <a:r>
+              <a:rPr lang="en-US" sz="1400" dirty="0">
+                <a:latin typeface="Arial" panose="020B0604020202020204" pitchFamily="34" charset="0"/>
+                <a:cs typeface="Arial" panose="020B0604020202020204" pitchFamily="34" charset="0"/>
+              </a:rPr>
+              <a:t>) </a:t>
+            </a:r>
+            <a:br>
+              <a:rPr lang="en-US" sz="1400" dirty="0">
+                <a:solidFill>
+                  <a:srgbClr val="000000"/>
+                </a:solidFill>
+              </a:rPr>
+            </a:br>
+            <a:r>
+              <a:rPr lang="en-US" sz="1400" dirty="0">
+                <a:sym typeface="Wingdings" panose="05000000000000000000" pitchFamily="2" charset="2"/>
+              </a:rPr>
+              <a:t></a:t>
+            </a:r>
+            <a:r>
+              <a:rPr lang="en-US" sz="1400" dirty="0">
+                <a:solidFill>
+                  <a:srgbClr val="000000"/>
+                </a:solidFill>
+              </a:rPr>
+              <a:t> </a:t>
+            </a:r>
+            <a:r>
+              <a:rPr lang="en-US" sz="1400" b="1" dirty="0">
+                <a:solidFill>
+                  <a:schemeClr val="accent1">
+                    <a:lumMod val="75000"/>
+                  </a:schemeClr>
+                </a:solidFill>
+              </a:rPr>
+              <a:t>Cloud Foundry recommended</a:t>
+            </a:r>
+          </a:p>
+          <a:p>
+            <a:pPr marL="179964" lvl="1" indent="-179964" defTabSz="1088558">
+              <a:lnSpc>
+                <a:spcPct val="107000"/>
+              </a:lnSpc>
+              <a:spcBef>
+                <a:spcPts val="600"/>
+              </a:spcBef>
+              <a:buClr>
+                <a:srgbClr val="0FAAFF"/>
+              </a:buClr>
+              <a:buFont typeface="Wingdings" pitchFamily="2" charset="2"/>
+              <a:buChar char="§"/>
+            </a:pPr>
+            <a:r>
+              <a:rPr lang="en-US" sz="1400" dirty="0">
+                <a:latin typeface="Arial" panose="020B0604020202020204" pitchFamily="34" charset="0"/>
+                <a:cs typeface="Arial" panose="020B0604020202020204" pitchFamily="34" charset="0"/>
+              </a:rPr>
+              <a:t>Consequences: adopt microservice architecture and 12 factor app</a:t>
+            </a:r>
+          </a:p>
+          <a:p>
+            <a:pPr defTabSz="1088231">
+              <a:lnSpc>
+                <a:spcPct val="107000"/>
+              </a:lnSpc>
+              <a:spcBef>
+                <a:spcPts val="600"/>
+              </a:spcBef>
+              <a:buClr>
+                <a:srgbClr val="F0AB00"/>
+              </a:buClr>
+            </a:pPr>
+            <a:br>
+              <a:rPr lang="en-US" sz="1400" b="1" dirty="0">
+                <a:solidFill>
+                  <a:srgbClr val="000000"/>
+                </a:solidFill>
+              </a:rPr>
+            </a:br>
+            <a:r>
+              <a:rPr lang="en-US" sz="1400" b="1" dirty="0">
+                <a:solidFill>
+                  <a:srgbClr val="000000"/>
+                </a:solidFill>
+              </a:rPr>
+              <a:t>New and existing Backing Service </a:t>
+            </a:r>
+          </a:p>
+          <a:p>
+            <a:pPr marL="179910" lvl="1" indent="-179910" defTabSz="1088231">
+              <a:lnSpc>
+                <a:spcPct val="107000"/>
+              </a:lnSpc>
+              <a:spcBef>
+                <a:spcPts val="600"/>
+              </a:spcBef>
+              <a:buClr>
+                <a:schemeClr val="accent1"/>
+              </a:buClr>
+              <a:buFont typeface="Wingdings" pitchFamily="2" charset="2"/>
+              <a:buChar char="§"/>
+            </a:pPr>
+            <a:r>
+              <a:rPr lang="en-US" sz="1400" dirty="0">
+                <a:latin typeface="Arial" panose="020B0604020202020204" pitchFamily="34" charset="0"/>
+                <a:cs typeface="Arial" panose="020B0604020202020204" pitchFamily="34" charset="0"/>
+              </a:rPr>
+              <a:t>Low level of platform service support assumed acceptable, direct infrastructure access needed (e.g. HANA, Data Hub, Machine Learning)</a:t>
+            </a:r>
+            <a:br>
+              <a:rPr lang="en-US" sz="1400" dirty="0"/>
+            </a:br>
+            <a:r>
+              <a:rPr lang="en-US" sz="1400" dirty="0">
+                <a:sym typeface="Wingdings" panose="05000000000000000000" pitchFamily="2" charset="2"/>
+              </a:rPr>
+              <a:t></a:t>
+            </a:r>
+            <a:r>
+              <a:rPr lang="en-US" sz="1400" dirty="0">
+                <a:solidFill>
+                  <a:srgbClr val="000000"/>
+                </a:solidFill>
+              </a:rPr>
+              <a:t> </a:t>
+            </a:r>
+            <a:r>
+              <a:rPr lang="en-US" sz="1400" b="1" dirty="0">
+                <a:solidFill>
+                  <a:schemeClr val="accent3"/>
+                </a:solidFill>
+              </a:rPr>
+              <a:t>K8s recommended</a:t>
+            </a:r>
+            <a:endParaRPr lang="en-US" sz="1400" dirty="0">
+              <a:solidFill>
+                <a:schemeClr val="accent3"/>
+              </a:solidFill>
+            </a:endParaRPr>
+          </a:p>
+          <a:p>
+            <a:pPr marL="0" lvl="1" defTabSz="1088231">
+              <a:lnSpc>
+                <a:spcPct val="107000"/>
+              </a:lnSpc>
+              <a:spcBef>
+                <a:spcPts val="600"/>
+              </a:spcBef>
+              <a:buClr>
+                <a:srgbClr val="F0AB00"/>
+              </a:buClr>
+              <a:buNone/>
+            </a:pPr>
+            <a:br>
+              <a:rPr lang="en-US" sz="1400" b="1" dirty="0">
+                <a:solidFill>
+                  <a:srgbClr val="000000"/>
+                </a:solidFill>
+              </a:rPr>
+            </a:br>
+            <a:r>
+              <a:rPr lang="en-US" sz="1400" b="1" dirty="0"/>
+              <a:t>Existing Business Application</a:t>
+            </a:r>
+          </a:p>
+          <a:p>
+            <a:pPr marL="285750" lvl="1" indent="-285750" defTabSz="1088231">
+              <a:lnSpc>
+                <a:spcPct val="107000"/>
+              </a:lnSpc>
+              <a:spcBef>
+                <a:spcPts val="600"/>
+              </a:spcBef>
+              <a:buClr>
+                <a:schemeClr val="accent1"/>
+              </a:buClr>
+              <a:buFont typeface="Wingdings" panose="05000000000000000000" pitchFamily="2" charset="2"/>
+              <a:buChar char="§"/>
+            </a:pPr>
+            <a:r>
+              <a:rPr lang="en-US" sz="1400" dirty="0"/>
+              <a:t>High level of existing code assumed, high requirements for resource consumption per (micro)service, </a:t>
+            </a:r>
+            <a:r>
+              <a:rPr lang="en-US" sz="1400" dirty="0" err="1"/>
+              <a:t>stateful</a:t>
+            </a:r>
+            <a:r>
+              <a:rPr lang="en-US" sz="1400" dirty="0"/>
+              <a:t> apps or service mesh capabilities </a:t>
+            </a:r>
+            <a:br>
+              <a:rPr lang="en-US" sz="1400" dirty="0">
+                <a:solidFill>
+                  <a:srgbClr val="000000"/>
+                </a:solidFill>
+              </a:rPr>
+            </a:br>
+            <a:r>
+              <a:rPr lang="en-US" sz="1400" dirty="0">
+                <a:sym typeface="Wingdings" panose="05000000000000000000" pitchFamily="2" charset="2"/>
+              </a:rPr>
+              <a:t></a:t>
+            </a:r>
+            <a:r>
+              <a:rPr lang="en-US" sz="1400" dirty="0">
+                <a:solidFill>
+                  <a:srgbClr val="000000"/>
+                </a:solidFill>
+              </a:rPr>
+              <a:t> </a:t>
+            </a:r>
+            <a:r>
+              <a:rPr lang="en-US" sz="1400" b="1" dirty="0">
+                <a:solidFill>
+                  <a:schemeClr val="accent3"/>
+                </a:solidFill>
+              </a:rPr>
+              <a:t>K8s recommended</a:t>
+            </a:r>
+          </a:p>
+        </p:txBody>
+      </p:sp>
+    </p:spTree>
+    <p:extLst>
+      <p:ext uri="{BB962C8B-B14F-4D97-AF65-F5344CB8AC3E}">
+        <p14:creationId xmlns:p14="http://schemas.microsoft.com/office/powerpoint/2010/main" val="460715042"/>
+      </p:ext>
+    </p:extLst>
+  </p:cSld>
+  <p:clrMapOvr>
+    <a:masterClrMapping/>
+  </p:clrMapOvr>
+</p:sld>
+</file>
+
+<file path=ppt/slides/slide22.xml><?xml version="1.0" encoding="utf-8"?>
 <p:sld xmlns:a="http://schemas.openxmlformats.org/drawingml/2006/main" xmlns:r="http://schemas.openxmlformats.org/officeDocument/2006/relationships" xmlns:p="http://schemas.openxmlformats.org/presentationml/2006/main" show="0">
   <p:cSld>
     <p:spTree>

--- a/kubernetes/11_administration.pptx
+++ b/kubernetes/11_administration.pptx
@@ -5,16 +5,16 @@
     <p:sldMasterId id="2147483733" r:id="rId1"/>
   </p:sldMasterIdLst>
   <p:notesMasterIdLst>
-    <p:notesMasterId r:id="rId24"/>
+    <p:notesMasterId r:id="rId26"/>
   </p:notesMasterIdLst>
   <p:handoutMasterIdLst>
-    <p:handoutMasterId r:id="rId25"/>
+    <p:handoutMasterId r:id="rId27"/>
   </p:handoutMasterIdLst>
   <p:sldIdLst>
     <p:sldId id="433" r:id="rId2"/>
     <p:sldId id="442" r:id="rId3"/>
     <p:sldId id="443" r:id="rId4"/>
-    <p:sldId id="444" r:id="rId5"/>
+    <p:sldId id="466" r:id="rId5"/>
     <p:sldId id="455" r:id="rId6"/>
     <p:sldId id="451" r:id="rId7"/>
     <p:sldId id="452" r:id="rId8"/>
@@ -22,17 +22,19 @@
     <p:sldId id="454" r:id="rId10"/>
     <p:sldId id="459" r:id="rId11"/>
     <p:sldId id="446" r:id="rId12"/>
-    <p:sldId id="458" r:id="rId13"/>
-    <p:sldId id="445" r:id="rId14"/>
-    <p:sldId id="450" r:id="rId15"/>
-    <p:sldId id="462" r:id="rId16"/>
-    <p:sldId id="457" r:id="rId17"/>
-    <p:sldId id="456" r:id="rId18"/>
-    <p:sldId id="449" r:id="rId19"/>
-    <p:sldId id="460" r:id="rId20"/>
-    <p:sldId id="461" r:id="rId21"/>
-    <p:sldId id="465" r:id="rId22"/>
-    <p:sldId id="265" r:id="rId23"/>
+    <p:sldId id="467" r:id="rId13"/>
+    <p:sldId id="458" r:id="rId14"/>
+    <p:sldId id="445" r:id="rId15"/>
+    <p:sldId id="450" r:id="rId16"/>
+    <p:sldId id="462" r:id="rId17"/>
+    <p:sldId id="457" r:id="rId18"/>
+    <p:sldId id="456" r:id="rId19"/>
+    <p:sldId id="468" r:id="rId20"/>
+    <p:sldId id="449" r:id="rId21"/>
+    <p:sldId id="460" r:id="rId22"/>
+    <p:sldId id="461" r:id="rId23"/>
+    <p:sldId id="465" r:id="rId24"/>
+    <p:sldId id="265" r:id="rId25"/>
   </p:sldIdLst>
   <p:sldSz cx="12195175" cy="6858000"/>
   <p:notesSz cx="6858000" cy="9144000"/>
@@ -662,7 +664,9 @@
         </p:nvSpPr>
         <p:spPr/>
         <p:txBody>
-          <a:bodyPr/>
+          <a:bodyPr>
+            <a:normAutofit/>
+          </a:bodyPr>
           <a:lstStyle/>
           <a:p>
             <a:r>
@@ -685,229 +689,24 @@
             </a:r>
           </a:p>
           <a:p>
+            <a:endParaRPr lang="en-US" noProof="0" dirty="0"/>
+          </a:p>
+          <a:p>
             <a:r>
               <a:rPr lang="en-US" noProof="0" dirty="0"/>
-              <a:t>In the example above, the network policy is enforced for access to “Pod A”, determined by its label and the corresponding selector.</a:t>
-            </a:r>
-          </a:p>
-          <a:p>
+              <a:t>In the example above, let’s assume princess Peach is at her castle (pod). She has created a service in order to be callable, but only as long as her location = castle. That works quite well, only that Bowser keeps calling her all the time. So Peach decides to allow only calls from Mario and puts a network policy in place. The policy filters incoming calls when she has her “location: castle” label and allows only those to pass, that have a label “caller: </a:t>
+            </a:r>
+            <a:r>
+              <a:rPr lang="en-US" noProof="0" dirty="0" err="1"/>
+              <a:t>mario</a:t>
+            </a:r>
             <a:r>
               <a:rPr lang="en-US" noProof="0" dirty="0"/>
-              <a:t>Pod B is allowed to access pod A since it has the correct label. Traffic from pod M will be blocked.</a:t>
-            </a:r>
-          </a:p>
-          <a:p>
-            <a:r>
-              <a:rPr lang="de-DE" dirty="0"/>
-              <a:t>Demo:</a:t>
-            </a:r>
-          </a:p>
-          <a:p>
-            <a:r>
-              <a:rPr lang="de-DE" dirty="0" err="1"/>
-              <a:t>kubectl</a:t>
-            </a:r>
-            <a:r>
-              <a:rPr lang="de-DE" dirty="0"/>
-              <a:t> </a:t>
-            </a:r>
-            <a:r>
-              <a:rPr lang="de-DE" dirty="0" err="1"/>
-              <a:t>run</a:t>
-            </a:r>
-            <a:r>
-              <a:rPr lang="de-DE" dirty="0"/>
-              <a:t> </a:t>
-            </a:r>
-            <a:r>
-              <a:rPr lang="de-DE" dirty="0" err="1"/>
-              <a:t>nginx</a:t>
-            </a:r>
-            <a:r>
-              <a:rPr lang="de-DE" dirty="0"/>
-              <a:t> --image</a:t>
-            </a:r>
-            <a:r>
-              <a:rPr lang="de-DE" b="1" dirty="0"/>
-              <a:t>=</a:t>
-            </a:r>
-            <a:r>
-              <a:rPr lang="de-DE" dirty="0" err="1"/>
-              <a:t>nginx</a:t>
-            </a:r>
-            <a:r>
-              <a:rPr lang="de-DE" dirty="0"/>
-              <a:t> --</a:t>
-            </a:r>
-            <a:r>
-              <a:rPr lang="de-DE" dirty="0" err="1"/>
-              <a:t>replicas</a:t>
-            </a:r>
-            <a:r>
-              <a:rPr lang="de-DE" b="1" dirty="0"/>
-              <a:t>=</a:t>
-            </a:r>
-            <a:r>
-              <a:rPr lang="de-DE" dirty="0"/>
-              <a:t>2 </a:t>
-            </a:r>
-          </a:p>
-          <a:p>
-            <a:r>
-              <a:rPr lang="de-DE" dirty="0" err="1"/>
-              <a:t>kubectl</a:t>
-            </a:r>
-            <a:r>
-              <a:rPr lang="de-DE" dirty="0"/>
-              <a:t> </a:t>
-            </a:r>
-            <a:r>
-              <a:rPr lang="de-DE" dirty="0" err="1"/>
-              <a:t>expose</a:t>
-            </a:r>
-            <a:r>
-              <a:rPr lang="de-DE" dirty="0"/>
-              <a:t> </a:t>
-            </a:r>
-            <a:r>
-              <a:rPr lang="de-DE" dirty="0" err="1"/>
-              <a:t>deployment</a:t>
-            </a:r>
-            <a:r>
-              <a:rPr lang="de-DE" dirty="0"/>
-              <a:t> </a:t>
-            </a:r>
-            <a:r>
-              <a:rPr lang="de-DE" dirty="0" err="1"/>
-              <a:t>nginx</a:t>
-            </a:r>
-            <a:r>
-              <a:rPr lang="de-DE" dirty="0"/>
-              <a:t> --</a:t>
-            </a:r>
-            <a:r>
-              <a:rPr lang="de-DE" dirty="0" err="1"/>
-              <a:t>port</a:t>
-            </a:r>
-            <a:r>
-              <a:rPr lang="de-DE" b="1" dirty="0"/>
-              <a:t>=</a:t>
-            </a:r>
-            <a:r>
-              <a:rPr lang="de-DE" dirty="0"/>
-              <a:t>80</a:t>
-            </a:r>
-          </a:p>
-          <a:p>
-            <a:r>
-              <a:rPr lang="de-DE" dirty="0" err="1"/>
-              <a:t>kubectl</a:t>
-            </a:r>
-            <a:r>
-              <a:rPr lang="de-DE" dirty="0"/>
-              <a:t> </a:t>
-            </a:r>
-            <a:r>
-              <a:rPr lang="de-DE" dirty="0" err="1"/>
-              <a:t>run</a:t>
-            </a:r>
-            <a:r>
-              <a:rPr lang="de-DE" dirty="0"/>
-              <a:t> </a:t>
-            </a:r>
-            <a:r>
-              <a:rPr lang="de-DE" dirty="0" err="1"/>
-              <a:t>busybox</a:t>
-            </a:r>
-            <a:r>
-              <a:rPr lang="de-DE" dirty="0"/>
-              <a:t> --</a:t>
-            </a:r>
-            <a:r>
-              <a:rPr lang="de-DE" dirty="0" err="1"/>
-              <a:t>rm</a:t>
-            </a:r>
-            <a:r>
-              <a:rPr lang="de-DE" dirty="0"/>
-              <a:t> -</a:t>
-            </a:r>
-            <a:r>
-              <a:rPr lang="de-DE" dirty="0" err="1"/>
-              <a:t>ti</a:t>
-            </a:r>
-            <a:r>
-              <a:rPr lang="de-DE" dirty="0"/>
-              <a:t> --image</a:t>
-            </a:r>
-            <a:r>
-              <a:rPr lang="de-DE" b="1" dirty="0"/>
-              <a:t>=</a:t>
-            </a:r>
-            <a:r>
-              <a:rPr lang="de-DE" dirty="0" err="1"/>
-              <a:t>busybox</a:t>
-            </a:r>
-            <a:r>
-              <a:rPr lang="de-DE" dirty="0"/>
-              <a:t> /bin/sh</a:t>
-            </a:r>
-          </a:p>
-          <a:p>
-            <a:r>
-              <a:rPr lang="de-DE" dirty="0"/>
-              <a:t> # </a:t>
-            </a:r>
-            <a:r>
-              <a:rPr lang="de-DE" dirty="0" err="1"/>
-              <a:t>wget</a:t>
-            </a:r>
-            <a:r>
-              <a:rPr lang="de-DE" dirty="0"/>
-              <a:t> --spider --timeout=1 </a:t>
-            </a:r>
-            <a:r>
-              <a:rPr lang="de-DE" dirty="0" err="1"/>
-              <a:t>nginx</a:t>
-            </a:r>
-            <a:endParaRPr lang="en-US" dirty="0"/>
-          </a:p>
-          <a:p>
-            <a:r>
-              <a:rPr lang="en-US" dirty="0" err="1"/>
-              <a:t>Kubectl</a:t>
-            </a:r>
-            <a:r>
-              <a:rPr lang="en-US" dirty="0"/>
-              <a:t> create –f network-</a:t>
-            </a:r>
-            <a:r>
-              <a:rPr lang="en-US" dirty="0" err="1"/>
-              <a:t>policy.yaml</a:t>
-            </a:r>
-            <a:endParaRPr lang="en-US" dirty="0"/>
-          </a:p>
-          <a:p>
-            <a:r>
-              <a:rPr lang="en-US" dirty="0" err="1"/>
-              <a:t>Kubectl</a:t>
-            </a:r>
-            <a:r>
-              <a:rPr lang="en-US" dirty="0"/>
-              <a:t> run ..</a:t>
-            </a:r>
-          </a:p>
-          <a:p>
-            <a:r>
-              <a:rPr lang="en-US" dirty="0" err="1"/>
-              <a:t>Kubectl</a:t>
-            </a:r>
-            <a:r>
-              <a:rPr lang="en-US" dirty="0"/>
-              <a:t> run … -l access=true</a:t>
-            </a:r>
-          </a:p>
-          <a:p>
-            <a:endParaRPr lang="en-US" dirty="0"/>
+              <a:t>” attached. As a result Bowser is no longer able to call her.</a:t>
+            </a:r>
+          </a:p>
+          <a:p>
+            <a:endParaRPr lang="en-US" noProof="0" dirty="0"/>
           </a:p>
         </p:txBody>
       </p:sp>
@@ -929,7 +728,7 @@
             <a:fld id="{7D8C2C35-2B8A-446E-BEC0-FD36716C29AC}" type="slidenum">
               <a:rPr lang="en-US" smtClean="0"/>
               <a:pPr/>
-              <a:t>11</a:t>
+              <a:t>10</a:t>
             </a:fld>
             <a:endParaRPr lang="en-US" dirty="0"/>
           </a:p>
@@ -938,7 +737,7 @@
     </p:spTree>
     <p:extLst>
       <p:ext uri="{BB962C8B-B14F-4D97-AF65-F5344CB8AC3E}">
-        <p14:creationId xmlns:p14="http://schemas.microsoft.com/office/powerpoint/2010/main" val="3747275599"/>
+        <p14:creationId xmlns:p14="http://schemas.microsoft.com/office/powerpoint/2010/main" val="325304950"/>
       </p:ext>
     </p:extLst>
   </p:cSld>
@@ -993,30 +792,247 @@
           <a:lstStyle/>
           <a:p>
             <a:r>
+              <a:rPr lang="en-US" noProof="0" dirty="0"/>
+              <a:t>Network policies are </a:t>
+            </a:r>
+            <a:r>
+              <a:rPr lang="en-US" noProof="0" dirty="0" err="1"/>
+              <a:t>kubernetes</a:t>
+            </a:r>
+            <a:r>
+              <a:rPr lang="en-US" noProof="0" dirty="0"/>
+              <a:t> object just as pods. The need an overlay network that supports the enforcement of their rules, like Calico. </a:t>
+            </a:r>
+          </a:p>
+          <a:p>
+            <a:r>
+              <a:rPr lang="en-US" noProof="0" dirty="0"/>
+              <a:t>Basically they define rules for incoming (ingress) and outgoing (egress) traffic to pods. As filter rules you can set IP addresses or use labels. Filter actions are deny or allow.</a:t>
+            </a:r>
+          </a:p>
+          <a:p>
+            <a:r>
+              <a:rPr lang="en-US" noProof="0" dirty="0"/>
+              <a:t>In the example above, the network policy is enforced for access to “Pod A”, determined by its label and the corresponding selector.</a:t>
+            </a:r>
+          </a:p>
+          <a:p>
+            <a:r>
+              <a:rPr lang="en-US" noProof="0" dirty="0"/>
+              <a:t>Pod B is allowed to access pod A since it has the correct label. Traffic from pod M will be blocked.</a:t>
+            </a:r>
+          </a:p>
+          <a:p>
+            <a:r>
+              <a:rPr lang="de-DE" dirty="0"/>
+              <a:t>Demo:</a:t>
+            </a:r>
+          </a:p>
+          <a:p>
+            <a:r>
+              <a:rPr lang="de-DE" dirty="0" err="1"/>
+              <a:t>kubectl</a:t>
+            </a:r>
+            <a:r>
+              <a:rPr lang="de-DE" dirty="0"/>
+              <a:t> </a:t>
+            </a:r>
+            <a:r>
+              <a:rPr lang="de-DE" dirty="0" err="1"/>
+              <a:t>run</a:t>
+            </a:r>
+            <a:r>
+              <a:rPr lang="de-DE" dirty="0"/>
+              <a:t> </a:t>
+            </a:r>
+            <a:r>
+              <a:rPr lang="de-DE" dirty="0" err="1"/>
+              <a:t>nginx</a:t>
+            </a:r>
+            <a:r>
+              <a:rPr lang="de-DE" dirty="0"/>
+              <a:t> --image</a:t>
+            </a:r>
+            <a:r>
+              <a:rPr lang="de-DE" b="1" dirty="0"/>
+              <a:t>=</a:t>
+            </a:r>
+            <a:r>
+              <a:rPr lang="de-DE" dirty="0" err="1"/>
+              <a:t>nginx</a:t>
+            </a:r>
+            <a:r>
+              <a:rPr lang="de-DE" dirty="0"/>
+              <a:t> --</a:t>
+            </a:r>
+            <a:r>
+              <a:rPr lang="de-DE" dirty="0" err="1"/>
+              <a:t>replicas</a:t>
+            </a:r>
+            <a:r>
+              <a:rPr lang="de-DE" b="1" dirty="0"/>
+              <a:t>=</a:t>
+            </a:r>
+            <a:r>
+              <a:rPr lang="de-DE" dirty="0"/>
+              <a:t>2 </a:t>
+            </a:r>
+          </a:p>
+          <a:p>
+            <a:r>
+              <a:rPr lang="de-DE" dirty="0" err="1"/>
+              <a:t>kubectl</a:t>
+            </a:r>
+            <a:r>
+              <a:rPr lang="de-DE" dirty="0"/>
+              <a:t> </a:t>
+            </a:r>
+            <a:r>
+              <a:rPr lang="de-DE" dirty="0" err="1"/>
+              <a:t>expose</a:t>
+            </a:r>
+            <a:r>
+              <a:rPr lang="de-DE" dirty="0"/>
+              <a:t> </a:t>
+            </a:r>
+            <a:r>
+              <a:rPr lang="de-DE" dirty="0" err="1"/>
+              <a:t>deployment</a:t>
+            </a:r>
+            <a:r>
+              <a:rPr lang="de-DE" dirty="0"/>
+              <a:t> </a:t>
+            </a:r>
+            <a:r>
+              <a:rPr lang="de-DE" dirty="0" err="1"/>
+              <a:t>nginx</a:t>
+            </a:r>
+            <a:r>
+              <a:rPr lang="de-DE" dirty="0"/>
+              <a:t> --</a:t>
+            </a:r>
+            <a:r>
+              <a:rPr lang="de-DE" dirty="0" err="1"/>
+              <a:t>port</a:t>
+            </a:r>
+            <a:r>
+              <a:rPr lang="de-DE" b="1" dirty="0"/>
+              <a:t>=</a:t>
+            </a:r>
+            <a:r>
+              <a:rPr lang="de-DE" dirty="0"/>
+              <a:t>80</a:t>
+            </a:r>
+          </a:p>
+          <a:p>
+            <a:r>
+              <a:rPr lang="de-DE" dirty="0" err="1"/>
+              <a:t>kubectl</a:t>
+            </a:r>
+            <a:r>
+              <a:rPr lang="de-DE" dirty="0"/>
+              <a:t> </a:t>
+            </a:r>
+            <a:r>
+              <a:rPr lang="de-DE" dirty="0" err="1"/>
+              <a:t>run</a:t>
+            </a:r>
+            <a:r>
+              <a:rPr lang="de-DE" dirty="0"/>
+              <a:t> </a:t>
+            </a:r>
+            <a:r>
+              <a:rPr lang="de-DE" dirty="0" err="1"/>
+              <a:t>busybox</a:t>
+            </a:r>
+            <a:r>
+              <a:rPr lang="de-DE" dirty="0"/>
+              <a:t> --</a:t>
+            </a:r>
+            <a:r>
+              <a:rPr lang="de-DE" dirty="0" err="1"/>
+              <a:t>rm</a:t>
+            </a:r>
+            <a:r>
+              <a:rPr lang="de-DE" dirty="0"/>
+              <a:t> -</a:t>
+            </a:r>
+            <a:r>
+              <a:rPr lang="de-DE" dirty="0" err="1"/>
+              <a:t>ti</a:t>
+            </a:r>
+            <a:r>
+              <a:rPr lang="de-DE" dirty="0"/>
+              <a:t> --image</a:t>
+            </a:r>
+            <a:r>
+              <a:rPr lang="de-DE" b="1" dirty="0"/>
+              <a:t>=</a:t>
+            </a:r>
+            <a:r>
+              <a:rPr lang="de-DE" dirty="0" err="1"/>
+              <a:t>busybox</a:t>
+            </a:r>
+            <a:r>
+              <a:rPr lang="de-DE" dirty="0"/>
+              <a:t> /bin/sh</a:t>
+            </a:r>
+          </a:p>
+          <a:p>
+            <a:r>
+              <a:rPr lang="de-DE" dirty="0"/>
+              <a:t> # </a:t>
+            </a:r>
+            <a:r>
+              <a:rPr lang="de-DE" dirty="0" err="1"/>
+              <a:t>wget</a:t>
+            </a:r>
+            <a:r>
+              <a:rPr lang="de-DE" dirty="0"/>
+              <a:t> --spider --timeout=1 </a:t>
+            </a:r>
+            <a:r>
+              <a:rPr lang="de-DE" dirty="0" err="1"/>
+              <a:t>nginx</a:t>
+            </a:r>
+            <a:endParaRPr lang="en-US" dirty="0"/>
+          </a:p>
+          <a:p>
+            <a:r>
               <a:rPr lang="en-US" dirty="0" err="1"/>
-              <a:t>kubectl</a:t>
-            </a:r>
-            <a:r>
-              <a:rPr lang="en-US" baseline="0" dirty="0"/>
-              <a:t> drain &lt;node&gt; --ignore-</a:t>
-            </a:r>
-            <a:r>
-              <a:rPr lang="en-US" baseline="0" dirty="0" err="1"/>
-              <a:t>daemonset</a:t>
-            </a:r>
-            <a:r>
-              <a:rPr lang="en-US" baseline="0" dirty="0"/>
-              <a:t>=true</a:t>
-            </a:r>
-          </a:p>
-          <a:p>
-            <a:endParaRPr lang="en-US" baseline="0" dirty="0"/>
-          </a:p>
-          <a:p>
-            <a:r>
-              <a:rPr lang="en-US" baseline="0" dirty="0"/>
-              <a:t>To evict pods from a node, e.g. for maintenance, you can “drain” it. To mark it, so no new pods are scheduled to it, “cordon” the node. </a:t>
-            </a:r>
+              <a:t>Kubectl</a:t>
+            </a:r>
+            <a:r>
+              <a:rPr lang="en-US" dirty="0"/>
+              <a:t> create –f network-</a:t>
+            </a:r>
+            <a:r>
+              <a:rPr lang="en-US" dirty="0" err="1"/>
+              <a:t>policy.yaml</a:t>
+            </a:r>
+            <a:endParaRPr lang="en-US" dirty="0"/>
+          </a:p>
+          <a:p>
+            <a:r>
+              <a:rPr lang="en-US" dirty="0" err="1"/>
+              <a:t>Kubectl</a:t>
+            </a:r>
+            <a:r>
+              <a:rPr lang="en-US" dirty="0"/>
+              <a:t> run ..</a:t>
+            </a:r>
+          </a:p>
+          <a:p>
+            <a:r>
+              <a:rPr lang="en-US" dirty="0" err="1"/>
+              <a:t>Kubectl</a:t>
+            </a:r>
+            <a:r>
+              <a:rPr lang="en-US" dirty="0"/>
+              <a:t> run … -l access=true</a:t>
+            </a:r>
+          </a:p>
+          <a:p>
             <a:endParaRPr lang="en-US" dirty="0"/>
           </a:p>
         </p:txBody>
@@ -1037,18 +1053,18 @@
           <a:lstStyle/>
           <a:p>
             <a:fld id="{7D8C2C35-2B8A-446E-BEC0-FD36716C29AC}" type="slidenum">
-              <a:rPr lang="de-DE" smtClean="0"/>
+              <a:rPr lang="en-US" smtClean="0"/>
               <a:pPr/>
-              <a:t>13</a:t>
+              <a:t>11</a:t>
             </a:fld>
-            <a:endParaRPr lang="de-DE" dirty="0"/>
+            <a:endParaRPr lang="en-US" dirty="0"/>
           </a:p>
         </p:txBody>
       </p:sp>
     </p:spTree>
     <p:extLst>
       <p:ext uri="{BB962C8B-B14F-4D97-AF65-F5344CB8AC3E}">
-        <p14:creationId xmlns:p14="http://schemas.microsoft.com/office/powerpoint/2010/main" val="4167137068"/>
+        <p14:creationId xmlns:p14="http://schemas.microsoft.com/office/powerpoint/2010/main" val="3747275599"/>
       </p:ext>
     </p:extLst>
   </p:cSld>
@@ -1099,53 +1115,580 @@
         </p:nvSpPr>
         <p:spPr/>
         <p:txBody>
-          <a:bodyPr/>
+          <a:bodyPr>
+            <a:normAutofit fontScale="92500" lnSpcReduction="20000"/>
+          </a:bodyPr>
           <a:lstStyle/>
           <a:p>
             <a:r>
-              <a:rPr lang="en-US" dirty="0"/>
-              <a:t>There are multiple ways, to influence where pods are scheduled:</a:t>
+              <a:rPr lang="de-DE" dirty="0"/>
+              <a:t>Demo:</a:t>
             </a:r>
           </a:p>
           <a:p>
             <a:pPr marL="285750" indent="-285750">
-              <a:buFontTx/>
+              <a:buFont typeface="Symbol" panose="05050102010706020507" pitchFamily="18" charset="2"/>
               <a:buChar char="-"/>
             </a:pPr>
             <a:r>
-              <a:rPr lang="en-US" dirty="0"/>
-              <a:t>Taints &amp; tolerations: a node is tainted and only pods explicitly tolerating the taint will be scheduled</a:t>
-            </a:r>
-          </a:p>
-          <a:p>
-            <a:pPr marL="285750" indent="-285750">
-              <a:buFontTx/>
+              <a:rPr lang="de-DE" dirty="0"/>
+              <a:t>Create a </a:t>
+            </a:r>
+            <a:r>
+              <a:rPr lang="de-DE" dirty="0" err="1"/>
+              <a:t>deployment</a:t>
+            </a:r>
+            <a:r>
+              <a:rPr lang="de-DE" dirty="0"/>
+              <a:t> &amp; a </a:t>
+            </a:r>
+            <a:r>
+              <a:rPr lang="de-DE" dirty="0" err="1"/>
+              <a:t>corresponding</a:t>
+            </a:r>
+            <a:r>
+              <a:rPr lang="de-DE" dirty="0"/>
+              <a:t> </a:t>
+            </a:r>
+            <a:r>
+              <a:rPr lang="de-DE" dirty="0" err="1"/>
+              <a:t>service</a:t>
+            </a:r>
+            <a:r>
+              <a:rPr lang="de-DE" dirty="0"/>
+              <a:t> (</a:t>
+            </a:r>
+            <a:r>
+              <a:rPr lang="de-DE" dirty="0" err="1"/>
+              <a:t>if</a:t>
+            </a:r>
+            <a:r>
+              <a:rPr lang="de-DE" dirty="0"/>
+              <a:t> not </a:t>
+            </a:r>
+            <a:r>
+              <a:rPr lang="de-DE" dirty="0" err="1"/>
+              <a:t>yet</a:t>
+            </a:r>
+            <a:r>
+              <a:rPr lang="de-DE" dirty="0"/>
+              <a:t> </a:t>
+            </a:r>
+            <a:r>
+              <a:rPr lang="de-DE" dirty="0" err="1"/>
+              <a:t>done</a:t>
+            </a:r>
+            <a:r>
+              <a:rPr lang="de-DE" dirty="0"/>
+              <a:t>)</a:t>
+            </a:r>
+          </a:p>
+          <a:p>
+            <a:pPr marL="465750" lvl="1" indent="-285750">
+              <a:buFont typeface="Symbol" panose="05050102010706020507" pitchFamily="18" charset="2"/>
               <a:buChar char="-"/>
             </a:pPr>
             <a:r>
-              <a:rPr lang="en-US" dirty="0"/>
-              <a:t>Node selector: specify a node “type” by label to assign a pod to certain node pool</a:t>
-            </a:r>
-          </a:p>
-          <a:p>
-            <a:pPr marL="285750" indent="-285750">
-              <a:buFontTx/>
+              <a:rPr lang="de-DE" dirty="0" err="1"/>
+              <a:t>kubectl</a:t>
+            </a:r>
+            <a:r>
+              <a:rPr lang="de-DE" dirty="0"/>
+              <a:t> </a:t>
+            </a:r>
+            <a:r>
+              <a:rPr lang="de-DE" dirty="0" err="1"/>
+              <a:t>run</a:t>
+            </a:r>
+            <a:r>
+              <a:rPr lang="de-DE" dirty="0"/>
+              <a:t> </a:t>
+            </a:r>
+            <a:r>
+              <a:rPr lang="de-DE" dirty="0" err="1"/>
+              <a:t>nginx</a:t>
+            </a:r>
+            <a:r>
+              <a:rPr lang="de-DE" dirty="0"/>
+              <a:t> --image</a:t>
+            </a:r>
+            <a:r>
+              <a:rPr lang="de-DE" b="1" dirty="0"/>
+              <a:t>=</a:t>
+            </a:r>
+            <a:r>
+              <a:rPr lang="de-DE" dirty="0" err="1"/>
+              <a:t>nginx</a:t>
+            </a:r>
+            <a:r>
+              <a:rPr lang="de-DE" dirty="0"/>
+              <a:t> --</a:t>
+            </a:r>
+            <a:r>
+              <a:rPr lang="de-DE" dirty="0" err="1"/>
+              <a:t>replicas</a:t>
+            </a:r>
+            <a:r>
+              <a:rPr lang="de-DE" b="1" dirty="0"/>
+              <a:t>=</a:t>
+            </a:r>
+            <a:r>
+              <a:rPr lang="de-DE" dirty="0"/>
+              <a:t>2 </a:t>
+            </a:r>
+          </a:p>
+          <a:p>
+            <a:pPr marL="465750" lvl="1" indent="-285750">
+              <a:buFont typeface="Symbol" panose="05050102010706020507" pitchFamily="18" charset="2"/>
               <a:buChar char="-"/>
             </a:pPr>
             <a:r>
-              <a:rPr lang="en-US" dirty="0"/>
-              <a:t>Pod affinity: explicitly schedule a pod on a node where certain pod is already running</a:t>
+              <a:rPr lang="de-DE" dirty="0" err="1"/>
+              <a:t>kubectl</a:t>
+            </a:r>
+            <a:r>
+              <a:rPr lang="de-DE" dirty="0"/>
+              <a:t> </a:t>
+            </a:r>
+            <a:r>
+              <a:rPr lang="de-DE" dirty="0" err="1"/>
+              <a:t>expose</a:t>
+            </a:r>
+            <a:r>
+              <a:rPr lang="de-DE" dirty="0"/>
+              <a:t> </a:t>
+            </a:r>
+            <a:r>
+              <a:rPr lang="de-DE" dirty="0" err="1"/>
+              <a:t>deployment</a:t>
+            </a:r>
+            <a:r>
+              <a:rPr lang="de-DE" dirty="0"/>
+              <a:t> </a:t>
+            </a:r>
+            <a:r>
+              <a:rPr lang="de-DE" dirty="0" err="1"/>
+              <a:t>nginx</a:t>
+            </a:r>
+            <a:r>
+              <a:rPr lang="de-DE" dirty="0"/>
+              <a:t> --</a:t>
+            </a:r>
+            <a:r>
+              <a:rPr lang="de-DE" dirty="0" err="1"/>
+              <a:t>port</a:t>
+            </a:r>
+            <a:r>
+              <a:rPr lang="de-DE" b="1" dirty="0"/>
+              <a:t>=</a:t>
+            </a:r>
+            <a:r>
+              <a:rPr lang="de-DE" dirty="0"/>
+              <a:t>80</a:t>
             </a:r>
           </a:p>
           <a:p>
             <a:pPr marL="285750" indent="-285750">
-              <a:buFontTx/>
+              <a:buFont typeface="Symbol" panose="05050102010706020507" pitchFamily="18" charset="2"/>
               <a:buChar char="-"/>
             </a:pPr>
+            <a:endParaRPr lang="de-DE" dirty="0"/>
+          </a:p>
+          <a:p>
+            <a:pPr marL="285750" indent="-285750">
+              <a:buFont typeface="Symbol" panose="05050102010706020507" pitchFamily="18" charset="2"/>
+              <a:buChar char="-"/>
+            </a:pPr>
+            <a:r>
+              <a:rPr lang="de-DE" dirty="0"/>
+              <a:t>Create a </a:t>
+            </a:r>
+            <a:r>
+              <a:rPr lang="de-DE" dirty="0" err="1"/>
+              <a:t>helper</a:t>
+            </a:r>
+            <a:r>
+              <a:rPr lang="de-DE" dirty="0"/>
+              <a:t> </a:t>
+            </a:r>
+            <a:r>
+              <a:rPr lang="de-DE" dirty="0" err="1"/>
+              <a:t>pod</a:t>
+            </a:r>
+            <a:r>
+              <a:rPr lang="de-DE" dirty="0"/>
+              <a:t>, </a:t>
+            </a:r>
+            <a:r>
+              <a:rPr lang="de-DE" dirty="0" err="1"/>
+              <a:t>logon</a:t>
+            </a:r>
+            <a:r>
+              <a:rPr lang="de-DE" dirty="0"/>
+              <a:t> </a:t>
+            </a:r>
+            <a:r>
+              <a:rPr lang="de-DE" dirty="0" err="1"/>
+              <a:t>to</a:t>
+            </a:r>
+            <a:r>
+              <a:rPr lang="de-DE" dirty="0"/>
+              <a:t> </a:t>
+            </a:r>
+            <a:r>
+              <a:rPr lang="de-DE" dirty="0" err="1"/>
+              <a:t>it</a:t>
+            </a:r>
+            <a:r>
+              <a:rPr lang="de-DE" dirty="0"/>
+              <a:t> and </a:t>
+            </a:r>
+            <a:r>
+              <a:rPr lang="de-DE" dirty="0" err="1"/>
+              <a:t>get</a:t>
+            </a:r>
+            <a:r>
+              <a:rPr lang="de-DE" dirty="0"/>
+              <a:t> </a:t>
+            </a:r>
+            <a:r>
+              <a:rPr lang="de-DE" dirty="0" err="1"/>
+              <a:t>the</a:t>
+            </a:r>
+            <a:r>
+              <a:rPr lang="de-DE" dirty="0"/>
+              <a:t> index.html </a:t>
+            </a:r>
+            <a:r>
+              <a:rPr lang="de-DE" dirty="0" err="1"/>
+              <a:t>page</a:t>
+            </a:r>
+            <a:r>
+              <a:rPr lang="de-DE" dirty="0"/>
+              <a:t> </a:t>
+            </a:r>
+            <a:r>
+              <a:rPr lang="de-DE" dirty="0" err="1"/>
+              <a:t>from</a:t>
+            </a:r>
+            <a:r>
+              <a:rPr lang="de-DE" dirty="0"/>
+              <a:t> </a:t>
+            </a:r>
+            <a:r>
+              <a:rPr lang="de-DE" dirty="0" err="1"/>
+              <a:t>the</a:t>
+            </a:r>
+            <a:r>
+              <a:rPr lang="de-DE" dirty="0"/>
+              <a:t> </a:t>
+            </a:r>
+            <a:r>
+              <a:rPr lang="de-DE" dirty="0" err="1"/>
+              <a:t>nginx</a:t>
+            </a:r>
+            <a:r>
+              <a:rPr lang="de-DE" dirty="0"/>
+              <a:t> backend.</a:t>
+            </a:r>
+          </a:p>
+          <a:p>
+            <a:pPr marL="465750" lvl="1" indent="-285750">
+              <a:buFont typeface="Symbol" panose="05050102010706020507" pitchFamily="18" charset="2"/>
+              <a:buChar char="-"/>
+            </a:pPr>
+            <a:r>
+              <a:rPr lang="de-DE" dirty="0" err="1"/>
+              <a:t>kubectl</a:t>
+            </a:r>
+            <a:r>
+              <a:rPr lang="de-DE" dirty="0"/>
+              <a:t> </a:t>
+            </a:r>
+            <a:r>
+              <a:rPr lang="de-DE" dirty="0" err="1"/>
+              <a:t>run</a:t>
+            </a:r>
+            <a:r>
+              <a:rPr lang="de-DE" dirty="0"/>
+              <a:t> </a:t>
+            </a:r>
+            <a:r>
+              <a:rPr lang="de-DE" dirty="0" err="1"/>
+              <a:t>connector</a:t>
+            </a:r>
+            <a:r>
+              <a:rPr lang="de-DE" dirty="0"/>
+              <a:t> --</a:t>
+            </a:r>
+            <a:r>
+              <a:rPr lang="de-DE" dirty="0" err="1"/>
+              <a:t>rm</a:t>
+            </a:r>
+            <a:r>
+              <a:rPr lang="de-DE" dirty="0"/>
+              <a:t> -</a:t>
+            </a:r>
+            <a:r>
+              <a:rPr lang="de-DE" dirty="0" err="1"/>
+              <a:t>ti</a:t>
+            </a:r>
+            <a:r>
+              <a:rPr lang="de-DE" dirty="0"/>
+              <a:t> --</a:t>
+            </a:r>
+            <a:r>
+              <a:rPr lang="de-DE" dirty="0" err="1"/>
+              <a:t>restart</a:t>
+            </a:r>
+            <a:r>
+              <a:rPr lang="de-DE" dirty="0"/>
+              <a:t>=Never --image</a:t>
+            </a:r>
+            <a:r>
+              <a:rPr lang="de-DE" b="1" dirty="0"/>
+              <a:t>=</a:t>
+            </a:r>
+            <a:r>
+              <a:rPr lang="de-DE" dirty="0"/>
+              <a:t>alpine:3.8</a:t>
+            </a:r>
+          </a:p>
+          <a:p>
+            <a:pPr marL="465750" lvl="1" indent="-285750">
+              <a:buFont typeface="Symbol" panose="05050102010706020507" pitchFamily="18" charset="2"/>
+              <a:buChar char="-"/>
+            </a:pPr>
+            <a:r>
+              <a:rPr lang="de-DE" dirty="0"/>
+              <a:t># </a:t>
+            </a:r>
+            <a:r>
+              <a:rPr lang="de-DE" dirty="0" err="1"/>
+              <a:t>wget</a:t>
+            </a:r>
+            <a:r>
+              <a:rPr lang="de-DE" dirty="0"/>
+              <a:t> --timeout=1 </a:t>
+            </a:r>
+            <a:r>
+              <a:rPr lang="de-DE" dirty="0" err="1"/>
+              <a:t>nginx</a:t>
+            </a:r>
+            <a:endParaRPr lang="de-DE" dirty="0"/>
+          </a:p>
+          <a:p>
+            <a:pPr marL="465750" lvl="1" indent="-285750">
+              <a:buFont typeface="Symbol" panose="05050102010706020507" pitchFamily="18" charset="2"/>
+              <a:buChar char="-"/>
+            </a:pPr>
             <a:r>
               <a:rPr lang="en-US" dirty="0"/>
-              <a:t>Pod anti-affinity: don’t schedule on a node, where a certain pod is already running</a:t>
-            </a:r>
+              <a:t>Remove the index.html page &amp; stay connected to the shell session</a:t>
+            </a:r>
+          </a:p>
+          <a:p>
+            <a:pPr marL="285750" indent="-285750">
+              <a:buFont typeface="Symbol" panose="05050102010706020507" pitchFamily="18" charset="2"/>
+              <a:buChar char="-"/>
+            </a:pPr>
+            <a:endParaRPr lang="en-US" dirty="0"/>
+          </a:p>
+          <a:p>
+            <a:pPr marL="285750" indent="-285750">
+              <a:buFont typeface="Symbol" panose="05050102010706020507" pitchFamily="18" charset="2"/>
+              <a:buChar char="-"/>
+            </a:pPr>
+            <a:r>
+              <a:rPr lang="en-US" dirty="0"/>
+              <a:t>Create the network policy in a 2</a:t>
+            </a:r>
+            <a:r>
+              <a:rPr lang="en-US" baseline="30000" dirty="0"/>
+              <a:t>nd</a:t>
+            </a:r>
+            <a:r>
+              <a:rPr lang="en-US" dirty="0"/>
+              <a:t> shell:</a:t>
+            </a:r>
+          </a:p>
+          <a:p>
+            <a:pPr marL="465750" lvl="1" indent="-285750">
+              <a:buFont typeface="Symbol" panose="05050102010706020507" pitchFamily="18" charset="2"/>
+              <a:buChar char="-"/>
+            </a:pPr>
+            <a:r>
+              <a:rPr lang="en-US" dirty="0" err="1"/>
+              <a:t>kubectl</a:t>
+            </a:r>
+            <a:r>
+              <a:rPr lang="en-US" dirty="0"/>
+              <a:t> create –f network-</a:t>
+            </a:r>
+            <a:r>
+              <a:rPr lang="en-US" dirty="0" err="1"/>
+              <a:t>policy.yaml</a:t>
+            </a:r>
+            <a:endParaRPr lang="en-US" dirty="0"/>
+          </a:p>
+          <a:p>
+            <a:pPr marL="465750" lvl="1" indent="-285750">
+              <a:buFont typeface="Symbol" panose="05050102010706020507" pitchFamily="18" charset="2"/>
+              <a:buChar char="-"/>
+            </a:pPr>
+            <a:r>
+              <a:rPr lang="en-US" dirty="0"/>
+              <a:t>Show the network policy definition and explain:</a:t>
+            </a:r>
+          </a:p>
+          <a:p>
+            <a:pPr marL="645750" lvl="2" indent="-285750">
+              <a:buFont typeface="Symbol" panose="05050102010706020507" pitchFamily="18" charset="2"/>
+              <a:buChar char="-"/>
+            </a:pPr>
+            <a:r>
+              <a:rPr lang="en-US" dirty="0"/>
+              <a:t>it’s implicitly a whitelisting</a:t>
+            </a:r>
+          </a:p>
+          <a:p>
+            <a:pPr marL="645750" lvl="2" indent="-285750">
+              <a:buFont typeface="Symbol" panose="05050102010706020507" pitchFamily="18" charset="2"/>
+              <a:buChar char="-"/>
+            </a:pPr>
+            <a:r>
+              <a:rPr lang="en-US" dirty="0"/>
+              <a:t>network policy can handle egress and ingress traffic. However the example is only of incoming (ingress) traffic.</a:t>
+            </a:r>
+          </a:p>
+          <a:p>
+            <a:pPr marL="645750" lvl="2" indent="-285750">
+              <a:buFont typeface="Symbol" panose="05050102010706020507" pitchFamily="18" charset="2"/>
+              <a:buChar char="-"/>
+            </a:pPr>
+            <a:r>
+              <a:rPr lang="en-US" dirty="0"/>
+              <a:t>The </a:t>
+            </a:r>
+            <a:r>
+              <a:rPr lang="en-US" dirty="0" err="1"/>
+              <a:t>cidr</a:t>
+            </a:r>
+            <a:r>
+              <a:rPr lang="en-US" dirty="0"/>
+              <a:t> block are required, if you want to access your service later from SAP networks. Otherwise all requested without the label (i.e. not cluster internal) will be blocked too.</a:t>
+            </a:r>
+          </a:p>
+          <a:p>
+            <a:pPr marL="465750" lvl="1" indent="-285750">
+              <a:buFont typeface="Symbol" panose="05050102010706020507" pitchFamily="18" charset="2"/>
+              <a:buChar char="-"/>
+            </a:pPr>
+            <a:endParaRPr lang="en-US" dirty="0"/>
+          </a:p>
+          <a:p>
+            <a:pPr marL="285750" indent="-285750">
+              <a:buFont typeface="Symbol" panose="05050102010706020507" pitchFamily="18" charset="2"/>
+              <a:buChar char="-"/>
+            </a:pPr>
+            <a:r>
+              <a:rPr lang="en-US" dirty="0"/>
+              <a:t>Switch back to the helper pod and re-run the </a:t>
+            </a:r>
+            <a:r>
+              <a:rPr lang="en-US" dirty="0" err="1"/>
+              <a:t>wget</a:t>
+            </a:r>
+            <a:r>
+              <a:rPr lang="en-US" dirty="0"/>
+              <a:t> command </a:t>
+            </a:r>
+            <a:r>
+              <a:rPr lang="en-US" dirty="0">
+                <a:sym typeface="Wingdings" panose="05000000000000000000" pitchFamily="2" charset="2"/>
+              </a:rPr>
+              <a:t> expected result: failure due to the missing label</a:t>
+            </a:r>
+            <a:endParaRPr lang="en-US" dirty="0"/>
+          </a:p>
+          <a:p>
+            <a:pPr marL="285750" indent="-285750">
+              <a:buFont typeface="Symbol" panose="05050102010706020507" pitchFamily="18" charset="2"/>
+              <a:buChar char="-"/>
+            </a:pPr>
+            <a:r>
+              <a:rPr lang="en-US" dirty="0"/>
+              <a:t>Label you helper pod accordingly (can be done from the 2</a:t>
+            </a:r>
+            <a:r>
+              <a:rPr lang="en-US" baseline="30000" dirty="0"/>
+              <a:t>nd</a:t>
+            </a:r>
+            <a:r>
+              <a:rPr lang="en-US" dirty="0"/>
+              <a:t> shell session, so stay connected to your helper pod)</a:t>
+            </a:r>
+          </a:p>
+          <a:p>
+            <a:pPr marL="465750" lvl="1" indent="-285750">
+              <a:buFont typeface="Symbol" panose="05050102010706020507" pitchFamily="18" charset="2"/>
+              <a:buChar char="-"/>
+            </a:pPr>
+            <a:r>
+              <a:rPr lang="en-US" dirty="0" err="1"/>
+              <a:t>kubectl</a:t>
+            </a:r>
+            <a:r>
+              <a:rPr lang="en-US" dirty="0"/>
+              <a:t> label pod connector access=true</a:t>
+            </a:r>
+          </a:p>
+          <a:p>
+            <a:pPr marL="285750" lvl="0" indent="-285750">
+              <a:buFont typeface="Symbol" panose="05050102010706020507" pitchFamily="18" charset="2"/>
+              <a:buChar char="-"/>
+            </a:pPr>
+            <a:endParaRPr lang="en-US" dirty="0"/>
+          </a:p>
+          <a:p>
+            <a:pPr marL="285750" lvl="0" indent="-285750">
+              <a:buFont typeface="Symbol" panose="05050102010706020507" pitchFamily="18" charset="2"/>
+              <a:buChar char="-"/>
+            </a:pPr>
+            <a:r>
+              <a:rPr lang="en-US" dirty="0"/>
+              <a:t>Re-run the </a:t>
+            </a:r>
+            <a:r>
+              <a:rPr lang="en-US" dirty="0" err="1"/>
+              <a:t>wget</a:t>
+            </a:r>
+            <a:r>
+              <a:rPr lang="en-US" dirty="0"/>
+              <a:t> command </a:t>
+            </a:r>
+            <a:r>
+              <a:rPr lang="en-US" dirty="0">
+                <a:sym typeface="Wingdings" panose="05000000000000000000" pitchFamily="2" charset="2"/>
+              </a:rPr>
+              <a:t> expected result: works again</a:t>
+            </a:r>
+          </a:p>
+          <a:p>
+            <a:pPr marL="285750" lvl="0" indent="-285750">
+              <a:buFont typeface="Symbol" panose="05050102010706020507" pitchFamily="18" charset="2"/>
+              <a:buChar char="-"/>
+            </a:pPr>
+            <a:endParaRPr lang="en-US" dirty="0">
+              <a:sym typeface="Wingdings" panose="05000000000000000000" pitchFamily="2" charset="2"/>
+            </a:endParaRPr>
+          </a:p>
+          <a:p>
+            <a:pPr marL="0" lvl="0" indent="0">
+              <a:buFont typeface="Symbol" panose="05050102010706020507" pitchFamily="18" charset="2"/>
+              <a:buNone/>
+            </a:pPr>
+            <a:endParaRPr lang="en-US" dirty="0"/>
           </a:p>
         </p:txBody>
       </p:sp>
@@ -1167,7 +1710,7 @@
             <a:fld id="{7D8C2C35-2B8A-446E-BEC0-FD36716C29AC}" type="slidenum">
               <a:rPr lang="de-DE" smtClean="0"/>
               <a:pPr/>
-              <a:t>14</a:t>
+              <a:t>12</a:t>
             </a:fld>
             <a:endParaRPr lang="de-DE" dirty="0"/>
           </a:p>
@@ -1176,7 +1719,7 @@
     </p:spTree>
     <p:extLst>
       <p:ext uri="{BB962C8B-B14F-4D97-AF65-F5344CB8AC3E}">
-        <p14:creationId xmlns:p14="http://schemas.microsoft.com/office/powerpoint/2010/main" val="195966228"/>
+        <p14:creationId xmlns:p14="http://schemas.microsoft.com/office/powerpoint/2010/main" val="2053658473"/>
       </p:ext>
     </p:extLst>
   </p:cSld>
@@ -1230,6 +1773,31 @@
           <a:bodyPr/>
           <a:lstStyle/>
           <a:p>
+            <a:r>
+              <a:rPr lang="en-US" dirty="0" err="1"/>
+              <a:t>kubectl</a:t>
+            </a:r>
+            <a:r>
+              <a:rPr lang="en-US" baseline="0" dirty="0"/>
+              <a:t> drain &lt;node&gt; --ignore-</a:t>
+            </a:r>
+            <a:r>
+              <a:rPr lang="en-US" baseline="0" dirty="0" err="1"/>
+              <a:t>daemonset</a:t>
+            </a:r>
+            <a:r>
+              <a:rPr lang="en-US" baseline="0" dirty="0"/>
+              <a:t>=true</a:t>
+            </a:r>
+          </a:p>
+          <a:p>
+            <a:endParaRPr lang="en-US" baseline="0" dirty="0"/>
+          </a:p>
+          <a:p>
+            <a:r>
+              <a:rPr lang="en-US" baseline="0" dirty="0"/>
+              <a:t>To evict pods from a node, e.g. for maintenance, you can “drain” it. To mark it, so no new pods are scheduled to it, “cordon” the node. </a:t>
+            </a:r>
             <a:endParaRPr lang="en-US" dirty="0"/>
           </a:p>
         </p:txBody>
@@ -1252,7 +1820,7 @@
             <a:fld id="{7D8C2C35-2B8A-446E-BEC0-FD36716C29AC}" type="slidenum">
               <a:rPr lang="de-DE" smtClean="0"/>
               <a:pPr/>
-              <a:t>16</a:t>
+              <a:t>14</a:t>
             </a:fld>
             <a:endParaRPr lang="de-DE" dirty="0"/>
           </a:p>
@@ -1261,7 +1829,7 @@
     </p:spTree>
     <p:extLst>
       <p:ext uri="{BB962C8B-B14F-4D97-AF65-F5344CB8AC3E}">
-        <p14:creationId xmlns:p14="http://schemas.microsoft.com/office/powerpoint/2010/main" val="3466716593"/>
+        <p14:creationId xmlns:p14="http://schemas.microsoft.com/office/powerpoint/2010/main" val="4167137068"/>
       </p:ext>
     </p:extLst>
   </p:cSld>
@@ -1317,78 +1885,48 @@
           <a:p>
             <a:r>
               <a:rPr lang="en-US" dirty="0"/>
-              <a:t>Works only with localhost – hence, run</a:t>
-            </a:r>
-            <a:r>
-              <a:rPr lang="en-US" baseline="0" dirty="0"/>
-              <a:t> commands on a machine, where you have a UI /can access a browser:</a:t>
-            </a:r>
-          </a:p>
-          <a:p>
-            <a:r>
-              <a:rPr lang="en-US" baseline="0" dirty="0"/>
-              <a:t>- </a:t>
-            </a:r>
-            <a:r>
-              <a:rPr lang="en-US" baseline="0" dirty="0" err="1"/>
-              <a:t>kubectl</a:t>
-            </a:r>
-            <a:r>
-              <a:rPr lang="en-US" baseline="0" dirty="0"/>
-              <a:t> proxy</a:t>
-            </a:r>
-          </a:p>
-          <a:p>
+              <a:t>There are multiple ways, to influence where pods are scheduled:</a:t>
+            </a:r>
+          </a:p>
+          <a:p>
+            <a:pPr marL="285750" indent="-285750">
+              <a:buFontTx/>
+              <a:buChar char="-"/>
+            </a:pPr>
             <a:r>
               <a:rPr lang="en-US" dirty="0"/>
-              <a:t>- Open browser</a:t>
-            </a:r>
-            <a:r>
-              <a:rPr lang="en-US" baseline="0" dirty="0"/>
-              <a:t> on localhost:8001 (port may vary) and show the API</a:t>
-            </a:r>
-          </a:p>
-          <a:p>
-            <a:r>
-              <a:rPr lang="en-US" baseline="0" dirty="0"/>
-              <a:t>- Open browser on localhost:8001:ui, logon with token from </a:t>
-            </a:r>
-            <a:r>
-              <a:rPr lang="en-US" baseline="0" dirty="0" err="1"/>
-              <a:t>kubeconfig</a:t>
-            </a:r>
-            <a:endParaRPr lang="en-US" baseline="0" dirty="0"/>
-          </a:p>
-          <a:p>
-            <a:r>
-              <a:rPr lang="en-US" baseline="0" dirty="0"/>
-              <a:t>Demo the dashboard</a:t>
-            </a:r>
-          </a:p>
-          <a:p>
-            <a:r>
-              <a:rPr lang="en-US" baseline="0" dirty="0"/>
-              <a:t>- Show status info &amp; utilization of nodes</a:t>
-            </a:r>
-          </a:p>
-          <a:p>
+              <a:t>Taints &amp; tolerations: a node is tainted and only pods explicitly tolerating the taint will be scheduled</a:t>
+            </a:r>
+          </a:p>
+          <a:p>
+            <a:pPr marL="285750" indent="-285750">
+              <a:buFontTx/>
+              <a:buChar char="-"/>
+            </a:pPr>
             <a:r>
               <a:rPr lang="en-US" dirty="0"/>
-              <a:t>- Show deployments</a:t>
-            </a:r>
-            <a:r>
-              <a:rPr lang="en-US" baseline="0" dirty="0"/>
-              <a:t> </a:t>
-            </a:r>
+              <a:t>Node selector: specify a node “type” by label to assign a pod to certain node pool</a:t>
+            </a:r>
+          </a:p>
+          <a:p>
+            <a:pPr marL="285750" indent="-285750">
+              <a:buFontTx/>
+              <a:buChar char="-"/>
+            </a:pPr>
             <a:r>
               <a:rPr lang="en-US" dirty="0"/>
-              <a:t>&amp; services and how to create a new</a:t>
-            </a:r>
-            <a:r>
-              <a:rPr lang="en-US" baseline="0" dirty="0"/>
-              <a:t> deployment</a:t>
-            </a:r>
-            <a:endParaRPr lang="en-US" dirty="0"/>
+              <a:t>Pod affinity: explicitly schedule a pod on a node where certain pod is already running</a:t>
+            </a:r>
+          </a:p>
+          <a:p>
+            <a:pPr marL="285750" indent="-285750">
+              <a:buFontTx/>
+              <a:buChar char="-"/>
+            </a:pPr>
+            <a:r>
+              <a:rPr lang="en-US" dirty="0"/>
+              <a:t>Pod anti-affinity: don’t schedule on a node, where a certain pod is already running</a:t>
+            </a:r>
           </a:p>
         </p:txBody>
       </p:sp>
@@ -1410,7 +1948,7 @@
             <a:fld id="{7D8C2C35-2B8A-446E-BEC0-FD36716C29AC}" type="slidenum">
               <a:rPr lang="de-DE" smtClean="0"/>
               <a:pPr/>
-              <a:t>17</a:t>
+              <a:t>15</a:t>
             </a:fld>
             <a:endParaRPr lang="de-DE" dirty="0"/>
           </a:p>
@@ -1419,7 +1957,7 @@
     </p:spTree>
     <p:extLst>
       <p:ext uri="{BB962C8B-B14F-4D97-AF65-F5344CB8AC3E}">
-        <p14:creationId xmlns:p14="http://schemas.microsoft.com/office/powerpoint/2010/main" val="157809321"/>
+        <p14:creationId xmlns:p14="http://schemas.microsoft.com/office/powerpoint/2010/main" val="195966228"/>
       </p:ext>
     </p:extLst>
   </p:cSld>
@@ -1473,39 +2011,6 @@
           <a:bodyPr/>
           <a:lstStyle/>
           <a:p>
-            <a:r>
-              <a:rPr lang="en-US" dirty="0"/>
-              <a:t>Gardener is SAP’s solution for managed </a:t>
-            </a:r>
-            <a:r>
-              <a:rPr lang="en-US" dirty="0" err="1"/>
-              <a:t>kubernetes</a:t>
-            </a:r>
-            <a:r>
-              <a:rPr lang="en-US" dirty="0"/>
-              <a:t> cluster. It is open source &amp; completely available on </a:t>
-            </a:r>
-            <a:r>
-              <a:rPr lang="en-US" dirty="0" err="1"/>
-              <a:t>github</a:t>
-            </a:r>
-            <a:r>
-              <a:rPr lang="en-US" dirty="0"/>
-              <a:t>: https://github.com/gardener/gardener/ </a:t>
-            </a:r>
-          </a:p>
-          <a:p>
-            <a:endParaRPr lang="en-US" dirty="0"/>
-          </a:p>
-          <a:p>
-            <a:r>
-              <a:rPr lang="en-US" dirty="0"/>
-              <a:t>Show internal landing page: https://github.wdf.sap.corp/pages/kubernetes/gardener/ including blog </a:t>
-            </a:r>
-            <a:r>
-              <a:rPr lang="en-US"/>
-              <a:t>&amp; help section</a:t>
-            </a:r>
             <a:endParaRPr lang="en-US" dirty="0"/>
           </a:p>
         </p:txBody>
@@ -1528,7 +2033,7 @@
             <a:fld id="{7D8C2C35-2B8A-446E-BEC0-FD36716C29AC}" type="slidenum">
               <a:rPr lang="de-DE" smtClean="0"/>
               <a:pPr/>
-              <a:t>18</a:t>
+              <a:t>17</a:t>
             </a:fld>
             <a:endParaRPr lang="de-DE" dirty="0"/>
           </a:p>
@@ -1537,7 +2042,7 @@
     </p:spTree>
     <p:extLst>
       <p:ext uri="{BB962C8B-B14F-4D97-AF65-F5344CB8AC3E}">
-        <p14:creationId xmlns:p14="http://schemas.microsoft.com/office/powerpoint/2010/main" val="3611099769"/>
+        <p14:creationId xmlns:p14="http://schemas.microsoft.com/office/powerpoint/2010/main" val="3466716593"/>
       </p:ext>
     </p:extLst>
   </p:cSld>
@@ -1591,10 +2096,7 @@
           <a:bodyPr/>
           <a:lstStyle/>
           <a:p>
-            <a:r>
-              <a:rPr lang="en-US" dirty="0"/>
-              <a:t>Setting up lots of small clusters individually leads to resource waste. The control plane / master needs to be high available but the resources reserved for fail-over usually idle.</a:t>
-            </a:r>
+            <a:endParaRPr lang="en-US" dirty="0"/>
           </a:p>
         </p:txBody>
       </p:sp>
@@ -1614,18 +2116,18 @@
           <a:lstStyle/>
           <a:p>
             <a:fld id="{7D8C2C35-2B8A-446E-BEC0-FD36716C29AC}" type="slidenum">
-              <a:rPr lang="en-US" smtClean="0"/>
+              <a:rPr lang="de-DE" smtClean="0"/>
               <a:pPr/>
-              <a:t>19</a:t>
+              <a:t>18</a:t>
             </a:fld>
-            <a:endParaRPr lang="en-US" dirty="0"/>
+            <a:endParaRPr lang="de-DE" dirty="0"/>
           </a:p>
         </p:txBody>
       </p:sp>
     </p:spTree>
     <p:extLst>
       <p:ext uri="{BB962C8B-B14F-4D97-AF65-F5344CB8AC3E}">
-        <p14:creationId xmlns:p14="http://schemas.microsoft.com/office/powerpoint/2010/main" val="1487314377"/>
+        <p14:creationId xmlns:p14="http://schemas.microsoft.com/office/powerpoint/2010/main" val="157809321"/>
       </p:ext>
     </p:extLst>
   </p:cSld>
@@ -1676,16 +2178,69 @@
         </p:nvSpPr>
         <p:spPr/>
         <p:txBody>
-          <a:bodyPr/>
+          <a:bodyPr>
+            <a:normAutofit fontScale="92500" lnSpcReduction="20000"/>
+          </a:bodyPr>
           <a:lstStyle/>
           <a:p>
             <a:r>
+              <a:rPr lang="en-US" baseline="0" dirty="0"/>
+              <a:t>Optional demo: </a:t>
+            </a:r>
+          </a:p>
+          <a:p>
+            <a:r>
+              <a:rPr lang="en-US" baseline="0" dirty="0"/>
+              <a:t>To access the cluster’s dashboard, use the Gardener UI or port-forward the to dashboard pod (example: </a:t>
+            </a:r>
+            <a:r>
+              <a:rPr lang="en-US" baseline="0" dirty="0" err="1"/>
+              <a:t>kubectl</a:t>
+            </a:r>
+            <a:r>
+              <a:rPr lang="en-US" baseline="0" dirty="0"/>
+              <a:t> port-forward -n </a:t>
+            </a:r>
+            <a:r>
+              <a:rPr lang="en-US" baseline="0" dirty="0" err="1"/>
+              <a:t>kube</a:t>
+            </a:r>
+            <a:r>
+              <a:rPr lang="en-US" baseline="0" dirty="0"/>
+              <a:t>-system addons-kubernetes-dashboard-5486b968b7-zf62b 8443:8443)</a:t>
+            </a:r>
+          </a:p>
+          <a:p>
+            <a:endParaRPr lang="en-US" baseline="0" dirty="0"/>
+          </a:p>
+          <a:p>
+            <a:r>
+              <a:rPr lang="en-US" baseline="0" dirty="0"/>
+              <a:t>Demo the dashboard</a:t>
+            </a:r>
+          </a:p>
+          <a:p>
+            <a:r>
+              <a:rPr lang="en-US" baseline="0" dirty="0"/>
+              <a:t>- Show status info &amp; utilization of nodes</a:t>
+            </a:r>
+          </a:p>
+          <a:p>
+            <a:r>
               <a:rPr lang="en-US" dirty="0"/>
-              <a:t>Solution: Gardener runs the control plane / master components of many “worker” clusters in a </a:t>
-            </a:r>
-            <a:r>
-              <a:rPr lang="en-US"/>
-              <a:t>separate cluster</a:t>
+              <a:t>- Show deployments</a:t>
+            </a:r>
+            <a:r>
+              <a:rPr lang="en-US" baseline="0" dirty="0"/>
+              <a:t> </a:t>
+            </a:r>
+            <a:r>
+              <a:rPr lang="en-US" dirty="0"/>
+              <a:t>&amp; services and how to create a new</a:t>
+            </a:r>
+            <a:r>
+              <a:rPr lang="en-US" baseline="0" dirty="0"/>
+              <a:t> deployment</a:t>
             </a:r>
             <a:endParaRPr lang="en-US" dirty="0"/>
           </a:p>
@@ -1709,7 +2264,7 @@
             <a:fld id="{7D8C2C35-2B8A-446E-BEC0-FD36716C29AC}" type="slidenum">
               <a:rPr lang="de-DE" smtClean="0"/>
               <a:pPr/>
-              <a:t>20</a:t>
+              <a:t>19</a:t>
             </a:fld>
             <a:endParaRPr lang="de-DE" dirty="0"/>
           </a:p>
@@ -1718,7 +2273,7 @@
     </p:spTree>
     <p:extLst>
       <p:ext uri="{BB962C8B-B14F-4D97-AF65-F5344CB8AC3E}">
-        <p14:creationId xmlns:p14="http://schemas.microsoft.com/office/powerpoint/2010/main" val="1867122449"/>
+        <p14:creationId xmlns:p14="http://schemas.microsoft.com/office/powerpoint/2010/main" val="3052625252"/>
       </p:ext>
     </p:extLst>
   </p:cSld>
@@ -1772,6 +2327,39 @@
           <a:bodyPr/>
           <a:lstStyle/>
           <a:p>
+            <a:r>
+              <a:rPr lang="en-US" dirty="0"/>
+              <a:t>Gardener is SAP’s solution for managed </a:t>
+            </a:r>
+            <a:r>
+              <a:rPr lang="en-US" dirty="0" err="1"/>
+              <a:t>kubernetes</a:t>
+            </a:r>
+            <a:r>
+              <a:rPr lang="en-US" dirty="0"/>
+              <a:t> cluster. It is open source &amp; completely available on </a:t>
+            </a:r>
+            <a:r>
+              <a:rPr lang="en-US" dirty="0" err="1"/>
+              <a:t>github</a:t>
+            </a:r>
+            <a:r>
+              <a:rPr lang="en-US" dirty="0"/>
+              <a:t>: https://github.com/gardener/gardener/ </a:t>
+            </a:r>
+          </a:p>
+          <a:p>
+            <a:endParaRPr lang="en-US" dirty="0"/>
+          </a:p>
+          <a:p>
+            <a:r>
+              <a:rPr lang="en-US" dirty="0"/>
+              <a:t>Show internal landing page: https://github.wdf.sap.corp/pages/kubernetes/gardener/ including blog </a:t>
+            </a:r>
+            <a:r>
+              <a:rPr lang="en-US"/>
+              <a:t>&amp; help section</a:t>
+            </a:r>
             <a:endParaRPr lang="en-US" dirty="0"/>
           </a:p>
         </p:txBody>
@@ -1794,7 +2382,7 @@
             <a:fld id="{7D8C2C35-2B8A-446E-BEC0-FD36716C29AC}" type="slidenum">
               <a:rPr lang="de-DE" smtClean="0"/>
               <a:pPr/>
-              <a:t>21</a:t>
+              <a:t>20</a:t>
             </a:fld>
             <a:endParaRPr lang="de-DE" dirty="0"/>
           </a:p>
@@ -1803,7 +2391,7 @@
     </p:spTree>
     <p:extLst>
       <p:ext uri="{BB962C8B-B14F-4D97-AF65-F5344CB8AC3E}">
-        <p14:creationId xmlns:p14="http://schemas.microsoft.com/office/powerpoint/2010/main" val="857575218"/>
+        <p14:creationId xmlns:p14="http://schemas.microsoft.com/office/powerpoint/2010/main" val="3611099769"/>
       </p:ext>
     </p:extLst>
   </p:cSld>
@@ -1832,6 +2420,40 @@
       </p:grpSpPr>
       <p:sp>
         <p:nvSpPr>
+          <p:cNvPr id="2" name="Slide Image Placeholder 1"/>
+          <p:cNvSpPr>
+            <a:spLocks noGrp="1" noRot="1" noChangeAspect="1"/>
+          </p:cNvSpPr>
+          <p:nvPr>
+            <p:ph type="sldImg"/>
+          </p:nvPr>
+        </p:nvSpPr>
+        <p:spPr/>
+      </p:sp>
+      <p:sp>
+        <p:nvSpPr>
+          <p:cNvPr id="3" name="Notes Placeholder 2"/>
+          <p:cNvSpPr>
+            <a:spLocks noGrp="1"/>
+          </p:cNvSpPr>
+          <p:nvPr>
+            <p:ph type="body" idx="1"/>
+          </p:nvPr>
+        </p:nvSpPr>
+        <p:spPr/>
+        <p:txBody>
+          <a:bodyPr/>
+          <a:lstStyle/>
+          <a:p>
+            <a:r>
+              <a:rPr lang="en-US" dirty="0"/>
+              <a:t>Setting up lots of small clusters individually leads to resource waste. The control plane / master needs to be high available but the resources reserved for fail-over usually idle.</a:t>
+            </a:r>
+          </a:p>
+        </p:txBody>
+      </p:sp>
+      <p:sp>
+        <p:nvSpPr>
           <p:cNvPr id="4" name="Slide Number Placeholder 3"/>
           <p:cNvSpPr>
             <a:spLocks noGrp="1"/>
@@ -1848,46 +2470,8 @@
             <a:fld id="{7D8C2C35-2B8A-446E-BEC0-FD36716C29AC}" type="slidenum">
               <a:rPr lang="en-US" smtClean="0"/>
               <a:pPr/>
-              <a:t>22</a:t>
+              <a:t>21</a:t>
             </a:fld>
-            <a:endParaRPr lang="en-US" dirty="0"/>
-          </a:p>
-        </p:txBody>
-      </p:sp>
-      <p:sp>
-        <p:nvSpPr>
-          <p:cNvPr id="6" name="Slide Image Placeholder 5"/>
-          <p:cNvSpPr>
-            <a:spLocks noGrp="1" noRot="1" noChangeAspect="1"/>
-          </p:cNvSpPr>
-          <p:nvPr>
-            <p:ph type="sldImg"/>
-          </p:nvPr>
-        </p:nvSpPr>
-        <p:spPr>
-          <a:xfrm>
-            <a:off x="547688" y="612775"/>
-            <a:ext cx="5762625" cy="3241675"/>
-          </a:xfrm>
-        </p:spPr>
-      </p:sp>
-      <p:sp>
-        <p:nvSpPr>
-          <p:cNvPr id="7" name="Notes Placeholder 6"/>
-          <p:cNvSpPr>
-            <a:spLocks noGrp="1"/>
-          </p:cNvSpPr>
-          <p:nvPr>
-            <p:ph type="body" idx="1"/>
-          </p:nvPr>
-        </p:nvSpPr>
-        <p:spPr/>
-        <p:txBody>
-          <a:bodyPr>
-            <a:normAutofit/>
-          </a:bodyPr>
-          <a:lstStyle/>
-          <a:p>
             <a:endParaRPr lang="en-US" dirty="0"/>
           </a:p>
         </p:txBody>
@@ -1895,7 +2479,7 @@
     </p:spTree>
     <p:extLst>
       <p:ext uri="{BB962C8B-B14F-4D97-AF65-F5344CB8AC3E}">
-        <p14:creationId xmlns:p14="http://schemas.microsoft.com/office/powerpoint/2010/main" val="2544264309"/>
+        <p14:creationId xmlns:p14="http://schemas.microsoft.com/office/powerpoint/2010/main" val="1487314377"/>
       </p:ext>
     </p:extLst>
   </p:cSld>
@@ -2064,6 +2648,276 @@
     <p:extLst>
       <p:ext uri="{BB962C8B-B14F-4D97-AF65-F5344CB8AC3E}">
         <p14:creationId xmlns:p14="http://schemas.microsoft.com/office/powerpoint/2010/main" val="561089298"/>
+      </p:ext>
+    </p:extLst>
+  </p:cSld>
+  <p:clrMapOvr>
+    <a:masterClrMapping/>
+  </p:clrMapOvr>
+</p:notes>
+</file>
+
+<file path=ppt/notesSlides/notesSlide20.xml><?xml version="1.0" encoding="utf-8"?>
+<p:notes xmlns:a="http://schemas.openxmlformats.org/drawingml/2006/main" xmlns:r="http://schemas.openxmlformats.org/officeDocument/2006/relationships" xmlns:p="http://schemas.openxmlformats.org/presentationml/2006/main">
+  <p:cSld>
+    <p:spTree>
+      <p:nvGrpSpPr>
+        <p:cNvPr id="1" name=""/>
+        <p:cNvGrpSpPr/>
+        <p:nvPr/>
+      </p:nvGrpSpPr>
+      <p:grpSpPr>
+        <a:xfrm>
+          <a:off x="0" y="0"/>
+          <a:ext cx="0" cy="0"/>
+          <a:chOff x="0" y="0"/>
+          <a:chExt cx="0" cy="0"/>
+        </a:xfrm>
+      </p:grpSpPr>
+      <p:sp>
+        <p:nvSpPr>
+          <p:cNvPr id="2" name="Slide Image Placeholder 1"/>
+          <p:cNvSpPr>
+            <a:spLocks noGrp="1" noRot="1" noChangeAspect="1"/>
+          </p:cNvSpPr>
+          <p:nvPr>
+            <p:ph type="sldImg"/>
+          </p:nvPr>
+        </p:nvSpPr>
+        <p:spPr/>
+      </p:sp>
+      <p:sp>
+        <p:nvSpPr>
+          <p:cNvPr id="3" name="Notes Placeholder 2"/>
+          <p:cNvSpPr>
+            <a:spLocks noGrp="1"/>
+          </p:cNvSpPr>
+          <p:nvPr>
+            <p:ph type="body" idx="1"/>
+          </p:nvPr>
+        </p:nvSpPr>
+        <p:spPr/>
+        <p:txBody>
+          <a:bodyPr/>
+          <a:lstStyle/>
+          <a:p>
+            <a:r>
+              <a:rPr lang="en-US" dirty="0"/>
+              <a:t>Solution: Gardener runs the control plane / master components of many “worker” clusters in a </a:t>
+            </a:r>
+            <a:r>
+              <a:rPr lang="en-US"/>
+              <a:t>separate cluster</a:t>
+            </a:r>
+            <a:endParaRPr lang="en-US" dirty="0"/>
+          </a:p>
+        </p:txBody>
+      </p:sp>
+      <p:sp>
+        <p:nvSpPr>
+          <p:cNvPr id="4" name="Slide Number Placeholder 3"/>
+          <p:cNvSpPr>
+            <a:spLocks noGrp="1"/>
+          </p:cNvSpPr>
+          <p:nvPr>
+            <p:ph type="sldNum" sz="quarter" idx="10"/>
+          </p:nvPr>
+        </p:nvSpPr>
+        <p:spPr/>
+        <p:txBody>
+          <a:bodyPr/>
+          <a:lstStyle/>
+          <a:p>
+            <a:fld id="{7D8C2C35-2B8A-446E-BEC0-FD36716C29AC}" type="slidenum">
+              <a:rPr lang="de-DE" smtClean="0"/>
+              <a:pPr/>
+              <a:t>22</a:t>
+            </a:fld>
+            <a:endParaRPr lang="de-DE" dirty="0"/>
+          </a:p>
+        </p:txBody>
+      </p:sp>
+    </p:spTree>
+    <p:extLst>
+      <p:ext uri="{BB962C8B-B14F-4D97-AF65-F5344CB8AC3E}">
+        <p14:creationId xmlns:p14="http://schemas.microsoft.com/office/powerpoint/2010/main" val="1867122449"/>
+      </p:ext>
+    </p:extLst>
+  </p:cSld>
+  <p:clrMapOvr>
+    <a:masterClrMapping/>
+  </p:clrMapOvr>
+</p:notes>
+</file>
+
+<file path=ppt/notesSlides/notesSlide21.xml><?xml version="1.0" encoding="utf-8"?>
+<p:notes xmlns:a="http://schemas.openxmlformats.org/drawingml/2006/main" xmlns:r="http://schemas.openxmlformats.org/officeDocument/2006/relationships" xmlns:p="http://schemas.openxmlformats.org/presentationml/2006/main">
+  <p:cSld>
+    <p:spTree>
+      <p:nvGrpSpPr>
+        <p:cNvPr id="1" name=""/>
+        <p:cNvGrpSpPr/>
+        <p:nvPr/>
+      </p:nvGrpSpPr>
+      <p:grpSpPr>
+        <a:xfrm>
+          <a:off x="0" y="0"/>
+          <a:ext cx="0" cy="0"/>
+          <a:chOff x="0" y="0"/>
+          <a:chExt cx="0" cy="0"/>
+        </a:xfrm>
+      </p:grpSpPr>
+      <p:sp>
+        <p:nvSpPr>
+          <p:cNvPr id="2" name="Slide Image Placeholder 1"/>
+          <p:cNvSpPr>
+            <a:spLocks noGrp="1" noRot="1" noChangeAspect="1"/>
+          </p:cNvSpPr>
+          <p:nvPr>
+            <p:ph type="sldImg"/>
+          </p:nvPr>
+        </p:nvSpPr>
+        <p:spPr/>
+      </p:sp>
+      <p:sp>
+        <p:nvSpPr>
+          <p:cNvPr id="3" name="Notes Placeholder 2"/>
+          <p:cNvSpPr>
+            <a:spLocks noGrp="1"/>
+          </p:cNvSpPr>
+          <p:nvPr>
+            <p:ph type="body" idx="1"/>
+          </p:nvPr>
+        </p:nvSpPr>
+        <p:spPr/>
+        <p:txBody>
+          <a:bodyPr/>
+          <a:lstStyle/>
+          <a:p>
+            <a:endParaRPr lang="en-US" dirty="0"/>
+          </a:p>
+        </p:txBody>
+      </p:sp>
+      <p:sp>
+        <p:nvSpPr>
+          <p:cNvPr id="4" name="Slide Number Placeholder 3"/>
+          <p:cNvSpPr>
+            <a:spLocks noGrp="1"/>
+          </p:cNvSpPr>
+          <p:nvPr>
+            <p:ph type="sldNum" sz="quarter" idx="10"/>
+          </p:nvPr>
+        </p:nvSpPr>
+        <p:spPr/>
+        <p:txBody>
+          <a:bodyPr/>
+          <a:lstStyle/>
+          <a:p>
+            <a:fld id="{7D8C2C35-2B8A-446E-BEC0-FD36716C29AC}" type="slidenum">
+              <a:rPr lang="de-DE" smtClean="0"/>
+              <a:pPr/>
+              <a:t>23</a:t>
+            </a:fld>
+            <a:endParaRPr lang="de-DE" dirty="0"/>
+          </a:p>
+        </p:txBody>
+      </p:sp>
+    </p:spTree>
+    <p:extLst>
+      <p:ext uri="{BB962C8B-B14F-4D97-AF65-F5344CB8AC3E}">
+        <p14:creationId xmlns:p14="http://schemas.microsoft.com/office/powerpoint/2010/main" val="857575218"/>
+      </p:ext>
+    </p:extLst>
+  </p:cSld>
+  <p:clrMapOvr>
+    <a:masterClrMapping/>
+  </p:clrMapOvr>
+</p:notes>
+</file>
+
+<file path=ppt/notesSlides/notesSlide22.xml><?xml version="1.0" encoding="utf-8"?>
+<p:notes xmlns:a="http://schemas.openxmlformats.org/drawingml/2006/main" xmlns:r="http://schemas.openxmlformats.org/officeDocument/2006/relationships" xmlns:p="http://schemas.openxmlformats.org/presentationml/2006/main">
+  <p:cSld>
+    <p:spTree>
+      <p:nvGrpSpPr>
+        <p:cNvPr id="1" name=""/>
+        <p:cNvGrpSpPr/>
+        <p:nvPr/>
+      </p:nvGrpSpPr>
+      <p:grpSpPr>
+        <a:xfrm>
+          <a:off x="0" y="0"/>
+          <a:ext cx="0" cy="0"/>
+          <a:chOff x="0" y="0"/>
+          <a:chExt cx="0" cy="0"/>
+        </a:xfrm>
+      </p:grpSpPr>
+      <p:sp>
+        <p:nvSpPr>
+          <p:cNvPr id="4" name="Slide Number Placeholder 3"/>
+          <p:cNvSpPr>
+            <a:spLocks noGrp="1"/>
+          </p:cNvSpPr>
+          <p:nvPr>
+            <p:ph type="sldNum" sz="quarter" idx="10"/>
+          </p:nvPr>
+        </p:nvSpPr>
+        <p:spPr/>
+        <p:txBody>
+          <a:bodyPr/>
+          <a:lstStyle/>
+          <a:p>
+            <a:fld id="{7D8C2C35-2B8A-446E-BEC0-FD36716C29AC}" type="slidenum">
+              <a:rPr lang="en-US" smtClean="0"/>
+              <a:pPr/>
+              <a:t>24</a:t>
+            </a:fld>
+            <a:endParaRPr lang="en-US" dirty="0"/>
+          </a:p>
+        </p:txBody>
+      </p:sp>
+      <p:sp>
+        <p:nvSpPr>
+          <p:cNvPr id="6" name="Slide Image Placeholder 5"/>
+          <p:cNvSpPr>
+            <a:spLocks noGrp="1" noRot="1" noChangeAspect="1"/>
+          </p:cNvSpPr>
+          <p:nvPr>
+            <p:ph type="sldImg"/>
+          </p:nvPr>
+        </p:nvSpPr>
+        <p:spPr>
+          <a:xfrm>
+            <a:off x="547688" y="612775"/>
+            <a:ext cx="5762625" cy="3241675"/>
+          </a:xfrm>
+        </p:spPr>
+      </p:sp>
+      <p:sp>
+        <p:nvSpPr>
+          <p:cNvPr id="7" name="Notes Placeholder 6"/>
+          <p:cNvSpPr>
+            <a:spLocks noGrp="1"/>
+          </p:cNvSpPr>
+          <p:nvPr>
+            <p:ph type="body" idx="1"/>
+          </p:nvPr>
+        </p:nvSpPr>
+        <p:spPr/>
+        <p:txBody>
+          <a:bodyPr>
+            <a:normAutofit/>
+          </a:bodyPr>
+          <a:lstStyle/>
+          <a:p>
+            <a:endParaRPr lang="en-US" dirty="0"/>
+          </a:p>
+        </p:txBody>
+      </p:sp>
+    </p:spTree>
+    <p:extLst>
+      <p:ext uri="{BB962C8B-B14F-4D97-AF65-F5344CB8AC3E}">
+        <p14:creationId xmlns:p14="http://schemas.microsoft.com/office/powerpoint/2010/main" val="2544264309"/>
       </p:ext>
     </p:extLst>
   </p:cSld>
@@ -2202,23 +3056,283 @@
         </p:nvSpPr>
         <p:spPr/>
         <p:txBody>
-          <a:bodyPr/>
+          <a:bodyPr>
+            <a:normAutofit/>
+          </a:bodyPr>
           <a:lstStyle/>
           <a:p>
+            <a:pPr marL="285750" indent="-285750">
+              <a:buFontTx/>
+              <a:buChar char="-"/>
+            </a:pPr>
             <a:r>
               <a:rPr lang="en-US" dirty="0"/>
-              <a:t>The docker daemon runs on</a:t>
-            </a:r>
-            <a:r>
-              <a:rPr lang="en-US" baseline="0" dirty="0"/>
-              <a:t> each node and has an individual, local image store. So each time a pod is scheduled on a node, the daemon checks, if the image is already present.</a:t>
-            </a:r>
-          </a:p>
-          <a:p>
-            <a:r>
-              <a:rPr lang="en-US" baseline="0" dirty="0"/>
-              <a:t>If not the image has to be pulled (= downloaded).</a:t>
-            </a:r>
+              <a:t>Show the default service account associate with any namespace (</a:t>
+            </a:r>
+            <a:r>
+              <a:rPr lang="en-US" dirty="0" err="1"/>
+              <a:t>kubectl</a:t>
+            </a:r>
+            <a:r>
+              <a:rPr lang="en-US" dirty="0"/>
+              <a:t> get </a:t>
+            </a:r>
+            <a:r>
+              <a:rPr lang="en-US" dirty="0" err="1"/>
+              <a:t>sa</a:t>
+            </a:r>
+            <a:r>
+              <a:rPr lang="en-US" dirty="0"/>
+              <a:t>)</a:t>
+            </a:r>
+          </a:p>
+          <a:p>
+            <a:pPr marL="285750" indent="-285750">
+              <a:buFontTx/>
+              <a:buChar char="-"/>
+            </a:pPr>
+            <a:r>
+              <a:rPr lang="en-US" dirty="0"/>
+              <a:t>Show the token that is associated with the service account (</a:t>
+            </a:r>
+            <a:r>
+              <a:rPr lang="en-US" dirty="0" err="1"/>
+              <a:t>kubectl</a:t>
+            </a:r>
+            <a:r>
+              <a:rPr lang="en-US" dirty="0"/>
+              <a:t> get secret)</a:t>
+            </a:r>
+          </a:p>
+          <a:p>
+            <a:pPr marL="285750" indent="-285750">
+              <a:buFontTx/>
+              <a:buChar char="-"/>
+            </a:pPr>
+            <a:r>
+              <a:rPr lang="en-US" dirty="0"/>
+              <a:t>Show the </a:t>
+            </a:r>
+            <a:r>
+              <a:rPr lang="en-US" dirty="0" err="1"/>
+              <a:t>clusterrolebinding</a:t>
+            </a:r>
+            <a:r>
+              <a:rPr lang="en-US" dirty="0"/>
+              <a:t>, that makes the participants cluster admin (</a:t>
+            </a:r>
+            <a:r>
+              <a:rPr lang="en-US" dirty="0" err="1"/>
+              <a:t>kubectl</a:t>
+            </a:r>
+            <a:r>
+              <a:rPr lang="en-US" dirty="0"/>
+              <a:t> get </a:t>
+            </a:r>
+            <a:r>
+              <a:rPr lang="en-US" dirty="0" err="1"/>
+              <a:t>clusterrolebinding</a:t>
+            </a:r>
+            <a:r>
+              <a:rPr lang="en-US" dirty="0"/>
+              <a:t>)</a:t>
+            </a:r>
+          </a:p>
+          <a:p>
+            <a:pPr marL="0" indent="0">
+              <a:buFontTx/>
+              <a:buNone/>
+            </a:pPr>
+            <a:endParaRPr lang="en-US" dirty="0"/>
+          </a:p>
+          <a:p>
+            <a:pPr marL="285750" indent="-285750">
+              <a:buFontTx/>
+              <a:buChar char="-"/>
+            </a:pPr>
+            <a:r>
+              <a:rPr lang="en-US" dirty="0"/>
+              <a:t>Create a custom role and</a:t>
+            </a:r>
+          </a:p>
+          <a:p>
+            <a:pPr marL="465750" lvl="1" indent="-285750">
+              <a:buFontTx/>
+              <a:buChar char="-"/>
+            </a:pPr>
+            <a:r>
+              <a:rPr lang="en-US" dirty="0"/>
+              <a:t>explain the access to the different API groups &amp; objects within</a:t>
+            </a:r>
+          </a:p>
+          <a:p>
+            <a:pPr marL="465750" lvl="1" indent="-285750">
+              <a:buFontTx/>
+              <a:buChar char="-"/>
+            </a:pPr>
+            <a:r>
+              <a:rPr lang="en-US" dirty="0"/>
+              <a:t>explain the action that are allowed or prohibited</a:t>
+            </a:r>
+          </a:p>
+          <a:p>
+            <a:pPr marL="465750" lvl="1" indent="-285750">
+              <a:buFontTx/>
+              <a:buChar char="-"/>
+            </a:pPr>
+            <a:endParaRPr lang="en-US" dirty="0"/>
+          </a:p>
+          <a:p>
+            <a:pPr marL="285750" lvl="0" indent="-285750">
+              <a:buFontTx/>
+              <a:buChar char="-"/>
+            </a:pPr>
+            <a:r>
+              <a:rPr lang="en-US" dirty="0"/>
+              <a:t>create a role binding and use </a:t>
+            </a:r>
+            <a:r>
+              <a:rPr lang="en-US" dirty="0" err="1"/>
+              <a:t>kubectl</a:t>
+            </a:r>
+            <a:r>
+              <a:rPr lang="en-US" dirty="0"/>
+              <a:t> </a:t>
+            </a:r>
+            <a:r>
+              <a:rPr lang="en-US" dirty="0" err="1"/>
+              <a:t>auth</a:t>
+            </a:r>
+            <a:r>
+              <a:rPr lang="en-US" dirty="0"/>
+              <a:t> can-</a:t>
+            </a:r>
+            <a:r>
+              <a:rPr lang="en-US" dirty="0" err="1"/>
+              <a:t>i</a:t>
+            </a:r>
+            <a:r>
+              <a:rPr lang="en-US" dirty="0"/>
+              <a:t> … to demo its function. </a:t>
+            </a:r>
+          </a:p>
+          <a:p>
+            <a:pPr marL="465750" lvl="1" indent="-285750">
+              <a:buFontTx/>
+              <a:buChar char="-"/>
+            </a:pPr>
+            <a:r>
+              <a:rPr lang="en-US" dirty="0"/>
+              <a:t>If you don’t have a role/binding at hand, refer to the default service account in the default namespace and query, if listing nodes is possible (which shouldn’t be the case)</a:t>
+            </a:r>
+          </a:p>
+          <a:p>
+            <a:pPr marL="465750" lvl="1" indent="-285750">
+              <a:buFontTx/>
+              <a:buChar char="-"/>
+            </a:pPr>
+            <a:r>
+              <a:rPr lang="en-US" dirty="0" err="1"/>
+              <a:t>kubectl</a:t>
+            </a:r>
+            <a:r>
+              <a:rPr lang="en-US" dirty="0"/>
+              <a:t> </a:t>
+            </a:r>
+            <a:r>
+              <a:rPr lang="en-US" dirty="0" err="1"/>
+              <a:t>auth</a:t>
+            </a:r>
+            <a:r>
+              <a:rPr lang="en-US" dirty="0"/>
+              <a:t> can-</a:t>
+            </a:r>
+            <a:r>
+              <a:rPr lang="en-US" dirty="0" err="1"/>
+              <a:t>i</a:t>
+            </a:r>
+            <a:r>
+              <a:rPr lang="en-US" dirty="0"/>
+              <a:t> get nodes --as </a:t>
+            </a:r>
+            <a:r>
+              <a:rPr lang="en-US" dirty="0" err="1"/>
+              <a:t>system:serviceaccount:default:default</a:t>
+            </a:r>
+            <a:r>
+              <a:rPr lang="en-US" dirty="0"/>
+              <a:t>  </a:t>
+            </a:r>
+            <a:r>
+              <a:rPr lang="en-US" dirty="0">
+                <a:sym typeface="Wingdings" panose="05000000000000000000" pitchFamily="2" charset="2"/>
+              </a:rPr>
+              <a:t> expected result: no</a:t>
+            </a:r>
+            <a:endParaRPr lang="en-US" dirty="0"/>
+          </a:p>
+          <a:p>
+            <a:pPr marL="465750" lvl="1" indent="-285750">
+              <a:buFontTx/>
+              <a:buChar char="-"/>
+            </a:pPr>
+            <a:r>
+              <a:rPr lang="en-US" dirty="0" err="1"/>
+              <a:t>kubectl</a:t>
+            </a:r>
+            <a:r>
+              <a:rPr lang="en-US" dirty="0"/>
+              <a:t> </a:t>
+            </a:r>
+            <a:r>
+              <a:rPr lang="en-US" dirty="0" err="1"/>
+              <a:t>auth</a:t>
+            </a:r>
+            <a:r>
+              <a:rPr lang="en-US" dirty="0"/>
+              <a:t> can-</a:t>
+            </a:r>
+            <a:r>
+              <a:rPr lang="en-US" dirty="0" err="1"/>
+              <a:t>i</a:t>
+            </a:r>
+            <a:r>
+              <a:rPr lang="en-US" dirty="0"/>
+              <a:t> get nodes --as </a:t>
+            </a:r>
+            <a:r>
+              <a:rPr lang="en-US" dirty="0" err="1"/>
+              <a:t>system:serviceaccount:part</a:t>
+            </a:r>
+            <a:r>
+              <a:rPr lang="en-US" dirty="0"/>
+              <a:t>-&lt;id&gt;:default </a:t>
+            </a:r>
+            <a:r>
+              <a:rPr lang="en-US" dirty="0">
+                <a:sym typeface="Wingdings" panose="05000000000000000000" pitchFamily="2" charset="2"/>
+              </a:rPr>
+              <a:t> expected result: yes (due to the </a:t>
+            </a:r>
+            <a:r>
+              <a:rPr lang="en-US" dirty="0" err="1">
+                <a:sym typeface="Wingdings" panose="05000000000000000000" pitchFamily="2" charset="2"/>
+              </a:rPr>
+              <a:t>clusterrolebinding</a:t>
+            </a:r>
+            <a:r>
+              <a:rPr lang="en-US" dirty="0">
+                <a:sym typeface="Wingdings" panose="05000000000000000000" pitchFamily="2" charset="2"/>
+              </a:rPr>
+              <a:t>)</a:t>
+            </a:r>
+            <a:endParaRPr lang="en-US" dirty="0"/>
+          </a:p>
+          <a:p>
+            <a:pPr marL="285750" lvl="0" indent="-285750">
+              <a:buFontTx/>
+              <a:buChar char="-"/>
+            </a:pPr>
             <a:endParaRPr lang="en-US" dirty="0"/>
           </a:p>
         </p:txBody>
@@ -2241,7 +3355,7 @@
             <a:fld id="{7D8C2C35-2B8A-446E-BEC0-FD36716C29AC}" type="slidenum">
               <a:rPr lang="de-DE" smtClean="0"/>
               <a:pPr/>
-              <a:t>5</a:t>
+              <a:t>4</a:t>
             </a:fld>
             <a:endParaRPr lang="de-DE" dirty="0"/>
           </a:p>
@@ -2250,7 +3364,7 @@
     </p:spTree>
     <p:extLst>
       <p:ext uri="{BB962C8B-B14F-4D97-AF65-F5344CB8AC3E}">
-        <p14:creationId xmlns:p14="http://schemas.microsoft.com/office/powerpoint/2010/main" val="281705885"/>
+        <p14:creationId xmlns:p14="http://schemas.microsoft.com/office/powerpoint/2010/main" val="2560076381"/>
       </p:ext>
     </p:extLst>
   </p:cSld>
@@ -2306,27 +3420,17 @@
           <a:p>
             <a:r>
               <a:rPr lang="en-US" dirty="0"/>
-              <a:t>Private registries</a:t>
+              <a:t>The docker daemon runs on</a:t>
             </a:r>
             <a:r>
               <a:rPr lang="en-US" baseline="0" dirty="0"/>
-              <a:t> are usually protect by user &amp; password</a:t>
-            </a:r>
-          </a:p>
-          <a:p>
-            <a:r>
-              <a:rPr lang="en-US" baseline="0" dirty="0" err="1"/>
-              <a:t>Adocker</a:t>
-            </a:r>
+              <a:t> each node and has an individual, local image store. So each time a pod is scheduled on a node, the daemon checks, if the image is already present.</a:t>
+            </a:r>
+          </a:p>
+          <a:p>
             <a:r>
               <a:rPr lang="en-US" baseline="0" dirty="0"/>
-              <a:t> daemon cannot pull images from a protected registry anonymously</a:t>
-            </a:r>
-          </a:p>
-          <a:p>
-            <a:r>
-              <a:rPr lang="en-US" baseline="0" dirty="0"/>
-              <a:t>=&gt; So there is authentication required, similar to a local docker installation, where you run a docker login &lt;registry&gt;</a:t>
+              <a:t>If not the image has to be pulled (= downloaded).</a:t>
             </a:r>
             <a:endParaRPr lang="en-US" dirty="0"/>
           </a:p>
@@ -2350,7 +3454,7 @@
             <a:fld id="{7D8C2C35-2B8A-446E-BEC0-FD36716C29AC}" type="slidenum">
               <a:rPr lang="de-DE" smtClean="0"/>
               <a:pPr/>
-              <a:t>6</a:t>
+              <a:t>5</a:t>
             </a:fld>
             <a:endParaRPr lang="de-DE" dirty="0"/>
           </a:p>
@@ -2359,7 +3463,7 @@
     </p:spTree>
     <p:extLst>
       <p:ext uri="{BB962C8B-B14F-4D97-AF65-F5344CB8AC3E}">
-        <p14:creationId xmlns:p14="http://schemas.microsoft.com/office/powerpoint/2010/main" val="1215616285"/>
+        <p14:creationId xmlns:p14="http://schemas.microsoft.com/office/powerpoint/2010/main" val="281705885"/>
       </p:ext>
     </p:extLst>
   </p:cSld>
@@ -2415,60 +3519,29 @@
           <a:p>
             <a:r>
               <a:rPr lang="en-US" dirty="0"/>
-              <a:t>Image Pull</a:t>
+              <a:t>Private registries</a:t>
             </a:r>
             <a:r>
               <a:rPr lang="en-US" baseline="0" dirty="0"/>
-              <a:t> Secrets contain the same info as .</a:t>
-            </a:r>
+              <a:t> are usually protect by user &amp; password</a:t>
+            </a:r>
+          </a:p>
+          <a:p>
             <a:r>
               <a:rPr lang="en-US" baseline="0" dirty="0" err="1"/>
-              <a:t>docker</a:t>
+              <a:t>Adocker</a:t>
             </a:r>
             <a:r>
               <a:rPr lang="en-US" baseline="0" dirty="0"/>
-              <a:t>/</a:t>
-            </a:r>
-            <a:r>
-              <a:rPr lang="en-US" baseline="0" dirty="0" err="1"/>
-              <a:t>config.json</a:t>
-            </a:r>
+              <a:t> daemon cannot pull images from a protected registry anonymously</a:t>
+            </a:r>
+          </a:p>
+          <a:p>
             <a:r>
               <a:rPr lang="en-US" baseline="0" dirty="0"/>
-              <a:t> &amp; works similar to ‘</a:t>
-            </a:r>
-            <a:r>
-              <a:rPr lang="en-US" baseline="0" dirty="0" err="1"/>
-              <a:t>docker</a:t>
-            </a:r>
-            <a:r>
-              <a:rPr lang="en-US" baseline="0" dirty="0"/>
-              <a:t> login …’</a:t>
-            </a:r>
-          </a:p>
-          <a:p>
-            <a:r>
-              <a:rPr lang="en-US" baseline="0" dirty="0" err="1"/>
-              <a:t>ImagePullSecrets</a:t>
-            </a:r>
-            <a:r>
-              <a:rPr lang="en-US" baseline="0" dirty="0"/>
-              <a:t> can be specified as part of the </a:t>
-            </a:r>
-            <a:r>
-              <a:rPr lang="en-US" baseline="0" dirty="0" err="1"/>
-              <a:t>PodSpec</a:t>
-            </a:r>
-            <a:r>
-              <a:rPr lang="en-US" baseline="0" dirty="0"/>
-              <a:t>: https://kubernetes.io/docs/reference/generated/kubernetes-api/v1.9/#podspec-v1-core</a:t>
-            </a:r>
-          </a:p>
-          <a:p>
-            <a:r>
-              <a:rPr lang="en-US" baseline="0" dirty="0"/>
-              <a:t>Without such a secret, the pod will end in an error state because the image cannot be downloaded</a:t>
-            </a:r>
+              <a:t>=&gt; So there is authentication required, similar to a local docker installation, where you run a docker login &lt;registry&gt;</a:t>
+            </a:r>
+            <a:endParaRPr lang="en-US" dirty="0"/>
           </a:p>
         </p:txBody>
       </p:sp>
@@ -2490,7 +3563,7 @@
             <a:fld id="{7D8C2C35-2B8A-446E-BEC0-FD36716C29AC}" type="slidenum">
               <a:rPr lang="de-DE" smtClean="0"/>
               <a:pPr/>
-              <a:t>7</a:t>
+              <a:t>6</a:t>
             </a:fld>
             <a:endParaRPr lang="de-DE" dirty="0"/>
           </a:p>
@@ -2499,7 +3572,7 @@
     </p:spTree>
     <p:extLst>
       <p:ext uri="{BB962C8B-B14F-4D97-AF65-F5344CB8AC3E}">
-        <p14:creationId xmlns:p14="http://schemas.microsoft.com/office/powerpoint/2010/main" val="4009320709"/>
+        <p14:creationId xmlns:p14="http://schemas.microsoft.com/office/powerpoint/2010/main" val="1215616285"/>
       </p:ext>
     </p:extLst>
   </p:cSld>
@@ -2555,25 +3628,60 @@
           <a:p>
             <a:r>
               <a:rPr lang="en-US" dirty="0"/>
-              <a:t>Editing every single pod specification is cumbersome and might introduce dependencies you want to avoid. </a:t>
-            </a:r>
-          </a:p>
-          <a:p>
-            <a:r>
-              <a:rPr lang="en-US" dirty="0"/>
-              <a:t>The easier way is to assign</a:t>
+              <a:t>Image Pull</a:t>
             </a:r>
             <a:r>
               <a:rPr lang="en-US" baseline="0" dirty="0"/>
-              <a:t> the image pull secret to the default (or any other) service account.</a:t>
-            </a:r>
-          </a:p>
-          <a:p>
+              <a:t> Secrets contain the same info as .</a:t>
+            </a:r>
+            <a:r>
+              <a:rPr lang="en-US" baseline="0" dirty="0" err="1"/>
+              <a:t>docker</a:t>
+            </a:r>
             <a:r>
               <a:rPr lang="en-US" baseline="0" dirty="0"/>
-              <a:t>As explained earlier, the service account gives its’ identity to the pod. Hence the pod can use the image pull secret implicitly.</a:t>
-            </a:r>
-            <a:endParaRPr lang="en-US" dirty="0"/>
+              <a:t>/</a:t>
+            </a:r>
+            <a:r>
+              <a:rPr lang="en-US" baseline="0" dirty="0" err="1"/>
+              <a:t>config.json</a:t>
+            </a:r>
+            <a:r>
+              <a:rPr lang="en-US" baseline="0" dirty="0"/>
+              <a:t> &amp; works similar to ‘</a:t>
+            </a:r>
+            <a:r>
+              <a:rPr lang="en-US" baseline="0" dirty="0" err="1"/>
+              <a:t>docker</a:t>
+            </a:r>
+            <a:r>
+              <a:rPr lang="en-US" baseline="0" dirty="0"/>
+              <a:t> login …’</a:t>
+            </a:r>
+          </a:p>
+          <a:p>
+            <a:r>
+              <a:rPr lang="en-US" baseline="0" dirty="0" err="1"/>
+              <a:t>ImagePullSecrets</a:t>
+            </a:r>
+            <a:r>
+              <a:rPr lang="en-US" baseline="0" dirty="0"/>
+              <a:t> can be specified as part of the </a:t>
+            </a:r>
+            <a:r>
+              <a:rPr lang="en-US" baseline="0" dirty="0" err="1"/>
+              <a:t>PodSpec</a:t>
+            </a:r>
+            <a:r>
+              <a:rPr lang="en-US" baseline="0" dirty="0"/>
+              <a:t>: https://kubernetes.io/docs/reference/generated/kubernetes-api/v1.9/#podspec-v1-core</a:t>
+            </a:r>
+          </a:p>
+          <a:p>
+            <a:r>
+              <a:rPr lang="en-US" baseline="0" dirty="0"/>
+              <a:t>Without such a secret, the pod will end in an error state because the image cannot be downloaded</a:t>
+            </a:r>
           </a:p>
         </p:txBody>
       </p:sp>
@@ -2595,7 +3703,7 @@
             <a:fld id="{7D8C2C35-2B8A-446E-BEC0-FD36716C29AC}" type="slidenum">
               <a:rPr lang="de-DE" smtClean="0"/>
               <a:pPr/>
-              <a:t>8</a:t>
+              <a:t>7</a:t>
             </a:fld>
             <a:endParaRPr lang="de-DE" dirty="0"/>
           </a:p>
@@ -2604,7 +3712,7 @@
     </p:spTree>
     <p:extLst>
       <p:ext uri="{BB962C8B-B14F-4D97-AF65-F5344CB8AC3E}">
-        <p14:creationId xmlns:p14="http://schemas.microsoft.com/office/powerpoint/2010/main" val="2972073235"/>
+        <p14:creationId xmlns:p14="http://schemas.microsoft.com/office/powerpoint/2010/main" val="4009320709"/>
       </p:ext>
     </p:extLst>
   </p:cSld>
@@ -2660,45 +3768,25 @@
           <a:p>
             <a:r>
               <a:rPr lang="en-US" dirty="0"/>
-              <a:t>How could an example look like?</a:t>
+              <a:t>Editing every single pod specification is cumbersome and might introduce dependencies you want to avoid. </a:t>
             </a:r>
           </a:p>
           <a:p>
             <a:r>
               <a:rPr lang="en-US" dirty="0"/>
-              <a:t>Imagine, you develop locally and push your ready docker images to the </a:t>
-            </a:r>
-            <a:r>
-              <a:rPr lang="en-US" dirty="0" err="1"/>
-              <a:t>artifactory</a:t>
-            </a:r>
-            <a:r>
-              <a:rPr lang="en-US" dirty="0"/>
-              <a:t> in DMZ. To do so, you probably use your personal credentials to the registry and the target repository.</a:t>
-            </a:r>
-          </a:p>
-          <a:p>
+              <a:t>The easier way is to assign</a:t>
+            </a:r>
+            <a:r>
+              <a:rPr lang="en-US" baseline="0" dirty="0"/>
+              <a:t> the image pull secret to the default (or any other) service account.</a:t>
+            </a:r>
+          </a:p>
+          <a:p>
+            <a:r>
+              <a:rPr lang="en-US" baseline="0" dirty="0"/>
+              <a:t>As explained earlier, the service account gives its’ identity to the pod. Hence the pod can use the image pull secret implicitly.</a:t>
+            </a:r>
             <a:endParaRPr lang="en-US" dirty="0"/>
-          </a:p>
-          <a:p>
-            <a:r>
-              <a:rPr lang="en-US" dirty="0"/>
-              <a:t>To deploy your application to Kubernetes, you write a deployment and specify the image you pushed to </a:t>
-            </a:r>
-            <a:r>
-              <a:rPr lang="en-US" dirty="0" err="1"/>
-              <a:t>artifactory</a:t>
-            </a:r>
-            <a:r>
-              <a:rPr lang="en-US" dirty="0"/>
-              <a:t>. When posting the deployment to the API server, the pod creation fails as the image cannot be downloaded – permission denied.</a:t>
-            </a:r>
-          </a:p>
-          <a:p>
-            <a:r>
-              <a:rPr lang="en-US" dirty="0"/>
-              <a:t>So next, you create an Image Pull Secret with the credentials of a technical user and attach it to the default service account of your namespace. Now the docker daemons on your nodes can download the image.</a:t>
-            </a:r>
           </a:p>
         </p:txBody>
       </p:sp>
@@ -2720,7 +3808,7 @@
             <a:fld id="{7D8C2C35-2B8A-446E-BEC0-FD36716C29AC}" type="slidenum">
               <a:rPr lang="de-DE" smtClean="0"/>
               <a:pPr/>
-              <a:t>9</a:t>
+              <a:t>8</a:t>
             </a:fld>
             <a:endParaRPr lang="de-DE" dirty="0"/>
           </a:p>
@@ -2729,7 +3817,7 @@
     </p:spTree>
     <p:extLst>
       <p:ext uri="{BB962C8B-B14F-4D97-AF65-F5344CB8AC3E}">
-        <p14:creationId xmlns:p14="http://schemas.microsoft.com/office/powerpoint/2010/main" val="997705256"/>
+        <p14:creationId xmlns:p14="http://schemas.microsoft.com/office/powerpoint/2010/main" val="2972073235"/>
       </p:ext>
     </p:extLst>
   </p:cSld>
@@ -2780,262 +3868,50 @@
         </p:nvSpPr>
         <p:spPr/>
         <p:txBody>
-          <a:bodyPr>
-            <a:normAutofit lnSpcReduction="10000"/>
-          </a:bodyPr>
+          <a:bodyPr/>
           <a:lstStyle/>
           <a:p>
             <a:r>
-              <a:rPr lang="en-US" noProof="0" dirty="0"/>
-              <a:t>Network policies are </a:t>
-            </a:r>
-            <a:r>
-              <a:rPr lang="en-US" noProof="0" dirty="0" err="1"/>
-              <a:t>kubernetes</a:t>
-            </a:r>
-            <a:r>
-              <a:rPr lang="en-US" noProof="0" dirty="0"/>
-              <a:t> object just as pods. The need an overlay network that supports the enforcement of their rules, like Calico. </a:t>
-            </a:r>
-          </a:p>
-          <a:p>
-            <a:r>
-              <a:rPr lang="en-US" noProof="0" dirty="0"/>
-              <a:t>Basically they define rules for incoming (ingress) and outgoing (egress) traffic to pods. As filter rules you can set IP addresses or use labels. Filter actions are deny or allow.</a:t>
-            </a:r>
-          </a:p>
-          <a:p>
-            <a:endParaRPr lang="en-US" noProof="0" dirty="0"/>
-          </a:p>
-          <a:p>
-            <a:r>
-              <a:rPr lang="en-US" noProof="0" dirty="0"/>
-              <a:t>In the example above, let’s assume princess Peach is at her castle (pod). She has created a service in order to be callable, but only as long as her location = castle. That works quite well, only that Bowser keeps calling her all the time. So Peach decides to allow only calls from Mario and puts a network policy in place. The policy filters incoming calls when she has her “location: castle” label and allows only those to pass, that have a label “caller: </a:t>
-            </a:r>
-            <a:r>
-              <a:rPr lang="en-US" noProof="0" dirty="0" err="1"/>
-              <a:t>mario</a:t>
-            </a:r>
-            <a:r>
-              <a:rPr lang="en-US" noProof="0" dirty="0"/>
-              <a:t>” attached. As a result Bowser is no longer able to call her.</a:t>
-            </a:r>
-          </a:p>
-          <a:p>
-            <a:endParaRPr lang="en-US" noProof="0" dirty="0"/>
-          </a:p>
-          <a:p>
-            <a:r>
-              <a:rPr lang="de-DE" dirty="0"/>
-              <a:t>Demo:</a:t>
-            </a:r>
-          </a:p>
-          <a:p>
-            <a:r>
-              <a:rPr lang="de-DE" dirty="0" err="1"/>
-              <a:t>kubectl</a:t>
-            </a:r>
-            <a:r>
-              <a:rPr lang="de-DE" dirty="0"/>
-              <a:t> </a:t>
-            </a:r>
-            <a:r>
-              <a:rPr lang="de-DE" dirty="0" err="1"/>
-              <a:t>run</a:t>
-            </a:r>
-            <a:r>
-              <a:rPr lang="de-DE" dirty="0"/>
-              <a:t> </a:t>
-            </a:r>
-            <a:r>
-              <a:rPr lang="de-DE" dirty="0" err="1"/>
-              <a:t>nginx</a:t>
-            </a:r>
-            <a:r>
-              <a:rPr lang="de-DE" dirty="0"/>
-              <a:t> --image</a:t>
-            </a:r>
-            <a:r>
-              <a:rPr lang="de-DE" b="1" dirty="0"/>
-              <a:t>=</a:t>
-            </a:r>
-            <a:r>
-              <a:rPr lang="de-DE" dirty="0" err="1"/>
-              <a:t>nginx</a:t>
-            </a:r>
-            <a:r>
-              <a:rPr lang="de-DE" dirty="0"/>
-              <a:t> --</a:t>
-            </a:r>
-            <a:r>
-              <a:rPr lang="de-DE" dirty="0" err="1"/>
-              <a:t>replicas</a:t>
-            </a:r>
-            <a:r>
-              <a:rPr lang="de-DE" b="1" dirty="0"/>
-              <a:t>=</a:t>
-            </a:r>
-            <a:r>
-              <a:rPr lang="de-DE" dirty="0"/>
-              <a:t>2 </a:t>
-            </a:r>
-          </a:p>
-          <a:p>
-            <a:r>
-              <a:rPr lang="de-DE" dirty="0" err="1"/>
-              <a:t>kubectl</a:t>
-            </a:r>
-            <a:r>
-              <a:rPr lang="de-DE" dirty="0"/>
-              <a:t> </a:t>
-            </a:r>
-            <a:r>
-              <a:rPr lang="de-DE" dirty="0" err="1"/>
-              <a:t>expose</a:t>
-            </a:r>
-            <a:r>
-              <a:rPr lang="de-DE" dirty="0"/>
-              <a:t> </a:t>
-            </a:r>
-            <a:r>
-              <a:rPr lang="de-DE" dirty="0" err="1"/>
-              <a:t>deployment</a:t>
-            </a:r>
-            <a:r>
-              <a:rPr lang="de-DE" dirty="0"/>
-              <a:t> </a:t>
-            </a:r>
-            <a:r>
-              <a:rPr lang="de-DE" dirty="0" err="1"/>
-              <a:t>nginx</a:t>
-            </a:r>
-            <a:r>
-              <a:rPr lang="de-DE" dirty="0"/>
-              <a:t> --</a:t>
-            </a:r>
-            <a:r>
-              <a:rPr lang="de-DE" dirty="0" err="1"/>
-              <a:t>port</a:t>
-            </a:r>
-            <a:r>
-              <a:rPr lang="de-DE" b="1" dirty="0"/>
-              <a:t>=</a:t>
-            </a:r>
-            <a:r>
-              <a:rPr lang="de-DE" dirty="0"/>
-              <a:t>80</a:t>
-            </a:r>
-          </a:p>
-          <a:p>
-            <a:r>
-              <a:rPr lang="de-DE" dirty="0" err="1"/>
-              <a:t>kubectl</a:t>
-            </a:r>
-            <a:r>
-              <a:rPr lang="de-DE" dirty="0"/>
-              <a:t> </a:t>
-            </a:r>
-            <a:r>
-              <a:rPr lang="de-DE" dirty="0" err="1"/>
-              <a:t>run</a:t>
-            </a:r>
-            <a:r>
-              <a:rPr lang="de-DE" dirty="0"/>
-              <a:t> </a:t>
-            </a:r>
-            <a:r>
-              <a:rPr lang="de-DE" dirty="0" err="1"/>
-              <a:t>busybox</a:t>
-            </a:r>
-            <a:r>
-              <a:rPr lang="de-DE" dirty="0"/>
-              <a:t> --</a:t>
-            </a:r>
-            <a:r>
-              <a:rPr lang="de-DE" dirty="0" err="1"/>
-              <a:t>rm</a:t>
-            </a:r>
-            <a:r>
-              <a:rPr lang="de-DE" dirty="0"/>
-              <a:t> -</a:t>
-            </a:r>
-            <a:r>
-              <a:rPr lang="de-DE" dirty="0" err="1"/>
-              <a:t>ti</a:t>
-            </a:r>
-            <a:r>
-              <a:rPr lang="de-DE" dirty="0"/>
-              <a:t> --image</a:t>
-            </a:r>
-            <a:r>
-              <a:rPr lang="de-DE" b="1" dirty="0"/>
-              <a:t>=</a:t>
-            </a:r>
-            <a:r>
-              <a:rPr lang="de-DE" dirty="0" err="1"/>
-              <a:t>busybox</a:t>
-            </a:r>
-            <a:r>
-              <a:rPr lang="de-DE" dirty="0"/>
-              <a:t> /bin/sh</a:t>
-            </a:r>
-          </a:p>
-          <a:p>
-            <a:r>
-              <a:rPr lang="de-DE" dirty="0"/>
-              <a:t> # </a:t>
-            </a:r>
-            <a:r>
-              <a:rPr lang="de-DE" dirty="0" err="1"/>
-              <a:t>wget</a:t>
-            </a:r>
-            <a:r>
-              <a:rPr lang="de-DE" dirty="0"/>
-              <a:t> --spider --timeout=1 </a:t>
-            </a:r>
-            <a:r>
-              <a:rPr lang="de-DE" dirty="0" err="1"/>
-              <a:t>nginx</a:t>
-            </a:r>
+              <a:rPr lang="en-US" dirty="0"/>
+              <a:t>How could an example look like?</a:t>
+            </a:r>
+          </a:p>
+          <a:p>
+            <a:r>
+              <a:rPr lang="en-US" dirty="0"/>
+              <a:t>Imagine, you develop locally and push your ready docker images to the </a:t>
+            </a:r>
+            <a:r>
+              <a:rPr lang="en-US" dirty="0" err="1"/>
+              <a:t>artifactory</a:t>
+            </a:r>
+            <a:r>
+              <a:rPr lang="en-US" dirty="0"/>
+              <a:t> in DMZ. To do so, you probably use your personal credentials to the registry and the target repository.</a:t>
+            </a:r>
+          </a:p>
+          <a:p>
             <a:endParaRPr lang="en-US" dirty="0"/>
           </a:p>
           <a:p>
             <a:r>
+              <a:rPr lang="en-US" dirty="0"/>
+              <a:t>To deploy your application to Kubernetes, you write a deployment and specify the image you pushed to </a:t>
+            </a:r>
+            <a:r>
               <a:rPr lang="en-US" dirty="0" err="1"/>
-              <a:t>Kubectl</a:t>
+              <a:t>artifactory</a:t>
             </a:r>
             <a:r>
               <a:rPr lang="en-US" dirty="0"/>
-              <a:t> create –f network-</a:t>
-            </a:r>
-            <a:r>
-              <a:rPr lang="en-US" dirty="0" err="1"/>
-              <a:t>policy.yaml</a:t>
-            </a:r>
-            <a:endParaRPr lang="en-US" dirty="0"/>
-          </a:p>
-          <a:p>
-            <a:r>
-              <a:rPr lang="en-US" dirty="0" err="1"/>
-              <a:t>Kubectl</a:t>
-            </a:r>
+              <a:t>. When posting the deployment to the API server, the pod creation fails as the image cannot be downloaded – permission denied.</a:t>
+            </a:r>
+          </a:p>
+          <a:p>
             <a:r>
               <a:rPr lang="en-US" dirty="0"/>
-              <a:t> run ..</a:t>
-            </a:r>
-          </a:p>
-          <a:p>
-            <a:r>
-              <a:rPr lang="en-US" dirty="0" err="1"/>
-              <a:t>Kubectl</a:t>
-            </a:r>
-            <a:r>
-              <a:rPr lang="en-US" dirty="0"/>
-              <a:t> run … -l access=true</a:t>
-            </a:r>
-          </a:p>
-          <a:p>
-            <a:endParaRPr lang="en-US" dirty="0"/>
+              <a:t>So next, you create an Image Pull Secret with the credentials of a technical user and attach it to the default service account of your namespace. Now the docker daemons on your nodes can download the image.</a:t>
+            </a:r>
           </a:p>
         </p:txBody>
       </p:sp>
@@ -3055,18 +3931,18 @@
           <a:lstStyle/>
           <a:p>
             <a:fld id="{7D8C2C35-2B8A-446E-BEC0-FD36716C29AC}" type="slidenum">
-              <a:rPr lang="en-US" smtClean="0"/>
+              <a:rPr lang="de-DE" smtClean="0"/>
               <a:pPr/>
-              <a:t>10</a:t>
+              <a:t>9</a:t>
             </a:fld>
-            <a:endParaRPr lang="en-US" dirty="0"/>
+            <a:endParaRPr lang="de-DE" dirty="0"/>
           </a:p>
         </p:txBody>
       </p:sp>
     </p:spTree>
     <p:extLst>
       <p:ext uri="{BB962C8B-B14F-4D97-AF65-F5344CB8AC3E}">
-        <p14:creationId xmlns:p14="http://schemas.microsoft.com/office/powerpoint/2010/main" val="325304950"/>
+        <p14:creationId xmlns:p14="http://schemas.microsoft.com/office/powerpoint/2010/main" val="997705256"/>
       </p:ext>
     </p:extLst>
   </p:cSld>
@@ -18833,6 +19709,94 @@
       </p:grpSpPr>
       <p:sp>
         <p:nvSpPr>
+          <p:cNvPr id="2" name="Title 1">
+            <a:extLst>
+              <a:ext uri="{FF2B5EF4-FFF2-40B4-BE49-F238E27FC236}">
+                <a16:creationId xmlns:a16="http://schemas.microsoft.com/office/drawing/2014/main" id="{2D4BD4BF-5C0E-4BE1-A99C-25DBDC85D9CD}"/>
+              </a:ext>
+            </a:extLst>
+          </p:cNvPr>
+          <p:cNvSpPr>
+            <a:spLocks noGrp="1"/>
+          </p:cNvSpPr>
+          <p:nvPr>
+            <p:ph type="title"/>
+          </p:nvPr>
+        </p:nvSpPr>
+        <p:spPr/>
+        <p:txBody>
+          <a:bodyPr/>
+          <a:lstStyle/>
+          <a:p>
+            <a:r>
+              <a:rPr lang="en-US" dirty="0"/>
+              <a:t>Demo</a:t>
+            </a:r>
+          </a:p>
+        </p:txBody>
+      </p:sp>
+      <p:pic>
+        <p:nvPicPr>
+          <p:cNvPr id="18" name="Picture 17">
+            <a:extLst>
+              <a:ext uri="{FF2B5EF4-FFF2-40B4-BE49-F238E27FC236}">
+                <a16:creationId xmlns:a16="http://schemas.microsoft.com/office/drawing/2014/main" id="{FC355B51-9D60-4DBB-9EF1-08294FF8959E}"/>
+              </a:ext>
+            </a:extLst>
+          </p:cNvPr>
+          <p:cNvPicPr>
+            <a:picLocks noChangeAspect="1"/>
+          </p:cNvPicPr>
+          <p:nvPr/>
+        </p:nvPicPr>
+        <p:blipFill>
+          <a:blip r:embed="rId3"/>
+          <a:stretch>
+            <a:fillRect/>
+          </a:stretch>
+        </p:blipFill>
+        <p:spPr>
+          <a:xfrm>
+            <a:off x="3849419" y="1181180"/>
+            <a:ext cx="4495640" cy="4495640"/>
+          </a:xfrm>
+          <a:prstGeom prst="rect">
+            <a:avLst/>
+          </a:prstGeom>
+        </p:spPr>
+      </p:pic>
+    </p:spTree>
+    <p:extLst>
+      <p:ext uri="{BB962C8B-B14F-4D97-AF65-F5344CB8AC3E}">
+        <p14:creationId xmlns:p14="http://schemas.microsoft.com/office/powerpoint/2010/main" val="247635095"/>
+      </p:ext>
+    </p:extLst>
+  </p:cSld>
+  <p:clrMapOvr>
+    <a:masterClrMapping/>
+  </p:clrMapOvr>
+</p:sld>
+</file>
+
+<file path=ppt/slides/slide13.xml><?xml version="1.0" encoding="utf-8"?>
+<p:sld xmlns:a="http://schemas.openxmlformats.org/drawingml/2006/main" xmlns:r="http://schemas.openxmlformats.org/officeDocument/2006/relationships" xmlns:p="http://schemas.openxmlformats.org/presentationml/2006/main">
+  <p:cSld>
+    <p:spTree>
+      <p:nvGrpSpPr>
+        <p:cNvPr id="1" name=""/>
+        <p:cNvGrpSpPr/>
+        <p:nvPr/>
+      </p:nvGrpSpPr>
+      <p:grpSpPr>
+        <a:xfrm>
+          <a:off x="0" y="0"/>
+          <a:ext cx="0" cy="0"/>
+          <a:chOff x="0" y="0"/>
+          <a:chExt cx="0" cy="0"/>
+        </a:xfrm>
+      </p:grpSpPr>
+      <p:sp>
+        <p:nvSpPr>
           <p:cNvPr id="3" name="Title 2"/>
           <p:cNvSpPr>
             <a:spLocks noGrp="1"/>
@@ -18848,7 +19812,7 @@
           <a:p>
             <a:r>
               <a:rPr lang="en-US" dirty="0"/>
-              <a:t>Desired target state</a:t>
+              <a:t>Exercise #08</a:t>
             </a:r>
           </a:p>
         </p:txBody>
@@ -20162,7 +21126,7 @@
 </p:sld>
 </file>
 
-<file path=ppt/slides/slide13.xml><?xml version="1.0" encoding="utf-8"?>
+<file path=ppt/slides/slide14.xml><?xml version="1.0" encoding="utf-8"?>
 <p:sld xmlns:a="http://schemas.openxmlformats.org/drawingml/2006/main" xmlns:r="http://schemas.openxmlformats.org/officeDocument/2006/relationships" xmlns:p="http://schemas.openxmlformats.org/presentationml/2006/main">
   <p:cSld>
     <p:spTree>
@@ -21382,7 +22346,7 @@
 </p:sld>
 </file>
 
-<file path=ppt/slides/slide14.xml><?xml version="1.0" encoding="utf-8"?>
+<file path=ppt/slides/slide15.xml><?xml version="1.0" encoding="utf-8"?>
 <p:sld xmlns:a="http://schemas.openxmlformats.org/drawingml/2006/main" xmlns:r="http://schemas.openxmlformats.org/officeDocument/2006/relationships" xmlns:p="http://schemas.openxmlformats.org/presentationml/2006/main">
   <p:cSld>
     <p:spTree>
@@ -22487,7 +23451,7 @@
 </p:sld>
 </file>
 
-<file path=ppt/slides/slide15.xml><?xml version="1.0" encoding="utf-8"?>
+<file path=ppt/slides/slide16.xml><?xml version="1.0" encoding="utf-8"?>
 <p:sld xmlns:a="http://schemas.openxmlformats.org/drawingml/2006/main" xmlns:r="http://schemas.openxmlformats.org/officeDocument/2006/relationships" xmlns:p="http://schemas.openxmlformats.org/presentationml/2006/main">
   <p:cSld>
     <p:spTree>
@@ -22580,7 +23544,7 @@
 </p:sld>
 </file>
 
-<file path=ppt/slides/slide16.xml><?xml version="1.0" encoding="utf-8"?>
+<file path=ppt/slides/slide17.xml><?xml version="1.0" encoding="utf-8"?>
 <p:sld xmlns:a="http://schemas.openxmlformats.org/drawingml/2006/main" xmlns:r="http://schemas.openxmlformats.org/officeDocument/2006/relationships" xmlns:p="http://schemas.openxmlformats.org/presentationml/2006/main">
   <p:cSld>
     <p:spTree>
@@ -22712,7 +23676,7 @@
 </p:sld>
 </file>
 
-<file path=ppt/slides/slide17.xml><?xml version="1.0" encoding="utf-8"?>
+<file path=ppt/slides/slide18.xml><?xml version="1.0" encoding="utf-8"?>
 <p:sld xmlns:a="http://schemas.openxmlformats.org/drawingml/2006/main" xmlns:r="http://schemas.openxmlformats.org/officeDocument/2006/relationships" xmlns:p="http://schemas.openxmlformats.org/presentationml/2006/main">
   <p:cSld>
     <p:spTree>
@@ -22788,7 +23752,751 @@
 </p:sld>
 </file>
 
-<file path=ppt/slides/slide18.xml><?xml version="1.0" encoding="utf-8"?>
+<file path=ppt/slides/slide19.xml><?xml version="1.0" encoding="utf-8"?>
+<p:sld xmlns:a="http://schemas.openxmlformats.org/drawingml/2006/main" xmlns:r="http://schemas.openxmlformats.org/officeDocument/2006/relationships" xmlns:p="http://schemas.openxmlformats.org/presentationml/2006/main">
+  <p:cSld>
+    <p:spTree>
+      <p:nvGrpSpPr>
+        <p:cNvPr id="1" name=""/>
+        <p:cNvGrpSpPr/>
+        <p:nvPr/>
+      </p:nvGrpSpPr>
+      <p:grpSpPr>
+        <a:xfrm>
+          <a:off x="0" y="0"/>
+          <a:ext cx="0" cy="0"/>
+          <a:chOff x="0" y="0"/>
+          <a:chExt cx="0" cy="0"/>
+        </a:xfrm>
+      </p:grpSpPr>
+      <p:sp>
+        <p:nvSpPr>
+          <p:cNvPr id="2" name="Title 1">
+            <a:extLst>
+              <a:ext uri="{FF2B5EF4-FFF2-40B4-BE49-F238E27FC236}">
+                <a16:creationId xmlns:a16="http://schemas.microsoft.com/office/drawing/2014/main" id="{2D4BD4BF-5C0E-4BE1-A99C-25DBDC85D9CD}"/>
+              </a:ext>
+            </a:extLst>
+          </p:cNvPr>
+          <p:cNvSpPr>
+            <a:spLocks noGrp="1"/>
+          </p:cNvSpPr>
+          <p:nvPr>
+            <p:ph type="title"/>
+          </p:nvPr>
+        </p:nvSpPr>
+        <p:spPr/>
+        <p:txBody>
+          <a:bodyPr/>
+          <a:lstStyle/>
+          <a:p>
+            <a:r>
+              <a:rPr lang="en-US"/>
+              <a:t>(optional) Demo</a:t>
+            </a:r>
+            <a:endParaRPr lang="en-US" dirty="0"/>
+          </a:p>
+        </p:txBody>
+      </p:sp>
+      <p:pic>
+        <p:nvPicPr>
+          <p:cNvPr id="18" name="Picture 17">
+            <a:extLst>
+              <a:ext uri="{FF2B5EF4-FFF2-40B4-BE49-F238E27FC236}">
+                <a16:creationId xmlns:a16="http://schemas.microsoft.com/office/drawing/2014/main" id="{FC355B51-9D60-4DBB-9EF1-08294FF8959E}"/>
+              </a:ext>
+            </a:extLst>
+          </p:cNvPr>
+          <p:cNvPicPr>
+            <a:picLocks noChangeAspect="1"/>
+          </p:cNvPicPr>
+          <p:nvPr/>
+        </p:nvPicPr>
+        <p:blipFill>
+          <a:blip r:embed="rId3"/>
+          <a:stretch>
+            <a:fillRect/>
+          </a:stretch>
+        </p:blipFill>
+        <p:spPr>
+          <a:xfrm>
+            <a:off x="3849419" y="1181180"/>
+            <a:ext cx="4495640" cy="4495640"/>
+          </a:xfrm>
+          <a:prstGeom prst="rect">
+            <a:avLst/>
+          </a:prstGeom>
+        </p:spPr>
+      </p:pic>
+    </p:spTree>
+    <p:extLst>
+      <p:ext uri="{BB962C8B-B14F-4D97-AF65-F5344CB8AC3E}">
+        <p14:creationId xmlns:p14="http://schemas.microsoft.com/office/powerpoint/2010/main" val="1612786956"/>
+      </p:ext>
+    </p:extLst>
+  </p:cSld>
+  <p:clrMapOvr>
+    <a:masterClrMapping/>
+  </p:clrMapOvr>
+</p:sld>
+</file>
+
+<file path=ppt/slides/slide2.xml><?xml version="1.0" encoding="utf-8"?>
+<p:sld xmlns:a="http://schemas.openxmlformats.org/drawingml/2006/main" xmlns:r="http://schemas.openxmlformats.org/officeDocument/2006/relationships" xmlns:p="http://schemas.openxmlformats.org/presentationml/2006/main">
+  <p:cSld>
+    <p:spTree>
+      <p:nvGrpSpPr>
+        <p:cNvPr id="1" name=""/>
+        <p:cNvGrpSpPr/>
+        <p:nvPr/>
+      </p:nvGrpSpPr>
+      <p:grpSpPr>
+        <a:xfrm>
+          <a:off x="0" y="0"/>
+          <a:ext cx="0" cy="0"/>
+          <a:chOff x="0" y="0"/>
+          <a:chExt cx="0" cy="0"/>
+        </a:xfrm>
+      </p:grpSpPr>
+      <p:sp>
+        <p:nvSpPr>
+          <p:cNvPr id="13" name="Rectangle 12"/>
+          <p:cNvSpPr/>
+          <p:nvPr/>
+        </p:nvSpPr>
+        <p:spPr bwMode="gray">
+          <a:xfrm>
+            <a:off x="2171701" y="3185160"/>
+            <a:ext cx="6179820" cy="3303743"/>
+          </a:xfrm>
+          <a:prstGeom prst="rect">
+            <a:avLst/>
+          </a:prstGeom>
+          <a:ln>
+            <a:headEnd/>
+            <a:tailEnd/>
+          </a:ln>
+        </p:spPr>
+        <p:style>
+          <a:lnRef idx="2">
+            <a:schemeClr val="accent2">
+              <a:shade val="50000"/>
+            </a:schemeClr>
+          </a:lnRef>
+          <a:fillRef idx="1">
+            <a:schemeClr val="accent2"/>
+          </a:fillRef>
+          <a:effectRef idx="0">
+            <a:schemeClr val="accent2"/>
+          </a:effectRef>
+          <a:fontRef idx="minor">
+            <a:schemeClr val="lt1"/>
+          </a:fontRef>
+        </p:style>
+        <p:txBody>
+          <a:bodyPr lIns="90000" tIns="72000" rIns="90000" bIns="72000" rtlCol="0" anchor="t"/>
+          <a:lstStyle/>
+          <a:p>
+            <a:pPr marR="0" algn="ctr" defTabSz="914400" eaLnBrk="1" fontAlgn="base" latinLnBrk="0" hangingPunct="1">
+              <a:lnSpc>
+                <a:spcPct val="100000"/>
+              </a:lnSpc>
+              <a:spcBef>
+                <a:spcPct val="50000"/>
+              </a:spcBef>
+              <a:spcAft>
+                <a:spcPct val="0"/>
+              </a:spcAft>
+              <a:buClr>
+                <a:srgbClr val="F0AB00"/>
+              </a:buClr>
+              <a:buSzPct val="80000"/>
+              <a:tabLst/>
+            </a:pPr>
+            <a:r>
+              <a:rPr lang="en-US" sz="1600" b="1" kern="0" dirty="0">
+                <a:ea typeface="Arial Unicode MS" pitchFamily="34" charset="-128"/>
+                <a:cs typeface="Arial Unicode MS" pitchFamily="34" charset="-128"/>
+              </a:rPr>
+              <a:t>Namespace</a:t>
+            </a:r>
+            <a:endParaRPr kumimoji="0" lang="en-US" sz="1600" b="1" i="0" u="none" strike="noStrike" kern="0" cap="none" spc="0" normalizeH="0" baseline="0" noProof="0" dirty="0">
+              <a:ln>
+                <a:noFill/>
+              </a:ln>
+              <a:effectLst/>
+              <a:uLnTx/>
+              <a:uFillTx/>
+              <a:ea typeface="Arial Unicode MS" pitchFamily="34" charset="-128"/>
+              <a:cs typeface="Arial Unicode MS" pitchFamily="34" charset="-128"/>
+            </a:endParaRPr>
+          </a:p>
+        </p:txBody>
+      </p:sp>
+      <p:sp>
+        <p:nvSpPr>
+          <p:cNvPr id="2" name="Title 1"/>
+          <p:cNvSpPr>
+            <a:spLocks noGrp="1"/>
+          </p:cNvSpPr>
+          <p:nvPr>
+            <p:ph type="title"/>
+          </p:nvPr>
+        </p:nvSpPr>
+        <p:spPr/>
+        <p:txBody>
+          <a:bodyPr/>
+          <a:lstStyle/>
+          <a:p>
+            <a:r>
+              <a:rPr lang="en-US" dirty="0"/>
+              <a:t>Service Accounts</a:t>
+            </a:r>
+          </a:p>
+        </p:txBody>
+      </p:sp>
+      <p:sp>
+        <p:nvSpPr>
+          <p:cNvPr id="8" name="Rectangle 7"/>
+          <p:cNvSpPr/>
+          <p:nvPr/>
+        </p:nvSpPr>
+        <p:spPr>
+          <a:xfrm>
+            <a:off x="504000" y="1223190"/>
+            <a:ext cx="10918380" cy="1708160"/>
+          </a:xfrm>
+          <a:prstGeom prst="rect">
+            <a:avLst/>
+          </a:prstGeom>
+        </p:spPr>
+        <p:txBody>
+          <a:bodyPr wrap="square">
+            <a:spAutoFit/>
+          </a:bodyPr>
+          <a:lstStyle/>
+          <a:p>
+            <a:pPr marL="342900" indent="-342900">
+              <a:buFont typeface="Wingdings" panose="05000000000000000000" pitchFamily="2" charset="2"/>
+              <a:buChar char="§"/>
+            </a:pPr>
+            <a:r>
+              <a:rPr lang="en-US" dirty="0"/>
+              <a:t>Service accounts are technical user in Kubernetes</a:t>
+            </a:r>
+          </a:p>
+          <a:p>
+            <a:pPr marL="342900" indent="-342900">
+              <a:buFont typeface="Wingdings" panose="05000000000000000000" pitchFamily="2" charset="2"/>
+              <a:buChar char="§"/>
+            </a:pPr>
+            <a:r>
+              <a:rPr lang="en-US" dirty="0"/>
+              <a:t>Bound to a namespace</a:t>
+            </a:r>
+          </a:p>
+          <a:p>
+            <a:pPr marL="342900" indent="-342900">
+              <a:buFont typeface="Wingdings" panose="05000000000000000000" pitchFamily="2" charset="2"/>
+              <a:buChar char="§"/>
+            </a:pPr>
+            <a:r>
+              <a:rPr lang="en-US" dirty="0"/>
+              <a:t>Allowed to communicate with the API server</a:t>
+            </a:r>
+          </a:p>
+          <a:p>
+            <a:pPr marL="342900" indent="-342900">
+              <a:buFont typeface="Wingdings" panose="05000000000000000000" pitchFamily="2" charset="2"/>
+              <a:buChar char="§"/>
+            </a:pPr>
+            <a:r>
+              <a:rPr lang="en-US" dirty="0"/>
+              <a:t>Provide identity for pods</a:t>
+            </a:r>
+          </a:p>
+          <a:p>
+            <a:pPr marL="342900" indent="-342900">
+              <a:buFont typeface="Wingdings" panose="05000000000000000000" pitchFamily="2" charset="2"/>
+              <a:buChar char="§"/>
+            </a:pPr>
+            <a:r>
+              <a:rPr lang="en-US" dirty="0"/>
+              <a:t>Pods can inherit permissions to access the API server or a registry (image pull secret)</a:t>
+            </a:r>
+          </a:p>
+        </p:txBody>
+      </p:sp>
+      <p:sp>
+        <p:nvSpPr>
+          <p:cNvPr id="7" name="Rectangle 6"/>
+          <p:cNvSpPr/>
+          <p:nvPr/>
+        </p:nvSpPr>
+        <p:spPr bwMode="gray">
+          <a:xfrm>
+            <a:off x="3169059" y="3966951"/>
+            <a:ext cx="1627931" cy="1156258"/>
+          </a:xfrm>
+          <a:prstGeom prst="rect">
+            <a:avLst/>
+          </a:prstGeom>
+          <a:ln>
+            <a:headEnd/>
+            <a:tailEnd/>
+          </a:ln>
+        </p:spPr>
+        <p:style>
+          <a:lnRef idx="2">
+            <a:schemeClr val="accent2"/>
+          </a:lnRef>
+          <a:fillRef idx="1">
+            <a:schemeClr val="lt1"/>
+          </a:fillRef>
+          <a:effectRef idx="0">
+            <a:schemeClr val="accent2"/>
+          </a:effectRef>
+          <a:fontRef idx="minor">
+            <a:schemeClr val="dk1"/>
+          </a:fontRef>
+        </p:style>
+        <p:txBody>
+          <a:bodyPr lIns="90000" tIns="72000" rIns="90000" bIns="72000" rtlCol="0" anchor="ctr"/>
+          <a:lstStyle/>
+          <a:p>
+            <a:pPr marR="0" algn="ctr" defTabSz="914400" eaLnBrk="1" fontAlgn="base" latinLnBrk="0" hangingPunct="1">
+              <a:lnSpc>
+                <a:spcPct val="100000"/>
+              </a:lnSpc>
+              <a:spcBef>
+                <a:spcPct val="50000"/>
+              </a:spcBef>
+              <a:spcAft>
+                <a:spcPct val="0"/>
+              </a:spcAft>
+              <a:buClr>
+                <a:srgbClr val="F0AB00"/>
+              </a:buClr>
+              <a:buSzPct val="80000"/>
+              <a:tabLst/>
+            </a:pPr>
+            <a:r>
+              <a:rPr lang="en-US" sz="1800" kern="0" dirty="0">
+                <a:ea typeface="Arial Unicode MS" pitchFamily="34" charset="-128"/>
+                <a:cs typeface="Arial Unicode MS" pitchFamily="34" charset="-128"/>
+              </a:rPr>
+              <a:t>service account</a:t>
+            </a:r>
+          </a:p>
+          <a:p>
+            <a:pPr marR="0" algn="ctr" defTabSz="914400" eaLnBrk="1" fontAlgn="base" latinLnBrk="0" hangingPunct="1">
+              <a:lnSpc>
+                <a:spcPct val="100000"/>
+              </a:lnSpc>
+              <a:spcBef>
+                <a:spcPct val="50000"/>
+              </a:spcBef>
+              <a:spcAft>
+                <a:spcPct val="0"/>
+              </a:spcAft>
+              <a:buClr>
+                <a:srgbClr val="F0AB00"/>
+              </a:buClr>
+              <a:buSzPct val="80000"/>
+              <a:tabLst/>
+            </a:pPr>
+            <a:r>
+              <a:rPr kumimoji="0" lang="en-US" sz="1800" b="0" i="0" u="none" strike="noStrike" kern="0" cap="none" spc="0" normalizeH="0" baseline="0" noProof="0" dirty="0">
+                <a:ln>
+                  <a:noFill/>
+                </a:ln>
+                <a:effectLst/>
+                <a:uLnTx/>
+                <a:uFillTx/>
+                <a:ea typeface="Arial Unicode MS" pitchFamily="34" charset="-128"/>
+                <a:cs typeface="Arial Unicode MS" pitchFamily="34" charset="-128"/>
+              </a:rPr>
+              <a:t>“default”</a:t>
+            </a:r>
+          </a:p>
+        </p:txBody>
+      </p:sp>
+      <p:sp>
+        <p:nvSpPr>
+          <p:cNvPr id="12" name="Rectangle 11"/>
+          <p:cNvSpPr/>
+          <p:nvPr/>
+        </p:nvSpPr>
+        <p:spPr bwMode="gray">
+          <a:xfrm>
+            <a:off x="6624394" y="3542373"/>
+            <a:ext cx="1062486" cy="806724"/>
+          </a:xfrm>
+          <a:prstGeom prst="rect">
+            <a:avLst/>
+          </a:prstGeom>
+          <a:ln>
+            <a:headEnd/>
+            <a:tailEnd/>
+          </a:ln>
+        </p:spPr>
+        <p:style>
+          <a:lnRef idx="2">
+            <a:schemeClr val="accent2"/>
+          </a:lnRef>
+          <a:fillRef idx="1">
+            <a:schemeClr val="lt1"/>
+          </a:fillRef>
+          <a:effectRef idx="0">
+            <a:schemeClr val="accent2"/>
+          </a:effectRef>
+          <a:fontRef idx="minor">
+            <a:schemeClr val="dk1"/>
+          </a:fontRef>
+        </p:style>
+        <p:txBody>
+          <a:bodyPr lIns="90000" tIns="72000" rIns="90000" bIns="72000" rtlCol="0" anchor="ctr"/>
+          <a:lstStyle/>
+          <a:p>
+            <a:pPr marR="0" algn="ctr" defTabSz="914400" eaLnBrk="1" fontAlgn="base" latinLnBrk="0" hangingPunct="1">
+              <a:lnSpc>
+                <a:spcPct val="100000"/>
+              </a:lnSpc>
+              <a:spcBef>
+                <a:spcPct val="50000"/>
+              </a:spcBef>
+              <a:spcAft>
+                <a:spcPct val="0"/>
+              </a:spcAft>
+              <a:buClr>
+                <a:srgbClr val="F0AB00"/>
+              </a:buClr>
+              <a:buSzPct val="80000"/>
+              <a:tabLst/>
+            </a:pPr>
+            <a:r>
+              <a:rPr lang="en-US" sz="1800" kern="0" noProof="0" dirty="0">
+                <a:ea typeface="Arial Unicode MS" pitchFamily="34" charset="-128"/>
+                <a:cs typeface="Arial Unicode MS" pitchFamily="34" charset="-128"/>
+              </a:rPr>
+              <a:t>Pod</a:t>
+            </a:r>
+            <a:r>
+              <a:rPr lang="en-US" sz="1800" kern="0" dirty="0">
+                <a:ea typeface="Arial Unicode MS" pitchFamily="34" charset="-128"/>
+                <a:cs typeface="Arial Unicode MS" pitchFamily="34" charset="-128"/>
+              </a:rPr>
+              <a:t> A</a:t>
+            </a:r>
+            <a:endParaRPr kumimoji="0" lang="en-US" sz="1800" b="0" i="0" u="none" strike="noStrike" kern="0" cap="none" spc="0" normalizeH="0" baseline="0" noProof="0" dirty="0">
+              <a:ln>
+                <a:noFill/>
+              </a:ln>
+              <a:effectLst/>
+              <a:uLnTx/>
+              <a:uFillTx/>
+              <a:ea typeface="Arial Unicode MS" pitchFamily="34" charset="-128"/>
+              <a:cs typeface="Arial Unicode MS" pitchFamily="34" charset="-128"/>
+            </a:endParaRPr>
+          </a:p>
+        </p:txBody>
+      </p:sp>
+      <p:sp>
+        <p:nvSpPr>
+          <p:cNvPr id="14" name="Rectangle 13"/>
+          <p:cNvSpPr/>
+          <p:nvPr/>
+        </p:nvSpPr>
+        <p:spPr bwMode="gray">
+          <a:xfrm>
+            <a:off x="6624394" y="5477853"/>
+            <a:ext cx="1062486" cy="806724"/>
+          </a:xfrm>
+          <a:prstGeom prst="rect">
+            <a:avLst/>
+          </a:prstGeom>
+          <a:ln>
+            <a:headEnd/>
+            <a:tailEnd/>
+          </a:ln>
+        </p:spPr>
+        <p:style>
+          <a:lnRef idx="2">
+            <a:schemeClr val="accent2"/>
+          </a:lnRef>
+          <a:fillRef idx="1">
+            <a:schemeClr val="lt1"/>
+          </a:fillRef>
+          <a:effectRef idx="0">
+            <a:schemeClr val="accent2"/>
+          </a:effectRef>
+          <a:fontRef idx="minor">
+            <a:schemeClr val="dk1"/>
+          </a:fontRef>
+        </p:style>
+        <p:txBody>
+          <a:bodyPr lIns="90000" tIns="72000" rIns="90000" bIns="72000" rtlCol="0" anchor="ctr"/>
+          <a:lstStyle/>
+          <a:p>
+            <a:pPr marR="0" algn="ctr" defTabSz="914400" eaLnBrk="1" fontAlgn="base" latinLnBrk="0" hangingPunct="1">
+              <a:lnSpc>
+                <a:spcPct val="100000"/>
+              </a:lnSpc>
+              <a:spcBef>
+                <a:spcPct val="50000"/>
+              </a:spcBef>
+              <a:spcAft>
+                <a:spcPct val="0"/>
+              </a:spcAft>
+              <a:buClr>
+                <a:srgbClr val="F0AB00"/>
+              </a:buClr>
+              <a:buSzPct val="80000"/>
+              <a:tabLst/>
+            </a:pPr>
+            <a:r>
+              <a:rPr lang="en-US" sz="1800" kern="0" noProof="0" dirty="0">
+                <a:ea typeface="Arial Unicode MS" pitchFamily="34" charset="-128"/>
+                <a:cs typeface="Arial Unicode MS" pitchFamily="34" charset="-128"/>
+              </a:rPr>
+              <a:t>Pod</a:t>
+            </a:r>
+            <a:r>
+              <a:rPr lang="en-US" sz="1800" kern="0" dirty="0">
+                <a:ea typeface="Arial Unicode MS" pitchFamily="34" charset="-128"/>
+                <a:cs typeface="Arial Unicode MS" pitchFamily="34" charset="-128"/>
+              </a:rPr>
+              <a:t> B</a:t>
+            </a:r>
+            <a:endParaRPr kumimoji="0" lang="en-US" sz="1800" b="0" i="0" u="none" strike="noStrike" kern="0" cap="none" spc="0" normalizeH="0" baseline="0" noProof="0" dirty="0">
+              <a:ln>
+                <a:noFill/>
+              </a:ln>
+              <a:effectLst/>
+              <a:uLnTx/>
+              <a:uFillTx/>
+              <a:ea typeface="Arial Unicode MS" pitchFamily="34" charset="-128"/>
+              <a:cs typeface="Arial Unicode MS" pitchFamily="34" charset="-128"/>
+            </a:endParaRPr>
+          </a:p>
+        </p:txBody>
+      </p:sp>
+      <p:cxnSp>
+        <p:nvCxnSpPr>
+          <p:cNvPr id="16" name="Straight Arrow Connector 15"/>
+          <p:cNvCxnSpPr>
+            <a:stCxn id="7" idx="3"/>
+            <a:endCxn id="12" idx="1"/>
+          </p:cNvCxnSpPr>
+          <p:nvPr/>
+        </p:nvCxnSpPr>
+        <p:spPr>
+          <a:xfrm flipV="1">
+            <a:off x="4796990" y="3945735"/>
+            <a:ext cx="1827404" cy="599345"/>
+          </a:xfrm>
+          <a:prstGeom prst="straightConnector1">
+            <a:avLst/>
+          </a:prstGeom>
+          <a:ln w="38100">
+            <a:solidFill>
+              <a:schemeClr val="tx2">
+                <a:lumMod val="60000"/>
+                <a:lumOff val="40000"/>
+              </a:schemeClr>
+            </a:solidFill>
+            <a:headEnd type="none" w="med" len="med"/>
+            <a:tailEnd type="triangle"/>
+          </a:ln>
+        </p:spPr>
+        <p:style>
+          <a:lnRef idx="1">
+            <a:schemeClr val="accent1"/>
+          </a:lnRef>
+          <a:fillRef idx="0">
+            <a:schemeClr val="accent1"/>
+          </a:fillRef>
+          <a:effectRef idx="0">
+            <a:schemeClr val="accent1"/>
+          </a:effectRef>
+          <a:fontRef idx="minor">
+            <a:schemeClr val="tx1"/>
+          </a:fontRef>
+        </p:style>
+      </p:cxnSp>
+      <p:cxnSp>
+        <p:nvCxnSpPr>
+          <p:cNvPr id="17" name="Straight Arrow Connector 16"/>
+          <p:cNvCxnSpPr>
+            <a:stCxn id="7" idx="3"/>
+            <a:endCxn id="14" idx="1"/>
+          </p:cNvCxnSpPr>
+          <p:nvPr/>
+        </p:nvCxnSpPr>
+        <p:spPr>
+          <a:xfrm>
+            <a:off x="4796990" y="4545080"/>
+            <a:ext cx="1827404" cy="1336135"/>
+          </a:xfrm>
+          <a:prstGeom prst="straightConnector1">
+            <a:avLst/>
+          </a:prstGeom>
+          <a:ln w="38100">
+            <a:solidFill>
+              <a:schemeClr val="tx2">
+                <a:lumMod val="60000"/>
+                <a:lumOff val="40000"/>
+              </a:schemeClr>
+            </a:solidFill>
+            <a:headEnd type="none" w="med" len="med"/>
+            <a:tailEnd type="triangle"/>
+          </a:ln>
+        </p:spPr>
+        <p:style>
+          <a:lnRef idx="1">
+            <a:schemeClr val="accent1"/>
+          </a:lnRef>
+          <a:fillRef idx="0">
+            <a:schemeClr val="accent1"/>
+          </a:fillRef>
+          <a:effectRef idx="0">
+            <a:schemeClr val="accent1"/>
+          </a:effectRef>
+          <a:fontRef idx="minor">
+            <a:schemeClr val="tx1"/>
+          </a:fontRef>
+        </p:style>
+      </p:cxnSp>
+      <p:sp>
+        <p:nvSpPr>
+          <p:cNvPr id="22" name="Cylinder 21"/>
+          <p:cNvSpPr/>
+          <p:nvPr/>
+        </p:nvSpPr>
+        <p:spPr bwMode="gray">
+          <a:xfrm>
+            <a:off x="3481540" y="5500723"/>
+            <a:ext cx="1002967" cy="812920"/>
+          </a:xfrm>
+          <a:prstGeom prst="can">
+            <a:avLst/>
+          </a:prstGeom>
+          <a:ln>
+            <a:headEnd/>
+            <a:tailEnd/>
+          </a:ln>
+        </p:spPr>
+        <p:style>
+          <a:lnRef idx="2">
+            <a:schemeClr val="accent2"/>
+          </a:lnRef>
+          <a:fillRef idx="1">
+            <a:schemeClr val="lt1"/>
+          </a:fillRef>
+          <a:effectRef idx="0">
+            <a:schemeClr val="accent2"/>
+          </a:effectRef>
+          <a:fontRef idx="minor">
+            <a:schemeClr val="dk1"/>
+          </a:fontRef>
+        </p:style>
+        <p:txBody>
+          <a:bodyPr lIns="90000" tIns="72000" rIns="90000" bIns="72000" rtlCol="0" anchor="ctr"/>
+          <a:lstStyle/>
+          <a:p>
+            <a:pPr marR="0" algn="ctr" defTabSz="914400" eaLnBrk="1" fontAlgn="base" latinLnBrk="0" hangingPunct="1">
+              <a:lnSpc>
+                <a:spcPct val="100000"/>
+              </a:lnSpc>
+              <a:spcBef>
+                <a:spcPct val="50000"/>
+              </a:spcBef>
+              <a:spcAft>
+                <a:spcPct val="0"/>
+              </a:spcAft>
+              <a:buClr>
+                <a:srgbClr val="F0AB00"/>
+              </a:buClr>
+              <a:buSzPct val="80000"/>
+              <a:tabLst/>
+            </a:pPr>
+            <a:r>
+              <a:rPr lang="en-US" sz="1800" kern="0" dirty="0">
+                <a:ea typeface="Arial Unicode MS" pitchFamily="34" charset="-128"/>
+                <a:cs typeface="Arial Unicode MS" pitchFamily="34" charset="-128"/>
+              </a:rPr>
+              <a:t>secrets</a:t>
+            </a:r>
+            <a:endParaRPr kumimoji="0" lang="en-US" sz="1800" b="0" i="0" u="none" strike="noStrike" kern="0" cap="none" spc="0" normalizeH="0" baseline="0" noProof="0" dirty="0">
+              <a:ln>
+                <a:noFill/>
+              </a:ln>
+              <a:effectLst/>
+              <a:uLnTx/>
+              <a:uFillTx/>
+              <a:ea typeface="Arial Unicode MS" pitchFamily="34" charset="-128"/>
+              <a:cs typeface="Arial Unicode MS" pitchFamily="34" charset="-128"/>
+            </a:endParaRPr>
+          </a:p>
+        </p:txBody>
+      </p:sp>
+      <p:cxnSp>
+        <p:nvCxnSpPr>
+          <p:cNvPr id="24" name="Straight Arrow Connector 23"/>
+          <p:cNvCxnSpPr>
+            <a:stCxn id="22" idx="1"/>
+            <a:endCxn id="7" idx="2"/>
+          </p:cNvCxnSpPr>
+          <p:nvPr/>
+        </p:nvCxnSpPr>
+        <p:spPr>
+          <a:xfrm flipV="1">
+            <a:off x="3983024" y="5123209"/>
+            <a:ext cx="1" cy="377514"/>
+          </a:xfrm>
+          <a:prstGeom prst="straightConnector1">
+            <a:avLst/>
+          </a:prstGeom>
+          <a:ln w="38100">
+            <a:solidFill>
+              <a:schemeClr val="tx2">
+                <a:lumMod val="60000"/>
+                <a:lumOff val="40000"/>
+              </a:schemeClr>
+            </a:solidFill>
+            <a:headEnd type="none" w="med" len="med"/>
+            <a:tailEnd type="triangle"/>
+          </a:ln>
+        </p:spPr>
+        <p:style>
+          <a:lnRef idx="1">
+            <a:schemeClr val="accent1"/>
+          </a:lnRef>
+          <a:fillRef idx="0">
+            <a:schemeClr val="accent1"/>
+          </a:fillRef>
+          <a:effectRef idx="0">
+            <a:schemeClr val="accent1"/>
+          </a:effectRef>
+          <a:fontRef idx="minor">
+            <a:schemeClr val="tx1"/>
+          </a:fontRef>
+        </p:style>
+      </p:cxnSp>
+    </p:spTree>
+    <p:extLst>
+      <p:ext uri="{BB962C8B-B14F-4D97-AF65-F5344CB8AC3E}">
+        <p14:creationId xmlns:p14="http://schemas.microsoft.com/office/powerpoint/2010/main" val="864191870"/>
+      </p:ext>
+    </p:extLst>
+  </p:cSld>
+  <p:clrMapOvr>
+    <a:masterClrMapping/>
+  </p:clrMapOvr>
+</p:sld>
+</file>
+
+<file path=ppt/slides/slide20.xml><?xml version="1.0" encoding="utf-8"?>
 <p:sld xmlns:a="http://schemas.openxmlformats.org/drawingml/2006/main" xmlns:r="http://schemas.openxmlformats.org/officeDocument/2006/relationships" xmlns:p="http://schemas.openxmlformats.org/presentationml/2006/main">
   <p:cSld>
     <p:spTree>
@@ -23456,7 +25164,7 @@
 </p:sld>
 </file>
 
-<file path=ppt/slides/slide19.xml><?xml version="1.0" encoding="utf-8"?>
+<file path=ppt/slides/slide21.xml><?xml version="1.0" encoding="utf-8"?>
 <p:sld xmlns:a="http://schemas.openxmlformats.org/drawingml/2006/main" xmlns:r="http://schemas.openxmlformats.org/officeDocument/2006/relationships" xmlns:p="http://schemas.openxmlformats.org/presentationml/2006/main">
   <p:cSld>
     <p:spTree>
@@ -25579,662 +27287,7 @@
 </p:sld>
 </file>
 
-<file path=ppt/slides/slide2.xml><?xml version="1.0" encoding="utf-8"?>
-<p:sld xmlns:a="http://schemas.openxmlformats.org/drawingml/2006/main" xmlns:r="http://schemas.openxmlformats.org/officeDocument/2006/relationships" xmlns:p="http://schemas.openxmlformats.org/presentationml/2006/main">
-  <p:cSld>
-    <p:spTree>
-      <p:nvGrpSpPr>
-        <p:cNvPr id="1" name=""/>
-        <p:cNvGrpSpPr/>
-        <p:nvPr/>
-      </p:nvGrpSpPr>
-      <p:grpSpPr>
-        <a:xfrm>
-          <a:off x="0" y="0"/>
-          <a:ext cx="0" cy="0"/>
-          <a:chOff x="0" y="0"/>
-          <a:chExt cx="0" cy="0"/>
-        </a:xfrm>
-      </p:grpSpPr>
-      <p:sp>
-        <p:nvSpPr>
-          <p:cNvPr id="13" name="Rectangle 12"/>
-          <p:cNvSpPr/>
-          <p:nvPr/>
-        </p:nvSpPr>
-        <p:spPr bwMode="gray">
-          <a:xfrm>
-            <a:off x="2171701" y="3185160"/>
-            <a:ext cx="6179820" cy="3303743"/>
-          </a:xfrm>
-          <a:prstGeom prst="rect">
-            <a:avLst/>
-          </a:prstGeom>
-          <a:ln>
-            <a:headEnd/>
-            <a:tailEnd/>
-          </a:ln>
-        </p:spPr>
-        <p:style>
-          <a:lnRef idx="2">
-            <a:schemeClr val="accent2">
-              <a:shade val="50000"/>
-            </a:schemeClr>
-          </a:lnRef>
-          <a:fillRef idx="1">
-            <a:schemeClr val="accent2"/>
-          </a:fillRef>
-          <a:effectRef idx="0">
-            <a:schemeClr val="accent2"/>
-          </a:effectRef>
-          <a:fontRef idx="minor">
-            <a:schemeClr val="lt1"/>
-          </a:fontRef>
-        </p:style>
-        <p:txBody>
-          <a:bodyPr lIns="90000" tIns="72000" rIns="90000" bIns="72000" rtlCol="0" anchor="t"/>
-          <a:lstStyle/>
-          <a:p>
-            <a:pPr marR="0" algn="ctr" defTabSz="914400" eaLnBrk="1" fontAlgn="base" latinLnBrk="0" hangingPunct="1">
-              <a:lnSpc>
-                <a:spcPct val="100000"/>
-              </a:lnSpc>
-              <a:spcBef>
-                <a:spcPct val="50000"/>
-              </a:spcBef>
-              <a:spcAft>
-                <a:spcPct val="0"/>
-              </a:spcAft>
-              <a:buClr>
-                <a:srgbClr val="F0AB00"/>
-              </a:buClr>
-              <a:buSzPct val="80000"/>
-              <a:tabLst/>
-            </a:pPr>
-            <a:r>
-              <a:rPr lang="en-US" sz="1600" b="1" kern="0" dirty="0">
-                <a:ea typeface="Arial Unicode MS" pitchFamily="34" charset="-128"/>
-                <a:cs typeface="Arial Unicode MS" pitchFamily="34" charset="-128"/>
-              </a:rPr>
-              <a:t>Namespace</a:t>
-            </a:r>
-            <a:endParaRPr kumimoji="0" lang="en-US" sz="1600" b="1" i="0" u="none" strike="noStrike" kern="0" cap="none" spc="0" normalizeH="0" baseline="0" noProof="0" dirty="0">
-              <a:ln>
-                <a:noFill/>
-              </a:ln>
-              <a:effectLst/>
-              <a:uLnTx/>
-              <a:uFillTx/>
-              <a:ea typeface="Arial Unicode MS" pitchFamily="34" charset="-128"/>
-              <a:cs typeface="Arial Unicode MS" pitchFamily="34" charset="-128"/>
-            </a:endParaRPr>
-          </a:p>
-        </p:txBody>
-      </p:sp>
-      <p:sp>
-        <p:nvSpPr>
-          <p:cNvPr id="2" name="Title 1"/>
-          <p:cNvSpPr>
-            <a:spLocks noGrp="1"/>
-          </p:cNvSpPr>
-          <p:nvPr>
-            <p:ph type="title"/>
-          </p:nvPr>
-        </p:nvSpPr>
-        <p:spPr/>
-        <p:txBody>
-          <a:bodyPr/>
-          <a:lstStyle/>
-          <a:p>
-            <a:r>
-              <a:rPr lang="en-US" dirty="0"/>
-              <a:t>Service Accounts</a:t>
-            </a:r>
-          </a:p>
-        </p:txBody>
-      </p:sp>
-      <p:sp>
-        <p:nvSpPr>
-          <p:cNvPr id="8" name="Rectangle 7"/>
-          <p:cNvSpPr/>
-          <p:nvPr/>
-        </p:nvSpPr>
-        <p:spPr>
-          <a:xfrm>
-            <a:off x="504000" y="1223190"/>
-            <a:ext cx="10918380" cy="1708160"/>
-          </a:xfrm>
-          <a:prstGeom prst="rect">
-            <a:avLst/>
-          </a:prstGeom>
-        </p:spPr>
-        <p:txBody>
-          <a:bodyPr wrap="square">
-            <a:spAutoFit/>
-          </a:bodyPr>
-          <a:lstStyle/>
-          <a:p>
-            <a:pPr marL="342900" indent="-342900">
-              <a:buFont typeface="Wingdings" panose="05000000000000000000" pitchFamily="2" charset="2"/>
-              <a:buChar char="§"/>
-            </a:pPr>
-            <a:r>
-              <a:rPr lang="en-US" dirty="0"/>
-              <a:t>Service accounts are technical user in Kubernetes</a:t>
-            </a:r>
-          </a:p>
-          <a:p>
-            <a:pPr marL="342900" indent="-342900">
-              <a:buFont typeface="Wingdings" panose="05000000000000000000" pitchFamily="2" charset="2"/>
-              <a:buChar char="§"/>
-            </a:pPr>
-            <a:r>
-              <a:rPr lang="en-US" dirty="0"/>
-              <a:t>Bound to a namespace</a:t>
-            </a:r>
-          </a:p>
-          <a:p>
-            <a:pPr marL="342900" indent="-342900">
-              <a:buFont typeface="Wingdings" panose="05000000000000000000" pitchFamily="2" charset="2"/>
-              <a:buChar char="§"/>
-            </a:pPr>
-            <a:r>
-              <a:rPr lang="en-US" dirty="0"/>
-              <a:t>Allowed to communicate with the API server</a:t>
-            </a:r>
-          </a:p>
-          <a:p>
-            <a:pPr marL="342900" indent="-342900">
-              <a:buFont typeface="Wingdings" panose="05000000000000000000" pitchFamily="2" charset="2"/>
-              <a:buChar char="§"/>
-            </a:pPr>
-            <a:r>
-              <a:rPr lang="en-US" dirty="0"/>
-              <a:t>Provide identity for pods</a:t>
-            </a:r>
-          </a:p>
-          <a:p>
-            <a:pPr marL="342900" indent="-342900">
-              <a:buFont typeface="Wingdings" panose="05000000000000000000" pitchFamily="2" charset="2"/>
-              <a:buChar char="§"/>
-            </a:pPr>
-            <a:r>
-              <a:rPr lang="en-US" dirty="0"/>
-              <a:t>Pods can inherit permissions to access the API server or a registry (image pull secret)</a:t>
-            </a:r>
-          </a:p>
-        </p:txBody>
-      </p:sp>
-      <p:sp>
-        <p:nvSpPr>
-          <p:cNvPr id="7" name="Rectangle 6"/>
-          <p:cNvSpPr/>
-          <p:nvPr/>
-        </p:nvSpPr>
-        <p:spPr bwMode="gray">
-          <a:xfrm>
-            <a:off x="3169059" y="3966951"/>
-            <a:ext cx="1627931" cy="1156258"/>
-          </a:xfrm>
-          <a:prstGeom prst="rect">
-            <a:avLst/>
-          </a:prstGeom>
-          <a:ln>
-            <a:headEnd/>
-            <a:tailEnd/>
-          </a:ln>
-        </p:spPr>
-        <p:style>
-          <a:lnRef idx="2">
-            <a:schemeClr val="accent2"/>
-          </a:lnRef>
-          <a:fillRef idx="1">
-            <a:schemeClr val="lt1"/>
-          </a:fillRef>
-          <a:effectRef idx="0">
-            <a:schemeClr val="accent2"/>
-          </a:effectRef>
-          <a:fontRef idx="minor">
-            <a:schemeClr val="dk1"/>
-          </a:fontRef>
-        </p:style>
-        <p:txBody>
-          <a:bodyPr lIns="90000" tIns="72000" rIns="90000" bIns="72000" rtlCol="0" anchor="ctr"/>
-          <a:lstStyle/>
-          <a:p>
-            <a:pPr marR="0" algn="ctr" defTabSz="914400" eaLnBrk="1" fontAlgn="base" latinLnBrk="0" hangingPunct="1">
-              <a:lnSpc>
-                <a:spcPct val="100000"/>
-              </a:lnSpc>
-              <a:spcBef>
-                <a:spcPct val="50000"/>
-              </a:spcBef>
-              <a:spcAft>
-                <a:spcPct val="0"/>
-              </a:spcAft>
-              <a:buClr>
-                <a:srgbClr val="F0AB00"/>
-              </a:buClr>
-              <a:buSzPct val="80000"/>
-              <a:tabLst/>
-            </a:pPr>
-            <a:r>
-              <a:rPr lang="en-US" sz="1800" kern="0" dirty="0">
-                <a:ea typeface="Arial Unicode MS" pitchFamily="34" charset="-128"/>
-                <a:cs typeface="Arial Unicode MS" pitchFamily="34" charset="-128"/>
-              </a:rPr>
-              <a:t>service account</a:t>
-            </a:r>
-          </a:p>
-          <a:p>
-            <a:pPr marR="0" algn="ctr" defTabSz="914400" eaLnBrk="1" fontAlgn="base" latinLnBrk="0" hangingPunct="1">
-              <a:lnSpc>
-                <a:spcPct val="100000"/>
-              </a:lnSpc>
-              <a:spcBef>
-                <a:spcPct val="50000"/>
-              </a:spcBef>
-              <a:spcAft>
-                <a:spcPct val="0"/>
-              </a:spcAft>
-              <a:buClr>
-                <a:srgbClr val="F0AB00"/>
-              </a:buClr>
-              <a:buSzPct val="80000"/>
-              <a:tabLst/>
-            </a:pPr>
-            <a:r>
-              <a:rPr kumimoji="0" lang="en-US" sz="1800" b="0" i="0" u="none" strike="noStrike" kern="0" cap="none" spc="0" normalizeH="0" baseline="0" noProof="0" dirty="0">
-                <a:ln>
-                  <a:noFill/>
-                </a:ln>
-                <a:effectLst/>
-                <a:uLnTx/>
-                <a:uFillTx/>
-                <a:ea typeface="Arial Unicode MS" pitchFamily="34" charset="-128"/>
-                <a:cs typeface="Arial Unicode MS" pitchFamily="34" charset="-128"/>
-              </a:rPr>
-              <a:t>“default”</a:t>
-            </a:r>
-          </a:p>
-        </p:txBody>
-      </p:sp>
-      <p:sp>
-        <p:nvSpPr>
-          <p:cNvPr id="12" name="Rectangle 11"/>
-          <p:cNvSpPr/>
-          <p:nvPr/>
-        </p:nvSpPr>
-        <p:spPr bwMode="gray">
-          <a:xfrm>
-            <a:off x="6624394" y="3542373"/>
-            <a:ext cx="1062486" cy="806724"/>
-          </a:xfrm>
-          <a:prstGeom prst="rect">
-            <a:avLst/>
-          </a:prstGeom>
-          <a:ln>
-            <a:headEnd/>
-            <a:tailEnd/>
-          </a:ln>
-        </p:spPr>
-        <p:style>
-          <a:lnRef idx="2">
-            <a:schemeClr val="accent2"/>
-          </a:lnRef>
-          <a:fillRef idx="1">
-            <a:schemeClr val="lt1"/>
-          </a:fillRef>
-          <a:effectRef idx="0">
-            <a:schemeClr val="accent2"/>
-          </a:effectRef>
-          <a:fontRef idx="minor">
-            <a:schemeClr val="dk1"/>
-          </a:fontRef>
-        </p:style>
-        <p:txBody>
-          <a:bodyPr lIns="90000" tIns="72000" rIns="90000" bIns="72000" rtlCol="0" anchor="ctr"/>
-          <a:lstStyle/>
-          <a:p>
-            <a:pPr marR="0" algn="ctr" defTabSz="914400" eaLnBrk="1" fontAlgn="base" latinLnBrk="0" hangingPunct="1">
-              <a:lnSpc>
-                <a:spcPct val="100000"/>
-              </a:lnSpc>
-              <a:spcBef>
-                <a:spcPct val="50000"/>
-              </a:spcBef>
-              <a:spcAft>
-                <a:spcPct val="0"/>
-              </a:spcAft>
-              <a:buClr>
-                <a:srgbClr val="F0AB00"/>
-              </a:buClr>
-              <a:buSzPct val="80000"/>
-              <a:tabLst/>
-            </a:pPr>
-            <a:r>
-              <a:rPr lang="en-US" sz="1800" kern="0" noProof="0" dirty="0">
-                <a:ea typeface="Arial Unicode MS" pitchFamily="34" charset="-128"/>
-                <a:cs typeface="Arial Unicode MS" pitchFamily="34" charset="-128"/>
-              </a:rPr>
-              <a:t>Pod</a:t>
-            </a:r>
-            <a:r>
-              <a:rPr lang="en-US" sz="1800" kern="0" dirty="0">
-                <a:ea typeface="Arial Unicode MS" pitchFamily="34" charset="-128"/>
-                <a:cs typeface="Arial Unicode MS" pitchFamily="34" charset="-128"/>
-              </a:rPr>
-              <a:t> A</a:t>
-            </a:r>
-            <a:endParaRPr kumimoji="0" lang="en-US" sz="1800" b="0" i="0" u="none" strike="noStrike" kern="0" cap="none" spc="0" normalizeH="0" baseline="0" noProof="0" dirty="0">
-              <a:ln>
-                <a:noFill/>
-              </a:ln>
-              <a:effectLst/>
-              <a:uLnTx/>
-              <a:uFillTx/>
-              <a:ea typeface="Arial Unicode MS" pitchFamily="34" charset="-128"/>
-              <a:cs typeface="Arial Unicode MS" pitchFamily="34" charset="-128"/>
-            </a:endParaRPr>
-          </a:p>
-        </p:txBody>
-      </p:sp>
-      <p:sp>
-        <p:nvSpPr>
-          <p:cNvPr id="14" name="Rectangle 13"/>
-          <p:cNvSpPr/>
-          <p:nvPr/>
-        </p:nvSpPr>
-        <p:spPr bwMode="gray">
-          <a:xfrm>
-            <a:off x="6624394" y="5477853"/>
-            <a:ext cx="1062486" cy="806724"/>
-          </a:xfrm>
-          <a:prstGeom prst="rect">
-            <a:avLst/>
-          </a:prstGeom>
-          <a:ln>
-            <a:headEnd/>
-            <a:tailEnd/>
-          </a:ln>
-        </p:spPr>
-        <p:style>
-          <a:lnRef idx="2">
-            <a:schemeClr val="accent2"/>
-          </a:lnRef>
-          <a:fillRef idx="1">
-            <a:schemeClr val="lt1"/>
-          </a:fillRef>
-          <a:effectRef idx="0">
-            <a:schemeClr val="accent2"/>
-          </a:effectRef>
-          <a:fontRef idx="minor">
-            <a:schemeClr val="dk1"/>
-          </a:fontRef>
-        </p:style>
-        <p:txBody>
-          <a:bodyPr lIns="90000" tIns="72000" rIns="90000" bIns="72000" rtlCol="0" anchor="ctr"/>
-          <a:lstStyle/>
-          <a:p>
-            <a:pPr marR="0" algn="ctr" defTabSz="914400" eaLnBrk="1" fontAlgn="base" latinLnBrk="0" hangingPunct="1">
-              <a:lnSpc>
-                <a:spcPct val="100000"/>
-              </a:lnSpc>
-              <a:spcBef>
-                <a:spcPct val="50000"/>
-              </a:spcBef>
-              <a:spcAft>
-                <a:spcPct val="0"/>
-              </a:spcAft>
-              <a:buClr>
-                <a:srgbClr val="F0AB00"/>
-              </a:buClr>
-              <a:buSzPct val="80000"/>
-              <a:tabLst/>
-            </a:pPr>
-            <a:r>
-              <a:rPr lang="en-US" sz="1800" kern="0" noProof="0" dirty="0">
-                <a:ea typeface="Arial Unicode MS" pitchFamily="34" charset="-128"/>
-                <a:cs typeface="Arial Unicode MS" pitchFamily="34" charset="-128"/>
-              </a:rPr>
-              <a:t>Pod</a:t>
-            </a:r>
-            <a:r>
-              <a:rPr lang="en-US" sz="1800" kern="0" dirty="0">
-                <a:ea typeface="Arial Unicode MS" pitchFamily="34" charset="-128"/>
-                <a:cs typeface="Arial Unicode MS" pitchFamily="34" charset="-128"/>
-              </a:rPr>
-              <a:t> B</a:t>
-            </a:r>
-            <a:endParaRPr kumimoji="0" lang="en-US" sz="1800" b="0" i="0" u="none" strike="noStrike" kern="0" cap="none" spc="0" normalizeH="0" baseline="0" noProof="0" dirty="0">
-              <a:ln>
-                <a:noFill/>
-              </a:ln>
-              <a:effectLst/>
-              <a:uLnTx/>
-              <a:uFillTx/>
-              <a:ea typeface="Arial Unicode MS" pitchFamily="34" charset="-128"/>
-              <a:cs typeface="Arial Unicode MS" pitchFamily="34" charset="-128"/>
-            </a:endParaRPr>
-          </a:p>
-        </p:txBody>
-      </p:sp>
-      <p:cxnSp>
-        <p:nvCxnSpPr>
-          <p:cNvPr id="16" name="Straight Arrow Connector 15"/>
-          <p:cNvCxnSpPr>
-            <a:stCxn id="7" idx="3"/>
-            <a:endCxn id="12" idx="1"/>
-          </p:cNvCxnSpPr>
-          <p:nvPr/>
-        </p:nvCxnSpPr>
-        <p:spPr>
-          <a:xfrm flipV="1">
-            <a:off x="4796990" y="3945735"/>
-            <a:ext cx="1827404" cy="599345"/>
-          </a:xfrm>
-          <a:prstGeom prst="straightConnector1">
-            <a:avLst/>
-          </a:prstGeom>
-          <a:ln w="38100">
-            <a:solidFill>
-              <a:schemeClr val="tx2">
-                <a:lumMod val="60000"/>
-                <a:lumOff val="40000"/>
-              </a:schemeClr>
-            </a:solidFill>
-            <a:headEnd type="none" w="med" len="med"/>
-            <a:tailEnd type="triangle"/>
-          </a:ln>
-        </p:spPr>
-        <p:style>
-          <a:lnRef idx="1">
-            <a:schemeClr val="accent1"/>
-          </a:lnRef>
-          <a:fillRef idx="0">
-            <a:schemeClr val="accent1"/>
-          </a:fillRef>
-          <a:effectRef idx="0">
-            <a:schemeClr val="accent1"/>
-          </a:effectRef>
-          <a:fontRef idx="minor">
-            <a:schemeClr val="tx1"/>
-          </a:fontRef>
-        </p:style>
-      </p:cxnSp>
-      <p:cxnSp>
-        <p:nvCxnSpPr>
-          <p:cNvPr id="17" name="Straight Arrow Connector 16"/>
-          <p:cNvCxnSpPr>
-            <a:stCxn id="7" idx="3"/>
-            <a:endCxn id="14" idx="1"/>
-          </p:cNvCxnSpPr>
-          <p:nvPr/>
-        </p:nvCxnSpPr>
-        <p:spPr>
-          <a:xfrm>
-            <a:off x="4796990" y="4545080"/>
-            <a:ext cx="1827404" cy="1336135"/>
-          </a:xfrm>
-          <a:prstGeom prst="straightConnector1">
-            <a:avLst/>
-          </a:prstGeom>
-          <a:ln w="38100">
-            <a:solidFill>
-              <a:schemeClr val="tx2">
-                <a:lumMod val="60000"/>
-                <a:lumOff val="40000"/>
-              </a:schemeClr>
-            </a:solidFill>
-            <a:headEnd type="none" w="med" len="med"/>
-            <a:tailEnd type="triangle"/>
-          </a:ln>
-        </p:spPr>
-        <p:style>
-          <a:lnRef idx="1">
-            <a:schemeClr val="accent1"/>
-          </a:lnRef>
-          <a:fillRef idx="0">
-            <a:schemeClr val="accent1"/>
-          </a:fillRef>
-          <a:effectRef idx="0">
-            <a:schemeClr val="accent1"/>
-          </a:effectRef>
-          <a:fontRef idx="minor">
-            <a:schemeClr val="tx1"/>
-          </a:fontRef>
-        </p:style>
-      </p:cxnSp>
-      <p:sp>
-        <p:nvSpPr>
-          <p:cNvPr id="22" name="Cylinder 21"/>
-          <p:cNvSpPr/>
-          <p:nvPr/>
-        </p:nvSpPr>
-        <p:spPr bwMode="gray">
-          <a:xfrm>
-            <a:off x="3481540" y="5500723"/>
-            <a:ext cx="1002967" cy="812920"/>
-          </a:xfrm>
-          <a:prstGeom prst="can">
-            <a:avLst/>
-          </a:prstGeom>
-          <a:ln>
-            <a:headEnd/>
-            <a:tailEnd/>
-          </a:ln>
-        </p:spPr>
-        <p:style>
-          <a:lnRef idx="2">
-            <a:schemeClr val="accent2"/>
-          </a:lnRef>
-          <a:fillRef idx="1">
-            <a:schemeClr val="lt1"/>
-          </a:fillRef>
-          <a:effectRef idx="0">
-            <a:schemeClr val="accent2"/>
-          </a:effectRef>
-          <a:fontRef idx="minor">
-            <a:schemeClr val="dk1"/>
-          </a:fontRef>
-        </p:style>
-        <p:txBody>
-          <a:bodyPr lIns="90000" tIns="72000" rIns="90000" bIns="72000" rtlCol="0" anchor="ctr"/>
-          <a:lstStyle/>
-          <a:p>
-            <a:pPr marR="0" algn="ctr" defTabSz="914400" eaLnBrk="1" fontAlgn="base" latinLnBrk="0" hangingPunct="1">
-              <a:lnSpc>
-                <a:spcPct val="100000"/>
-              </a:lnSpc>
-              <a:spcBef>
-                <a:spcPct val="50000"/>
-              </a:spcBef>
-              <a:spcAft>
-                <a:spcPct val="0"/>
-              </a:spcAft>
-              <a:buClr>
-                <a:srgbClr val="F0AB00"/>
-              </a:buClr>
-              <a:buSzPct val="80000"/>
-              <a:tabLst/>
-            </a:pPr>
-            <a:r>
-              <a:rPr lang="en-US" sz="1800" kern="0" dirty="0">
-                <a:ea typeface="Arial Unicode MS" pitchFamily="34" charset="-128"/>
-                <a:cs typeface="Arial Unicode MS" pitchFamily="34" charset="-128"/>
-              </a:rPr>
-              <a:t>secrets</a:t>
-            </a:r>
-            <a:endParaRPr kumimoji="0" lang="en-US" sz="1800" b="0" i="0" u="none" strike="noStrike" kern="0" cap="none" spc="0" normalizeH="0" baseline="0" noProof="0" dirty="0">
-              <a:ln>
-                <a:noFill/>
-              </a:ln>
-              <a:effectLst/>
-              <a:uLnTx/>
-              <a:uFillTx/>
-              <a:ea typeface="Arial Unicode MS" pitchFamily="34" charset="-128"/>
-              <a:cs typeface="Arial Unicode MS" pitchFamily="34" charset="-128"/>
-            </a:endParaRPr>
-          </a:p>
-        </p:txBody>
-      </p:sp>
-      <p:cxnSp>
-        <p:nvCxnSpPr>
-          <p:cNvPr id="24" name="Straight Arrow Connector 23"/>
-          <p:cNvCxnSpPr>
-            <a:stCxn id="22" idx="1"/>
-            <a:endCxn id="7" idx="2"/>
-          </p:cNvCxnSpPr>
-          <p:nvPr/>
-        </p:nvCxnSpPr>
-        <p:spPr>
-          <a:xfrm flipV="1">
-            <a:off x="3983024" y="5123209"/>
-            <a:ext cx="1" cy="377514"/>
-          </a:xfrm>
-          <a:prstGeom prst="straightConnector1">
-            <a:avLst/>
-          </a:prstGeom>
-          <a:ln w="38100">
-            <a:solidFill>
-              <a:schemeClr val="tx2">
-                <a:lumMod val="60000"/>
-                <a:lumOff val="40000"/>
-              </a:schemeClr>
-            </a:solidFill>
-            <a:headEnd type="none" w="med" len="med"/>
-            <a:tailEnd type="triangle"/>
-          </a:ln>
-        </p:spPr>
-        <p:style>
-          <a:lnRef idx="1">
-            <a:schemeClr val="accent1"/>
-          </a:lnRef>
-          <a:fillRef idx="0">
-            <a:schemeClr val="accent1"/>
-          </a:fillRef>
-          <a:effectRef idx="0">
-            <a:schemeClr val="accent1"/>
-          </a:effectRef>
-          <a:fontRef idx="minor">
-            <a:schemeClr val="tx1"/>
-          </a:fontRef>
-        </p:style>
-      </p:cxnSp>
-    </p:spTree>
-    <p:extLst>
-      <p:ext uri="{BB962C8B-B14F-4D97-AF65-F5344CB8AC3E}">
-        <p14:creationId xmlns:p14="http://schemas.microsoft.com/office/powerpoint/2010/main" val="864191870"/>
-      </p:ext>
-    </p:extLst>
-  </p:cSld>
-  <p:clrMapOvr>
-    <a:masterClrMapping/>
-  </p:clrMapOvr>
-</p:sld>
-</file>
-
-<file path=ppt/slides/slide20.xml><?xml version="1.0" encoding="utf-8"?>
+<file path=ppt/slides/slide22.xml><?xml version="1.0" encoding="utf-8"?>
 <p:sld xmlns:a="http://schemas.openxmlformats.org/drawingml/2006/main" xmlns:r="http://schemas.openxmlformats.org/officeDocument/2006/relationships" xmlns:p="http://schemas.openxmlformats.org/presentationml/2006/main">
   <p:cSld>
     <p:spTree>
@@ -30373,7 +31426,7 @@
 </p:sld>
 </file>
 
-<file path=ppt/slides/slide21.xml><?xml version="1.0" encoding="utf-8"?>
+<file path=ppt/slides/slide23.xml><?xml version="1.0" encoding="utf-8"?>
 <p:sld xmlns:a="http://schemas.openxmlformats.org/drawingml/2006/main" xmlns:r="http://schemas.openxmlformats.org/officeDocument/2006/relationships" xmlns:p="http://schemas.openxmlformats.org/presentationml/2006/main">
   <p:cSld>
     <p:spTree>
@@ -32017,7 +33070,7 @@
 </p:sld>
 </file>
 
-<file path=ppt/slides/slide22.xml><?xml version="1.0" encoding="utf-8"?>
+<file path=ppt/slides/slide24.xml><?xml version="1.0" encoding="utf-8"?>
 <p:sld xmlns:a="http://schemas.openxmlformats.org/drawingml/2006/main" xmlns:r="http://schemas.openxmlformats.org/officeDocument/2006/relationships" xmlns:p="http://schemas.openxmlformats.org/presentationml/2006/main" show="0">
   <p:cSld>
     <p:spTree>
@@ -32942,7 +33995,7 @@
 </file>
 
 <file path=ppt/slides/slide4.xml><?xml version="1.0" encoding="utf-8"?>
-<p:sld xmlns:a="http://schemas.openxmlformats.org/drawingml/2006/main" xmlns:r="http://schemas.openxmlformats.org/officeDocument/2006/relationships" xmlns:p="http://schemas.openxmlformats.org/presentationml/2006/main" show="0">
+<p:sld xmlns:a="http://schemas.openxmlformats.org/drawingml/2006/main" xmlns:r="http://schemas.openxmlformats.org/officeDocument/2006/relationships" xmlns:p="http://schemas.openxmlformats.org/presentationml/2006/main">
   <p:cSld>
     <p:spTree>
       <p:nvGrpSpPr>
@@ -32960,66 +34013,13 @@
       </p:grpSpPr>
       <p:sp>
         <p:nvSpPr>
-          <p:cNvPr id="4" name="Text Placeholder 3"/>
-          <p:cNvSpPr>
-            <a:spLocks noGrp="1"/>
-          </p:cNvSpPr>
-          <p:nvPr>
-            <p:ph type="body" sz="quarter" idx="10"/>
-          </p:nvPr>
-        </p:nvSpPr>
-        <p:spPr/>
-        <p:txBody>
-          <a:bodyPr/>
-          <a:lstStyle/>
-          <a:p>
-            <a:pPr marL="342900" indent="-342900">
-              <a:buFontTx/>
-              <a:buChar char="-"/>
-            </a:pPr>
-            <a:r>
-              <a:rPr lang="en-US" dirty="0"/>
-              <a:t>Show service accounts</a:t>
-            </a:r>
-          </a:p>
-          <a:p>
-            <a:pPr marL="342900" indent="-342900">
-              <a:buFontTx/>
-              <a:buChar char="-"/>
-            </a:pPr>
-            <a:r>
-              <a:rPr lang="en-US" dirty="0"/>
-              <a:t>Create a new service account &amp; show created token</a:t>
-            </a:r>
-          </a:p>
-          <a:p>
-            <a:pPr marL="342900" indent="-342900">
-              <a:buFontTx/>
-              <a:buChar char="-"/>
-            </a:pPr>
-            <a:r>
-              <a:rPr lang="en-US" dirty="0"/>
-              <a:t>Show </a:t>
-            </a:r>
-            <a:r>
-              <a:rPr lang="en-US" dirty="0" err="1"/>
-              <a:t>clusterroles</a:t>
-            </a:r>
-            <a:r>
-              <a:rPr lang="en-US" dirty="0"/>
-              <a:t> &amp; </a:t>
-            </a:r>
-            <a:r>
-              <a:rPr lang="en-US" dirty="0" err="1"/>
-              <a:t>rolebindings</a:t>
-            </a:r>
-            <a:endParaRPr lang="en-US" dirty="0"/>
-          </a:p>
-        </p:txBody>
-      </p:sp>
-      <p:sp>
-        <p:nvSpPr>
-          <p:cNvPr id="3" name="Title 2"/>
+          <p:cNvPr id="2" name="Title 1">
+            <a:extLst>
+              <a:ext uri="{FF2B5EF4-FFF2-40B4-BE49-F238E27FC236}">
+                <a16:creationId xmlns:a16="http://schemas.microsoft.com/office/drawing/2014/main" id="{2D4BD4BF-5C0E-4BE1-A99C-25DBDC85D9CD}"/>
+              </a:ext>
+            </a:extLst>
+          </p:cNvPr>
           <p:cNvSpPr>
             <a:spLocks noGrp="1"/>
           </p:cNvSpPr>
@@ -33039,10 +34039,40 @@
           </a:p>
         </p:txBody>
       </p:sp>
+      <p:pic>
+        <p:nvPicPr>
+          <p:cNvPr id="18" name="Picture 17">
+            <a:extLst>
+              <a:ext uri="{FF2B5EF4-FFF2-40B4-BE49-F238E27FC236}">
+                <a16:creationId xmlns:a16="http://schemas.microsoft.com/office/drawing/2014/main" id="{FC355B51-9D60-4DBB-9EF1-08294FF8959E}"/>
+              </a:ext>
+            </a:extLst>
+          </p:cNvPr>
+          <p:cNvPicPr>
+            <a:picLocks noChangeAspect="1"/>
+          </p:cNvPicPr>
+          <p:nvPr/>
+        </p:nvPicPr>
+        <p:blipFill>
+          <a:blip r:embed="rId3"/>
+          <a:stretch>
+            <a:fillRect/>
+          </a:stretch>
+        </p:blipFill>
+        <p:spPr>
+          <a:xfrm>
+            <a:off x="3849419" y="1181180"/>
+            <a:ext cx="4495640" cy="4495640"/>
+          </a:xfrm>
+          <a:prstGeom prst="rect">
+            <a:avLst/>
+          </a:prstGeom>
+        </p:spPr>
+      </p:pic>
     </p:spTree>
     <p:extLst>
       <p:ext uri="{BB962C8B-B14F-4D97-AF65-F5344CB8AC3E}">
-        <p14:creationId xmlns:p14="http://schemas.microsoft.com/office/powerpoint/2010/main" val="684979928"/>
+        <p14:creationId xmlns:p14="http://schemas.microsoft.com/office/powerpoint/2010/main" val="4183284502"/>
       </p:ext>
     </p:extLst>
   </p:cSld>

--- a/kubernetes/11_administration.pptx
+++ b/kubernetes/11_administration.pptx
@@ -2179,7 +2179,7 @@
         <p:spPr/>
         <p:txBody>
           <a:bodyPr>
-            <a:normAutofit fontScale="92500" lnSpcReduction="20000"/>
+            <a:normAutofit/>
           </a:bodyPr>
           <a:lstStyle/>
           <a:p>
@@ -3057,7 +3057,7 @@
         <p:spPr/>
         <p:txBody>
           <a:bodyPr>
-            <a:normAutofit/>
+            <a:normAutofit fontScale="92500" lnSpcReduction="20000"/>
           </a:bodyPr>
           <a:lstStyle/>
           <a:p>
@@ -3152,7 +3152,148 @@
             </a:pPr>
             <a:r>
               <a:rPr lang="en-US" dirty="0"/>
-              <a:t>Create a custom role and</a:t>
+              <a:t>Create a custom role:</a:t>
+            </a:r>
+          </a:p>
+          <a:p>
+            <a:pPr marL="465750" marR="0" lvl="1" indent="-285750" algn="l" defTabSz="1088776" rtl="0" eaLnBrk="1" fontAlgn="auto" latinLnBrk="0" hangingPunct="1">
+              <a:lnSpc>
+                <a:spcPct val="100000"/>
+              </a:lnSpc>
+              <a:spcBef>
+                <a:spcPts val="0"/>
+              </a:spcBef>
+              <a:spcAft>
+                <a:spcPts val="0"/>
+              </a:spcAft>
+              <a:buClr>
+                <a:schemeClr val="accent1"/>
+              </a:buClr>
+              <a:buSzPct val="100000"/>
+              <a:buFontTx/>
+              <a:buChar char="-"/>
+              <a:tabLst/>
+              <a:defRPr/>
+            </a:pPr>
+            <a:r>
+              <a:rPr lang="en-US" dirty="0"/>
+              <a:t>In the demo folder, have a look at 11a_rbac.yaml</a:t>
+            </a:r>
+          </a:p>
+          <a:p>
+            <a:pPr marL="645750" marR="0" lvl="2" indent="-285750" algn="l" defTabSz="1088776" rtl="0" eaLnBrk="1" fontAlgn="auto" latinLnBrk="0" hangingPunct="1">
+              <a:lnSpc>
+                <a:spcPct val="100000"/>
+              </a:lnSpc>
+              <a:spcBef>
+                <a:spcPts val="0"/>
+              </a:spcBef>
+              <a:spcAft>
+                <a:spcPts val="0"/>
+              </a:spcAft>
+              <a:buClr>
+                <a:schemeClr val="accent1"/>
+              </a:buClr>
+              <a:buSzPct val="100000"/>
+              <a:buFontTx/>
+              <a:buChar char="-"/>
+              <a:tabLst/>
+              <a:defRPr/>
+            </a:pPr>
+            <a:r>
+              <a:rPr lang="en-US" dirty="0"/>
+              <a:t>explain the access to the different API groups &amp; objects within</a:t>
+            </a:r>
+          </a:p>
+          <a:p>
+            <a:pPr marL="645750" marR="0" lvl="2" indent="-285750" algn="l" defTabSz="1088776" rtl="0" eaLnBrk="1" fontAlgn="auto" latinLnBrk="0" hangingPunct="1">
+              <a:lnSpc>
+                <a:spcPct val="100000"/>
+              </a:lnSpc>
+              <a:spcBef>
+                <a:spcPts val="0"/>
+              </a:spcBef>
+              <a:spcAft>
+                <a:spcPts val="0"/>
+              </a:spcAft>
+              <a:buClr>
+                <a:schemeClr val="accent1"/>
+              </a:buClr>
+              <a:buSzPct val="100000"/>
+              <a:buFontTx/>
+              <a:buChar char="-"/>
+              <a:tabLst/>
+              <a:defRPr/>
+            </a:pPr>
+            <a:r>
+              <a:rPr lang="en-US" dirty="0"/>
+              <a:t>The role "pod-master" gives you full access to pods, read access to </a:t>
+            </a:r>
+            <a:r>
+              <a:rPr lang="en-US" dirty="0" err="1"/>
+              <a:t>configmaps</a:t>
+            </a:r>
+            <a:r>
+              <a:rPr lang="en-US" dirty="0"/>
+              <a:t> and no access to anything else</a:t>
+            </a:r>
+          </a:p>
+          <a:p>
+            <a:pPr marL="645750" marR="0" lvl="2" indent="-285750" algn="l" defTabSz="1088776" rtl="0" eaLnBrk="1" fontAlgn="auto" latinLnBrk="0" hangingPunct="1">
+              <a:lnSpc>
+                <a:spcPct val="100000"/>
+              </a:lnSpc>
+              <a:spcBef>
+                <a:spcPts val="0"/>
+              </a:spcBef>
+              <a:spcAft>
+                <a:spcPts val="0"/>
+              </a:spcAft>
+              <a:buClr>
+                <a:schemeClr val="accent1"/>
+              </a:buClr>
+              <a:buSzPct val="100000"/>
+              <a:buFontTx/>
+              <a:buChar char="-"/>
+              <a:tabLst/>
+              <a:defRPr/>
+            </a:pPr>
+            <a:r>
+              <a:rPr lang="en-US" dirty="0"/>
+              <a:t>the YAML creates a service account "pod-master"</a:t>
+            </a:r>
+          </a:p>
+          <a:p>
+            <a:pPr marL="645750" marR="0" lvl="2" indent="-285750" algn="l" defTabSz="1088776" rtl="0" eaLnBrk="1" fontAlgn="auto" latinLnBrk="0" hangingPunct="1">
+              <a:lnSpc>
+                <a:spcPct val="100000"/>
+              </a:lnSpc>
+              <a:spcBef>
+                <a:spcPts val="0"/>
+              </a:spcBef>
+              <a:spcAft>
+                <a:spcPts val="0"/>
+              </a:spcAft>
+              <a:buClr>
+                <a:schemeClr val="accent1"/>
+              </a:buClr>
+              <a:buSzPct val="100000"/>
+              <a:buFontTx/>
+              <a:buChar char="-"/>
+              <a:tabLst/>
+              <a:defRPr/>
+            </a:pPr>
+            <a:r>
+              <a:rPr lang="en-US" dirty="0"/>
+              <a:t>The role gets bound to the service account by the </a:t>
+            </a:r>
+            <a:r>
+              <a:rPr lang="en-US" dirty="0" err="1"/>
+              <a:t>rolebinding</a:t>
+            </a:r>
+            <a:r>
+              <a:rPr lang="en-US" dirty="0"/>
+              <a:t> "pod-master"</a:t>
             </a:r>
           </a:p>
           <a:p>
@@ -3162,17 +3303,68 @@
             </a:pPr>
             <a:r>
               <a:rPr lang="en-US" dirty="0"/>
-              <a:t>explain the access to the different API groups &amp; objects within</a:t>
-            </a:r>
-          </a:p>
-          <a:p>
-            <a:pPr marL="465750" lvl="1" indent="-285750">
+              <a:t>In the demo folder, run the script 11b_rbac-demo-shell.sh</a:t>
+            </a:r>
+          </a:p>
+          <a:p>
+            <a:pPr marL="645750" lvl="2" indent="-285750">
               <a:buFontTx/>
               <a:buChar char="-"/>
             </a:pPr>
             <a:r>
               <a:rPr lang="en-US" dirty="0"/>
-              <a:t>explain the action that are allowed or prohibited</a:t>
+              <a:t>This script will start a new shell with a temporary </a:t>
+            </a:r>
+            <a:r>
+              <a:rPr lang="en-US" dirty="0" err="1"/>
+              <a:t>kube.config</a:t>
+            </a:r>
+            <a:r>
+              <a:rPr lang="en-US" dirty="0"/>
+              <a:t> that accesses the cluster as service account pod-master</a:t>
+            </a:r>
+          </a:p>
+          <a:p>
+            <a:pPr marL="645750" lvl="2" indent="-285750">
+              <a:buFontTx/>
+              <a:buChar char="-"/>
+            </a:pPr>
+            <a:r>
+              <a:rPr lang="en-US" dirty="0"/>
+              <a:t>In this shell, try to get the running pods and the </a:t>
+            </a:r>
+            <a:r>
+              <a:rPr lang="en-US" dirty="0" err="1"/>
+              <a:t>configmaps</a:t>
+            </a:r>
+            <a:endParaRPr lang="en-US" dirty="0"/>
+          </a:p>
+          <a:p>
+            <a:pPr marL="645750" lvl="2" indent="-285750">
+              <a:buFontTx/>
+              <a:buChar char="-"/>
+            </a:pPr>
+            <a:r>
+              <a:rPr lang="en-US" dirty="0"/>
+              <a:t>Try to get the secrets</a:t>
+            </a:r>
+          </a:p>
+          <a:p>
+            <a:pPr marL="645750" lvl="2" indent="-285750">
+              <a:buFontTx/>
+              <a:buChar char="-"/>
+            </a:pPr>
+            <a:r>
+              <a:rPr lang="en-US" dirty="0"/>
+              <a:t>Create the secret pod with "</a:t>
+            </a:r>
+            <a:r>
+              <a:rPr lang="en-US" dirty="0" err="1"/>
+              <a:t>kubectl</a:t>
+            </a:r>
+            <a:r>
+              <a:rPr lang="en-US" dirty="0"/>
+              <a:t> create –f 07d_demo_pod_with_secret.yaml" and have a look at its logs to show that secrets are still visible from within the pod although we do not have access to the secrets through the role (potential security leak)</a:t>
             </a:r>
           </a:p>
           <a:p>
@@ -3189,7 +3381,7 @@
             </a:pPr>
             <a:r>
               <a:rPr lang="en-US" dirty="0"/>
-              <a:t>create a role binding and use </a:t>
+              <a:t>Use the role binding "pod-master" and use </a:t>
             </a:r>
             <a:r>
               <a:rPr lang="en-US" dirty="0" err="1"/>
@@ -3214,16 +3406,6 @@
             <a:r>
               <a:rPr lang="en-US" dirty="0"/>
               <a:t> … to demo its function. </a:t>
-            </a:r>
-          </a:p>
-          <a:p>
-            <a:pPr marL="465750" lvl="1" indent="-285750">
-              <a:buFontTx/>
-              <a:buChar char="-"/>
-            </a:pPr>
-            <a:r>
-              <a:rPr lang="en-US" dirty="0"/>
-              <a:t>If you don’t have a role/binding at hand, refer to the default service account in the default namespace and query, if listing nodes is possible (which shouldn’t be the case)</a:t>
             </a:r>
           </a:p>
           <a:p>

--- a/kubernetes/11_administration.pptx
+++ b/kubernetes/11_administration.pptx
@@ -5,10 +5,10 @@
     <p:sldMasterId id="2147483733" r:id="rId1"/>
   </p:sldMasterIdLst>
   <p:notesMasterIdLst>
-    <p:notesMasterId r:id="rId26"/>
+    <p:notesMasterId r:id="rId27"/>
   </p:notesMasterIdLst>
   <p:handoutMasterIdLst>
-    <p:handoutMasterId r:id="rId27"/>
+    <p:handoutMasterId r:id="rId28"/>
   </p:handoutMasterIdLst>
   <p:sldIdLst>
     <p:sldId id="433" r:id="rId2"/>
@@ -20,21 +20,22 @@
     <p:sldId id="452" r:id="rId8"/>
     <p:sldId id="453" r:id="rId9"/>
     <p:sldId id="454" r:id="rId10"/>
-    <p:sldId id="459" r:id="rId11"/>
-    <p:sldId id="446" r:id="rId12"/>
-    <p:sldId id="467" r:id="rId13"/>
-    <p:sldId id="458" r:id="rId14"/>
-    <p:sldId id="445" r:id="rId15"/>
-    <p:sldId id="450" r:id="rId16"/>
-    <p:sldId id="462" r:id="rId17"/>
-    <p:sldId id="457" r:id="rId18"/>
-    <p:sldId id="456" r:id="rId19"/>
-    <p:sldId id="468" r:id="rId20"/>
-    <p:sldId id="449" r:id="rId21"/>
-    <p:sldId id="460" r:id="rId22"/>
-    <p:sldId id="461" r:id="rId23"/>
-    <p:sldId id="465" r:id="rId24"/>
-    <p:sldId id="265" r:id="rId25"/>
+    <p:sldId id="450" r:id="rId11"/>
+    <p:sldId id="462" r:id="rId12"/>
+    <p:sldId id="469" r:id="rId13"/>
+    <p:sldId id="471" r:id="rId14"/>
+    <p:sldId id="459" r:id="rId15"/>
+    <p:sldId id="446" r:id="rId16"/>
+    <p:sldId id="467" r:id="rId17"/>
+    <p:sldId id="458" r:id="rId18"/>
+    <p:sldId id="470" r:id="rId19"/>
+    <p:sldId id="457" r:id="rId20"/>
+    <p:sldId id="456" r:id="rId21"/>
+    <p:sldId id="468" r:id="rId22"/>
+    <p:sldId id="449" r:id="rId23"/>
+    <p:sldId id="460" r:id="rId24"/>
+    <p:sldId id="461" r:id="rId25"/>
+    <p:sldId id="265" r:id="rId26"/>
   </p:sldIdLst>
   <p:sldSz cx="12195175" cy="6858000"/>
   <p:notesSz cx="6858000" cy="9144000"/>
@@ -664,49 +665,53 @@
         </p:nvSpPr>
         <p:spPr/>
         <p:txBody>
-          <a:bodyPr>
-            <a:normAutofit/>
-          </a:bodyPr>
+          <a:bodyPr/>
           <a:lstStyle/>
           <a:p>
             <a:r>
-              <a:rPr lang="en-US" noProof="0" dirty="0"/>
-              <a:t>Network policies are </a:t>
-            </a:r>
-            <a:r>
-              <a:rPr lang="en-US" noProof="0" dirty="0" err="1"/>
-              <a:t>kubernetes</a:t>
-            </a:r>
-            <a:r>
-              <a:rPr lang="en-US" noProof="0" dirty="0"/>
-              <a:t> object just as pods. The need an overlay network that supports the enforcement of their rules, like Calico. </a:t>
-            </a:r>
-          </a:p>
-          <a:p>
-            <a:r>
-              <a:rPr lang="en-US" noProof="0" dirty="0"/>
-              <a:t>Basically they define rules for incoming (ingress) and outgoing (egress) traffic to pods. As filter rules you can set IP addresses or use labels. Filter actions are deny or allow.</a:t>
-            </a:r>
-          </a:p>
-          <a:p>
-            <a:endParaRPr lang="en-US" noProof="0" dirty="0"/>
-          </a:p>
-          <a:p>
-            <a:r>
-              <a:rPr lang="en-US" noProof="0" dirty="0"/>
-              <a:t>In the example above, let’s assume princess Peach is at her castle (pod). She has created a service in order to be callable, but only as long as her location = castle. That works quite well, only that Bowser keeps calling her all the time. So Peach decides to allow only calls from Mario and puts a network policy in place. The policy filters incoming calls when she has her “location: castle” label and allows only those to pass, that have a label “caller: </a:t>
-            </a:r>
-            <a:r>
-              <a:rPr lang="en-US" noProof="0" dirty="0" err="1"/>
-              <a:t>mario</a:t>
-            </a:r>
-            <a:r>
-              <a:rPr lang="en-US" noProof="0" dirty="0"/>
-              <a:t>” attached. As a result Bowser is no longer able to call her.</a:t>
-            </a:r>
-          </a:p>
-          <a:p>
-            <a:endParaRPr lang="en-US" noProof="0" dirty="0"/>
+              <a:rPr lang="en-US" dirty="0"/>
+              <a:t>There are multiple ways, to influence where pods are scheduled:</a:t>
+            </a:r>
+          </a:p>
+          <a:p>
+            <a:pPr marL="285750" indent="-285750">
+              <a:buFontTx/>
+              <a:buChar char="-"/>
+            </a:pPr>
+            <a:r>
+              <a:rPr lang="en-US" dirty="0"/>
+              <a:t>Taints &amp; tolerations: a node is tainted and only pods explicitly tolerating the taint will be scheduled</a:t>
+            </a:r>
+          </a:p>
+          <a:p>
+            <a:pPr marL="285750" indent="-285750">
+              <a:buFontTx/>
+              <a:buChar char="-"/>
+            </a:pPr>
+            <a:r>
+              <a:rPr lang="en-US" dirty="0"/>
+              <a:t>Node selector: specify a node “type” by label to assign a pod to certain node pool</a:t>
+            </a:r>
+          </a:p>
+          <a:p>
+            <a:pPr marL="285750" indent="-285750">
+              <a:buFontTx/>
+              <a:buChar char="-"/>
+            </a:pPr>
+            <a:r>
+              <a:rPr lang="en-US" dirty="0"/>
+              <a:t>Pod affinity: explicitly schedule a pod on a node where certain pod is already running</a:t>
+            </a:r>
+          </a:p>
+          <a:p>
+            <a:pPr marL="285750" indent="-285750">
+              <a:buFontTx/>
+              <a:buChar char="-"/>
+            </a:pPr>
+            <a:r>
+              <a:rPr lang="en-US" dirty="0"/>
+              <a:t>Pod anti-affinity: don’t schedule on a node, where a certain pod is already running</a:t>
+            </a:r>
           </a:p>
         </p:txBody>
       </p:sp>
@@ -726,18 +731,18 @@
           <a:lstStyle/>
           <a:p>
             <a:fld id="{7D8C2C35-2B8A-446E-BEC0-FD36716C29AC}" type="slidenum">
-              <a:rPr lang="en-US" smtClean="0"/>
+              <a:rPr lang="de-DE" smtClean="0"/>
               <a:pPr/>
               <a:t>10</a:t>
             </a:fld>
-            <a:endParaRPr lang="en-US" dirty="0"/>
+            <a:endParaRPr lang="de-DE" dirty="0"/>
           </a:p>
         </p:txBody>
       </p:sp>
     </p:spTree>
     <p:extLst>
       <p:ext uri="{BB962C8B-B14F-4D97-AF65-F5344CB8AC3E}">
-        <p14:creationId xmlns:p14="http://schemas.microsoft.com/office/powerpoint/2010/main" val="325304950"/>
+        <p14:creationId xmlns:p14="http://schemas.microsoft.com/office/powerpoint/2010/main" val="195966228"/>
       </p:ext>
     </p:extLst>
   </p:cSld>
@@ -791,248 +796,6 @@
           <a:bodyPr/>
           <a:lstStyle/>
           <a:p>
-            <a:r>
-              <a:rPr lang="en-US" noProof="0" dirty="0"/>
-              <a:t>Network policies are </a:t>
-            </a:r>
-            <a:r>
-              <a:rPr lang="en-US" noProof="0" dirty="0" err="1"/>
-              <a:t>kubernetes</a:t>
-            </a:r>
-            <a:r>
-              <a:rPr lang="en-US" noProof="0" dirty="0"/>
-              <a:t> object just as pods. The need an overlay network that supports the enforcement of their rules, like Calico. </a:t>
-            </a:r>
-          </a:p>
-          <a:p>
-            <a:r>
-              <a:rPr lang="en-US" noProof="0" dirty="0"/>
-              <a:t>Basically they define rules for incoming (ingress) and outgoing (egress) traffic to pods. As filter rules you can set IP addresses or use labels. Filter actions are deny or allow.</a:t>
-            </a:r>
-          </a:p>
-          <a:p>
-            <a:r>
-              <a:rPr lang="en-US" noProof="0" dirty="0"/>
-              <a:t>In the example above, the network policy is enforced for access to “Pod A”, determined by its label and the corresponding selector.</a:t>
-            </a:r>
-          </a:p>
-          <a:p>
-            <a:r>
-              <a:rPr lang="en-US" noProof="0" dirty="0"/>
-              <a:t>Pod B is allowed to access pod A since it has the correct label. Traffic from pod M will be blocked.</a:t>
-            </a:r>
-          </a:p>
-          <a:p>
-            <a:r>
-              <a:rPr lang="de-DE" dirty="0"/>
-              <a:t>Demo:</a:t>
-            </a:r>
-          </a:p>
-          <a:p>
-            <a:r>
-              <a:rPr lang="de-DE" dirty="0" err="1"/>
-              <a:t>kubectl</a:t>
-            </a:r>
-            <a:r>
-              <a:rPr lang="de-DE" dirty="0"/>
-              <a:t> </a:t>
-            </a:r>
-            <a:r>
-              <a:rPr lang="de-DE" dirty="0" err="1"/>
-              <a:t>run</a:t>
-            </a:r>
-            <a:r>
-              <a:rPr lang="de-DE" dirty="0"/>
-              <a:t> </a:t>
-            </a:r>
-            <a:r>
-              <a:rPr lang="de-DE" dirty="0" err="1"/>
-              <a:t>nginx</a:t>
-            </a:r>
-            <a:r>
-              <a:rPr lang="de-DE" dirty="0"/>
-              <a:t> --image</a:t>
-            </a:r>
-            <a:r>
-              <a:rPr lang="de-DE" b="1" dirty="0"/>
-              <a:t>=</a:t>
-            </a:r>
-            <a:r>
-              <a:rPr lang="de-DE" dirty="0" err="1"/>
-              <a:t>nginx</a:t>
-            </a:r>
-            <a:r>
-              <a:rPr lang="de-DE" dirty="0"/>
-              <a:t> --</a:t>
-            </a:r>
-            <a:r>
-              <a:rPr lang="de-DE" dirty="0" err="1"/>
-              <a:t>replicas</a:t>
-            </a:r>
-            <a:r>
-              <a:rPr lang="de-DE" b="1" dirty="0"/>
-              <a:t>=</a:t>
-            </a:r>
-            <a:r>
-              <a:rPr lang="de-DE" dirty="0"/>
-              <a:t>2 </a:t>
-            </a:r>
-          </a:p>
-          <a:p>
-            <a:r>
-              <a:rPr lang="de-DE" dirty="0" err="1"/>
-              <a:t>kubectl</a:t>
-            </a:r>
-            <a:r>
-              <a:rPr lang="de-DE" dirty="0"/>
-              <a:t> </a:t>
-            </a:r>
-            <a:r>
-              <a:rPr lang="de-DE" dirty="0" err="1"/>
-              <a:t>expose</a:t>
-            </a:r>
-            <a:r>
-              <a:rPr lang="de-DE" dirty="0"/>
-              <a:t> </a:t>
-            </a:r>
-            <a:r>
-              <a:rPr lang="de-DE" dirty="0" err="1"/>
-              <a:t>deployment</a:t>
-            </a:r>
-            <a:r>
-              <a:rPr lang="de-DE" dirty="0"/>
-              <a:t> </a:t>
-            </a:r>
-            <a:r>
-              <a:rPr lang="de-DE" dirty="0" err="1"/>
-              <a:t>nginx</a:t>
-            </a:r>
-            <a:r>
-              <a:rPr lang="de-DE" dirty="0"/>
-              <a:t> --</a:t>
-            </a:r>
-            <a:r>
-              <a:rPr lang="de-DE" dirty="0" err="1"/>
-              <a:t>port</a:t>
-            </a:r>
-            <a:r>
-              <a:rPr lang="de-DE" b="1" dirty="0"/>
-              <a:t>=</a:t>
-            </a:r>
-            <a:r>
-              <a:rPr lang="de-DE" dirty="0"/>
-              <a:t>80</a:t>
-            </a:r>
-          </a:p>
-          <a:p>
-            <a:r>
-              <a:rPr lang="de-DE" dirty="0" err="1"/>
-              <a:t>kubectl</a:t>
-            </a:r>
-            <a:r>
-              <a:rPr lang="de-DE" dirty="0"/>
-              <a:t> </a:t>
-            </a:r>
-            <a:r>
-              <a:rPr lang="de-DE" dirty="0" err="1"/>
-              <a:t>run</a:t>
-            </a:r>
-            <a:r>
-              <a:rPr lang="de-DE" dirty="0"/>
-              <a:t> </a:t>
-            </a:r>
-            <a:r>
-              <a:rPr lang="de-DE" dirty="0" err="1"/>
-              <a:t>busybox</a:t>
-            </a:r>
-            <a:r>
-              <a:rPr lang="de-DE" dirty="0"/>
-              <a:t> --</a:t>
-            </a:r>
-            <a:r>
-              <a:rPr lang="de-DE" dirty="0" err="1"/>
-              <a:t>rm</a:t>
-            </a:r>
-            <a:r>
-              <a:rPr lang="de-DE" dirty="0"/>
-              <a:t> -</a:t>
-            </a:r>
-            <a:r>
-              <a:rPr lang="de-DE" dirty="0" err="1"/>
-              <a:t>ti</a:t>
-            </a:r>
-            <a:r>
-              <a:rPr lang="de-DE" dirty="0"/>
-              <a:t> --image</a:t>
-            </a:r>
-            <a:r>
-              <a:rPr lang="de-DE" b="1" dirty="0"/>
-              <a:t>=</a:t>
-            </a:r>
-            <a:r>
-              <a:rPr lang="de-DE" dirty="0" err="1"/>
-              <a:t>busybox</a:t>
-            </a:r>
-            <a:r>
-              <a:rPr lang="de-DE" dirty="0"/>
-              <a:t> /bin/sh</a:t>
-            </a:r>
-          </a:p>
-          <a:p>
-            <a:r>
-              <a:rPr lang="de-DE" dirty="0"/>
-              <a:t> # </a:t>
-            </a:r>
-            <a:r>
-              <a:rPr lang="de-DE" dirty="0" err="1"/>
-              <a:t>wget</a:t>
-            </a:r>
-            <a:r>
-              <a:rPr lang="de-DE" dirty="0"/>
-              <a:t> --spider --timeout=1 </a:t>
-            </a:r>
-            <a:r>
-              <a:rPr lang="de-DE" dirty="0" err="1"/>
-              <a:t>nginx</a:t>
-            </a:r>
-            <a:endParaRPr lang="en-US" dirty="0"/>
-          </a:p>
-          <a:p>
-            <a:r>
-              <a:rPr lang="en-US" dirty="0" err="1"/>
-              <a:t>Kubectl</a:t>
-            </a:r>
-            <a:r>
-              <a:rPr lang="en-US" dirty="0"/>
-              <a:t> create –f network-</a:t>
-            </a:r>
-            <a:r>
-              <a:rPr lang="en-US" dirty="0" err="1"/>
-              <a:t>policy.yaml</a:t>
-            </a:r>
-            <a:endParaRPr lang="en-US" dirty="0"/>
-          </a:p>
-          <a:p>
-            <a:r>
-              <a:rPr lang="en-US" dirty="0" err="1"/>
-              <a:t>Kubectl</a:t>
-            </a:r>
-            <a:r>
-              <a:rPr lang="en-US" dirty="0"/>
-              <a:t> run ..</a:t>
-            </a:r>
-          </a:p>
-          <a:p>
-            <a:r>
-              <a:rPr lang="en-US" dirty="0" err="1"/>
-              <a:t>Kubectl</a:t>
-            </a:r>
-            <a:r>
-              <a:rPr lang="en-US" dirty="0"/>
-              <a:t> run … -l access=true</a:t>
-            </a:r>
-          </a:p>
-          <a:p>
             <a:endParaRPr lang="en-US" dirty="0"/>
           </a:p>
         </p:txBody>
@@ -1055,7 +818,7 @@
             <a:fld id="{7D8C2C35-2B8A-446E-BEC0-FD36716C29AC}" type="slidenum">
               <a:rPr lang="en-US" smtClean="0"/>
               <a:pPr/>
-              <a:t>11</a:t>
+              <a:t>12</a:t>
             </a:fld>
             <a:endParaRPr lang="en-US" dirty="0"/>
           </a:p>
@@ -1064,7 +827,7 @@
     </p:spTree>
     <p:extLst>
       <p:ext uri="{BB962C8B-B14F-4D97-AF65-F5344CB8AC3E}">
-        <p14:creationId xmlns:p14="http://schemas.microsoft.com/office/powerpoint/2010/main" val="3747275599"/>
+        <p14:creationId xmlns:p14="http://schemas.microsoft.com/office/powerpoint/2010/main" val="2873814892"/>
       </p:ext>
     </p:extLst>
   </p:cSld>
@@ -1115,579 +878,45 @@
         </p:nvSpPr>
         <p:spPr/>
         <p:txBody>
-          <a:bodyPr>
-            <a:normAutofit fontScale="92500" lnSpcReduction="20000"/>
-          </a:bodyPr>
+          <a:bodyPr/>
           <a:lstStyle/>
           <a:p>
             <a:r>
-              <a:rPr lang="de-DE" dirty="0"/>
-              <a:t>Demo:</a:t>
-            </a:r>
-          </a:p>
-          <a:p>
-            <a:pPr marL="285750" indent="-285750">
-              <a:buFont typeface="Symbol" panose="05050102010706020507" pitchFamily="18" charset="2"/>
-              <a:buChar char="-"/>
-            </a:pPr>
-            <a:r>
-              <a:rPr lang="de-DE" dirty="0"/>
-              <a:t>Create a </a:t>
-            </a:r>
-            <a:r>
-              <a:rPr lang="de-DE" dirty="0" err="1"/>
-              <a:t>deployment</a:t>
-            </a:r>
-            <a:r>
-              <a:rPr lang="de-DE" dirty="0"/>
-              <a:t> &amp; a </a:t>
-            </a:r>
-            <a:r>
-              <a:rPr lang="de-DE" dirty="0" err="1"/>
-              <a:t>corresponding</a:t>
-            </a:r>
-            <a:r>
-              <a:rPr lang="de-DE" dirty="0"/>
-              <a:t> </a:t>
-            </a:r>
-            <a:r>
-              <a:rPr lang="de-DE" dirty="0" err="1"/>
-              <a:t>service</a:t>
-            </a:r>
-            <a:r>
-              <a:rPr lang="de-DE" dirty="0"/>
-              <a:t> (</a:t>
-            </a:r>
-            <a:r>
-              <a:rPr lang="de-DE" dirty="0" err="1"/>
-              <a:t>if</a:t>
-            </a:r>
-            <a:r>
-              <a:rPr lang="de-DE" dirty="0"/>
-              <a:t> not </a:t>
-            </a:r>
-            <a:r>
-              <a:rPr lang="de-DE" dirty="0" err="1"/>
-              <a:t>yet</a:t>
-            </a:r>
-            <a:r>
-              <a:rPr lang="de-DE" dirty="0"/>
-              <a:t> </a:t>
-            </a:r>
-            <a:r>
-              <a:rPr lang="de-DE" dirty="0" err="1"/>
-              <a:t>done</a:t>
-            </a:r>
-            <a:r>
-              <a:rPr lang="de-DE" dirty="0"/>
-              <a:t>)</a:t>
-            </a:r>
-          </a:p>
-          <a:p>
-            <a:pPr marL="465750" lvl="1" indent="-285750">
-              <a:buFont typeface="Symbol" panose="05050102010706020507" pitchFamily="18" charset="2"/>
-              <a:buChar char="-"/>
-            </a:pPr>
-            <a:r>
-              <a:rPr lang="de-DE" dirty="0" err="1"/>
-              <a:t>kubectl</a:t>
-            </a:r>
-            <a:r>
-              <a:rPr lang="de-DE" dirty="0"/>
-              <a:t> </a:t>
-            </a:r>
-            <a:r>
-              <a:rPr lang="de-DE" dirty="0" err="1"/>
-              <a:t>run</a:t>
-            </a:r>
-            <a:r>
-              <a:rPr lang="de-DE" dirty="0"/>
-              <a:t> </a:t>
-            </a:r>
-            <a:r>
-              <a:rPr lang="de-DE" dirty="0" err="1"/>
-              <a:t>nginx</a:t>
-            </a:r>
-            <a:r>
-              <a:rPr lang="de-DE" dirty="0"/>
-              <a:t> --image</a:t>
-            </a:r>
-            <a:r>
-              <a:rPr lang="de-DE" b="1" dirty="0"/>
-              <a:t>=</a:t>
-            </a:r>
-            <a:r>
-              <a:rPr lang="de-DE" dirty="0" err="1"/>
-              <a:t>nginx</a:t>
-            </a:r>
-            <a:r>
-              <a:rPr lang="de-DE" dirty="0"/>
-              <a:t> --</a:t>
-            </a:r>
-            <a:r>
-              <a:rPr lang="de-DE" dirty="0" err="1"/>
-              <a:t>replicas</a:t>
-            </a:r>
-            <a:r>
-              <a:rPr lang="de-DE" b="1" dirty="0"/>
-              <a:t>=</a:t>
-            </a:r>
-            <a:r>
-              <a:rPr lang="de-DE" dirty="0"/>
-              <a:t>2 </a:t>
-            </a:r>
-          </a:p>
-          <a:p>
-            <a:pPr marL="465750" lvl="1" indent="-285750">
-              <a:buFont typeface="Symbol" panose="05050102010706020507" pitchFamily="18" charset="2"/>
-              <a:buChar char="-"/>
-            </a:pPr>
-            <a:r>
-              <a:rPr lang="de-DE" dirty="0" err="1"/>
-              <a:t>kubectl</a:t>
-            </a:r>
-            <a:r>
-              <a:rPr lang="de-DE" dirty="0"/>
-              <a:t> </a:t>
-            </a:r>
-            <a:r>
-              <a:rPr lang="de-DE" dirty="0" err="1"/>
-              <a:t>expose</a:t>
-            </a:r>
-            <a:r>
-              <a:rPr lang="de-DE" dirty="0"/>
-              <a:t> </a:t>
-            </a:r>
-            <a:r>
-              <a:rPr lang="de-DE" dirty="0" err="1"/>
-              <a:t>deployment</a:t>
-            </a:r>
-            <a:r>
-              <a:rPr lang="de-DE" dirty="0"/>
-              <a:t> </a:t>
-            </a:r>
-            <a:r>
-              <a:rPr lang="de-DE" dirty="0" err="1"/>
-              <a:t>nginx</a:t>
-            </a:r>
-            <a:r>
-              <a:rPr lang="de-DE" dirty="0"/>
-              <a:t> --</a:t>
-            </a:r>
-            <a:r>
-              <a:rPr lang="de-DE" dirty="0" err="1"/>
-              <a:t>port</a:t>
-            </a:r>
-            <a:r>
-              <a:rPr lang="de-DE" b="1" dirty="0"/>
-              <a:t>=</a:t>
-            </a:r>
-            <a:r>
-              <a:rPr lang="de-DE" dirty="0"/>
-              <a:t>80</a:t>
-            </a:r>
-          </a:p>
-          <a:p>
-            <a:pPr marL="285750" indent="-285750">
-              <a:buFont typeface="Symbol" panose="05050102010706020507" pitchFamily="18" charset="2"/>
-              <a:buChar char="-"/>
-            </a:pPr>
-            <a:endParaRPr lang="de-DE" dirty="0"/>
-          </a:p>
-          <a:p>
-            <a:pPr marL="285750" indent="-285750">
-              <a:buFont typeface="Symbol" panose="05050102010706020507" pitchFamily="18" charset="2"/>
-              <a:buChar char="-"/>
-            </a:pPr>
-            <a:r>
-              <a:rPr lang="de-DE" dirty="0"/>
-              <a:t>Create a </a:t>
-            </a:r>
-            <a:r>
-              <a:rPr lang="de-DE" dirty="0" err="1"/>
-              <a:t>helper</a:t>
-            </a:r>
-            <a:r>
-              <a:rPr lang="de-DE" dirty="0"/>
-              <a:t> </a:t>
-            </a:r>
-            <a:r>
-              <a:rPr lang="de-DE" dirty="0" err="1"/>
-              <a:t>pod</a:t>
-            </a:r>
-            <a:r>
-              <a:rPr lang="de-DE" dirty="0"/>
-              <a:t>, </a:t>
-            </a:r>
-            <a:r>
-              <a:rPr lang="de-DE" dirty="0" err="1"/>
-              <a:t>logon</a:t>
-            </a:r>
-            <a:r>
-              <a:rPr lang="de-DE" dirty="0"/>
-              <a:t> </a:t>
-            </a:r>
-            <a:r>
-              <a:rPr lang="de-DE" dirty="0" err="1"/>
-              <a:t>to</a:t>
-            </a:r>
-            <a:r>
-              <a:rPr lang="de-DE" dirty="0"/>
-              <a:t> </a:t>
-            </a:r>
-            <a:r>
-              <a:rPr lang="de-DE" dirty="0" err="1"/>
-              <a:t>it</a:t>
-            </a:r>
-            <a:r>
-              <a:rPr lang="de-DE" dirty="0"/>
-              <a:t> and </a:t>
-            </a:r>
-            <a:r>
-              <a:rPr lang="de-DE" dirty="0" err="1"/>
-              <a:t>get</a:t>
-            </a:r>
-            <a:r>
-              <a:rPr lang="de-DE" dirty="0"/>
-              <a:t> </a:t>
-            </a:r>
-            <a:r>
-              <a:rPr lang="de-DE" dirty="0" err="1"/>
-              <a:t>the</a:t>
-            </a:r>
-            <a:r>
-              <a:rPr lang="de-DE" dirty="0"/>
-              <a:t> index.html </a:t>
-            </a:r>
-            <a:r>
-              <a:rPr lang="de-DE" dirty="0" err="1"/>
-              <a:t>page</a:t>
-            </a:r>
-            <a:r>
-              <a:rPr lang="de-DE" dirty="0"/>
-              <a:t> </a:t>
-            </a:r>
-            <a:r>
-              <a:rPr lang="de-DE" dirty="0" err="1"/>
-              <a:t>from</a:t>
-            </a:r>
-            <a:r>
-              <a:rPr lang="de-DE" dirty="0"/>
-              <a:t> </a:t>
-            </a:r>
-            <a:r>
-              <a:rPr lang="de-DE" dirty="0" err="1"/>
-              <a:t>the</a:t>
-            </a:r>
-            <a:r>
-              <a:rPr lang="de-DE" dirty="0"/>
-              <a:t> </a:t>
-            </a:r>
-            <a:r>
-              <a:rPr lang="de-DE" dirty="0" err="1"/>
-              <a:t>nginx</a:t>
-            </a:r>
-            <a:r>
-              <a:rPr lang="de-DE" dirty="0"/>
-              <a:t> backend.</a:t>
-            </a:r>
-          </a:p>
-          <a:p>
-            <a:pPr marL="465750" lvl="1" indent="-285750">
-              <a:buFont typeface="Symbol" panose="05050102010706020507" pitchFamily="18" charset="2"/>
-              <a:buChar char="-"/>
-            </a:pPr>
-            <a:r>
-              <a:rPr lang="de-DE" dirty="0" err="1"/>
-              <a:t>kubectl</a:t>
-            </a:r>
-            <a:r>
-              <a:rPr lang="de-DE" dirty="0"/>
-              <a:t> </a:t>
-            </a:r>
-            <a:r>
-              <a:rPr lang="de-DE" dirty="0" err="1"/>
-              <a:t>run</a:t>
-            </a:r>
-            <a:r>
-              <a:rPr lang="de-DE" dirty="0"/>
-              <a:t> </a:t>
-            </a:r>
-            <a:r>
-              <a:rPr lang="de-DE" dirty="0" err="1"/>
-              <a:t>connector</a:t>
-            </a:r>
-            <a:r>
-              <a:rPr lang="de-DE" dirty="0"/>
-              <a:t> --</a:t>
-            </a:r>
-            <a:r>
-              <a:rPr lang="de-DE" dirty="0" err="1"/>
-              <a:t>rm</a:t>
-            </a:r>
-            <a:r>
-              <a:rPr lang="de-DE" dirty="0"/>
-              <a:t> -</a:t>
-            </a:r>
-            <a:r>
-              <a:rPr lang="de-DE" dirty="0" err="1"/>
-              <a:t>ti</a:t>
-            </a:r>
-            <a:r>
-              <a:rPr lang="de-DE" dirty="0"/>
-              <a:t> --</a:t>
-            </a:r>
-            <a:r>
-              <a:rPr lang="de-DE" dirty="0" err="1"/>
-              <a:t>restart</a:t>
-            </a:r>
-            <a:r>
-              <a:rPr lang="de-DE" dirty="0"/>
-              <a:t>=Never --image</a:t>
-            </a:r>
-            <a:r>
-              <a:rPr lang="de-DE" b="1" dirty="0"/>
-              <a:t>=</a:t>
-            </a:r>
-            <a:r>
-              <a:rPr lang="de-DE" dirty="0"/>
-              <a:t>alpine:3.8</a:t>
-            </a:r>
-          </a:p>
-          <a:p>
-            <a:pPr marL="465750" lvl="1" indent="-285750">
-              <a:buFont typeface="Symbol" panose="05050102010706020507" pitchFamily="18" charset="2"/>
-              <a:buChar char="-"/>
-            </a:pPr>
-            <a:r>
-              <a:rPr lang="de-DE" dirty="0"/>
-              <a:t># </a:t>
-            </a:r>
-            <a:r>
-              <a:rPr lang="de-DE" dirty="0" err="1"/>
-              <a:t>wget</a:t>
-            </a:r>
-            <a:r>
-              <a:rPr lang="de-DE" dirty="0"/>
-              <a:t> --timeout=1 </a:t>
-            </a:r>
-            <a:r>
-              <a:rPr lang="de-DE" dirty="0" err="1"/>
-              <a:t>nginx</a:t>
-            </a:r>
-            <a:endParaRPr lang="de-DE" dirty="0"/>
-          </a:p>
-          <a:p>
-            <a:pPr marL="465750" lvl="1" indent="-285750">
-              <a:buFont typeface="Symbol" panose="05050102010706020507" pitchFamily="18" charset="2"/>
-              <a:buChar char="-"/>
-            </a:pPr>
-            <a:r>
               <a:rPr lang="en-US" dirty="0"/>
-              <a:t>Remove the index.html page &amp; stay connected to the shell session</a:t>
-            </a:r>
-          </a:p>
-          <a:p>
-            <a:pPr marL="285750" indent="-285750">
-              <a:buFont typeface="Symbol" panose="05050102010706020507" pitchFamily="18" charset="2"/>
-              <a:buChar char="-"/>
-            </a:pPr>
+              <a:t>Resource Quota and </a:t>
+            </a:r>
+            <a:r>
+              <a:rPr lang="en-US" dirty="0" err="1"/>
+              <a:t>LimitRanges</a:t>
+            </a:r>
+            <a:r>
+              <a:rPr lang="en-US" dirty="0"/>
+              <a:t> can be used to control requested as well as actual resource consumption + # of k8s objects per namespace. Example: if the memory quota per pod is 200 MB and you want to start, let’s say a Jenkins which would require more – the application will not be able to start before being killed for exceeding the memory limit.</a:t>
+            </a:r>
+          </a:p>
+          <a:p>
             <a:endParaRPr lang="en-US" dirty="0"/>
           </a:p>
           <a:p>
-            <a:pPr marL="285750" indent="-285750">
-              <a:buFont typeface="Symbol" panose="05050102010706020507" pitchFamily="18" charset="2"/>
-              <a:buChar char="-"/>
-            </a:pPr>
             <a:r>
               <a:rPr lang="en-US" dirty="0"/>
-              <a:t>Create the network policy in a 2</a:t>
-            </a:r>
-            <a:r>
-              <a:rPr lang="en-US" baseline="30000" dirty="0"/>
-              <a:t>nd</a:t>
+              <a:t>Network policies control traffic within the cluster – details on next slide.</a:t>
+            </a:r>
+          </a:p>
+          <a:p>
+            <a:endParaRPr lang="en-US" dirty="0"/>
+          </a:p>
+          <a:p>
+            <a:r>
+              <a:rPr lang="en-US" dirty="0" err="1"/>
+              <a:t>PodSecurityPolicies</a:t>
             </a:r>
             <a:r>
               <a:rPr lang="en-US" dirty="0"/>
-              <a:t> shell:</a:t>
-            </a:r>
-          </a:p>
-          <a:p>
-            <a:pPr marL="465750" lvl="1" indent="-285750">
-              <a:buFont typeface="Symbol" panose="05050102010706020507" pitchFamily="18" charset="2"/>
-              <a:buChar char="-"/>
-            </a:pPr>
-            <a:r>
-              <a:rPr lang="en-US" dirty="0" err="1"/>
-              <a:t>kubectl</a:t>
-            </a:r>
-            <a:r>
-              <a:rPr lang="en-US" dirty="0"/>
-              <a:t> create –f network-</a:t>
-            </a:r>
-            <a:r>
-              <a:rPr lang="en-US" dirty="0" err="1"/>
-              <a:t>policy.yaml</a:t>
-            </a:r>
-            <a:endParaRPr lang="en-US" dirty="0"/>
-          </a:p>
-          <a:p>
-            <a:pPr marL="465750" lvl="1" indent="-285750">
-              <a:buFont typeface="Symbol" panose="05050102010706020507" pitchFamily="18" charset="2"/>
-              <a:buChar char="-"/>
-            </a:pPr>
-            <a:r>
-              <a:rPr lang="en-US" dirty="0"/>
-              <a:t>Show the network policy definition and explain:</a:t>
-            </a:r>
-          </a:p>
-          <a:p>
-            <a:pPr marL="645750" lvl="2" indent="-285750">
-              <a:buFont typeface="Symbol" panose="05050102010706020507" pitchFamily="18" charset="2"/>
-              <a:buChar char="-"/>
-            </a:pPr>
-            <a:r>
-              <a:rPr lang="en-US" dirty="0"/>
-              <a:t>it’s implicitly a whitelisting</a:t>
-            </a:r>
-          </a:p>
-          <a:p>
-            <a:pPr marL="645750" lvl="2" indent="-285750">
-              <a:buFont typeface="Symbol" panose="05050102010706020507" pitchFamily="18" charset="2"/>
-              <a:buChar char="-"/>
-            </a:pPr>
-            <a:r>
-              <a:rPr lang="en-US" dirty="0"/>
-              <a:t>network policy can handle egress and ingress traffic. However the example is only of incoming (ingress) traffic.</a:t>
-            </a:r>
-          </a:p>
-          <a:p>
-            <a:pPr marL="645750" lvl="2" indent="-285750">
-              <a:buFont typeface="Symbol" panose="05050102010706020507" pitchFamily="18" charset="2"/>
-              <a:buChar char="-"/>
-            </a:pPr>
-            <a:r>
-              <a:rPr lang="en-US" dirty="0"/>
-              <a:t>The </a:t>
-            </a:r>
-            <a:r>
-              <a:rPr lang="en-US" dirty="0" err="1"/>
-              <a:t>cidr</a:t>
-            </a:r>
-            <a:r>
-              <a:rPr lang="en-US" dirty="0"/>
-              <a:t> block are required, if you want to access your service later from SAP networks. Otherwise all requested without the label (i.e. not cluster internal) will be blocked too.</a:t>
-            </a:r>
-          </a:p>
-          <a:p>
-            <a:pPr marL="465750" lvl="1" indent="-285750">
-              <a:buFont typeface="Symbol" panose="05050102010706020507" pitchFamily="18" charset="2"/>
-              <a:buChar char="-"/>
-            </a:pPr>
-            <a:endParaRPr lang="en-US" dirty="0"/>
-          </a:p>
-          <a:p>
-            <a:pPr marL="285750" indent="-285750">
-              <a:buFont typeface="Symbol" panose="05050102010706020507" pitchFamily="18" charset="2"/>
-              <a:buChar char="-"/>
-            </a:pPr>
-            <a:r>
-              <a:rPr lang="en-US" dirty="0"/>
-              <a:t>Switch back to the helper pod and re-run the </a:t>
-            </a:r>
-            <a:r>
-              <a:rPr lang="en-US" dirty="0" err="1"/>
-              <a:t>wget</a:t>
-            </a:r>
-            <a:r>
-              <a:rPr lang="en-US" dirty="0"/>
-              <a:t> command </a:t>
-            </a:r>
-            <a:r>
-              <a:rPr lang="en-US" dirty="0">
-                <a:sym typeface="Wingdings" panose="05000000000000000000" pitchFamily="2" charset="2"/>
-              </a:rPr>
-              <a:t> expected result: failure due to the missing label</a:t>
-            </a:r>
-            <a:endParaRPr lang="en-US" dirty="0"/>
-          </a:p>
-          <a:p>
-            <a:pPr marL="285750" indent="-285750">
-              <a:buFont typeface="Symbol" panose="05050102010706020507" pitchFamily="18" charset="2"/>
-              <a:buChar char="-"/>
-            </a:pPr>
-            <a:r>
-              <a:rPr lang="en-US" dirty="0"/>
-              <a:t>Label you helper pod accordingly (can be done from the 2</a:t>
-            </a:r>
-            <a:r>
-              <a:rPr lang="en-US" baseline="30000" dirty="0"/>
-              <a:t>nd</a:t>
-            </a:r>
-            <a:r>
-              <a:rPr lang="en-US" dirty="0"/>
-              <a:t> shell session, so stay connected to your helper pod)</a:t>
-            </a:r>
-          </a:p>
-          <a:p>
-            <a:pPr marL="465750" lvl="1" indent="-285750">
-              <a:buFont typeface="Symbol" panose="05050102010706020507" pitchFamily="18" charset="2"/>
-              <a:buChar char="-"/>
-            </a:pPr>
-            <a:r>
-              <a:rPr lang="en-US" dirty="0" err="1"/>
-              <a:t>kubectl</a:t>
-            </a:r>
-            <a:r>
-              <a:rPr lang="en-US" dirty="0"/>
-              <a:t> label pod connector access=true</a:t>
-            </a:r>
-          </a:p>
-          <a:p>
-            <a:pPr marL="285750" lvl="0" indent="-285750">
-              <a:buFont typeface="Symbol" panose="05050102010706020507" pitchFamily="18" charset="2"/>
-              <a:buChar char="-"/>
-            </a:pPr>
-            <a:endParaRPr lang="en-US" dirty="0"/>
-          </a:p>
-          <a:p>
-            <a:pPr marL="285750" lvl="0" indent="-285750">
-              <a:buFont typeface="Symbol" panose="05050102010706020507" pitchFamily="18" charset="2"/>
-              <a:buChar char="-"/>
-            </a:pPr>
-            <a:r>
-              <a:rPr lang="en-US" dirty="0"/>
-              <a:t>Re-run the </a:t>
-            </a:r>
-            <a:r>
-              <a:rPr lang="en-US" dirty="0" err="1"/>
-              <a:t>wget</a:t>
-            </a:r>
-            <a:r>
-              <a:rPr lang="en-US" dirty="0"/>
-              <a:t> command </a:t>
-            </a:r>
-            <a:r>
-              <a:rPr lang="en-US" dirty="0">
-                <a:sym typeface="Wingdings" panose="05000000000000000000" pitchFamily="2" charset="2"/>
-              </a:rPr>
-              <a:t> expected result: works again</a:t>
-            </a:r>
-          </a:p>
-          <a:p>
-            <a:pPr marL="285750" lvl="0" indent="-285750">
-              <a:buFont typeface="Symbol" panose="05050102010706020507" pitchFamily="18" charset="2"/>
-              <a:buChar char="-"/>
-            </a:pPr>
-            <a:endParaRPr lang="en-US" dirty="0">
-              <a:sym typeface="Wingdings" panose="05000000000000000000" pitchFamily="2" charset="2"/>
-            </a:endParaRPr>
-          </a:p>
-          <a:p>
-            <a:pPr marL="0" lvl="0" indent="0">
-              <a:buFont typeface="Symbol" panose="05050102010706020507" pitchFamily="18" charset="2"/>
-              <a:buNone/>
-            </a:pPr>
+              <a:t> specify (security relevant) runtime conditions for pods. https://kubernetes.io/docs/concepts/policy/pod-security-policy/ </a:t>
+            </a:r>
+          </a:p>
+          <a:p>
             <a:endParaRPr lang="en-US" dirty="0"/>
           </a:p>
         </p:txBody>
@@ -1710,7 +939,7 @@
             <a:fld id="{7D8C2C35-2B8A-446E-BEC0-FD36716C29AC}" type="slidenum">
               <a:rPr lang="de-DE" smtClean="0"/>
               <a:pPr/>
-              <a:t>12</a:t>
+              <a:t>13</a:t>
             </a:fld>
             <a:endParaRPr lang="de-DE" dirty="0"/>
           </a:p>
@@ -1719,7 +948,7 @@
     </p:spTree>
     <p:extLst>
       <p:ext uri="{BB962C8B-B14F-4D97-AF65-F5344CB8AC3E}">
-        <p14:creationId xmlns:p14="http://schemas.microsoft.com/office/powerpoint/2010/main" val="2053658473"/>
+        <p14:creationId xmlns:p14="http://schemas.microsoft.com/office/powerpoint/2010/main" val="3992989739"/>
       </p:ext>
     </p:extLst>
   </p:cSld>
@@ -1770,35 +999,49 @@
         </p:nvSpPr>
         <p:spPr/>
         <p:txBody>
-          <a:bodyPr/>
+          <a:bodyPr>
+            <a:normAutofit/>
+          </a:bodyPr>
           <a:lstStyle/>
           <a:p>
             <a:r>
-              <a:rPr lang="en-US" dirty="0" err="1"/>
-              <a:t>kubectl</a:t>
-            </a:r>
-            <a:r>
-              <a:rPr lang="en-US" baseline="0" dirty="0"/>
-              <a:t> drain &lt;node&gt; --ignore-</a:t>
-            </a:r>
-            <a:r>
-              <a:rPr lang="en-US" baseline="0" dirty="0" err="1"/>
-              <a:t>daemonset</a:t>
-            </a:r>
-            <a:r>
-              <a:rPr lang="en-US" baseline="0" dirty="0"/>
-              <a:t>=true</a:t>
-            </a:r>
-          </a:p>
-          <a:p>
-            <a:endParaRPr lang="en-US" baseline="0" dirty="0"/>
-          </a:p>
-          <a:p>
-            <a:r>
-              <a:rPr lang="en-US" baseline="0" dirty="0"/>
-              <a:t>To evict pods from a node, e.g. for maintenance, you can “drain” it. To mark it, so no new pods are scheduled to it, “cordon” the node. </a:t>
-            </a:r>
-            <a:endParaRPr lang="en-US" dirty="0"/>
+              <a:rPr lang="en-US" noProof="0" dirty="0"/>
+              <a:t>Network policies are </a:t>
+            </a:r>
+            <a:r>
+              <a:rPr lang="en-US" noProof="0" dirty="0" err="1"/>
+              <a:t>kubernetes</a:t>
+            </a:r>
+            <a:r>
+              <a:rPr lang="en-US" noProof="0" dirty="0"/>
+              <a:t> object just as pods. The need an overlay network that supports the enforcement of their rules, like Calico. </a:t>
+            </a:r>
+          </a:p>
+          <a:p>
+            <a:r>
+              <a:rPr lang="en-US" noProof="0" dirty="0"/>
+              <a:t>Basically they define rules for incoming (ingress) and outgoing (egress) traffic to pods. As filter rules you can set IP addresses or use labels. Filter actions are deny or allow.</a:t>
+            </a:r>
+          </a:p>
+          <a:p>
+            <a:endParaRPr lang="en-US" noProof="0" dirty="0"/>
+          </a:p>
+          <a:p>
+            <a:r>
+              <a:rPr lang="en-US" noProof="0" dirty="0"/>
+              <a:t>In the example above, let’s assume princess Peach is at her castle (pod). She has created a service in order to be callable, but only as long as her location = castle. That works quite well, only that Bowser keeps calling her all the time. So Peach decides to allow only calls from Mario and puts a network policy in place. The policy filters incoming calls when she has her “location: castle” label and allows only those to pass, that have a label “caller: </a:t>
+            </a:r>
+            <a:r>
+              <a:rPr lang="en-US" noProof="0" dirty="0" err="1"/>
+              <a:t>mario</a:t>
+            </a:r>
+            <a:r>
+              <a:rPr lang="en-US" noProof="0" dirty="0"/>
+              <a:t>” attached. As a result Bowser is no longer able to call her.</a:t>
+            </a:r>
+          </a:p>
+          <a:p>
+            <a:endParaRPr lang="en-US" noProof="0" dirty="0"/>
           </a:p>
         </p:txBody>
       </p:sp>
@@ -1818,18 +1061,18 @@
           <a:lstStyle/>
           <a:p>
             <a:fld id="{7D8C2C35-2B8A-446E-BEC0-FD36716C29AC}" type="slidenum">
-              <a:rPr lang="de-DE" smtClean="0"/>
+              <a:rPr lang="en-US" smtClean="0"/>
               <a:pPr/>
               <a:t>14</a:t>
             </a:fld>
-            <a:endParaRPr lang="de-DE" dirty="0"/>
+            <a:endParaRPr lang="en-US" dirty="0"/>
           </a:p>
         </p:txBody>
       </p:sp>
     </p:spTree>
     <p:extLst>
       <p:ext uri="{BB962C8B-B14F-4D97-AF65-F5344CB8AC3E}">
-        <p14:creationId xmlns:p14="http://schemas.microsoft.com/office/powerpoint/2010/main" val="4167137068"/>
+        <p14:creationId xmlns:p14="http://schemas.microsoft.com/office/powerpoint/2010/main" val="325304950"/>
       </p:ext>
     </p:extLst>
   </p:cSld>
@@ -1884,49 +1127,248 @@
           <a:lstStyle/>
           <a:p>
             <a:r>
+              <a:rPr lang="en-US" noProof="0" dirty="0"/>
+              <a:t>Network policies are </a:t>
+            </a:r>
+            <a:r>
+              <a:rPr lang="en-US" noProof="0" dirty="0" err="1"/>
+              <a:t>kubernetes</a:t>
+            </a:r>
+            <a:r>
+              <a:rPr lang="en-US" noProof="0" dirty="0"/>
+              <a:t> object just as pods. The need an overlay network that supports the enforcement of their rules, like Calico. </a:t>
+            </a:r>
+          </a:p>
+          <a:p>
+            <a:r>
+              <a:rPr lang="en-US" noProof="0" dirty="0"/>
+              <a:t>Basically they define rules for incoming (ingress) and outgoing (egress) traffic to pods. As filter rules you can set IP addresses or use labels. Filter actions are deny or allow.</a:t>
+            </a:r>
+          </a:p>
+          <a:p>
+            <a:r>
+              <a:rPr lang="en-US" noProof="0" dirty="0"/>
+              <a:t>In the example above, the network policy is enforced for access to “Pod A”, determined by its label and the corresponding selector.</a:t>
+            </a:r>
+          </a:p>
+          <a:p>
+            <a:r>
+              <a:rPr lang="en-US" noProof="0" dirty="0"/>
+              <a:t>Pod B is allowed to access pod A since it has the correct label. Traffic from pod M will be blocked.</a:t>
+            </a:r>
+          </a:p>
+          <a:p>
+            <a:r>
+              <a:rPr lang="de-DE" dirty="0"/>
+              <a:t>Demo:</a:t>
+            </a:r>
+          </a:p>
+          <a:p>
+            <a:r>
+              <a:rPr lang="de-DE" dirty="0" err="1"/>
+              <a:t>kubectl</a:t>
+            </a:r>
+            <a:r>
+              <a:rPr lang="de-DE" dirty="0"/>
+              <a:t> </a:t>
+            </a:r>
+            <a:r>
+              <a:rPr lang="de-DE" dirty="0" err="1"/>
+              <a:t>run</a:t>
+            </a:r>
+            <a:r>
+              <a:rPr lang="de-DE" dirty="0"/>
+              <a:t> </a:t>
+            </a:r>
+            <a:r>
+              <a:rPr lang="de-DE" dirty="0" err="1"/>
+              <a:t>nginx</a:t>
+            </a:r>
+            <a:r>
+              <a:rPr lang="de-DE" dirty="0"/>
+              <a:t> --image</a:t>
+            </a:r>
+            <a:r>
+              <a:rPr lang="de-DE" b="1" dirty="0"/>
+              <a:t>=</a:t>
+            </a:r>
+            <a:r>
+              <a:rPr lang="de-DE" dirty="0" err="1"/>
+              <a:t>nginx</a:t>
+            </a:r>
+            <a:r>
+              <a:rPr lang="de-DE" dirty="0"/>
+              <a:t> --</a:t>
+            </a:r>
+            <a:r>
+              <a:rPr lang="de-DE" dirty="0" err="1"/>
+              <a:t>replicas</a:t>
+            </a:r>
+            <a:r>
+              <a:rPr lang="de-DE" b="1" dirty="0"/>
+              <a:t>=</a:t>
+            </a:r>
+            <a:r>
+              <a:rPr lang="de-DE" dirty="0"/>
+              <a:t>2 </a:t>
+            </a:r>
+          </a:p>
+          <a:p>
+            <a:r>
+              <a:rPr lang="de-DE" dirty="0" err="1"/>
+              <a:t>kubectl</a:t>
+            </a:r>
+            <a:r>
+              <a:rPr lang="de-DE" dirty="0"/>
+              <a:t> </a:t>
+            </a:r>
+            <a:r>
+              <a:rPr lang="de-DE" dirty="0" err="1"/>
+              <a:t>expose</a:t>
+            </a:r>
+            <a:r>
+              <a:rPr lang="de-DE" dirty="0"/>
+              <a:t> </a:t>
+            </a:r>
+            <a:r>
+              <a:rPr lang="de-DE" dirty="0" err="1"/>
+              <a:t>deployment</a:t>
+            </a:r>
+            <a:r>
+              <a:rPr lang="de-DE" dirty="0"/>
+              <a:t> </a:t>
+            </a:r>
+            <a:r>
+              <a:rPr lang="de-DE" dirty="0" err="1"/>
+              <a:t>nginx</a:t>
+            </a:r>
+            <a:r>
+              <a:rPr lang="de-DE" dirty="0"/>
+              <a:t> --</a:t>
+            </a:r>
+            <a:r>
+              <a:rPr lang="de-DE" dirty="0" err="1"/>
+              <a:t>port</a:t>
+            </a:r>
+            <a:r>
+              <a:rPr lang="de-DE" b="1" dirty="0"/>
+              <a:t>=</a:t>
+            </a:r>
+            <a:r>
+              <a:rPr lang="de-DE" dirty="0"/>
+              <a:t>80</a:t>
+            </a:r>
+          </a:p>
+          <a:p>
+            <a:r>
+              <a:rPr lang="de-DE" dirty="0" err="1"/>
+              <a:t>kubectl</a:t>
+            </a:r>
+            <a:r>
+              <a:rPr lang="de-DE" dirty="0"/>
+              <a:t> </a:t>
+            </a:r>
+            <a:r>
+              <a:rPr lang="de-DE" dirty="0" err="1"/>
+              <a:t>run</a:t>
+            </a:r>
+            <a:r>
+              <a:rPr lang="de-DE" dirty="0"/>
+              <a:t> </a:t>
+            </a:r>
+            <a:r>
+              <a:rPr lang="de-DE" dirty="0" err="1"/>
+              <a:t>busybox</a:t>
+            </a:r>
+            <a:r>
+              <a:rPr lang="de-DE" dirty="0"/>
+              <a:t> --</a:t>
+            </a:r>
+            <a:r>
+              <a:rPr lang="de-DE" dirty="0" err="1"/>
+              <a:t>rm</a:t>
+            </a:r>
+            <a:r>
+              <a:rPr lang="de-DE" dirty="0"/>
+              <a:t> -</a:t>
+            </a:r>
+            <a:r>
+              <a:rPr lang="de-DE" dirty="0" err="1"/>
+              <a:t>ti</a:t>
+            </a:r>
+            <a:r>
+              <a:rPr lang="de-DE" dirty="0"/>
+              <a:t> --image</a:t>
+            </a:r>
+            <a:r>
+              <a:rPr lang="de-DE" b="1" dirty="0"/>
+              <a:t>=</a:t>
+            </a:r>
+            <a:r>
+              <a:rPr lang="de-DE" dirty="0" err="1"/>
+              <a:t>busybox</a:t>
+            </a:r>
+            <a:r>
+              <a:rPr lang="de-DE" dirty="0"/>
+              <a:t> /bin/sh</a:t>
+            </a:r>
+          </a:p>
+          <a:p>
+            <a:r>
+              <a:rPr lang="de-DE" dirty="0"/>
+              <a:t> # </a:t>
+            </a:r>
+            <a:r>
+              <a:rPr lang="de-DE" dirty="0" err="1"/>
+              <a:t>wget</a:t>
+            </a:r>
+            <a:r>
+              <a:rPr lang="de-DE" dirty="0"/>
+              <a:t> --spider --timeout=1 </a:t>
+            </a:r>
+            <a:r>
+              <a:rPr lang="de-DE" dirty="0" err="1"/>
+              <a:t>nginx</a:t>
+            </a:r>
+            <a:endParaRPr lang="en-US" dirty="0"/>
+          </a:p>
+          <a:p>
+            <a:r>
+              <a:rPr lang="en-US" dirty="0" err="1"/>
+              <a:t>Kubectl</a:t>
+            </a:r>
+            <a:r>
               <a:rPr lang="en-US" dirty="0"/>
-              <a:t>There are multiple ways, to influence where pods are scheduled:</a:t>
-            </a:r>
-          </a:p>
-          <a:p>
-            <a:pPr marL="285750" indent="-285750">
-              <a:buFontTx/>
-              <a:buChar char="-"/>
-            </a:pPr>
+              <a:t> create –f network-</a:t>
+            </a:r>
+            <a:r>
+              <a:rPr lang="en-US" dirty="0" err="1"/>
+              <a:t>policy.yaml</a:t>
+            </a:r>
+            <a:endParaRPr lang="en-US" dirty="0"/>
+          </a:p>
+          <a:p>
+            <a:r>
+              <a:rPr lang="en-US" dirty="0" err="1"/>
+              <a:t>Kubectl</a:t>
+            </a:r>
             <a:r>
               <a:rPr lang="en-US" dirty="0"/>
-              <a:t>Taints &amp; tolerations: a node is tainted and only pods explicitly tolerating the taint will be scheduled</a:t>
-            </a:r>
-          </a:p>
-          <a:p>
-            <a:pPr marL="285750" indent="-285750">
-              <a:buFontTx/>
-              <a:buChar char="-"/>
-            </a:pPr>
+              <a:t> run ..</a:t>
+            </a:r>
+          </a:p>
+          <a:p>
+            <a:r>
+              <a:rPr lang="en-US" dirty="0" err="1"/>
+              <a:t>Kubectl</a:t>
+            </a:r>
             <a:r>
               <a:rPr lang="en-US" dirty="0"/>
-              <a:t>Node selector: specify a node “type” by label to assign a pod to certain node pool</a:t>
-            </a:r>
-          </a:p>
-          <a:p>
-            <a:pPr marL="285750" indent="-285750">
-              <a:buFontTx/>
-              <a:buChar char="-"/>
-            </a:pPr>
-            <a:r>
-              <a:rPr lang="en-US" dirty="0"/>
-              <a:t>Pod affinity: explicitly schedule a pod on a node where certain pod is already running</a:t>
-            </a:r>
-          </a:p>
-          <a:p>
-            <a:pPr marL="285750" indent="-285750">
-              <a:buFontTx/>
-              <a:buChar char="-"/>
-            </a:pPr>
-            <a:r>
-              <a:rPr lang="en-US" dirty="0"/>
-              <a:t>Pod anti-affinity: don’t schedule on a node, where a certain pod is already running</a:t>
-            </a:r>
+              <a:t> run … -l access=true</a:t>
+            </a:r>
+          </a:p>
+          <a:p>
+            <a:endParaRPr lang="en-US" dirty="0"/>
           </a:p>
         </p:txBody>
       </p:sp>
@@ -1946,18 +1388,18 @@
           <a:lstStyle/>
           <a:p>
             <a:fld id="{7D8C2C35-2B8A-446E-BEC0-FD36716C29AC}" type="slidenum">
-              <a:rPr lang="de-DE" smtClean="0"/>
+              <a:rPr lang="en-US" smtClean="0"/>
               <a:pPr/>
               <a:t>15</a:t>
             </a:fld>
-            <a:endParaRPr lang="de-DE" dirty="0"/>
+            <a:endParaRPr lang="en-US" dirty="0"/>
           </a:p>
         </p:txBody>
       </p:sp>
     </p:spTree>
     <p:extLst>
       <p:ext uri="{BB962C8B-B14F-4D97-AF65-F5344CB8AC3E}">
-        <p14:creationId xmlns:p14="http://schemas.microsoft.com/office/powerpoint/2010/main" val="195966228"/>
+        <p14:creationId xmlns:p14="http://schemas.microsoft.com/office/powerpoint/2010/main" val="3747275599"/>
       </p:ext>
     </p:extLst>
   </p:cSld>
@@ -2008,9 +1450,579 @@
         </p:nvSpPr>
         <p:spPr/>
         <p:txBody>
-          <a:bodyPr/>
+          <a:bodyPr>
+            <a:normAutofit fontScale="92500" lnSpcReduction="20000"/>
+          </a:bodyPr>
           <a:lstStyle/>
           <a:p>
+            <a:r>
+              <a:rPr lang="de-DE" dirty="0"/>
+              <a:t>Demo:</a:t>
+            </a:r>
+          </a:p>
+          <a:p>
+            <a:pPr marL="285750" indent="-285750">
+              <a:buFont typeface="Symbol" panose="05050102010706020507" pitchFamily="18" charset="2"/>
+              <a:buChar char="-"/>
+            </a:pPr>
+            <a:r>
+              <a:rPr lang="de-DE" dirty="0"/>
+              <a:t>Create a </a:t>
+            </a:r>
+            <a:r>
+              <a:rPr lang="de-DE" dirty="0" err="1"/>
+              <a:t>deployment</a:t>
+            </a:r>
+            <a:r>
+              <a:rPr lang="de-DE" dirty="0"/>
+              <a:t> &amp; a </a:t>
+            </a:r>
+            <a:r>
+              <a:rPr lang="de-DE" dirty="0" err="1"/>
+              <a:t>corresponding</a:t>
+            </a:r>
+            <a:r>
+              <a:rPr lang="de-DE" dirty="0"/>
+              <a:t> </a:t>
+            </a:r>
+            <a:r>
+              <a:rPr lang="de-DE" dirty="0" err="1"/>
+              <a:t>service</a:t>
+            </a:r>
+            <a:r>
+              <a:rPr lang="de-DE" dirty="0"/>
+              <a:t> (</a:t>
+            </a:r>
+            <a:r>
+              <a:rPr lang="de-DE" dirty="0" err="1"/>
+              <a:t>if</a:t>
+            </a:r>
+            <a:r>
+              <a:rPr lang="de-DE" dirty="0"/>
+              <a:t> not </a:t>
+            </a:r>
+            <a:r>
+              <a:rPr lang="de-DE" dirty="0" err="1"/>
+              <a:t>yet</a:t>
+            </a:r>
+            <a:r>
+              <a:rPr lang="de-DE" dirty="0"/>
+              <a:t> </a:t>
+            </a:r>
+            <a:r>
+              <a:rPr lang="de-DE" dirty="0" err="1"/>
+              <a:t>done</a:t>
+            </a:r>
+            <a:r>
+              <a:rPr lang="de-DE" dirty="0"/>
+              <a:t>)</a:t>
+            </a:r>
+          </a:p>
+          <a:p>
+            <a:pPr marL="465750" lvl="1" indent="-285750">
+              <a:buFont typeface="Symbol" panose="05050102010706020507" pitchFamily="18" charset="2"/>
+              <a:buChar char="-"/>
+            </a:pPr>
+            <a:r>
+              <a:rPr lang="de-DE" dirty="0" err="1"/>
+              <a:t>kubectl</a:t>
+            </a:r>
+            <a:r>
+              <a:rPr lang="de-DE" dirty="0"/>
+              <a:t> </a:t>
+            </a:r>
+            <a:r>
+              <a:rPr lang="de-DE" dirty="0" err="1"/>
+              <a:t>run</a:t>
+            </a:r>
+            <a:r>
+              <a:rPr lang="de-DE" dirty="0"/>
+              <a:t> </a:t>
+            </a:r>
+            <a:r>
+              <a:rPr lang="de-DE" dirty="0" err="1"/>
+              <a:t>nginx</a:t>
+            </a:r>
+            <a:r>
+              <a:rPr lang="de-DE" dirty="0"/>
+              <a:t> --image</a:t>
+            </a:r>
+            <a:r>
+              <a:rPr lang="de-DE" b="1" dirty="0"/>
+              <a:t>=</a:t>
+            </a:r>
+            <a:r>
+              <a:rPr lang="de-DE" dirty="0" err="1"/>
+              <a:t>nginx</a:t>
+            </a:r>
+            <a:r>
+              <a:rPr lang="de-DE" dirty="0"/>
+              <a:t> --</a:t>
+            </a:r>
+            <a:r>
+              <a:rPr lang="de-DE" dirty="0" err="1"/>
+              <a:t>replicas</a:t>
+            </a:r>
+            <a:r>
+              <a:rPr lang="de-DE" b="1" dirty="0"/>
+              <a:t>=</a:t>
+            </a:r>
+            <a:r>
+              <a:rPr lang="de-DE" dirty="0"/>
+              <a:t>2 </a:t>
+            </a:r>
+          </a:p>
+          <a:p>
+            <a:pPr marL="465750" lvl="1" indent="-285750">
+              <a:buFont typeface="Symbol" panose="05050102010706020507" pitchFamily="18" charset="2"/>
+              <a:buChar char="-"/>
+            </a:pPr>
+            <a:r>
+              <a:rPr lang="de-DE" dirty="0" err="1"/>
+              <a:t>kubectl</a:t>
+            </a:r>
+            <a:r>
+              <a:rPr lang="de-DE" dirty="0"/>
+              <a:t> </a:t>
+            </a:r>
+            <a:r>
+              <a:rPr lang="de-DE" dirty="0" err="1"/>
+              <a:t>expose</a:t>
+            </a:r>
+            <a:r>
+              <a:rPr lang="de-DE" dirty="0"/>
+              <a:t> </a:t>
+            </a:r>
+            <a:r>
+              <a:rPr lang="de-DE" dirty="0" err="1"/>
+              <a:t>deployment</a:t>
+            </a:r>
+            <a:r>
+              <a:rPr lang="de-DE" dirty="0"/>
+              <a:t> </a:t>
+            </a:r>
+            <a:r>
+              <a:rPr lang="de-DE" dirty="0" err="1"/>
+              <a:t>nginx</a:t>
+            </a:r>
+            <a:r>
+              <a:rPr lang="de-DE" dirty="0"/>
+              <a:t> --</a:t>
+            </a:r>
+            <a:r>
+              <a:rPr lang="de-DE" dirty="0" err="1"/>
+              <a:t>port</a:t>
+            </a:r>
+            <a:r>
+              <a:rPr lang="de-DE" b="1" dirty="0"/>
+              <a:t>=</a:t>
+            </a:r>
+            <a:r>
+              <a:rPr lang="de-DE" dirty="0"/>
+              <a:t>80</a:t>
+            </a:r>
+          </a:p>
+          <a:p>
+            <a:pPr marL="285750" indent="-285750">
+              <a:buFont typeface="Symbol" panose="05050102010706020507" pitchFamily="18" charset="2"/>
+              <a:buChar char="-"/>
+            </a:pPr>
+            <a:endParaRPr lang="de-DE" dirty="0"/>
+          </a:p>
+          <a:p>
+            <a:pPr marL="285750" indent="-285750">
+              <a:buFont typeface="Symbol" panose="05050102010706020507" pitchFamily="18" charset="2"/>
+              <a:buChar char="-"/>
+            </a:pPr>
+            <a:r>
+              <a:rPr lang="de-DE" dirty="0"/>
+              <a:t>Create a </a:t>
+            </a:r>
+            <a:r>
+              <a:rPr lang="de-DE" dirty="0" err="1"/>
+              <a:t>helper</a:t>
+            </a:r>
+            <a:r>
+              <a:rPr lang="de-DE" dirty="0"/>
+              <a:t> </a:t>
+            </a:r>
+            <a:r>
+              <a:rPr lang="de-DE" dirty="0" err="1"/>
+              <a:t>pod</a:t>
+            </a:r>
+            <a:r>
+              <a:rPr lang="de-DE" dirty="0"/>
+              <a:t>, </a:t>
+            </a:r>
+            <a:r>
+              <a:rPr lang="de-DE" dirty="0" err="1"/>
+              <a:t>logon</a:t>
+            </a:r>
+            <a:r>
+              <a:rPr lang="de-DE" dirty="0"/>
+              <a:t> </a:t>
+            </a:r>
+            <a:r>
+              <a:rPr lang="de-DE" dirty="0" err="1"/>
+              <a:t>to</a:t>
+            </a:r>
+            <a:r>
+              <a:rPr lang="de-DE" dirty="0"/>
+              <a:t> </a:t>
+            </a:r>
+            <a:r>
+              <a:rPr lang="de-DE" dirty="0" err="1"/>
+              <a:t>it</a:t>
+            </a:r>
+            <a:r>
+              <a:rPr lang="de-DE" dirty="0"/>
+              <a:t> and </a:t>
+            </a:r>
+            <a:r>
+              <a:rPr lang="de-DE" dirty="0" err="1"/>
+              <a:t>get</a:t>
+            </a:r>
+            <a:r>
+              <a:rPr lang="de-DE" dirty="0"/>
+              <a:t> </a:t>
+            </a:r>
+            <a:r>
+              <a:rPr lang="de-DE" dirty="0" err="1"/>
+              <a:t>the</a:t>
+            </a:r>
+            <a:r>
+              <a:rPr lang="de-DE" dirty="0"/>
+              <a:t> index.html </a:t>
+            </a:r>
+            <a:r>
+              <a:rPr lang="de-DE" dirty="0" err="1"/>
+              <a:t>page</a:t>
+            </a:r>
+            <a:r>
+              <a:rPr lang="de-DE" dirty="0"/>
+              <a:t> </a:t>
+            </a:r>
+            <a:r>
+              <a:rPr lang="de-DE" dirty="0" err="1"/>
+              <a:t>from</a:t>
+            </a:r>
+            <a:r>
+              <a:rPr lang="de-DE" dirty="0"/>
+              <a:t> </a:t>
+            </a:r>
+            <a:r>
+              <a:rPr lang="de-DE" dirty="0" err="1"/>
+              <a:t>the</a:t>
+            </a:r>
+            <a:r>
+              <a:rPr lang="de-DE" dirty="0"/>
+              <a:t> </a:t>
+            </a:r>
+            <a:r>
+              <a:rPr lang="de-DE" dirty="0" err="1"/>
+              <a:t>nginx</a:t>
+            </a:r>
+            <a:r>
+              <a:rPr lang="de-DE" dirty="0"/>
+              <a:t> backend.</a:t>
+            </a:r>
+          </a:p>
+          <a:p>
+            <a:pPr marL="465750" lvl="1" indent="-285750">
+              <a:buFont typeface="Symbol" panose="05050102010706020507" pitchFamily="18" charset="2"/>
+              <a:buChar char="-"/>
+            </a:pPr>
+            <a:r>
+              <a:rPr lang="de-DE" dirty="0" err="1"/>
+              <a:t>kubectl</a:t>
+            </a:r>
+            <a:r>
+              <a:rPr lang="de-DE" dirty="0"/>
+              <a:t> </a:t>
+            </a:r>
+            <a:r>
+              <a:rPr lang="de-DE" dirty="0" err="1"/>
+              <a:t>run</a:t>
+            </a:r>
+            <a:r>
+              <a:rPr lang="de-DE" dirty="0"/>
+              <a:t> </a:t>
+            </a:r>
+            <a:r>
+              <a:rPr lang="de-DE" dirty="0" err="1"/>
+              <a:t>connector</a:t>
+            </a:r>
+            <a:r>
+              <a:rPr lang="de-DE" dirty="0"/>
+              <a:t> --</a:t>
+            </a:r>
+            <a:r>
+              <a:rPr lang="de-DE" dirty="0" err="1"/>
+              <a:t>rm</a:t>
+            </a:r>
+            <a:r>
+              <a:rPr lang="de-DE" dirty="0"/>
+              <a:t> -</a:t>
+            </a:r>
+            <a:r>
+              <a:rPr lang="de-DE" dirty="0" err="1"/>
+              <a:t>ti</a:t>
+            </a:r>
+            <a:r>
+              <a:rPr lang="de-DE" dirty="0"/>
+              <a:t> --</a:t>
+            </a:r>
+            <a:r>
+              <a:rPr lang="de-DE" dirty="0" err="1"/>
+              <a:t>restart</a:t>
+            </a:r>
+            <a:r>
+              <a:rPr lang="de-DE" dirty="0"/>
+              <a:t>=Never --image</a:t>
+            </a:r>
+            <a:r>
+              <a:rPr lang="de-DE" b="1" dirty="0"/>
+              <a:t>=</a:t>
+            </a:r>
+            <a:r>
+              <a:rPr lang="de-DE" dirty="0"/>
+              <a:t>alpine:3.8</a:t>
+            </a:r>
+          </a:p>
+          <a:p>
+            <a:pPr marL="465750" lvl="1" indent="-285750">
+              <a:buFont typeface="Symbol" panose="05050102010706020507" pitchFamily="18" charset="2"/>
+              <a:buChar char="-"/>
+            </a:pPr>
+            <a:r>
+              <a:rPr lang="de-DE" dirty="0"/>
+              <a:t># </a:t>
+            </a:r>
+            <a:r>
+              <a:rPr lang="de-DE" dirty="0" err="1"/>
+              <a:t>wget</a:t>
+            </a:r>
+            <a:r>
+              <a:rPr lang="de-DE" dirty="0"/>
+              <a:t> --timeout=1 </a:t>
+            </a:r>
+            <a:r>
+              <a:rPr lang="de-DE" dirty="0" err="1"/>
+              <a:t>nginx</a:t>
+            </a:r>
+            <a:endParaRPr lang="de-DE" dirty="0"/>
+          </a:p>
+          <a:p>
+            <a:pPr marL="465750" lvl="1" indent="-285750">
+              <a:buFont typeface="Symbol" panose="05050102010706020507" pitchFamily="18" charset="2"/>
+              <a:buChar char="-"/>
+            </a:pPr>
+            <a:r>
+              <a:rPr lang="en-US" dirty="0"/>
+              <a:t>Remove the index.html page &amp; stay connected to the shell session</a:t>
+            </a:r>
+          </a:p>
+          <a:p>
+            <a:pPr marL="285750" indent="-285750">
+              <a:buFont typeface="Symbol" panose="05050102010706020507" pitchFamily="18" charset="2"/>
+              <a:buChar char="-"/>
+            </a:pPr>
+            <a:endParaRPr lang="en-US" dirty="0"/>
+          </a:p>
+          <a:p>
+            <a:pPr marL="285750" indent="-285750">
+              <a:buFont typeface="Symbol" panose="05050102010706020507" pitchFamily="18" charset="2"/>
+              <a:buChar char="-"/>
+            </a:pPr>
+            <a:r>
+              <a:rPr lang="en-US" dirty="0"/>
+              <a:t>Create the network policy in a 2</a:t>
+            </a:r>
+            <a:r>
+              <a:rPr lang="en-US" baseline="30000" dirty="0"/>
+              <a:t>nd</a:t>
+            </a:r>
+            <a:r>
+              <a:rPr lang="en-US" dirty="0"/>
+              <a:t> shell:</a:t>
+            </a:r>
+          </a:p>
+          <a:p>
+            <a:pPr marL="465750" lvl="1" indent="-285750">
+              <a:buFont typeface="Symbol" panose="05050102010706020507" pitchFamily="18" charset="2"/>
+              <a:buChar char="-"/>
+            </a:pPr>
+            <a:r>
+              <a:rPr lang="en-US" dirty="0" err="1"/>
+              <a:t>kubectl</a:t>
+            </a:r>
+            <a:r>
+              <a:rPr lang="en-US" dirty="0"/>
+              <a:t> create –f network-</a:t>
+            </a:r>
+            <a:r>
+              <a:rPr lang="en-US" dirty="0" err="1"/>
+              <a:t>policy.yaml</a:t>
+            </a:r>
+            <a:endParaRPr lang="en-US" dirty="0"/>
+          </a:p>
+          <a:p>
+            <a:pPr marL="465750" lvl="1" indent="-285750">
+              <a:buFont typeface="Symbol" panose="05050102010706020507" pitchFamily="18" charset="2"/>
+              <a:buChar char="-"/>
+            </a:pPr>
+            <a:r>
+              <a:rPr lang="en-US" dirty="0"/>
+              <a:t>Show the network policy definition and explain:</a:t>
+            </a:r>
+          </a:p>
+          <a:p>
+            <a:pPr marL="645750" lvl="2" indent="-285750">
+              <a:buFont typeface="Symbol" panose="05050102010706020507" pitchFamily="18" charset="2"/>
+              <a:buChar char="-"/>
+            </a:pPr>
+            <a:r>
+              <a:rPr lang="en-US" dirty="0"/>
+              <a:t>it’s implicitly a whitelisting</a:t>
+            </a:r>
+          </a:p>
+          <a:p>
+            <a:pPr marL="645750" lvl="2" indent="-285750">
+              <a:buFont typeface="Symbol" panose="05050102010706020507" pitchFamily="18" charset="2"/>
+              <a:buChar char="-"/>
+            </a:pPr>
+            <a:r>
+              <a:rPr lang="en-US" dirty="0"/>
+              <a:t>network policy can handle egress and ingress traffic. However the example is only of incoming (ingress) traffic.</a:t>
+            </a:r>
+          </a:p>
+          <a:p>
+            <a:pPr marL="645750" lvl="2" indent="-285750">
+              <a:buFont typeface="Symbol" panose="05050102010706020507" pitchFamily="18" charset="2"/>
+              <a:buChar char="-"/>
+            </a:pPr>
+            <a:r>
+              <a:rPr lang="en-US" dirty="0"/>
+              <a:t>The </a:t>
+            </a:r>
+            <a:r>
+              <a:rPr lang="en-US" dirty="0" err="1"/>
+              <a:t>cidr</a:t>
+            </a:r>
+            <a:r>
+              <a:rPr lang="en-US" dirty="0"/>
+              <a:t> block are required, if you want to access your service later from SAP networks. Otherwise all requested without the label (i.e. not cluster internal) will be blocked too.</a:t>
+            </a:r>
+          </a:p>
+          <a:p>
+            <a:pPr marL="465750" lvl="1" indent="-285750">
+              <a:buFont typeface="Symbol" panose="05050102010706020507" pitchFamily="18" charset="2"/>
+              <a:buChar char="-"/>
+            </a:pPr>
+            <a:endParaRPr lang="en-US" dirty="0"/>
+          </a:p>
+          <a:p>
+            <a:pPr marL="285750" indent="-285750">
+              <a:buFont typeface="Symbol" panose="05050102010706020507" pitchFamily="18" charset="2"/>
+              <a:buChar char="-"/>
+            </a:pPr>
+            <a:r>
+              <a:rPr lang="en-US" dirty="0"/>
+              <a:t>Switch back to the helper pod and re-run the </a:t>
+            </a:r>
+            <a:r>
+              <a:rPr lang="en-US" dirty="0" err="1"/>
+              <a:t>wget</a:t>
+            </a:r>
+            <a:r>
+              <a:rPr lang="en-US" dirty="0"/>
+              <a:t> command </a:t>
+            </a:r>
+            <a:r>
+              <a:rPr lang="en-US" dirty="0">
+                <a:sym typeface="Wingdings" panose="05000000000000000000" pitchFamily="2" charset="2"/>
+              </a:rPr>
+              <a:t> expected result: failure due to the missing label</a:t>
+            </a:r>
+            <a:endParaRPr lang="en-US" dirty="0"/>
+          </a:p>
+          <a:p>
+            <a:pPr marL="285750" indent="-285750">
+              <a:buFont typeface="Symbol" panose="05050102010706020507" pitchFamily="18" charset="2"/>
+              <a:buChar char="-"/>
+            </a:pPr>
+            <a:r>
+              <a:rPr lang="en-US" dirty="0"/>
+              <a:t>Label you helper pod accordingly (can be done from the 2</a:t>
+            </a:r>
+            <a:r>
+              <a:rPr lang="en-US" baseline="30000" dirty="0"/>
+              <a:t>nd</a:t>
+            </a:r>
+            <a:r>
+              <a:rPr lang="en-US" dirty="0"/>
+              <a:t> shell session, so stay connected to your helper pod)</a:t>
+            </a:r>
+          </a:p>
+          <a:p>
+            <a:pPr marL="465750" lvl="1" indent="-285750">
+              <a:buFont typeface="Symbol" panose="05050102010706020507" pitchFamily="18" charset="2"/>
+              <a:buChar char="-"/>
+            </a:pPr>
+            <a:r>
+              <a:rPr lang="en-US" dirty="0" err="1"/>
+              <a:t>kubectl</a:t>
+            </a:r>
+            <a:r>
+              <a:rPr lang="en-US" dirty="0"/>
+              <a:t> label pod connector access=true</a:t>
+            </a:r>
+          </a:p>
+          <a:p>
+            <a:pPr marL="285750" lvl="0" indent="-285750">
+              <a:buFont typeface="Symbol" panose="05050102010706020507" pitchFamily="18" charset="2"/>
+              <a:buChar char="-"/>
+            </a:pPr>
+            <a:endParaRPr lang="en-US" dirty="0"/>
+          </a:p>
+          <a:p>
+            <a:pPr marL="285750" lvl="0" indent="-285750">
+              <a:buFont typeface="Symbol" panose="05050102010706020507" pitchFamily="18" charset="2"/>
+              <a:buChar char="-"/>
+            </a:pPr>
+            <a:r>
+              <a:rPr lang="en-US" dirty="0"/>
+              <a:t>Re-run the </a:t>
+            </a:r>
+            <a:r>
+              <a:rPr lang="en-US" dirty="0" err="1"/>
+              <a:t>wget</a:t>
+            </a:r>
+            <a:r>
+              <a:rPr lang="en-US" dirty="0"/>
+              <a:t> command </a:t>
+            </a:r>
+            <a:r>
+              <a:rPr lang="en-US" dirty="0">
+                <a:sym typeface="Wingdings" panose="05000000000000000000" pitchFamily="2" charset="2"/>
+              </a:rPr>
+              <a:t> expected result: works again</a:t>
+            </a:r>
+          </a:p>
+          <a:p>
+            <a:pPr marL="285750" lvl="0" indent="-285750">
+              <a:buFont typeface="Symbol" panose="05050102010706020507" pitchFamily="18" charset="2"/>
+              <a:buChar char="-"/>
+            </a:pPr>
+            <a:endParaRPr lang="en-US" dirty="0">
+              <a:sym typeface="Wingdings" panose="05000000000000000000" pitchFamily="2" charset="2"/>
+            </a:endParaRPr>
+          </a:p>
+          <a:p>
+            <a:pPr marL="0" lvl="0" indent="0">
+              <a:buFont typeface="Symbol" panose="05050102010706020507" pitchFamily="18" charset="2"/>
+              <a:buNone/>
+            </a:pPr>
             <a:endParaRPr lang="en-US" dirty="0"/>
           </a:p>
         </p:txBody>
@@ -2033,7 +2045,7 @@
             <a:fld id="{7D8C2C35-2B8A-446E-BEC0-FD36716C29AC}" type="slidenum">
               <a:rPr lang="de-DE" smtClean="0"/>
               <a:pPr/>
-              <a:t>17</a:t>
+              <a:t>16</a:t>
             </a:fld>
             <a:endParaRPr lang="de-DE" dirty="0"/>
           </a:p>
@@ -2042,7 +2054,7 @@
     </p:spTree>
     <p:extLst>
       <p:ext uri="{BB962C8B-B14F-4D97-AF65-F5344CB8AC3E}">
-        <p14:creationId xmlns:p14="http://schemas.microsoft.com/office/powerpoint/2010/main" val="3466716593"/>
+        <p14:creationId xmlns:p14="http://schemas.microsoft.com/office/powerpoint/2010/main" val="2053658473"/>
       </p:ext>
     </p:extLst>
   </p:cSld>
@@ -2116,18 +2128,18 @@
           <a:lstStyle/>
           <a:p>
             <a:fld id="{7D8C2C35-2B8A-446E-BEC0-FD36716C29AC}" type="slidenum">
-              <a:rPr lang="de-DE" smtClean="0"/>
+              <a:rPr lang="en-US" smtClean="0"/>
               <a:pPr/>
               <a:t>18</a:t>
             </a:fld>
-            <a:endParaRPr lang="de-DE" dirty="0"/>
+            <a:endParaRPr lang="en-US" dirty="0"/>
           </a:p>
         </p:txBody>
       </p:sp>
     </p:spTree>
     <p:extLst>
       <p:ext uri="{BB962C8B-B14F-4D97-AF65-F5344CB8AC3E}">
-        <p14:creationId xmlns:p14="http://schemas.microsoft.com/office/powerpoint/2010/main" val="157809321"/>
+        <p14:creationId xmlns:p14="http://schemas.microsoft.com/office/powerpoint/2010/main" val="1582342442"/>
       </p:ext>
     </p:extLst>
   </p:cSld>
@@ -2178,70 +2190,9 @@
         </p:nvSpPr>
         <p:spPr/>
         <p:txBody>
-          <a:bodyPr>
-            <a:normAutofit/>
-          </a:bodyPr>
+          <a:bodyPr/>
           <a:lstStyle/>
           <a:p>
-            <a:r>
-              <a:rPr lang="en-US" baseline="0" dirty="0"/>
-              <a:t>Optional demo: </a:t>
-            </a:r>
-          </a:p>
-          <a:p>
-            <a:r>
-              <a:rPr lang="en-US" baseline="0" dirty="0"/>
-              <a:t>To access the cluster’s dashboard, use the Gardener UI or port-forward the to dashboard pod (example: </a:t>
-            </a:r>
-            <a:r>
-              <a:rPr lang="en-US" baseline="0" dirty="0" err="1"/>
-              <a:t>kubectl</a:t>
-            </a:r>
-            <a:r>
-              <a:rPr lang="en-US" baseline="0" dirty="0"/>
-              <a:t> port-forward -n </a:t>
-            </a:r>
-            <a:r>
-              <a:rPr lang="en-US" baseline="0" dirty="0" err="1"/>
-              <a:t>kube</a:t>
-            </a:r>
-            <a:r>
-              <a:rPr lang="en-US" baseline="0" dirty="0"/>
-              <a:t>-system addons-kubernetes-dashboard-5486b968b7-zf62b 8443:8443)</a:t>
-            </a:r>
-          </a:p>
-          <a:p>
-            <a:endParaRPr lang="en-US" baseline="0" dirty="0"/>
-          </a:p>
-          <a:p>
-            <a:r>
-              <a:rPr lang="en-US" baseline="0" dirty="0"/>
-              <a:t>Demo the dashboard</a:t>
-            </a:r>
-          </a:p>
-          <a:p>
-            <a:r>
-              <a:rPr lang="en-US" baseline="0" dirty="0"/>
-              <a:t>- Show status info &amp; utilization of nodes</a:t>
-            </a:r>
-          </a:p>
-          <a:p>
-            <a:r>
-              <a:rPr lang="en-US" dirty="0"/>
-              <a:t>- Show deployments</a:t>
-            </a:r>
-            <a:r>
-              <a:rPr lang="en-US" baseline="0" dirty="0"/>
-              <a:t> </a:t>
-            </a:r>
-            <a:r>
-              <a:rPr lang="en-US" dirty="0"/>
-              <a:t>&amp; services and how to create a new</a:t>
-            </a:r>
-            <a:r>
-              <a:rPr lang="en-US" baseline="0" dirty="0"/>
-              <a:t> deployment</a:t>
-            </a:r>
             <a:endParaRPr lang="en-US" dirty="0"/>
           </a:p>
         </p:txBody>
@@ -2273,7 +2224,7 @@
     </p:spTree>
     <p:extLst>
       <p:ext uri="{BB962C8B-B14F-4D97-AF65-F5344CB8AC3E}">
-        <p14:creationId xmlns:p14="http://schemas.microsoft.com/office/powerpoint/2010/main" val="3052625252"/>
+        <p14:creationId xmlns:p14="http://schemas.microsoft.com/office/powerpoint/2010/main" val="3466716593"/>
       </p:ext>
     </p:extLst>
   </p:cSld>
@@ -2327,39 +2278,6 @@
           <a:bodyPr/>
           <a:lstStyle/>
           <a:p>
-            <a:r>
-              <a:rPr lang="en-US" dirty="0"/>
-              <a:t>Gardener is SAP’s solution for managed </a:t>
-            </a:r>
-            <a:r>
-              <a:rPr lang="en-US" dirty="0" err="1"/>
-              <a:t>kubernetes</a:t>
-            </a:r>
-            <a:r>
-              <a:rPr lang="en-US" dirty="0"/>
-              <a:t> cluster. It is open source &amp; completely available on </a:t>
-            </a:r>
-            <a:r>
-              <a:rPr lang="en-US" dirty="0" err="1"/>
-              <a:t>github</a:t>
-            </a:r>
-            <a:r>
-              <a:rPr lang="en-US" dirty="0"/>
-              <a:t>: https://github.com/gardener/gardener/ </a:t>
-            </a:r>
-          </a:p>
-          <a:p>
-            <a:endParaRPr lang="en-US" dirty="0"/>
-          </a:p>
-          <a:p>
-            <a:r>
-              <a:rPr lang="en-US" dirty="0"/>
-              <a:t>Show internal landing page: https://github.wdf.sap.corp/pages/kubernetes/gardener/ including blog </a:t>
-            </a:r>
-            <a:r>
-              <a:rPr lang="en-US"/>
-              <a:t>&amp; help section</a:t>
-            </a:r>
             <a:endParaRPr lang="en-US" dirty="0"/>
           </a:p>
         </p:txBody>
@@ -2391,7 +2309,7 @@
     </p:spTree>
     <p:extLst>
       <p:ext uri="{BB962C8B-B14F-4D97-AF65-F5344CB8AC3E}">
-        <p14:creationId xmlns:p14="http://schemas.microsoft.com/office/powerpoint/2010/main" val="3611099769"/>
+        <p14:creationId xmlns:p14="http://schemas.microsoft.com/office/powerpoint/2010/main" val="157809321"/>
       </p:ext>
     </p:extLst>
   </p:cSld>
@@ -2442,13 +2360,71 @@
         </p:nvSpPr>
         <p:spPr/>
         <p:txBody>
-          <a:bodyPr/>
+          <a:bodyPr>
+            <a:normAutofit/>
+          </a:bodyPr>
           <a:lstStyle/>
           <a:p>
             <a:r>
+              <a:rPr lang="en-US" baseline="0" dirty="0"/>
+              <a:t>Optional demo: </a:t>
+            </a:r>
+          </a:p>
+          <a:p>
+            <a:r>
+              <a:rPr lang="en-US" baseline="0" dirty="0"/>
+              <a:t>To access the cluster’s dashboard, use the Gardener UI or port-forward the to dashboard pod (example: </a:t>
+            </a:r>
+            <a:r>
+              <a:rPr lang="en-US" baseline="0" dirty="0" err="1"/>
+              <a:t>kubectl</a:t>
+            </a:r>
+            <a:r>
+              <a:rPr lang="en-US" baseline="0" dirty="0"/>
+              <a:t> port-forward -n </a:t>
+            </a:r>
+            <a:r>
+              <a:rPr lang="en-US" baseline="0" dirty="0" err="1"/>
+              <a:t>kube</a:t>
+            </a:r>
+            <a:r>
+              <a:rPr lang="en-US" baseline="0" dirty="0"/>
+              <a:t>-system addons-kubernetes-dashboard-5486b968b7-zf62b 8443:8443)</a:t>
+            </a:r>
+          </a:p>
+          <a:p>
+            <a:endParaRPr lang="en-US" baseline="0" dirty="0"/>
+          </a:p>
+          <a:p>
+            <a:r>
+              <a:rPr lang="en-US" baseline="0" dirty="0"/>
+              <a:t>Demo the dashboard</a:t>
+            </a:r>
+          </a:p>
+          <a:p>
+            <a:r>
+              <a:rPr lang="en-US" baseline="0" dirty="0"/>
+              <a:t>- Show status info &amp; utilization of nodes</a:t>
+            </a:r>
+          </a:p>
+          <a:p>
+            <a:r>
               <a:rPr lang="en-US" dirty="0"/>
-              <a:t>Setting up lots of small clusters individually leads to resource waste. The control plane / master needs to be high available but the resources reserved for fail-over usually idle.</a:t>
-            </a:r>
+              <a:t>- Show deployments</a:t>
+            </a:r>
+            <a:r>
+              <a:rPr lang="en-US" baseline="0" dirty="0"/>
+              <a:t> </a:t>
+            </a:r>
+            <a:r>
+              <a:rPr lang="en-US" dirty="0"/>
+              <a:t>&amp; services and how to create a new</a:t>
+            </a:r>
+            <a:r>
+              <a:rPr lang="en-US" baseline="0" dirty="0"/>
+              <a:t> deployment</a:t>
+            </a:r>
+            <a:endParaRPr lang="en-US" dirty="0"/>
           </a:p>
         </p:txBody>
       </p:sp>
@@ -2468,18 +2444,18 @@
           <a:lstStyle/>
           <a:p>
             <a:fld id="{7D8C2C35-2B8A-446E-BEC0-FD36716C29AC}" type="slidenum">
-              <a:rPr lang="en-US" smtClean="0"/>
+              <a:rPr lang="de-DE" smtClean="0"/>
               <a:pPr/>
               <a:t>21</a:t>
             </a:fld>
-            <a:endParaRPr lang="en-US" dirty="0"/>
+            <a:endParaRPr lang="de-DE" dirty="0"/>
           </a:p>
         </p:txBody>
       </p:sp>
     </p:spTree>
     <p:extLst>
       <p:ext uri="{BB962C8B-B14F-4D97-AF65-F5344CB8AC3E}">
-        <p14:creationId xmlns:p14="http://schemas.microsoft.com/office/powerpoint/2010/main" val="1487314377"/>
+        <p14:creationId xmlns:p14="http://schemas.microsoft.com/office/powerpoint/2010/main" val="3052625252"/>
       </p:ext>
     </p:extLst>
   </p:cSld>
@@ -2703,11 +2679,36 @@
           <a:p>
             <a:r>
               <a:rPr lang="en-US" dirty="0"/>
-              <a:t>Solution: Gardener runs the control plane / master components of many “worker” clusters in a </a:t>
+              <a:t>Gardener is SAP’s solution for managed </a:t>
+            </a:r>
+            <a:r>
+              <a:rPr lang="en-US" dirty="0" err="1"/>
+              <a:t>kubernetes</a:t>
+            </a:r>
+            <a:r>
+              <a:rPr lang="en-US" dirty="0"/>
+              <a:t> cluster. It is open source &amp; completely available on </a:t>
+            </a:r>
+            <a:r>
+              <a:rPr lang="en-US" dirty="0" err="1"/>
+              <a:t>github</a:t>
+            </a:r>
+            <a:r>
+              <a:rPr lang="en-US" dirty="0"/>
+              <a:t>: https://github.com/gardener/gardener/ </a:t>
+            </a:r>
+          </a:p>
+          <a:p>
+            <a:endParaRPr lang="en-US" dirty="0"/>
+          </a:p>
+          <a:p>
+            <a:r>
+              <a:rPr lang="en-US" dirty="0"/>
+              <a:t>Show internal landing page: https://github.wdf.sap.corp/pages/kubernetes/gardener/ including blog </a:t>
             </a:r>
             <a:r>
               <a:rPr lang="en-US"/>
-              <a:t>separate cluster</a:t>
+              <a:t>&amp; help section</a:t>
             </a:r>
             <a:endParaRPr lang="en-US" dirty="0"/>
           </a:p>
@@ -2740,7 +2741,7 @@
     </p:spTree>
     <p:extLst>
       <p:ext uri="{BB962C8B-B14F-4D97-AF65-F5344CB8AC3E}">
-        <p14:creationId xmlns:p14="http://schemas.microsoft.com/office/powerpoint/2010/main" val="1867122449"/>
+        <p14:creationId xmlns:p14="http://schemas.microsoft.com/office/powerpoint/2010/main" val="3611099769"/>
       </p:ext>
     </p:extLst>
   </p:cSld>
@@ -2794,7 +2795,10 @@
           <a:bodyPr/>
           <a:lstStyle/>
           <a:p>
-            <a:endParaRPr lang="en-US" dirty="0"/>
+            <a:r>
+              <a:rPr lang="en-US" dirty="0"/>
+              <a:t>Setting up lots of small clusters individually leads to resource waste. The control plane / master needs to be high available but the resources reserved for fail-over usually idle.</a:t>
+            </a:r>
           </a:p>
         </p:txBody>
       </p:sp>
@@ -2814,18 +2818,18 @@
           <a:lstStyle/>
           <a:p>
             <a:fld id="{7D8C2C35-2B8A-446E-BEC0-FD36716C29AC}" type="slidenum">
-              <a:rPr lang="de-DE" smtClean="0"/>
+              <a:rPr lang="en-US" smtClean="0"/>
               <a:pPr/>
               <a:t>23</a:t>
             </a:fld>
-            <a:endParaRPr lang="de-DE" dirty="0"/>
+            <a:endParaRPr lang="en-US" dirty="0"/>
           </a:p>
         </p:txBody>
       </p:sp>
     </p:spTree>
     <p:extLst>
       <p:ext uri="{BB962C8B-B14F-4D97-AF65-F5344CB8AC3E}">
-        <p14:creationId xmlns:p14="http://schemas.microsoft.com/office/powerpoint/2010/main" val="857575218"/>
+        <p14:creationId xmlns:p14="http://schemas.microsoft.com/office/powerpoint/2010/main" val="1487314377"/>
       </p:ext>
     </p:extLst>
   </p:cSld>
@@ -2836,6 +2840,99 @@
 </file>
 
 <file path=ppt/notesSlides/notesSlide22.xml><?xml version="1.0" encoding="utf-8"?>
+<p:notes xmlns:a="http://schemas.openxmlformats.org/drawingml/2006/main" xmlns:r="http://schemas.openxmlformats.org/officeDocument/2006/relationships" xmlns:p="http://schemas.openxmlformats.org/presentationml/2006/main">
+  <p:cSld>
+    <p:spTree>
+      <p:nvGrpSpPr>
+        <p:cNvPr id="1" name=""/>
+        <p:cNvGrpSpPr/>
+        <p:nvPr/>
+      </p:nvGrpSpPr>
+      <p:grpSpPr>
+        <a:xfrm>
+          <a:off x="0" y="0"/>
+          <a:ext cx="0" cy="0"/>
+          <a:chOff x="0" y="0"/>
+          <a:chExt cx="0" cy="0"/>
+        </a:xfrm>
+      </p:grpSpPr>
+      <p:sp>
+        <p:nvSpPr>
+          <p:cNvPr id="2" name="Slide Image Placeholder 1"/>
+          <p:cNvSpPr>
+            <a:spLocks noGrp="1" noRot="1" noChangeAspect="1"/>
+          </p:cNvSpPr>
+          <p:nvPr>
+            <p:ph type="sldImg"/>
+          </p:nvPr>
+        </p:nvSpPr>
+        <p:spPr/>
+      </p:sp>
+      <p:sp>
+        <p:nvSpPr>
+          <p:cNvPr id="3" name="Notes Placeholder 2"/>
+          <p:cNvSpPr>
+            <a:spLocks noGrp="1"/>
+          </p:cNvSpPr>
+          <p:nvPr>
+            <p:ph type="body" idx="1"/>
+          </p:nvPr>
+        </p:nvSpPr>
+        <p:spPr/>
+        <p:txBody>
+          <a:bodyPr/>
+          <a:lstStyle/>
+          <a:p>
+            <a:r>
+              <a:rPr lang="en-US" dirty="0"/>
+              <a:t>Solution: Gardener runs the control plane / master components of many “worker” clusters in a </a:t>
+            </a:r>
+            <a:r>
+              <a:rPr lang="en-US"/>
+              <a:t>separate cluster</a:t>
+            </a:r>
+            <a:endParaRPr lang="en-US" dirty="0"/>
+          </a:p>
+        </p:txBody>
+      </p:sp>
+      <p:sp>
+        <p:nvSpPr>
+          <p:cNvPr id="4" name="Slide Number Placeholder 3"/>
+          <p:cNvSpPr>
+            <a:spLocks noGrp="1"/>
+          </p:cNvSpPr>
+          <p:nvPr>
+            <p:ph type="sldNum" sz="quarter" idx="10"/>
+          </p:nvPr>
+        </p:nvSpPr>
+        <p:spPr/>
+        <p:txBody>
+          <a:bodyPr/>
+          <a:lstStyle/>
+          <a:p>
+            <a:fld id="{7D8C2C35-2B8A-446E-BEC0-FD36716C29AC}" type="slidenum">
+              <a:rPr lang="de-DE" smtClean="0"/>
+              <a:pPr/>
+              <a:t>24</a:t>
+            </a:fld>
+            <a:endParaRPr lang="de-DE" dirty="0"/>
+          </a:p>
+        </p:txBody>
+      </p:sp>
+    </p:spTree>
+    <p:extLst>
+      <p:ext uri="{BB962C8B-B14F-4D97-AF65-F5344CB8AC3E}">
+        <p14:creationId xmlns:p14="http://schemas.microsoft.com/office/powerpoint/2010/main" val="1867122449"/>
+      </p:ext>
+    </p:extLst>
+  </p:cSld>
+  <p:clrMapOvr>
+    <a:masterClrMapping/>
+  </p:clrMapOvr>
+</p:notes>
+</file>
+
+<file path=ppt/notesSlides/notesSlide23.xml><?xml version="1.0" encoding="utf-8"?>
 <p:notes xmlns:a="http://schemas.openxmlformats.org/drawingml/2006/main" xmlns:r="http://schemas.openxmlformats.org/officeDocument/2006/relationships" xmlns:p="http://schemas.openxmlformats.org/presentationml/2006/main">
   <p:cSld>
     <p:spTree>
@@ -2870,7 +2967,7 @@
             <a:fld id="{7D8C2C35-2B8A-446E-BEC0-FD36716C29AC}" type="slidenum">
               <a:rPr lang="en-US" smtClean="0"/>
               <a:pPr/>
-              <a:t>24</a:t>
+              <a:t>25</a:t>
             </a:fld>
             <a:endParaRPr lang="en-US" dirty="0"/>
           </a:p>
@@ -17464,7 +17561,7 @@
                   <a:schemeClr val="accent1"/>
                 </a:solidFill>
               </a:rPr>
-              <a:t>Administration</a:t>
+              <a:t>(Cluster) Administration</a:t>
             </a:r>
           </a:p>
         </p:txBody>
@@ -17562,6 +17659,2310 @@
 </file>
 
 <file path=ppt/slides/slide10.xml><?xml version="1.0" encoding="utf-8"?>
+<p:sld xmlns:a="http://schemas.openxmlformats.org/drawingml/2006/main" xmlns:r="http://schemas.openxmlformats.org/officeDocument/2006/relationships" xmlns:p="http://schemas.openxmlformats.org/presentationml/2006/main">
+  <p:cSld>
+    <p:spTree>
+      <p:nvGrpSpPr>
+        <p:cNvPr id="1" name=""/>
+        <p:cNvGrpSpPr/>
+        <p:nvPr/>
+      </p:nvGrpSpPr>
+      <p:grpSpPr>
+        <a:xfrm>
+          <a:off x="0" y="0"/>
+          <a:ext cx="0" cy="0"/>
+          <a:chOff x="0" y="0"/>
+          <a:chExt cx="0" cy="0"/>
+        </a:xfrm>
+      </p:grpSpPr>
+      <p:sp>
+        <p:nvSpPr>
+          <p:cNvPr id="3" name="Title 2"/>
+          <p:cNvSpPr>
+            <a:spLocks noGrp="1"/>
+          </p:cNvSpPr>
+          <p:nvPr>
+            <p:ph type="title"/>
+          </p:nvPr>
+        </p:nvSpPr>
+        <p:spPr/>
+        <p:txBody>
+          <a:bodyPr/>
+          <a:lstStyle/>
+          <a:p>
+            <a:r>
+              <a:rPr lang="en-US" dirty="0"/>
+              <a:t>A note on scheduling pods…</a:t>
+            </a:r>
+          </a:p>
+        </p:txBody>
+      </p:sp>
+      <p:sp>
+        <p:nvSpPr>
+          <p:cNvPr id="4" name="Rectangle 3"/>
+          <p:cNvSpPr/>
+          <p:nvPr/>
+        </p:nvSpPr>
+        <p:spPr bwMode="gray">
+          <a:xfrm>
+            <a:off x="858333" y="3180802"/>
+            <a:ext cx="2455957" cy="3070860"/>
+          </a:xfrm>
+          <a:prstGeom prst="rect">
+            <a:avLst/>
+          </a:prstGeom>
+          <a:ln>
+            <a:headEnd/>
+            <a:tailEnd/>
+          </a:ln>
+        </p:spPr>
+        <p:style>
+          <a:lnRef idx="1">
+            <a:schemeClr val="accent2"/>
+          </a:lnRef>
+          <a:fillRef idx="2">
+            <a:schemeClr val="accent2"/>
+          </a:fillRef>
+          <a:effectRef idx="1">
+            <a:schemeClr val="accent2"/>
+          </a:effectRef>
+          <a:fontRef idx="minor">
+            <a:schemeClr val="dk1"/>
+          </a:fontRef>
+        </p:style>
+        <p:txBody>
+          <a:bodyPr lIns="90000" tIns="72000" rIns="90000" bIns="72000" rtlCol="0" anchor="t"/>
+          <a:lstStyle/>
+          <a:p>
+            <a:pPr algn="ctr" defTabSz="914400" fontAlgn="base">
+              <a:spcBef>
+                <a:spcPct val="50000"/>
+              </a:spcBef>
+              <a:spcAft>
+                <a:spcPct val="0"/>
+              </a:spcAft>
+              <a:buClr>
+                <a:srgbClr val="F0AB00"/>
+              </a:buClr>
+              <a:buSzPct val="80000"/>
+            </a:pPr>
+            <a:r>
+              <a:rPr lang="de-DE" sz="2400" b="1" kern="0" dirty="0">
+                <a:ea typeface="Arial Unicode MS" pitchFamily="34" charset="-128"/>
+                <a:cs typeface="Arial Unicode MS" pitchFamily="34" charset="-128"/>
+              </a:rPr>
+              <a:t>Worker A</a:t>
+            </a:r>
+          </a:p>
+        </p:txBody>
+      </p:sp>
+      <p:sp>
+        <p:nvSpPr>
+          <p:cNvPr id="6" name="Rectangle 5"/>
+          <p:cNvSpPr/>
+          <p:nvPr/>
+        </p:nvSpPr>
+        <p:spPr bwMode="gray">
+          <a:xfrm>
+            <a:off x="1482013" y="4951493"/>
+            <a:ext cx="1208595" cy="773906"/>
+          </a:xfrm>
+          <a:prstGeom prst="rect">
+            <a:avLst/>
+          </a:prstGeom>
+          <a:ln>
+            <a:headEnd/>
+            <a:tailEnd/>
+          </a:ln>
+        </p:spPr>
+        <p:style>
+          <a:lnRef idx="2">
+            <a:schemeClr val="accent5">
+              <a:shade val="50000"/>
+            </a:schemeClr>
+          </a:lnRef>
+          <a:fillRef idx="1">
+            <a:schemeClr val="accent5"/>
+          </a:fillRef>
+          <a:effectRef idx="0">
+            <a:schemeClr val="accent5"/>
+          </a:effectRef>
+          <a:fontRef idx="minor">
+            <a:schemeClr val="lt1"/>
+          </a:fontRef>
+        </p:style>
+        <p:txBody>
+          <a:bodyPr lIns="90000" tIns="72000" rIns="90000" bIns="72000" rtlCol="0" anchor="ctr"/>
+          <a:lstStyle/>
+          <a:p>
+            <a:pPr marR="0" algn="ctr" defTabSz="914400" eaLnBrk="1" fontAlgn="base" latinLnBrk="0" hangingPunct="1">
+              <a:lnSpc>
+                <a:spcPct val="100000"/>
+              </a:lnSpc>
+              <a:spcBef>
+                <a:spcPct val="50000"/>
+              </a:spcBef>
+              <a:spcAft>
+                <a:spcPct val="0"/>
+              </a:spcAft>
+              <a:buClr>
+                <a:srgbClr val="F0AB00"/>
+              </a:buClr>
+              <a:buSzPct val="80000"/>
+              <a:tabLst/>
+            </a:pPr>
+            <a:r>
+              <a:rPr lang="de-DE" sz="1600" b="1" kern="0" noProof="0" dirty="0" err="1">
+                <a:ea typeface="Arial Unicode MS" pitchFamily="34" charset="-128"/>
+                <a:cs typeface="Arial Unicode MS" pitchFamily="34" charset="-128"/>
+              </a:rPr>
+              <a:t>Tolerate</a:t>
+            </a:r>
+            <a:r>
+              <a:rPr lang="de-DE" sz="1600" b="1" kern="0" noProof="0" dirty="0">
+                <a:ea typeface="Arial Unicode MS" pitchFamily="34" charset="-128"/>
+                <a:cs typeface="Arial Unicode MS" pitchFamily="34" charset="-128"/>
+              </a:rPr>
+              <a:t> </a:t>
+            </a:r>
+            <a:r>
+              <a:rPr lang="de-DE" sz="1600" b="1" kern="0" dirty="0">
+                <a:ea typeface="Arial Unicode MS" pitchFamily="34" charset="-128"/>
+                <a:cs typeface="Arial Unicode MS" pitchFamily="34" charset="-128"/>
+              </a:rPr>
+              <a:t>N</a:t>
+            </a:r>
+            <a:r>
+              <a:rPr lang="de-DE" sz="1600" b="1" kern="0" noProof="0" dirty="0" err="1">
+                <a:ea typeface="Arial Unicode MS" pitchFamily="34" charset="-128"/>
+                <a:cs typeface="Arial Unicode MS" pitchFamily="34" charset="-128"/>
+              </a:rPr>
+              <a:t>oUsers</a:t>
+            </a:r>
+            <a:endParaRPr kumimoji="0" lang="de-DE" sz="1600" b="1" i="0" u="none" strike="noStrike" kern="0" cap="none" spc="0" normalizeH="0" baseline="0" noProof="0" dirty="0">
+              <a:ln>
+                <a:noFill/>
+              </a:ln>
+              <a:effectLst/>
+              <a:uLnTx/>
+              <a:uFillTx/>
+              <a:ea typeface="Arial Unicode MS" pitchFamily="34" charset="-128"/>
+              <a:cs typeface="Arial Unicode MS" pitchFamily="34" charset="-128"/>
+            </a:endParaRPr>
+          </a:p>
+        </p:txBody>
+      </p:sp>
+      <p:sp>
+        <p:nvSpPr>
+          <p:cNvPr id="7" name="Rectangle 6"/>
+          <p:cNvSpPr/>
+          <p:nvPr/>
+        </p:nvSpPr>
+        <p:spPr bwMode="gray">
+          <a:xfrm>
+            <a:off x="3683173" y="3188970"/>
+            <a:ext cx="3703320" cy="3070860"/>
+          </a:xfrm>
+          <a:prstGeom prst="rect">
+            <a:avLst/>
+          </a:prstGeom>
+          <a:ln>
+            <a:headEnd/>
+            <a:tailEnd/>
+          </a:ln>
+        </p:spPr>
+        <p:style>
+          <a:lnRef idx="1">
+            <a:schemeClr val="accent2"/>
+          </a:lnRef>
+          <a:fillRef idx="2">
+            <a:schemeClr val="accent2"/>
+          </a:fillRef>
+          <a:effectRef idx="1">
+            <a:schemeClr val="accent2"/>
+          </a:effectRef>
+          <a:fontRef idx="minor">
+            <a:schemeClr val="dk1"/>
+          </a:fontRef>
+        </p:style>
+        <p:txBody>
+          <a:bodyPr lIns="90000" tIns="72000" rIns="90000" bIns="72000" rtlCol="0" anchor="t"/>
+          <a:lstStyle/>
+          <a:p>
+            <a:pPr algn="ctr" defTabSz="914400" fontAlgn="base">
+              <a:spcBef>
+                <a:spcPct val="50000"/>
+              </a:spcBef>
+              <a:spcAft>
+                <a:spcPct val="0"/>
+              </a:spcAft>
+              <a:buClr>
+                <a:srgbClr val="F0AB00"/>
+              </a:buClr>
+              <a:buSzPct val="80000"/>
+            </a:pPr>
+            <a:r>
+              <a:rPr lang="de-DE" sz="2400" b="1" kern="0" dirty="0">
+                <a:ea typeface="Arial Unicode MS" pitchFamily="34" charset="-128"/>
+                <a:cs typeface="Arial Unicode MS" pitchFamily="34" charset="-128"/>
+              </a:rPr>
+              <a:t>Worker B</a:t>
+            </a:r>
+          </a:p>
+        </p:txBody>
+      </p:sp>
+      <p:sp>
+        <p:nvSpPr>
+          <p:cNvPr id="9" name="Rectangle 8"/>
+          <p:cNvSpPr/>
+          <p:nvPr/>
+        </p:nvSpPr>
+        <p:spPr bwMode="gray">
+          <a:xfrm>
+            <a:off x="4301834" y="5005918"/>
+            <a:ext cx="1208595" cy="773906"/>
+          </a:xfrm>
+          <a:prstGeom prst="rect">
+            <a:avLst/>
+          </a:prstGeom>
+          <a:ln>
+            <a:headEnd/>
+            <a:tailEnd/>
+          </a:ln>
+        </p:spPr>
+        <p:style>
+          <a:lnRef idx="2">
+            <a:schemeClr val="accent2">
+              <a:shade val="50000"/>
+            </a:schemeClr>
+          </a:lnRef>
+          <a:fillRef idx="1">
+            <a:schemeClr val="accent2"/>
+          </a:fillRef>
+          <a:effectRef idx="0">
+            <a:schemeClr val="accent2"/>
+          </a:effectRef>
+          <a:fontRef idx="minor">
+            <a:schemeClr val="lt1"/>
+          </a:fontRef>
+        </p:style>
+        <p:txBody>
+          <a:bodyPr lIns="90000" tIns="72000" rIns="90000" bIns="72000" rtlCol="0" anchor="ctr"/>
+          <a:lstStyle/>
+          <a:p>
+            <a:pPr marR="0" algn="ctr" defTabSz="914400" eaLnBrk="1" fontAlgn="base" latinLnBrk="0" hangingPunct="1">
+              <a:lnSpc>
+                <a:spcPct val="100000"/>
+              </a:lnSpc>
+              <a:spcBef>
+                <a:spcPct val="50000"/>
+              </a:spcBef>
+              <a:spcAft>
+                <a:spcPct val="0"/>
+              </a:spcAft>
+              <a:buClr>
+                <a:srgbClr val="F0AB00"/>
+              </a:buClr>
+              <a:buSzPct val="80000"/>
+              <a:tabLst/>
+            </a:pPr>
+            <a:r>
+              <a:rPr lang="de-DE" sz="1600" b="1" kern="0" noProof="0" dirty="0" err="1">
+                <a:ea typeface="Arial Unicode MS" pitchFamily="34" charset="-128"/>
+                <a:cs typeface="Arial Unicode MS" pitchFamily="34" charset="-128"/>
+              </a:rPr>
+              <a:t>NotWith</a:t>
+            </a:r>
+            <a:r>
+              <a:rPr lang="de-DE" sz="1600" b="1" kern="0" noProof="0" dirty="0">
+                <a:ea typeface="Arial Unicode MS" pitchFamily="34" charset="-128"/>
+                <a:cs typeface="Arial Unicode MS" pitchFamily="34" charset="-128"/>
+              </a:rPr>
+              <a:t> Database</a:t>
+            </a:r>
+            <a:endParaRPr kumimoji="0" lang="de-DE" sz="1600" b="1" i="0" u="none" strike="noStrike" kern="0" cap="none" spc="0" normalizeH="0" baseline="0" noProof="0" dirty="0">
+              <a:ln>
+                <a:noFill/>
+              </a:ln>
+              <a:effectLst/>
+              <a:uLnTx/>
+              <a:uFillTx/>
+              <a:ea typeface="Arial Unicode MS" pitchFamily="34" charset="-128"/>
+              <a:cs typeface="Arial Unicode MS" pitchFamily="34" charset="-128"/>
+            </a:endParaRPr>
+          </a:p>
+        </p:txBody>
+      </p:sp>
+      <p:sp>
+        <p:nvSpPr>
+          <p:cNvPr id="11" name="Rectangle 10"/>
+          <p:cNvSpPr/>
+          <p:nvPr/>
+        </p:nvSpPr>
+        <p:spPr bwMode="gray">
+          <a:xfrm>
+            <a:off x="4620986" y="1141241"/>
+            <a:ext cx="1820636" cy="628650"/>
+          </a:xfrm>
+          <a:prstGeom prst="rect">
+            <a:avLst/>
+          </a:prstGeom>
+          <a:ln>
+            <a:headEnd/>
+            <a:tailEnd/>
+          </a:ln>
+        </p:spPr>
+        <p:style>
+          <a:lnRef idx="1">
+            <a:schemeClr val="accent2"/>
+          </a:lnRef>
+          <a:fillRef idx="2">
+            <a:schemeClr val="accent2"/>
+          </a:fillRef>
+          <a:effectRef idx="1">
+            <a:schemeClr val="accent2"/>
+          </a:effectRef>
+          <a:fontRef idx="minor">
+            <a:schemeClr val="dk1"/>
+          </a:fontRef>
+        </p:style>
+        <p:txBody>
+          <a:bodyPr lIns="90000" tIns="72000" rIns="90000" bIns="72000" rtlCol="0" anchor="ctr"/>
+          <a:lstStyle/>
+          <a:p>
+            <a:pPr marR="0" algn="ctr" defTabSz="914400" eaLnBrk="1" fontAlgn="base" latinLnBrk="0" hangingPunct="1">
+              <a:lnSpc>
+                <a:spcPct val="100000"/>
+              </a:lnSpc>
+              <a:spcBef>
+                <a:spcPct val="50000"/>
+              </a:spcBef>
+              <a:spcAft>
+                <a:spcPct val="0"/>
+              </a:spcAft>
+              <a:buClr>
+                <a:srgbClr val="F0AB00"/>
+              </a:buClr>
+              <a:buSzPct val="80000"/>
+              <a:tabLst/>
+            </a:pPr>
+            <a:r>
+              <a:rPr kumimoji="0" lang="en-US" sz="1800" b="1" i="0" u="none" strike="noStrike" kern="0" cap="none" spc="0" normalizeH="0" baseline="0" noProof="0" dirty="0">
+                <a:ln>
+                  <a:noFill/>
+                </a:ln>
+                <a:effectLst/>
+                <a:uLnTx/>
+                <a:uFillTx/>
+                <a:ea typeface="Arial Unicode MS" pitchFamily="34" charset="-128"/>
+                <a:cs typeface="Arial Unicode MS" pitchFamily="34" charset="-128"/>
+              </a:rPr>
+              <a:t>Scheduler</a:t>
+            </a:r>
+          </a:p>
+        </p:txBody>
+      </p:sp>
+      <p:cxnSp>
+        <p:nvCxnSpPr>
+          <p:cNvPr id="12" name="Connector: Elbow 11"/>
+          <p:cNvCxnSpPr>
+            <a:stCxn id="11" idx="2"/>
+            <a:endCxn id="4" idx="0"/>
+          </p:cNvCxnSpPr>
+          <p:nvPr/>
+        </p:nvCxnSpPr>
+        <p:spPr>
+          <a:xfrm rot="5400000">
+            <a:off x="3103353" y="752850"/>
+            <a:ext cx="1410911" cy="3444992"/>
+          </a:xfrm>
+          <a:prstGeom prst="bentConnector3">
+            <a:avLst/>
+          </a:prstGeom>
+          <a:ln w="57150">
+            <a:solidFill>
+              <a:schemeClr val="tx1"/>
+            </a:solidFill>
+            <a:headEnd type="none" w="med" len="med"/>
+            <a:tailEnd type="triangle"/>
+          </a:ln>
+        </p:spPr>
+        <p:style>
+          <a:lnRef idx="1">
+            <a:schemeClr val="accent1"/>
+          </a:lnRef>
+          <a:fillRef idx="0">
+            <a:schemeClr val="accent1"/>
+          </a:fillRef>
+          <a:effectRef idx="0">
+            <a:schemeClr val="accent1"/>
+          </a:effectRef>
+          <a:fontRef idx="minor">
+            <a:schemeClr val="tx1"/>
+          </a:fontRef>
+        </p:style>
+      </p:cxnSp>
+      <p:cxnSp>
+        <p:nvCxnSpPr>
+          <p:cNvPr id="13" name="Connector: Elbow 12"/>
+          <p:cNvCxnSpPr>
+            <a:stCxn id="11" idx="2"/>
+            <a:endCxn id="7" idx="0"/>
+          </p:cNvCxnSpPr>
+          <p:nvPr/>
+        </p:nvCxnSpPr>
+        <p:spPr>
+          <a:xfrm rot="16200000" flipH="1">
+            <a:off x="4823529" y="2477665"/>
+            <a:ext cx="1419079" cy="3529"/>
+          </a:xfrm>
+          <a:prstGeom prst="bentConnector3">
+            <a:avLst>
+              <a:gd name="adj1" fmla="val 50000"/>
+            </a:avLst>
+          </a:prstGeom>
+          <a:ln w="57150">
+            <a:solidFill>
+              <a:schemeClr val="tx1"/>
+            </a:solidFill>
+            <a:headEnd type="none" w="med" len="med"/>
+            <a:tailEnd type="triangle"/>
+          </a:ln>
+        </p:spPr>
+        <p:style>
+          <a:lnRef idx="1">
+            <a:schemeClr val="accent1"/>
+          </a:lnRef>
+          <a:fillRef idx="0">
+            <a:schemeClr val="accent1"/>
+          </a:fillRef>
+          <a:effectRef idx="0">
+            <a:schemeClr val="accent1"/>
+          </a:effectRef>
+          <a:fontRef idx="minor">
+            <a:schemeClr val="tx1"/>
+          </a:fontRef>
+        </p:style>
+      </p:cxnSp>
+      <p:sp>
+        <p:nvSpPr>
+          <p:cNvPr id="10" name="Flowchart: Preparation 9"/>
+          <p:cNvSpPr/>
+          <p:nvPr/>
+        </p:nvSpPr>
+        <p:spPr bwMode="gray">
+          <a:xfrm>
+            <a:off x="1184481" y="3826324"/>
+            <a:ext cx="1803657" cy="889908"/>
+          </a:xfrm>
+          <a:prstGeom prst="flowChartPreparation">
+            <a:avLst/>
+          </a:prstGeom>
+          <a:ln>
+            <a:headEnd/>
+            <a:tailEnd/>
+          </a:ln>
+        </p:spPr>
+        <p:style>
+          <a:lnRef idx="2">
+            <a:schemeClr val="accent5">
+              <a:shade val="50000"/>
+            </a:schemeClr>
+          </a:lnRef>
+          <a:fillRef idx="1">
+            <a:schemeClr val="accent5"/>
+          </a:fillRef>
+          <a:effectRef idx="0">
+            <a:schemeClr val="accent5"/>
+          </a:effectRef>
+          <a:fontRef idx="minor">
+            <a:schemeClr val="lt1"/>
+          </a:fontRef>
+        </p:style>
+        <p:txBody>
+          <a:bodyPr lIns="90000" tIns="72000" rIns="90000" bIns="72000" rtlCol="0" anchor="ctr"/>
+          <a:lstStyle/>
+          <a:p>
+            <a:pPr marR="0" algn="ctr" defTabSz="914400" eaLnBrk="1" fontAlgn="base" latinLnBrk="0" hangingPunct="1">
+              <a:lnSpc>
+                <a:spcPct val="100000"/>
+              </a:lnSpc>
+              <a:spcBef>
+                <a:spcPct val="50000"/>
+              </a:spcBef>
+              <a:spcAft>
+                <a:spcPct val="0"/>
+              </a:spcAft>
+              <a:buClr>
+                <a:srgbClr val="F0AB00"/>
+              </a:buClr>
+              <a:buSzPct val="80000"/>
+              <a:tabLst/>
+            </a:pPr>
+            <a:r>
+              <a:rPr lang="en-US" sz="1800" kern="0" noProof="0" dirty="0">
+                <a:ea typeface="Arial Unicode MS" pitchFamily="34" charset="-128"/>
+                <a:cs typeface="Arial Unicode MS" pitchFamily="34" charset="-128"/>
+              </a:rPr>
+              <a:t>Taint: </a:t>
+            </a:r>
+            <a:r>
+              <a:rPr lang="en-US" sz="1800" kern="0" noProof="0" dirty="0" err="1">
+                <a:ea typeface="Arial Unicode MS" pitchFamily="34" charset="-128"/>
+                <a:cs typeface="Arial Unicode MS" pitchFamily="34" charset="-128"/>
+              </a:rPr>
+              <a:t>NoUsers</a:t>
+            </a:r>
+            <a:endParaRPr kumimoji="0" lang="en-US" sz="1800" b="0" i="0" u="none" strike="noStrike" kern="0" cap="none" spc="0" normalizeH="0" baseline="0" noProof="0" dirty="0">
+              <a:ln>
+                <a:noFill/>
+              </a:ln>
+              <a:effectLst/>
+              <a:uLnTx/>
+              <a:uFillTx/>
+              <a:ea typeface="Arial Unicode MS" pitchFamily="34" charset="-128"/>
+              <a:cs typeface="Arial Unicode MS" pitchFamily="34" charset="-128"/>
+            </a:endParaRPr>
+          </a:p>
+        </p:txBody>
+      </p:sp>
+      <p:sp>
+        <p:nvSpPr>
+          <p:cNvPr id="19" name="Rectangle 18"/>
+          <p:cNvSpPr/>
+          <p:nvPr/>
+        </p:nvSpPr>
+        <p:spPr bwMode="gray">
+          <a:xfrm>
+            <a:off x="4301834" y="3966818"/>
+            <a:ext cx="1208595" cy="773906"/>
+          </a:xfrm>
+          <a:prstGeom prst="rect">
+            <a:avLst/>
+          </a:prstGeom>
+          <a:ln>
+            <a:headEnd/>
+            <a:tailEnd/>
+          </a:ln>
+        </p:spPr>
+        <p:style>
+          <a:lnRef idx="2">
+            <a:schemeClr val="accent4">
+              <a:shade val="50000"/>
+            </a:schemeClr>
+          </a:lnRef>
+          <a:fillRef idx="1">
+            <a:schemeClr val="accent4"/>
+          </a:fillRef>
+          <a:effectRef idx="0">
+            <a:schemeClr val="accent4"/>
+          </a:effectRef>
+          <a:fontRef idx="minor">
+            <a:schemeClr val="lt1"/>
+          </a:fontRef>
+        </p:style>
+        <p:txBody>
+          <a:bodyPr lIns="90000" tIns="72000" rIns="90000" bIns="72000" rtlCol="0" anchor="ctr"/>
+          <a:lstStyle/>
+          <a:p>
+            <a:pPr marR="0" algn="ctr" defTabSz="914400" eaLnBrk="1" fontAlgn="base" latinLnBrk="0" hangingPunct="1">
+              <a:lnSpc>
+                <a:spcPct val="100000"/>
+              </a:lnSpc>
+              <a:spcBef>
+                <a:spcPct val="50000"/>
+              </a:spcBef>
+              <a:spcAft>
+                <a:spcPct val="0"/>
+              </a:spcAft>
+              <a:buClr>
+                <a:srgbClr val="F0AB00"/>
+              </a:buClr>
+              <a:buSzPct val="80000"/>
+              <a:tabLst/>
+            </a:pPr>
+            <a:r>
+              <a:rPr kumimoji="0" lang="de-DE" sz="1600" b="1" i="0" u="none" strike="noStrike" kern="0" cap="none" spc="0" normalizeH="0" baseline="0" noProof="0" dirty="0" err="1">
+                <a:ln>
+                  <a:noFill/>
+                </a:ln>
+                <a:effectLst/>
+                <a:uLnTx/>
+                <a:uFillTx/>
+                <a:ea typeface="Arial Unicode MS" pitchFamily="34" charset="-128"/>
+                <a:cs typeface="Arial Unicode MS" pitchFamily="34" charset="-128"/>
+              </a:rPr>
+              <a:t>OnNodeB</a:t>
+            </a:r>
+            <a:endParaRPr kumimoji="0" lang="de-DE" sz="1600" b="1" i="0" u="none" strike="noStrike" kern="0" cap="none" spc="0" normalizeH="0" baseline="0" noProof="0" dirty="0">
+              <a:ln>
+                <a:noFill/>
+              </a:ln>
+              <a:effectLst/>
+              <a:uLnTx/>
+              <a:uFillTx/>
+              <a:ea typeface="Arial Unicode MS" pitchFamily="34" charset="-128"/>
+              <a:cs typeface="Arial Unicode MS" pitchFamily="34" charset="-128"/>
+            </a:endParaRPr>
+          </a:p>
+        </p:txBody>
+      </p:sp>
+      <p:sp>
+        <p:nvSpPr>
+          <p:cNvPr id="22" name="Rectangle 21"/>
+          <p:cNvSpPr/>
+          <p:nvPr/>
+        </p:nvSpPr>
+        <p:spPr bwMode="gray">
+          <a:xfrm>
+            <a:off x="7750357" y="3180802"/>
+            <a:ext cx="3703320" cy="3070860"/>
+          </a:xfrm>
+          <a:prstGeom prst="rect">
+            <a:avLst/>
+          </a:prstGeom>
+          <a:ln>
+            <a:headEnd/>
+            <a:tailEnd/>
+          </a:ln>
+        </p:spPr>
+        <p:style>
+          <a:lnRef idx="1">
+            <a:schemeClr val="accent2"/>
+          </a:lnRef>
+          <a:fillRef idx="2">
+            <a:schemeClr val="accent2"/>
+          </a:fillRef>
+          <a:effectRef idx="1">
+            <a:schemeClr val="accent2"/>
+          </a:effectRef>
+          <a:fontRef idx="minor">
+            <a:schemeClr val="dk1"/>
+          </a:fontRef>
+        </p:style>
+        <p:txBody>
+          <a:bodyPr lIns="90000" tIns="72000" rIns="90000" bIns="72000" rtlCol="0" anchor="t"/>
+          <a:lstStyle/>
+          <a:p>
+            <a:pPr algn="ctr" defTabSz="914400" fontAlgn="base">
+              <a:spcBef>
+                <a:spcPct val="50000"/>
+              </a:spcBef>
+              <a:spcAft>
+                <a:spcPct val="0"/>
+              </a:spcAft>
+              <a:buClr>
+                <a:srgbClr val="F0AB00"/>
+              </a:buClr>
+              <a:buSzPct val="80000"/>
+            </a:pPr>
+            <a:r>
+              <a:rPr lang="de-DE" sz="2400" b="1" kern="0" dirty="0">
+                <a:ea typeface="Arial Unicode MS" pitchFamily="34" charset="-128"/>
+                <a:cs typeface="Arial Unicode MS" pitchFamily="34" charset="-128"/>
+              </a:rPr>
+              <a:t>Worker C</a:t>
+            </a:r>
+          </a:p>
+        </p:txBody>
+      </p:sp>
+      <p:sp>
+        <p:nvSpPr>
+          <p:cNvPr id="23" name="Rectangle 22"/>
+          <p:cNvSpPr/>
+          <p:nvPr/>
+        </p:nvSpPr>
+        <p:spPr bwMode="gray">
+          <a:xfrm>
+            <a:off x="8291479" y="4896456"/>
+            <a:ext cx="1208595" cy="773906"/>
+          </a:xfrm>
+          <a:prstGeom prst="rect">
+            <a:avLst/>
+          </a:prstGeom>
+          <a:ln>
+            <a:headEnd/>
+            <a:tailEnd/>
+          </a:ln>
+        </p:spPr>
+        <p:style>
+          <a:lnRef idx="2">
+            <a:schemeClr val="accent2">
+              <a:shade val="50000"/>
+            </a:schemeClr>
+          </a:lnRef>
+          <a:fillRef idx="1">
+            <a:schemeClr val="accent2"/>
+          </a:fillRef>
+          <a:effectRef idx="0">
+            <a:schemeClr val="accent2"/>
+          </a:effectRef>
+          <a:fontRef idx="minor">
+            <a:schemeClr val="lt1"/>
+          </a:fontRef>
+        </p:style>
+        <p:txBody>
+          <a:bodyPr lIns="90000" tIns="72000" rIns="90000" bIns="72000" rtlCol="0" anchor="ctr"/>
+          <a:lstStyle/>
+          <a:p>
+            <a:pPr marR="0" algn="ctr" defTabSz="914400" eaLnBrk="1" fontAlgn="base" latinLnBrk="0" hangingPunct="1">
+              <a:lnSpc>
+                <a:spcPct val="100000"/>
+              </a:lnSpc>
+              <a:spcBef>
+                <a:spcPct val="50000"/>
+              </a:spcBef>
+              <a:spcAft>
+                <a:spcPct val="0"/>
+              </a:spcAft>
+              <a:buClr>
+                <a:srgbClr val="F0AB00"/>
+              </a:buClr>
+              <a:buSzPct val="80000"/>
+              <a:tabLst/>
+            </a:pPr>
+            <a:r>
+              <a:rPr kumimoji="0" lang="de-DE" sz="1600" b="1" i="0" u="none" strike="noStrike" kern="0" cap="none" spc="0" normalizeH="0" baseline="0" noProof="0" dirty="0" err="1">
+                <a:ln>
+                  <a:noFill/>
+                </a:ln>
+                <a:effectLst/>
+                <a:uLnTx/>
+                <a:uFillTx/>
+                <a:ea typeface="Arial Unicode MS" pitchFamily="34" charset="-128"/>
+                <a:cs typeface="Arial Unicode MS" pitchFamily="34" charset="-128"/>
+              </a:rPr>
+              <a:t>NotWith</a:t>
+            </a:r>
+            <a:r>
+              <a:rPr kumimoji="0" lang="de-DE" sz="1600" b="1" i="0" u="none" strike="noStrike" kern="0" cap="none" spc="0" normalizeH="0" baseline="0" noProof="0" dirty="0">
+                <a:ln>
+                  <a:noFill/>
+                </a:ln>
+                <a:effectLst/>
+                <a:uLnTx/>
+                <a:uFillTx/>
+                <a:ea typeface="Arial Unicode MS" pitchFamily="34" charset="-128"/>
+                <a:cs typeface="Arial Unicode MS" pitchFamily="34" charset="-128"/>
+              </a:rPr>
+              <a:t> Database</a:t>
+            </a:r>
+          </a:p>
+        </p:txBody>
+      </p:sp>
+      <p:sp>
+        <p:nvSpPr>
+          <p:cNvPr id="24" name="Rectangle 23"/>
+          <p:cNvSpPr/>
+          <p:nvPr/>
+        </p:nvSpPr>
+        <p:spPr bwMode="gray">
+          <a:xfrm>
+            <a:off x="8291478" y="3966818"/>
+            <a:ext cx="1208595" cy="773906"/>
+          </a:xfrm>
+          <a:prstGeom prst="rect">
+            <a:avLst/>
+          </a:prstGeom>
+          <a:ln>
+            <a:headEnd/>
+            <a:tailEnd/>
+          </a:ln>
+        </p:spPr>
+        <p:style>
+          <a:lnRef idx="2">
+            <a:schemeClr val="accent2">
+              <a:shade val="50000"/>
+            </a:schemeClr>
+          </a:lnRef>
+          <a:fillRef idx="1">
+            <a:schemeClr val="accent2"/>
+          </a:fillRef>
+          <a:effectRef idx="0">
+            <a:schemeClr val="accent2"/>
+          </a:effectRef>
+          <a:fontRef idx="minor">
+            <a:schemeClr val="lt1"/>
+          </a:fontRef>
+        </p:style>
+        <p:txBody>
+          <a:bodyPr lIns="90000" tIns="72000" rIns="90000" bIns="72000" rtlCol="0" anchor="ctr"/>
+          <a:lstStyle/>
+          <a:p>
+            <a:pPr marR="0" algn="ctr" defTabSz="914400" eaLnBrk="1" fontAlgn="base" latinLnBrk="0" hangingPunct="1">
+              <a:lnSpc>
+                <a:spcPct val="100000"/>
+              </a:lnSpc>
+              <a:spcBef>
+                <a:spcPct val="50000"/>
+              </a:spcBef>
+              <a:spcAft>
+                <a:spcPct val="0"/>
+              </a:spcAft>
+              <a:buClr>
+                <a:srgbClr val="F0AB00"/>
+              </a:buClr>
+              <a:buSzPct val="80000"/>
+              <a:tabLst/>
+            </a:pPr>
+            <a:r>
+              <a:rPr lang="de-DE" sz="1600" b="1" kern="0" dirty="0">
+                <a:ea typeface="Arial Unicode MS" pitchFamily="34" charset="-128"/>
+                <a:cs typeface="Arial Unicode MS" pitchFamily="34" charset="-128"/>
+              </a:rPr>
+              <a:t>Backend </a:t>
+            </a:r>
+            <a:r>
+              <a:rPr lang="de-DE" sz="1600" b="1" kern="0" dirty="0" err="1">
+                <a:ea typeface="Arial Unicode MS" pitchFamily="34" charset="-128"/>
+                <a:cs typeface="Arial Unicode MS" pitchFamily="34" charset="-128"/>
+              </a:rPr>
+              <a:t>With</a:t>
+            </a:r>
+            <a:r>
+              <a:rPr lang="de-DE" sz="1600" b="1" kern="0" dirty="0">
+                <a:ea typeface="Arial Unicode MS" pitchFamily="34" charset="-128"/>
+                <a:cs typeface="Arial Unicode MS" pitchFamily="34" charset="-128"/>
+              </a:rPr>
+              <a:t> Frontend</a:t>
+            </a:r>
+            <a:endParaRPr kumimoji="0" lang="de-DE" sz="1600" b="1" i="0" u="none" strike="noStrike" kern="0" cap="none" spc="0" normalizeH="0" baseline="0" noProof="0" dirty="0">
+              <a:ln>
+                <a:noFill/>
+              </a:ln>
+              <a:effectLst/>
+              <a:uLnTx/>
+              <a:uFillTx/>
+              <a:ea typeface="Arial Unicode MS" pitchFamily="34" charset="-128"/>
+              <a:cs typeface="Arial Unicode MS" pitchFamily="34" charset="-128"/>
+            </a:endParaRPr>
+          </a:p>
+        </p:txBody>
+      </p:sp>
+      <p:cxnSp>
+        <p:nvCxnSpPr>
+          <p:cNvPr id="28" name="Connector: Elbow 27"/>
+          <p:cNvCxnSpPr>
+            <a:stCxn id="11" idx="2"/>
+            <a:endCxn id="22" idx="0"/>
+          </p:cNvCxnSpPr>
+          <p:nvPr/>
+        </p:nvCxnSpPr>
+        <p:spPr>
+          <a:xfrm rot="16200000" flipH="1">
+            <a:off x="6861205" y="439989"/>
+            <a:ext cx="1410911" cy="4070713"/>
+          </a:xfrm>
+          <a:prstGeom prst="bentConnector3">
+            <a:avLst>
+              <a:gd name="adj1" fmla="val 50000"/>
+            </a:avLst>
+          </a:prstGeom>
+          <a:ln w="57150">
+            <a:solidFill>
+              <a:schemeClr val="tx1"/>
+            </a:solidFill>
+            <a:headEnd type="none" w="med" len="med"/>
+            <a:tailEnd type="triangle"/>
+          </a:ln>
+        </p:spPr>
+        <p:style>
+          <a:lnRef idx="1">
+            <a:schemeClr val="accent1"/>
+          </a:lnRef>
+          <a:fillRef idx="0">
+            <a:schemeClr val="accent1"/>
+          </a:fillRef>
+          <a:effectRef idx="0">
+            <a:schemeClr val="accent1"/>
+          </a:effectRef>
+          <a:fontRef idx="minor">
+            <a:schemeClr val="tx1"/>
+          </a:fontRef>
+        </p:style>
+      </p:cxnSp>
+      <p:sp>
+        <p:nvSpPr>
+          <p:cNvPr id="31" name="Rectangle 30"/>
+          <p:cNvSpPr/>
+          <p:nvPr/>
+        </p:nvSpPr>
+        <p:spPr bwMode="gray">
+          <a:xfrm>
+            <a:off x="5755533" y="3981031"/>
+            <a:ext cx="1208595" cy="773906"/>
+          </a:xfrm>
+          <a:prstGeom prst="rect">
+            <a:avLst/>
+          </a:prstGeom>
+          <a:ln>
+            <a:headEnd/>
+            <a:tailEnd/>
+          </a:ln>
+        </p:spPr>
+        <p:style>
+          <a:lnRef idx="2">
+            <a:schemeClr val="accent4">
+              <a:shade val="50000"/>
+            </a:schemeClr>
+          </a:lnRef>
+          <a:fillRef idx="1">
+            <a:schemeClr val="accent4"/>
+          </a:fillRef>
+          <a:effectRef idx="0">
+            <a:schemeClr val="accent4"/>
+          </a:effectRef>
+          <a:fontRef idx="minor">
+            <a:schemeClr val="lt1"/>
+          </a:fontRef>
+        </p:style>
+        <p:txBody>
+          <a:bodyPr lIns="90000" tIns="72000" rIns="90000" bIns="72000" rtlCol="0" anchor="ctr"/>
+          <a:lstStyle/>
+          <a:p>
+            <a:pPr marR="0" algn="ctr" defTabSz="914400" eaLnBrk="1" fontAlgn="base" latinLnBrk="0" hangingPunct="1">
+              <a:lnSpc>
+                <a:spcPct val="100000"/>
+              </a:lnSpc>
+              <a:spcBef>
+                <a:spcPct val="50000"/>
+              </a:spcBef>
+              <a:spcAft>
+                <a:spcPct val="0"/>
+              </a:spcAft>
+              <a:buClr>
+                <a:srgbClr val="F0AB00"/>
+              </a:buClr>
+              <a:buSzPct val="80000"/>
+              <a:tabLst/>
+            </a:pPr>
+            <a:r>
+              <a:rPr lang="de-DE" sz="1600" b="1" kern="0" noProof="0" dirty="0" err="1">
+                <a:ea typeface="Arial Unicode MS" pitchFamily="34" charset="-128"/>
+                <a:cs typeface="Arial Unicode MS" pitchFamily="34" charset="-128"/>
+              </a:rPr>
+              <a:t>OnNodeB</a:t>
+            </a:r>
+            <a:endParaRPr kumimoji="0" lang="de-DE" sz="1600" b="1" i="0" u="none" strike="noStrike" kern="0" cap="none" spc="0" normalizeH="0" baseline="0" noProof="0" dirty="0">
+              <a:ln>
+                <a:noFill/>
+              </a:ln>
+              <a:effectLst/>
+              <a:uLnTx/>
+              <a:uFillTx/>
+              <a:ea typeface="Arial Unicode MS" pitchFamily="34" charset="-128"/>
+              <a:cs typeface="Arial Unicode MS" pitchFamily="34" charset="-128"/>
+            </a:endParaRPr>
+          </a:p>
+        </p:txBody>
+      </p:sp>
+      <p:sp>
+        <p:nvSpPr>
+          <p:cNvPr id="32" name="Rectangle 31"/>
+          <p:cNvSpPr/>
+          <p:nvPr/>
+        </p:nvSpPr>
+        <p:spPr bwMode="gray">
+          <a:xfrm>
+            <a:off x="9863937" y="3942326"/>
+            <a:ext cx="1208595" cy="773906"/>
+          </a:xfrm>
+          <a:prstGeom prst="rect">
+            <a:avLst/>
+          </a:prstGeom>
+          <a:ln>
+            <a:headEnd/>
+            <a:tailEnd/>
+          </a:ln>
+        </p:spPr>
+        <p:style>
+          <a:lnRef idx="2">
+            <a:schemeClr val="accent2">
+              <a:shade val="50000"/>
+            </a:schemeClr>
+          </a:lnRef>
+          <a:fillRef idx="1">
+            <a:schemeClr val="accent2"/>
+          </a:fillRef>
+          <a:effectRef idx="0">
+            <a:schemeClr val="accent2"/>
+          </a:effectRef>
+          <a:fontRef idx="minor">
+            <a:schemeClr val="lt1"/>
+          </a:fontRef>
+        </p:style>
+        <p:txBody>
+          <a:bodyPr lIns="90000" tIns="72000" rIns="90000" bIns="72000" rtlCol="0" anchor="ctr"/>
+          <a:lstStyle/>
+          <a:p>
+            <a:pPr marR="0" algn="ctr" defTabSz="914400" eaLnBrk="1" fontAlgn="base" latinLnBrk="0" hangingPunct="1">
+              <a:lnSpc>
+                <a:spcPct val="100000"/>
+              </a:lnSpc>
+              <a:spcBef>
+                <a:spcPct val="50000"/>
+              </a:spcBef>
+              <a:spcAft>
+                <a:spcPct val="0"/>
+              </a:spcAft>
+              <a:buClr>
+                <a:srgbClr val="F0AB00"/>
+              </a:buClr>
+              <a:buSzPct val="80000"/>
+              <a:tabLst/>
+            </a:pPr>
+            <a:r>
+              <a:rPr kumimoji="0" lang="en-US" sz="1600" b="1" i="0" u="none" strike="noStrike" kern="0" cap="none" spc="0" normalizeH="0" baseline="0" dirty="0">
+                <a:ln>
+                  <a:noFill/>
+                </a:ln>
+                <a:effectLst/>
+                <a:uLnTx/>
+                <a:uFillTx/>
+                <a:ea typeface="Arial Unicode MS" pitchFamily="34" charset="-128"/>
+                <a:cs typeface="Arial Unicode MS" pitchFamily="34" charset="-128"/>
+              </a:rPr>
+              <a:t>Frontend</a:t>
+            </a:r>
+            <a:r>
+              <a:rPr kumimoji="0" lang="en-US" sz="1600" b="1" i="0" u="none" strike="noStrike" kern="0" cap="none" spc="0" normalizeH="0" dirty="0">
+                <a:ln>
+                  <a:noFill/>
+                </a:ln>
+                <a:effectLst/>
+                <a:uLnTx/>
+                <a:uFillTx/>
+                <a:ea typeface="Arial Unicode MS" pitchFamily="34" charset="-128"/>
+                <a:cs typeface="Arial Unicode MS" pitchFamily="34" charset="-128"/>
+              </a:rPr>
+              <a:t> With Backend</a:t>
+            </a:r>
+            <a:endParaRPr kumimoji="0" lang="en-US" sz="1600" b="1" i="0" u="none" strike="noStrike" kern="0" cap="none" spc="0" normalizeH="0" baseline="0" dirty="0">
+              <a:ln>
+                <a:noFill/>
+              </a:ln>
+              <a:effectLst/>
+              <a:uLnTx/>
+              <a:uFillTx/>
+              <a:ea typeface="Arial Unicode MS" pitchFamily="34" charset="-128"/>
+              <a:cs typeface="Arial Unicode MS" pitchFamily="34" charset="-128"/>
+            </a:endParaRPr>
+          </a:p>
+        </p:txBody>
+      </p:sp>
+    </p:spTree>
+    <p:extLst>
+      <p:ext uri="{BB962C8B-B14F-4D97-AF65-F5344CB8AC3E}">
+        <p14:creationId xmlns:p14="http://schemas.microsoft.com/office/powerpoint/2010/main" val="46476458"/>
+      </p:ext>
+    </p:extLst>
+  </p:cSld>
+  <p:clrMapOvr>
+    <a:masterClrMapping/>
+  </p:clrMapOvr>
+</p:sld>
+</file>
+
+<file path=ppt/slides/slide11.xml><?xml version="1.0" encoding="utf-8"?>
+<p:sld xmlns:a="http://schemas.openxmlformats.org/drawingml/2006/main" xmlns:r="http://schemas.openxmlformats.org/officeDocument/2006/relationships" xmlns:p="http://schemas.openxmlformats.org/presentationml/2006/main">
+  <p:cSld>
+    <p:spTree>
+      <p:nvGrpSpPr>
+        <p:cNvPr id="1" name=""/>
+        <p:cNvGrpSpPr/>
+        <p:nvPr/>
+      </p:nvGrpSpPr>
+      <p:grpSpPr>
+        <a:xfrm>
+          <a:off x="0" y="0"/>
+          <a:ext cx="0" cy="0"/>
+          <a:chOff x="0" y="0"/>
+          <a:chExt cx="0" cy="0"/>
+        </a:xfrm>
+      </p:grpSpPr>
+      <p:sp>
+        <p:nvSpPr>
+          <p:cNvPr id="3" name="Title 2">
+            <a:extLst>
+              <a:ext uri="{FF2B5EF4-FFF2-40B4-BE49-F238E27FC236}">
+                <a16:creationId xmlns:a16="http://schemas.microsoft.com/office/drawing/2014/main" id="{4B5B3171-6747-4BE9-86AF-A5644F76A623}"/>
+              </a:ext>
+            </a:extLst>
+          </p:cNvPr>
+          <p:cNvSpPr>
+            <a:spLocks noGrp="1"/>
+          </p:cNvSpPr>
+          <p:nvPr>
+            <p:ph type="title"/>
+          </p:nvPr>
+        </p:nvSpPr>
+        <p:spPr/>
+        <p:txBody>
+          <a:bodyPr/>
+          <a:lstStyle/>
+          <a:p>
+            <a:r>
+              <a:rPr lang="en-US" dirty="0"/>
+              <a:t>Example: </a:t>
+            </a:r>
+            <a:r>
+              <a:rPr lang="en-US" dirty="0" err="1"/>
+              <a:t>NodeSelector</a:t>
+            </a:r>
+            <a:endParaRPr lang="en-US" dirty="0"/>
+          </a:p>
+        </p:txBody>
+      </p:sp>
+      <p:pic>
+        <p:nvPicPr>
+          <p:cNvPr id="4" name="Picture 3">
+            <a:extLst>
+              <a:ext uri="{FF2B5EF4-FFF2-40B4-BE49-F238E27FC236}">
+                <a16:creationId xmlns:a16="http://schemas.microsoft.com/office/drawing/2014/main" id="{63572B24-95A9-44B1-ADEF-F45AE37D5E46}"/>
+              </a:ext>
+            </a:extLst>
+          </p:cNvPr>
+          <p:cNvPicPr>
+            <a:picLocks noChangeAspect="1"/>
+          </p:cNvPicPr>
+          <p:nvPr/>
+        </p:nvPicPr>
+        <p:blipFill>
+          <a:blip r:embed="rId2"/>
+          <a:stretch>
+            <a:fillRect/>
+          </a:stretch>
+        </p:blipFill>
+        <p:spPr>
+          <a:xfrm>
+            <a:off x="1839050" y="1611085"/>
+            <a:ext cx="8516377" cy="4055938"/>
+          </a:xfrm>
+          <a:prstGeom prst="rect">
+            <a:avLst/>
+          </a:prstGeom>
+        </p:spPr>
+      </p:pic>
+    </p:spTree>
+    <p:extLst>
+      <p:ext uri="{BB962C8B-B14F-4D97-AF65-F5344CB8AC3E}">
+        <p14:creationId xmlns:p14="http://schemas.microsoft.com/office/powerpoint/2010/main" val="3881617192"/>
+      </p:ext>
+    </p:extLst>
+  </p:cSld>
+  <p:clrMapOvr>
+    <a:masterClrMapping/>
+  </p:clrMapOvr>
+</p:sld>
+</file>
+
+<file path=ppt/slides/slide12.xml><?xml version="1.0" encoding="utf-8"?>
+<p:sld xmlns:a="http://schemas.openxmlformats.org/drawingml/2006/main" xmlns:r="http://schemas.openxmlformats.org/officeDocument/2006/relationships" xmlns:p="http://schemas.openxmlformats.org/presentationml/2006/main">
+  <p:cSld>
+    <p:spTree>
+      <p:nvGrpSpPr>
+        <p:cNvPr id="1" name=""/>
+        <p:cNvGrpSpPr/>
+        <p:nvPr/>
+      </p:nvGrpSpPr>
+      <p:grpSpPr>
+        <a:xfrm>
+          <a:off x="0" y="0"/>
+          <a:ext cx="0" cy="0"/>
+          <a:chOff x="0" y="0"/>
+          <a:chExt cx="0" cy="0"/>
+        </a:xfrm>
+      </p:grpSpPr>
+      <p:sp>
+        <p:nvSpPr>
+          <p:cNvPr id="5" name="Text Placeholder 4"/>
+          <p:cNvSpPr>
+            <a:spLocks noGrp="1"/>
+          </p:cNvSpPr>
+          <p:nvPr>
+            <p:ph type="body" sz="quarter" idx="14"/>
+          </p:nvPr>
+        </p:nvSpPr>
+        <p:spPr/>
+        <p:txBody>
+          <a:bodyPr/>
+          <a:lstStyle/>
+          <a:p>
+            <a:r>
+              <a:rPr lang="en-US" dirty="0"/>
+              <a:t>Kubernetes</a:t>
+            </a:r>
+            <a:br>
+              <a:rPr lang="en-US" dirty="0"/>
+            </a:br>
+            <a:r>
+              <a:rPr lang="en-US" dirty="0">
+                <a:solidFill>
+                  <a:schemeClr val="accent1"/>
+                </a:solidFill>
+              </a:rPr>
+              <a:t>Policies</a:t>
+            </a:r>
+          </a:p>
+        </p:txBody>
+      </p:sp>
+      <p:pic>
+        <p:nvPicPr>
+          <p:cNvPr id="3" name="Picture Placeholder 2"/>
+          <p:cNvPicPr>
+            <a:picLocks noGrp="1" noChangeAspect="1"/>
+          </p:cNvPicPr>
+          <p:nvPr>
+            <p:ph type="pic" sz="quarter" idx="12"/>
+          </p:nvPr>
+        </p:nvPicPr>
+        <p:blipFill>
+          <a:blip r:embed="rId3"/>
+          <a:srcRect t="3112" b="3112"/>
+          <a:stretch>
+            <a:fillRect/>
+          </a:stretch>
+        </p:blipFill>
+        <p:spPr/>
+      </p:pic>
+      <p:pic>
+        <p:nvPicPr>
+          <p:cNvPr id="4" name="Picture 3" descr="cid:image003.png@01D31CC6.A08B1C50">
+            <a:extLst>
+              <a:ext uri="{FF2B5EF4-FFF2-40B4-BE49-F238E27FC236}">
+                <a16:creationId xmlns:a16="http://schemas.microsoft.com/office/drawing/2014/main" id="{CE860390-F50F-48A8-AA1A-AE0217946FC1}"/>
+              </a:ext>
+            </a:extLst>
+          </p:cNvPr>
+          <p:cNvPicPr>
+            <a:picLocks noChangeAspect="1" noChangeArrowheads="1"/>
+          </p:cNvPicPr>
+          <p:nvPr/>
+        </p:nvPicPr>
+        <p:blipFill>
+          <a:blip r:embed="rId4">
+            <a:extLst>
+              <a:ext uri="{28A0092B-C50C-407E-A947-70E740481C1C}">
+                <a14:useLocalDpi xmlns:a14="http://schemas.microsoft.com/office/drawing/2010/main" val="0"/>
+              </a:ext>
+            </a:extLst>
+          </a:blip>
+          <a:srcRect/>
+          <a:stretch>
+            <a:fillRect/>
+          </a:stretch>
+        </p:blipFill>
+        <p:spPr bwMode="auto">
+          <a:xfrm>
+            <a:off x="10780712" y="5721975"/>
+            <a:ext cx="1414463" cy="1136025"/>
+          </a:xfrm>
+          <a:prstGeom prst="rect">
+            <a:avLst/>
+          </a:prstGeom>
+          <a:noFill/>
+          <a:ln>
+            <a:noFill/>
+          </a:ln>
+          <a:extLst>
+            <a:ext uri="{909E8E84-426E-40DD-AFC4-6F175D3DCCD1}">
+              <a14:hiddenFill xmlns:a14="http://schemas.microsoft.com/office/drawing/2010/main">
+                <a:solidFill>
+                  <a:srgbClr val="FFFFFF"/>
+                </a:solidFill>
+              </a14:hiddenFill>
+            </a:ext>
+            <a:ext uri="{91240B29-F687-4F45-9708-019B960494DF}">
+              <a14:hiddenLine xmlns:a14="http://schemas.microsoft.com/office/drawing/2010/main" w="9525">
+                <a:solidFill>
+                  <a:srgbClr val="000000"/>
+                </a:solidFill>
+                <a:miter lim="800000"/>
+                <a:headEnd/>
+                <a:tailEnd/>
+              </a14:hiddenLine>
+            </a:ext>
+          </a:extLst>
+        </p:spPr>
+      </p:pic>
+    </p:spTree>
+    <p:extLst>
+      <p:ext uri="{BB962C8B-B14F-4D97-AF65-F5344CB8AC3E}">
+        <p14:creationId xmlns:p14="http://schemas.microsoft.com/office/powerpoint/2010/main" val="1818809250"/>
+      </p:ext>
+    </p:extLst>
+  </p:cSld>
+  <p:clrMapOvr>
+    <a:masterClrMapping/>
+  </p:clrMapOvr>
+</p:sld>
+</file>
+
+<file path=ppt/slides/slide13.xml><?xml version="1.0" encoding="utf-8"?>
+<p:sld xmlns:a="http://schemas.openxmlformats.org/drawingml/2006/main" xmlns:r="http://schemas.openxmlformats.org/officeDocument/2006/relationships" xmlns:p="http://schemas.openxmlformats.org/presentationml/2006/main">
+  <p:cSld>
+    <p:spTree>
+      <p:nvGrpSpPr>
+        <p:cNvPr id="1" name=""/>
+        <p:cNvGrpSpPr/>
+        <p:nvPr/>
+      </p:nvGrpSpPr>
+      <p:grpSpPr>
+        <a:xfrm>
+          <a:off x="0" y="0"/>
+          <a:ext cx="0" cy="0"/>
+          <a:chOff x="0" y="0"/>
+          <a:chExt cx="0" cy="0"/>
+        </a:xfrm>
+      </p:grpSpPr>
+      <p:sp>
+        <p:nvSpPr>
+          <p:cNvPr id="5" name="Title 4">
+            <a:extLst>
+              <a:ext uri="{FF2B5EF4-FFF2-40B4-BE49-F238E27FC236}">
+                <a16:creationId xmlns:a16="http://schemas.microsoft.com/office/drawing/2014/main" id="{46E6719E-DF84-4D90-8AE6-056F3CCA74E8}"/>
+              </a:ext>
+            </a:extLst>
+          </p:cNvPr>
+          <p:cNvSpPr>
+            <a:spLocks noGrp="1"/>
+          </p:cNvSpPr>
+          <p:nvPr>
+            <p:ph type="title"/>
+          </p:nvPr>
+        </p:nvSpPr>
+        <p:spPr/>
+        <p:txBody>
+          <a:bodyPr/>
+          <a:lstStyle/>
+          <a:p>
+            <a:r>
+              <a:rPr lang="en-US" dirty="0"/>
+              <a:t>Policy objects in Kubernetes</a:t>
+            </a:r>
+          </a:p>
+        </p:txBody>
+      </p:sp>
+      <p:sp>
+        <p:nvSpPr>
+          <p:cNvPr id="6" name="Rectangle: Rounded Corners 5">
+            <a:extLst>
+              <a:ext uri="{FF2B5EF4-FFF2-40B4-BE49-F238E27FC236}">
+                <a16:creationId xmlns:a16="http://schemas.microsoft.com/office/drawing/2014/main" id="{27EAD334-1E34-4E3A-B072-0BDE7E417AFE}"/>
+              </a:ext>
+            </a:extLst>
+          </p:cNvPr>
+          <p:cNvSpPr/>
+          <p:nvPr/>
+        </p:nvSpPr>
+        <p:spPr bwMode="gray">
+          <a:xfrm>
+            <a:off x="3015384" y="1886635"/>
+            <a:ext cx="1805351" cy="565639"/>
+          </a:xfrm>
+          <a:prstGeom prst="roundRect">
+            <a:avLst/>
+          </a:prstGeom>
+          <a:solidFill>
+            <a:srgbClr val="66CCFF"/>
+          </a:solidFill>
+          <a:ln w="12700" algn="ctr">
+            <a:solidFill>
+              <a:schemeClr val="bg1">
+                <a:lumMod val="75000"/>
+              </a:schemeClr>
+            </a:solidFill>
+            <a:miter lim="800000"/>
+            <a:headEnd/>
+            <a:tailEnd/>
+          </a:ln>
+        </p:spPr>
+        <p:txBody>
+          <a:bodyPr lIns="90000" tIns="72000" rIns="90000" bIns="72000" rtlCol="0" anchor="ctr"/>
+          <a:lstStyle/>
+          <a:p>
+            <a:pPr marR="0" algn="ctr" defTabSz="914400" eaLnBrk="1" fontAlgn="base" latinLnBrk="0" hangingPunct="1">
+              <a:lnSpc>
+                <a:spcPct val="100000"/>
+              </a:lnSpc>
+              <a:spcBef>
+                <a:spcPct val="50000"/>
+              </a:spcBef>
+              <a:spcAft>
+                <a:spcPct val="0"/>
+              </a:spcAft>
+              <a:buClr>
+                <a:srgbClr val="F0AB00"/>
+              </a:buClr>
+              <a:buSzPct val="80000"/>
+              <a:tabLst/>
+            </a:pPr>
+            <a:r>
+              <a:rPr kumimoji="0" lang="en-US" sz="1400" b="0" i="0" u="none" strike="noStrike" kern="0" cap="none" spc="0" normalizeH="0" baseline="0" noProof="0" dirty="0" err="1">
+                <a:ln>
+                  <a:noFill/>
+                </a:ln>
+                <a:effectLst/>
+                <a:uLnTx/>
+                <a:uFillTx/>
+                <a:ea typeface="Arial Unicode MS" pitchFamily="34" charset="-128"/>
+                <a:cs typeface="Arial Unicode MS" pitchFamily="34" charset="-128"/>
+              </a:rPr>
+              <a:t>ResourceQuota</a:t>
+            </a:r>
+            <a:endParaRPr kumimoji="0" lang="en-US" sz="1400" b="0" i="0" u="none" strike="noStrike" kern="0" cap="none" spc="0" normalizeH="0" baseline="0" noProof="0" dirty="0">
+              <a:ln>
+                <a:noFill/>
+              </a:ln>
+              <a:effectLst/>
+              <a:uLnTx/>
+              <a:uFillTx/>
+              <a:ea typeface="Arial Unicode MS" pitchFamily="34" charset="-128"/>
+              <a:cs typeface="Arial Unicode MS" pitchFamily="34" charset="-128"/>
+            </a:endParaRPr>
+          </a:p>
+        </p:txBody>
+      </p:sp>
+      <p:sp>
+        <p:nvSpPr>
+          <p:cNvPr id="7" name="Rectangle: Rounded Corners 6">
+            <a:extLst>
+              <a:ext uri="{FF2B5EF4-FFF2-40B4-BE49-F238E27FC236}">
+                <a16:creationId xmlns:a16="http://schemas.microsoft.com/office/drawing/2014/main" id="{3D78A5C5-4312-47E2-ACF5-93F9C961A7C7}"/>
+              </a:ext>
+            </a:extLst>
+          </p:cNvPr>
+          <p:cNvSpPr/>
+          <p:nvPr/>
+        </p:nvSpPr>
+        <p:spPr bwMode="gray">
+          <a:xfrm>
+            <a:off x="3015383" y="2604664"/>
+            <a:ext cx="1805351" cy="565639"/>
+          </a:xfrm>
+          <a:prstGeom prst="roundRect">
+            <a:avLst/>
+          </a:prstGeom>
+          <a:solidFill>
+            <a:srgbClr val="66CCFF"/>
+          </a:solidFill>
+          <a:ln w="12700" algn="ctr">
+            <a:solidFill>
+              <a:schemeClr val="bg1">
+                <a:lumMod val="75000"/>
+              </a:schemeClr>
+            </a:solidFill>
+            <a:miter lim="800000"/>
+            <a:headEnd/>
+            <a:tailEnd/>
+          </a:ln>
+        </p:spPr>
+        <p:txBody>
+          <a:bodyPr lIns="90000" tIns="72000" rIns="90000" bIns="72000" rtlCol="0" anchor="ctr"/>
+          <a:lstStyle/>
+          <a:p>
+            <a:pPr marR="0" algn="ctr" defTabSz="914400" eaLnBrk="1" fontAlgn="base" latinLnBrk="0" hangingPunct="1">
+              <a:lnSpc>
+                <a:spcPct val="100000"/>
+              </a:lnSpc>
+              <a:spcBef>
+                <a:spcPct val="50000"/>
+              </a:spcBef>
+              <a:spcAft>
+                <a:spcPct val="0"/>
+              </a:spcAft>
+              <a:buClr>
+                <a:srgbClr val="F0AB00"/>
+              </a:buClr>
+              <a:buSzPct val="80000"/>
+              <a:tabLst/>
+            </a:pPr>
+            <a:r>
+              <a:rPr kumimoji="0" lang="en-US" sz="1400" b="0" i="0" u="none" strike="noStrike" kern="0" cap="none" spc="0" normalizeH="0" baseline="0" noProof="0" dirty="0" err="1">
+                <a:ln>
+                  <a:noFill/>
+                </a:ln>
+                <a:effectLst/>
+                <a:uLnTx/>
+                <a:uFillTx/>
+                <a:ea typeface="Arial Unicode MS" pitchFamily="34" charset="-128"/>
+                <a:cs typeface="Arial Unicode MS" pitchFamily="34" charset="-128"/>
+              </a:rPr>
+              <a:t>LimitRange</a:t>
+            </a:r>
+            <a:endParaRPr kumimoji="0" lang="en-US" sz="1400" b="0" i="0" u="none" strike="noStrike" kern="0" cap="none" spc="0" normalizeH="0" baseline="0" noProof="0" dirty="0">
+              <a:ln>
+                <a:noFill/>
+              </a:ln>
+              <a:effectLst/>
+              <a:uLnTx/>
+              <a:uFillTx/>
+              <a:ea typeface="Arial Unicode MS" pitchFamily="34" charset="-128"/>
+              <a:cs typeface="Arial Unicode MS" pitchFamily="34" charset="-128"/>
+            </a:endParaRPr>
+          </a:p>
+        </p:txBody>
+      </p:sp>
+      <p:sp>
+        <p:nvSpPr>
+          <p:cNvPr id="8" name="Rectangle 7">
+            <a:extLst>
+              <a:ext uri="{FF2B5EF4-FFF2-40B4-BE49-F238E27FC236}">
+                <a16:creationId xmlns:a16="http://schemas.microsoft.com/office/drawing/2014/main" id="{FBA77BEB-46B5-4590-AA8C-9DA4F865128C}"/>
+              </a:ext>
+            </a:extLst>
+          </p:cNvPr>
+          <p:cNvSpPr/>
+          <p:nvPr/>
+        </p:nvSpPr>
+        <p:spPr bwMode="gray">
+          <a:xfrm>
+            <a:off x="2874671" y="1715966"/>
+            <a:ext cx="2092821" cy="1713034"/>
+          </a:xfrm>
+          <a:prstGeom prst="rect">
+            <a:avLst/>
+          </a:prstGeom>
+          <a:noFill/>
+          <a:ln w="25400" algn="ctr">
+            <a:solidFill>
+              <a:schemeClr val="accent1"/>
+            </a:solidFill>
+            <a:miter lim="800000"/>
+            <a:headEnd/>
+            <a:tailEnd/>
+          </a:ln>
+        </p:spPr>
+        <p:txBody>
+          <a:bodyPr lIns="90000" tIns="72000" rIns="90000" bIns="72000" rtlCol="0" anchor="ctr"/>
+          <a:lstStyle/>
+          <a:p>
+            <a:pPr marR="0" algn="ctr" defTabSz="914400" eaLnBrk="1" fontAlgn="base" latinLnBrk="0" hangingPunct="1">
+              <a:lnSpc>
+                <a:spcPct val="100000"/>
+              </a:lnSpc>
+              <a:spcBef>
+                <a:spcPct val="50000"/>
+              </a:spcBef>
+              <a:spcAft>
+                <a:spcPct val="0"/>
+              </a:spcAft>
+              <a:buClr>
+                <a:srgbClr val="F0AB00"/>
+              </a:buClr>
+              <a:buSzPct val="80000"/>
+              <a:tabLst/>
+            </a:pPr>
+            <a:endParaRPr kumimoji="0" lang="en-US" sz="1800" b="0" i="0" u="none" strike="noStrike" kern="0" cap="none" spc="0" normalizeH="0" baseline="0" noProof="0" dirty="0" err="1">
+              <a:ln>
+                <a:noFill/>
+              </a:ln>
+              <a:effectLst/>
+              <a:uLnTx/>
+              <a:uFillTx/>
+              <a:ea typeface="Arial Unicode MS" pitchFamily="34" charset="-128"/>
+              <a:cs typeface="Arial Unicode MS" pitchFamily="34" charset="-128"/>
+            </a:endParaRPr>
+          </a:p>
+        </p:txBody>
+      </p:sp>
+      <p:sp>
+        <p:nvSpPr>
+          <p:cNvPr id="9" name="TextBox 8">
+            <a:extLst>
+              <a:ext uri="{FF2B5EF4-FFF2-40B4-BE49-F238E27FC236}">
+                <a16:creationId xmlns:a16="http://schemas.microsoft.com/office/drawing/2014/main" id="{C48D4DCE-694F-4F35-8B63-CD2049979EC7}"/>
+              </a:ext>
+            </a:extLst>
+          </p:cNvPr>
+          <p:cNvSpPr txBox="1"/>
+          <p:nvPr/>
+        </p:nvSpPr>
+        <p:spPr>
+          <a:xfrm>
+            <a:off x="1086406" y="2180483"/>
+            <a:ext cx="1539285" cy="553998"/>
+          </a:xfrm>
+          <a:prstGeom prst="rect">
+            <a:avLst/>
+          </a:prstGeom>
+          <a:solidFill>
+            <a:schemeClr val="bg1">
+              <a:alpha val="58000"/>
+            </a:schemeClr>
+          </a:solidFill>
+        </p:spPr>
+        <p:txBody>
+          <a:bodyPr wrap="square" lIns="0" tIns="0" rIns="0" bIns="0" rtlCol="0">
+            <a:spAutoFit/>
+          </a:bodyPr>
+          <a:lstStyle>
+            <a:defPPr>
+              <a:defRPr lang="de-DE"/>
+            </a:defPPr>
+            <a:lvl1pPr fontAlgn="base">
+              <a:spcBef>
+                <a:spcPct val="50000"/>
+              </a:spcBef>
+              <a:spcAft>
+                <a:spcPct val="0"/>
+              </a:spcAft>
+              <a:buClr>
+                <a:srgbClr val="F0AB00"/>
+              </a:buClr>
+              <a:buSzPct val="80000"/>
+              <a:defRPr sz="1400" kern="0">
+                <a:latin typeface="Arial Rounded MT Bold" panose="020F0704030504030204" pitchFamily="34" charset="0"/>
+                <a:ea typeface="Arial Unicode MS" pitchFamily="34" charset="-128"/>
+                <a:cs typeface="Arial Unicode MS" pitchFamily="34" charset="-128"/>
+              </a:defRPr>
+            </a:lvl1pPr>
+          </a:lstStyle>
+          <a:p>
+            <a:pPr algn="ctr"/>
+            <a:r>
+              <a:rPr lang="en-US" sz="1800" dirty="0"/>
+              <a:t>Resource management</a:t>
+            </a:r>
+          </a:p>
+        </p:txBody>
+      </p:sp>
+      <p:sp>
+        <p:nvSpPr>
+          <p:cNvPr id="10" name="Speech Bubble: Rectangle 9">
+            <a:extLst>
+              <a:ext uri="{FF2B5EF4-FFF2-40B4-BE49-F238E27FC236}">
+                <a16:creationId xmlns:a16="http://schemas.microsoft.com/office/drawing/2014/main" id="{C35BD869-EA79-44B2-8D20-EE80C3859259}"/>
+              </a:ext>
+            </a:extLst>
+          </p:cNvPr>
+          <p:cNvSpPr/>
+          <p:nvPr/>
+        </p:nvSpPr>
+        <p:spPr bwMode="gray">
+          <a:xfrm>
+            <a:off x="6028272" y="1403803"/>
+            <a:ext cx="4018844" cy="624325"/>
+          </a:xfrm>
+          <a:prstGeom prst="wedgeRectCallout">
+            <a:avLst>
+              <a:gd name="adj1" fmla="val -82617"/>
+              <a:gd name="adj2" fmla="val 51945"/>
+            </a:avLst>
+          </a:prstGeom>
+          <a:ln>
+            <a:headEnd/>
+            <a:tailEnd/>
+          </a:ln>
+        </p:spPr>
+        <p:style>
+          <a:lnRef idx="2">
+            <a:schemeClr val="accent5"/>
+          </a:lnRef>
+          <a:fillRef idx="1">
+            <a:schemeClr val="lt1"/>
+          </a:fillRef>
+          <a:effectRef idx="0">
+            <a:schemeClr val="accent5"/>
+          </a:effectRef>
+          <a:fontRef idx="minor">
+            <a:schemeClr val="dk1"/>
+          </a:fontRef>
+        </p:style>
+        <p:txBody>
+          <a:bodyPr lIns="90000" tIns="72000" rIns="90000" bIns="72000" rtlCol="0" anchor="ctr"/>
+          <a:lstStyle/>
+          <a:p>
+            <a:pPr marR="0" algn="ctr" defTabSz="914400" eaLnBrk="1" fontAlgn="base" latinLnBrk="0" hangingPunct="1">
+              <a:lnSpc>
+                <a:spcPct val="100000"/>
+              </a:lnSpc>
+              <a:spcBef>
+                <a:spcPct val="50000"/>
+              </a:spcBef>
+              <a:spcAft>
+                <a:spcPct val="0"/>
+              </a:spcAft>
+              <a:buClr>
+                <a:srgbClr val="F0AB00"/>
+              </a:buClr>
+              <a:buSzPct val="80000"/>
+              <a:tabLst/>
+            </a:pPr>
+            <a:r>
+              <a:rPr lang="en-US" sz="1800" kern="0" noProof="0" dirty="0">
+                <a:ea typeface="Arial Unicode MS" pitchFamily="34" charset="-128"/>
+                <a:cs typeface="Arial Unicode MS" pitchFamily="34" charset="-128"/>
+              </a:rPr>
+              <a:t>Only 1 </a:t>
+            </a:r>
+            <a:r>
+              <a:rPr lang="en-US" sz="1800" kern="0" noProof="0" dirty="0" err="1">
+                <a:ea typeface="Arial Unicode MS" pitchFamily="34" charset="-128"/>
+                <a:cs typeface="Arial Unicode MS" pitchFamily="34" charset="-128"/>
+              </a:rPr>
+              <a:t>Loadbalancer</a:t>
+            </a:r>
+            <a:r>
+              <a:rPr lang="en-US" sz="1800" kern="0" noProof="0" dirty="0">
+                <a:ea typeface="Arial Unicode MS" pitchFamily="34" charset="-128"/>
+                <a:cs typeface="Arial Unicode MS" pitchFamily="34" charset="-128"/>
+              </a:rPr>
+              <a:t> Service!</a:t>
+            </a:r>
+            <a:endParaRPr kumimoji="0" lang="en-US" sz="1800" b="0" i="0" u="none" strike="noStrike" kern="0" cap="none" spc="0" normalizeH="0" baseline="0" noProof="0" dirty="0">
+              <a:ln>
+                <a:noFill/>
+              </a:ln>
+              <a:effectLst/>
+              <a:uLnTx/>
+              <a:uFillTx/>
+              <a:ea typeface="Arial Unicode MS" pitchFamily="34" charset="-128"/>
+              <a:cs typeface="Arial Unicode MS" pitchFamily="34" charset="-128"/>
+            </a:endParaRPr>
+          </a:p>
+        </p:txBody>
+      </p:sp>
+      <p:sp>
+        <p:nvSpPr>
+          <p:cNvPr id="11" name="Speech Bubble: Rectangle 10">
+            <a:extLst>
+              <a:ext uri="{FF2B5EF4-FFF2-40B4-BE49-F238E27FC236}">
+                <a16:creationId xmlns:a16="http://schemas.microsoft.com/office/drawing/2014/main" id="{92120F51-D823-447F-9FD7-E0AD0D2B89DA}"/>
+              </a:ext>
+            </a:extLst>
+          </p:cNvPr>
+          <p:cNvSpPr/>
+          <p:nvPr/>
+        </p:nvSpPr>
+        <p:spPr bwMode="gray">
+          <a:xfrm>
+            <a:off x="6028272" y="2260320"/>
+            <a:ext cx="4018844" cy="624325"/>
+          </a:xfrm>
+          <a:prstGeom prst="wedgeRectCallout">
+            <a:avLst>
+              <a:gd name="adj1" fmla="val -82617"/>
+              <a:gd name="adj2" fmla="val 51945"/>
+            </a:avLst>
+          </a:prstGeom>
+          <a:ln>
+            <a:headEnd/>
+            <a:tailEnd/>
+          </a:ln>
+        </p:spPr>
+        <p:style>
+          <a:lnRef idx="2">
+            <a:schemeClr val="accent5"/>
+          </a:lnRef>
+          <a:fillRef idx="1">
+            <a:schemeClr val="lt1"/>
+          </a:fillRef>
+          <a:effectRef idx="0">
+            <a:schemeClr val="accent5"/>
+          </a:effectRef>
+          <a:fontRef idx="minor">
+            <a:schemeClr val="dk1"/>
+          </a:fontRef>
+        </p:style>
+        <p:txBody>
+          <a:bodyPr lIns="90000" tIns="72000" rIns="90000" bIns="72000" rtlCol="0" anchor="ctr"/>
+          <a:lstStyle/>
+          <a:p>
+            <a:pPr marR="0" algn="ctr" defTabSz="914400" eaLnBrk="1" fontAlgn="base" latinLnBrk="0" hangingPunct="1">
+              <a:lnSpc>
+                <a:spcPct val="100000"/>
+              </a:lnSpc>
+              <a:spcBef>
+                <a:spcPct val="50000"/>
+              </a:spcBef>
+              <a:spcAft>
+                <a:spcPct val="0"/>
+              </a:spcAft>
+              <a:buClr>
+                <a:srgbClr val="F0AB00"/>
+              </a:buClr>
+              <a:buSzPct val="80000"/>
+              <a:tabLst/>
+            </a:pPr>
+            <a:r>
+              <a:rPr lang="en-US" sz="1800" kern="0" noProof="0" dirty="0">
+                <a:ea typeface="Arial Unicode MS" pitchFamily="34" charset="-128"/>
+                <a:cs typeface="Arial Unicode MS" pitchFamily="34" charset="-128"/>
+              </a:rPr>
+              <a:t>No more than 200MB memory!</a:t>
+            </a:r>
+            <a:endParaRPr kumimoji="0" lang="en-US" sz="1800" b="0" i="0" u="none" strike="noStrike" kern="0" cap="none" spc="0" normalizeH="0" baseline="0" noProof="0" dirty="0">
+              <a:ln>
+                <a:noFill/>
+              </a:ln>
+              <a:effectLst/>
+              <a:uLnTx/>
+              <a:uFillTx/>
+              <a:ea typeface="Arial Unicode MS" pitchFamily="34" charset="-128"/>
+              <a:cs typeface="Arial Unicode MS" pitchFamily="34" charset="-128"/>
+            </a:endParaRPr>
+          </a:p>
+        </p:txBody>
+      </p:sp>
+      <p:sp>
+        <p:nvSpPr>
+          <p:cNvPr id="12" name="Rectangle: Rounded Corners 11">
+            <a:extLst>
+              <a:ext uri="{FF2B5EF4-FFF2-40B4-BE49-F238E27FC236}">
+                <a16:creationId xmlns:a16="http://schemas.microsoft.com/office/drawing/2014/main" id="{3C754D9D-C375-4A2D-A020-34DA819D456F}"/>
+              </a:ext>
+            </a:extLst>
+          </p:cNvPr>
+          <p:cNvSpPr/>
+          <p:nvPr/>
+        </p:nvSpPr>
+        <p:spPr bwMode="gray">
+          <a:xfrm>
+            <a:off x="3015385" y="4439705"/>
+            <a:ext cx="1805352" cy="565639"/>
+          </a:xfrm>
+          <a:prstGeom prst="roundRect">
+            <a:avLst/>
+          </a:prstGeom>
+          <a:solidFill>
+            <a:srgbClr val="66CCFF"/>
+          </a:solidFill>
+          <a:ln w="12700" algn="ctr">
+            <a:solidFill>
+              <a:schemeClr val="bg1">
+                <a:lumMod val="75000"/>
+              </a:schemeClr>
+            </a:solidFill>
+            <a:miter lim="800000"/>
+            <a:headEnd/>
+            <a:tailEnd/>
+          </a:ln>
+        </p:spPr>
+        <p:txBody>
+          <a:bodyPr lIns="90000" tIns="72000" rIns="90000" bIns="72000" rtlCol="0" anchor="ctr"/>
+          <a:lstStyle/>
+          <a:p>
+            <a:pPr marR="0" algn="ctr" defTabSz="914400" eaLnBrk="1" fontAlgn="base" latinLnBrk="0" hangingPunct="1">
+              <a:lnSpc>
+                <a:spcPct val="100000"/>
+              </a:lnSpc>
+              <a:spcBef>
+                <a:spcPct val="50000"/>
+              </a:spcBef>
+              <a:spcAft>
+                <a:spcPct val="0"/>
+              </a:spcAft>
+              <a:buClr>
+                <a:srgbClr val="F0AB00"/>
+              </a:buClr>
+              <a:buSzPct val="80000"/>
+              <a:tabLst/>
+            </a:pPr>
+            <a:r>
+              <a:rPr kumimoji="0" lang="en-US" sz="1400" b="0" i="0" u="none" strike="noStrike" kern="0" cap="none" spc="0" normalizeH="0" baseline="0" noProof="0" dirty="0" err="1">
+                <a:ln>
+                  <a:noFill/>
+                </a:ln>
+                <a:effectLst/>
+                <a:uLnTx/>
+                <a:uFillTx/>
+                <a:ea typeface="Arial Unicode MS" pitchFamily="34" charset="-128"/>
+                <a:cs typeface="Arial Unicode MS" pitchFamily="34" charset="-128"/>
+              </a:rPr>
+              <a:t>NetworkPolicy</a:t>
+            </a:r>
+            <a:endParaRPr kumimoji="0" lang="en-US" sz="1400" b="0" i="0" u="none" strike="noStrike" kern="0" cap="none" spc="0" normalizeH="0" baseline="0" noProof="0" dirty="0">
+              <a:ln>
+                <a:noFill/>
+              </a:ln>
+              <a:effectLst/>
+              <a:uLnTx/>
+              <a:uFillTx/>
+              <a:ea typeface="Arial Unicode MS" pitchFamily="34" charset="-128"/>
+              <a:cs typeface="Arial Unicode MS" pitchFamily="34" charset="-128"/>
+            </a:endParaRPr>
+          </a:p>
+        </p:txBody>
+      </p:sp>
+      <p:sp>
+        <p:nvSpPr>
+          <p:cNvPr id="13" name="Rectangle: Rounded Corners 12">
+            <a:extLst>
+              <a:ext uri="{FF2B5EF4-FFF2-40B4-BE49-F238E27FC236}">
+                <a16:creationId xmlns:a16="http://schemas.microsoft.com/office/drawing/2014/main" id="{01ACEB5E-A186-4491-A6B4-54F213303948}"/>
+              </a:ext>
+            </a:extLst>
+          </p:cNvPr>
+          <p:cNvSpPr/>
+          <p:nvPr/>
+        </p:nvSpPr>
+        <p:spPr bwMode="gray">
+          <a:xfrm>
+            <a:off x="3015384" y="5157734"/>
+            <a:ext cx="1805352" cy="565639"/>
+          </a:xfrm>
+          <a:prstGeom prst="roundRect">
+            <a:avLst/>
+          </a:prstGeom>
+          <a:solidFill>
+            <a:srgbClr val="66CCFF"/>
+          </a:solidFill>
+          <a:ln w="12700" algn="ctr">
+            <a:solidFill>
+              <a:schemeClr val="bg1">
+                <a:lumMod val="75000"/>
+              </a:schemeClr>
+            </a:solidFill>
+            <a:miter lim="800000"/>
+            <a:headEnd/>
+            <a:tailEnd/>
+          </a:ln>
+        </p:spPr>
+        <p:txBody>
+          <a:bodyPr lIns="90000" tIns="72000" rIns="90000" bIns="72000" rtlCol="0" anchor="ctr"/>
+          <a:lstStyle/>
+          <a:p>
+            <a:pPr marR="0" algn="ctr" defTabSz="914400" eaLnBrk="1" fontAlgn="base" latinLnBrk="0" hangingPunct="1">
+              <a:lnSpc>
+                <a:spcPct val="100000"/>
+              </a:lnSpc>
+              <a:spcBef>
+                <a:spcPct val="50000"/>
+              </a:spcBef>
+              <a:spcAft>
+                <a:spcPct val="0"/>
+              </a:spcAft>
+              <a:buClr>
+                <a:srgbClr val="F0AB00"/>
+              </a:buClr>
+              <a:buSzPct val="80000"/>
+              <a:tabLst/>
+            </a:pPr>
+            <a:r>
+              <a:rPr kumimoji="0" lang="en-US" sz="1400" b="0" i="0" u="none" strike="noStrike" kern="0" cap="none" spc="0" normalizeH="0" baseline="0" noProof="0" dirty="0" err="1">
+                <a:ln>
+                  <a:noFill/>
+                </a:ln>
+                <a:effectLst/>
+                <a:uLnTx/>
+                <a:uFillTx/>
+                <a:ea typeface="Arial Unicode MS" pitchFamily="34" charset="-128"/>
+                <a:cs typeface="Arial Unicode MS" pitchFamily="34" charset="-128"/>
+              </a:rPr>
+              <a:t>PodSecurityPolicy</a:t>
+            </a:r>
+            <a:endParaRPr kumimoji="0" lang="en-US" sz="1400" b="0" i="0" u="none" strike="noStrike" kern="0" cap="none" spc="0" normalizeH="0" baseline="0" noProof="0" dirty="0">
+              <a:ln>
+                <a:noFill/>
+              </a:ln>
+              <a:effectLst/>
+              <a:uLnTx/>
+              <a:uFillTx/>
+              <a:ea typeface="Arial Unicode MS" pitchFamily="34" charset="-128"/>
+              <a:cs typeface="Arial Unicode MS" pitchFamily="34" charset="-128"/>
+            </a:endParaRPr>
+          </a:p>
+        </p:txBody>
+      </p:sp>
+      <p:sp>
+        <p:nvSpPr>
+          <p:cNvPr id="14" name="Rectangle 13">
+            <a:extLst>
+              <a:ext uri="{FF2B5EF4-FFF2-40B4-BE49-F238E27FC236}">
+                <a16:creationId xmlns:a16="http://schemas.microsoft.com/office/drawing/2014/main" id="{BE3D9392-4A77-453F-9415-C2B5094DF109}"/>
+              </a:ext>
+            </a:extLst>
+          </p:cNvPr>
+          <p:cNvSpPr/>
+          <p:nvPr/>
+        </p:nvSpPr>
+        <p:spPr bwMode="gray">
+          <a:xfrm>
+            <a:off x="2874671" y="4226478"/>
+            <a:ext cx="2092821" cy="1713034"/>
+          </a:xfrm>
+          <a:prstGeom prst="rect">
+            <a:avLst/>
+          </a:prstGeom>
+          <a:noFill/>
+          <a:ln w="25400" algn="ctr">
+            <a:solidFill>
+              <a:schemeClr val="accent1"/>
+            </a:solidFill>
+            <a:miter lim="800000"/>
+            <a:headEnd/>
+            <a:tailEnd/>
+          </a:ln>
+        </p:spPr>
+        <p:txBody>
+          <a:bodyPr lIns="90000" tIns="72000" rIns="90000" bIns="72000" rtlCol="0" anchor="ctr"/>
+          <a:lstStyle/>
+          <a:p>
+            <a:pPr marR="0" algn="ctr" defTabSz="914400" eaLnBrk="1" fontAlgn="base" latinLnBrk="0" hangingPunct="1">
+              <a:lnSpc>
+                <a:spcPct val="100000"/>
+              </a:lnSpc>
+              <a:spcBef>
+                <a:spcPct val="50000"/>
+              </a:spcBef>
+              <a:spcAft>
+                <a:spcPct val="0"/>
+              </a:spcAft>
+              <a:buClr>
+                <a:srgbClr val="F0AB00"/>
+              </a:buClr>
+              <a:buSzPct val="80000"/>
+              <a:tabLst/>
+            </a:pPr>
+            <a:endParaRPr kumimoji="0" lang="en-US" sz="1800" b="0" i="0" u="none" strike="noStrike" kern="0" cap="none" spc="0" normalizeH="0" baseline="0" noProof="0" dirty="0" err="1">
+              <a:ln>
+                <a:noFill/>
+              </a:ln>
+              <a:effectLst/>
+              <a:uLnTx/>
+              <a:uFillTx/>
+              <a:ea typeface="Arial Unicode MS" pitchFamily="34" charset="-128"/>
+              <a:cs typeface="Arial Unicode MS" pitchFamily="34" charset="-128"/>
+            </a:endParaRPr>
+          </a:p>
+        </p:txBody>
+      </p:sp>
+      <p:sp>
+        <p:nvSpPr>
+          <p:cNvPr id="15" name="TextBox 14">
+            <a:extLst>
+              <a:ext uri="{FF2B5EF4-FFF2-40B4-BE49-F238E27FC236}">
+                <a16:creationId xmlns:a16="http://schemas.microsoft.com/office/drawing/2014/main" id="{C6A4C3BB-3C96-4D27-B8AB-4144436C70F5}"/>
+              </a:ext>
+            </a:extLst>
+          </p:cNvPr>
+          <p:cNvSpPr txBox="1"/>
+          <p:nvPr/>
+        </p:nvSpPr>
+        <p:spPr>
+          <a:xfrm>
+            <a:off x="1086406" y="4944495"/>
+            <a:ext cx="1539285" cy="276999"/>
+          </a:xfrm>
+          <a:prstGeom prst="rect">
+            <a:avLst/>
+          </a:prstGeom>
+          <a:solidFill>
+            <a:schemeClr val="bg1">
+              <a:alpha val="58000"/>
+            </a:schemeClr>
+          </a:solidFill>
+        </p:spPr>
+        <p:txBody>
+          <a:bodyPr wrap="square" lIns="0" tIns="0" rIns="0" bIns="0" rtlCol="0">
+            <a:spAutoFit/>
+          </a:bodyPr>
+          <a:lstStyle>
+            <a:defPPr>
+              <a:defRPr lang="de-DE"/>
+            </a:defPPr>
+            <a:lvl1pPr fontAlgn="base">
+              <a:spcBef>
+                <a:spcPct val="50000"/>
+              </a:spcBef>
+              <a:spcAft>
+                <a:spcPct val="0"/>
+              </a:spcAft>
+              <a:buClr>
+                <a:srgbClr val="F0AB00"/>
+              </a:buClr>
+              <a:buSzPct val="80000"/>
+              <a:defRPr sz="1400" kern="0">
+                <a:latin typeface="Arial Rounded MT Bold" panose="020F0704030504030204" pitchFamily="34" charset="0"/>
+                <a:ea typeface="Arial Unicode MS" pitchFamily="34" charset="-128"/>
+                <a:cs typeface="Arial Unicode MS" pitchFamily="34" charset="-128"/>
+              </a:defRPr>
+            </a:lvl1pPr>
+          </a:lstStyle>
+          <a:p>
+            <a:pPr algn="ctr"/>
+            <a:r>
+              <a:rPr lang="en-US" sz="1800" dirty="0"/>
+              <a:t>Security</a:t>
+            </a:r>
+          </a:p>
+        </p:txBody>
+      </p:sp>
+      <p:sp>
+        <p:nvSpPr>
+          <p:cNvPr id="16" name="Speech Bubble: Rectangle 15">
+            <a:extLst>
+              <a:ext uri="{FF2B5EF4-FFF2-40B4-BE49-F238E27FC236}">
+                <a16:creationId xmlns:a16="http://schemas.microsoft.com/office/drawing/2014/main" id="{D27A0F7F-85B3-45BF-9C60-D538B5FC38DA}"/>
+              </a:ext>
+            </a:extLst>
+          </p:cNvPr>
+          <p:cNvSpPr/>
+          <p:nvPr/>
+        </p:nvSpPr>
+        <p:spPr bwMode="gray">
+          <a:xfrm>
+            <a:off x="6028272" y="4845571"/>
+            <a:ext cx="4018844" cy="624325"/>
+          </a:xfrm>
+          <a:prstGeom prst="wedgeRectCallout">
+            <a:avLst>
+              <a:gd name="adj1" fmla="val -82617"/>
+              <a:gd name="adj2" fmla="val 51945"/>
+            </a:avLst>
+          </a:prstGeom>
+          <a:ln>
+            <a:headEnd/>
+            <a:tailEnd/>
+          </a:ln>
+        </p:spPr>
+        <p:style>
+          <a:lnRef idx="2">
+            <a:schemeClr val="accent5"/>
+          </a:lnRef>
+          <a:fillRef idx="1">
+            <a:schemeClr val="lt1"/>
+          </a:fillRef>
+          <a:effectRef idx="0">
+            <a:schemeClr val="accent5"/>
+          </a:effectRef>
+          <a:fontRef idx="minor">
+            <a:schemeClr val="dk1"/>
+          </a:fontRef>
+        </p:style>
+        <p:txBody>
+          <a:bodyPr lIns="90000" tIns="72000" rIns="90000" bIns="72000" rtlCol="0" anchor="ctr"/>
+          <a:lstStyle/>
+          <a:p>
+            <a:pPr marR="0" algn="ctr" defTabSz="914400" eaLnBrk="1" fontAlgn="base" latinLnBrk="0" hangingPunct="1">
+              <a:lnSpc>
+                <a:spcPct val="100000"/>
+              </a:lnSpc>
+              <a:spcBef>
+                <a:spcPct val="50000"/>
+              </a:spcBef>
+              <a:spcAft>
+                <a:spcPct val="0"/>
+              </a:spcAft>
+              <a:buClr>
+                <a:srgbClr val="F0AB00"/>
+              </a:buClr>
+              <a:buSzPct val="80000"/>
+              <a:tabLst/>
+            </a:pPr>
+            <a:r>
+              <a:rPr kumimoji="0" lang="en-US" sz="1800" b="0" i="0" u="none" strike="noStrike" kern="0" cap="none" spc="0" normalizeH="0" baseline="0" noProof="0" dirty="0">
+                <a:ln>
+                  <a:noFill/>
+                </a:ln>
+                <a:effectLst/>
+                <a:uLnTx/>
+                <a:uFillTx/>
+                <a:ea typeface="Arial Unicode MS" pitchFamily="34" charset="-128"/>
+                <a:cs typeface="Arial Unicode MS" pitchFamily="34" charset="-128"/>
+              </a:rPr>
+              <a:t>Beta: Do not run as root user </a:t>
+            </a:r>
+          </a:p>
+        </p:txBody>
+      </p:sp>
+      <p:sp>
+        <p:nvSpPr>
+          <p:cNvPr id="17" name="Speech Bubble: Rectangle 16">
+            <a:extLst>
+              <a:ext uri="{FF2B5EF4-FFF2-40B4-BE49-F238E27FC236}">
+                <a16:creationId xmlns:a16="http://schemas.microsoft.com/office/drawing/2014/main" id="{B6758572-3534-4C20-9E83-F02F130309B3}"/>
+              </a:ext>
+            </a:extLst>
+          </p:cNvPr>
+          <p:cNvSpPr/>
+          <p:nvPr/>
+        </p:nvSpPr>
+        <p:spPr bwMode="gray">
+          <a:xfrm>
+            <a:off x="6028272" y="3973356"/>
+            <a:ext cx="4018844" cy="624325"/>
+          </a:xfrm>
+          <a:prstGeom prst="wedgeRectCallout">
+            <a:avLst>
+              <a:gd name="adj1" fmla="val -82617"/>
+              <a:gd name="adj2" fmla="val 51945"/>
+            </a:avLst>
+          </a:prstGeom>
+          <a:ln>
+            <a:headEnd/>
+            <a:tailEnd/>
+          </a:ln>
+        </p:spPr>
+        <p:style>
+          <a:lnRef idx="2">
+            <a:schemeClr val="accent5"/>
+          </a:lnRef>
+          <a:fillRef idx="1">
+            <a:schemeClr val="lt1"/>
+          </a:fillRef>
+          <a:effectRef idx="0">
+            <a:schemeClr val="accent5"/>
+          </a:effectRef>
+          <a:fontRef idx="minor">
+            <a:schemeClr val="dk1"/>
+          </a:fontRef>
+        </p:style>
+        <p:txBody>
+          <a:bodyPr lIns="90000" tIns="72000" rIns="90000" bIns="72000" rtlCol="0" anchor="ctr"/>
+          <a:lstStyle/>
+          <a:p>
+            <a:pPr marR="0" algn="ctr" defTabSz="914400" eaLnBrk="1" fontAlgn="base" latinLnBrk="0" hangingPunct="1">
+              <a:lnSpc>
+                <a:spcPct val="100000"/>
+              </a:lnSpc>
+              <a:spcBef>
+                <a:spcPct val="50000"/>
+              </a:spcBef>
+              <a:spcAft>
+                <a:spcPct val="0"/>
+              </a:spcAft>
+              <a:buClr>
+                <a:srgbClr val="F0AB00"/>
+              </a:buClr>
+              <a:buSzPct val="80000"/>
+              <a:tabLst/>
+            </a:pPr>
+            <a:r>
+              <a:rPr lang="en-US" sz="1800" kern="0" dirty="0">
+                <a:ea typeface="Arial Unicode MS" pitchFamily="34" charset="-128"/>
+                <a:cs typeface="Arial Unicode MS" pitchFamily="34" charset="-128"/>
+              </a:rPr>
+              <a:t>Communication to DB is forbidden</a:t>
+            </a:r>
+            <a:endParaRPr kumimoji="0" lang="en-US" sz="1800" b="0" i="0" u="none" strike="noStrike" kern="0" cap="none" spc="0" normalizeH="0" baseline="0" noProof="0" dirty="0">
+              <a:ln>
+                <a:noFill/>
+              </a:ln>
+              <a:effectLst/>
+              <a:uLnTx/>
+              <a:uFillTx/>
+              <a:ea typeface="Arial Unicode MS" pitchFamily="34" charset="-128"/>
+              <a:cs typeface="Arial Unicode MS" pitchFamily="34" charset="-128"/>
+            </a:endParaRPr>
+          </a:p>
+        </p:txBody>
+      </p:sp>
+    </p:spTree>
+    <p:extLst>
+      <p:ext uri="{BB962C8B-B14F-4D97-AF65-F5344CB8AC3E}">
+        <p14:creationId xmlns:p14="http://schemas.microsoft.com/office/powerpoint/2010/main" val="2820081131"/>
+      </p:ext>
+    </p:extLst>
+  </p:cSld>
+  <p:clrMapOvr>
+    <a:masterClrMapping/>
+  </p:clrMapOvr>
+</p:sld>
+</file>
+
+<file path=ppt/slides/slide14.xml><?xml version="1.0" encoding="utf-8"?>
 <p:sld xmlns:a="http://schemas.openxmlformats.org/drawingml/2006/main" xmlns:r="http://schemas.openxmlformats.org/officeDocument/2006/relationships" xmlns:p="http://schemas.openxmlformats.org/presentationml/2006/main">
   <p:cSld>
     <p:spTree>
@@ -18769,7 +21170,7 @@
 </p:sld>
 </file>
 
-<file path=ppt/slides/slide11.xml><?xml version="1.0" encoding="utf-8"?>
+<file path=ppt/slides/slide15.xml><?xml version="1.0" encoding="utf-8"?>
 <p:sld xmlns:a="http://schemas.openxmlformats.org/drawingml/2006/main" xmlns:r="http://schemas.openxmlformats.org/officeDocument/2006/relationships" xmlns:p="http://schemas.openxmlformats.org/presentationml/2006/main" show="0">
   <p:cSld>
     <p:spTree>
@@ -19872,7 +22273,7 @@
 </p:sld>
 </file>
 
-<file path=ppt/slides/slide12.xml><?xml version="1.0" encoding="utf-8"?>
+<file path=ppt/slides/slide16.xml><?xml version="1.0" encoding="utf-8"?>
 <p:sld xmlns:a="http://schemas.openxmlformats.org/drawingml/2006/main" xmlns:r="http://schemas.openxmlformats.org/officeDocument/2006/relationships" xmlns:p="http://schemas.openxmlformats.org/presentationml/2006/main">
   <p:cSld>
     <p:spTree>
@@ -19960,7 +22361,7 @@
 </p:sld>
 </file>
 
-<file path=ppt/slides/slide13.xml><?xml version="1.0" encoding="utf-8"?>
+<file path=ppt/slides/slide17.xml><?xml version="1.0" encoding="utf-8"?>
 <p:sld xmlns:a="http://schemas.openxmlformats.org/drawingml/2006/main" xmlns:r="http://schemas.openxmlformats.org/officeDocument/2006/relationships" xmlns:p="http://schemas.openxmlformats.org/presentationml/2006/main">
   <p:cSld>
     <p:spTree>
@@ -21308,7 +23709,7 @@
 </p:sld>
 </file>
 
-<file path=ppt/slides/slide14.xml><?xml version="1.0" encoding="utf-8"?>
+<file path=ppt/slides/slide18.xml><?xml version="1.0" encoding="utf-8"?>
 <p:sld xmlns:a="http://schemas.openxmlformats.org/drawingml/2006/main" xmlns:r="http://schemas.openxmlformats.org/officeDocument/2006/relationships" xmlns:p="http://schemas.openxmlformats.org/presentationml/2006/main">
   <p:cSld>
     <p:spTree>
@@ -21327,12 +23728,12 @@
       </p:grpSpPr>
       <p:sp>
         <p:nvSpPr>
-          <p:cNvPr id="3" name="Title 2"/>
+          <p:cNvPr id="5" name="Text Placeholder 4"/>
           <p:cNvSpPr>
             <a:spLocks noGrp="1"/>
           </p:cNvSpPr>
           <p:nvPr>
-            <p:ph type="title"/>
+            <p:ph type="body" sz="quarter" idx="14"/>
           </p:nvPr>
         </p:nvSpPr>
         <p:spPr/>
@@ -21342,2288 +23743,105 @@
           <a:p>
             <a:r>
               <a:rPr lang="en-US" dirty="0"/>
-              <a:t>Node Management</a:t>
+              <a:t>Kubernetes</a:t>
+            </a:r>
+            <a:br>
+              <a:rPr lang="en-US" dirty="0"/>
+            </a:br>
+            <a:r>
+              <a:rPr lang="en-US" dirty="0">
+                <a:solidFill>
+                  <a:schemeClr val="accent1"/>
+                </a:solidFill>
+              </a:rPr>
+              <a:t>Dashboard addon</a:t>
             </a:r>
           </a:p>
         </p:txBody>
       </p:sp>
-      <p:sp>
-        <p:nvSpPr>
-          <p:cNvPr id="5" name="Rectangle 4"/>
-          <p:cNvSpPr/>
+      <p:pic>
+        <p:nvPicPr>
+          <p:cNvPr id="3" name="Picture Placeholder 2"/>
+          <p:cNvPicPr>
+            <a:picLocks noGrp="1" noChangeAspect="1"/>
+          </p:cNvPicPr>
+          <p:nvPr>
+            <p:ph type="pic" sz="quarter" idx="12"/>
+          </p:nvPr>
+        </p:nvPicPr>
+        <p:blipFill>
+          <a:blip r:embed="rId3"/>
+          <a:srcRect t="3112" b="3112"/>
+          <a:stretch>
+            <a:fillRect/>
+          </a:stretch>
+        </p:blipFill>
+        <p:spPr/>
+      </p:pic>
+      <p:pic>
+        <p:nvPicPr>
+          <p:cNvPr id="4" name="Picture 3" descr="cid:image003.png@01D31CC6.A08B1C50">
+            <a:extLst>
+              <a:ext uri="{FF2B5EF4-FFF2-40B4-BE49-F238E27FC236}">
+                <a16:creationId xmlns:a16="http://schemas.microsoft.com/office/drawing/2014/main" id="{CE860390-F50F-48A8-AA1A-AE0217946FC1}"/>
+              </a:ext>
+            </a:extLst>
+          </p:cNvPr>
+          <p:cNvPicPr>
+            <a:picLocks noChangeAspect="1" noChangeArrowheads="1"/>
+          </p:cNvPicPr>
           <p:nvPr/>
-        </p:nvSpPr>
-        <p:spPr bwMode="gray">
+        </p:nvPicPr>
+        <p:blipFill>
+          <a:blip r:embed="rId4">
+            <a:extLst>
+              <a:ext uri="{28A0092B-C50C-407E-A947-70E740481C1C}">
+                <a14:useLocalDpi xmlns:a14="http://schemas.microsoft.com/office/drawing/2010/main" val="0"/>
+              </a:ext>
+            </a:extLst>
+          </a:blip>
+          <a:srcRect/>
+          <a:stretch>
+            <a:fillRect/>
+          </a:stretch>
+        </p:blipFill>
+        <p:spPr bwMode="auto">
           <a:xfrm>
-            <a:off x="1944182" y="2895053"/>
-            <a:ext cx="3703320" cy="3070860"/>
+            <a:off x="10780712" y="5721975"/>
+            <a:ext cx="1414463" cy="1136025"/>
           </a:xfrm>
           <a:prstGeom prst="rect">
             <a:avLst/>
           </a:prstGeom>
+          <a:noFill/>
           <a:ln>
-            <a:headEnd/>
-            <a:tailEnd/>
+            <a:noFill/>
           </a:ln>
+          <a:extLst>
+            <a:ext uri="{909E8E84-426E-40DD-AFC4-6F175D3DCCD1}">
+              <a14:hiddenFill xmlns:a14="http://schemas.microsoft.com/office/drawing/2010/main">
+                <a:solidFill>
+                  <a:srgbClr val="FFFFFF"/>
+                </a:solidFill>
+              </a14:hiddenFill>
+            </a:ext>
+            <a:ext uri="{91240B29-F687-4F45-9708-019B960494DF}">
+              <a14:hiddenLine xmlns:a14="http://schemas.microsoft.com/office/drawing/2010/main" w="9525">
+                <a:solidFill>
+                  <a:srgbClr val="000000"/>
+                </a:solidFill>
+                <a:miter lim="800000"/>
+                <a:headEnd/>
+                <a:tailEnd/>
+              </a14:hiddenLine>
+            </a:ext>
+          </a:extLst>
         </p:spPr>
-        <p:style>
-          <a:lnRef idx="1">
-            <a:schemeClr val="accent2"/>
-          </a:lnRef>
-          <a:fillRef idx="2">
-            <a:schemeClr val="accent2"/>
-          </a:fillRef>
-          <a:effectRef idx="1">
-            <a:schemeClr val="accent2"/>
-          </a:effectRef>
-          <a:fontRef idx="minor">
-            <a:schemeClr val="dk1"/>
-          </a:fontRef>
-        </p:style>
-        <p:txBody>
-          <a:bodyPr lIns="90000" tIns="72000" rIns="90000" bIns="72000" rtlCol="0" anchor="t"/>
-          <a:lstStyle/>
-          <a:p>
-            <a:pPr algn="ctr" defTabSz="914400" fontAlgn="base">
-              <a:spcBef>
-                <a:spcPct val="50000"/>
-              </a:spcBef>
-              <a:spcAft>
-                <a:spcPct val="0"/>
-              </a:spcAft>
-              <a:buClr>
-                <a:srgbClr val="F0AB00"/>
-              </a:buClr>
-              <a:buSzPct val="80000"/>
-            </a:pPr>
-            <a:r>
-              <a:rPr lang="de-DE" sz="2400" b="1" kern="0" dirty="0">
-                <a:ea typeface="Arial Unicode MS" pitchFamily="34" charset="-128"/>
-                <a:cs typeface="Arial Unicode MS" pitchFamily="34" charset="-128"/>
-              </a:rPr>
-              <a:t>Worker A</a:t>
-            </a:r>
-          </a:p>
-        </p:txBody>
-      </p:sp>
-      <p:sp>
-        <p:nvSpPr>
-          <p:cNvPr id="8" name="Rectangle 7"/>
-          <p:cNvSpPr/>
-          <p:nvPr/>
-        </p:nvSpPr>
-        <p:spPr bwMode="gray">
-          <a:xfrm>
-            <a:off x="3191544" y="4575937"/>
-            <a:ext cx="1208595" cy="773906"/>
-          </a:xfrm>
-          <a:prstGeom prst="rect">
-            <a:avLst/>
-          </a:prstGeom>
-          <a:ln>
-            <a:headEnd/>
-            <a:tailEnd/>
-          </a:ln>
-        </p:spPr>
-        <p:style>
-          <a:lnRef idx="2">
-            <a:schemeClr val="accent4">
-              <a:shade val="50000"/>
-            </a:schemeClr>
-          </a:lnRef>
-          <a:fillRef idx="1">
-            <a:schemeClr val="accent4"/>
-          </a:fillRef>
-          <a:effectRef idx="0">
-            <a:schemeClr val="accent4"/>
-          </a:effectRef>
-          <a:fontRef idx="minor">
-            <a:schemeClr val="lt1"/>
-          </a:fontRef>
-        </p:style>
-        <p:txBody>
-          <a:bodyPr lIns="90000" tIns="72000" rIns="90000" bIns="72000" rtlCol="0" anchor="ctr"/>
-          <a:lstStyle/>
-          <a:p>
-            <a:pPr marR="0" algn="ctr" defTabSz="914400" eaLnBrk="1" fontAlgn="base" latinLnBrk="0" hangingPunct="1">
-              <a:lnSpc>
-                <a:spcPct val="100000"/>
-              </a:lnSpc>
-              <a:spcBef>
-                <a:spcPct val="50000"/>
-              </a:spcBef>
-              <a:spcAft>
-                <a:spcPct val="0"/>
-              </a:spcAft>
-              <a:buClr>
-                <a:srgbClr val="F0AB00"/>
-              </a:buClr>
-              <a:buSzPct val="80000"/>
-              <a:tabLst/>
-            </a:pPr>
-            <a:r>
-              <a:rPr lang="de-DE" sz="1600" b="1" kern="0" noProof="0" dirty="0" err="1">
-                <a:ea typeface="Arial Unicode MS" pitchFamily="34" charset="-128"/>
-                <a:cs typeface="Arial Unicode MS" pitchFamily="34" charset="-128"/>
-              </a:rPr>
-              <a:t>Pod</a:t>
-            </a:r>
-            <a:endParaRPr kumimoji="0" lang="de-DE" sz="1600" b="1" i="0" u="none" strike="noStrike" kern="0" cap="none" spc="0" normalizeH="0" baseline="0" noProof="0" dirty="0">
-              <a:ln>
-                <a:noFill/>
-              </a:ln>
-              <a:effectLst/>
-              <a:uLnTx/>
-              <a:uFillTx/>
-              <a:ea typeface="Arial Unicode MS" pitchFamily="34" charset="-128"/>
-              <a:cs typeface="Arial Unicode MS" pitchFamily="34" charset="-128"/>
-            </a:endParaRPr>
-          </a:p>
-        </p:txBody>
-      </p:sp>
-      <p:sp>
-        <p:nvSpPr>
-          <p:cNvPr id="15" name="Rectangle 14"/>
-          <p:cNvSpPr/>
-          <p:nvPr/>
-        </p:nvSpPr>
-        <p:spPr bwMode="gray">
-          <a:xfrm>
-            <a:off x="3191544" y="3607011"/>
-            <a:ext cx="1208595" cy="773906"/>
-          </a:xfrm>
-          <a:prstGeom prst="rect">
-            <a:avLst/>
-          </a:prstGeom>
-          <a:ln>
-            <a:headEnd/>
-            <a:tailEnd/>
-          </a:ln>
-        </p:spPr>
-        <p:style>
-          <a:lnRef idx="2">
-            <a:schemeClr val="accent4">
-              <a:shade val="50000"/>
-            </a:schemeClr>
-          </a:lnRef>
-          <a:fillRef idx="1">
-            <a:schemeClr val="accent4"/>
-          </a:fillRef>
-          <a:effectRef idx="0">
-            <a:schemeClr val="accent4"/>
-          </a:effectRef>
-          <a:fontRef idx="minor">
-            <a:schemeClr val="lt1"/>
-          </a:fontRef>
-        </p:style>
-        <p:txBody>
-          <a:bodyPr lIns="90000" tIns="72000" rIns="90000" bIns="72000" rtlCol="0" anchor="ctr"/>
-          <a:lstStyle/>
-          <a:p>
-            <a:pPr marR="0" algn="ctr" defTabSz="914400" eaLnBrk="1" fontAlgn="base" latinLnBrk="0" hangingPunct="1">
-              <a:lnSpc>
-                <a:spcPct val="100000"/>
-              </a:lnSpc>
-              <a:spcBef>
-                <a:spcPct val="50000"/>
-              </a:spcBef>
-              <a:spcAft>
-                <a:spcPct val="0"/>
-              </a:spcAft>
-              <a:buClr>
-                <a:srgbClr val="F0AB00"/>
-              </a:buClr>
-              <a:buSzPct val="80000"/>
-              <a:tabLst/>
-            </a:pPr>
-            <a:r>
-              <a:rPr lang="de-DE" sz="1600" b="1" kern="0" noProof="0" dirty="0" err="1">
-                <a:ea typeface="Arial Unicode MS" pitchFamily="34" charset="-128"/>
-                <a:cs typeface="Arial Unicode MS" pitchFamily="34" charset="-128"/>
-              </a:rPr>
-              <a:t>Pod</a:t>
-            </a:r>
-            <a:endParaRPr kumimoji="0" lang="de-DE" sz="1600" b="1" i="0" u="none" strike="noStrike" kern="0" cap="none" spc="0" normalizeH="0" baseline="0" noProof="0" dirty="0">
-              <a:ln>
-                <a:noFill/>
-              </a:ln>
-              <a:effectLst/>
-              <a:uLnTx/>
-              <a:uFillTx/>
-              <a:ea typeface="Arial Unicode MS" pitchFamily="34" charset="-128"/>
-              <a:cs typeface="Arial Unicode MS" pitchFamily="34" charset="-128"/>
-            </a:endParaRPr>
-          </a:p>
-        </p:txBody>
-      </p:sp>
-      <p:sp>
-        <p:nvSpPr>
-          <p:cNvPr id="17" name="Rectangle 16"/>
-          <p:cNvSpPr/>
-          <p:nvPr/>
-        </p:nvSpPr>
-        <p:spPr bwMode="gray">
-          <a:xfrm>
-            <a:off x="6132460" y="2895054"/>
-            <a:ext cx="3703320" cy="3070860"/>
-          </a:xfrm>
-          <a:prstGeom prst="rect">
-            <a:avLst/>
-          </a:prstGeom>
-          <a:ln>
-            <a:headEnd/>
-            <a:tailEnd/>
-          </a:ln>
-        </p:spPr>
-        <p:style>
-          <a:lnRef idx="1">
-            <a:schemeClr val="accent2"/>
-          </a:lnRef>
-          <a:fillRef idx="2">
-            <a:schemeClr val="accent2"/>
-          </a:fillRef>
-          <a:effectRef idx="1">
-            <a:schemeClr val="accent2"/>
-          </a:effectRef>
-          <a:fontRef idx="minor">
-            <a:schemeClr val="dk1"/>
-          </a:fontRef>
-        </p:style>
-        <p:txBody>
-          <a:bodyPr lIns="90000" tIns="72000" rIns="90000" bIns="72000" rtlCol="0" anchor="t"/>
-          <a:lstStyle/>
-          <a:p>
-            <a:pPr algn="ctr" defTabSz="914400" fontAlgn="base">
-              <a:spcBef>
-                <a:spcPct val="50000"/>
-              </a:spcBef>
-              <a:spcAft>
-                <a:spcPct val="0"/>
-              </a:spcAft>
-              <a:buClr>
-                <a:srgbClr val="F0AB00"/>
-              </a:buClr>
-              <a:buSzPct val="80000"/>
-            </a:pPr>
-            <a:r>
-              <a:rPr lang="de-DE" sz="2400" b="1" kern="0" dirty="0">
-                <a:ea typeface="Arial Unicode MS" pitchFamily="34" charset="-128"/>
-                <a:cs typeface="Arial Unicode MS" pitchFamily="34" charset="-128"/>
-              </a:rPr>
-              <a:t>Worker B</a:t>
-            </a:r>
-          </a:p>
-        </p:txBody>
-      </p:sp>
-      <p:sp>
-        <p:nvSpPr>
-          <p:cNvPr id="18" name="Rectangle 17"/>
-          <p:cNvSpPr/>
-          <p:nvPr/>
-        </p:nvSpPr>
-        <p:spPr bwMode="gray">
-          <a:xfrm>
-            <a:off x="6673582" y="4610708"/>
-            <a:ext cx="1208595" cy="773906"/>
-          </a:xfrm>
-          <a:prstGeom prst="rect">
-            <a:avLst/>
-          </a:prstGeom>
-          <a:ln>
-            <a:headEnd/>
-            <a:tailEnd/>
-          </a:ln>
-        </p:spPr>
-        <p:style>
-          <a:lnRef idx="2">
-            <a:schemeClr val="accent2">
-              <a:shade val="50000"/>
-            </a:schemeClr>
-          </a:lnRef>
-          <a:fillRef idx="1">
-            <a:schemeClr val="accent2"/>
-          </a:fillRef>
-          <a:effectRef idx="0">
-            <a:schemeClr val="accent2"/>
-          </a:effectRef>
-          <a:fontRef idx="minor">
-            <a:schemeClr val="lt1"/>
-          </a:fontRef>
-        </p:style>
-        <p:txBody>
-          <a:bodyPr lIns="90000" tIns="72000" rIns="90000" bIns="72000" rtlCol="0" anchor="ctr"/>
-          <a:lstStyle/>
-          <a:p>
-            <a:pPr marR="0" algn="ctr" defTabSz="914400" eaLnBrk="1" fontAlgn="base" latinLnBrk="0" hangingPunct="1">
-              <a:lnSpc>
-                <a:spcPct val="100000"/>
-              </a:lnSpc>
-              <a:spcBef>
-                <a:spcPct val="50000"/>
-              </a:spcBef>
-              <a:spcAft>
-                <a:spcPct val="0"/>
-              </a:spcAft>
-              <a:buClr>
-                <a:srgbClr val="F0AB00"/>
-              </a:buClr>
-              <a:buSzPct val="80000"/>
-              <a:tabLst/>
-            </a:pPr>
-            <a:r>
-              <a:rPr lang="de-DE" sz="1600" b="1" kern="0" noProof="0" dirty="0" err="1">
-                <a:ea typeface="Arial Unicode MS" pitchFamily="34" charset="-128"/>
-                <a:cs typeface="Arial Unicode MS" pitchFamily="34" charset="-128"/>
-              </a:rPr>
-              <a:t>Pod</a:t>
-            </a:r>
-            <a:endParaRPr kumimoji="0" lang="de-DE" sz="1600" b="1" i="0" u="none" strike="noStrike" kern="0" cap="none" spc="0" normalizeH="0" baseline="0" noProof="0" dirty="0">
-              <a:ln>
-                <a:noFill/>
-              </a:ln>
-              <a:effectLst/>
-              <a:uLnTx/>
-              <a:uFillTx/>
-              <a:ea typeface="Arial Unicode MS" pitchFamily="34" charset="-128"/>
-              <a:cs typeface="Arial Unicode MS" pitchFamily="34" charset="-128"/>
-            </a:endParaRPr>
-          </a:p>
-        </p:txBody>
-      </p:sp>
-      <p:sp>
-        <p:nvSpPr>
-          <p:cNvPr id="20" name="Rectangle 19"/>
-          <p:cNvSpPr/>
-          <p:nvPr/>
-        </p:nvSpPr>
-        <p:spPr bwMode="gray">
-          <a:xfrm>
-            <a:off x="6673581" y="3681070"/>
-            <a:ext cx="1208595" cy="773906"/>
-          </a:xfrm>
-          <a:prstGeom prst="rect">
-            <a:avLst/>
-          </a:prstGeom>
-          <a:ln>
-            <a:headEnd/>
-            <a:tailEnd/>
-          </a:ln>
-        </p:spPr>
-        <p:style>
-          <a:lnRef idx="2">
-            <a:schemeClr val="accent2">
-              <a:shade val="50000"/>
-            </a:schemeClr>
-          </a:lnRef>
-          <a:fillRef idx="1">
-            <a:schemeClr val="accent2"/>
-          </a:fillRef>
-          <a:effectRef idx="0">
-            <a:schemeClr val="accent2"/>
-          </a:effectRef>
-          <a:fontRef idx="minor">
-            <a:schemeClr val="lt1"/>
-          </a:fontRef>
-        </p:style>
-        <p:txBody>
-          <a:bodyPr lIns="90000" tIns="72000" rIns="90000" bIns="72000" rtlCol="0" anchor="ctr"/>
-          <a:lstStyle/>
-          <a:p>
-            <a:pPr marR="0" algn="ctr" defTabSz="914400" eaLnBrk="1" fontAlgn="base" latinLnBrk="0" hangingPunct="1">
-              <a:lnSpc>
-                <a:spcPct val="100000"/>
-              </a:lnSpc>
-              <a:spcBef>
-                <a:spcPct val="50000"/>
-              </a:spcBef>
-              <a:spcAft>
-                <a:spcPct val="0"/>
-              </a:spcAft>
-              <a:buClr>
-                <a:srgbClr val="F0AB00"/>
-              </a:buClr>
-              <a:buSzPct val="80000"/>
-              <a:tabLst/>
-            </a:pPr>
-            <a:r>
-              <a:rPr lang="de-DE" sz="1600" b="1" kern="0" noProof="0" dirty="0" err="1">
-                <a:ea typeface="Arial Unicode MS" pitchFamily="34" charset="-128"/>
-                <a:cs typeface="Arial Unicode MS" pitchFamily="34" charset="-128"/>
-              </a:rPr>
-              <a:t>Pod</a:t>
-            </a:r>
-            <a:endParaRPr kumimoji="0" lang="de-DE" sz="1600" b="1" i="0" u="none" strike="noStrike" kern="0" cap="none" spc="0" normalizeH="0" baseline="0" noProof="0" dirty="0">
-              <a:ln>
-                <a:noFill/>
-              </a:ln>
-              <a:effectLst/>
-              <a:uLnTx/>
-              <a:uFillTx/>
-              <a:ea typeface="Arial Unicode MS" pitchFamily="34" charset="-128"/>
-              <a:cs typeface="Arial Unicode MS" pitchFamily="34" charset="-128"/>
-            </a:endParaRPr>
-          </a:p>
-        </p:txBody>
-      </p:sp>
-      <p:sp>
-        <p:nvSpPr>
-          <p:cNvPr id="23" name="Flowchart: Preparation 22"/>
-          <p:cNvSpPr/>
-          <p:nvPr/>
-        </p:nvSpPr>
-        <p:spPr bwMode="gray">
-          <a:xfrm>
-            <a:off x="1289957" y="2405772"/>
-            <a:ext cx="1588973" cy="889908"/>
-          </a:xfrm>
-          <a:prstGeom prst="flowChartPreparation">
-            <a:avLst/>
-          </a:prstGeom>
-          <a:ln>
-            <a:headEnd/>
-            <a:tailEnd/>
-          </a:ln>
-        </p:spPr>
-        <p:style>
-          <a:lnRef idx="2">
-            <a:schemeClr val="accent5">
-              <a:shade val="50000"/>
-            </a:schemeClr>
-          </a:lnRef>
-          <a:fillRef idx="1">
-            <a:schemeClr val="accent5"/>
-          </a:fillRef>
-          <a:effectRef idx="0">
-            <a:schemeClr val="accent5"/>
-          </a:effectRef>
-          <a:fontRef idx="minor">
-            <a:schemeClr val="lt1"/>
-          </a:fontRef>
-        </p:style>
-        <p:txBody>
-          <a:bodyPr lIns="90000" tIns="72000" rIns="90000" bIns="72000" rtlCol="0" anchor="ctr"/>
-          <a:lstStyle/>
-          <a:p>
-            <a:pPr marR="0" algn="ctr" defTabSz="914400" eaLnBrk="1" fontAlgn="base" latinLnBrk="0" hangingPunct="1">
-              <a:lnSpc>
-                <a:spcPct val="100000"/>
-              </a:lnSpc>
-              <a:spcBef>
-                <a:spcPct val="50000"/>
-              </a:spcBef>
-              <a:spcAft>
-                <a:spcPct val="0"/>
-              </a:spcAft>
-              <a:buClr>
-                <a:srgbClr val="F0AB00"/>
-              </a:buClr>
-              <a:buSzPct val="80000"/>
-              <a:tabLst/>
-            </a:pPr>
-            <a:r>
-              <a:rPr lang="en-US" sz="1800" kern="0">
-                <a:ea typeface="Arial Unicode MS" pitchFamily="34" charset="-128"/>
-                <a:cs typeface="Arial Unicode MS" pitchFamily="34" charset="-128"/>
-              </a:rPr>
-              <a:t>cordon</a:t>
-            </a:r>
-            <a:endParaRPr kumimoji="0" lang="en-US" sz="1800" b="0" i="0" u="none" strike="noStrike" kern="0" cap="none" spc="0" normalizeH="0" baseline="0" noProof="0" dirty="0" err="1">
-              <a:ln>
-                <a:noFill/>
-              </a:ln>
-              <a:effectLst/>
-              <a:uLnTx/>
-              <a:uFillTx/>
-              <a:ea typeface="Arial Unicode MS" pitchFamily="34" charset="-128"/>
-              <a:cs typeface="Arial Unicode MS" pitchFamily="34" charset="-128"/>
-            </a:endParaRPr>
-          </a:p>
-        </p:txBody>
-      </p:sp>
-      <p:sp>
-        <p:nvSpPr>
-          <p:cNvPr id="24" name="Rectangle 23"/>
-          <p:cNvSpPr/>
-          <p:nvPr/>
-        </p:nvSpPr>
-        <p:spPr bwMode="gray">
-          <a:xfrm>
-            <a:off x="4988379" y="1167492"/>
-            <a:ext cx="1820636" cy="628650"/>
-          </a:xfrm>
-          <a:prstGeom prst="rect">
-            <a:avLst/>
-          </a:prstGeom>
-          <a:ln>
-            <a:headEnd/>
-            <a:tailEnd/>
-          </a:ln>
-        </p:spPr>
-        <p:style>
-          <a:lnRef idx="1">
-            <a:schemeClr val="accent2"/>
-          </a:lnRef>
-          <a:fillRef idx="2">
-            <a:schemeClr val="accent2"/>
-          </a:fillRef>
-          <a:effectRef idx="1">
-            <a:schemeClr val="accent2"/>
-          </a:effectRef>
-          <a:fontRef idx="minor">
-            <a:schemeClr val="dk1"/>
-          </a:fontRef>
-        </p:style>
-        <p:txBody>
-          <a:bodyPr lIns="90000" tIns="72000" rIns="90000" bIns="72000" rtlCol="0" anchor="ctr"/>
-          <a:lstStyle/>
-          <a:p>
-            <a:pPr marR="0" algn="ctr" defTabSz="914400" eaLnBrk="1" fontAlgn="base" latinLnBrk="0" hangingPunct="1">
-              <a:lnSpc>
-                <a:spcPct val="100000"/>
-              </a:lnSpc>
-              <a:spcBef>
-                <a:spcPct val="50000"/>
-              </a:spcBef>
-              <a:spcAft>
-                <a:spcPct val="0"/>
-              </a:spcAft>
-              <a:buClr>
-                <a:srgbClr val="F0AB00"/>
-              </a:buClr>
-              <a:buSzPct val="80000"/>
-              <a:tabLst/>
-            </a:pPr>
-            <a:r>
-              <a:rPr kumimoji="0" lang="en-US" sz="1800" b="1" i="0" u="none" strike="noStrike" kern="0" cap="none" spc="0" normalizeH="0" baseline="0" noProof="0" dirty="0">
-                <a:ln>
-                  <a:noFill/>
-                </a:ln>
-                <a:effectLst/>
-                <a:uLnTx/>
-                <a:uFillTx/>
-                <a:ea typeface="Arial Unicode MS" pitchFamily="34" charset="-128"/>
-                <a:cs typeface="Arial Unicode MS" pitchFamily="34" charset="-128"/>
-              </a:rPr>
-              <a:t>Scheduler</a:t>
-            </a:r>
-          </a:p>
-        </p:txBody>
-      </p:sp>
-      <p:cxnSp>
-        <p:nvCxnSpPr>
-          <p:cNvPr id="27" name="Connector: Elbow 26"/>
-          <p:cNvCxnSpPr>
-            <a:stCxn id="24" idx="2"/>
-            <a:endCxn id="5" idx="0"/>
-          </p:cNvCxnSpPr>
-          <p:nvPr/>
-        </p:nvCxnSpPr>
-        <p:spPr>
-          <a:xfrm rot="5400000">
-            <a:off x="4297815" y="1294170"/>
-            <a:ext cx="1098911" cy="2102855"/>
-          </a:xfrm>
-          <a:prstGeom prst="bentConnector3">
-            <a:avLst/>
-          </a:prstGeom>
-          <a:ln w="57150">
-            <a:solidFill>
-              <a:schemeClr val="tx1"/>
-            </a:solidFill>
-            <a:headEnd type="none" w="med" len="med"/>
-            <a:tailEnd type="triangle"/>
-          </a:ln>
-        </p:spPr>
-        <p:style>
-          <a:lnRef idx="1">
-            <a:schemeClr val="accent1"/>
-          </a:lnRef>
-          <a:fillRef idx="0">
-            <a:schemeClr val="accent1"/>
-          </a:fillRef>
-          <a:effectRef idx="0">
-            <a:schemeClr val="accent1"/>
-          </a:effectRef>
-          <a:fontRef idx="minor">
-            <a:schemeClr val="tx1"/>
-          </a:fontRef>
-        </p:style>
-      </p:cxnSp>
-      <p:cxnSp>
-        <p:nvCxnSpPr>
-          <p:cNvPr id="28" name="Connector: Elbow 27"/>
-          <p:cNvCxnSpPr>
-            <a:stCxn id="24" idx="2"/>
-            <a:endCxn id="17" idx="0"/>
-          </p:cNvCxnSpPr>
-          <p:nvPr/>
-        </p:nvCxnSpPr>
-        <p:spPr>
-          <a:xfrm rot="16200000" flipH="1">
-            <a:off x="6391952" y="1302886"/>
-            <a:ext cx="1098912" cy="2085423"/>
-          </a:xfrm>
-          <a:prstGeom prst="bentConnector3">
-            <a:avLst>
-              <a:gd name="adj1" fmla="val 50000"/>
-            </a:avLst>
-          </a:prstGeom>
-          <a:ln w="57150">
-            <a:solidFill>
-              <a:schemeClr val="tx1"/>
-            </a:solidFill>
-            <a:headEnd type="none" w="med" len="med"/>
-            <a:tailEnd type="triangle"/>
-          </a:ln>
-        </p:spPr>
-        <p:style>
-          <a:lnRef idx="1">
-            <a:schemeClr val="accent1"/>
-          </a:lnRef>
-          <a:fillRef idx="0">
-            <a:schemeClr val="accent1"/>
-          </a:fillRef>
-          <a:effectRef idx="0">
-            <a:schemeClr val="accent1"/>
-          </a:effectRef>
-          <a:fontRef idx="minor">
-            <a:schemeClr val="tx1"/>
-          </a:fontRef>
-        </p:style>
-      </p:cxnSp>
-      <p:sp>
-        <p:nvSpPr>
-          <p:cNvPr id="31" name="Flowchart: Preparation 30"/>
-          <p:cNvSpPr/>
-          <p:nvPr/>
-        </p:nvSpPr>
-        <p:spPr bwMode="gray">
-          <a:xfrm>
-            <a:off x="1287435" y="3549010"/>
-            <a:ext cx="1588973" cy="889908"/>
-          </a:xfrm>
-          <a:prstGeom prst="flowChartPreparation">
-            <a:avLst/>
-          </a:prstGeom>
-          <a:ln>
-            <a:headEnd/>
-            <a:tailEnd/>
-          </a:ln>
-        </p:spPr>
-        <p:style>
-          <a:lnRef idx="2">
-            <a:schemeClr val="accent5">
-              <a:shade val="50000"/>
-            </a:schemeClr>
-          </a:lnRef>
-          <a:fillRef idx="1">
-            <a:schemeClr val="accent5"/>
-          </a:fillRef>
-          <a:effectRef idx="0">
-            <a:schemeClr val="accent5"/>
-          </a:effectRef>
-          <a:fontRef idx="minor">
-            <a:schemeClr val="lt1"/>
-          </a:fontRef>
-        </p:style>
-        <p:txBody>
-          <a:bodyPr lIns="90000" tIns="72000" rIns="90000" bIns="72000" rtlCol="0" anchor="ctr"/>
-          <a:lstStyle/>
-          <a:p>
-            <a:pPr marR="0" algn="ctr" defTabSz="914400" eaLnBrk="1" fontAlgn="base" latinLnBrk="0" hangingPunct="1">
-              <a:lnSpc>
-                <a:spcPct val="100000"/>
-              </a:lnSpc>
-              <a:spcBef>
-                <a:spcPct val="50000"/>
-              </a:spcBef>
-              <a:spcAft>
-                <a:spcPct val="0"/>
-              </a:spcAft>
-              <a:buClr>
-                <a:srgbClr val="F0AB00"/>
-              </a:buClr>
-              <a:buSzPct val="80000"/>
-              <a:tabLst/>
-            </a:pPr>
-            <a:r>
-              <a:rPr lang="en-US" sz="1800" kern="0" dirty="0">
-                <a:ea typeface="Arial Unicode MS" pitchFamily="34" charset="-128"/>
-                <a:cs typeface="Arial Unicode MS" pitchFamily="34" charset="-128"/>
-              </a:rPr>
-              <a:t>drain</a:t>
-            </a:r>
-            <a:endParaRPr kumimoji="0" lang="en-US" sz="1800" b="0" i="0" u="none" strike="noStrike" kern="0" cap="none" spc="0" normalizeH="0" baseline="0" noProof="0" dirty="0" err="1">
-              <a:ln>
-                <a:noFill/>
-              </a:ln>
-              <a:effectLst/>
-              <a:uLnTx/>
-              <a:uFillTx/>
-              <a:ea typeface="Arial Unicode MS" pitchFamily="34" charset="-128"/>
-              <a:cs typeface="Arial Unicode MS" pitchFamily="34" charset="-128"/>
-            </a:endParaRPr>
-          </a:p>
-        </p:txBody>
-      </p:sp>
-      <p:sp>
-        <p:nvSpPr>
-          <p:cNvPr id="32" name="Rectangle 31"/>
-          <p:cNvSpPr/>
-          <p:nvPr/>
-        </p:nvSpPr>
-        <p:spPr bwMode="gray">
-          <a:xfrm>
-            <a:off x="8254680" y="4633938"/>
-            <a:ext cx="1208595" cy="773906"/>
-          </a:xfrm>
-          <a:prstGeom prst="rect">
-            <a:avLst/>
-          </a:prstGeom>
-          <a:ln>
-            <a:headEnd/>
-            <a:tailEnd/>
-          </a:ln>
-        </p:spPr>
-        <p:style>
-          <a:lnRef idx="2">
-            <a:schemeClr val="accent4">
-              <a:shade val="50000"/>
-            </a:schemeClr>
-          </a:lnRef>
-          <a:fillRef idx="1">
-            <a:schemeClr val="accent4"/>
-          </a:fillRef>
-          <a:effectRef idx="0">
-            <a:schemeClr val="accent4"/>
-          </a:effectRef>
-          <a:fontRef idx="minor">
-            <a:schemeClr val="lt1"/>
-          </a:fontRef>
-        </p:style>
-        <p:txBody>
-          <a:bodyPr lIns="90000" tIns="72000" rIns="90000" bIns="72000" rtlCol="0" anchor="ctr"/>
-          <a:lstStyle/>
-          <a:p>
-            <a:pPr marR="0" algn="ctr" defTabSz="914400" eaLnBrk="1" fontAlgn="base" latinLnBrk="0" hangingPunct="1">
-              <a:lnSpc>
-                <a:spcPct val="100000"/>
-              </a:lnSpc>
-              <a:spcBef>
-                <a:spcPct val="50000"/>
-              </a:spcBef>
-              <a:spcAft>
-                <a:spcPct val="0"/>
-              </a:spcAft>
-              <a:buClr>
-                <a:srgbClr val="F0AB00"/>
-              </a:buClr>
-              <a:buSzPct val="80000"/>
-              <a:tabLst/>
-            </a:pPr>
-            <a:r>
-              <a:rPr lang="de-DE" sz="1600" b="1" kern="0" noProof="0" dirty="0" err="1">
-                <a:ea typeface="Arial Unicode MS" pitchFamily="34" charset="-128"/>
-                <a:cs typeface="Arial Unicode MS" pitchFamily="34" charset="-128"/>
-              </a:rPr>
-              <a:t>Pod</a:t>
-            </a:r>
-            <a:endParaRPr kumimoji="0" lang="de-DE" sz="1600" b="1" i="0" u="none" strike="noStrike" kern="0" cap="none" spc="0" normalizeH="0" baseline="0" noProof="0" dirty="0">
-              <a:ln>
-                <a:noFill/>
-              </a:ln>
-              <a:effectLst/>
-              <a:uLnTx/>
-              <a:uFillTx/>
-              <a:ea typeface="Arial Unicode MS" pitchFamily="34" charset="-128"/>
-              <a:cs typeface="Arial Unicode MS" pitchFamily="34" charset="-128"/>
-            </a:endParaRPr>
-          </a:p>
-        </p:txBody>
-      </p:sp>
-      <p:sp>
-        <p:nvSpPr>
-          <p:cNvPr id="33" name="Rectangle 32"/>
-          <p:cNvSpPr/>
-          <p:nvPr/>
-        </p:nvSpPr>
-        <p:spPr bwMode="gray">
-          <a:xfrm>
-            <a:off x="8254680" y="3665012"/>
-            <a:ext cx="1208595" cy="773906"/>
-          </a:xfrm>
-          <a:prstGeom prst="rect">
-            <a:avLst/>
-          </a:prstGeom>
-          <a:ln>
-            <a:headEnd/>
-            <a:tailEnd/>
-          </a:ln>
-        </p:spPr>
-        <p:style>
-          <a:lnRef idx="2">
-            <a:schemeClr val="accent4">
-              <a:shade val="50000"/>
-            </a:schemeClr>
-          </a:lnRef>
-          <a:fillRef idx="1">
-            <a:schemeClr val="accent4"/>
-          </a:fillRef>
-          <a:effectRef idx="0">
-            <a:schemeClr val="accent4"/>
-          </a:effectRef>
-          <a:fontRef idx="minor">
-            <a:schemeClr val="lt1"/>
-          </a:fontRef>
-        </p:style>
-        <p:txBody>
-          <a:bodyPr lIns="90000" tIns="72000" rIns="90000" bIns="72000" rtlCol="0" anchor="ctr"/>
-          <a:lstStyle/>
-          <a:p>
-            <a:pPr marR="0" algn="ctr" defTabSz="914400" eaLnBrk="1" fontAlgn="base" latinLnBrk="0" hangingPunct="1">
-              <a:lnSpc>
-                <a:spcPct val="100000"/>
-              </a:lnSpc>
-              <a:spcBef>
-                <a:spcPct val="50000"/>
-              </a:spcBef>
-              <a:spcAft>
-                <a:spcPct val="0"/>
-              </a:spcAft>
-              <a:buClr>
-                <a:srgbClr val="F0AB00"/>
-              </a:buClr>
-              <a:buSzPct val="80000"/>
-              <a:tabLst/>
-            </a:pPr>
-            <a:r>
-              <a:rPr lang="de-DE" sz="1600" b="1" kern="0" noProof="0" dirty="0" err="1">
-                <a:ea typeface="Arial Unicode MS" pitchFamily="34" charset="-128"/>
-                <a:cs typeface="Arial Unicode MS" pitchFamily="34" charset="-128"/>
-              </a:rPr>
-              <a:t>Pod</a:t>
-            </a:r>
-            <a:endParaRPr kumimoji="0" lang="de-DE" sz="1600" b="1" i="0" u="none" strike="noStrike" kern="0" cap="none" spc="0" normalizeH="0" baseline="0" noProof="0" dirty="0">
-              <a:ln>
-                <a:noFill/>
-              </a:ln>
-              <a:effectLst/>
-              <a:uLnTx/>
-              <a:uFillTx/>
-              <a:ea typeface="Arial Unicode MS" pitchFamily="34" charset="-128"/>
-              <a:cs typeface="Arial Unicode MS" pitchFamily="34" charset="-128"/>
-            </a:endParaRPr>
-          </a:p>
-        </p:txBody>
-      </p:sp>
+      </p:pic>
     </p:spTree>
     <p:extLst>
       <p:ext uri="{BB962C8B-B14F-4D97-AF65-F5344CB8AC3E}">
-        <p14:creationId xmlns:p14="http://schemas.microsoft.com/office/powerpoint/2010/main" val="1552695026"/>
-      </p:ext>
-    </p:extLst>
-  </p:cSld>
-  <p:clrMapOvr>
-    <a:masterClrMapping/>
-  </p:clrMapOvr>
-  <p:timing>
-    <p:tnLst>
-      <p:par>
-        <p:cTn id="1" dur="indefinite" restart="never" nodeType="tmRoot">
-          <p:childTnLst>
-            <p:seq concurrent="1" nextAc="seek">
-              <p:cTn id="2" dur="indefinite" nodeType="mainSeq">
-                <p:childTnLst>
-                  <p:par>
-                    <p:cTn id="3" fill="hold">
-                      <p:stCondLst>
-                        <p:cond delay="indefinite"/>
-                      </p:stCondLst>
-                      <p:childTnLst>
-                        <p:par>
-                          <p:cTn id="4" fill="hold">
-                            <p:stCondLst>
-                              <p:cond delay="0"/>
-                            </p:stCondLst>
-                            <p:childTnLst>
-                              <p:par>
-                                <p:cTn id="5" presetID="1" presetClass="entr" presetSubtype="0" fill="hold" grpId="0" nodeType="clickEffect">
-                                  <p:stCondLst>
-                                    <p:cond delay="0"/>
-                                  </p:stCondLst>
-                                  <p:childTnLst>
-                                    <p:set>
-                                      <p:cBhvr>
-                                        <p:cTn id="6" dur="1" fill="hold">
-                                          <p:stCondLst>
-                                            <p:cond delay="0"/>
-                                          </p:stCondLst>
-                                        </p:cTn>
-                                        <p:tgtEl>
-                                          <p:spTgt spid="23"/>
-                                        </p:tgtEl>
-                                        <p:attrNameLst>
-                                          <p:attrName>style.visibility</p:attrName>
-                                        </p:attrNameLst>
-                                      </p:cBhvr>
-                                      <p:to>
-                                        <p:strVal val="visible"/>
-                                      </p:to>
-                                    </p:set>
-                                  </p:childTnLst>
-                                </p:cTn>
-                              </p:par>
-                            </p:childTnLst>
-                          </p:cTn>
-                        </p:par>
-                        <p:par>
-                          <p:cTn id="7" fill="hold">
-                            <p:stCondLst>
-                              <p:cond delay="0"/>
-                            </p:stCondLst>
-                            <p:childTnLst>
-                              <p:par>
-                                <p:cTn id="8" presetID="1" presetClass="exit" presetSubtype="0" fill="hold" nodeType="afterEffect">
-                                  <p:stCondLst>
-                                    <p:cond delay="0"/>
-                                  </p:stCondLst>
-                                  <p:childTnLst>
-                                    <p:set>
-                                      <p:cBhvr>
-                                        <p:cTn id="9" dur="1" fill="hold">
-                                          <p:stCondLst>
-                                            <p:cond delay="0"/>
-                                          </p:stCondLst>
-                                        </p:cTn>
-                                        <p:tgtEl>
-                                          <p:spTgt spid="27"/>
-                                        </p:tgtEl>
-                                        <p:attrNameLst>
-                                          <p:attrName>style.visibility</p:attrName>
-                                        </p:attrNameLst>
-                                      </p:cBhvr>
-                                      <p:to>
-                                        <p:strVal val="hidden"/>
-                                      </p:to>
-                                    </p:set>
-                                  </p:childTnLst>
-                                </p:cTn>
-                              </p:par>
-                            </p:childTnLst>
-                          </p:cTn>
-                        </p:par>
-                      </p:childTnLst>
-                    </p:cTn>
-                  </p:par>
-                  <p:par>
-                    <p:cTn id="10" fill="hold">
-                      <p:stCondLst>
-                        <p:cond delay="indefinite"/>
-                      </p:stCondLst>
-                      <p:childTnLst>
-                        <p:par>
-                          <p:cTn id="11" fill="hold">
-                            <p:stCondLst>
-                              <p:cond delay="0"/>
-                            </p:stCondLst>
-                            <p:childTnLst>
-                              <p:par>
-                                <p:cTn id="12" presetID="1" presetClass="entr" presetSubtype="0" fill="hold" grpId="0" nodeType="clickEffect">
-                                  <p:stCondLst>
-                                    <p:cond delay="0"/>
-                                  </p:stCondLst>
-                                  <p:childTnLst>
-                                    <p:set>
-                                      <p:cBhvr>
-                                        <p:cTn id="13" dur="1" fill="hold">
-                                          <p:stCondLst>
-                                            <p:cond delay="0"/>
-                                          </p:stCondLst>
-                                        </p:cTn>
-                                        <p:tgtEl>
-                                          <p:spTgt spid="31"/>
-                                        </p:tgtEl>
-                                        <p:attrNameLst>
-                                          <p:attrName>style.visibility</p:attrName>
-                                        </p:attrNameLst>
-                                      </p:cBhvr>
-                                      <p:to>
-                                        <p:strVal val="visible"/>
-                                      </p:to>
-                                    </p:set>
-                                  </p:childTnLst>
-                                </p:cTn>
-                              </p:par>
-                            </p:childTnLst>
-                          </p:cTn>
-                        </p:par>
-                        <p:par>
-                          <p:cTn id="14" fill="hold">
-                            <p:stCondLst>
-                              <p:cond delay="0"/>
-                            </p:stCondLst>
-                            <p:childTnLst>
-                              <p:par>
-                                <p:cTn id="15" presetID="1" presetClass="exit" presetSubtype="0" fill="hold" grpId="0" nodeType="afterEffect">
-                                  <p:stCondLst>
-                                    <p:cond delay="0"/>
-                                  </p:stCondLst>
-                                  <p:childTnLst>
-                                    <p:set>
-                                      <p:cBhvr>
-                                        <p:cTn id="16" dur="1" fill="hold">
-                                          <p:stCondLst>
-                                            <p:cond delay="0"/>
-                                          </p:stCondLst>
-                                        </p:cTn>
-                                        <p:tgtEl>
-                                          <p:spTgt spid="15"/>
-                                        </p:tgtEl>
-                                        <p:attrNameLst>
-                                          <p:attrName>style.visibility</p:attrName>
-                                        </p:attrNameLst>
-                                      </p:cBhvr>
-                                      <p:to>
-                                        <p:strVal val="hidden"/>
-                                      </p:to>
-                                    </p:set>
-                                  </p:childTnLst>
-                                </p:cTn>
-                              </p:par>
-                              <p:par>
-                                <p:cTn id="17" presetID="1" presetClass="exit" presetSubtype="0" fill="hold" grpId="0" nodeType="withEffect">
-                                  <p:stCondLst>
-                                    <p:cond delay="0"/>
-                                  </p:stCondLst>
-                                  <p:childTnLst>
-                                    <p:set>
-                                      <p:cBhvr>
-                                        <p:cTn id="18" dur="1" fill="hold">
-                                          <p:stCondLst>
-                                            <p:cond delay="0"/>
-                                          </p:stCondLst>
-                                        </p:cTn>
-                                        <p:tgtEl>
-                                          <p:spTgt spid="8"/>
-                                        </p:tgtEl>
-                                        <p:attrNameLst>
-                                          <p:attrName>style.visibility</p:attrName>
-                                        </p:attrNameLst>
-                                      </p:cBhvr>
-                                      <p:to>
-                                        <p:strVal val="hidden"/>
-                                      </p:to>
-                                    </p:set>
-                                  </p:childTnLst>
-                                </p:cTn>
-                              </p:par>
-                            </p:childTnLst>
-                          </p:cTn>
-                        </p:par>
-                      </p:childTnLst>
-                    </p:cTn>
-                  </p:par>
-                  <p:par>
-                    <p:cTn id="19" fill="hold">
-                      <p:stCondLst>
-                        <p:cond delay="indefinite"/>
-                      </p:stCondLst>
-                      <p:childTnLst>
-                        <p:par>
-                          <p:cTn id="20" fill="hold">
-                            <p:stCondLst>
-                              <p:cond delay="0"/>
-                            </p:stCondLst>
-                            <p:childTnLst>
-                              <p:par>
-                                <p:cTn id="21" presetID="1" presetClass="entr" presetSubtype="0" fill="hold" grpId="0" nodeType="clickEffect">
-                                  <p:stCondLst>
-                                    <p:cond delay="0"/>
-                                  </p:stCondLst>
-                                  <p:childTnLst>
-                                    <p:set>
-                                      <p:cBhvr>
-                                        <p:cTn id="22" dur="1" fill="hold">
-                                          <p:stCondLst>
-                                            <p:cond delay="0"/>
-                                          </p:stCondLst>
-                                        </p:cTn>
-                                        <p:tgtEl>
-                                          <p:spTgt spid="33"/>
-                                        </p:tgtEl>
-                                        <p:attrNameLst>
-                                          <p:attrName>style.visibility</p:attrName>
-                                        </p:attrNameLst>
-                                      </p:cBhvr>
-                                      <p:to>
-                                        <p:strVal val="visible"/>
-                                      </p:to>
-                                    </p:set>
-                                  </p:childTnLst>
-                                </p:cTn>
-                              </p:par>
-                              <p:par>
-                                <p:cTn id="23" presetID="1" presetClass="entr" presetSubtype="0" fill="hold" grpId="0" nodeType="withEffect">
-                                  <p:stCondLst>
-                                    <p:cond delay="0"/>
-                                  </p:stCondLst>
-                                  <p:childTnLst>
-                                    <p:set>
-                                      <p:cBhvr>
-                                        <p:cTn id="24" dur="1" fill="hold">
-                                          <p:stCondLst>
-                                            <p:cond delay="0"/>
-                                          </p:stCondLst>
-                                        </p:cTn>
-                                        <p:tgtEl>
-                                          <p:spTgt spid="32"/>
-                                        </p:tgtEl>
-                                        <p:attrNameLst>
-                                          <p:attrName>style.visibility</p:attrName>
-                                        </p:attrNameLst>
-                                      </p:cBhvr>
-                                      <p:to>
-                                        <p:strVal val="visible"/>
-                                      </p:to>
-                                    </p:set>
-                                  </p:childTnLst>
-                                </p:cTn>
-                              </p:par>
-                            </p:childTnLst>
-                          </p:cTn>
-                        </p:par>
-                      </p:childTnLst>
-                    </p:cTn>
-                  </p:par>
-                </p:childTnLst>
-              </p:cTn>
-              <p:prevCondLst>
-                <p:cond evt="onPrev" delay="0">
-                  <p:tgtEl>
-                    <p:sldTgt/>
-                  </p:tgtEl>
-                </p:cond>
-              </p:prevCondLst>
-              <p:nextCondLst>
-                <p:cond evt="onNext" delay="0">
-                  <p:tgtEl>
-                    <p:sldTgt/>
-                  </p:tgtEl>
-                </p:cond>
-              </p:nextCondLst>
-            </p:seq>
-          </p:childTnLst>
-        </p:cTn>
-      </p:par>
-    </p:tnLst>
-    <p:bldLst>
-      <p:bldP spid="8" grpId="0" animBg="1"/>
-      <p:bldP spid="15" grpId="0" animBg="1"/>
-      <p:bldP spid="23" grpId="0" animBg="1"/>
-      <p:bldP spid="31" grpId="0" animBg="1"/>
-      <p:bldP spid="32" grpId="0" animBg="1"/>
-      <p:bldP spid="33" grpId="0" animBg="1"/>
-    </p:bldLst>
-  </p:timing>
-</p:sld>
-</file>
-
-<file path=ppt/slides/slide15.xml><?xml version="1.0" encoding="utf-8"?>
-<p:sld xmlns:a="http://schemas.openxmlformats.org/drawingml/2006/main" xmlns:r="http://schemas.openxmlformats.org/officeDocument/2006/relationships" xmlns:p="http://schemas.openxmlformats.org/presentationml/2006/main">
-  <p:cSld>
-    <p:spTree>
-      <p:nvGrpSpPr>
-        <p:cNvPr id="1" name=""/>
-        <p:cNvGrpSpPr/>
-        <p:nvPr/>
-      </p:nvGrpSpPr>
-      <p:grpSpPr>
-        <a:xfrm>
-          <a:off x="0" y="0"/>
-          <a:ext cx="0" cy="0"/>
-          <a:chOff x="0" y="0"/>
-          <a:chExt cx="0" cy="0"/>
-        </a:xfrm>
-      </p:grpSpPr>
-      <p:sp>
-        <p:nvSpPr>
-          <p:cNvPr id="3" name="Title 2"/>
-          <p:cNvSpPr>
-            <a:spLocks noGrp="1"/>
-          </p:cNvSpPr>
-          <p:nvPr>
-            <p:ph type="title"/>
-          </p:nvPr>
-        </p:nvSpPr>
-        <p:spPr/>
-        <p:txBody>
-          <a:bodyPr/>
-          <a:lstStyle/>
-          <a:p>
-            <a:r>
-              <a:rPr lang="en-US" dirty="0"/>
-              <a:t>A note on scheduling pods…</a:t>
-            </a:r>
-          </a:p>
-        </p:txBody>
-      </p:sp>
-      <p:sp>
-        <p:nvSpPr>
-          <p:cNvPr id="4" name="Rectangle 3"/>
-          <p:cNvSpPr/>
-          <p:nvPr/>
-        </p:nvSpPr>
-        <p:spPr bwMode="gray">
-          <a:xfrm>
-            <a:off x="858333" y="3180802"/>
-            <a:ext cx="2455957" cy="3070860"/>
-          </a:xfrm>
-          <a:prstGeom prst="rect">
-            <a:avLst/>
-          </a:prstGeom>
-          <a:ln>
-            <a:headEnd/>
-            <a:tailEnd/>
-          </a:ln>
-        </p:spPr>
-        <p:style>
-          <a:lnRef idx="1">
-            <a:schemeClr val="accent2"/>
-          </a:lnRef>
-          <a:fillRef idx="2">
-            <a:schemeClr val="accent2"/>
-          </a:fillRef>
-          <a:effectRef idx="1">
-            <a:schemeClr val="accent2"/>
-          </a:effectRef>
-          <a:fontRef idx="minor">
-            <a:schemeClr val="dk1"/>
-          </a:fontRef>
-        </p:style>
-        <p:txBody>
-          <a:bodyPr lIns="90000" tIns="72000" rIns="90000" bIns="72000" rtlCol="0" anchor="t"/>
-          <a:lstStyle/>
-          <a:p>
-            <a:pPr algn="ctr" defTabSz="914400" fontAlgn="base">
-              <a:spcBef>
-                <a:spcPct val="50000"/>
-              </a:spcBef>
-              <a:spcAft>
-                <a:spcPct val="0"/>
-              </a:spcAft>
-              <a:buClr>
-                <a:srgbClr val="F0AB00"/>
-              </a:buClr>
-              <a:buSzPct val="80000"/>
-            </a:pPr>
-            <a:r>
-              <a:rPr lang="de-DE" sz="2400" b="1" kern="0" dirty="0">
-                <a:ea typeface="Arial Unicode MS" pitchFamily="34" charset="-128"/>
-                <a:cs typeface="Arial Unicode MS" pitchFamily="34" charset="-128"/>
-              </a:rPr>
-              <a:t>Worker A</a:t>
-            </a:r>
-          </a:p>
-        </p:txBody>
-      </p:sp>
-      <p:sp>
-        <p:nvSpPr>
-          <p:cNvPr id="6" name="Rectangle 5"/>
-          <p:cNvSpPr/>
-          <p:nvPr/>
-        </p:nvSpPr>
-        <p:spPr bwMode="gray">
-          <a:xfrm>
-            <a:off x="1482013" y="4951493"/>
-            <a:ext cx="1208595" cy="773906"/>
-          </a:xfrm>
-          <a:prstGeom prst="rect">
-            <a:avLst/>
-          </a:prstGeom>
-          <a:ln>
-            <a:headEnd/>
-            <a:tailEnd/>
-          </a:ln>
-        </p:spPr>
-        <p:style>
-          <a:lnRef idx="2">
-            <a:schemeClr val="accent5">
-              <a:shade val="50000"/>
-            </a:schemeClr>
-          </a:lnRef>
-          <a:fillRef idx="1">
-            <a:schemeClr val="accent5"/>
-          </a:fillRef>
-          <a:effectRef idx="0">
-            <a:schemeClr val="accent5"/>
-          </a:effectRef>
-          <a:fontRef idx="minor">
-            <a:schemeClr val="lt1"/>
-          </a:fontRef>
-        </p:style>
-        <p:txBody>
-          <a:bodyPr lIns="90000" tIns="72000" rIns="90000" bIns="72000" rtlCol="0" anchor="ctr"/>
-          <a:lstStyle/>
-          <a:p>
-            <a:pPr marR="0" algn="ctr" defTabSz="914400" eaLnBrk="1" fontAlgn="base" latinLnBrk="0" hangingPunct="1">
-              <a:lnSpc>
-                <a:spcPct val="100000"/>
-              </a:lnSpc>
-              <a:spcBef>
-                <a:spcPct val="50000"/>
-              </a:spcBef>
-              <a:spcAft>
-                <a:spcPct val="0"/>
-              </a:spcAft>
-              <a:buClr>
-                <a:srgbClr val="F0AB00"/>
-              </a:buClr>
-              <a:buSzPct val="80000"/>
-              <a:tabLst/>
-            </a:pPr>
-            <a:r>
-              <a:rPr lang="de-DE" sz="1600" b="1" kern="0" noProof="0" dirty="0" err="1">
-                <a:ea typeface="Arial Unicode MS" pitchFamily="34" charset="-128"/>
-                <a:cs typeface="Arial Unicode MS" pitchFamily="34" charset="-128"/>
-              </a:rPr>
-              <a:t>Tolerate</a:t>
-            </a:r>
-            <a:r>
-              <a:rPr lang="de-DE" sz="1600" b="1" kern="0" noProof="0" dirty="0">
-                <a:ea typeface="Arial Unicode MS" pitchFamily="34" charset="-128"/>
-                <a:cs typeface="Arial Unicode MS" pitchFamily="34" charset="-128"/>
-              </a:rPr>
-              <a:t> </a:t>
-            </a:r>
-            <a:r>
-              <a:rPr lang="de-DE" sz="1600" b="1" kern="0" dirty="0">
-                <a:ea typeface="Arial Unicode MS" pitchFamily="34" charset="-128"/>
-                <a:cs typeface="Arial Unicode MS" pitchFamily="34" charset="-128"/>
-              </a:rPr>
-              <a:t>N</a:t>
-            </a:r>
-            <a:r>
-              <a:rPr lang="de-DE" sz="1600" b="1" kern="0" noProof="0" dirty="0" err="1">
-                <a:ea typeface="Arial Unicode MS" pitchFamily="34" charset="-128"/>
-                <a:cs typeface="Arial Unicode MS" pitchFamily="34" charset="-128"/>
-              </a:rPr>
-              <a:t>oUsers</a:t>
-            </a:r>
-            <a:endParaRPr kumimoji="0" lang="de-DE" sz="1600" b="1" i="0" u="none" strike="noStrike" kern="0" cap="none" spc="0" normalizeH="0" baseline="0" noProof="0" dirty="0">
-              <a:ln>
-                <a:noFill/>
-              </a:ln>
-              <a:effectLst/>
-              <a:uLnTx/>
-              <a:uFillTx/>
-              <a:ea typeface="Arial Unicode MS" pitchFamily="34" charset="-128"/>
-              <a:cs typeface="Arial Unicode MS" pitchFamily="34" charset="-128"/>
-            </a:endParaRPr>
-          </a:p>
-        </p:txBody>
-      </p:sp>
-      <p:sp>
-        <p:nvSpPr>
-          <p:cNvPr id="7" name="Rectangle 6"/>
-          <p:cNvSpPr/>
-          <p:nvPr/>
-        </p:nvSpPr>
-        <p:spPr bwMode="gray">
-          <a:xfrm>
-            <a:off x="3683173" y="3188970"/>
-            <a:ext cx="3703320" cy="3070860"/>
-          </a:xfrm>
-          <a:prstGeom prst="rect">
-            <a:avLst/>
-          </a:prstGeom>
-          <a:ln>
-            <a:headEnd/>
-            <a:tailEnd/>
-          </a:ln>
-        </p:spPr>
-        <p:style>
-          <a:lnRef idx="1">
-            <a:schemeClr val="accent2"/>
-          </a:lnRef>
-          <a:fillRef idx="2">
-            <a:schemeClr val="accent2"/>
-          </a:fillRef>
-          <a:effectRef idx="1">
-            <a:schemeClr val="accent2"/>
-          </a:effectRef>
-          <a:fontRef idx="minor">
-            <a:schemeClr val="dk1"/>
-          </a:fontRef>
-        </p:style>
-        <p:txBody>
-          <a:bodyPr lIns="90000" tIns="72000" rIns="90000" bIns="72000" rtlCol="0" anchor="t"/>
-          <a:lstStyle/>
-          <a:p>
-            <a:pPr algn="ctr" defTabSz="914400" fontAlgn="base">
-              <a:spcBef>
-                <a:spcPct val="50000"/>
-              </a:spcBef>
-              <a:spcAft>
-                <a:spcPct val="0"/>
-              </a:spcAft>
-              <a:buClr>
-                <a:srgbClr val="F0AB00"/>
-              </a:buClr>
-              <a:buSzPct val="80000"/>
-            </a:pPr>
-            <a:r>
-              <a:rPr lang="de-DE" sz="2400" b="1" kern="0" dirty="0">
-                <a:ea typeface="Arial Unicode MS" pitchFamily="34" charset="-128"/>
-                <a:cs typeface="Arial Unicode MS" pitchFamily="34" charset="-128"/>
-              </a:rPr>
-              <a:t>Worker B</a:t>
-            </a:r>
-          </a:p>
-        </p:txBody>
-      </p:sp>
-      <p:sp>
-        <p:nvSpPr>
-          <p:cNvPr id="9" name="Rectangle 8"/>
-          <p:cNvSpPr/>
-          <p:nvPr/>
-        </p:nvSpPr>
-        <p:spPr bwMode="gray">
-          <a:xfrm>
-            <a:off x="4301834" y="5005918"/>
-            <a:ext cx="1208595" cy="773906"/>
-          </a:xfrm>
-          <a:prstGeom prst="rect">
-            <a:avLst/>
-          </a:prstGeom>
-          <a:ln>
-            <a:headEnd/>
-            <a:tailEnd/>
-          </a:ln>
-        </p:spPr>
-        <p:style>
-          <a:lnRef idx="2">
-            <a:schemeClr val="accent2">
-              <a:shade val="50000"/>
-            </a:schemeClr>
-          </a:lnRef>
-          <a:fillRef idx="1">
-            <a:schemeClr val="accent2"/>
-          </a:fillRef>
-          <a:effectRef idx="0">
-            <a:schemeClr val="accent2"/>
-          </a:effectRef>
-          <a:fontRef idx="minor">
-            <a:schemeClr val="lt1"/>
-          </a:fontRef>
-        </p:style>
-        <p:txBody>
-          <a:bodyPr lIns="90000" tIns="72000" rIns="90000" bIns="72000" rtlCol="0" anchor="ctr"/>
-          <a:lstStyle/>
-          <a:p>
-            <a:pPr marR="0" algn="ctr" defTabSz="914400" eaLnBrk="1" fontAlgn="base" latinLnBrk="0" hangingPunct="1">
-              <a:lnSpc>
-                <a:spcPct val="100000"/>
-              </a:lnSpc>
-              <a:spcBef>
-                <a:spcPct val="50000"/>
-              </a:spcBef>
-              <a:spcAft>
-                <a:spcPct val="0"/>
-              </a:spcAft>
-              <a:buClr>
-                <a:srgbClr val="F0AB00"/>
-              </a:buClr>
-              <a:buSzPct val="80000"/>
-              <a:tabLst/>
-            </a:pPr>
-            <a:r>
-              <a:rPr lang="de-DE" sz="1600" b="1" kern="0" noProof="0" dirty="0" err="1">
-                <a:ea typeface="Arial Unicode MS" pitchFamily="34" charset="-128"/>
-                <a:cs typeface="Arial Unicode MS" pitchFamily="34" charset="-128"/>
-              </a:rPr>
-              <a:t>NotWith</a:t>
-            </a:r>
-            <a:r>
-              <a:rPr lang="de-DE" sz="1600" b="1" kern="0" noProof="0" dirty="0">
-                <a:ea typeface="Arial Unicode MS" pitchFamily="34" charset="-128"/>
-                <a:cs typeface="Arial Unicode MS" pitchFamily="34" charset="-128"/>
-              </a:rPr>
-              <a:t> Database</a:t>
-            </a:r>
-            <a:endParaRPr kumimoji="0" lang="de-DE" sz="1600" b="1" i="0" u="none" strike="noStrike" kern="0" cap="none" spc="0" normalizeH="0" baseline="0" noProof="0" dirty="0">
-              <a:ln>
-                <a:noFill/>
-              </a:ln>
-              <a:effectLst/>
-              <a:uLnTx/>
-              <a:uFillTx/>
-              <a:ea typeface="Arial Unicode MS" pitchFamily="34" charset="-128"/>
-              <a:cs typeface="Arial Unicode MS" pitchFamily="34" charset="-128"/>
-            </a:endParaRPr>
-          </a:p>
-        </p:txBody>
-      </p:sp>
-      <p:sp>
-        <p:nvSpPr>
-          <p:cNvPr id="11" name="Rectangle 10"/>
-          <p:cNvSpPr/>
-          <p:nvPr/>
-        </p:nvSpPr>
-        <p:spPr bwMode="gray">
-          <a:xfrm>
-            <a:off x="4620986" y="1141241"/>
-            <a:ext cx="1820636" cy="628650"/>
-          </a:xfrm>
-          <a:prstGeom prst="rect">
-            <a:avLst/>
-          </a:prstGeom>
-          <a:ln>
-            <a:headEnd/>
-            <a:tailEnd/>
-          </a:ln>
-        </p:spPr>
-        <p:style>
-          <a:lnRef idx="1">
-            <a:schemeClr val="accent2"/>
-          </a:lnRef>
-          <a:fillRef idx="2">
-            <a:schemeClr val="accent2"/>
-          </a:fillRef>
-          <a:effectRef idx="1">
-            <a:schemeClr val="accent2"/>
-          </a:effectRef>
-          <a:fontRef idx="minor">
-            <a:schemeClr val="dk1"/>
-          </a:fontRef>
-        </p:style>
-        <p:txBody>
-          <a:bodyPr lIns="90000" tIns="72000" rIns="90000" bIns="72000" rtlCol="0" anchor="ctr"/>
-          <a:lstStyle/>
-          <a:p>
-            <a:pPr marR="0" algn="ctr" defTabSz="914400" eaLnBrk="1" fontAlgn="base" latinLnBrk="0" hangingPunct="1">
-              <a:lnSpc>
-                <a:spcPct val="100000"/>
-              </a:lnSpc>
-              <a:spcBef>
-                <a:spcPct val="50000"/>
-              </a:spcBef>
-              <a:spcAft>
-                <a:spcPct val="0"/>
-              </a:spcAft>
-              <a:buClr>
-                <a:srgbClr val="F0AB00"/>
-              </a:buClr>
-              <a:buSzPct val="80000"/>
-              <a:tabLst/>
-            </a:pPr>
-            <a:r>
-              <a:rPr kumimoji="0" lang="en-US" sz="1800" b="1" i="0" u="none" strike="noStrike" kern="0" cap="none" spc="0" normalizeH="0" baseline="0" noProof="0" dirty="0">
-                <a:ln>
-                  <a:noFill/>
-                </a:ln>
-                <a:effectLst/>
-                <a:uLnTx/>
-                <a:uFillTx/>
-                <a:ea typeface="Arial Unicode MS" pitchFamily="34" charset="-128"/>
-                <a:cs typeface="Arial Unicode MS" pitchFamily="34" charset="-128"/>
-              </a:rPr>
-              <a:t>Scheduler</a:t>
-            </a:r>
-          </a:p>
-        </p:txBody>
-      </p:sp>
-      <p:cxnSp>
-        <p:nvCxnSpPr>
-          <p:cNvPr id="12" name="Connector: Elbow 11"/>
-          <p:cNvCxnSpPr>
-            <a:stCxn id="11" idx="2"/>
-            <a:endCxn id="4" idx="0"/>
-          </p:cNvCxnSpPr>
-          <p:nvPr/>
-        </p:nvCxnSpPr>
-        <p:spPr>
-          <a:xfrm rot="5400000">
-            <a:off x="3103353" y="752850"/>
-            <a:ext cx="1410911" cy="3444992"/>
-          </a:xfrm>
-          <a:prstGeom prst="bentConnector3">
-            <a:avLst/>
-          </a:prstGeom>
-          <a:ln w="57150">
-            <a:solidFill>
-              <a:schemeClr val="tx1"/>
-            </a:solidFill>
-            <a:headEnd type="none" w="med" len="med"/>
-            <a:tailEnd type="triangle"/>
-          </a:ln>
-        </p:spPr>
-        <p:style>
-          <a:lnRef idx="1">
-            <a:schemeClr val="accent1"/>
-          </a:lnRef>
-          <a:fillRef idx="0">
-            <a:schemeClr val="accent1"/>
-          </a:fillRef>
-          <a:effectRef idx="0">
-            <a:schemeClr val="accent1"/>
-          </a:effectRef>
-          <a:fontRef idx="minor">
-            <a:schemeClr val="tx1"/>
-          </a:fontRef>
-        </p:style>
-      </p:cxnSp>
-      <p:cxnSp>
-        <p:nvCxnSpPr>
-          <p:cNvPr id="13" name="Connector: Elbow 12"/>
-          <p:cNvCxnSpPr>
-            <a:stCxn id="11" idx="2"/>
-            <a:endCxn id="7" idx="0"/>
-          </p:cNvCxnSpPr>
-          <p:nvPr/>
-        </p:nvCxnSpPr>
-        <p:spPr>
-          <a:xfrm rot="16200000" flipH="1">
-            <a:off x="4823529" y="2477665"/>
-            <a:ext cx="1419079" cy="3529"/>
-          </a:xfrm>
-          <a:prstGeom prst="bentConnector3">
-            <a:avLst>
-              <a:gd name="adj1" fmla="val 50000"/>
-            </a:avLst>
-          </a:prstGeom>
-          <a:ln w="57150">
-            <a:solidFill>
-              <a:schemeClr val="tx1"/>
-            </a:solidFill>
-            <a:headEnd type="none" w="med" len="med"/>
-            <a:tailEnd type="triangle"/>
-          </a:ln>
-        </p:spPr>
-        <p:style>
-          <a:lnRef idx="1">
-            <a:schemeClr val="accent1"/>
-          </a:lnRef>
-          <a:fillRef idx="0">
-            <a:schemeClr val="accent1"/>
-          </a:fillRef>
-          <a:effectRef idx="0">
-            <a:schemeClr val="accent1"/>
-          </a:effectRef>
-          <a:fontRef idx="minor">
-            <a:schemeClr val="tx1"/>
-          </a:fontRef>
-        </p:style>
-      </p:cxnSp>
-      <p:sp>
-        <p:nvSpPr>
-          <p:cNvPr id="10" name="Flowchart: Preparation 9"/>
-          <p:cNvSpPr/>
-          <p:nvPr/>
-        </p:nvSpPr>
-        <p:spPr bwMode="gray">
-          <a:xfrm>
-            <a:off x="1184481" y="3826324"/>
-            <a:ext cx="1803657" cy="889908"/>
-          </a:xfrm>
-          <a:prstGeom prst="flowChartPreparation">
-            <a:avLst/>
-          </a:prstGeom>
-          <a:ln>
-            <a:headEnd/>
-            <a:tailEnd/>
-          </a:ln>
-        </p:spPr>
-        <p:style>
-          <a:lnRef idx="2">
-            <a:schemeClr val="accent5">
-              <a:shade val="50000"/>
-            </a:schemeClr>
-          </a:lnRef>
-          <a:fillRef idx="1">
-            <a:schemeClr val="accent5"/>
-          </a:fillRef>
-          <a:effectRef idx="0">
-            <a:schemeClr val="accent5"/>
-          </a:effectRef>
-          <a:fontRef idx="minor">
-            <a:schemeClr val="lt1"/>
-          </a:fontRef>
-        </p:style>
-        <p:txBody>
-          <a:bodyPr lIns="90000" tIns="72000" rIns="90000" bIns="72000" rtlCol="0" anchor="ctr"/>
-          <a:lstStyle/>
-          <a:p>
-            <a:pPr marR="0" algn="ctr" defTabSz="914400" eaLnBrk="1" fontAlgn="base" latinLnBrk="0" hangingPunct="1">
-              <a:lnSpc>
-                <a:spcPct val="100000"/>
-              </a:lnSpc>
-              <a:spcBef>
-                <a:spcPct val="50000"/>
-              </a:spcBef>
-              <a:spcAft>
-                <a:spcPct val="0"/>
-              </a:spcAft>
-              <a:buClr>
-                <a:srgbClr val="F0AB00"/>
-              </a:buClr>
-              <a:buSzPct val="80000"/>
-              <a:tabLst/>
-            </a:pPr>
-            <a:r>
-              <a:rPr lang="en-US" sz="1800" kern="0" noProof="0" dirty="0">
-                <a:ea typeface="Arial Unicode MS" pitchFamily="34" charset="-128"/>
-                <a:cs typeface="Arial Unicode MS" pitchFamily="34" charset="-128"/>
-              </a:rPr>
-              <a:t>Taint: </a:t>
-            </a:r>
-            <a:r>
-              <a:rPr lang="en-US" sz="1800" kern="0" noProof="0" dirty="0" err="1">
-                <a:ea typeface="Arial Unicode MS" pitchFamily="34" charset="-128"/>
-                <a:cs typeface="Arial Unicode MS" pitchFamily="34" charset="-128"/>
-              </a:rPr>
-              <a:t>NoUsers</a:t>
-            </a:r>
-            <a:endParaRPr kumimoji="0" lang="en-US" sz="1800" b="0" i="0" u="none" strike="noStrike" kern="0" cap="none" spc="0" normalizeH="0" baseline="0" noProof="0" dirty="0">
-              <a:ln>
-                <a:noFill/>
-              </a:ln>
-              <a:effectLst/>
-              <a:uLnTx/>
-              <a:uFillTx/>
-              <a:ea typeface="Arial Unicode MS" pitchFamily="34" charset="-128"/>
-              <a:cs typeface="Arial Unicode MS" pitchFamily="34" charset="-128"/>
-            </a:endParaRPr>
-          </a:p>
-        </p:txBody>
-      </p:sp>
-      <p:sp>
-        <p:nvSpPr>
-          <p:cNvPr id="19" name="Rectangle 18"/>
-          <p:cNvSpPr/>
-          <p:nvPr/>
-        </p:nvSpPr>
-        <p:spPr bwMode="gray">
-          <a:xfrm>
-            <a:off x="4301834" y="3966818"/>
-            <a:ext cx="1208595" cy="773906"/>
-          </a:xfrm>
-          <a:prstGeom prst="rect">
-            <a:avLst/>
-          </a:prstGeom>
-          <a:ln>
-            <a:headEnd/>
-            <a:tailEnd/>
-          </a:ln>
-        </p:spPr>
-        <p:style>
-          <a:lnRef idx="2">
-            <a:schemeClr val="accent4">
-              <a:shade val="50000"/>
-            </a:schemeClr>
-          </a:lnRef>
-          <a:fillRef idx="1">
-            <a:schemeClr val="accent4"/>
-          </a:fillRef>
-          <a:effectRef idx="0">
-            <a:schemeClr val="accent4"/>
-          </a:effectRef>
-          <a:fontRef idx="minor">
-            <a:schemeClr val="lt1"/>
-          </a:fontRef>
-        </p:style>
-        <p:txBody>
-          <a:bodyPr lIns="90000" tIns="72000" rIns="90000" bIns="72000" rtlCol="0" anchor="ctr"/>
-          <a:lstStyle/>
-          <a:p>
-            <a:pPr marR="0" algn="ctr" defTabSz="914400" eaLnBrk="1" fontAlgn="base" latinLnBrk="0" hangingPunct="1">
-              <a:lnSpc>
-                <a:spcPct val="100000"/>
-              </a:lnSpc>
-              <a:spcBef>
-                <a:spcPct val="50000"/>
-              </a:spcBef>
-              <a:spcAft>
-                <a:spcPct val="0"/>
-              </a:spcAft>
-              <a:buClr>
-                <a:srgbClr val="F0AB00"/>
-              </a:buClr>
-              <a:buSzPct val="80000"/>
-              <a:tabLst/>
-            </a:pPr>
-            <a:r>
-              <a:rPr kumimoji="0" lang="de-DE" sz="1600" b="1" i="0" u="none" strike="noStrike" kern="0" cap="none" spc="0" normalizeH="0" baseline="0" noProof="0" dirty="0" err="1">
-                <a:ln>
-                  <a:noFill/>
-                </a:ln>
-                <a:effectLst/>
-                <a:uLnTx/>
-                <a:uFillTx/>
-                <a:ea typeface="Arial Unicode MS" pitchFamily="34" charset="-128"/>
-                <a:cs typeface="Arial Unicode MS" pitchFamily="34" charset="-128"/>
-              </a:rPr>
-              <a:t>OnNodeB</a:t>
-            </a:r>
-            <a:endParaRPr kumimoji="0" lang="de-DE" sz="1600" b="1" i="0" u="none" strike="noStrike" kern="0" cap="none" spc="0" normalizeH="0" baseline="0" noProof="0" dirty="0">
-              <a:ln>
-                <a:noFill/>
-              </a:ln>
-              <a:effectLst/>
-              <a:uLnTx/>
-              <a:uFillTx/>
-              <a:ea typeface="Arial Unicode MS" pitchFamily="34" charset="-128"/>
-              <a:cs typeface="Arial Unicode MS" pitchFamily="34" charset="-128"/>
-            </a:endParaRPr>
-          </a:p>
-        </p:txBody>
-      </p:sp>
-      <p:sp>
-        <p:nvSpPr>
-          <p:cNvPr id="22" name="Rectangle 21"/>
-          <p:cNvSpPr/>
-          <p:nvPr/>
-        </p:nvSpPr>
-        <p:spPr bwMode="gray">
-          <a:xfrm>
-            <a:off x="7750357" y="3180802"/>
-            <a:ext cx="3703320" cy="3070860"/>
-          </a:xfrm>
-          <a:prstGeom prst="rect">
-            <a:avLst/>
-          </a:prstGeom>
-          <a:ln>
-            <a:headEnd/>
-            <a:tailEnd/>
-          </a:ln>
-        </p:spPr>
-        <p:style>
-          <a:lnRef idx="1">
-            <a:schemeClr val="accent2"/>
-          </a:lnRef>
-          <a:fillRef idx="2">
-            <a:schemeClr val="accent2"/>
-          </a:fillRef>
-          <a:effectRef idx="1">
-            <a:schemeClr val="accent2"/>
-          </a:effectRef>
-          <a:fontRef idx="minor">
-            <a:schemeClr val="dk1"/>
-          </a:fontRef>
-        </p:style>
-        <p:txBody>
-          <a:bodyPr lIns="90000" tIns="72000" rIns="90000" bIns="72000" rtlCol="0" anchor="t"/>
-          <a:lstStyle/>
-          <a:p>
-            <a:pPr algn="ctr" defTabSz="914400" fontAlgn="base">
-              <a:spcBef>
-                <a:spcPct val="50000"/>
-              </a:spcBef>
-              <a:spcAft>
-                <a:spcPct val="0"/>
-              </a:spcAft>
-              <a:buClr>
-                <a:srgbClr val="F0AB00"/>
-              </a:buClr>
-              <a:buSzPct val="80000"/>
-            </a:pPr>
-            <a:r>
-              <a:rPr lang="de-DE" sz="2400" b="1" kern="0" dirty="0">
-                <a:ea typeface="Arial Unicode MS" pitchFamily="34" charset="-128"/>
-                <a:cs typeface="Arial Unicode MS" pitchFamily="34" charset="-128"/>
-              </a:rPr>
-              <a:t>Worker C</a:t>
-            </a:r>
-          </a:p>
-        </p:txBody>
-      </p:sp>
-      <p:sp>
-        <p:nvSpPr>
-          <p:cNvPr id="23" name="Rectangle 22"/>
-          <p:cNvSpPr/>
-          <p:nvPr/>
-        </p:nvSpPr>
-        <p:spPr bwMode="gray">
-          <a:xfrm>
-            <a:off x="8291479" y="4896456"/>
-            <a:ext cx="1208595" cy="773906"/>
-          </a:xfrm>
-          <a:prstGeom prst="rect">
-            <a:avLst/>
-          </a:prstGeom>
-          <a:ln>
-            <a:headEnd/>
-            <a:tailEnd/>
-          </a:ln>
-        </p:spPr>
-        <p:style>
-          <a:lnRef idx="2">
-            <a:schemeClr val="accent2">
-              <a:shade val="50000"/>
-            </a:schemeClr>
-          </a:lnRef>
-          <a:fillRef idx="1">
-            <a:schemeClr val="accent2"/>
-          </a:fillRef>
-          <a:effectRef idx="0">
-            <a:schemeClr val="accent2"/>
-          </a:effectRef>
-          <a:fontRef idx="minor">
-            <a:schemeClr val="lt1"/>
-          </a:fontRef>
-        </p:style>
-        <p:txBody>
-          <a:bodyPr lIns="90000" tIns="72000" rIns="90000" bIns="72000" rtlCol="0" anchor="ctr"/>
-          <a:lstStyle/>
-          <a:p>
-            <a:pPr marR="0" algn="ctr" defTabSz="914400" eaLnBrk="1" fontAlgn="base" latinLnBrk="0" hangingPunct="1">
-              <a:lnSpc>
-                <a:spcPct val="100000"/>
-              </a:lnSpc>
-              <a:spcBef>
-                <a:spcPct val="50000"/>
-              </a:spcBef>
-              <a:spcAft>
-                <a:spcPct val="0"/>
-              </a:spcAft>
-              <a:buClr>
-                <a:srgbClr val="F0AB00"/>
-              </a:buClr>
-              <a:buSzPct val="80000"/>
-              <a:tabLst/>
-            </a:pPr>
-            <a:r>
-              <a:rPr kumimoji="0" lang="de-DE" sz="1600" b="1" i="0" u="none" strike="noStrike" kern="0" cap="none" spc="0" normalizeH="0" baseline="0" noProof="0" dirty="0" err="1">
-                <a:ln>
-                  <a:noFill/>
-                </a:ln>
-                <a:effectLst/>
-                <a:uLnTx/>
-                <a:uFillTx/>
-                <a:ea typeface="Arial Unicode MS" pitchFamily="34" charset="-128"/>
-                <a:cs typeface="Arial Unicode MS" pitchFamily="34" charset="-128"/>
-              </a:rPr>
-              <a:t>NotWith</a:t>
-            </a:r>
-            <a:r>
-              <a:rPr kumimoji="0" lang="de-DE" sz="1600" b="1" i="0" u="none" strike="noStrike" kern="0" cap="none" spc="0" normalizeH="0" baseline="0" noProof="0" dirty="0">
-                <a:ln>
-                  <a:noFill/>
-                </a:ln>
-                <a:effectLst/>
-                <a:uLnTx/>
-                <a:uFillTx/>
-                <a:ea typeface="Arial Unicode MS" pitchFamily="34" charset="-128"/>
-                <a:cs typeface="Arial Unicode MS" pitchFamily="34" charset="-128"/>
-              </a:rPr>
-              <a:t> Database</a:t>
-            </a:r>
-          </a:p>
-        </p:txBody>
-      </p:sp>
-      <p:sp>
-        <p:nvSpPr>
-          <p:cNvPr id="24" name="Rectangle 23"/>
-          <p:cNvSpPr/>
-          <p:nvPr/>
-        </p:nvSpPr>
-        <p:spPr bwMode="gray">
-          <a:xfrm>
-            <a:off x="8291478" y="3966818"/>
-            <a:ext cx="1208595" cy="773906"/>
-          </a:xfrm>
-          <a:prstGeom prst="rect">
-            <a:avLst/>
-          </a:prstGeom>
-          <a:ln>
-            <a:headEnd/>
-            <a:tailEnd/>
-          </a:ln>
-        </p:spPr>
-        <p:style>
-          <a:lnRef idx="2">
-            <a:schemeClr val="accent2">
-              <a:shade val="50000"/>
-            </a:schemeClr>
-          </a:lnRef>
-          <a:fillRef idx="1">
-            <a:schemeClr val="accent2"/>
-          </a:fillRef>
-          <a:effectRef idx="0">
-            <a:schemeClr val="accent2"/>
-          </a:effectRef>
-          <a:fontRef idx="minor">
-            <a:schemeClr val="lt1"/>
-          </a:fontRef>
-        </p:style>
-        <p:txBody>
-          <a:bodyPr lIns="90000" tIns="72000" rIns="90000" bIns="72000" rtlCol="0" anchor="ctr"/>
-          <a:lstStyle/>
-          <a:p>
-            <a:pPr marR="0" algn="ctr" defTabSz="914400" eaLnBrk="1" fontAlgn="base" latinLnBrk="0" hangingPunct="1">
-              <a:lnSpc>
-                <a:spcPct val="100000"/>
-              </a:lnSpc>
-              <a:spcBef>
-                <a:spcPct val="50000"/>
-              </a:spcBef>
-              <a:spcAft>
-                <a:spcPct val="0"/>
-              </a:spcAft>
-              <a:buClr>
-                <a:srgbClr val="F0AB00"/>
-              </a:buClr>
-              <a:buSzPct val="80000"/>
-              <a:tabLst/>
-            </a:pPr>
-            <a:r>
-              <a:rPr lang="de-DE" sz="1600" b="1" kern="0" dirty="0">
-                <a:ea typeface="Arial Unicode MS" pitchFamily="34" charset="-128"/>
-                <a:cs typeface="Arial Unicode MS" pitchFamily="34" charset="-128"/>
-              </a:rPr>
-              <a:t>Backend </a:t>
-            </a:r>
-            <a:r>
-              <a:rPr lang="de-DE" sz="1600" b="1" kern="0" dirty="0" err="1">
-                <a:ea typeface="Arial Unicode MS" pitchFamily="34" charset="-128"/>
-                <a:cs typeface="Arial Unicode MS" pitchFamily="34" charset="-128"/>
-              </a:rPr>
-              <a:t>With</a:t>
-            </a:r>
-            <a:r>
-              <a:rPr lang="de-DE" sz="1600" b="1" kern="0" dirty="0">
-                <a:ea typeface="Arial Unicode MS" pitchFamily="34" charset="-128"/>
-                <a:cs typeface="Arial Unicode MS" pitchFamily="34" charset="-128"/>
-              </a:rPr>
-              <a:t> Frontend</a:t>
-            </a:r>
-            <a:endParaRPr kumimoji="0" lang="de-DE" sz="1600" b="1" i="0" u="none" strike="noStrike" kern="0" cap="none" spc="0" normalizeH="0" baseline="0" noProof="0" dirty="0">
-              <a:ln>
-                <a:noFill/>
-              </a:ln>
-              <a:effectLst/>
-              <a:uLnTx/>
-              <a:uFillTx/>
-              <a:ea typeface="Arial Unicode MS" pitchFamily="34" charset="-128"/>
-              <a:cs typeface="Arial Unicode MS" pitchFamily="34" charset="-128"/>
-            </a:endParaRPr>
-          </a:p>
-        </p:txBody>
-      </p:sp>
-      <p:cxnSp>
-        <p:nvCxnSpPr>
-          <p:cNvPr id="28" name="Connector: Elbow 27"/>
-          <p:cNvCxnSpPr>
-            <a:stCxn id="11" idx="2"/>
-            <a:endCxn id="22" idx="0"/>
-          </p:cNvCxnSpPr>
-          <p:nvPr/>
-        </p:nvCxnSpPr>
-        <p:spPr>
-          <a:xfrm rot="16200000" flipH="1">
-            <a:off x="6861205" y="439989"/>
-            <a:ext cx="1410911" cy="4070713"/>
-          </a:xfrm>
-          <a:prstGeom prst="bentConnector3">
-            <a:avLst>
-              <a:gd name="adj1" fmla="val 50000"/>
-            </a:avLst>
-          </a:prstGeom>
-          <a:ln w="57150">
-            <a:solidFill>
-              <a:schemeClr val="tx1"/>
-            </a:solidFill>
-            <a:headEnd type="none" w="med" len="med"/>
-            <a:tailEnd type="triangle"/>
-          </a:ln>
-        </p:spPr>
-        <p:style>
-          <a:lnRef idx="1">
-            <a:schemeClr val="accent1"/>
-          </a:lnRef>
-          <a:fillRef idx="0">
-            <a:schemeClr val="accent1"/>
-          </a:fillRef>
-          <a:effectRef idx="0">
-            <a:schemeClr val="accent1"/>
-          </a:effectRef>
-          <a:fontRef idx="minor">
-            <a:schemeClr val="tx1"/>
-          </a:fontRef>
-        </p:style>
-      </p:cxnSp>
-      <p:sp>
-        <p:nvSpPr>
-          <p:cNvPr id="31" name="Rectangle 30"/>
-          <p:cNvSpPr/>
-          <p:nvPr/>
-        </p:nvSpPr>
-        <p:spPr bwMode="gray">
-          <a:xfrm>
-            <a:off x="5755533" y="3981031"/>
-            <a:ext cx="1208595" cy="773906"/>
-          </a:xfrm>
-          <a:prstGeom prst="rect">
-            <a:avLst/>
-          </a:prstGeom>
-          <a:ln>
-            <a:headEnd/>
-            <a:tailEnd/>
-          </a:ln>
-        </p:spPr>
-        <p:style>
-          <a:lnRef idx="2">
-            <a:schemeClr val="accent4">
-              <a:shade val="50000"/>
-            </a:schemeClr>
-          </a:lnRef>
-          <a:fillRef idx="1">
-            <a:schemeClr val="accent4"/>
-          </a:fillRef>
-          <a:effectRef idx="0">
-            <a:schemeClr val="accent4"/>
-          </a:effectRef>
-          <a:fontRef idx="minor">
-            <a:schemeClr val="lt1"/>
-          </a:fontRef>
-        </p:style>
-        <p:txBody>
-          <a:bodyPr lIns="90000" tIns="72000" rIns="90000" bIns="72000" rtlCol="0" anchor="ctr"/>
-          <a:lstStyle/>
-          <a:p>
-            <a:pPr marR="0" algn="ctr" defTabSz="914400" eaLnBrk="1" fontAlgn="base" latinLnBrk="0" hangingPunct="1">
-              <a:lnSpc>
-                <a:spcPct val="100000"/>
-              </a:lnSpc>
-              <a:spcBef>
-                <a:spcPct val="50000"/>
-              </a:spcBef>
-              <a:spcAft>
-                <a:spcPct val="0"/>
-              </a:spcAft>
-              <a:buClr>
-                <a:srgbClr val="F0AB00"/>
-              </a:buClr>
-              <a:buSzPct val="80000"/>
-              <a:tabLst/>
-            </a:pPr>
-            <a:r>
-              <a:rPr lang="de-DE" sz="1600" b="1" kern="0" noProof="0" dirty="0" err="1">
-                <a:ea typeface="Arial Unicode MS" pitchFamily="34" charset="-128"/>
-                <a:cs typeface="Arial Unicode MS" pitchFamily="34" charset="-128"/>
-              </a:rPr>
-              <a:t>OnNodeB</a:t>
-            </a:r>
-            <a:endParaRPr kumimoji="0" lang="de-DE" sz="1600" b="1" i="0" u="none" strike="noStrike" kern="0" cap="none" spc="0" normalizeH="0" baseline="0" noProof="0" dirty="0">
-              <a:ln>
-                <a:noFill/>
-              </a:ln>
-              <a:effectLst/>
-              <a:uLnTx/>
-              <a:uFillTx/>
-              <a:ea typeface="Arial Unicode MS" pitchFamily="34" charset="-128"/>
-              <a:cs typeface="Arial Unicode MS" pitchFamily="34" charset="-128"/>
-            </a:endParaRPr>
-          </a:p>
-        </p:txBody>
-      </p:sp>
-      <p:sp>
-        <p:nvSpPr>
-          <p:cNvPr id="32" name="Rectangle 31"/>
-          <p:cNvSpPr/>
-          <p:nvPr/>
-        </p:nvSpPr>
-        <p:spPr bwMode="gray">
-          <a:xfrm>
-            <a:off x="9863937" y="3942326"/>
-            <a:ext cx="1208595" cy="773906"/>
-          </a:xfrm>
-          <a:prstGeom prst="rect">
-            <a:avLst/>
-          </a:prstGeom>
-          <a:ln>
-            <a:headEnd/>
-            <a:tailEnd/>
-          </a:ln>
-        </p:spPr>
-        <p:style>
-          <a:lnRef idx="2">
-            <a:schemeClr val="accent2">
-              <a:shade val="50000"/>
-            </a:schemeClr>
-          </a:lnRef>
-          <a:fillRef idx="1">
-            <a:schemeClr val="accent2"/>
-          </a:fillRef>
-          <a:effectRef idx="0">
-            <a:schemeClr val="accent2"/>
-          </a:effectRef>
-          <a:fontRef idx="minor">
-            <a:schemeClr val="lt1"/>
-          </a:fontRef>
-        </p:style>
-        <p:txBody>
-          <a:bodyPr lIns="90000" tIns="72000" rIns="90000" bIns="72000" rtlCol="0" anchor="ctr"/>
-          <a:lstStyle/>
-          <a:p>
-            <a:pPr marR="0" algn="ctr" defTabSz="914400" eaLnBrk="1" fontAlgn="base" latinLnBrk="0" hangingPunct="1">
-              <a:lnSpc>
-                <a:spcPct val="100000"/>
-              </a:lnSpc>
-              <a:spcBef>
-                <a:spcPct val="50000"/>
-              </a:spcBef>
-              <a:spcAft>
-                <a:spcPct val="0"/>
-              </a:spcAft>
-              <a:buClr>
-                <a:srgbClr val="F0AB00"/>
-              </a:buClr>
-              <a:buSzPct val="80000"/>
-              <a:tabLst/>
-            </a:pPr>
-            <a:r>
-              <a:rPr kumimoji="0" lang="en-US" sz="1600" b="1" i="0" u="none" strike="noStrike" kern="0" cap="none" spc="0" normalizeH="0" baseline="0" dirty="0">
-                <a:ln>
-                  <a:noFill/>
-                </a:ln>
-                <a:effectLst/>
-                <a:uLnTx/>
-                <a:uFillTx/>
-                <a:ea typeface="Arial Unicode MS" pitchFamily="34" charset="-128"/>
-                <a:cs typeface="Arial Unicode MS" pitchFamily="34" charset="-128"/>
-              </a:rPr>
-              <a:t>Frontend</a:t>
-            </a:r>
-            <a:r>
-              <a:rPr kumimoji="0" lang="en-US" sz="1600" b="1" i="0" u="none" strike="noStrike" kern="0" cap="none" spc="0" normalizeH="0" dirty="0">
-                <a:ln>
-                  <a:noFill/>
-                </a:ln>
-                <a:effectLst/>
-                <a:uLnTx/>
-                <a:uFillTx/>
-                <a:ea typeface="Arial Unicode MS" pitchFamily="34" charset="-128"/>
-                <a:cs typeface="Arial Unicode MS" pitchFamily="34" charset="-128"/>
-              </a:rPr>
-              <a:t> With Backend</a:t>
-            </a:r>
-            <a:endParaRPr kumimoji="0" lang="en-US" sz="1600" b="1" i="0" u="none" strike="noStrike" kern="0" cap="none" spc="0" normalizeH="0" baseline="0" dirty="0">
-              <a:ln>
-                <a:noFill/>
-              </a:ln>
-              <a:effectLst/>
-              <a:uLnTx/>
-              <a:uFillTx/>
-              <a:ea typeface="Arial Unicode MS" pitchFamily="34" charset="-128"/>
-              <a:cs typeface="Arial Unicode MS" pitchFamily="34" charset="-128"/>
-            </a:endParaRPr>
-          </a:p>
-        </p:txBody>
-      </p:sp>
-    </p:spTree>
-    <p:extLst>
-      <p:ext uri="{BB962C8B-B14F-4D97-AF65-F5344CB8AC3E}">
-        <p14:creationId xmlns:p14="http://schemas.microsoft.com/office/powerpoint/2010/main" val="46476458"/>
+        <p14:creationId xmlns:p14="http://schemas.microsoft.com/office/powerpoint/2010/main" val="3023893567"/>
       </p:ext>
     </p:extLst>
   </p:cSld>
@@ -23633,100 +23851,7 @@
 </p:sld>
 </file>
 
-<file path=ppt/slides/slide16.xml><?xml version="1.0" encoding="utf-8"?>
-<p:sld xmlns:a="http://schemas.openxmlformats.org/drawingml/2006/main" xmlns:r="http://schemas.openxmlformats.org/officeDocument/2006/relationships" xmlns:p="http://schemas.openxmlformats.org/presentationml/2006/main">
-  <p:cSld>
-    <p:spTree>
-      <p:nvGrpSpPr>
-        <p:cNvPr id="1" name=""/>
-        <p:cNvGrpSpPr/>
-        <p:nvPr/>
-      </p:nvGrpSpPr>
-      <p:grpSpPr>
-        <a:xfrm>
-          <a:off x="0" y="0"/>
-          <a:ext cx="0" cy="0"/>
-          <a:chOff x="0" y="0"/>
-          <a:chExt cx="0" cy="0"/>
-        </a:xfrm>
-      </p:grpSpPr>
-      <p:sp>
-        <p:nvSpPr>
-          <p:cNvPr id="3" name="Title 2">
-            <a:extLst>
-              <a:ext uri="{FF2B5EF4-FFF2-40B4-BE49-F238E27FC236}">
-                <a16:creationId xmlns:a16="http://schemas.microsoft.com/office/drawing/2014/main" id="{4B5B3171-6747-4BE9-86AF-A5644F76A623}"/>
-              </a:ext>
-            </a:extLst>
-          </p:cNvPr>
-          <p:cNvSpPr>
-            <a:spLocks noGrp="1"/>
-          </p:cNvSpPr>
-          <p:nvPr>
-            <p:ph type="title"/>
-          </p:nvPr>
-        </p:nvSpPr>
-        <p:spPr/>
-        <p:txBody>
-          <a:bodyPr/>
-          <a:lstStyle/>
-          <a:p>
-            <a:r>
-              <a:rPr lang="en-US" dirty="0"/>
-              <a:t>Example: </a:t>
-            </a:r>
-            <a:r>
-              <a:rPr lang="en-US" dirty="0" err="1"/>
-              <a:t>NodeSelector</a:t>
-            </a:r>
-            <a:endParaRPr lang="en-US" dirty="0"/>
-          </a:p>
-        </p:txBody>
-      </p:sp>
-      <p:pic>
-        <p:nvPicPr>
-          <p:cNvPr id="4" name="Picture 3">
-            <a:extLst>
-              <a:ext uri="{FF2B5EF4-FFF2-40B4-BE49-F238E27FC236}">
-                <a16:creationId xmlns:a16="http://schemas.microsoft.com/office/drawing/2014/main" id="{63572B24-95A9-44B1-ADEF-F45AE37D5E46}"/>
-              </a:ext>
-            </a:extLst>
-          </p:cNvPr>
-          <p:cNvPicPr>
-            <a:picLocks noChangeAspect="1"/>
-          </p:cNvPicPr>
-          <p:nvPr/>
-        </p:nvPicPr>
-        <p:blipFill>
-          <a:blip r:embed="rId2"/>
-          <a:stretch>
-            <a:fillRect/>
-          </a:stretch>
-        </p:blipFill>
-        <p:spPr>
-          <a:xfrm>
-            <a:off x="1839050" y="1611085"/>
-            <a:ext cx="8516377" cy="4055938"/>
-          </a:xfrm>
-          <a:prstGeom prst="rect">
-            <a:avLst/>
-          </a:prstGeom>
-        </p:spPr>
-      </p:pic>
-    </p:spTree>
-    <p:extLst>
-      <p:ext uri="{BB962C8B-B14F-4D97-AF65-F5344CB8AC3E}">
-        <p14:creationId xmlns:p14="http://schemas.microsoft.com/office/powerpoint/2010/main" val="3881617192"/>
-      </p:ext>
-    </p:extLst>
-  </p:cSld>
-  <p:clrMapOvr>
-    <a:masterClrMapping/>
-  </p:clrMapOvr>
-</p:sld>
-</file>
-
-<file path=ppt/slides/slide17.xml><?xml version="1.0" encoding="utf-8"?>
+<file path=ppt/slides/slide19.xml><?xml version="1.0" encoding="utf-8"?>
 <p:sld xmlns:a="http://schemas.openxmlformats.org/drawingml/2006/main" xmlns:r="http://schemas.openxmlformats.org/officeDocument/2006/relationships" xmlns:p="http://schemas.openxmlformats.org/presentationml/2006/main">
   <p:cSld>
     <p:spTree>
@@ -23849,171 +23974,6 @@
     <p:extLst>
       <p:ext uri="{BB962C8B-B14F-4D97-AF65-F5344CB8AC3E}">
         <p14:creationId xmlns:p14="http://schemas.microsoft.com/office/powerpoint/2010/main" val="822933932"/>
-      </p:ext>
-    </p:extLst>
-  </p:cSld>
-  <p:clrMapOvr>
-    <a:masterClrMapping/>
-  </p:clrMapOvr>
-</p:sld>
-</file>
-
-<file path=ppt/slides/slide18.xml><?xml version="1.0" encoding="utf-8"?>
-<p:sld xmlns:a="http://schemas.openxmlformats.org/drawingml/2006/main" xmlns:r="http://schemas.openxmlformats.org/officeDocument/2006/relationships" xmlns:p="http://schemas.openxmlformats.org/presentationml/2006/main">
-  <p:cSld>
-    <p:spTree>
-      <p:nvGrpSpPr>
-        <p:cNvPr id="1" name=""/>
-        <p:cNvGrpSpPr/>
-        <p:nvPr/>
-      </p:nvGrpSpPr>
-      <p:grpSpPr>
-        <a:xfrm>
-          <a:off x="0" y="0"/>
-          <a:ext cx="0" cy="0"/>
-          <a:chOff x="0" y="0"/>
-          <a:chExt cx="0" cy="0"/>
-        </a:xfrm>
-      </p:grpSpPr>
-      <p:sp>
-        <p:nvSpPr>
-          <p:cNvPr id="3" name="Title 2"/>
-          <p:cNvSpPr>
-            <a:spLocks noGrp="1"/>
-          </p:cNvSpPr>
-          <p:nvPr>
-            <p:ph type="title"/>
-          </p:nvPr>
-        </p:nvSpPr>
-        <p:spPr/>
-        <p:txBody>
-          <a:bodyPr/>
-          <a:lstStyle/>
-          <a:p>
-            <a:r>
-              <a:rPr lang="en-US" dirty="0"/>
-              <a:t> K8s Dashboard</a:t>
-            </a:r>
-          </a:p>
-        </p:txBody>
-      </p:sp>
-      <p:pic>
-        <p:nvPicPr>
-          <p:cNvPr id="5" name="Picture 4"/>
-          <p:cNvPicPr>
-            <a:picLocks noChangeAspect="1"/>
-          </p:cNvPicPr>
-          <p:nvPr/>
-        </p:nvPicPr>
-        <p:blipFill>
-          <a:blip r:embed="rId3"/>
-          <a:stretch>
-            <a:fillRect/>
-          </a:stretch>
-        </p:blipFill>
-        <p:spPr>
-          <a:xfrm>
-            <a:off x="598254" y="959749"/>
-            <a:ext cx="10997970" cy="5435976"/>
-          </a:xfrm>
-          <a:prstGeom prst="rect">
-            <a:avLst/>
-          </a:prstGeom>
-        </p:spPr>
-      </p:pic>
-    </p:spTree>
-    <p:extLst>
-      <p:ext uri="{BB962C8B-B14F-4D97-AF65-F5344CB8AC3E}">
-        <p14:creationId xmlns:p14="http://schemas.microsoft.com/office/powerpoint/2010/main" val="306142951"/>
-      </p:ext>
-    </p:extLst>
-  </p:cSld>
-  <p:clrMapOvr>
-    <a:masterClrMapping/>
-  </p:clrMapOvr>
-</p:sld>
-</file>
-
-<file path=ppt/slides/slide19.xml><?xml version="1.0" encoding="utf-8"?>
-<p:sld xmlns:a="http://schemas.openxmlformats.org/drawingml/2006/main" xmlns:r="http://schemas.openxmlformats.org/officeDocument/2006/relationships" xmlns:p="http://schemas.openxmlformats.org/presentationml/2006/main">
-  <p:cSld>
-    <p:spTree>
-      <p:nvGrpSpPr>
-        <p:cNvPr id="1" name=""/>
-        <p:cNvGrpSpPr/>
-        <p:nvPr/>
-      </p:nvGrpSpPr>
-      <p:grpSpPr>
-        <a:xfrm>
-          <a:off x="0" y="0"/>
-          <a:ext cx="0" cy="0"/>
-          <a:chOff x="0" y="0"/>
-          <a:chExt cx="0" cy="0"/>
-        </a:xfrm>
-      </p:grpSpPr>
-      <p:sp>
-        <p:nvSpPr>
-          <p:cNvPr id="2" name="Title 1">
-            <a:extLst>
-              <a:ext uri="{FF2B5EF4-FFF2-40B4-BE49-F238E27FC236}">
-                <a16:creationId xmlns:a16="http://schemas.microsoft.com/office/drawing/2014/main" id="{2D4BD4BF-5C0E-4BE1-A99C-25DBDC85D9CD}"/>
-              </a:ext>
-            </a:extLst>
-          </p:cNvPr>
-          <p:cNvSpPr>
-            <a:spLocks noGrp="1"/>
-          </p:cNvSpPr>
-          <p:nvPr>
-            <p:ph type="title"/>
-          </p:nvPr>
-        </p:nvSpPr>
-        <p:spPr/>
-        <p:txBody>
-          <a:bodyPr/>
-          <a:lstStyle/>
-          <a:p>
-            <a:r>
-              <a:rPr lang="en-US"/>
-              <a:t>(optional) Demo</a:t>
-            </a:r>
-            <a:endParaRPr lang="en-US" dirty="0"/>
-          </a:p>
-        </p:txBody>
-      </p:sp>
-      <p:pic>
-        <p:nvPicPr>
-          <p:cNvPr id="18" name="Picture 17">
-            <a:extLst>
-              <a:ext uri="{FF2B5EF4-FFF2-40B4-BE49-F238E27FC236}">
-                <a16:creationId xmlns:a16="http://schemas.microsoft.com/office/drawing/2014/main" id="{FC355B51-9D60-4DBB-9EF1-08294FF8959E}"/>
-              </a:ext>
-            </a:extLst>
-          </p:cNvPr>
-          <p:cNvPicPr>
-            <a:picLocks noChangeAspect="1"/>
-          </p:cNvPicPr>
-          <p:nvPr/>
-        </p:nvPicPr>
-        <p:blipFill>
-          <a:blip r:embed="rId3"/>
-          <a:stretch>
-            <a:fillRect/>
-          </a:stretch>
-        </p:blipFill>
-        <p:spPr>
-          <a:xfrm>
-            <a:off x="3849419" y="1181180"/>
-            <a:ext cx="4495640" cy="4495640"/>
-          </a:xfrm>
-          <a:prstGeom prst="rect">
-            <a:avLst/>
-          </a:prstGeom>
-        </p:spPr>
-      </p:pic>
-    </p:spTree>
-    <p:extLst>
-      <p:ext uri="{BB962C8B-B14F-4D97-AF65-F5344CB8AC3E}">
-        <p14:creationId xmlns:p14="http://schemas.microsoft.com/office/powerpoint/2010/main" val="1612786956"/>
       </p:ext>
     </p:extLst>
   </p:cSld>
@@ -24679,6 +24639,171 @@
 </file>
 
 <file path=ppt/slides/slide20.xml><?xml version="1.0" encoding="utf-8"?>
+<p:sld xmlns:a="http://schemas.openxmlformats.org/drawingml/2006/main" xmlns:r="http://schemas.openxmlformats.org/officeDocument/2006/relationships" xmlns:p="http://schemas.openxmlformats.org/presentationml/2006/main">
+  <p:cSld>
+    <p:spTree>
+      <p:nvGrpSpPr>
+        <p:cNvPr id="1" name=""/>
+        <p:cNvGrpSpPr/>
+        <p:nvPr/>
+      </p:nvGrpSpPr>
+      <p:grpSpPr>
+        <a:xfrm>
+          <a:off x="0" y="0"/>
+          <a:ext cx="0" cy="0"/>
+          <a:chOff x="0" y="0"/>
+          <a:chExt cx="0" cy="0"/>
+        </a:xfrm>
+      </p:grpSpPr>
+      <p:sp>
+        <p:nvSpPr>
+          <p:cNvPr id="3" name="Title 2"/>
+          <p:cNvSpPr>
+            <a:spLocks noGrp="1"/>
+          </p:cNvSpPr>
+          <p:nvPr>
+            <p:ph type="title"/>
+          </p:nvPr>
+        </p:nvSpPr>
+        <p:spPr/>
+        <p:txBody>
+          <a:bodyPr/>
+          <a:lstStyle/>
+          <a:p>
+            <a:r>
+              <a:rPr lang="en-US" dirty="0"/>
+              <a:t> K8s Dashboard</a:t>
+            </a:r>
+          </a:p>
+        </p:txBody>
+      </p:sp>
+      <p:pic>
+        <p:nvPicPr>
+          <p:cNvPr id="5" name="Picture 4"/>
+          <p:cNvPicPr>
+            <a:picLocks noChangeAspect="1"/>
+          </p:cNvPicPr>
+          <p:nvPr/>
+        </p:nvPicPr>
+        <p:blipFill>
+          <a:blip r:embed="rId3"/>
+          <a:stretch>
+            <a:fillRect/>
+          </a:stretch>
+        </p:blipFill>
+        <p:spPr>
+          <a:xfrm>
+            <a:off x="598254" y="959749"/>
+            <a:ext cx="10997970" cy="5435976"/>
+          </a:xfrm>
+          <a:prstGeom prst="rect">
+            <a:avLst/>
+          </a:prstGeom>
+        </p:spPr>
+      </p:pic>
+    </p:spTree>
+    <p:extLst>
+      <p:ext uri="{BB962C8B-B14F-4D97-AF65-F5344CB8AC3E}">
+        <p14:creationId xmlns:p14="http://schemas.microsoft.com/office/powerpoint/2010/main" val="306142951"/>
+      </p:ext>
+    </p:extLst>
+  </p:cSld>
+  <p:clrMapOvr>
+    <a:masterClrMapping/>
+  </p:clrMapOvr>
+</p:sld>
+</file>
+
+<file path=ppt/slides/slide21.xml><?xml version="1.0" encoding="utf-8"?>
+<p:sld xmlns:a="http://schemas.openxmlformats.org/drawingml/2006/main" xmlns:r="http://schemas.openxmlformats.org/officeDocument/2006/relationships" xmlns:p="http://schemas.openxmlformats.org/presentationml/2006/main">
+  <p:cSld>
+    <p:spTree>
+      <p:nvGrpSpPr>
+        <p:cNvPr id="1" name=""/>
+        <p:cNvGrpSpPr/>
+        <p:nvPr/>
+      </p:nvGrpSpPr>
+      <p:grpSpPr>
+        <a:xfrm>
+          <a:off x="0" y="0"/>
+          <a:ext cx="0" cy="0"/>
+          <a:chOff x="0" y="0"/>
+          <a:chExt cx="0" cy="0"/>
+        </a:xfrm>
+      </p:grpSpPr>
+      <p:sp>
+        <p:nvSpPr>
+          <p:cNvPr id="2" name="Title 1">
+            <a:extLst>
+              <a:ext uri="{FF2B5EF4-FFF2-40B4-BE49-F238E27FC236}">
+                <a16:creationId xmlns:a16="http://schemas.microsoft.com/office/drawing/2014/main" id="{2D4BD4BF-5C0E-4BE1-A99C-25DBDC85D9CD}"/>
+              </a:ext>
+            </a:extLst>
+          </p:cNvPr>
+          <p:cNvSpPr>
+            <a:spLocks noGrp="1"/>
+          </p:cNvSpPr>
+          <p:nvPr>
+            <p:ph type="title"/>
+          </p:nvPr>
+        </p:nvSpPr>
+        <p:spPr/>
+        <p:txBody>
+          <a:bodyPr/>
+          <a:lstStyle/>
+          <a:p>
+            <a:r>
+              <a:rPr lang="en-US"/>
+              <a:t>(optional) Demo</a:t>
+            </a:r>
+            <a:endParaRPr lang="en-US" dirty="0"/>
+          </a:p>
+        </p:txBody>
+      </p:sp>
+      <p:pic>
+        <p:nvPicPr>
+          <p:cNvPr id="18" name="Picture 17">
+            <a:extLst>
+              <a:ext uri="{FF2B5EF4-FFF2-40B4-BE49-F238E27FC236}">
+                <a16:creationId xmlns:a16="http://schemas.microsoft.com/office/drawing/2014/main" id="{FC355B51-9D60-4DBB-9EF1-08294FF8959E}"/>
+              </a:ext>
+            </a:extLst>
+          </p:cNvPr>
+          <p:cNvPicPr>
+            <a:picLocks noChangeAspect="1"/>
+          </p:cNvPicPr>
+          <p:nvPr/>
+        </p:nvPicPr>
+        <p:blipFill>
+          <a:blip r:embed="rId3"/>
+          <a:stretch>
+            <a:fillRect/>
+          </a:stretch>
+        </p:blipFill>
+        <p:spPr>
+          <a:xfrm>
+            <a:off x="3849419" y="1181180"/>
+            <a:ext cx="4495640" cy="4495640"/>
+          </a:xfrm>
+          <a:prstGeom prst="rect">
+            <a:avLst/>
+          </a:prstGeom>
+        </p:spPr>
+      </p:pic>
+    </p:spTree>
+    <p:extLst>
+      <p:ext uri="{BB962C8B-B14F-4D97-AF65-F5344CB8AC3E}">
+        <p14:creationId xmlns:p14="http://schemas.microsoft.com/office/powerpoint/2010/main" val="1612786956"/>
+      </p:ext>
+    </p:extLst>
+  </p:cSld>
+  <p:clrMapOvr>
+    <a:masterClrMapping/>
+  </p:clrMapOvr>
+</p:sld>
+</file>
+
+<file path=ppt/slides/slide22.xml><?xml version="1.0" encoding="utf-8"?>
 <p:sld xmlns:a="http://schemas.openxmlformats.org/drawingml/2006/main" xmlns:r="http://schemas.openxmlformats.org/officeDocument/2006/relationships" xmlns:p="http://schemas.openxmlformats.org/presentationml/2006/main">
   <p:cSld>
     <p:spTree>
@@ -25346,7 +25471,7 @@
 </p:sld>
 </file>
 
-<file path=ppt/slides/slide21.xml><?xml version="1.0" encoding="utf-8"?>
+<file path=ppt/slides/slide23.xml><?xml version="1.0" encoding="utf-8"?>
 <p:sld xmlns:a="http://schemas.openxmlformats.org/drawingml/2006/main" xmlns:r="http://schemas.openxmlformats.org/officeDocument/2006/relationships" xmlns:p="http://schemas.openxmlformats.org/presentationml/2006/main">
   <p:cSld>
     <p:spTree>
@@ -27469,7 +27594,7 @@
 </p:sld>
 </file>
 
-<file path=ppt/slides/slide22.xml><?xml version="1.0" encoding="utf-8"?>
+<file path=ppt/slides/slide24.xml><?xml version="1.0" encoding="utf-8"?>
 <p:sld xmlns:a="http://schemas.openxmlformats.org/drawingml/2006/main" xmlns:r="http://schemas.openxmlformats.org/officeDocument/2006/relationships" xmlns:p="http://schemas.openxmlformats.org/presentationml/2006/main">
   <p:cSld>
     <p:spTree>
@@ -31608,1651 +31733,7 @@
 </p:sld>
 </file>
 
-<file path=ppt/slides/slide23.xml><?xml version="1.0" encoding="utf-8"?>
-<p:sld xmlns:a="http://schemas.openxmlformats.org/drawingml/2006/main" xmlns:r="http://schemas.openxmlformats.org/officeDocument/2006/relationships" xmlns:p="http://schemas.openxmlformats.org/presentationml/2006/main">
-  <p:cSld>
-    <p:spTree>
-      <p:nvGrpSpPr>
-        <p:cNvPr id="1" name=""/>
-        <p:cNvGrpSpPr/>
-        <p:nvPr/>
-      </p:nvGrpSpPr>
-      <p:grpSpPr>
-        <a:xfrm>
-          <a:off x="0" y="0"/>
-          <a:ext cx="0" cy="0"/>
-          <a:chOff x="0" y="0"/>
-          <a:chExt cx="0" cy="0"/>
-        </a:xfrm>
-      </p:grpSpPr>
-      <p:sp>
-        <p:nvSpPr>
-          <p:cNvPr id="3" name="Title 2"/>
-          <p:cNvSpPr>
-            <a:spLocks noGrp="1"/>
-          </p:cNvSpPr>
-          <p:nvPr>
-            <p:ph type="title"/>
-          </p:nvPr>
-        </p:nvSpPr>
-        <p:spPr>
-          <a:xfrm>
-            <a:off x="504001" y="504000"/>
-            <a:ext cx="11186476" cy="738664"/>
-          </a:xfrm>
-        </p:spPr>
-        <p:txBody>
-          <a:bodyPr/>
-          <a:lstStyle/>
-          <a:p>
-            <a:r>
-              <a:rPr lang="de-DE" dirty="0" err="1"/>
-              <a:t>No</a:t>
-            </a:r>
-            <a:r>
-              <a:rPr lang="de-DE" dirty="0"/>
-              <a:t> „</a:t>
-            </a:r>
-            <a:r>
-              <a:rPr lang="de-DE" dirty="0" err="1"/>
-              <a:t>one</a:t>
-            </a:r>
-            <a:r>
-              <a:rPr lang="de-DE" dirty="0"/>
-              <a:t> </a:t>
-            </a:r>
-            <a:r>
-              <a:rPr lang="de-DE" dirty="0" err="1"/>
-              <a:t>size</a:t>
-            </a:r>
-            <a:r>
-              <a:rPr lang="de-DE" dirty="0"/>
-              <a:t> </a:t>
-            </a:r>
-            <a:r>
-              <a:rPr lang="de-DE" dirty="0" err="1"/>
-              <a:t>fits</a:t>
-            </a:r>
-            <a:r>
-              <a:rPr lang="de-DE" dirty="0"/>
-              <a:t> all“ - Cloud </a:t>
-            </a:r>
-            <a:r>
-              <a:rPr lang="de-DE" dirty="0" err="1"/>
-              <a:t>Foundry</a:t>
-            </a:r>
-            <a:r>
-              <a:rPr lang="de-DE" dirty="0"/>
-              <a:t> </a:t>
-            </a:r>
-            <a:r>
-              <a:rPr lang="de-DE" dirty="0" err="1"/>
-              <a:t>and</a:t>
-            </a:r>
-            <a:r>
-              <a:rPr lang="de-DE" dirty="0"/>
-              <a:t> </a:t>
-            </a:r>
-            <a:r>
-              <a:rPr lang="de-DE" dirty="0" err="1"/>
-              <a:t>Kubernetes</a:t>
-            </a:r>
-            <a:br>
-              <a:rPr lang="de-DE" dirty="0"/>
-            </a:br>
-            <a:endParaRPr lang="en-US" dirty="0"/>
-          </a:p>
-        </p:txBody>
-      </p:sp>
-      <p:grpSp>
-        <p:nvGrpSpPr>
-          <p:cNvPr id="4" name="Group 3"/>
-          <p:cNvGrpSpPr/>
-          <p:nvPr/>
-        </p:nvGrpSpPr>
-        <p:grpSpPr>
-          <a:xfrm>
-            <a:off x="369403" y="1674928"/>
-            <a:ext cx="5000980" cy="4150401"/>
-            <a:chOff x="428106" y="2378312"/>
-            <a:chExt cx="5000980" cy="4150401"/>
-          </a:xfrm>
-        </p:grpSpPr>
-        <p:cxnSp>
-          <p:nvCxnSpPr>
-            <p:cNvPr id="5" name="Straight Connector 4"/>
-            <p:cNvCxnSpPr/>
-            <p:nvPr/>
-          </p:nvCxnSpPr>
-          <p:spPr>
-            <a:xfrm>
-              <a:off x="1542670" y="2708734"/>
-              <a:ext cx="0" cy="2725772"/>
-            </a:xfrm>
-            <a:prstGeom prst="line">
-              <a:avLst/>
-            </a:prstGeom>
-            <a:ln w="9525">
-              <a:solidFill>
-                <a:schemeClr val="tx1"/>
-              </a:solidFill>
-              <a:headEnd type="none" w="med" len="med"/>
-              <a:tailEnd type="none" w="med" len="med"/>
-            </a:ln>
-          </p:spPr>
-          <p:style>
-            <a:lnRef idx="1">
-              <a:schemeClr val="accent1"/>
-            </a:lnRef>
-            <a:fillRef idx="0">
-              <a:schemeClr val="accent1"/>
-            </a:fillRef>
-            <a:effectRef idx="0">
-              <a:schemeClr val="accent1"/>
-            </a:effectRef>
-            <a:fontRef idx="minor">
-              <a:schemeClr val="tx1"/>
-            </a:fontRef>
-          </p:style>
-        </p:cxnSp>
-        <p:cxnSp>
-          <p:nvCxnSpPr>
-            <p:cNvPr id="7" name="Straight Connector 6"/>
-            <p:cNvCxnSpPr/>
-            <p:nvPr/>
-          </p:nvCxnSpPr>
-          <p:spPr>
-            <a:xfrm>
-              <a:off x="1524363" y="5434506"/>
-              <a:ext cx="3561781" cy="0"/>
-            </a:xfrm>
-            <a:prstGeom prst="line">
-              <a:avLst/>
-            </a:prstGeom>
-            <a:ln w="9525">
-              <a:solidFill>
-                <a:schemeClr val="tx1"/>
-              </a:solidFill>
-              <a:headEnd type="none" w="med" len="med"/>
-              <a:tailEnd type="none" w="med" len="med"/>
-            </a:ln>
-          </p:spPr>
-          <p:style>
-            <a:lnRef idx="1">
-              <a:schemeClr val="accent1"/>
-            </a:lnRef>
-            <a:fillRef idx="0">
-              <a:schemeClr val="accent1"/>
-            </a:fillRef>
-            <a:effectRef idx="0">
-              <a:schemeClr val="accent1"/>
-            </a:effectRef>
-            <a:fontRef idx="minor">
-              <a:schemeClr val="tx1"/>
-            </a:fontRef>
-          </p:style>
-        </p:cxnSp>
-        <p:sp>
-          <p:nvSpPr>
-            <p:cNvPr id="9" name="TextBox 8"/>
-            <p:cNvSpPr txBox="1"/>
-            <p:nvPr/>
-          </p:nvSpPr>
-          <p:spPr>
-            <a:xfrm>
-              <a:off x="1542670" y="5489127"/>
-              <a:ext cx="1620502" cy="215388"/>
-            </a:xfrm>
-            <a:prstGeom prst="rect">
-              <a:avLst/>
-            </a:prstGeom>
-            <a:noFill/>
-          </p:spPr>
-          <p:txBody>
-            <a:bodyPr wrap="square" lIns="0" tIns="0" rIns="0" bIns="0" rtlCol="0">
-              <a:spAutoFit/>
-            </a:bodyPr>
-            <a:lstStyle/>
-            <a:p>
-              <a:pPr defTabSz="1088449" fontAlgn="base">
-                <a:spcBef>
-                  <a:spcPct val="50000"/>
-                </a:spcBef>
-                <a:spcAft>
-                  <a:spcPct val="0"/>
-                </a:spcAft>
-                <a:buClr>
-                  <a:srgbClr val="F0AB00"/>
-                </a:buClr>
-                <a:buSzPct val="80000"/>
-              </a:pPr>
-              <a:r>
-                <a:rPr lang="de-DE" sz="1400" kern="0" dirty="0" err="1">
-                  <a:ea typeface="Arial Unicode MS" pitchFamily="34" charset="-128"/>
-                  <a:cs typeface="Arial Unicode MS" pitchFamily="34" charset="-128"/>
-                </a:rPr>
-                <a:t>Porting</a:t>
-              </a:r>
-              <a:r>
-                <a:rPr lang="de-DE" sz="1400" kern="0" dirty="0">
-                  <a:ea typeface="Arial Unicode MS" pitchFamily="34" charset="-128"/>
-                  <a:cs typeface="Arial Unicode MS" pitchFamily="34" charset="-128"/>
-                </a:rPr>
-                <a:t> </a:t>
-              </a:r>
-              <a:r>
-                <a:rPr lang="de-DE" sz="1400" kern="0" dirty="0" err="1">
-                  <a:ea typeface="Arial Unicode MS" pitchFamily="34" charset="-128"/>
-                  <a:cs typeface="Arial Unicode MS" pitchFamily="34" charset="-128"/>
-                </a:rPr>
-                <a:t>only</a:t>
-              </a:r>
-              <a:r>
-                <a:rPr lang="de-DE" sz="1400" kern="0" dirty="0">
-                  <a:ea typeface="Arial Unicode MS" pitchFamily="34" charset="-128"/>
-                  <a:cs typeface="Arial Unicode MS" pitchFamily="34" charset="-128"/>
-                </a:rPr>
-                <a:t> (</a:t>
-              </a:r>
-              <a:r>
-                <a:rPr lang="de-DE" sz="1400" kern="0" dirty="0" err="1">
-                  <a:ea typeface="Arial Unicode MS" pitchFamily="34" charset="-128"/>
-                  <a:cs typeface="Arial Unicode MS" pitchFamily="34" charset="-128"/>
-                </a:rPr>
-                <a:t>as-is</a:t>
-              </a:r>
-              <a:r>
-                <a:rPr lang="de-DE" sz="1400" kern="0" dirty="0">
-                  <a:ea typeface="Arial Unicode MS" pitchFamily="34" charset="-128"/>
-                  <a:cs typeface="Arial Unicode MS" pitchFamily="34" charset="-128"/>
-                </a:rPr>
-                <a:t>)</a:t>
-              </a:r>
-              <a:endParaRPr lang="en-US" sz="1400" kern="0" dirty="0" err="1">
-                <a:ea typeface="Arial Unicode MS" pitchFamily="34" charset="-128"/>
-                <a:cs typeface="Arial Unicode MS" pitchFamily="34" charset="-128"/>
-              </a:endParaRPr>
-            </a:p>
-          </p:txBody>
-        </p:sp>
-        <p:sp>
-          <p:nvSpPr>
-            <p:cNvPr id="10" name="TextBox 9"/>
-            <p:cNvSpPr txBox="1"/>
-            <p:nvPr/>
-          </p:nvSpPr>
-          <p:spPr>
-            <a:xfrm>
-              <a:off x="3496293" y="5467151"/>
-              <a:ext cx="1932793" cy="215388"/>
-            </a:xfrm>
-            <a:prstGeom prst="rect">
-              <a:avLst/>
-            </a:prstGeom>
-            <a:noFill/>
-          </p:spPr>
-          <p:txBody>
-            <a:bodyPr wrap="square" lIns="0" tIns="0" rIns="0" bIns="0" rtlCol="0">
-              <a:spAutoFit/>
-            </a:bodyPr>
-            <a:lstStyle/>
-            <a:p>
-              <a:pPr defTabSz="1088449" fontAlgn="base">
-                <a:spcBef>
-                  <a:spcPct val="50000"/>
-                </a:spcBef>
-                <a:spcAft>
-                  <a:spcPct val="0"/>
-                </a:spcAft>
-                <a:buClr>
-                  <a:srgbClr val="F0AB00"/>
-                </a:buClr>
-                <a:buSzPct val="80000"/>
-              </a:pPr>
-              <a:r>
-                <a:rPr lang="de-DE" sz="1400" kern="0" dirty="0">
-                  <a:ea typeface="Arial Unicode MS" pitchFamily="34" charset="-128"/>
-                  <a:cs typeface="Arial Unicode MS" pitchFamily="34" charset="-128"/>
-                </a:rPr>
-                <a:t>New </a:t>
-              </a:r>
-              <a:r>
-                <a:rPr lang="de-DE" sz="1400" kern="0" dirty="0" err="1">
-                  <a:ea typeface="Arial Unicode MS" pitchFamily="34" charset="-128"/>
-                  <a:cs typeface="Arial Unicode MS" pitchFamily="34" charset="-128"/>
-                </a:rPr>
-                <a:t>or</a:t>
-              </a:r>
-              <a:r>
-                <a:rPr lang="de-DE" sz="1400" kern="0" dirty="0">
-                  <a:ea typeface="Arial Unicode MS" pitchFamily="34" charset="-128"/>
-                  <a:cs typeface="Arial Unicode MS" pitchFamily="34" charset="-128"/>
-                </a:rPr>
-                <a:t> </a:t>
-              </a:r>
-              <a:r>
-                <a:rPr lang="de-DE" sz="1400" kern="0" dirty="0" err="1">
-                  <a:ea typeface="Arial Unicode MS" pitchFamily="34" charset="-128"/>
-                  <a:cs typeface="Arial Unicode MS" pitchFamily="34" charset="-128"/>
-                </a:rPr>
-                <a:t>major</a:t>
-              </a:r>
-              <a:r>
-                <a:rPr lang="de-DE" sz="1400" kern="0" dirty="0">
-                  <a:ea typeface="Arial Unicode MS" pitchFamily="34" charset="-128"/>
-                  <a:cs typeface="Arial Unicode MS" pitchFamily="34" charset="-128"/>
-                </a:rPr>
-                <a:t> </a:t>
-              </a:r>
-              <a:r>
-                <a:rPr lang="de-DE" sz="1400" kern="0" dirty="0" err="1">
-                  <a:ea typeface="Arial Unicode MS" pitchFamily="34" charset="-128"/>
-                  <a:cs typeface="Arial Unicode MS" pitchFamily="34" charset="-128"/>
-                </a:rPr>
-                <a:t>redesign</a:t>
-              </a:r>
-              <a:endParaRPr lang="en-US" sz="1400" kern="0" dirty="0" err="1">
-                <a:ea typeface="Arial Unicode MS" pitchFamily="34" charset="-128"/>
-                <a:cs typeface="Arial Unicode MS" pitchFamily="34" charset="-128"/>
-              </a:endParaRPr>
-            </a:p>
-          </p:txBody>
-        </p:sp>
-        <p:sp>
-          <p:nvSpPr>
-            <p:cNvPr id="11" name="TextBox 10"/>
-            <p:cNvSpPr txBox="1"/>
-            <p:nvPr/>
-          </p:nvSpPr>
-          <p:spPr>
-            <a:xfrm rot="16200000">
-              <a:off x="-166757" y="3743147"/>
-              <a:ext cx="1620502" cy="430775"/>
-            </a:xfrm>
-            <a:prstGeom prst="rect">
-              <a:avLst/>
-            </a:prstGeom>
-            <a:noFill/>
-          </p:spPr>
-          <p:txBody>
-            <a:bodyPr wrap="square" lIns="0" tIns="0" rIns="0" bIns="0" rtlCol="0">
-              <a:spAutoFit/>
-            </a:bodyPr>
-            <a:lstStyle/>
-            <a:p>
-              <a:pPr defTabSz="1088449" fontAlgn="base">
-                <a:spcBef>
-                  <a:spcPct val="50000"/>
-                </a:spcBef>
-                <a:spcAft>
-                  <a:spcPct val="0"/>
-                </a:spcAft>
-                <a:buClr>
-                  <a:srgbClr val="F0AB00"/>
-                </a:buClr>
-                <a:buSzPct val="80000"/>
-              </a:pPr>
-              <a:r>
-                <a:rPr lang="de-DE" sz="1400" b="1" kern="0" dirty="0">
-                  <a:ea typeface="Arial Unicode MS" pitchFamily="34" charset="-128"/>
-                  <a:cs typeface="Arial Unicode MS" pitchFamily="34" charset="-128"/>
-                </a:rPr>
-                <a:t>Platform </a:t>
-              </a:r>
-              <a:r>
-                <a:rPr lang="de-DE" sz="1400" b="1" kern="0" dirty="0" err="1">
-                  <a:ea typeface="Arial Unicode MS" pitchFamily="34" charset="-128"/>
-                  <a:cs typeface="Arial Unicode MS" pitchFamily="34" charset="-128"/>
-                </a:rPr>
-                <a:t>support</a:t>
-              </a:r>
-              <a:r>
-                <a:rPr lang="de-DE" sz="1400" b="1" kern="0" dirty="0">
-                  <a:ea typeface="Arial Unicode MS" pitchFamily="34" charset="-128"/>
-                  <a:cs typeface="Arial Unicode MS" pitchFamily="34" charset="-128"/>
-                </a:rPr>
-                <a:t> </a:t>
-              </a:r>
-              <a:r>
-                <a:rPr lang="de-DE" sz="1400" kern="0" dirty="0" err="1">
-                  <a:ea typeface="Arial Unicode MS" pitchFamily="34" charset="-128"/>
-                  <a:cs typeface="Arial Unicode MS" pitchFamily="34" charset="-128"/>
-                </a:rPr>
-                <a:t>for</a:t>
-              </a:r>
-              <a:r>
-                <a:rPr lang="de-DE" sz="1400" kern="0" dirty="0">
-                  <a:ea typeface="Arial Unicode MS" pitchFamily="34" charset="-128"/>
-                  <a:cs typeface="Arial Unicode MS" pitchFamily="34" charset="-128"/>
-                </a:rPr>
-                <a:t> </a:t>
-              </a:r>
-              <a:r>
-                <a:rPr lang="de-DE" sz="1400" kern="0" dirty="0" err="1">
-                  <a:ea typeface="Arial Unicode MS" pitchFamily="34" charset="-128"/>
-                  <a:cs typeface="Arial Unicode MS" pitchFamily="34" charset="-128"/>
-                </a:rPr>
-                <a:t>dev</a:t>
-              </a:r>
-              <a:r>
-                <a:rPr lang="de-DE" sz="1400" kern="0" dirty="0">
-                  <a:ea typeface="Arial Unicode MS" pitchFamily="34" charset="-128"/>
-                  <a:cs typeface="Arial Unicode MS" pitchFamily="34" charset="-128"/>
-                </a:rPr>
-                <a:t> + </a:t>
-              </a:r>
-              <a:r>
-                <a:rPr lang="de-DE" sz="1400" kern="0" dirty="0" err="1">
-                  <a:ea typeface="Arial Unicode MS" pitchFamily="34" charset="-128"/>
-                  <a:cs typeface="Arial Unicode MS" pitchFamily="34" charset="-128"/>
-                </a:rPr>
-                <a:t>ops</a:t>
-              </a:r>
-              <a:endParaRPr lang="en-US" sz="1400" kern="0" dirty="0" err="1">
-                <a:ea typeface="Arial Unicode MS" pitchFamily="34" charset="-128"/>
-                <a:cs typeface="Arial Unicode MS" pitchFamily="34" charset="-128"/>
-              </a:endParaRPr>
-            </a:p>
-          </p:txBody>
-        </p:sp>
-        <p:sp>
-          <p:nvSpPr>
-            <p:cNvPr id="12" name="TextBox 11"/>
-            <p:cNvSpPr txBox="1"/>
-            <p:nvPr/>
-          </p:nvSpPr>
-          <p:spPr>
-            <a:xfrm>
-              <a:off x="2344882" y="5923148"/>
-              <a:ext cx="1620502" cy="215388"/>
-            </a:xfrm>
-            <a:prstGeom prst="rect">
-              <a:avLst/>
-            </a:prstGeom>
-            <a:noFill/>
-          </p:spPr>
-          <p:txBody>
-            <a:bodyPr wrap="square" lIns="0" tIns="0" rIns="0" bIns="0" rtlCol="0">
-              <a:spAutoFit/>
-            </a:bodyPr>
-            <a:lstStyle/>
-            <a:p>
-              <a:pPr defTabSz="1088449" fontAlgn="base">
-                <a:spcBef>
-                  <a:spcPct val="50000"/>
-                </a:spcBef>
-                <a:spcAft>
-                  <a:spcPct val="0"/>
-                </a:spcAft>
-                <a:buClr>
-                  <a:srgbClr val="F0AB00"/>
-                </a:buClr>
-                <a:buSzPct val="80000"/>
-              </a:pPr>
-              <a:r>
-                <a:rPr lang="de-DE" sz="1400" b="1" kern="0" dirty="0" err="1">
-                  <a:ea typeface="Arial Unicode MS" pitchFamily="34" charset="-128"/>
-                  <a:cs typeface="Arial Unicode MS" pitchFamily="34" charset="-128"/>
-                </a:rPr>
-                <a:t>Redesign</a:t>
-              </a:r>
-              <a:r>
-                <a:rPr lang="de-DE" sz="1400" b="1" kern="0" dirty="0">
-                  <a:ea typeface="Arial Unicode MS" pitchFamily="34" charset="-128"/>
-                  <a:cs typeface="Arial Unicode MS" pitchFamily="34" charset="-128"/>
-                </a:rPr>
-                <a:t> </a:t>
-              </a:r>
-              <a:r>
-                <a:rPr lang="de-DE" sz="1400" b="1" kern="0" dirty="0" err="1">
-                  <a:ea typeface="Arial Unicode MS" pitchFamily="34" charset="-128"/>
-                  <a:cs typeface="Arial Unicode MS" pitchFamily="34" charset="-128"/>
-                </a:rPr>
-                <a:t>flexibility</a:t>
-              </a:r>
-              <a:endParaRPr lang="en-US" sz="1400" b="1" kern="0" dirty="0" err="1">
-                <a:ea typeface="Arial Unicode MS" pitchFamily="34" charset="-128"/>
-                <a:cs typeface="Arial Unicode MS" pitchFamily="34" charset="-128"/>
-              </a:endParaRPr>
-            </a:p>
-          </p:txBody>
-        </p:sp>
-        <p:sp>
-          <p:nvSpPr>
-            <p:cNvPr id="13" name="TextBox 12"/>
-            <p:cNvSpPr txBox="1"/>
-            <p:nvPr/>
-          </p:nvSpPr>
-          <p:spPr>
-            <a:xfrm rot="16200000">
-              <a:off x="417632" y="4593679"/>
-              <a:ext cx="1620502" cy="430775"/>
-            </a:xfrm>
-            <a:prstGeom prst="rect">
-              <a:avLst/>
-            </a:prstGeom>
-            <a:noFill/>
-          </p:spPr>
-          <p:txBody>
-            <a:bodyPr wrap="square" lIns="0" tIns="0" rIns="0" bIns="0" rtlCol="0">
-              <a:spAutoFit/>
-            </a:bodyPr>
-            <a:lstStyle/>
-            <a:p>
-              <a:pPr defTabSz="1088449" fontAlgn="base">
-                <a:spcBef>
-                  <a:spcPct val="50000"/>
-                </a:spcBef>
-                <a:spcAft>
-                  <a:spcPct val="0"/>
-                </a:spcAft>
-                <a:buClr>
-                  <a:srgbClr val="F0AB00"/>
-                </a:buClr>
-                <a:buSzPct val="80000"/>
-              </a:pPr>
-              <a:r>
-                <a:rPr lang="de-DE" sz="1400" kern="0" dirty="0">
-                  <a:ea typeface="Arial Unicode MS" pitchFamily="34" charset="-128"/>
-                  <a:cs typeface="Arial Unicode MS" pitchFamily="34" charset="-128"/>
-                </a:rPr>
-                <a:t>Low </a:t>
-              </a:r>
-              <a:br>
-                <a:rPr lang="de-DE" sz="1400" kern="0" dirty="0">
-                  <a:ea typeface="Arial Unicode MS" pitchFamily="34" charset="-128"/>
-                  <a:cs typeface="Arial Unicode MS" pitchFamily="34" charset="-128"/>
-                </a:rPr>
-              </a:br>
-              <a:r>
-                <a:rPr lang="de-DE" sz="1400" kern="0" dirty="0">
-                  <a:ea typeface="Arial Unicode MS" pitchFamily="34" charset="-128"/>
-                  <a:cs typeface="Arial Unicode MS" pitchFamily="34" charset="-128"/>
-                </a:rPr>
-                <a:t>(bring </a:t>
-              </a:r>
-              <a:r>
-                <a:rPr lang="de-DE" sz="1400" kern="0" dirty="0" err="1">
-                  <a:ea typeface="Arial Unicode MS" pitchFamily="34" charset="-128"/>
-                  <a:cs typeface="Arial Unicode MS" pitchFamily="34" charset="-128"/>
-                </a:rPr>
-                <a:t>your</a:t>
-              </a:r>
-              <a:r>
-                <a:rPr lang="de-DE" sz="1400" kern="0" dirty="0">
-                  <a:ea typeface="Arial Unicode MS" pitchFamily="34" charset="-128"/>
-                  <a:cs typeface="Arial Unicode MS" pitchFamily="34" charset="-128"/>
-                </a:rPr>
-                <a:t> </a:t>
-              </a:r>
-              <a:r>
-                <a:rPr lang="de-DE" sz="1400" kern="0" dirty="0" err="1">
-                  <a:ea typeface="Arial Unicode MS" pitchFamily="34" charset="-128"/>
-                  <a:cs typeface="Arial Unicode MS" pitchFamily="34" charset="-128"/>
-                </a:rPr>
-                <a:t>own</a:t>
-              </a:r>
-              <a:r>
-                <a:rPr lang="de-DE" sz="1400" kern="0" dirty="0">
-                  <a:ea typeface="Arial Unicode MS" pitchFamily="34" charset="-128"/>
-                  <a:cs typeface="Arial Unicode MS" pitchFamily="34" charset="-128"/>
-                </a:rPr>
-                <a:t> …)</a:t>
-              </a:r>
-              <a:endParaRPr lang="en-US" sz="1400" kern="0" dirty="0" err="1">
-                <a:ea typeface="Arial Unicode MS" pitchFamily="34" charset="-128"/>
-                <a:cs typeface="Arial Unicode MS" pitchFamily="34" charset="-128"/>
-              </a:endParaRPr>
-            </a:p>
-          </p:txBody>
-        </p:sp>
-        <p:sp>
-          <p:nvSpPr>
-            <p:cNvPr id="14" name="TextBox 13"/>
-            <p:cNvSpPr txBox="1"/>
-            <p:nvPr/>
-          </p:nvSpPr>
-          <p:spPr>
-            <a:xfrm rot="16200000">
-              <a:off x="417633" y="2973175"/>
-              <a:ext cx="1620502" cy="430775"/>
-            </a:xfrm>
-            <a:prstGeom prst="rect">
-              <a:avLst/>
-            </a:prstGeom>
-            <a:noFill/>
-          </p:spPr>
-          <p:txBody>
-            <a:bodyPr wrap="square" lIns="0" tIns="0" rIns="0" bIns="0" rtlCol="0">
-              <a:spAutoFit/>
-            </a:bodyPr>
-            <a:lstStyle/>
-            <a:p>
-              <a:pPr defTabSz="1088449" fontAlgn="base">
-                <a:spcBef>
-                  <a:spcPct val="50000"/>
-                </a:spcBef>
-                <a:spcAft>
-                  <a:spcPct val="0"/>
-                </a:spcAft>
-                <a:buClr>
-                  <a:srgbClr val="F0AB00"/>
-                </a:buClr>
-                <a:buSzPct val="80000"/>
-              </a:pPr>
-              <a:r>
-                <a:rPr lang="de-DE" sz="1400" kern="0" dirty="0">
-                  <a:ea typeface="Arial Unicode MS" pitchFamily="34" charset="-128"/>
-                  <a:cs typeface="Arial Unicode MS" pitchFamily="34" charset="-128"/>
-                </a:rPr>
-                <a:t>High </a:t>
-              </a:r>
-              <a:br>
-                <a:rPr lang="de-DE" sz="1400" kern="0" dirty="0">
-                  <a:ea typeface="Arial Unicode MS" pitchFamily="34" charset="-128"/>
-                  <a:cs typeface="Arial Unicode MS" pitchFamily="34" charset="-128"/>
-                </a:rPr>
-              </a:br>
-              <a:r>
-                <a:rPr lang="de-DE" sz="1400" kern="0" dirty="0">
-                  <a:ea typeface="Arial Unicode MS" pitchFamily="34" charset="-128"/>
-                  <a:cs typeface="Arial Unicode MS" pitchFamily="34" charset="-128"/>
-                </a:rPr>
-                <a:t>(</a:t>
-              </a:r>
-              <a:r>
-                <a:rPr lang="de-DE" sz="1400" kern="0" dirty="0" err="1">
-                  <a:ea typeface="Arial Unicode MS" pitchFamily="34" charset="-128"/>
-                  <a:cs typeface="Arial Unicode MS" pitchFamily="34" charset="-128"/>
-                </a:rPr>
-                <a:t>leverage</a:t>
-              </a:r>
-              <a:r>
-                <a:rPr lang="de-DE" sz="1400" kern="0" dirty="0">
-                  <a:ea typeface="Arial Unicode MS" pitchFamily="34" charset="-128"/>
-                  <a:cs typeface="Arial Unicode MS" pitchFamily="34" charset="-128"/>
-                </a:rPr>
-                <a:t> </a:t>
-              </a:r>
-              <a:r>
-                <a:rPr lang="de-DE" sz="1400" kern="0" dirty="0" err="1">
-                  <a:ea typeface="Arial Unicode MS" pitchFamily="34" charset="-128"/>
-                  <a:cs typeface="Arial Unicode MS" pitchFamily="34" charset="-128"/>
-                </a:rPr>
-                <a:t>platform</a:t>
-              </a:r>
-              <a:r>
-                <a:rPr lang="de-DE" sz="1400" kern="0" dirty="0">
-                  <a:ea typeface="Arial Unicode MS" pitchFamily="34" charset="-128"/>
-                  <a:cs typeface="Arial Unicode MS" pitchFamily="34" charset="-128"/>
-                </a:rPr>
-                <a:t>)</a:t>
-              </a:r>
-              <a:endParaRPr lang="en-US" sz="1400" kern="0" dirty="0" err="1">
-                <a:ea typeface="Arial Unicode MS" pitchFamily="34" charset="-128"/>
-                <a:cs typeface="Arial Unicode MS" pitchFamily="34" charset="-128"/>
-              </a:endParaRPr>
-            </a:p>
-          </p:txBody>
-        </p:sp>
-        <p:sp>
-          <p:nvSpPr>
-            <p:cNvPr id="18" name="Oval 17"/>
-            <p:cNvSpPr/>
-            <p:nvPr/>
-          </p:nvSpPr>
-          <p:spPr bwMode="gray">
-            <a:xfrm>
-              <a:off x="480907" y="6238266"/>
-              <a:ext cx="275974" cy="290447"/>
-            </a:xfrm>
-            <a:prstGeom prst="ellipse">
-              <a:avLst/>
-            </a:prstGeom>
-            <a:solidFill>
-              <a:schemeClr val="bg1"/>
-            </a:solidFill>
-            <a:ln w="12700" algn="ctr">
-              <a:solidFill>
-                <a:schemeClr val="tx1"/>
-              </a:solidFill>
-              <a:miter lim="800000"/>
-              <a:headEnd/>
-              <a:tailEnd/>
-            </a:ln>
-          </p:spPr>
-          <p:txBody>
-            <a:bodyPr lIns="89977" tIns="71981" rIns="89977" bIns="71981" rtlCol="0" anchor="ctr"/>
-            <a:lstStyle/>
-            <a:p>
-              <a:pPr algn="ctr" defTabSz="914126" fontAlgn="base">
-                <a:spcBef>
-                  <a:spcPct val="50000"/>
-                </a:spcBef>
-                <a:spcAft>
-                  <a:spcPct val="0"/>
-                </a:spcAft>
-                <a:buClr>
-                  <a:srgbClr val="F0AB00"/>
-                </a:buClr>
-                <a:buSzPct val="80000"/>
-              </a:pPr>
-              <a:endParaRPr lang="en-US" sz="1799" kern="0" dirty="0" err="1">
-                <a:ea typeface="Arial Unicode MS" pitchFamily="34" charset="-128"/>
-                <a:cs typeface="Arial Unicode MS" pitchFamily="34" charset="-128"/>
-              </a:endParaRPr>
-            </a:p>
-          </p:txBody>
-        </p:sp>
-        <p:sp>
-          <p:nvSpPr>
-            <p:cNvPr id="20" name="TextBox 19"/>
-            <p:cNvSpPr txBox="1"/>
-            <p:nvPr/>
-          </p:nvSpPr>
-          <p:spPr>
-            <a:xfrm>
-              <a:off x="840267" y="6300851"/>
-              <a:ext cx="3305084" cy="184618"/>
-            </a:xfrm>
-            <a:prstGeom prst="rect">
-              <a:avLst/>
-            </a:prstGeom>
-            <a:noFill/>
-          </p:spPr>
-          <p:txBody>
-            <a:bodyPr wrap="square" lIns="0" tIns="0" rIns="0" bIns="0" rtlCol="0">
-              <a:spAutoFit/>
-            </a:bodyPr>
-            <a:lstStyle/>
-            <a:p>
-              <a:pPr defTabSz="1088449" fontAlgn="base">
-                <a:spcBef>
-                  <a:spcPct val="50000"/>
-                </a:spcBef>
-                <a:spcAft>
-                  <a:spcPct val="0"/>
-                </a:spcAft>
-                <a:buClr>
-                  <a:srgbClr val="F0AB00"/>
-                </a:buClr>
-                <a:buSzPct val="80000"/>
-              </a:pPr>
-              <a:r>
-                <a:rPr lang="de-DE" sz="1200" i="1" kern="0" dirty="0">
-                  <a:ea typeface="Arial Unicode MS" pitchFamily="34" charset="-128"/>
-                  <a:cs typeface="Arial Unicode MS" pitchFamily="34" charset="-128"/>
-                </a:rPr>
-                <a:t>Size = </a:t>
-              </a:r>
-              <a:r>
-                <a:rPr lang="de-DE" sz="1200" i="1" kern="0" dirty="0" err="1">
-                  <a:ea typeface="Arial Unicode MS" pitchFamily="34" charset="-128"/>
-                  <a:cs typeface="Arial Unicode MS" pitchFamily="34" charset="-128"/>
-                </a:rPr>
-                <a:t>Resource</a:t>
-              </a:r>
-              <a:r>
-                <a:rPr lang="de-DE" sz="1200" i="1" kern="0" dirty="0">
-                  <a:ea typeface="Arial Unicode MS" pitchFamily="34" charset="-128"/>
-                  <a:cs typeface="Arial Unicode MS" pitchFamily="34" charset="-128"/>
-                </a:rPr>
-                <a:t> </a:t>
-              </a:r>
-              <a:r>
-                <a:rPr lang="de-DE" sz="1200" i="1" kern="0" dirty="0" err="1">
-                  <a:ea typeface="Arial Unicode MS" pitchFamily="34" charset="-128"/>
-                  <a:cs typeface="Arial Unicode MS" pitchFamily="34" charset="-128"/>
-                </a:rPr>
-                <a:t>consumption</a:t>
-              </a:r>
-              <a:r>
-                <a:rPr lang="de-DE" sz="1200" i="1" kern="0" dirty="0">
-                  <a:ea typeface="Arial Unicode MS" pitchFamily="34" charset="-128"/>
-                  <a:cs typeface="Arial Unicode MS" pitchFamily="34" charset="-128"/>
-                </a:rPr>
-                <a:t> per </a:t>
-              </a:r>
-              <a:r>
-                <a:rPr lang="de-DE" sz="1200" i="1" kern="0" dirty="0" err="1">
-                  <a:ea typeface="Arial Unicode MS" pitchFamily="34" charset="-128"/>
-                  <a:cs typeface="Arial Unicode MS" pitchFamily="34" charset="-128"/>
-                </a:rPr>
-                <a:t>microservice</a:t>
-              </a:r>
-              <a:endParaRPr lang="en-US" sz="1200" i="1" kern="0" dirty="0" err="1">
-                <a:ea typeface="Arial Unicode MS" pitchFamily="34" charset="-128"/>
-                <a:cs typeface="Arial Unicode MS" pitchFamily="34" charset="-128"/>
-              </a:endParaRPr>
-            </a:p>
-          </p:txBody>
-        </p:sp>
-      </p:grpSp>
-      <p:grpSp>
-        <p:nvGrpSpPr>
-          <p:cNvPr id="6" name="Group 5"/>
-          <p:cNvGrpSpPr/>
-          <p:nvPr/>
-        </p:nvGrpSpPr>
-        <p:grpSpPr>
-          <a:xfrm>
-            <a:off x="3166918" y="1735341"/>
-            <a:ext cx="1714853" cy="801932"/>
-            <a:chOff x="3225620" y="2438726"/>
-            <a:chExt cx="1714853" cy="801932"/>
-          </a:xfrm>
-        </p:grpSpPr>
-        <p:sp>
-          <p:nvSpPr>
-            <p:cNvPr id="30" name="Oval 29"/>
-            <p:cNvSpPr/>
-            <p:nvPr/>
-          </p:nvSpPr>
-          <p:spPr bwMode="gray">
-            <a:xfrm>
-              <a:off x="4427038" y="2556218"/>
-              <a:ext cx="513435" cy="531924"/>
-            </a:xfrm>
-            <a:prstGeom prst="ellipse">
-              <a:avLst/>
-            </a:prstGeom>
-            <a:solidFill>
-              <a:schemeClr val="accent1">
-                <a:lumMod val="40000"/>
-                <a:lumOff val="60000"/>
-              </a:schemeClr>
-            </a:solidFill>
-            <a:ln w="6350" algn="ctr">
-              <a:solidFill>
-                <a:schemeClr val="accent1"/>
-              </a:solidFill>
-              <a:miter lim="800000"/>
-              <a:headEnd/>
-              <a:tailEnd/>
-            </a:ln>
-          </p:spPr>
-          <p:txBody>
-            <a:bodyPr lIns="89977" tIns="71981" rIns="89977" bIns="71981" rtlCol="0" anchor="ctr"/>
-            <a:lstStyle/>
-            <a:p>
-              <a:pPr algn="ctr" defTabSz="914126" fontAlgn="base">
-                <a:spcBef>
-                  <a:spcPct val="50000"/>
-                </a:spcBef>
-                <a:spcAft>
-                  <a:spcPct val="0"/>
-                </a:spcAft>
-                <a:buClr>
-                  <a:srgbClr val="F0AB00"/>
-                </a:buClr>
-                <a:buSzPct val="80000"/>
-              </a:pPr>
-              <a:endParaRPr lang="en-US" sz="1799" kern="0" dirty="0" err="1">
-                <a:solidFill>
-                  <a:srgbClr val="000000"/>
-                </a:solidFill>
-                <a:ea typeface="Arial Unicode MS" pitchFamily="34" charset="-128"/>
-                <a:cs typeface="Arial Unicode MS" pitchFamily="34" charset="-128"/>
-              </a:endParaRPr>
-            </a:p>
-          </p:txBody>
-        </p:sp>
-        <p:sp>
-          <p:nvSpPr>
-            <p:cNvPr id="29" name="Oval 28"/>
-            <p:cNvSpPr/>
-            <p:nvPr/>
-          </p:nvSpPr>
-          <p:spPr bwMode="gray">
-            <a:xfrm>
-              <a:off x="4357388" y="2620950"/>
-              <a:ext cx="513435" cy="531924"/>
-            </a:xfrm>
-            <a:prstGeom prst="ellipse">
-              <a:avLst/>
-            </a:prstGeom>
-            <a:solidFill>
-              <a:schemeClr val="accent1">
-                <a:lumMod val="40000"/>
-                <a:lumOff val="60000"/>
-              </a:schemeClr>
-            </a:solidFill>
-            <a:ln w="6350" algn="ctr">
-              <a:solidFill>
-                <a:schemeClr val="accent1"/>
-              </a:solidFill>
-              <a:miter lim="800000"/>
-              <a:headEnd/>
-              <a:tailEnd/>
-            </a:ln>
-          </p:spPr>
-          <p:txBody>
-            <a:bodyPr lIns="89977" tIns="71981" rIns="89977" bIns="71981" rtlCol="0" anchor="ctr"/>
-            <a:lstStyle/>
-            <a:p>
-              <a:pPr algn="ctr" defTabSz="914126" fontAlgn="base">
-                <a:spcBef>
-                  <a:spcPct val="50000"/>
-                </a:spcBef>
-                <a:spcAft>
-                  <a:spcPct val="0"/>
-                </a:spcAft>
-                <a:buClr>
-                  <a:srgbClr val="F0AB00"/>
-                </a:buClr>
-                <a:buSzPct val="80000"/>
-              </a:pPr>
-              <a:endParaRPr lang="en-US" sz="1799" kern="0" dirty="0" err="1">
-                <a:solidFill>
-                  <a:srgbClr val="000000"/>
-                </a:solidFill>
-                <a:ea typeface="Arial Unicode MS" pitchFamily="34" charset="-128"/>
-                <a:cs typeface="Arial Unicode MS" pitchFamily="34" charset="-128"/>
-              </a:endParaRPr>
-            </a:p>
-          </p:txBody>
-        </p:sp>
-        <p:sp>
-          <p:nvSpPr>
-            <p:cNvPr id="17" name="Oval 16"/>
-            <p:cNvSpPr/>
-            <p:nvPr/>
-          </p:nvSpPr>
-          <p:spPr bwMode="gray">
-            <a:xfrm>
-              <a:off x="4260300" y="2708734"/>
-              <a:ext cx="513435" cy="531924"/>
-            </a:xfrm>
-            <a:prstGeom prst="ellipse">
-              <a:avLst/>
-            </a:prstGeom>
-            <a:solidFill>
-              <a:schemeClr val="accent1">
-                <a:lumMod val="60000"/>
-                <a:lumOff val="40000"/>
-              </a:schemeClr>
-            </a:solidFill>
-            <a:ln w="6350" algn="ctr">
-              <a:noFill/>
-              <a:miter lim="800000"/>
-              <a:headEnd/>
-              <a:tailEnd/>
-            </a:ln>
-          </p:spPr>
-          <p:txBody>
-            <a:bodyPr lIns="89977" tIns="71981" rIns="89977" bIns="71981" rtlCol="0" anchor="ctr"/>
-            <a:lstStyle/>
-            <a:p>
-              <a:pPr algn="ctr" defTabSz="914126" fontAlgn="base">
-                <a:spcBef>
-                  <a:spcPct val="50000"/>
-                </a:spcBef>
-                <a:spcAft>
-                  <a:spcPct val="0"/>
-                </a:spcAft>
-                <a:buClr>
-                  <a:srgbClr val="F0AB00"/>
-                </a:buClr>
-                <a:buSzPct val="80000"/>
-              </a:pPr>
-              <a:endParaRPr lang="en-US" sz="1799" kern="0" dirty="0" err="1">
-                <a:solidFill>
-                  <a:srgbClr val="000000"/>
-                </a:solidFill>
-                <a:ea typeface="Arial Unicode MS" pitchFamily="34" charset="-128"/>
-                <a:cs typeface="Arial Unicode MS" pitchFamily="34" charset="-128"/>
-              </a:endParaRPr>
-            </a:p>
-          </p:txBody>
-        </p:sp>
-        <p:sp>
-          <p:nvSpPr>
-            <p:cNvPr id="22" name="TextBox 21"/>
-            <p:cNvSpPr txBox="1"/>
-            <p:nvPr/>
-          </p:nvSpPr>
-          <p:spPr>
-            <a:xfrm>
-              <a:off x="3225620" y="2438726"/>
-              <a:ext cx="1134079" cy="430775"/>
-            </a:xfrm>
-            <a:prstGeom prst="rect">
-              <a:avLst/>
-            </a:prstGeom>
-            <a:noFill/>
-          </p:spPr>
-          <p:txBody>
-            <a:bodyPr wrap="square" lIns="0" tIns="0" rIns="0" bIns="0" rtlCol="0">
-              <a:spAutoFit/>
-            </a:bodyPr>
-            <a:lstStyle/>
-            <a:p>
-              <a:pPr defTabSz="1088449" fontAlgn="base">
-                <a:spcBef>
-                  <a:spcPct val="50000"/>
-                </a:spcBef>
-                <a:spcAft>
-                  <a:spcPct val="0"/>
-                </a:spcAft>
-                <a:buClr>
-                  <a:srgbClr val="F0AB00"/>
-                </a:buClr>
-                <a:buSzPct val="80000"/>
-              </a:pPr>
-              <a:r>
-                <a:rPr lang="de-DE" sz="1400" kern="0" dirty="0">
-                  <a:ea typeface="Arial Unicode MS" pitchFamily="34" charset="-128"/>
-                  <a:cs typeface="Arial Unicode MS" pitchFamily="34" charset="-128"/>
-                </a:rPr>
-                <a:t>Business </a:t>
-              </a:r>
-              <a:r>
-                <a:rPr lang="de-DE" sz="1400" kern="0" dirty="0" err="1">
-                  <a:ea typeface="Arial Unicode MS" pitchFamily="34" charset="-128"/>
-                  <a:cs typeface="Arial Unicode MS" pitchFamily="34" charset="-128"/>
-                </a:rPr>
-                <a:t>Applications</a:t>
-              </a:r>
-              <a:endParaRPr lang="en-US" sz="1400" kern="0" dirty="0" err="1">
-                <a:ea typeface="Arial Unicode MS" pitchFamily="34" charset="-128"/>
-                <a:cs typeface="Arial Unicode MS" pitchFamily="34" charset="-128"/>
-              </a:endParaRPr>
-            </a:p>
-          </p:txBody>
-        </p:sp>
-      </p:grpSp>
-      <p:grpSp>
-        <p:nvGrpSpPr>
-          <p:cNvPr id="16" name="Group 15"/>
-          <p:cNvGrpSpPr/>
-          <p:nvPr/>
-        </p:nvGrpSpPr>
-        <p:grpSpPr>
-          <a:xfrm>
-            <a:off x="1713722" y="3295429"/>
-            <a:ext cx="1438800" cy="1363324"/>
-            <a:chOff x="1772425" y="3998814"/>
-            <a:chExt cx="1438800" cy="1363324"/>
-          </a:xfrm>
-        </p:grpSpPr>
-        <p:sp>
-          <p:nvSpPr>
-            <p:cNvPr id="15" name="Oval 14"/>
-            <p:cNvSpPr/>
-            <p:nvPr/>
-          </p:nvSpPr>
-          <p:spPr bwMode="gray">
-            <a:xfrm>
-              <a:off x="1772425" y="3998814"/>
-              <a:ext cx="1438800" cy="1363324"/>
-            </a:xfrm>
-            <a:prstGeom prst="ellipse">
-              <a:avLst/>
-            </a:prstGeom>
-            <a:solidFill>
-              <a:schemeClr val="accent3">
-                <a:lumMod val="20000"/>
-                <a:lumOff val="80000"/>
-              </a:schemeClr>
-            </a:solidFill>
-            <a:ln w="6350" algn="ctr">
-              <a:solidFill>
-                <a:schemeClr val="accent3">
-                  <a:lumMod val="40000"/>
-                  <a:lumOff val="60000"/>
-                </a:schemeClr>
-              </a:solidFill>
-              <a:miter lim="800000"/>
-              <a:headEnd/>
-              <a:tailEnd/>
-            </a:ln>
-          </p:spPr>
-          <p:txBody>
-            <a:bodyPr lIns="89977" tIns="71981" rIns="89977" bIns="71981" rtlCol="0" anchor="ctr"/>
-            <a:lstStyle/>
-            <a:p>
-              <a:pPr algn="ctr" defTabSz="914126" fontAlgn="base">
-                <a:spcBef>
-                  <a:spcPct val="50000"/>
-                </a:spcBef>
-                <a:spcAft>
-                  <a:spcPct val="0"/>
-                </a:spcAft>
-                <a:buClr>
-                  <a:srgbClr val="F0AB00"/>
-                </a:buClr>
-                <a:buSzPct val="80000"/>
-              </a:pPr>
-              <a:endParaRPr lang="en-US" sz="1799" kern="0" dirty="0" err="1">
-                <a:solidFill>
-                  <a:srgbClr val="000000"/>
-                </a:solidFill>
-                <a:ea typeface="Arial Unicode MS" pitchFamily="34" charset="-128"/>
-                <a:cs typeface="Arial Unicode MS" pitchFamily="34" charset="-128"/>
-              </a:endParaRPr>
-            </a:p>
-          </p:txBody>
-        </p:sp>
-        <p:sp>
-          <p:nvSpPr>
-            <p:cNvPr id="25" name="TextBox 24"/>
-            <p:cNvSpPr txBox="1"/>
-            <p:nvPr/>
-          </p:nvSpPr>
-          <p:spPr>
-            <a:xfrm>
-              <a:off x="2014314" y="4421249"/>
-              <a:ext cx="1056595" cy="430775"/>
-            </a:xfrm>
-            <a:prstGeom prst="rect">
-              <a:avLst/>
-            </a:prstGeom>
-            <a:noFill/>
-          </p:spPr>
-          <p:txBody>
-            <a:bodyPr wrap="square" lIns="0" tIns="0" rIns="0" bIns="0" rtlCol="0">
-              <a:spAutoFit/>
-            </a:bodyPr>
-            <a:lstStyle/>
-            <a:p>
-              <a:pPr defTabSz="1088449" fontAlgn="base">
-                <a:spcBef>
-                  <a:spcPct val="50000"/>
-                </a:spcBef>
-                <a:spcAft>
-                  <a:spcPct val="0"/>
-                </a:spcAft>
-                <a:buClr>
-                  <a:srgbClr val="F0AB00"/>
-                </a:buClr>
-                <a:buSzPct val="80000"/>
-              </a:pPr>
-              <a:r>
-                <a:rPr lang="de-DE" sz="1400" kern="0" dirty="0">
-                  <a:solidFill>
-                    <a:srgbClr val="000000"/>
-                  </a:solidFill>
-                  <a:ea typeface="Arial Unicode MS" pitchFamily="34" charset="-128"/>
-                  <a:cs typeface="Arial Unicode MS" pitchFamily="34" charset="-128"/>
-                </a:rPr>
-                <a:t>Business </a:t>
-              </a:r>
-              <a:r>
-                <a:rPr lang="de-DE" sz="1400" kern="0" dirty="0" err="1">
-                  <a:solidFill>
-                    <a:srgbClr val="000000"/>
-                  </a:solidFill>
-                  <a:ea typeface="Arial Unicode MS" pitchFamily="34" charset="-128"/>
-                  <a:cs typeface="Arial Unicode MS" pitchFamily="34" charset="-128"/>
-                </a:rPr>
-                <a:t>Applications</a:t>
-              </a:r>
-              <a:endParaRPr lang="en-US" sz="1400" kern="0" dirty="0" err="1">
-                <a:solidFill>
-                  <a:srgbClr val="000000"/>
-                </a:solidFill>
-                <a:ea typeface="Arial Unicode MS" pitchFamily="34" charset="-128"/>
-                <a:cs typeface="Arial Unicode MS" pitchFamily="34" charset="-128"/>
-              </a:endParaRPr>
-            </a:p>
-          </p:txBody>
-        </p:sp>
-      </p:grpSp>
-      <p:grpSp>
-        <p:nvGrpSpPr>
-          <p:cNvPr id="8" name="Group 7"/>
-          <p:cNvGrpSpPr/>
-          <p:nvPr/>
-        </p:nvGrpSpPr>
-        <p:grpSpPr>
-          <a:xfrm>
-            <a:off x="4007403" y="3603207"/>
-            <a:ext cx="977322" cy="924389"/>
-            <a:chOff x="4066106" y="4306591"/>
-            <a:chExt cx="977322" cy="924389"/>
-          </a:xfrm>
-        </p:grpSpPr>
-        <p:sp>
-          <p:nvSpPr>
-            <p:cNvPr id="26" name="Oval 25"/>
-            <p:cNvSpPr/>
-            <p:nvPr/>
-          </p:nvSpPr>
-          <p:spPr bwMode="gray">
-            <a:xfrm>
-              <a:off x="4066106" y="4306591"/>
-              <a:ext cx="901821" cy="924389"/>
-            </a:xfrm>
-            <a:prstGeom prst="ellipse">
-              <a:avLst/>
-            </a:prstGeom>
-            <a:solidFill>
-              <a:schemeClr val="accent3">
-                <a:lumMod val="20000"/>
-                <a:lumOff val="80000"/>
-              </a:schemeClr>
-            </a:solidFill>
-            <a:ln w="6350" algn="ctr">
-              <a:solidFill>
-                <a:schemeClr val="accent3">
-                  <a:lumMod val="40000"/>
-                  <a:lumOff val="60000"/>
-                </a:schemeClr>
-              </a:solidFill>
-              <a:miter lim="800000"/>
-              <a:headEnd/>
-              <a:tailEnd/>
-            </a:ln>
-          </p:spPr>
-          <p:txBody>
-            <a:bodyPr lIns="89977" tIns="71981" rIns="89977" bIns="71981" rtlCol="0" anchor="ctr"/>
-            <a:lstStyle/>
-            <a:p>
-              <a:pPr algn="ctr" defTabSz="914126" fontAlgn="base">
-                <a:spcBef>
-                  <a:spcPct val="50000"/>
-                </a:spcBef>
-                <a:spcAft>
-                  <a:spcPct val="0"/>
-                </a:spcAft>
-                <a:buClr>
-                  <a:srgbClr val="F0AB00"/>
-                </a:buClr>
-                <a:buSzPct val="80000"/>
-              </a:pPr>
-              <a:endParaRPr lang="en-US" sz="1799" kern="0" dirty="0" err="1">
-                <a:solidFill>
-                  <a:srgbClr val="000000"/>
-                </a:solidFill>
-                <a:ea typeface="Arial Unicode MS" pitchFamily="34" charset="-128"/>
-                <a:cs typeface="Arial Unicode MS" pitchFamily="34" charset="-128"/>
-              </a:endParaRPr>
-            </a:p>
-          </p:txBody>
-        </p:sp>
-        <p:sp>
-          <p:nvSpPr>
-            <p:cNvPr id="27" name="TextBox 26"/>
-            <p:cNvSpPr txBox="1"/>
-            <p:nvPr/>
-          </p:nvSpPr>
-          <p:spPr>
-            <a:xfrm>
-              <a:off x="4210226" y="4537443"/>
-              <a:ext cx="833202" cy="430775"/>
-            </a:xfrm>
-            <a:prstGeom prst="rect">
-              <a:avLst/>
-            </a:prstGeom>
-            <a:noFill/>
-          </p:spPr>
-          <p:txBody>
-            <a:bodyPr wrap="square" lIns="0" tIns="0" rIns="0" bIns="0" rtlCol="0">
-              <a:spAutoFit/>
-            </a:bodyPr>
-            <a:lstStyle/>
-            <a:p>
-              <a:pPr defTabSz="1088449" fontAlgn="base">
-                <a:spcBef>
-                  <a:spcPct val="50000"/>
-                </a:spcBef>
-                <a:spcAft>
-                  <a:spcPct val="0"/>
-                </a:spcAft>
-                <a:buClr>
-                  <a:srgbClr val="F0AB00"/>
-                </a:buClr>
-                <a:buSzPct val="80000"/>
-              </a:pPr>
-              <a:r>
-                <a:rPr lang="de-DE" sz="1400" kern="0" dirty="0" err="1">
-                  <a:solidFill>
-                    <a:srgbClr val="000000"/>
-                  </a:solidFill>
-                  <a:ea typeface="Arial Unicode MS" pitchFamily="34" charset="-128"/>
-                  <a:cs typeface="Arial Unicode MS" pitchFamily="34" charset="-128"/>
-                </a:rPr>
-                <a:t>Backing</a:t>
-              </a:r>
-              <a:r>
-                <a:rPr lang="de-DE" sz="1400" kern="0" dirty="0">
-                  <a:solidFill>
-                    <a:srgbClr val="000000"/>
-                  </a:solidFill>
-                  <a:ea typeface="Arial Unicode MS" pitchFamily="34" charset="-128"/>
-                  <a:cs typeface="Arial Unicode MS" pitchFamily="34" charset="-128"/>
-                </a:rPr>
-                <a:t> </a:t>
-              </a:r>
-              <a:r>
-                <a:rPr lang="de-DE" sz="1400" kern="0" dirty="0" err="1">
-                  <a:solidFill>
-                    <a:srgbClr val="000000"/>
-                  </a:solidFill>
-                  <a:ea typeface="Arial Unicode MS" pitchFamily="34" charset="-128"/>
-                  <a:cs typeface="Arial Unicode MS" pitchFamily="34" charset="-128"/>
-                </a:rPr>
-                <a:t>services</a:t>
-              </a:r>
-              <a:endParaRPr lang="en-US" sz="1400" kern="0" dirty="0" err="1">
-                <a:solidFill>
-                  <a:srgbClr val="000000"/>
-                </a:solidFill>
-                <a:ea typeface="Arial Unicode MS" pitchFamily="34" charset="-128"/>
-                <a:cs typeface="Arial Unicode MS" pitchFamily="34" charset="-128"/>
-              </a:endParaRPr>
-            </a:p>
-          </p:txBody>
-        </p:sp>
-      </p:grpSp>
-      <p:sp>
-        <p:nvSpPr>
-          <p:cNvPr id="28" name="Rectangle 27"/>
-          <p:cNvSpPr/>
-          <p:nvPr/>
-        </p:nvSpPr>
-        <p:spPr>
-          <a:xfrm>
-            <a:off x="5520151" y="1597709"/>
-            <a:ext cx="6302757" cy="4242187"/>
-          </a:xfrm>
-          <a:prstGeom prst="rect">
-            <a:avLst/>
-          </a:prstGeom>
-        </p:spPr>
-        <p:txBody>
-          <a:bodyPr wrap="square">
-            <a:spAutoFit/>
-          </a:bodyPr>
-          <a:lstStyle/>
-          <a:p>
-            <a:pPr marL="0" lvl="1" defTabSz="1088231">
-              <a:lnSpc>
-                <a:spcPct val="107000"/>
-              </a:lnSpc>
-              <a:spcBef>
-                <a:spcPts val="600"/>
-              </a:spcBef>
-              <a:buClr>
-                <a:srgbClr val="F0AB00"/>
-              </a:buClr>
-              <a:buNone/>
-            </a:pPr>
-            <a:r>
-              <a:rPr lang="en-US" sz="1400" b="1" dirty="0">
-                <a:solidFill>
-                  <a:srgbClr val="000000"/>
-                </a:solidFill>
-              </a:rPr>
-              <a:t>Business Applications </a:t>
-            </a:r>
-          </a:p>
-          <a:p>
-            <a:pPr marL="179910" lvl="1" indent="-179910" defTabSz="1088231">
-              <a:lnSpc>
-                <a:spcPct val="107000"/>
-              </a:lnSpc>
-              <a:spcBef>
-                <a:spcPts val="600"/>
-              </a:spcBef>
-              <a:buClr>
-                <a:schemeClr val="accent1"/>
-              </a:buClr>
-              <a:buFont typeface="Wingdings" pitchFamily="2" charset="2"/>
-              <a:buChar char="§"/>
-            </a:pPr>
-            <a:r>
-              <a:rPr lang="en-US" sz="1400" dirty="0">
-                <a:latin typeface="Arial" panose="020B0604020202020204" pitchFamily="34" charset="0"/>
-                <a:cs typeface="Arial" panose="020B0604020202020204" pitchFamily="34" charset="0"/>
-              </a:rPr>
-              <a:t>High level of support and platform services available, limited resource consumption per microservice and low level of legacy code are assumed (e.g. Currency Conversion, Consent Management </a:t>
-            </a:r>
-            <a:r>
-              <a:rPr lang="en-US" sz="1400" dirty="0" err="1">
-                <a:latin typeface="Arial" panose="020B0604020202020204" pitchFamily="34" charset="0"/>
-                <a:cs typeface="Arial" panose="020B0604020202020204" pitchFamily="34" charset="0"/>
-              </a:rPr>
-              <a:t>etc</a:t>
-            </a:r>
-            <a:r>
-              <a:rPr lang="en-US" sz="1400" dirty="0">
-                <a:latin typeface="Arial" panose="020B0604020202020204" pitchFamily="34" charset="0"/>
-                <a:cs typeface="Arial" panose="020B0604020202020204" pitchFamily="34" charset="0"/>
-              </a:rPr>
-              <a:t>) </a:t>
-            </a:r>
-            <a:br>
-              <a:rPr lang="en-US" sz="1400" dirty="0">
-                <a:solidFill>
-                  <a:srgbClr val="000000"/>
-                </a:solidFill>
-              </a:rPr>
-            </a:br>
-            <a:r>
-              <a:rPr lang="en-US" sz="1400" dirty="0">
-                <a:sym typeface="Wingdings" panose="05000000000000000000" pitchFamily="2" charset="2"/>
-              </a:rPr>
-              <a:t></a:t>
-            </a:r>
-            <a:r>
-              <a:rPr lang="en-US" sz="1400" dirty="0">
-                <a:solidFill>
-                  <a:srgbClr val="000000"/>
-                </a:solidFill>
-              </a:rPr>
-              <a:t> </a:t>
-            </a:r>
-            <a:r>
-              <a:rPr lang="en-US" sz="1400" b="1" dirty="0">
-                <a:solidFill>
-                  <a:schemeClr val="accent1">
-                    <a:lumMod val="75000"/>
-                  </a:schemeClr>
-                </a:solidFill>
-              </a:rPr>
-              <a:t>Cloud Foundry recommended</a:t>
-            </a:r>
-          </a:p>
-          <a:p>
-            <a:pPr marL="179964" lvl="1" indent="-179964" defTabSz="1088558">
-              <a:lnSpc>
-                <a:spcPct val="107000"/>
-              </a:lnSpc>
-              <a:spcBef>
-                <a:spcPts val="600"/>
-              </a:spcBef>
-              <a:buClr>
-                <a:srgbClr val="0FAAFF"/>
-              </a:buClr>
-              <a:buFont typeface="Wingdings" pitchFamily="2" charset="2"/>
-              <a:buChar char="§"/>
-            </a:pPr>
-            <a:r>
-              <a:rPr lang="en-US" sz="1400" dirty="0">
-                <a:latin typeface="Arial" panose="020B0604020202020204" pitchFamily="34" charset="0"/>
-                <a:cs typeface="Arial" panose="020B0604020202020204" pitchFamily="34" charset="0"/>
-              </a:rPr>
-              <a:t>Consequences: adopt microservice architecture and 12 factor app</a:t>
-            </a:r>
-          </a:p>
-          <a:p>
-            <a:pPr defTabSz="1088231">
-              <a:lnSpc>
-                <a:spcPct val="107000"/>
-              </a:lnSpc>
-              <a:spcBef>
-                <a:spcPts val="600"/>
-              </a:spcBef>
-              <a:buClr>
-                <a:srgbClr val="F0AB00"/>
-              </a:buClr>
-            </a:pPr>
-            <a:br>
-              <a:rPr lang="en-US" sz="1400" b="1" dirty="0">
-                <a:solidFill>
-                  <a:srgbClr val="000000"/>
-                </a:solidFill>
-              </a:rPr>
-            </a:br>
-            <a:r>
-              <a:rPr lang="en-US" sz="1400" b="1" dirty="0">
-                <a:solidFill>
-                  <a:srgbClr val="000000"/>
-                </a:solidFill>
-              </a:rPr>
-              <a:t>New and existing Backing Service </a:t>
-            </a:r>
-          </a:p>
-          <a:p>
-            <a:pPr marL="179910" lvl="1" indent="-179910" defTabSz="1088231">
-              <a:lnSpc>
-                <a:spcPct val="107000"/>
-              </a:lnSpc>
-              <a:spcBef>
-                <a:spcPts val="600"/>
-              </a:spcBef>
-              <a:buClr>
-                <a:schemeClr val="accent1"/>
-              </a:buClr>
-              <a:buFont typeface="Wingdings" pitchFamily="2" charset="2"/>
-              <a:buChar char="§"/>
-            </a:pPr>
-            <a:r>
-              <a:rPr lang="en-US" sz="1400" dirty="0">
-                <a:latin typeface="Arial" panose="020B0604020202020204" pitchFamily="34" charset="0"/>
-                <a:cs typeface="Arial" panose="020B0604020202020204" pitchFamily="34" charset="0"/>
-              </a:rPr>
-              <a:t>Low level of platform service support assumed acceptable, direct infrastructure access needed (e.g. HANA, Data Hub, Machine Learning)</a:t>
-            </a:r>
-            <a:br>
-              <a:rPr lang="en-US" sz="1400" dirty="0"/>
-            </a:br>
-            <a:r>
-              <a:rPr lang="en-US" sz="1400" dirty="0">
-                <a:sym typeface="Wingdings" panose="05000000000000000000" pitchFamily="2" charset="2"/>
-              </a:rPr>
-              <a:t></a:t>
-            </a:r>
-            <a:r>
-              <a:rPr lang="en-US" sz="1400" dirty="0">
-                <a:solidFill>
-                  <a:srgbClr val="000000"/>
-                </a:solidFill>
-              </a:rPr>
-              <a:t> </a:t>
-            </a:r>
-            <a:r>
-              <a:rPr lang="en-US" sz="1400" b="1" dirty="0">
-                <a:solidFill>
-                  <a:schemeClr val="accent3"/>
-                </a:solidFill>
-              </a:rPr>
-              <a:t>K8s recommended</a:t>
-            </a:r>
-            <a:endParaRPr lang="en-US" sz="1400" dirty="0">
-              <a:solidFill>
-                <a:schemeClr val="accent3"/>
-              </a:solidFill>
-            </a:endParaRPr>
-          </a:p>
-          <a:p>
-            <a:pPr marL="0" lvl="1" defTabSz="1088231">
-              <a:lnSpc>
-                <a:spcPct val="107000"/>
-              </a:lnSpc>
-              <a:spcBef>
-                <a:spcPts val="600"/>
-              </a:spcBef>
-              <a:buClr>
-                <a:srgbClr val="F0AB00"/>
-              </a:buClr>
-              <a:buNone/>
-            </a:pPr>
-            <a:br>
-              <a:rPr lang="en-US" sz="1400" b="1" dirty="0">
-                <a:solidFill>
-                  <a:srgbClr val="000000"/>
-                </a:solidFill>
-              </a:rPr>
-            </a:br>
-            <a:r>
-              <a:rPr lang="en-US" sz="1400" b="1" dirty="0"/>
-              <a:t>Existing Business Application</a:t>
-            </a:r>
-          </a:p>
-          <a:p>
-            <a:pPr marL="285750" lvl="1" indent="-285750" defTabSz="1088231">
-              <a:lnSpc>
-                <a:spcPct val="107000"/>
-              </a:lnSpc>
-              <a:spcBef>
-                <a:spcPts val="600"/>
-              </a:spcBef>
-              <a:buClr>
-                <a:schemeClr val="accent1"/>
-              </a:buClr>
-              <a:buFont typeface="Wingdings" panose="05000000000000000000" pitchFamily="2" charset="2"/>
-              <a:buChar char="§"/>
-            </a:pPr>
-            <a:r>
-              <a:rPr lang="en-US" sz="1400" dirty="0"/>
-              <a:t>High level of existing code assumed, high requirements for resource consumption per (micro)service, </a:t>
-            </a:r>
-            <a:r>
-              <a:rPr lang="en-US" sz="1400" dirty="0" err="1"/>
-              <a:t>stateful</a:t>
-            </a:r>
-            <a:r>
-              <a:rPr lang="en-US" sz="1400" dirty="0"/>
-              <a:t> apps or service mesh capabilities </a:t>
-            </a:r>
-            <a:br>
-              <a:rPr lang="en-US" sz="1400" dirty="0">
-                <a:solidFill>
-                  <a:srgbClr val="000000"/>
-                </a:solidFill>
-              </a:rPr>
-            </a:br>
-            <a:r>
-              <a:rPr lang="en-US" sz="1400" dirty="0">
-                <a:sym typeface="Wingdings" panose="05000000000000000000" pitchFamily="2" charset="2"/>
-              </a:rPr>
-              <a:t></a:t>
-            </a:r>
-            <a:r>
-              <a:rPr lang="en-US" sz="1400" dirty="0">
-                <a:solidFill>
-                  <a:srgbClr val="000000"/>
-                </a:solidFill>
-              </a:rPr>
-              <a:t> </a:t>
-            </a:r>
-            <a:r>
-              <a:rPr lang="en-US" sz="1400" b="1" dirty="0">
-                <a:solidFill>
-                  <a:schemeClr val="accent3"/>
-                </a:solidFill>
-              </a:rPr>
-              <a:t>K8s recommended</a:t>
-            </a:r>
-          </a:p>
-        </p:txBody>
-      </p:sp>
-    </p:spTree>
-    <p:extLst>
-      <p:ext uri="{BB962C8B-B14F-4D97-AF65-F5344CB8AC3E}">
-        <p14:creationId xmlns:p14="http://schemas.microsoft.com/office/powerpoint/2010/main" val="460715042"/>
-      </p:ext>
-    </p:extLst>
-  </p:cSld>
-  <p:clrMapOvr>
-    <a:masterClrMapping/>
-  </p:clrMapOvr>
-</p:sld>
-</file>
-
-<file path=ppt/slides/slide24.xml><?xml version="1.0" encoding="utf-8"?>
+<file path=ppt/slides/slide25.xml><?xml version="1.0" encoding="utf-8"?>
 <p:sld xmlns:a="http://schemas.openxmlformats.org/drawingml/2006/main" xmlns:r="http://schemas.openxmlformats.org/officeDocument/2006/relationships" xmlns:p="http://schemas.openxmlformats.org/presentationml/2006/main" show="0">
   <p:cSld>
     <p:spTree>

--- a/kubernetes/11_administration.pptx
+++ b/kubernetes/11_administration.pptx
@@ -21032,44 +21032,6 @@
           </a:p>
         </p:txBody>
       </p:sp>
-      <p:pic>
-        <p:nvPicPr>
-          <p:cNvPr id="4" name="mario">
-            <a:hlinkClick r:id="" action="ppaction://media"/>
-            <a:extLst>
-              <a:ext uri="{FF2B5EF4-FFF2-40B4-BE49-F238E27FC236}">
-                <a16:creationId xmlns:a16="http://schemas.microsoft.com/office/drawing/2014/main" id="{5EDB2663-CD61-4DD6-BC63-9F4A86D811FD}"/>
-              </a:ext>
-            </a:extLst>
-          </p:cNvPr>
-          <p:cNvPicPr>
-            <a:picLocks noChangeAspect="1"/>
-          </p:cNvPicPr>
-          <p:nvPr>
-            <a:audioFile r:link="rId2"/>
-            <p:extLst>
-              <p:ext uri="{DAA4B4D4-6D71-4841-9C94-3DE7FCFB9230}">
-                <p14:media xmlns:p14="http://schemas.microsoft.com/office/powerpoint/2010/main" r:embed="rId1"/>
-              </p:ext>
-            </p:extLst>
-          </p:nvPr>
-        </p:nvPicPr>
-        <p:blipFill>
-          <a:blip r:embed="rId5"/>
-          <a:stretch>
-            <a:fillRect/>
-          </a:stretch>
-        </p:blipFill>
-        <p:spPr>
-          <a:xfrm>
-            <a:off x="3231203" y="383866"/>
-            <a:ext cx="609600" cy="609600"/>
-          </a:xfrm>
-          <a:prstGeom prst="rect">
-            <a:avLst/>
-          </a:prstGeom>
-        </p:spPr>
-      </p:pic>
     </p:spTree>
     <p:extLst>
       <p:ext uri="{BB962C8B-B14F-4D97-AF65-F5344CB8AC3E}">
@@ -21080,93 +21042,6 @@
   <p:clrMapOvr>
     <a:masterClrMapping/>
   </p:clrMapOvr>
-  <p:timing>
-    <p:tnLst>
-      <p:par>
-        <p:cTn id="1" dur="indefinite" restart="never" nodeType="tmRoot">
-          <p:childTnLst>
-            <p:seq concurrent="1" nextAc="seek">
-              <p:cTn id="2" dur="indefinite" nodeType="mainSeq">
-                <p:childTnLst>
-                  <p:par>
-                    <p:cTn id="3" fill="hold">
-                      <p:stCondLst>
-                        <p:cond delay="indefinite"/>
-                        <p:cond evt="onBegin" delay="0">
-                          <p:tn val="2"/>
-                        </p:cond>
-                      </p:stCondLst>
-                      <p:childTnLst>
-                        <p:par>
-                          <p:cTn id="4" fill="hold">
-                            <p:stCondLst>
-                              <p:cond delay="0"/>
-                            </p:stCondLst>
-                            <p:childTnLst>
-                              <p:par>
-                                <p:cTn id="5" presetID="1" presetClass="mediacall" presetSubtype="0" fill="hold" nodeType="afterEffect">
-                                  <p:stCondLst>
-                                    <p:cond delay="0"/>
-                                  </p:stCondLst>
-                                  <p:childTnLst>
-                                    <p:cmd type="call" cmd="playFrom(0.0)">
-                                      <p:cBhvr>
-                                        <p:cTn id="6" dur="2361" fill="hold"/>
-                                        <p:tgtEl>
-                                          <p:spTgt spid="4"/>
-                                        </p:tgtEl>
-                                      </p:cBhvr>
-                                    </p:cmd>
-                                  </p:childTnLst>
-                                </p:cTn>
-                              </p:par>
-                            </p:childTnLst>
-                          </p:cTn>
-                        </p:par>
-                      </p:childTnLst>
-                    </p:cTn>
-                  </p:par>
-                </p:childTnLst>
-              </p:cTn>
-              <p:prevCondLst>
-                <p:cond evt="onPrev" delay="0">
-                  <p:tgtEl>
-                    <p:sldTgt/>
-                  </p:tgtEl>
-                </p:cond>
-              </p:prevCondLst>
-              <p:nextCondLst>
-                <p:cond evt="onNext" delay="0">
-                  <p:tgtEl>
-                    <p:sldTgt/>
-                  </p:tgtEl>
-                </p:cond>
-              </p:nextCondLst>
-            </p:seq>
-            <p:audio>
-              <p:cMediaNode vol="80000" showWhenStopped="0">
-                <p:cTn id="7" fill="hold" display="0">
-                  <p:stCondLst>
-                    <p:cond delay="indefinite"/>
-                  </p:stCondLst>
-                  <p:endCondLst>
-                    <p:cond evt="onStopAudio" delay="0">
-                      <p:tgtEl>
-                        <p:sldTgt/>
-                      </p:tgtEl>
-                    </p:cond>
-                  </p:endCondLst>
-                </p:cTn>
-                <p:tgtEl>
-                  <p:spTgt spid="4"/>
-                </p:tgtEl>
-              </p:cMediaNode>
-            </p:audio>
-          </p:childTnLst>
-        </p:cTn>
-      </p:par>
-    </p:tnLst>
-  </p:timing>
 </p:sld>
 </file>
 
@@ -23571,44 +23446,6 @@
           </a:fontRef>
         </p:style>
       </p:cxnSp>
-      <p:pic>
-        <p:nvPicPr>
-          <p:cNvPr id="5" name="mario-end">
-            <a:hlinkClick r:id="" action="ppaction://media"/>
-            <a:extLst>
-              <a:ext uri="{FF2B5EF4-FFF2-40B4-BE49-F238E27FC236}">
-                <a16:creationId xmlns:a16="http://schemas.microsoft.com/office/drawing/2014/main" id="{81106E6E-145A-4D99-B520-20556078FE9F}"/>
-              </a:ext>
-            </a:extLst>
-          </p:cNvPr>
-          <p:cNvPicPr>
-            <a:picLocks noChangeAspect="1"/>
-          </p:cNvPicPr>
-          <p:nvPr>
-            <a:audioFile r:link="rId2"/>
-            <p:extLst>
-              <p:ext uri="{DAA4B4D4-6D71-4841-9C94-3DE7FCFB9230}">
-                <p14:media xmlns:p14="http://schemas.microsoft.com/office/powerpoint/2010/main" r:embed="rId1"/>
-              </p:ext>
-            </p:extLst>
-          </p:nvPr>
-        </p:nvPicPr>
-        <p:blipFill>
-          <a:blip r:embed="rId4"/>
-          <a:stretch>
-            <a:fillRect/>
-          </a:stretch>
-        </p:blipFill>
-        <p:spPr>
-          <a:xfrm>
-            <a:off x="10930622" y="5736631"/>
-            <a:ext cx="609600" cy="609600"/>
-          </a:xfrm>
-          <a:prstGeom prst="rect">
-            <a:avLst/>
-          </a:prstGeom>
-        </p:spPr>
-      </p:pic>
     </p:spTree>
     <p:extLst>
       <p:ext uri="{BB962C8B-B14F-4D97-AF65-F5344CB8AC3E}">
@@ -23619,93 +23456,6 @@
   <p:clrMapOvr>
     <a:masterClrMapping/>
   </p:clrMapOvr>
-  <p:timing>
-    <p:tnLst>
-      <p:par>
-        <p:cTn id="1" dur="indefinite" restart="never" nodeType="tmRoot">
-          <p:childTnLst>
-            <p:seq concurrent="1" nextAc="seek">
-              <p:cTn id="2" dur="indefinite" nodeType="mainSeq">
-                <p:childTnLst>
-                  <p:par>
-                    <p:cTn id="3" fill="hold">
-                      <p:stCondLst>
-                        <p:cond delay="indefinite"/>
-                        <p:cond evt="onBegin" delay="0">
-                          <p:tn val="2"/>
-                        </p:cond>
-                      </p:stCondLst>
-                      <p:childTnLst>
-                        <p:par>
-                          <p:cTn id="4" fill="hold">
-                            <p:stCondLst>
-                              <p:cond delay="0"/>
-                            </p:stCondLst>
-                            <p:childTnLst>
-                              <p:par>
-                                <p:cTn id="5" presetID="1" presetClass="mediacall" presetSubtype="0" fill="hold" nodeType="afterEffect">
-                                  <p:stCondLst>
-                                    <p:cond delay="0"/>
-                                  </p:stCondLst>
-                                  <p:childTnLst>
-                                    <p:cmd type="call" cmd="playFrom(0.0)">
-                                      <p:cBhvr>
-                                        <p:cTn id="6" dur="3791" fill="hold"/>
-                                        <p:tgtEl>
-                                          <p:spTgt spid="5"/>
-                                        </p:tgtEl>
-                                      </p:cBhvr>
-                                    </p:cmd>
-                                  </p:childTnLst>
-                                </p:cTn>
-                              </p:par>
-                            </p:childTnLst>
-                          </p:cTn>
-                        </p:par>
-                      </p:childTnLst>
-                    </p:cTn>
-                  </p:par>
-                </p:childTnLst>
-              </p:cTn>
-              <p:prevCondLst>
-                <p:cond evt="onPrev" delay="0">
-                  <p:tgtEl>
-                    <p:sldTgt/>
-                  </p:tgtEl>
-                </p:cond>
-              </p:prevCondLst>
-              <p:nextCondLst>
-                <p:cond evt="onNext" delay="0">
-                  <p:tgtEl>
-                    <p:sldTgt/>
-                  </p:tgtEl>
-                </p:cond>
-              </p:nextCondLst>
-            </p:seq>
-            <p:audio>
-              <p:cMediaNode vol="80000" showWhenStopped="0">
-                <p:cTn id="7" fill="hold" display="0">
-                  <p:stCondLst>
-                    <p:cond delay="indefinite"/>
-                  </p:stCondLst>
-                  <p:endCondLst>
-                    <p:cond evt="onStopAudio" delay="0">
-                      <p:tgtEl>
-                        <p:sldTgt/>
-                      </p:tgtEl>
-                    </p:cond>
-                  </p:endCondLst>
-                </p:cTn>
-                <p:tgtEl>
-                  <p:spTgt spid="5"/>
-                </p:tgtEl>
-              </p:cMediaNode>
-            </p:audio>
-          </p:childTnLst>
-        </p:cTn>
-      </p:par>
-    </p:tnLst>
-  </p:timing>
 </p:sld>
 </file>
 
@@ -27683,6 +27433,9 @@
                 <a:buSzPct val="80000"/>
               </a:pPr>
               <a:endParaRPr lang="en-GB" sz="1799" kern="0" dirty="0" err="1">
+                <a:solidFill>
+                  <a:schemeClr val="tx1"/>
+                </a:solidFill>
                 <a:ea typeface="Arial Unicode MS" pitchFamily="34" charset="-128"/>
                 <a:cs typeface="Arial Unicode MS" pitchFamily="34" charset="-128"/>
               </a:endParaRPr>
@@ -27747,6 +27500,9 @@
                 <a:buSzPct val="80000"/>
               </a:pPr>
               <a:endParaRPr lang="en-GB" sz="1799" kern="0" dirty="0" err="1">
+                <a:solidFill>
+                  <a:schemeClr val="tx1"/>
+                </a:solidFill>
                 <a:ea typeface="Arial Unicode MS" pitchFamily="34" charset="-128"/>
                 <a:cs typeface="Arial Unicode MS" pitchFamily="34" charset="-128"/>
               </a:endParaRPr>
@@ -27778,9 +27534,6 @@
               <a:pPr algn="ctr"/>
               <a:r>
                 <a:rPr lang="en-US" sz="1799" b="1" dirty="0">
-                  <a:solidFill>
-                    <a:prstClr val="black"/>
-                  </a:solidFill>
                   <a:latin typeface="Calibri" panose="020F0502020204030204"/>
                 </a:rPr>
                 <a:t>Management Vector</a:t>
@@ -27790,9 +27543,6 @@
               <a:pPr algn="ctr"/>
               <a:r>
                 <a:rPr lang="en-US" sz="1799" b="1" dirty="0">
-                  <a:solidFill>
-                    <a:prstClr val="black"/>
-                  </a:solidFill>
                   <a:latin typeface="Calibri" panose="020F0502020204030204"/>
                 </a:rPr>
                 <a:t>into all</a:t>
@@ -27802,9 +27552,6 @@
               <a:pPr algn="ctr"/>
               <a:r>
                 <a:rPr lang="en-US" sz="1799" b="1" dirty="0">
-                  <a:solidFill>
-                    <a:prstClr val="black"/>
-                  </a:solidFill>
                   <a:latin typeface="Calibri" panose="020F0502020204030204"/>
                 </a:rPr>
                 <a:t>Control Planes</a:t>
@@ -27873,9 +27620,6 @@
           <a:p>
             <a:r>
               <a:rPr lang="en-US" sz="1799">
-                <a:solidFill>
-                  <a:prstClr val="black"/>
-                </a:solidFill>
                 <a:latin typeface="Calibri" panose="020F0502020204030204"/>
               </a:rPr>
               <a:t>Seed Cluster</a:t>
@@ -27915,9 +27659,6 @@
               <a:defRPr/>
             </a:pPr>
             <a:endParaRPr lang="en-US" sz="1799" kern="0">
-              <a:solidFill>
-                <a:prstClr val="white"/>
-              </a:solidFill>
               <a:latin typeface="Calibri" panose="020F0502020204030204"/>
               <a:ea typeface=""/>
               <a:cs typeface=""/>
@@ -27962,9 +27703,6 @@
             </a:pPr>
             <a:r>
               <a:rPr lang="en-US" sz="800" kern="0">
-                <a:solidFill>
-                  <a:prstClr val="white"/>
-                </a:solidFill>
                 <a:latin typeface="Calibri" panose="020F0502020204030204"/>
                 <a:ea typeface=""/>
                 <a:cs typeface=""/>
@@ -28011,9 +27749,6 @@
             </a:pPr>
             <a:r>
               <a:rPr lang="en-US" sz="800" kern="0">
-                <a:solidFill>
-                  <a:prstClr val="white"/>
-                </a:solidFill>
                 <a:latin typeface="Calibri" panose="020F0502020204030204"/>
                 <a:ea typeface=""/>
                 <a:cs typeface=""/>
@@ -28060,9 +27795,6 @@
             </a:pPr>
             <a:r>
               <a:rPr lang="en-US" sz="800" kern="0">
-                <a:solidFill>
-                  <a:prstClr val="white"/>
-                </a:solidFill>
                 <a:latin typeface="Calibri" panose="020F0502020204030204"/>
                 <a:ea typeface=""/>
                 <a:cs typeface=""/>
@@ -28109,9 +27841,6 @@
             </a:pPr>
             <a:r>
               <a:rPr lang="en-US" sz="800" kern="0">
-                <a:solidFill>
-                  <a:prstClr val="white"/>
-                </a:solidFill>
                 <a:latin typeface="Calibri" panose="020F0502020204030204"/>
                 <a:ea typeface=""/>
                 <a:cs typeface=""/>
@@ -28158,9 +27887,6 @@
             </a:pPr>
             <a:r>
               <a:rPr lang="en-US" sz="800" kern="0">
-                <a:solidFill>
-                  <a:prstClr val="white"/>
-                </a:solidFill>
                 <a:latin typeface="Calibri" panose="020F0502020204030204"/>
                 <a:ea typeface=""/>
                 <a:cs typeface=""/>
@@ -28207,9 +27933,6 @@
             </a:pPr>
             <a:r>
               <a:rPr lang="en-US" sz="800" kern="0">
-                <a:solidFill>
-                  <a:prstClr val="white"/>
-                </a:solidFill>
                 <a:latin typeface="Calibri" panose="020F0502020204030204"/>
                 <a:ea typeface=""/>
                 <a:cs typeface=""/>
@@ -28256,9 +27979,6 @@
             </a:pPr>
             <a:r>
               <a:rPr lang="en-US" sz="800" kern="0">
-                <a:solidFill>
-                  <a:prstClr val="white"/>
-                </a:solidFill>
                 <a:latin typeface="Calibri" panose="020F0502020204030204"/>
                 <a:ea typeface=""/>
                 <a:cs typeface=""/>
@@ -28292,9 +28012,6 @@
           <a:p>
             <a:r>
               <a:rPr lang="en-US" sz="1799">
-                <a:solidFill>
-                  <a:prstClr val="black"/>
-                </a:solidFill>
                 <a:latin typeface="Calibri" panose="020F0502020204030204"/>
               </a:rPr>
               <a:t>HA</a:t>
@@ -28336,9 +28053,6 @@
               <a:defRPr/>
             </a:pPr>
             <a:endParaRPr lang="en-US" sz="1799" kern="0">
-              <a:solidFill>
-                <a:prstClr val="white"/>
-              </a:solidFill>
               <a:latin typeface="Calibri" panose="020F0502020204030204"/>
               <a:ea typeface=""/>
               <a:cs typeface=""/>
@@ -28383,9 +28097,6 @@
             </a:pPr>
             <a:r>
               <a:rPr lang="en-US" sz="800" kern="0">
-                <a:solidFill>
-                  <a:prstClr val="white"/>
-                </a:solidFill>
                 <a:latin typeface="Calibri" panose="020F0502020204030204"/>
                 <a:ea typeface=""/>
                 <a:cs typeface=""/>
@@ -28419,9 +28130,6 @@
           <a:p>
             <a:r>
               <a:rPr lang="en-US" sz="1799">
-                <a:solidFill>
-                  <a:prstClr val="black"/>
-                </a:solidFill>
                 <a:latin typeface="Calibri" panose="020F0502020204030204"/>
               </a:rPr>
               <a:t>Shoot Clusters</a:t>
@@ -28466,9 +28174,6 @@
             </a:pPr>
             <a:r>
               <a:rPr lang="en-US" sz="800" kern="0">
-                <a:solidFill>
-                  <a:prstClr val="white"/>
-                </a:solidFill>
                 <a:latin typeface="Calibri" panose="020F0502020204030204"/>
                 <a:ea typeface=""/>
                 <a:cs typeface=""/>
@@ -28515,9 +28220,6 @@
             </a:pPr>
             <a:r>
               <a:rPr lang="en-US" sz="800" kern="0">
-                <a:solidFill>
-                  <a:prstClr val="white"/>
-                </a:solidFill>
                 <a:latin typeface="Calibri" panose="020F0502020204030204"/>
                 <a:ea typeface=""/>
                 <a:cs typeface=""/>
@@ -28559,9 +28261,6 @@
               <a:defRPr/>
             </a:pPr>
             <a:endParaRPr lang="en-US" sz="1799" kern="0">
-              <a:solidFill>
-                <a:prstClr val="white"/>
-              </a:solidFill>
               <a:latin typeface="Calibri" panose="020F0502020204030204"/>
               <a:ea typeface=""/>
               <a:cs typeface=""/>
@@ -28606,9 +28305,6 @@
             </a:pPr>
             <a:r>
               <a:rPr lang="en-US" sz="800" kern="0">
-                <a:solidFill>
-                  <a:prstClr val="white"/>
-                </a:solidFill>
                 <a:latin typeface="Calibri" panose="020F0502020204030204"/>
                 <a:ea typeface=""/>
                 <a:cs typeface=""/>
@@ -28655,9 +28351,6 @@
             </a:pPr>
             <a:r>
               <a:rPr lang="en-US" sz="800" kern="0" dirty="0">
-                <a:solidFill>
-                  <a:prstClr val="white"/>
-                </a:solidFill>
                 <a:latin typeface="Calibri" panose="020F0502020204030204"/>
                 <a:ea typeface=""/>
                 <a:cs typeface=""/>
@@ -28704,9 +28397,6 @@
             </a:pPr>
             <a:r>
               <a:rPr lang="en-US" sz="800" kern="0">
-                <a:solidFill>
-                  <a:prstClr val="white"/>
-                </a:solidFill>
                 <a:latin typeface="Calibri" panose="020F0502020204030204"/>
                 <a:ea typeface=""/>
                 <a:cs typeface=""/>
@@ -28748,9 +28438,6 @@
               <a:defRPr/>
             </a:pPr>
             <a:endParaRPr lang="en-US" sz="1799" kern="0">
-              <a:solidFill>
-                <a:prstClr val="white"/>
-              </a:solidFill>
               <a:latin typeface="Calibri" panose="020F0502020204030204"/>
               <a:ea typeface=""/>
               <a:cs typeface=""/>
@@ -28795,9 +28482,6 @@
             </a:pPr>
             <a:r>
               <a:rPr lang="en-US" sz="800" kern="0">
-                <a:solidFill>
-                  <a:prstClr val="white"/>
-                </a:solidFill>
                 <a:latin typeface="Calibri" panose="020F0502020204030204"/>
                 <a:ea typeface=""/>
                 <a:cs typeface=""/>
@@ -28844,9 +28528,6 @@
             </a:pPr>
             <a:r>
               <a:rPr lang="en-US" sz="800" kern="0">
-                <a:solidFill>
-                  <a:prstClr val="white"/>
-                </a:solidFill>
                 <a:latin typeface="Calibri" panose="020F0502020204030204"/>
                 <a:ea typeface=""/>
                 <a:cs typeface=""/>
@@ -28888,9 +28569,6 @@
               <a:defRPr/>
             </a:pPr>
             <a:endParaRPr lang="en-US" sz="1799" kern="0">
-              <a:solidFill>
-                <a:prstClr val="white"/>
-              </a:solidFill>
               <a:latin typeface="Calibri" panose="020F0502020204030204"/>
               <a:ea typeface=""/>
               <a:cs typeface=""/>
@@ -28935,9 +28613,6 @@
             </a:pPr>
             <a:r>
               <a:rPr lang="en-US" sz="800" kern="0">
-                <a:solidFill>
-                  <a:prstClr val="white"/>
-                </a:solidFill>
                 <a:latin typeface="Calibri" panose="020F0502020204030204"/>
                 <a:ea typeface=""/>
                 <a:cs typeface=""/>
@@ -28984,9 +28659,6 @@
             </a:pPr>
             <a:r>
               <a:rPr lang="en-US" sz="800" kern="0">
-                <a:solidFill>
-                  <a:prstClr val="white"/>
-                </a:solidFill>
                 <a:latin typeface="Calibri" panose="020F0502020204030204"/>
                 <a:ea typeface=""/>
                 <a:cs typeface=""/>
@@ -29028,9 +28700,6 @@
               <a:defRPr/>
             </a:pPr>
             <a:endParaRPr lang="en-US" sz="1799" kern="0">
-              <a:solidFill>
-                <a:prstClr val="white"/>
-              </a:solidFill>
               <a:latin typeface="Calibri" panose="020F0502020204030204"/>
               <a:ea typeface=""/>
               <a:cs typeface=""/>
@@ -29075,9 +28744,6 @@
             </a:pPr>
             <a:r>
               <a:rPr lang="en-US" sz="800" kern="0">
-                <a:solidFill>
-                  <a:prstClr val="white"/>
-                </a:solidFill>
                 <a:latin typeface="Calibri" panose="020F0502020204030204"/>
                 <a:ea typeface=""/>
                 <a:cs typeface=""/>
@@ -29137,9 +28803,6 @@
           <a:p>
             <a:r>
               <a:rPr lang="en-US" sz="1799" dirty="0">
-                <a:solidFill>
-                  <a:prstClr val="black"/>
-                </a:solidFill>
                 <a:latin typeface="Calibri" panose="020F0502020204030204"/>
               </a:rPr>
               <a:t>manages</a:t>
@@ -29262,9 +28925,6 @@
             </a:pPr>
             <a:r>
               <a:rPr lang="en-US" sz="1799" kern="0">
-                <a:solidFill>
-                  <a:prstClr val="white"/>
-                </a:solidFill>
                 <a:latin typeface="Calibri" panose="020F0502020204030204"/>
                 <a:ea typeface=""/>
                 <a:cs typeface=""/>
@@ -29298,9 +28958,6 @@
           <a:p>
             <a:r>
               <a:rPr lang="en-US" sz="1799" b="1" dirty="0">
-                <a:solidFill>
-                  <a:prstClr val="black"/>
-                </a:solidFill>
                 <a:latin typeface="Calibri" panose="020F0502020204030204"/>
               </a:rPr>
               <a:t>Think outside the box /</a:t>
@@ -29309,9 +28966,6 @@
           <a:p>
             <a:r>
               <a:rPr lang="en-US" sz="1799" b="1" dirty="0">
-                <a:solidFill>
-                  <a:prstClr val="black"/>
-                </a:solidFill>
                 <a:latin typeface="Calibri" panose="020F0502020204030204"/>
               </a:rPr>
               <a:t>Move outside the box!</a:t>
@@ -29354,11 +29008,6 @@
             </a:pPr>
             <a:r>
               <a:rPr lang="en-US" sz="1799" kern="0">
-                <a:solidFill>
-                  <a:prstClr val="white">
-                    <a:lumMod val="75000"/>
-                  </a:prstClr>
-                </a:solidFill>
                 <a:latin typeface="Calibri" panose="020F0502020204030204"/>
                 <a:ea typeface=""/>
                 <a:cs typeface=""/>
@@ -29405,9 +29054,6 @@
             </a:pPr>
             <a:r>
               <a:rPr lang="en-US" sz="1799" kern="0">
-                <a:solidFill>
-                  <a:prstClr val="white"/>
-                </a:solidFill>
                 <a:latin typeface="Calibri" panose="020F0502020204030204"/>
                 <a:ea typeface=""/>
                 <a:cs typeface=""/>
@@ -29454,9 +29100,6 @@
             </a:pPr>
             <a:r>
               <a:rPr lang="en-US" sz="1799" kern="0">
-                <a:solidFill>
-                  <a:prstClr val="white"/>
-                </a:solidFill>
                 <a:latin typeface="Calibri" panose="020F0502020204030204"/>
                 <a:ea typeface=""/>
                 <a:cs typeface=""/>
@@ -29503,9 +29146,6 @@
             </a:pPr>
             <a:r>
               <a:rPr lang="en-US" sz="1799" kern="0">
-                <a:solidFill>
-                  <a:prstClr val="white"/>
-                </a:solidFill>
                 <a:latin typeface="Calibri" panose="020F0502020204030204"/>
                 <a:ea typeface=""/>
                 <a:cs typeface=""/>
@@ -29550,11 +29190,6 @@
             </a:pPr>
             <a:r>
               <a:rPr lang="en-US" sz="1799" kern="0">
-                <a:solidFill>
-                  <a:prstClr val="white">
-                    <a:lumMod val="75000"/>
-                  </a:prstClr>
-                </a:solidFill>
                 <a:latin typeface="Calibri" panose="020F0502020204030204"/>
                 <a:ea typeface=""/>
                 <a:cs typeface=""/>
@@ -29599,11 +29234,6 @@
             </a:pPr>
             <a:r>
               <a:rPr lang="en-US" sz="1799" kern="0">
-                <a:solidFill>
-                  <a:prstClr val="white">
-                    <a:lumMod val="75000"/>
-                  </a:prstClr>
-                </a:solidFill>
                 <a:latin typeface="Calibri" panose="020F0502020204030204"/>
                 <a:ea typeface=""/>
                 <a:cs typeface=""/>
@@ -29648,11 +29278,6 @@
             </a:pPr>
             <a:r>
               <a:rPr lang="en-US" sz="1799" kern="0">
-                <a:solidFill>
-                  <a:prstClr val="white">
-                    <a:lumMod val="75000"/>
-                  </a:prstClr>
-                </a:solidFill>
                 <a:latin typeface="Calibri" panose="020F0502020204030204"/>
                 <a:ea typeface=""/>
                 <a:cs typeface=""/>
@@ -29697,11 +29322,6 @@
             </a:pPr>
             <a:r>
               <a:rPr lang="en-US" sz="1799" kern="0">
-                <a:solidFill>
-                  <a:prstClr val="white">
-                    <a:lumMod val="75000"/>
-                  </a:prstClr>
-                </a:solidFill>
                 <a:latin typeface="Calibri" panose="020F0502020204030204"/>
                 <a:ea typeface=""/>
                 <a:cs typeface=""/>
@@ -29735,22 +29355,12 @@
           <a:p>
             <a:r>
               <a:rPr lang="mr-IN" sz="1799">
-                <a:solidFill>
-                  <a:prstClr val="white">
-                    <a:lumMod val="75000"/>
-                  </a:prstClr>
-                </a:solidFill>
                 <a:latin typeface="Calibri" panose="020F0502020204030204"/>
                 <a:cs typeface="Mangal" charset="0"/>
               </a:rPr>
               <a:t>…</a:t>
             </a:r>
             <a:endParaRPr lang="en-US" sz="1799">
-              <a:solidFill>
-                <a:prstClr val="white">
-                  <a:lumMod val="75000"/>
-                </a:prstClr>
-              </a:solidFill>
               <a:latin typeface="Calibri" panose="020F0502020204030204"/>
             </a:endParaRPr>
           </a:p>
@@ -29873,9 +29483,6 @@
             </a:pPr>
             <a:r>
               <a:rPr lang="en-US" sz="1799" kern="0">
-                <a:solidFill>
-                  <a:prstClr val="white"/>
-                </a:solidFill>
                 <a:latin typeface="Calibri" panose="020F0502020204030204"/>
                 <a:ea typeface=""/>
                 <a:cs typeface=""/>
@@ -29917,9 +29524,6 @@
               <a:defRPr/>
             </a:pPr>
             <a:endParaRPr lang="en-US" sz="1799" kern="0">
-              <a:solidFill>
-                <a:prstClr val="white"/>
-              </a:solidFill>
               <a:latin typeface="Calibri" panose="020F0502020204030204"/>
               <a:ea typeface=""/>
               <a:cs typeface=""/>
@@ -29964,9 +29568,6 @@
             </a:pPr>
             <a:r>
               <a:rPr lang="en-US" sz="800" kern="0" dirty="0">
-                <a:solidFill>
-                  <a:prstClr val="white"/>
-                </a:solidFill>
                 <a:latin typeface="Calibri" panose="020F0502020204030204"/>
                 <a:ea typeface=""/>
                 <a:cs typeface=""/>
@@ -30013,9 +29614,6 @@
             </a:pPr>
             <a:r>
               <a:rPr lang="en-US" sz="800" kern="0">
-                <a:solidFill>
-                  <a:prstClr val="white"/>
-                </a:solidFill>
                 <a:latin typeface="Calibri" panose="020F0502020204030204"/>
                 <a:ea typeface=""/>
                 <a:cs typeface=""/>
@@ -30049,9 +29647,6 @@
           <a:p>
             <a:r>
               <a:rPr lang="en-US" sz="1400" b="1" dirty="0">
-                <a:solidFill>
-                  <a:prstClr val="black"/>
-                </a:solidFill>
                 <a:latin typeface="Calibri" panose="020F0502020204030204"/>
               </a:rPr>
               <a:t>Auto-scaling via native</a:t>
@@ -30060,18 +29655,12 @@
           <a:p>
             <a:r>
               <a:rPr lang="en-US" sz="1400" b="1" dirty="0" err="1">
-                <a:solidFill>
-                  <a:prstClr val="black"/>
-                </a:solidFill>
                 <a:latin typeface="Calibri" panose="020F0502020204030204"/>
               </a:rPr>
               <a:t>hyperscale</a:t>
             </a:r>
             <a:r>
               <a:rPr lang="en-US" sz="1400" b="1" dirty="0">
-                <a:solidFill>
-                  <a:prstClr val="black"/>
-                </a:solidFill>
                 <a:latin typeface="Calibri" panose="020F0502020204030204"/>
               </a:rPr>
               <a:t> provider service</a:t>
@@ -30080,9 +29669,6 @@
           <a:p>
             <a:r>
               <a:rPr lang="en-US" sz="1400" b="1" dirty="0">
-                <a:solidFill>
-                  <a:prstClr val="black"/>
-                </a:solidFill>
                 <a:latin typeface="Calibri" panose="020F0502020204030204"/>
               </a:rPr>
               <a:t>or controller on bare metal</a:t>

--- a/kubernetes/11_administration.pptx
+++ b/kubernetes/11_administration.pptx
@@ -17747,11 +17747,18 @@
               <a:buSzPct val="80000"/>
             </a:pPr>
             <a:r>
+              <a:rPr lang="de-DE" sz="2400" b="1" kern="0" dirty="0" err="1">
+                <a:ea typeface="Arial Unicode MS" pitchFamily="34" charset="-128"/>
+                <a:cs typeface="Arial Unicode MS" pitchFamily="34" charset="-128"/>
+              </a:rPr>
+              <a:t>Node</a:t>
+            </a:r>
+            <a:r>
               <a:rPr lang="de-DE" sz="2400" b="1" kern="0" dirty="0">
                 <a:ea typeface="Arial Unicode MS" pitchFamily="34" charset="-128"/>
                 <a:cs typeface="Arial Unicode MS" pitchFamily="34" charset="-128"/>
               </a:rPr>
-              <a:t>Worker A</a:t>
+              <a:t> A</a:t>
             </a:r>
           </a:p>
         </p:txBody>
@@ -17902,11 +17909,18 @@
               <a:buSzPct val="80000"/>
             </a:pPr>
             <a:r>
+              <a:rPr lang="de-DE" sz="2400" b="1" kern="0" dirty="0" err="1">
+                <a:ea typeface="Arial Unicode MS" pitchFamily="34" charset="-128"/>
+                <a:cs typeface="Arial Unicode MS" pitchFamily="34" charset="-128"/>
+              </a:rPr>
+              <a:t>Node</a:t>
+            </a:r>
+            <a:r>
               <a:rPr lang="de-DE" sz="2400" b="1" kern="0" dirty="0">
                 <a:ea typeface="Arial Unicode MS" pitchFamily="34" charset="-128"/>
                 <a:cs typeface="Arial Unicode MS" pitchFamily="34" charset="-128"/>
               </a:rPr>
-              <a:t>Worker B</a:t>
+              <a:t> B</a:t>
             </a:r>
           </a:p>
         </p:txBody>
@@ -18357,11 +18371,18 @@
               <a:buSzPct val="80000"/>
             </a:pPr>
             <a:r>
+              <a:rPr lang="de-DE" sz="2400" b="1" kern="0" dirty="0" err="1">
+                <a:ea typeface="Arial Unicode MS" pitchFamily="34" charset="-128"/>
+                <a:cs typeface="Arial Unicode MS" pitchFamily="34" charset="-128"/>
+              </a:rPr>
+              <a:t>Node</a:t>
+            </a:r>
+            <a:r>
               <a:rPr lang="de-DE" sz="2400" b="1" kern="0" dirty="0">
                 <a:ea typeface="Arial Unicode MS" pitchFamily="34" charset="-128"/>
                 <a:cs typeface="Arial Unicode MS" pitchFamily="34" charset="-128"/>
               </a:rPr>
-              <a:t>Worker C</a:t>
+              <a:t> C</a:t>
             </a:r>
           </a:p>
         </p:txBody>

--- a/kubernetes/11_administration.pptx
+++ b/kubernetes/11_administration.pptx
@@ -5,10 +5,10 @@
     <p:sldMasterId id="2147483733" r:id="rId1"/>
   </p:sldMasterIdLst>
   <p:notesMasterIdLst>
-    <p:notesMasterId r:id="rId27"/>
+    <p:notesMasterId r:id="rId28"/>
   </p:notesMasterIdLst>
   <p:handoutMasterIdLst>
-    <p:handoutMasterId r:id="rId28"/>
+    <p:handoutMasterId r:id="rId29"/>
   </p:handoutMasterIdLst>
   <p:sldIdLst>
     <p:sldId id="433" r:id="rId2"/>
@@ -22,20 +22,21 @@
     <p:sldId id="454" r:id="rId10"/>
     <p:sldId id="450" r:id="rId11"/>
     <p:sldId id="462" r:id="rId12"/>
-    <p:sldId id="469" r:id="rId13"/>
-    <p:sldId id="471" r:id="rId14"/>
-    <p:sldId id="459" r:id="rId15"/>
-    <p:sldId id="446" r:id="rId16"/>
-    <p:sldId id="467" r:id="rId17"/>
-    <p:sldId id="458" r:id="rId18"/>
-    <p:sldId id="470" r:id="rId19"/>
-    <p:sldId id="457" r:id="rId20"/>
-    <p:sldId id="456" r:id="rId21"/>
-    <p:sldId id="468" r:id="rId22"/>
-    <p:sldId id="449" r:id="rId23"/>
-    <p:sldId id="460" r:id="rId24"/>
-    <p:sldId id="461" r:id="rId25"/>
-    <p:sldId id="265" r:id="rId26"/>
+    <p:sldId id="472" r:id="rId13"/>
+    <p:sldId id="469" r:id="rId14"/>
+    <p:sldId id="471" r:id="rId15"/>
+    <p:sldId id="459" r:id="rId16"/>
+    <p:sldId id="446" r:id="rId17"/>
+    <p:sldId id="467" r:id="rId18"/>
+    <p:sldId id="458" r:id="rId19"/>
+    <p:sldId id="470" r:id="rId20"/>
+    <p:sldId id="457" r:id="rId21"/>
+    <p:sldId id="456" r:id="rId22"/>
+    <p:sldId id="468" r:id="rId23"/>
+    <p:sldId id="449" r:id="rId24"/>
+    <p:sldId id="460" r:id="rId25"/>
+    <p:sldId id="461" r:id="rId26"/>
+    <p:sldId id="265" r:id="rId27"/>
   </p:sldIdLst>
   <p:sldSz cx="12195175" cy="6858000"/>
   <p:notesSz cx="6858000" cy="9144000"/>
@@ -793,9 +794,177 @@
         </p:nvSpPr>
         <p:spPr/>
         <p:txBody>
-          <a:bodyPr/>
+          <a:bodyPr>
+            <a:normAutofit/>
+          </a:bodyPr>
           <a:lstStyle/>
           <a:p>
+            <a:pPr marL="0" lvl="0" indent="0">
+              <a:buFontTx/>
+              <a:buNone/>
+            </a:pPr>
+            <a:r>
+              <a:rPr lang="en-US" dirty="0"/>
+              <a:t>Custom scheduler - this Demo is optional!</a:t>
+            </a:r>
+          </a:p>
+          <a:p>
+            <a:pPr marL="0" lvl="0" indent="0">
+              <a:buFontTx/>
+              <a:buNone/>
+            </a:pPr>
+            <a:endParaRPr lang="en-US" dirty="0"/>
+          </a:p>
+          <a:p>
+            <a:pPr marL="0" lvl="0" indent="0">
+              <a:buFontTx/>
+              <a:buNone/>
+            </a:pPr>
+            <a:r>
+              <a:rPr lang="en-US" dirty="0"/>
+              <a:t>If regular scheduling doesn’t fit to your requirements, you can build a custom scheduler. </a:t>
+            </a:r>
+          </a:p>
+          <a:p>
+            <a:pPr marL="0" lvl="0" indent="0">
+              <a:buFontTx/>
+              <a:buNone/>
+            </a:pPr>
+            <a:r>
+              <a:rPr lang="en-US" dirty="0"/>
+              <a:t>All you need is to</a:t>
+            </a:r>
+          </a:p>
+          <a:p>
+            <a:pPr marL="285750" lvl="0" indent="-285750">
+              <a:buFontTx/>
+              <a:buChar char="-"/>
+            </a:pPr>
+            <a:r>
+              <a:rPr lang="en-US" dirty="0"/>
+              <a:t>a name the scheduler can be referenced by</a:t>
+            </a:r>
+          </a:p>
+          <a:p>
+            <a:pPr marL="285750" lvl="0" indent="-285750">
+              <a:buFontTx/>
+              <a:buChar char="-"/>
+            </a:pPr>
+            <a:r>
+              <a:rPr lang="en-US" dirty="0"/>
+              <a:t>A control loop watching the API for unscheduled pods referencing the scheduler by name</a:t>
+            </a:r>
+          </a:p>
+          <a:p>
+            <a:pPr marL="285750" lvl="0" indent="-285750">
+              <a:buFontTx/>
+              <a:buChar char="-"/>
+            </a:pPr>
+            <a:r>
+              <a:rPr lang="en-US" dirty="0"/>
+              <a:t>Access to the cluster API to run the loop and post the bindings</a:t>
+            </a:r>
+          </a:p>
+          <a:p>
+            <a:pPr marL="285750" lvl="0" indent="-285750">
+              <a:buFontTx/>
+              <a:buChar char="-"/>
+            </a:pPr>
+            <a:endParaRPr lang="en-US" dirty="0"/>
+          </a:p>
+          <a:p>
+            <a:pPr marL="0" lvl="0" indent="0">
+              <a:buFontTx/>
+              <a:buNone/>
+            </a:pPr>
+            <a:r>
+              <a:rPr lang="en-US" dirty="0"/>
+              <a:t>Demo :</a:t>
+            </a:r>
+          </a:p>
+          <a:p>
+            <a:pPr marL="285750" lvl="0" indent="-285750">
+              <a:buFontTx/>
+              <a:buChar char="-"/>
+            </a:pPr>
+            <a:r>
+              <a:rPr lang="en-US" dirty="0" err="1"/>
+              <a:t>kubectl</a:t>
+            </a:r>
+            <a:r>
+              <a:rPr lang="en-US" dirty="0"/>
+              <a:t> proxy &amp;</a:t>
+            </a:r>
+          </a:p>
+          <a:p>
+            <a:pPr marL="285750" lvl="0" indent="-285750">
+              <a:buFontTx/>
+              <a:buChar char="-"/>
+            </a:pPr>
+            <a:r>
+              <a:rPr lang="en-US" dirty="0"/>
+              <a:t>Create the deployment 11d_custom_scheduler_deployment.yaml</a:t>
+            </a:r>
+          </a:p>
+          <a:p>
+            <a:pPr marL="285750" lvl="0" indent="-285750">
+              <a:buFontTx/>
+              <a:buChar char="-"/>
+            </a:pPr>
+            <a:r>
+              <a:rPr lang="en-US" dirty="0"/>
+              <a:t>Show the pod with the specified scheduler name &amp; run a “describe” on it. Highlight the missing default scheduling event </a:t>
+            </a:r>
+            <a:r>
+              <a:rPr lang="en-US" dirty="0">
+                <a:sym typeface="Wingdings" panose="05000000000000000000" pitchFamily="2" charset="2"/>
+              </a:rPr>
+              <a:t> the default scheduler doesn’t pick it up</a:t>
+            </a:r>
+            <a:endParaRPr lang="en-US" dirty="0"/>
+          </a:p>
+          <a:p>
+            <a:pPr marL="285750" lvl="0" indent="-285750">
+              <a:buFontTx/>
+              <a:buChar char="-"/>
+            </a:pPr>
+            <a:r>
+              <a:rPr lang="en-US" dirty="0"/>
+              <a:t>Run “./11e_custom_scheduler.sh &lt;your-target-namespace&gt;” to start the scheduling loop</a:t>
+            </a:r>
+          </a:p>
+          <a:p>
+            <a:pPr marL="285750" lvl="0" indent="-285750">
+              <a:buFontTx/>
+              <a:buChar char="-"/>
+            </a:pPr>
+            <a:r>
+              <a:rPr lang="en-US" dirty="0"/>
+              <a:t>Show the scheduled pods</a:t>
+            </a:r>
+          </a:p>
+          <a:p>
+            <a:pPr marL="0" lvl="0" indent="0">
+              <a:buFontTx/>
+              <a:buNone/>
+            </a:pPr>
+            <a:endParaRPr lang="en-US" dirty="0"/>
+          </a:p>
+          <a:p>
+            <a:pPr marL="0" lvl="0" indent="0">
+              <a:buFontTx/>
+              <a:buNone/>
+            </a:pPr>
+            <a:r>
+              <a:rPr lang="en-US" dirty="0"/>
+              <a:t>Instead of running the scheduler locally you could also run it within the cluster – simply pack it into a docker image and use it with a deployment.</a:t>
+            </a:r>
+          </a:p>
+          <a:p>
+            <a:pPr marL="285750" lvl="0" indent="-285750">
+              <a:buFontTx/>
+              <a:buChar char="-"/>
+            </a:pPr>
             <a:endParaRPr lang="en-US" dirty="0"/>
           </a:p>
         </p:txBody>
@@ -816,18 +985,18 @@
           <a:lstStyle/>
           <a:p>
             <a:fld id="{7D8C2C35-2B8A-446E-BEC0-FD36716C29AC}" type="slidenum">
-              <a:rPr lang="en-US" smtClean="0"/>
+              <a:rPr lang="de-DE" smtClean="0"/>
               <a:pPr/>
               <a:t>12</a:t>
             </a:fld>
-            <a:endParaRPr lang="en-US" dirty="0"/>
+            <a:endParaRPr lang="de-DE" dirty="0"/>
           </a:p>
         </p:txBody>
       </p:sp>
     </p:spTree>
     <p:extLst>
       <p:ext uri="{BB962C8B-B14F-4D97-AF65-F5344CB8AC3E}">
-        <p14:creationId xmlns:p14="http://schemas.microsoft.com/office/powerpoint/2010/main" val="2873814892"/>
+        <p14:creationId xmlns:p14="http://schemas.microsoft.com/office/powerpoint/2010/main" val="3470228819"/>
       </p:ext>
     </p:extLst>
   </p:cSld>
@@ -881,42 +1050,6 @@
           <a:bodyPr/>
           <a:lstStyle/>
           <a:p>
-            <a:r>
-              <a:rPr lang="en-US" dirty="0"/>
-              <a:t>Resource Quota and </a:t>
-            </a:r>
-            <a:r>
-              <a:rPr lang="en-US" dirty="0" err="1"/>
-              <a:t>LimitRanges</a:t>
-            </a:r>
-            <a:r>
-              <a:rPr lang="en-US" dirty="0"/>
-              <a:t> can be used to control requested as well as actual resource consumption + # of k8s objects per namespace. Example: if the memory quota per pod is 200 MB and you want to start, let’s say a Jenkins which would require more – the application will not be able to start before being killed for exceeding the memory limit.</a:t>
-            </a:r>
-          </a:p>
-          <a:p>
-            <a:endParaRPr lang="en-US" dirty="0"/>
-          </a:p>
-          <a:p>
-            <a:r>
-              <a:rPr lang="en-US" dirty="0"/>
-              <a:t>Network policies control traffic within the cluster – details on next slide.</a:t>
-            </a:r>
-          </a:p>
-          <a:p>
-            <a:endParaRPr lang="en-US" dirty="0"/>
-          </a:p>
-          <a:p>
-            <a:r>
-              <a:rPr lang="en-US" dirty="0" err="1"/>
-              <a:t>PodSecurityPolicies</a:t>
-            </a:r>
-            <a:r>
-              <a:rPr lang="en-US" dirty="0"/>
-              <a:t> specify (security relevant) runtime conditions for pods. https://kubernetes.io/docs/concepts/policy/pod-security-policy/ </a:t>
-            </a:r>
-          </a:p>
-          <a:p>
             <a:endParaRPr lang="en-US" dirty="0"/>
           </a:p>
         </p:txBody>
@@ -937,18 +1070,18 @@
           <a:lstStyle/>
           <a:p>
             <a:fld id="{7D8C2C35-2B8A-446E-BEC0-FD36716C29AC}" type="slidenum">
-              <a:rPr lang="de-DE" smtClean="0"/>
+              <a:rPr lang="en-US" smtClean="0"/>
               <a:pPr/>
               <a:t>13</a:t>
             </a:fld>
-            <a:endParaRPr lang="de-DE" dirty="0"/>
+            <a:endParaRPr lang="en-US" dirty="0"/>
           </a:p>
         </p:txBody>
       </p:sp>
     </p:spTree>
     <p:extLst>
       <p:ext uri="{BB962C8B-B14F-4D97-AF65-F5344CB8AC3E}">
-        <p14:creationId xmlns:p14="http://schemas.microsoft.com/office/powerpoint/2010/main" val="3992989739"/>
+        <p14:creationId xmlns:p14="http://schemas.microsoft.com/office/powerpoint/2010/main" val="2873814892"/>
       </p:ext>
     </p:extLst>
   </p:cSld>
@@ -999,49 +1132,46 @@
         </p:nvSpPr>
         <p:spPr/>
         <p:txBody>
-          <a:bodyPr>
-            <a:normAutofit/>
-          </a:bodyPr>
+          <a:bodyPr/>
           <a:lstStyle/>
           <a:p>
             <a:r>
-              <a:rPr lang="en-US" noProof="0" dirty="0"/>
-              <a:t>Network policies are </a:t>
-            </a:r>
-            <a:r>
-              <a:rPr lang="en-US" noProof="0" dirty="0" err="1"/>
-              <a:t>kubernetes</a:t>
-            </a:r>
-            <a:r>
-              <a:rPr lang="en-US" noProof="0" dirty="0"/>
-              <a:t> object just as pods. The need an overlay network that supports the enforcement of their rules, like Calico. </a:t>
-            </a:r>
-          </a:p>
-          <a:p>
-            <a:r>
-              <a:rPr lang="en-US" noProof="0" dirty="0"/>
-              <a:t>Basically they define rules for incoming (ingress) and outgoing (egress) traffic to pods. As filter rules you can set IP addresses or use labels. Filter actions are deny or allow.</a:t>
-            </a:r>
-          </a:p>
-          <a:p>
-            <a:endParaRPr lang="en-US" noProof="0" dirty="0"/>
-          </a:p>
-          <a:p>
-            <a:r>
-              <a:rPr lang="en-US" noProof="0" dirty="0"/>
-              <a:t>In the example above, let’s assume princess Peach is at her castle (pod). She has created a service in order to be callable, but only as long as her location = castle. That works quite well, only that Bowser keeps calling her all the time. So Peach decides to allow only calls from Mario and puts a network policy in place. The policy filters incoming calls when she has her “location: castle” label and allows only those to pass, that have a label “caller: </a:t>
-            </a:r>
-            <a:r>
-              <a:rPr lang="en-US" noProof="0" dirty="0" err="1"/>
-              <a:t>mario</a:t>
-            </a:r>
-            <a:r>
-              <a:rPr lang="en-US" noProof="0" dirty="0"/>
-              <a:t>” attached. As a result Bowser is no longer able to call her.</a:t>
-            </a:r>
-          </a:p>
-          <a:p>
-            <a:endParaRPr lang="en-US" noProof="0" dirty="0"/>
+              <a:rPr lang="en-US" dirty="0"/>
+              <a:t>Resource Quota and </a:t>
+            </a:r>
+            <a:r>
+              <a:rPr lang="en-US" dirty="0" err="1"/>
+              <a:t>LimitRanges</a:t>
+            </a:r>
+            <a:r>
+              <a:rPr lang="en-US" dirty="0"/>
+              <a:t> can be used to control requested as well as actual resource consumption + # of k8s objects per namespace. Example: if the memory quota per pod is 200 MB and you want to start, let’s say a Jenkins which would require more – the application will not be able to start before being killed for exceeding the memory limit.</a:t>
+            </a:r>
+          </a:p>
+          <a:p>
+            <a:endParaRPr lang="en-US" dirty="0"/>
+          </a:p>
+          <a:p>
+            <a:r>
+              <a:rPr lang="en-US" dirty="0"/>
+              <a:t>Network policies control traffic within the cluster – details on next slide.</a:t>
+            </a:r>
+          </a:p>
+          <a:p>
+            <a:endParaRPr lang="en-US" dirty="0"/>
+          </a:p>
+          <a:p>
+            <a:r>
+              <a:rPr lang="en-US" dirty="0" err="1"/>
+              <a:t>PodSecurityPolicies</a:t>
+            </a:r>
+            <a:r>
+              <a:rPr lang="en-US" dirty="0"/>
+              <a:t> specify (security relevant) runtime conditions for pods. https://kubernetes.io/docs/concepts/policy/pod-security-policy/ </a:t>
+            </a:r>
+          </a:p>
+          <a:p>
+            <a:endParaRPr lang="en-US" dirty="0"/>
           </a:p>
         </p:txBody>
       </p:sp>
@@ -1061,18 +1191,18 @@
           <a:lstStyle/>
           <a:p>
             <a:fld id="{7D8C2C35-2B8A-446E-BEC0-FD36716C29AC}" type="slidenum">
-              <a:rPr lang="en-US" smtClean="0"/>
+              <a:rPr lang="de-DE" smtClean="0"/>
               <a:pPr/>
               <a:t>14</a:t>
             </a:fld>
-            <a:endParaRPr lang="en-US" dirty="0"/>
+            <a:endParaRPr lang="de-DE" dirty="0"/>
           </a:p>
         </p:txBody>
       </p:sp>
     </p:spTree>
     <p:extLst>
       <p:ext uri="{BB962C8B-B14F-4D97-AF65-F5344CB8AC3E}">
-        <p14:creationId xmlns:p14="http://schemas.microsoft.com/office/powerpoint/2010/main" val="325304950"/>
+        <p14:creationId xmlns:p14="http://schemas.microsoft.com/office/powerpoint/2010/main" val="3992989739"/>
       </p:ext>
     </p:extLst>
   </p:cSld>
@@ -1123,7 +1253,9 @@
         </p:nvSpPr>
         <p:spPr/>
         <p:txBody>
-          <a:bodyPr/>
+          <a:bodyPr>
+            <a:normAutofit/>
+          </a:bodyPr>
           <a:lstStyle/>
           <a:p>
             <a:r>
@@ -1146,229 +1278,24 @@
             </a:r>
           </a:p>
           <a:p>
+            <a:endParaRPr lang="en-US" noProof="0" dirty="0"/>
+          </a:p>
+          <a:p>
             <a:r>
               <a:rPr lang="en-US" noProof="0" dirty="0"/>
-              <a:t>In the example above, the network policy is enforced for access to “Pod A”, determined by its label and the corresponding selector.</a:t>
-            </a:r>
-          </a:p>
-          <a:p>
+              <a:t>In the example above, let’s assume princess Peach is at her castle (pod). She has created a service in order to be callable, but only as long as her location = castle. That works quite well, only that Bowser keeps calling her all the time. So Peach decides to allow only calls from Mario and puts a network policy in place. The policy filters incoming calls when she has her “location: castle” label and allows only those to pass, that have a label “caller: </a:t>
+            </a:r>
+            <a:r>
+              <a:rPr lang="en-US" noProof="0" dirty="0" err="1"/>
+              <a:t>mario</a:t>
+            </a:r>
             <a:r>
               <a:rPr lang="en-US" noProof="0" dirty="0"/>
-              <a:t>Pod B is allowed to access pod A since it has the correct label. Traffic from pod M will be blocked.</a:t>
-            </a:r>
-          </a:p>
-          <a:p>
-            <a:r>
-              <a:rPr lang="de-DE" dirty="0"/>
-              <a:t>Demo:</a:t>
-            </a:r>
-          </a:p>
-          <a:p>
-            <a:r>
-              <a:rPr lang="de-DE" dirty="0" err="1"/>
-              <a:t>kubectl</a:t>
-            </a:r>
-            <a:r>
-              <a:rPr lang="de-DE" dirty="0"/>
-              <a:t> </a:t>
-            </a:r>
-            <a:r>
-              <a:rPr lang="de-DE" dirty="0" err="1"/>
-              <a:t>run</a:t>
-            </a:r>
-            <a:r>
-              <a:rPr lang="de-DE" dirty="0"/>
-              <a:t> </a:t>
-            </a:r>
-            <a:r>
-              <a:rPr lang="de-DE" dirty="0" err="1"/>
-              <a:t>nginx</a:t>
-            </a:r>
-            <a:r>
-              <a:rPr lang="de-DE" dirty="0"/>
-              <a:t> --image</a:t>
-            </a:r>
-            <a:r>
-              <a:rPr lang="de-DE" b="1" dirty="0"/>
-              <a:t>=</a:t>
-            </a:r>
-            <a:r>
-              <a:rPr lang="de-DE" dirty="0" err="1"/>
-              <a:t>nginx</a:t>
-            </a:r>
-            <a:r>
-              <a:rPr lang="de-DE" dirty="0"/>
-              <a:t> --</a:t>
-            </a:r>
-            <a:r>
-              <a:rPr lang="de-DE" dirty="0" err="1"/>
-              <a:t>replicas</a:t>
-            </a:r>
-            <a:r>
-              <a:rPr lang="de-DE" b="1" dirty="0"/>
-              <a:t>=</a:t>
-            </a:r>
-            <a:r>
-              <a:rPr lang="de-DE" dirty="0"/>
-              <a:t>2 </a:t>
-            </a:r>
-          </a:p>
-          <a:p>
-            <a:r>
-              <a:rPr lang="de-DE" dirty="0" err="1"/>
-              <a:t>kubectl</a:t>
-            </a:r>
-            <a:r>
-              <a:rPr lang="de-DE" dirty="0"/>
-              <a:t> </a:t>
-            </a:r>
-            <a:r>
-              <a:rPr lang="de-DE" dirty="0" err="1"/>
-              <a:t>expose</a:t>
-            </a:r>
-            <a:r>
-              <a:rPr lang="de-DE" dirty="0"/>
-              <a:t> </a:t>
-            </a:r>
-            <a:r>
-              <a:rPr lang="de-DE" dirty="0" err="1"/>
-              <a:t>deployment</a:t>
-            </a:r>
-            <a:r>
-              <a:rPr lang="de-DE" dirty="0"/>
-              <a:t> </a:t>
-            </a:r>
-            <a:r>
-              <a:rPr lang="de-DE" dirty="0" err="1"/>
-              <a:t>nginx</a:t>
-            </a:r>
-            <a:r>
-              <a:rPr lang="de-DE" dirty="0"/>
-              <a:t> --</a:t>
-            </a:r>
-            <a:r>
-              <a:rPr lang="de-DE" dirty="0" err="1"/>
-              <a:t>port</a:t>
-            </a:r>
-            <a:r>
-              <a:rPr lang="de-DE" b="1" dirty="0"/>
-              <a:t>=</a:t>
-            </a:r>
-            <a:r>
-              <a:rPr lang="de-DE" dirty="0"/>
-              <a:t>80</a:t>
-            </a:r>
-          </a:p>
-          <a:p>
-            <a:r>
-              <a:rPr lang="de-DE" dirty="0" err="1"/>
-              <a:t>kubectl</a:t>
-            </a:r>
-            <a:r>
-              <a:rPr lang="de-DE" dirty="0"/>
-              <a:t> </a:t>
-            </a:r>
-            <a:r>
-              <a:rPr lang="de-DE" dirty="0" err="1"/>
-              <a:t>run</a:t>
-            </a:r>
-            <a:r>
-              <a:rPr lang="de-DE" dirty="0"/>
-              <a:t> </a:t>
-            </a:r>
-            <a:r>
-              <a:rPr lang="de-DE" dirty="0" err="1"/>
-              <a:t>busybox</a:t>
-            </a:r>
-            <a:r>
-              <a:rPr lang="de-DE" dirty="0"/>
-              <a:t> --</a:t>
-            </a:r>
-            <a:r>
-              <a:rPr lang="de-DE" dirty="0" err="1"/>
-              <a:t>rm</a:t>
-            </a:r>
-            <a:r>
-              <a:rPr lang="de-DE" dirty="0"/>
-              <a:t> -</a:t>
-            </a:r>
-            <a:r>
-              <a:rPr lang="de-DE" dirty="0" err="1"/>
-              <a:t>ti</a:t>
-            </a:r>
-            <a:r>
-              <a:rPr lang="de-DE" dirty="0"/>
-              <a:t> --image</a:t>
-            </a:r>
-            <a:r>
-              <a:rPr lang="de-DE" b="1" dirty="0"/>
-              <a:t>=</a:t>
-            </a:r>
-            <a:r>
-              <a:rPr lang="de-DE" dirty="0" err="1"/>
-              <a:t>busybox</a:t>
-            </a:r>
-            <a:r>
-              <a:rPr lang="de-DE" dirty="0"/>
-              <a:t> /bin/sh</a:t>
-            </a:r>
-          </a:p>
-          <a:p>
-            <a:r>
-              <a:rPr lang="de-DE" dirty="0"/>
-              <a:t> # </a:t>
-            </a:r>
-            <a:r>
-              <a:rPr lang="de-DE" dirty="0" err="1"/>
-              <a:t>wget</a:t>
-            </a:r>
-            <a:r>
-              <a:rPr lang="de-DE" dirty="0"/>
-              <a:t> --spider --timeout=1 </a:t>
-            </a:r>
-            <a:r>
-              <a:rPr lang="de-DE" dirty="0" err="1"/>
-              <a:t>nginx</a:t>
-            </a:r>
-            <a:endParaRPr lang="en-US" dirty="0"/>
-          </a:p>
-          <a:p>
-            <a:r>
-              <a:rPr lang="en-US" dirty="0" err="1"/>
-              <a:t>Kubectl</a:t>
-            </a:r>
-            <a:r>
-              <a:rPr lang="en-US" dirty="0"/>
-              <a:t> create –f network-</a:t>
-            </a:r>
-            <a:r>
-              <a:rPr lang="en-US" dirty="0" err="1"/>
-              <a:t>policy.yaml</a:t>
-            </a:r>
-            <a:endParaRPr lang="en-US" dirty="0"/>
-          </a:p>
-          <a:p>
-            <a:r>
-              <a:rPr lang="en-US" dirty="0" err="1"/>
-              <a:t>Kubectl</a:t>
-            </a:r>
-            <a:r>
-              <a:rPr lang="en-US" dirty="0"/>
-              <a:t> run ..</a:t>
-            </a:r>
-          </a:p>
-          <a:p>
-            <a:r>
-              <a:rPr lang="en-US" dirty="0" err="1"/>
-              <a:t>Kubectl</a:t>
-            </a:r>
-            <a:r>
-              <a:rPr lang="en-US" dirty="0"/>
-              <a:t> run … -l access=true</a:t>
-            </a:r>
-          </a:p>
-          <a:p>
-            <a:endParaRPr lang="en-US" dirty="0"/>
+              <a:t>” attached. As a result Bowser is no longer able to call her.</a:t>
+            </a:r>
+          </a:p>
+          <a:p>
+            <a:endParaRPr lang="en-US" noProof="0" dirty="0"/>
           </a:p>
         </p:txBody>
       </p:sp>
@@ -1399,7 +1326,7 @@
     </p:spTree>
     <p:extLst>
       <p:ext uri="{BB962C8B-B14F-4D97-AF65-F5344CB8AC3E}">
-        <p14:creationId xmlns:p14="http://schemas.microsoft.com/office/powerpoint/2010/main" val="3747275599"/>
+        <p14:creationId xmlns:p14="http://schemas.microsoft.com/office/powerpoint/2010/main" val="325304950"/>
       </p:ext>
     </p:extLst>
   </p:cSld>
@@ -1450,10 +1377,40 @@
         </p:nvSpPr>
         <p:spPr/>
         <p:txBody>
-          <a:bodyPr>
-            <a:normAutofit fontScale="92500" lnSpcReduction="20000"/>
-          </a:bodyPr>
+          <a:bodyPr/>
           <a:lstStyle/>
+          <a:p>
+            <a:r>
+              <a:rPr lang="en-US" noProof="0" dirty="0"/>
+              <a:t>Network policies are </a:t>
+            </a:r>
+            <a:r>
+              <a:rPr lang="en-US" noProof="0" dirty="0" err="1"/>
+              <a:t>kubernetes</a:t>
+            </a:r>
+            <a:r>
+              <a:rPr lang="en-US" noProof="0" dirty="0"/>
+              <a:t> object just as pods. The need an overlay network that supports the enforcement of their rules, like Calico. </a:t>
+            </a:r>
+          </a:p>
+          <a:p>
+            <a:r>
+              <a:rPr lang="en-US" noProof="0" dirty="0"/>
+              <a:t>Basically they define rules for incoming (ingress) and outgoing (egress) traffic to pods. As filter rules you can set IP addresses or use labels. Filter actions are deny or allow.</a:t>
+            </a:r>
+          </a:p>
+          <a:p>
+            <a:r>
+              <a:rPr lang="en-US" noProof="0" dirty="0"/>
+              <a:t>In the example above, the network policy is enforced for access to “Pod A”, determined by its label and the corresponding selector.</a:t>
+            </a:r>
+          </a:p>
+          <a:p>
+            <a:r>
+              <a:rPr lang="en-US" noProof="0" dirty="0"/>
+              <a:t>Pod B is allowed to access pod A since it has the correct label. Traffic from pod M will be blocked.</a:t>
+            </a:r>
+          </a:p>
           <a:p>
             <a:r>
               <a:rPr lang="de-DE" dirty="0"/>
@@ -1461,13 +1418,71 @@
             </a:r>
           </a:p>
           <a:p>
-            <a:pPr marL="285750" indent="-285750">
-              <a:buFont typeface="Symbol" panose="05050102010706020507" pitchFamily="18" charset="2"/>
-              <a:buChar char="-"/>
-            </a:pPr>
+            <a:r>
+              <a:rPr lang="de-DE" dirty="0" err="1"/>
+              <a:t>kubectl</a:t>
+            </a:r>
             <a:r>
               <a:rPr lang="de-DE" dirty="0"/>
-              <a:t>Create a </a:t>
+              <a:t> </a:t>
+            </a:r>
+            <a:r>
+              <a:rPr lang="de-DE" dirty="0" err="1"/>
+              <a:t>run</a:t>
+            </a:r>
+            <a:r>
+              <a:rPr lang="de-DE" dirty="0"/>
+              <a:t> </a:t>
+            </a:r>
+            <a:r>
+              <a:rPr lang="de-DE" dirty="0" err="1"/>
+              <a:t>nginx</a:t>
+            </a:r>
+            <a:r>
+              <a:rPr lang="de-DE" dirty="0"/>
+              <a:t> --image</a:t>
+            </a:r>
+            <a:r>
+              <a:rPr lang="de-DE" b="1" dirty="0"/>
+              <a:t>=</a:t>
+            </a:r>
+            <a:r>
+              <a:rPr lang="de-DE" dirty="0" err="1"/>
+              <a:t>nginx</a:t>
+            </a:r>
+            <a:r>
+              <a:rPr lang="de-DE" dirty="0"/>
+              <a:t> --</a:t>
+            </a:r>
+            <a:r>
+              <a:rPr lang="de-DE" dirty="0" err="1"/>
+              <a:t>replicas</a:t>
+            </a:r>
+            <a:r>
+              <a:rPr lang="de-DE" b="1" dirty="0"/>
+              <a:t>=</a:t>
+            </a:r>
+            <a:r>
+              <a:rPr lang="de-DE" dirty="0"/>
+              <a:t>2 </a:t>
+            </a:r>
+          </a:p>
+          <a:p>
+            <a:r>
+              <a:rPr lang="de-DE" dirty="0" err="1"/>
+              <a:t>kubectl</a:t>
+            </a:r>
+            <a:r>
+              <a:rPr lang="de-DE" dirty="0"/>
+              <a:t> </a:t>
+            </a:r>
+            <a:r>
+              <a:rPr lang="de-DE" dirty="0" err="1"/>
+              <a:t>expose</a:t>
+            </a:r>
+            <a:r>
+              <a:rPr lang="de-DE" dirty="0"/>
+              <a:t> </a:t>
             </a:r>
             <a:r>
               <a:rPr lang="de-DE" dirty="0" err="1"/>
@@ -1475,11 +1490,33 @@
             </a:r>
             <a:r>
               <a:rPr lang="de-DE" dirty="0"/>
-              <a:t> &amp; a </a:t>
+              <a:t> </a:t>
             </a:r>
             <a:r>
               <a:rPr lang="de-DE" dirty="0" err="1"/>
-              <a:t>corresponding</a:t>
+              <a:t>nginx</a:t>
+            </a:r>
+            <a:r>
+              <a:rPr lang="de-DE" dirty="0"/>
+              <a:t> --</a:t>
+            </a:r>
+            <a:r>
+              <a:rPr lang="de-DE" dirty="0" err="1"/>
+              <a:t>port</a:t>
+            </a:r>
+            <a:r>
+              <a:rPr lang="de-DE" b="1" dirty="0"/>
+              <a:t>=</a:t>
+            </a:r>
+            <a:r>
+              <a:rPr lang="de-DE" dirty="0"/>
+              <a:t>80</a:t>
+            </a:r>
+          </a:p>
+          <a:p>
+            <a:r>
+              <a:rPr lang="de-DE" dirty="0" err="1"/>
+              <a:t>kubectl</a:t>
             </a:r>
             <a:r>
               <a:rPr lang="de-DE" dirty="0"/>
@@ -1487,23 +1524,7 @@
             </a:r>
             <a:r>
               <a:rPr lang="de-DE" dirty="0" err="1"/>
-              <a:t>service</a:t>
-            </a:r>
-            <a:r>
-              <a:rPr lang="de-DE" dirty="0"/>
-              <a:t> (</a:t>
-            </a:r>
-            <a:r>
-              <a:rPr lang="de-DE" dirty="0" err="1"/>
-              <a:t>if</a:t>
-            </a:r>
-            <a:r>
-              <a:rPr lang="de-DE" dirty="0"/>
-              <a:t> not </a:t>
-            </a:r>
-            <a:r>
-              <a:rPr lang="de-DE" dirty="0" err="1"/>
-              <a:t>yet</a:t>
+              <a:t>run</a:t>
             </a:r>
             <a:r>
               <a:rPr lang="de-DE" dirty="0"/>
@@ -1511,350 +1532,64 @@
             </a:r>
             <a:r>
               <a:rPr lang="de-DE" dirty="0" err="1"/>
-              <a:t>done</a:t>
+              <a:t>busybox</a:t>
             </a:r>
             <a:r>
               <a:rPr lang="de-DE" dirty="0"/>
-              <a:t>)</a:t>
-            </a:r>
-          </a:p>
-          <a:p>
-            <a:pPr marL="465750" lvl="1" indent="-285750">
-              <a:buFont typeface="Symbol" panose="05050102010706020507" pitchFamily="18" charset="2"/>
-              <a:buChar char="-"/>
-            </a:pPr>
+              <a:t> --</a:t>
+            </a:r>
             <a:r>
               <a:rPr lang="de-DE" dirty="0" err="1"/>
-              <a:t>kubectl</a:t>
+              <a:t>rm</a:t>
             </a:r>
             <a:r>
               <a:rPr lang="de-DE" dirty="0"/>
-              <a:t> </a:t>
+              <a:t> -</a:t>
             </a:r>
             <a:r>
               <a:rPr lang="de-DE" dirty="0" err="1"/>
-              <a:t>run</a:t>
+              <a:t>ti</a:t>
             </a:r>
             <a:r>
               <a:rPr lang="de-DE" dirty="0"/>
-              <a:t> </a:t>
+              <a:t> --image</a:t>
+            </a:r>
+            <a:r>
+              <a:rPr lang="de-DE" b="1" dirty="0"/>
+              <a:t>=</a:t>
+            </a:r>
+            <a:r>
+              <a:rPr lang="de-DE" dirty="0" err="1"/>
+              <a:t>busybox</a:t>
+            </a:r>
+            <a:r>
+              <a:rPr lang="de-DE" dirty="0"/>
+              <a:t> /bin/sh</a:t>
+            </a:r>
+          </a:p>
+          <a:p>
+            <a:r>
+              <a:rPr lang="de-DE" dirty="0"/>
+              <a:t> # </a:t>
+            </a:r>
+            <a:r>
+              <a:rPr lang="de-DE" dirty="0" err="1"/>
+              <a:t>wget</a:t>
+            </a:r>
+            <a:r>
+              <a:rPr lang="de-DE" dirty="0"/>
+              <a:t> --spider --timeout=1 </a:t>
             </a:r>
             <a:r>
               <a:rPr lang="de-DE" dirty="0" err="1"/>
               <a:t>nginx</a:t>
             </a:r>
-            <a:r>
-              <a:rPr lang="de-DE" dirty="0"/>
-              <a:t> --image</a:t>
-            </a:r>
-            <a:r>
-              <a:rPr lang="de-DE" b="1" dirty="0"/>
-              <a:t>=</a:t>
-            </a:r>
-            <a:r>
-              <a:rPr lang="de-DE" dirty="0" err="1"/>
-              <a:t>nginx</a:t>
-            </a:r>
-            <a:r>
-              <a:rPr lang="de-DE" dirty="0"/>
-              <a:t> --</a:t>
-            </a:r>
-            <a:r>
-              <a:rPr lang="de-DE" dirty="0" err="1"/>
-              <a:t>replicas</a:t>
-            </a:r>
-            <a:r>
-              <a:rPr lang="de-DE" b="1" dirty="0"/>
-              <a:t>=</a:t>
-            </a:r>
-            <a:r>
-              <a:rPr lang="de-DE" dirty="0"/>
-              <a:t>2 </a:t>
-            </a:r>
-          </a:p>
-          <a:p>
-            <a:pPr marL="465750" lvl="1" indent="-285750">
-              <a:buFont typeface="Symbol" panose="05050102010706020507" pitchFamily="18" charset="2"/>
-              <a:buChar char="-"/>
-            </a:pPr>
-            <a:r>
-              <a:rPr lang="de-DE" dirty="0" err="1"/>
-              <a:t>kubectl</a:t>
-            </a:r>
-            <a:r>
-              <a:rPr lang="de-DE" dirty="0"/>
-              <a:t> </a:t>
-            </a:r>
-            <a:r>
-              <a:rPr lang="de-DE" dirty="0" err="1"/>
-              <a:t>expose</a:t>
-            </a:r>
-            <a:r>
-              <a:rPr lang="de-DE" dirty="0"/>
-              <a:t> </a:t>
-            </a:r>
-            <a:r>
-              <a:rPr lang="de-DE" dirty="0" err="1"/>
-              <a:t>deployment</a:t>
-            </a:r>
-            <a:r>
-              <a:rPr lang="de-DE" dirty="0"/>
-              <a:t> </a:t>
-            </a:r>
-            <a:r>
-              <a:rPr lang="de-DE" dirty="0" err="1"/>
-              <a:t>nginx</a:t>
-            </a:r>
-            <a:r>
-              <a:rPr lang="de-DE" dirty="0"/>
-              <a:t> --</a:t>
-            </a:r>
-            <a:r>
-              <a:rPr lang="de-DE" dirty="0" err="1"/>
-              <a:t>port</a:t>
-            </a:r>
-            <a:r>
-              <a:rPr lang="de-DE" b="1" dirty="0"/>
-              <a:t>=</a:t>
-            </a:r>
-            <a:r>
-              <a:rPr lang="de-DE" dirty="0"/>
-              <a:t>80</a:t>
-            </a:r>
-          </a:p>
-          <a:p>
-            <a:pPr marL="285750" indent="-285750">
-              <a:buFont typeface="Symbol" panose="05050102010706020507" pitchFamily="18" charset="2"/>
-              <a:buChar char="-"/>
-            </a:pPr>
-            <a:endParaRPr lang="de-DE" dirty="0"/>
-          </a:p>
-          <a:p>
-            <a:pPr marL="285750" indent="-285750">
-              <a:buFont typeface="Symbol" panose="05050102010706020507" pitchFamily="18" charset="2"/>
-              <a:buChar char="-"/>
-            </a:pPr>
-            <a:r>
-              <a:rPr lang="de-DE" dirty="0"/>
-              <a:t>Create a </a:t>
-            </a:r>
-            <a:r>
-              <a:rPr lang="de-DE" dirty="0" err="1"/>
-              <a:t>helper</a:t>
-            </a:r>
-            <a:r>
-              <a:rPr lang="de-DE" dirty="0"/>
-              <a:t> </a:t>
-            </a:r>
-            <a:r>
-              <a:rPr lang="de-DE" dirty="0" err="1"/>
-              <a:t>pod</a:t>
-            </a:r>
-            <a:r>
-              <a:rPr lang="de-DE" dirty="0"/>
-              <a:t>, </a:t>
-            </a:r>
-            <a:r>
-              <a:rPr lang="de-DE" dirty="0" err="1"/>
-              <a:t>logon</a:t>
-            </a:r>
-            <a:r>
-              <a:rPr lang="de-DE" dirty="0"/>
-              <a:t> </a:t>
-            </a:r>
-            <a:r>
-              <a:rPr lang="de-DE" dirty="0" err="1"/>
-              <a:t>to</a:t>
-            </a:r>
-            <a:r>
-              <a:rPr lang="de-DE" dirty="0"/>
-              <a:t> </a:t>
-            </a:r>
-            <a:r>
-              <a:rPr lang="de-DE" dirty="0" err="1"/>
-              <a:t>it</a:t>
-            </a:r>
-            <a:r>
-              <a:rPr lang="de-DE" dirty="0"/>
-              <a:t> and </a:t>
-            </a:r>
-            <a:r>
-              <a:rPr lang="de-DE" dirty="0" err="1"/>
-              <a:t>get</a:t>
-            </a:r>
-            <a:r>
-              <a:rPr lang="de-DE" dirty="0"/>
-              <a:t> </a:t>
-            </a:r>
-            <a:r>
-              <a:rPr lang="de-DE" dirty="0" err="1"/>
-              <a:t>the</a:t>
-            </a:r>
-            <a:r>
-              <a:rPr lang="de-DE" dirty="0"/>
-              <a:t> index.html </a:t>
-            </a:r>
-            <a:r>
-              <a:rPr lang="de-DE" dirty="0" err="1"/>
-              <a:t>page</a:t>
-            </a:r>
-            <a:r>
-              <a:rPr lang="de-DE" dirty="0"/>
-              <a:t> </a:t>
-            </a:r>
-            <a:r>
-              <a:rPr lang="de-DE" dirty="0" err="1"/>
-              <a:t>from</a:t>
-            </a:r>
-            <a:r>
-              <a:rPr lang="de-DE" dirty="0"/>
-              <a:t> </a:t>
-            </a:r>
-            <a:r>
-              <a:rPr lang="de-DE" dirty="0" err="1"/>
-              <a:t>the</a:t>
-            </a:r>
-            <a:r>
-              <a:rPr lang="de-DE" dirty="0"/>
-              <a:t> </a:t>
-            </a:r>
-            <a:r>
-              <a:rPr lang="de-DE" dirty="0" err="1"/>
-              <a:t>nginx</a:t>
-            </a:r>
-            <a:r>
-              <a:rPr lang="de-DE" dirty="0"/>
-              <a:t> backend.</a:t>
-            </a:r>
-          </a:p>
-          <a:p>
-            <a:pPr marL="465750" lvl="1" indent="-285750">
-              <a:buFont typeface="Symbol" panose="05050102010706020507" pitchFamily="18" charset="2"/>
-              <a:buChar char="-"/>
-            </a:pPr>
-            <a:r>
-              <a:rPr lang="de-DE" dirty="0" err="1"/>
-              <a:t>kubectl</a:t>
-            </a:r>
-            <a:r>
-              <a:rPr lang="de-DE" dirty="0"/>
-              <a:t> </a:t>
-            </a:r>
-            <a:r>
-              <a:rPr lang="de-DE" dirty="0" err="1"/>
-              <a:t>run</a:t>
-            </a:r>
-            <a:r>
-              <a:rPr lang="de-DE" dirty="0"/>
-              <a:t> </a:t>
-            </a:r>
-            <a:r>
-              <a:rPr lang="de-DE" dirty="0" err="1"/>
-              <a:t>connector</a:t>
-            </a:r>
-            <a:r>
-              <a:rPr lang="de-DE" dirty="0"/>
-              <a:t> --</a:t>
-            </a:r>
-            <a:r>
-              <a:rPr lang="de-DE" dirty="0" err="1"/>
-              <a:t>rm</a:t>
-            </a:r>
-            <a:r>
-              <a:rPr lang="de-DE" dirty="0"/>
-              <a:t> -</a:t>
-            </a:r>
-            <a:r>
-              <a:rPr lang="de-DE" dirty="0" err="1"/>
-              <a:t>ti</a:t>
-            </a:r>
-            <a:r>
-              <a:rPr lang="de-DE" dirty="0"/>
-              <a:t> --</a:t>
-            </a:r>
-            <a:r>
-              <a:rPr lang="de-DE" dirty="0" err="1"/>
-              <a:t>restart</a:t>
-            </a:r>
-            <a:r>
-              <a:rPr lang="de-DE" dirty="0"/>
-              <a:t>=Never --image</a:t>
-            </a:r>
-            <a:r>
-              <a:rPr lang="de-DE" b="1" dirty="0"/>
-              <a:t>=</a:t>
-            </a:r>
-            <a:r>
-              <a:rPr lang="de-DE" dirty="0"/>
-              <a:t>alpine:3.8</a:t>
-            </a:r>
-          </a:p>
-          <a:p>
-            <a:pPr marL="465750" lvl="1" indent="-285750">
-              <a:buFont typeface="Symbol" panose="05050102010706020507" pitchFamily="18" charset="2"/>
-              <a:buChar char="-"/>
-            </a:pPr>
-            <a:r>
-              <a:rPr lang="de-DE" dirty="0"/>
-              <a:t># </a:t>
-            </a:r>
-            <a:r>
-              <a:rPr lang="de-DE" dirty="0" err="1"/>
-              <a:t>wget</a:t>
-            </a:r>
-            <a:r>
-              <a:rPr lang="de-DE" dirty="0"/>
-              <a:t> --timeout=1 </a:t>
-            </a:r>
-            <a:r>
-              <a:rPr lang="de-DE" dirty="0" err="1"/>
-              <a:t>nginx</a:t>
-            </a:r>
-            <a:endParaRPr lang="de-DE" dirty="0"/>
-          </a:p>
-          <a:p>
-            <a:pPr marL="465750" lvl="1" indent="-285750">
-              <a:buFont typeface="Symbol" panose="05050102010706020507" pitchFamily="18" charset="2"/>
-              <a:buChar char="-"/>
-            </a:pPr>
-            <a:r>
-              <a:rPr lang="en-US" dirty="0"/>
-              <a:t>Remove the index.html page &amp; stay connected to the shell session</a:t>
-            </a:r>
-          </a:p>
-          <a:p>
-            <a:pPr marL="285750" indent="-285750">
-              <a:buFont typeface="Symbol" panose="05050102010706020507" pitchFamily="18" charset="2"/>
-              <a:buChar char="-"/>
-            </a:pPr>
             <a:endParaRPr lang="en-US" dirty="0"/>
           </a:p>
           <a:p>
-            <a:pPr marL="285750" indent="-285750">
-              <a:buFont typeface="Symbol" panose="05050102010706020507" pitchFamily="18" charset="2"/>
-              <a:buChar char="-"/>
-            </a:pPr>
-            <a:r>
-              <a:rPr lang="en-US" dirty="0"/>
-              <a:t>Create the network policy in a 2</a:t>
-            </a:r>
-            <a:r>
-              <a:rPr lang="en-US" baseline="30000" dirty="0"/>
-              <a:t>nd</a:t>
-            </a:r>
-            <a:r>
-              <a:rPr lang="en-US" dirty="0"/>
-              <a:t> shell:</a:t>
-            </a:r>
-          </a:p>
-          <a:p>
-            <a:pPr marL="465750" lvl="1" indent="-285750">
-              <a:buFont typeface="Symbol" panose="05050102010706020507" pitchFamily="18" charset="2"/>
-              <a:buChar char="-"/>
-            </a:pPr>
             <a:r>
               <a:rPr lang="en-US" dirty="0" err="1"/>
-              <a:t>kubectl</a:t>
+              <a:t>Kubectl</a:t>
             </a:r>
             <a:r>
               <a:rPr lang="en-US" dirty="0"/>
@@ -1867,162 +1602,26 @@
             <a:endParaRPr lang="en-US" dirty="0"/>
           </a:p>
           <a:p>
-            <a:pPr marL="465750" lvl="1" indent="-285750">
-              <a:buFont typeface="Symbol" panose="05050102010706020507" pitchFamily="18" charset="2"/>
-              <a:buChar char="-"/>
-            </a:pPr>
+            <a:r>
+              <a:rPr lang="en-US" dirty="0" err="1"/>
+              <a:t>Kubectl</a:t>
+            </a:r>
             <a:r>
               <a:rPr lang="en-US" dirty="0"/>
-              <a:t>Show the network policy definition and explain:</a:t>
-            </a:r>
-          </a:p>
-          <a:p>
-            <a:pPr marL="645750" lvl="2" indent="-285750">
-              <a:buFont typeface="Symbol" panose="05050102010706020507" pitchFamily="18" charset="2"/>
-              <a:buChar char="-"/>
-            </a:pPr>
+              <a:t> run ..</a:t>
+            </a:r>
+          </a:p>
+          <a:p>
+            <a:r>
+              <a:rPr lang="en-US" dirty="0" err="1"/>
+              <a:t>Kubectl</a:t>
+            </a:r>
             <a:r>
               <a:rPr lang="en-US" dirty="0"/>
-              <a:t>it’s implicitly a whitelisting</a:t>
-            </a:r>
-          </a:p>
-          <a:p>
-            <a:pPr marL="645750" lvl="2" indent="-285750">
-              <a:buFont typeface="Symbol" panose="05050102010706020507" pitchFamily="18" charset="2"/>
-              <a:buChar char="-"/>
-            </a:pPr>
-            <a:r>
-              <a:rPr lang="en-US" dirty="0"/>
-              <a:t>network policy can handle egress and ingress traffic. However the example is only of incoming (ingress) traffic.</a:t>
-            </a:r>
-          </a:p>
-          <a:p>
-            <a:pPr marL="645750" lvl="2" indent="-285750">
-              <a:buFont typeface="Symbol" panose="05050102010706020507" pitchFamily="18" charset="2"/>
-              <a:buChar char="-"/>
-            </a:pPr>
-            <a:r>
-              <a:rPr lang="en-US" dirty="0"/>
-              <a:t>The </a:t>
-            </a:r>
-            <a:r>
-              <a:rPr lang="en-US" dirty="0" err="1"/>
-              <a:t>cidr</a:t>
-            </a:r>
-            <a:r>
-              <a:rPr lang="en-US" dirty="0"/>
-              <a:t> block are required, if you want to access your service later from SAP networks. Otherwise all requested without the label (i.e. not cluster internal) will be blocked too.</a:t>
-            </a:r>
-          </a:p>
-          <a:p>
-            <a:pPr marL="465750" lvl="1" indent="-285750">
-              <a:buFont typeface="Symbol" panose="05050102010706020507" pitchFamily="18" charset="2"/>
-              <a:buChar char="-"/>
-            </a:pPr>
-            <a:endParaRPr lang="en-US" dirty="0"/>
-          </a:p>
-          <a:p>
-            <a:pPr marL="285750" indent="-285750">
-              <a:buFont typeface="Symbol" panose="05050102010706020507" pitchFamily="18" charset="2"/>
-              <a:buChar char="-"/>
-            </a:pPr>
-            <a:r>
-              <a:rPr lang="en-US" dirty="0"/>
-              <a:t>Switch back to the helper pod and re-run the </a:t>
-            </a:r>
-            <a:r>
-              <a:rPr lang="en-US" dirty="0" err="1"/>
-              <a:t>wget</a:t>
-            </a:r>
-            <a:r>
-              <a:rPr lang="en-US" dirty="0"/>
-              <a:t> command </a:t>
-            </a:r>
-            <a:r>
-              <a:rPr lang="en-US" dirty="0">
-                <a:sym typeface="Wingdings" panose="05000000000000000000" pitchFamily="2" charset="2"/>
-              </a:rPr>
-              <a:t> expected result: failure due to the missing label</a:t>
-            </a:r>
-            <a:endParaRPr lang="en-US" dirty="0"/>
-          </a:p>
-          <a:p>
-            <a:pPr marL="285750" indent="-285750">
-              <a:buFont typeface="Symbol" panose="05050102010706020507" pitchFamily="18" charset="2"/>
-              <a:buChar char="-"/>
-            </a:pPr>
-            <a:r>
-              <a:rPr lang="en-US" dirty="0"/>
-              <a:t>Label you helper pod accordingly (can be done from the 2</a:t>
-            </a:r>
-            <a:r>
-              <a:rPr lang="en-US" baseline="30000" dirty="0"/>
-              <a:t>nd</a:t>
-            </a:r>
-            <a:r>
-              <a:rPr lang="en-US" dirty="0"/>
-              <a:t> shell session, so stay connected to your helper pod)</a:t>
-            </a:r>
-          </a:p>
-          <a:p>
-            <a:pPr marL="465750" lvl="1" indent="-285750">
-              <a:buFont typeface="Symbol" panose="05050102010706020507" pitchFamily="18" charset="2"/>
-              <a:buChar char="-"/>
-            </a:pPr>
-            <a:r>
-              <a:rPr lang="en-US" dirty="0" err="1"/>
-              <a:t>kubectl</a:t>
-            </a:r>
-            <a:r>
-              <a:rPr lang="en-US" dirty="0"/>
-              <a:t> label pod connector access=true</a:t>
-            </a:r>
-          </a:p>
-          <a:p>
-            <a:pPr marL="285750" lvl="0" indent="-285750">
-              <a:buFont typeface="Symbol" panose="05050102010706020507" pitchFamily="18" charset="2"/>
-              <a:buChar char="-"/>
-            </a:pPr>
-            <a:endParaRPr lang="en-US" dirty="0"/>
-          </a:p>
-          <a:p>
-            <a:pPr marL="285750" lvl="0" indent="-285750">
-              <a:buFont typeface="Symbol" panose="05050102010706020507" pitchFamily="18" charset="2"/>
-              <a:buChar char="-"/>
-            </a:pPr>
-            <a:r>
-              <a:rPr lang="en-US" dirty="0"/>
-              <a:t>Re-run the </a:t>
-            </a:r>
-            <a:r>
-              <a:rPr lang="en-US" dirty="0" err="1"/>
-              <a:t>wget</a:t>
-            </a:r>
-            <a:r>
-              <a:rPr lang="en-US" dirty="0"/>
-              <a:t> command </a:t>
-            </a:r>
-            <a:r>
-              <a:rPr lang="en-US" dirty="0">
-                <a:sym typeface="Wingdings" panose="05000000000000000000" pitchFamily="2" charset="2"/>
-              </a:rPr>
-              <a:t> expected result: works again</a:t>
-            </a:r>
-          </a:p>
-          <a:p>
-            <a:pPr marL="285750" lvl="0" indent="-285750">
-              <a:buFont typeface="Symbol" panose="05050102010706020507" pitchFamily="18" charset="2"/>
-              <a:buChar char="-"/>
-            </a:pPr>
-            <a:endParaRPr lang="en-US" dirty="0">
-              <a:sym typeface="Wingdings" panose="05000000000000000000" pitchFamily="2" charset="2"/>
-            </a:endParaRPr>
-          </a:p>
-          <a:p>
-            <a:pPr marL="0" lvl="0" indent="0">
-              <a:buFont typeface="Symbol" panose="05050102010706020507" pitchFamily="18" charset="2"/>
-              <a:buNone/>
-            </a:pPr>
+              <a:t> run … -l access=true</a:t>
+            </a:r>
+          </a:p>
+          <a:p>
             <a:endParaRPr lang="en-US" dirty="0"/>
           </a:p>
         </p:txBody>
@@ -2043,18 +1642,18 @@
           <a:lstStyle/>
           <a:p>
             <a:fld id="{7D8C2C35-2B8A-446E-BEC0-FD36716C29AC}" type="slidenum">
-              <a:rPr lang="de-DE" smtClean="0"/>
+              <a:rPr lang="en-US" smtClean="0"/>
               <a:pPr/>
               <a:t>16</a:t>
             </a:fld>
-            <a:endParaRPr lang="de-DE" dirty="0"/>
+            <a:endParaRPr lang="en-US" dirty="0"/>
           </a:p>
         </p:txBody>
       </p:sp>
     </p:spTree>
     <p:extLst>
       <p:ext uri="{BB962C8B-B14F-4D97-AF65-F5344CB8AC3E}">
-        <p14:creationId xmlns:p14="http://schemas.microsoft.com/office/powerpoint/2010/main" val="2053658473"/>
+        <p14:creationId xmlns:p14="http://schemas.microsoft.com/office/powerpoint/2010/main" val="3747275599"/>
       </p:ext>
     </p:extLst>
   </p:cSld>
@@ -2105,9 +1704,579 @@
         </p:nvSpPr>
         <p:spPr/>
         <p:txBody>
-          <a:bodyPr/>
+          <a:bodyPr>
+            <a:normAutofit fontScale="92500" lnSpcReduction="20000"/>
+          </a:bodyPr>
           <a:lstStyle/>
           <a:p>
+            <a:r>
+              <a:rPr lang="de-DE" dirty="0"/>
+              <a:t>Demo:</a:t>
+            </a:r>
+          </a:p>
+          <a:p>
+            <a:pPr marL="285750" indent="-285750">
+              <a:buFont typeface="Symbol" panose="05050102010706020507" pitchFamily="18" charset="2"/>
+              <a:buChar char="-"/>
+            </a:pPr>
+            <a:r>
+              <a:rPr lang="de-DE" dirty="0"/>
+              <a:t>Create a </a:t>
+            </a:r>
+            <a:r>
+              <a:rPr lang="de-DE" dirty="0" err="1"/>
+              <a:t>deployment</a:t>
+            </a:r>
+            <a:r>
+              <a:rPr lang="de-DE" dirty="0"/>
+              <a:t> &amp; a </a:t>
+            </a:r>
+            <a:r>
+              <a:rPr lang="de-DE" dirty="0" err="1"/>
+              <a:t>corresponding</a:t>
+            </a:r>
+            <a:r>
+              <a:rPr lang="de-DE" dirty="0"/>
+              <a:t> </a:t>
+            </a:r>
+            <a:r>
+              <a:rPr lang="de-DE" dirty="0" err="1"/>
+              <a:t>service</a:t>
+            </a:r>
+            <a:r>
+              <a:rPr lang="de-DE" dirty="0"/>
+              <a:t> (</a:t>
+            </a:r>
+            <a:r>
+              <a:rPr lang="de-DE" dirty="0" err="1"/>
+              <a:t>if</a:t>
+            </a:r>
+            <a:r>
+              <a:rPr lang="de-DE" dirty="0"/>
+              <a:t> not </a:t>
+            </a:r>
+            <a:r>
+              <a:rPr lang="de-DE" dirty="0" err="1"/>
+              <a:t>yet</a:t>
+            </a:r>
+            <a:r>
+              <a:rPr lang="de-DE" dirty="0"/>
+              <a:t> </a:t>
+            </a:r>
+            <a:r>
+              <a:rPr lang="de-DE" dirty="0" err="1"/>
+              <a:t>done</a:t>
+            </a:r>
+            <a:r>
+              <a:rPr lang="de-DE" dirty="0"/>
+              <a:t>)</a:t>
+            </a:r>
+          </a:p>
+          <a:p>
+            <a:pPr marL="465750" lvl="1" indent="-285750">
+              <a:buFont typeface="Symbol" panose="05050102010706020507" pitchFamily="18" charset="2"/>
+              <a:buChar char="-"/>
+            </a:pPr>
+            <a:r>
+              <a:rPr lang="de-DE" dirty="0" err="1"/>
+              <a:t>kubectl</a:t>
+            </a:r>
+            <a:r>
+              <a:rPr lang="de-DE" dirty="0"/>
+              <a:t> </a:t>
+            </a:r>
+            <a:r>
+              <a:rPr lang="de-DE" dirty="0" err="1"/>
+              <a:t>run</a:t>
+            </a:r>
+            <a:r>
+              <a:rPr lang="de-DE" dirty="0"/>
+              <a:t> </a:t>
+            </a:r>
+            <a:r>
+              <a:rPr lang="de-DE" dirty="0" err="1"/>
+              <a:t>nginx</a:t>
+            </a:r>
+            <a:r>
+              <a:rPr lang="de-DE" dirty="0"/>
+              <a:t> --image</a:t>
+            </a:r>
+            <a:r>
+              <a:rPr lang="de-DE" b="1" dirty="0"/>
+              <a:t>=</a:t>
+            </a:r>
+            <a:r>
+              <a:rPr lang="de-DE" dirty="0" err="1"/>
+              <a:t>nginx</a:t>
+            </a:r>
+            <a:r>
+              <a:rPr lang="de-DE" dirty="0"/>
+              <a:t> --</a:t>
+            </a:r>
+            <a:r>
+              <a:rPr lang="de-DE" dirty="0" err="1"/>
+              <a:t>replicas</a:t>
+            </a:r>
+            <a:r>
+              <a:rPr lang="de-DE" b="1" dirty="0"/>
+              <a:t>=</a:t>
+            </a:r>
+            <a:r>
+              <a:rPr lang="de-DE" dirty="0"/>
+              <a:t>2 </a:t>
+            </a:r>
+          </a:p>
+          <a:p>
+            <a:pPr marL="465750" lvl="1" indent="-285750">
+              <a:buFont typeface="Symbol" panose="05050102010706020507" pitchFamily="18" charset="2"/>
+              <a:buChar char="-"/>
+            </a:pPr>
+            <a:r>
+              <a:rPr lang="de-DE" dirty="0" err="1"/>
+              <a:t>kubectl</a:t>
+            </a:r>
+            <a:r>
+              <a:rPr lang="de-DE" dirty="0"/>
+              <a:t> </a:t>
+            </a:r>
+            <a:r>
+              <a:rPr lang="de-DE" dirty="0" err="1"/>
+              <a:t>expose</a:t>
+            </a:r>
+            <a:r>
+              <a:rPr lang="de-DE" dirty="0"/>
+              <a:t> </a:t>
+            </a:r>
+            <a:r>
+              <a:rPr lang="de-DE" dirty="0" err="1"/>
+              <a:t>deployment</a:t>
+            </a:r>
+            <a:r>
+              <a:rPr lang="de-DE" dirty="0"/>
+              <a:t> </a:t>
+            </a:r>
+            <a:r>
+              <a:rPr lang="de-DE" dirty="0" err="1"/>
+              <a:t>nginx</a:t>
+            </a:r>
+            <a:r>
+              <a:rPr lang="de-DE" dirty="0"/>
+              <a:t> --</a:t>
+            </a:r>
+            <a:r>
+              <a:rPr lang="de-DE" dirty="0" err="1"/>
+              <a:t>port</a:t>
+            </a:r>
+            <a:r>
+              <a:rPr lang="de-DE" b="1" dirty="0"/>
+              <a:t>=</a:t>
+            </a:r>
+            <a:r>
+              <a:rPr lang="de-DE" dirty="0"/>
+              <a:t>80</a:t>
+            </a:r>
+          </a:p>
+          <a:p>
+            <a:pPr marL="285750" indent="-285750">
+              <a:buFont typeface="Symbol" panose="05050102010706020507" pitchFamily="18" charset="2"/>
+              <a:buChar char="-"/>
+            </a:pPr>
+            <a:endParaRPr lang="de-DE" dirty="0"/>
+          </a:p>
+          <a:p>
+            <a:pPr marL="285750" indent="-285750">
+              <a:buFont typeface="Symbol" panose="05050102010706020507" pitchFamily="18" charset="2"/>
+              <a:buChar char="-"/>
+            </a:pPr>
+            <a:r>
+              <a:rPr lang="de-DE" dirty="0"/>
+              <a:t>Create a </a:t>
+            </a:r>
+            <a:r>
+              <a:rPr lang="de-DE" dirty="0" err="1"/>
+              <a:t>helper</a:t>
+            </a:r>
+            <a:r>
+              <a:rPr lang="de-DE" dirty="0"/>
+              <a:t> </a:t>
+            </a:r>
+            <a:r>
+              <a:rPr lang="de-DE" dirty="0" err="1"/>
+              <a:t>pod</a:t>
+            </a:r>
+            <a:r>
+              <a:rPr lang="de-DE" dirty="0"/>
+              <a:t>, </a:t>
+            </a:r>
+            <a:r>
+              <a:rPr lang="de-DE" dirty="0" err="1"/>
+              <a:t>logon</a:t>
+            </a:r>
+            <a:r>
+              <a:rPr lang="de-DE" dirty="0"/>
+              <a:t> </a:t>
+            </a:r>
+            <a:r>
+              <a:rPr lang="de-DE" dirty="0" err="1"/>
+              <a:t>to</a:t>
+            </a:r>
+            <a:r>
+              <a:rPr lang="de-DE" dirty="0"/>
+              <a:t> </a:t>
+            </a:r>
+            <a:r>
+              <a:rPr lang="de-DE" dirty="0" err="1"/>
+              <a:t>it</a:t>
+            </a:r>
+            <a:r>
+              <a:rPr lang="de-DE" dirty="0"/>
+              <a:t> and </a:t>
+            </a:r>
+            <a:r>
+              <a:rPr lang="de-DE" dirty="0" err="1"/>
+              <a:t>get</a:t>
+            </a:r>
+            <a:r>
+              <a:rPr lang="de-DE" dirty="0"/>
+              <a:t> </a:t>
+            </a:r>
+            <a:r>
+              <a:rPr lang="de-DE" dirty="0" err="1"/>
+              <a:t>the</a:t>
+            </a:r>
+            <a:r>
+              <a:rPr lang="de-DE" dirty="0"/>
+              <a:t> index.html </a:t>
+            </a:r>
+            <a:r>
+              <a:rPr lang="de-DE" dirty="0" err="1"/>
+              <a:t>page</a:t>
+            </a:r>
+            <a:r>
+              <a:rPr lang="de-DE" dirty="0"/>
+              <a:t> </a:t>
+            </a:r>
+            <a:r>
+              <a:rPr lang="de-DE" dirty="0" err="1"/>
+              <a:t>from</a:t>
+            </a:r>
+            <a:r>
+              <a:rPr lang="de-DE" dirty="0"/>
+              <a:t> </a:t>
+            </a:r>
+            <a:r>
+              <a:rPr lang="de-DE" dirty="0" err="1"/>
+              <a:t>the</a:t>
+            </a:r>
+            <a:r>
+              <a:rPr lang="de-DE" dirty="0"/>
+              <a:t> </a:t>
+            </a:r>
+            <a:r>
+              <a:rPr lang="de-DE" dirty="0" err="1"/>
+              <a:t>nginx</a:t>
+            </a:r>
+            <a:r>
+              <a:rPr lang="de-DE" dirty="0"/>
+              <a:t> backend.</a:t>
+            </a:r>
+          </a:p>
+          <a:p>
+            <a:pPr marL="465750" lvl="1" indent="-285750">
+              <a:buFont typeface="Symbol" panose="05050102010706020507" pitchFamily="18" charset="2"/>
+              <a:buChar char="-"/>
+            </a:pPr>
+            <a:r>
+              <a:rPr lang="de-DE" dirty="0" err="1"/>
+              <a:t>kubectl</a:t>
+            </a:r>
+            <a:r>
+              <a:rPr lang="de-DE" dirty="0"/>
+              <a:t> </a:t>
+            </a:r>
+            <a:r>
+              <a:rPr lang="de-DE" dirty="0" err="1"/>
+              <a:t>run</a:t>
+            </a:r>
+            <a:r>
+              <a:rPr lang="de-DE" dirty="0"/>
+              <a:t> </a:t>
+            </a:r>
+            <a:r>
+              <a:rPr lang="de-DE" dirty="0" err="1"/>
+              <a:t>connector</a:t>
+            </a:r>
+            <a:r>
+              <a:rPr lang="de-DE" dirty="0"/>
+              <a:t> --</a:t>
+            </a:r>
+            <a:r>
+              <a:rPr lang="de-DE" dirty="0" err="1"/>
+              <a:t>rm</a:t>
+            </a:r>
+            <a:r>
+              <a:rPr lang="de-DE" dirty="0"/>
+              <a:t> -</a:t>
+            </a:r>
+            <a:r>
+              <a:rPr lang="de-DE" dirty="0" err="1"/>
+              <a:t>ti</a:t>
+            </a:r>
+            <a:r>
+              <a:rPr lang="de-DE" dirty="0"/>
+              <a:t> --</a:t>
+            </a:r>
+            <a:r>
+              <a:rPr lang="de-DE" dirty="0" err="1"/>
+              <a:t>restart</a:t>
+            </a:r>
+            <a:r>
+              <a:rPr lang="de-DE" dirty="0"/>
+              <a:t>=Never --image</a:t>
+            </a:r>
+            <a:r>
+              <a:rPr lang="de-DE" b="1" dirty="0"/>
+              <a:t>=</a:t>
+            </a:r>
+            <a:r>
+              <a:rPr lang="de-DE" dirty="0"/>
+              <a:t>alpine:3.8</a:t>
+            </a:r>
+          </a:p>
+          <a:p>
+            <a:pPr marL="465750" lvl="1" indent="-285750">
+              <a:buFont typeface="Symbol" panose="05050102010706020507" pitchFamily="18" charset="2"/>
+              <a:buChar char="-"/>
+            </a:pPr>
+            <a:r>
+              <a:rPr lang="de-DE" dirty="0"/>
+              <a:t># </a:t>
+            </a:r>
+            <a:r>
+              <a:rPr lang="de-DE" dirty="0" err="1"/>
+              <a:t>wget</a:t>
+            </a:r>
+            <a:r>
+              <a:rPr lang="de-DE" dirty="0"/>
+              <a:t> --timeout=1 </a:t>
+            </a:r>
+            <a:r>
+              <a:rPr lang="de-DE" dirty="0" err="1"/>
+              <a:t>nginx</a:t>
+            </a:r>
+            <a:endParaRPr lang="de-DE" dirty="0"/>
+          </a:p>
+          <a:p>
+            <a:pPr marL="465750" lvl="1" indent="-285750">
+              <a:buFont typeface="Symbol" panose="05050102010706020507" pitchFamily="18" charset="2"/>
+              <a:buChar char="-"/>
+            </a:pPr>
+            <a:r>
+              <a:rPr lang="en-US" dirty="0"/>
+              <a:t>Remove the index.html page &amp; stay connected to the shell session</a:t>
+            </a:r>
+          </a:p>
+          <a:p>
+            <a:pPr marL="285750" indent="-285750">
+              <a:buFont typeface="Symbol" panose="05050102010706020507" pitchFamily="18" charset="2"/>
+              <a:buChar char="-"/>
+            </a:pPr>
+            <a:endParaRPr lang="en-US" dirty="0"/>
+          </a:p>
+          <a:p>
+            <a:pPr marL="285750" indent="-285750">
+              <a:buFont typeface="Symbol" panose="05050102010706020507" pitchFamily="18" charset="2"/>
+              <a:buChar char="-"/>
+            </a:pPr>
+            <a:r>
+              <a:rPr lang="en-US" dirty="0"/>
+              <a:t>Create the network policy in a 2</a:t>
+            </a:r>
+            <a:r>
+              <a:rPr lang="en-US" baseline="30000" dirty="0"/>
+              <a:t>nd</a:t>
+            </a:r>
+            <a:r>
+              <a:rPr lang="en-US" dirty="0"/>
+              <a:t> shell:</a:t>
+            </a:r>
+          </a:p>
+          <a:p>
+            <a:pPr marL="465750" lvl="1" indent="-285750">
+              <a:buFont typeface="Symbol" panose="05050102010706020507" pitchFamily="18" charset="2"/>
+              <a:buChar char="-"/>
+            </a:pPr>
+            <a:r>
+              <a:rPr lang="en-US" dirty="0" err="1"/>
+              <a:t>kubectl</a:t>
+            </a:r>
+            <a:r>
+              <a:rPr lang="en-US" dirty="0"/>
+              <a:t> create –f network-</a:t>
+            </a:r>
+            <a:r>
+              <a:rPr lang="en-US" dirty="0" err="1"/>
+              <a:t>policy.yaml</a:t>
+            </a:r>
+            <a:endParaRPr lang="en-US" dirty="0"/>
+          </a:p>
+          <a:p>
+            <a:pPr marL="465750" lvl="1" indent="-285750">
+              <a:buFont typeface="Symbol" panose="05050102010706020507" pitchFamily="18" charset="2"/>
+              <a:buChar char="-"/>
+            </a:pPr>
+            <a:r>
+              <a:rPr lang="en-US" dirty="0"/>
+              <a:t>Show the network policy definition and explain:</a:t>
+            </a:r>
+          </a:p>
+          <a:p>
+            <a:pPr marL="645750" lvl="2" indent="-285750">
+              <a:buFont typeface="Symbol" panose="05050102010706020507" pitchFamily="18" charset="2"/>
+              <a:buChar char="-"/>
+            </a:pPr>
+            <a:r>
+              <a:rPr lang="en-US" dirty="0"/>
+              <a:t>it’s implicitly a whitelisting</a:t>
+            </a:r>
+          </a:p>
+          <a:p>
+            <a:pPr marL="645750" lvl="2" indent="-285750">
+              <a:buFont typeface="Symbol" panose="05050102010706020507" pitchFamily="18" charset="2"/>
+              <a:buChar char="-"/>
+            </a:pPr>
+            <a:r>
+              <a:rPr lang="en-US" dirty="0"/>
+              <a:t>network policy can handle egress and ingress traffic. However the example is only of incoming (ingress) traffic.</a:t>
+            </a:r>
+          </a:p>
+          <a:p>
+            <a:pPr marL="645750" lvl="2" indent="-285750">
+              <a:buFont typeface="Symbol" panose="05050102010706020507" pitchFamily="18" charset="2"/>
+              <a:buChar char="-"/>
+            </a:pPr>
+            <a:r>
+              <a:rPr lang="en-US" dirty="0"/>
+              <a:t>The </a:t>
+            </a:r>
+            <a:r>
+              <a:rPr lang="en-US" dirty="0" err="1"/>
+              <a:t>cidr</a:t>
+            </a:r>
+            <a:r>
+              <a:rPr lang="en-US" dirty="0"/>
+              <a:t> block are required, if you want to access your service later from SAP networks. Otherwise all requested without the label (i.e. not cluster internal) will be blocked too.</a:t>
+            </a:r>
+          </a:p>
+          <a:p>
+            <a:pPr marL="465750" lvl="1" indent="-285750">
+              <a:buFont typeface="Symbol" panose="05050102010706020507" pitchFamily="18" charset="2"/>
+              <a:buChar char="-"/>
+            </a:pPr>
+            <a:endParaRPr lang="en-US" dirty="0"/>
+          </a:p>
+          <a:p>
+            <a:pPr marL="285750" indent="-285750">
+              <a:buFont typeface="Symbol" panose="05050102010706020507" pitchFamily="18" charset="2"/>
+              <a:buChar char="-"/>
+            </a:pPr>
+            <a:r>
+              <a:rPr lang="en-US" dirty="0"/>
+              <a:t>Switch back to the helper pod and re-run the </a:t>
+            </a:r>
+            <a:r>
+              <a:rPr lang="en-US" dirty="0" err="1"/>
+              <a:t>wget</a:t>
+            </a:r>
+            <a:r>
+              <a:rPr lang="en-US" dirty="0"/>
+              <a:t> command </a:t>
+            </a:r>
+            <a:r>
+              <a:rPr lang="en-US" dirty="0">
+                <a:sym typeface="Wingdings" panose="05000000000000000000" pitchFamily="2" charset="2"/>
+              </a:rPr>
+              <a:t> expected result: failure due to the missing label</a:t>
+            </a:r>
+            <a:endParaRPr lang="en-US" dirty="0"/>
+          </a:p>
+          <a:p>
+            <a:pPr marL="285750" indent="-285750">
+              <a:buFont typeface="Symbol" panose="05050102010706020507" pitchFamily="18" charset="2"/>
+              <a:buChar char="-"/>
+            </a:pPr>
+            <a:r>
+              <a:rPr lang="en-US" dirty="0"/>
+              <a:t>Label you helper pod accordingly (can be done from the 2</a:t>
+            </a:r>
+            <a:r>
+              <a:rPr lang="en-US" baseline="30000" dirty="0"/>
+              <a:t>nd</a:t>
+            </a:r>
+            <a:r>
+              <a:rPr lang="en-US" dirty="0"/>
+              <a:t> shell session, so stay connected to your helper pod)</a:t>
+            </a:r>
+          </a:p>
+          <a:p>
+            <a:pPr marL="465750" lvl="1" indent="-285750">
+              <a:buFont typeface="Symbol" panose="05050102010706020507" pitchFamily="18" charset="2"/>
+              <a:buChar char="-"/>
+            </a:pPr>
+            <a:r>
+              <a:rPr lang="en-US" dirty="0" err="1"/>
+              <a:t>kubectl</a:t>
+            </a:r>
+            <a:r>
+              <a:rPr lang="en-US" dirty="0"/>
+              <a:t> label pod connector access=true</a:t>
+            </a:r>
+          </a:p>
+          <a:p>
+            <a:pPr marL="285750" lvl="0" indent="-285750">
+              <a:buFont typeface="Symbol" panose="05050102010706020507" pitchFamily="18" charset="2"/>
+              <a:buChar char="-"/>
+            </a:pPr>
+            <a:endParaRPr lang="en-US" dirty="0"/>
+          </a:p>
+          <a:p>
+            <a:pPr marL="285750" lvl="0" indent="-285750">
+              <a:buFont typeface="Symbol" panose="05050102010706020507" pitchFamily="18" charset="2"/>
+              <a:buChar char="-"/>
+            </a:pPr>
+            <a:r>
+              <a:rPr lang="en-US" dirty="0"/>
+              <a:t>Re-run the </a:t>
+            </a:r>
+            <a:r>
+              <a:rPr lang="en-US" dirty="0" err="1"/>
+              <a:t>wget</a:t>
+            </a:r>
+            <a:r>
+              <a:rPr lang="en-US" dirty="0"/>
+              <a:t> command </a:t>
+            </a:r>
+            <a:r>
+              <a:rPr lang="en-US" dirty="0">
+                <a:sym typeface="Wingdings" panose="05000000000000000000" pitchFamily="2" charset="2"/>
+              </a:rPr>
+              <a:t> expected result: works again</a:t>
+            </a:r>
+          </a:p>
+          <a:p>
+            <a:pPr marL="285750" lvl="0" indent="-285750">
+              <a:buFont typeface="Symbol" panose="05050102010706020507" pitchFamily="18" charset="2"/>
+              <a:buChar char="-"/>
+            </a:pPr>
+            <a:endParaRPr lang="en-US" dirty="0">
+              <a:sym typeface="Wingdings" panose="05000000000000000000" pitchFamily="2" charset="2"/>
+            </a:endParaRPr>
+          </a:p>
+          <a:p>
+            <a:pPr marL="0" lvl="0" indent="0">
+              <a:buFont typeface="Symbol" panose="05050102010706020507" pitchFamily="18" charset="2"/>
+              <a:buNone/>
+            </a:pPr>
             <a:endParaRPr lang="en-US" dirty="0"/>
           </a:p>
         </p:txBody>
@@ -2128,18 +2297,18 @@
           <a:lstStyle/>
           <a:p>
             <a:fld id="{7D8C2C35-2B8A-446E-BEC0-FD36716C29AC}" type="slidenum">
-              <a:rPr lang="en-US" smtClean="0"/>
+              <a:rPr lang="de-DE" smtClean="0"/>
               <a:pPr/>
-              <a:t>18</a:t>
+              <a:t>17</a:t>
             </a:fld>
-            <a:endParaRPr lang="en-US" dirty="0"/>
+            <a:endParaRPr lang="de-DE" dirty="0"/>
           </a:p>
         </p:txBody>
       </p:sp>
     </p:spTree>
     <p:extLst>
       <p:ext uri="{BB962C8B-B14F-4D97-AF65-F5344CB8AC3E}">
-        <p14:creationId xmlns:p14="http://schemas.microsoft.com/office/powerpoint/2010/main" val="1582342442"/>
+        <p14:creationId xmlns:p14="http://schemas.microsoft.com/office/powerpoint/2010/main" val="2053658473"/>
       </p:ext>
     </p:extLst>
   </p:cSld>
@@ -2213,18 +2382,18 @@
           <a:lstStyle/>
           <a:p>
             <a:fld id="{7D8C2C35-2B8A-446E-BEC0-FD36716C29AC}" type="slidenum">
-              <a:rPr lang="de-DE" smtClean="0"/>
+              <a:rPr lang="en-US" smtClean="0"/>
               <a:pPr/>
               <a:t>19</a:t>
             </a:fld>
-            <a:endParaRPr lang="de-DE" dirty="0"/>
+            <a:endParaRPr lang="en-US" dirty="0"/>
           </a:p>
         </p:txBody>
       </p:sp>
     </p:spTree>
     <p:extLst>
       <p:ext uri="{BB962C8B-B14F-4D97-AF65-F5344CB8AC3E}">
-        <p14:creationId xmlns:p14="http://schemas.microsoft.com/office/powerpoint/2010/main" val="3466716593"/>
+        <p14:creationId xmlns:p14="http://schemas.microsoft.com/office/powerpoint/2010/main" val="1582342442"/>
       </p:ext>
     </p:extLst>
   </p:cSld>
@@ -2309,7 +2478,7 @@
     </p:spTree>
     <p:extLst>
       <p:ext uri="{BB962C8B-B14F-4D97-AF65-F5344CB8AC3E}">
-        <p14:creationId xmlns:p14="http://schemas.microsoft.com/office/powerpoint/2010/main" val="157809321"/>
+        <p14:creationId xmlns:p14="http://schemas.microsoft.com/office/powerpoint/2010/main" val="3466716593"/>
       </p:ext>
     </p:extLst>
   </p:cSld>
@@ -2360,70 +2529,9 @@
         </p:nvSpPr>
         <p:spPr/>
         <p:txBody>
-          <a:bodyPr>
-            <a:normAutofit/>
-          </a:bodyPr>
+          <a:bodyPr/>
           <a:lstStyle/>
           <a:p>
-            <a:r>
-              <a:rPr lang="en-US" baseline="0" dirty="0"/>
-              <a:t>Optional demo: </a:t>
-            </a:r>
-          </a:p>
-          <a:p>
-            <a:r>
-              <a:rPr lang="en-US" baseline="0" dirty="0"/>
-              <a:t>To access the cluster’s dashboard, use the Gardener UI or port-forward the to dashboard pod (example: </a:t>
-            </a:r>
-            <a:r>
-              <a:rPr lang="en-US" baseline="0" dirty="0" err="1"/>
-              <a:t>kubectl</a:t>
-            </a:r>
-            <a:r>
-              <a:rPr lang="en-US" baseline="0" dirty="0"/>
-              <a:t> port-forward -n </a:t>
-            </a:r>
-            <a:r>
-              <a:rPr lang="en-US" baseline="0" dirty="0" err="1"/>
-              <a:t>kube</a:t>
-            </a:r>
-            <a:r>
-              <a:rPr lang="en-US" baseline="0" dirty="0"/>
-              <a:t>-system addons-kubernetes-dashboard-5486b968b7-zf62b 8443:8443)</a:t>
-            </a:r>
-          </a:p>
-          <a:p>
-            <a:endParaRPr lang="en-US" baseline="0" dirty="0"/>
-          </a:p>
-          <a:p>
-            <a:r>
-              <a:rPr lang="en-US" baseline="0" dirty="0"/>
-              <a:t>Demo the dashboard</a:t>
-            </a:r>
-          </a:p>
-          <a:p>
-            <a:r>
-              <a:rPr lang="en-US" baseline="0" dirty="0"/>
-              <a:t>- Show status info &amp; utilization of nodes</a:t>
-            </a:r>
-          </a:p>
-          <a:p>
-            <a:r>
-              <a:rPr lang="en-US" dirty="0"/>
-              <a:t>- Show deployments</a:t>
-            </a:r>
-            <a:r>
-              <a:rPr lang="en-US" baseline="0" dirty="0"/>
-              <a:t> </a:t>
-            </a:r>
-            <a:r>
-              <a:rPr lang="en-US" dirty="0"/>
-              <a:t>&amp; services and how to create a new</a:t>
-            </a:r>
-            <a:r>
-              <a:rPr lang="en-US" baseline="0" dirty="0"/>
-              <a:t> deployment</a:t>
-            </a:r>
             <a:endParaRPr lang="en-US" dirty="0"/>
           </a:p>
         </p:txBody>
@@ -2455,7 +2563,7 @@
     </p:spTree>
     <p:extLst>
       <p:ext uri="{BB962C8B-B14F-4D97-AF65-F5344CB8AC3E}">
-        <p14:creationId xmlns:p14="http://schemas.microsoft.com/office/powerpoint/2010/main" val="3052625252"/>
+        <p14:creationId xmlns:p14="http://schemas.microsoft.com/office/powerpoint/2010/main" val="157809321"/>
       </p:ext>
     </p:extLst>
   </p:cSld>
@@ -2674,41 +2782,69 @@
         </p:nvSpPr>
         <p:spPr/>
         <p:txBody>
-          <a:bodyPr/>
+          <a:bodyPr>
+            <a:normAutofit/>
+          </a:bodyPr>
           <a:lstStyle/>
           <a:p>
             <a:r>
+              <a:rPr lang="en-US" baseline="0" dirty="0"/>
+              <a:t>Optional demo: </a:t>
+            </a:r>
+          </a:p>
+          <a:p>
+            <a:r>
+              <a:rPr lang="en-US" baseline="0" dirty="0"/>
+              <a:t>To access the cluster’s dashboard, use the Gardener UI or port-forward the to dashboard pod (example: </a:t>
+            </a:r>
+            <a:r>
+              <a:rPr lang="en-US" baseline="0" dirty="0" err="1"/>
+              <a:t>kubectl</a:t>
+            </a:r>
+            <a:r>
+              <a:rPr lang="en-US" baseline="0" dirty="0"/>
+              <a:t> port-forward -n </a:t>
+            </a:r>
+            <a:r>
+              <a:rPr lang="en-US" baseline="0" dirty="0" err="1"/>
+              <a:t>kube</a:t>
+            </a:r>
+            <a:r>
+              <a:rPr lang="en-US" baseline="0" dirty="0"/>
+              <a:t>-system addons-kubernetes-dashboard-5486b968b7-zf62b 8443:8443)</a:t>
+            </a:r>
+          </a:p>
+          <a:p>
+            <a:endParaRPr lang="en-US" baseline="0" dirty="0"/>
+          </a:p>
+          <a:p>
+            <a:r>
+              <a:rPr lang="en-US" baseline="0" dirty="0"/>
+              <a:t>Demo the dashboard</a:t>
+            </a:r>
+          </a:p>
+          <a:p>
+            <a:r>
+              <a:rPr lang="en-US" baseline="0" dirty="0"/>
+              <a:t>- Show status info &amp; utilization of nodes</a:t>
+            </a:r>
+          </a:p>
+          <a:p>
+            <a:r>
               <a:rPr lang="en-US" dirty="0"/>
-              <a:t>Gardener is SAP’s solution for managed </a:t>
-            </a:r>
-            <a:r>
-              <a:rPr lang="en-US" dirty="0" err="1"/>
-              <a:t>kubernetes</a:t>
+              <a:t>- Show deployments</a:t>
+            </a:r>
+            <a:r>
+              <a:rPr lang="en-US" baseline="0" dirty="0"/>
+              <a:t> </a:t>
             </a:r>
             <a:r>
               <a:rPr lang="en-US" dirty="0"/>
-              <a:t> cluster. It is open source &amp; completely available on </a:t>
-            </a:r>
-            <a:r>
-              <a:rPr lang="en-US" dirty="0" err="1"/>
-              <a:t>github</a:t>
-            </a:r>
-            <a:r>
-              <a:rPr lang="en-US" dirty="0"/>
-              <a:t>: https://github.com/gardener/gardener/ </a:t>
-            </a:r>
-          </a:p>
-          <a:p>
-            <a:endParaRPr lang="en-US" dirty="0"/>
-          </a:p>
-          <a:p>
-            <a:r>
-              <a:rPr lang="en-US" dirty="0"/>
-              <a:t>Show internal landing page: https://github.wdf.sap.corp/pages/kubernetes/gardener/ including blog </a:t>
-            </a:r>
-            <a:r>
-              <a:rPr lang="en-US"/>
-              <a:t>&amp; help section</a:t>
+              <a:t>&amp; services and how to create a new</a:t>
+            </a:r>
+            <a:r>
+              <a:rPr lang="en-US" baseline="0" dirty="0"/>
+              <a:t> deployment</a:t>
             </a:r>
             <a:endParaRPr lang="en-US" dirty="0"/>
           </a:p>
@@ -2741,7 +2877,7 @@
     </p:spTree>
     <p:extLst>
       <p:ext uri="{BB962C8B-B14F-4D97-AF65-F5344CB8AC3E}">
-        <p14:creationId xmlns:p14="http://schemas.microsoft.com/office/powerpoint/2010/main" val="3611099769"/>
+        <p14:creationId xmlns:p14="http://schemas.microsoft.com/office/powerpoint/2010/main" val="3052625252"/>
       </p:ext>
     </p:extLst>
   </p:cSld>
@@ -2797,8 +2933,38 @@
           <a:p>
             <a:r>
               <a:rPr lang="en-US" dirty="0"/>
-              <a:t>Setting up lots of small clusters individually leads to resource waste. The control plane / master needs to be high available but the resources reserved for fail-over usually idle.</a:t>
-            </a:r>
+              <a:t>Gardener is SAP’s solution for managed </a:t>
+            </a:r>
+            <a:r>
+              <a:rPr lang="en-US" dirty="0" err="1"/>
+              <a:t>kubernetes</a:t>
+            </a:r>
+            <a:r>
+              <a:rPr lang="en-US" dirty="0"/>
+              <a:t> cluster. It is open source &amp; completely available on </a:t>
+            </a:r>
+            <a:r>
+              <a:rPr lang="en-US" dirty="0" err="1"/>
+              <a:t>github</a:t>
+            </a:r>
+            <a:r>
+              <a:rPr lang="en-US" dirty="0"/>
+              <a:t>: https://github.com/gardener/gardener/ </a:t>
+            </a:r>
+          </a:p>
+          <a:p>
+            <a:endParaRPr lang="en-US" dirty="0"/>
+          </a:p>
+          <a:p>
+            <a:r>
+              <a:rPr lang="en-US" dirty="0"/>
+              <a:t>Show internal landing page: https://github.wdf.sap.corp/pages/kubernetes/gardener/ including blog </a:t>
+            </a:r>
+            <a:r>
+              <a:rPr lang="en-US"/>
+              <a:t>&amp; help section</a:t>
+            </a:r>
+            <a:endParaRPr lang="en-US" dirty="0"/>
           </a:p>
         </p:txBody>
       </p:sp>
@@ -2818,18 +2984,18 @@
           <a:lstStyle/>
           <a:p>
             <a:fld id="{7D8C2C35-2B8A-446E-BEC0-FD36716C29AC}" type="slidenum">
-              <a:rPr lang="en-US" smtClean="0"/>
+              <a:rPr lang="de-DE" smtClean="0"/>
               <a:pPr/>
               <a:t>23</a:t>
             </a:fld>
-            <a:endParaRPr lang="en-US" dirty="0"/>
+            <a:endParaRPr lang="de-DE" dirty="0"/>
           </a:p>
         </p:txBody>
       </p:sp>
     </p:spTree>
     <p:extLst>
       <p:ext uri="{BB962C8B-B14F-4D97-AF65-F5344CB8AC3E}">
-        <p14:creationId xmlns:p14="http://schemas.microsoft.com/office/powerpoint/2010/main" val="1487314377"/>
+        <p14:creationId xmlns:p14="http://schemas.microsoft.com/office/powerpoint/2010/main" val="3611099769"/>
       </p:ext>
     </p:extLst>
   </p:cSld>
@@ -2885,13 +3051,8 @@
           <a:p>
             <a:r>
               <a:rPr lang="en-US" dirty="0"/>
-              <a:t>Solution: Gardener runs the control plane / master components of many “worker” clusters in a </a:t>
-            </a:r>
-            <a:r>
-              <a:rPr lang="en-US"/>
-              <a:t>separate cluster</a:t>
-            </a:r>
-            <a:endParaRPr lang="en-US" dirty="0"/>
+              <a:t>Setting up lots of small clusters individually leads to resource waste. The control plane / master needs to be high available but the resources reserved for fail-over usually idle.</a:t>
+            </a:r>
           </a:p>
         </p:txBody>
       </p:sp>
@@ -2911,9 +3072,102 @@
           <a:lstStyle/>
           <a:p>
             <a:fld id="{7D8C2C35-2B8A-446E-BEC0-FD36716C29AC}" type="slidenum">
+              <a:rPr lang="en-US" smtClean="0"/>
+              <a:pPr/>
+              <a:t>24</a:t>
+            </a:fld>
+            <a:endParaRPr lang="en-US" dirty="0"/>
+          </a:p>
+        </p:txBody>
+      </p:sp>
+    </p:spTree>
+    <p:extLst>
+      <p:ext uri="{BB962C8B-B14F-4D97-AF65-F5344CB8AC3E}">
+        <p14:creationId xmlns:p14="http://schemas.microsoft.com/office/powerpoint/2010/main" val="1487314377"/>
+      </p:ext>
+    </p:extLst>
+  </p:cSld>
+  <p:clrMapOvr>
+    <a:masterClrMapping/>
+  </p:clrMapOvr>
+</p:notes>
+</file>
+
+<file path=ppt/notesSlides/notesSlide23.xml><?xml version="1.0" encoding="utf-8"?>
+<p:notes xmlns:a="http://schemas.openxmlformats.org/drawingml/2006/main" xmlns:r="http://schemas.openxmlformats.org/officeDocument/2006/relationships" xmlns:p="http://schemas.openxmlformats.org/presentationml/2006/main">
+  <p:cSld>
+    <p:spTree>
+      <p:nvGrpSpPr>
+        <p:cNvPr id="1" name=""/>
+        <p:cNvGrpSpPr/>
+        <p:nvPr/>
+      </p:nvGrpSpPr>
+      <p:grpSpPr>
+        <a:xfrm>
+          <a:off x="0" y="0"/>
+          <a:ext cx="0" cy="0"/>
+          <a:chOff x="0" y="0"/>
+          <a:chExt cx="0" cy="0"/>
+        </a:xfrm>
+      </p:grpSpPr>
+      <p:sp>
+        <p:nvSpPr>
+          <p:cNvPr id="2" name="Slide Image Placeholder 1"/>
+          <p:cNvSpPr>
+            <a:spLocks noGrp="1" noRot="1" noChangeAspect="1"/>
+          </p:cNvSpPr>
+          <p:nvPr>
+            <p:ph type="sldImg"/>
+          </p:nvPr>
+        </p:nvSpPr>
+        <p:spPr/>
+      </p:sp>
+      <p:sp>
+        <p:nvSpPr>
+          <p:cNvPr id="3" name="Notes Placeholder 2"/>
+          <p:cNvSpPr>
+            <a:spLocks noGrp="1"/>
+          </p:cNvSpPr>
+          <p:nvPr>
+            <p:ph type="body" idx="1"/>
+          </p:nvPr>
+        </p:nvSpPr>
+        <p:spPr/>
+        <p:txBody>
+          <a:bodyPr/>
+          <a:lstStyle/>
+          <a:p>
+            <a:r>
+              <a:rPr lang="en-US" dirty="0"/>
+              <a:t>Solution: Gardener runs the control plane / master components of many “worker” clusters in a </a:t>
+            </a:r>
+            <a:r>
+              <a:rPr lang="en-US"/>
+              <a:t>separate cluster</a:t>
+            </a:r>
+            <a:endParaRPr lang="en-US" dirty="0"/>
+          </a:p>
+        </p:txBody>
+      </p:sp>
+      <p:sp>
+        <p:nvSpPr>
+          <p:cNvPr id="4" name="Slide Number Placeholder 3"/>
+          <p:cNvSpPr>
+            <a:spLocks noGrp="1"/>
+          </p:cNvSpPr>
+          <p:nvPr>
+            <p:ph type="sldNum" sz="quarter" idx="10"/>
+          </p:nvPr>
+        </p:nvSpPr>
+        <p:spPr/>
+        <p:txBody>
+          <a:bodyPr/>
+          <a:lstStyle/>
+          <a:p>
+            <a:fld id="{7D8C2C35-2B8A-446E-BEC0-FD36716C29AC}" type="slidenum">
               <a:rPr lang="de-DE" smtClean="0"/>
               <a:pPr/>
-              <a:t>24</a:t>
+              <a:t>25</a:t>
             </a:fld>
             <a:endParaRPr lang="de-DE" dirty="0"/>
           </a:p>
@@ -2932,7 +3186,7 @@
 </p:notes>
 </file>
 
-<file path=ppt/notesSlides/notesSlide23.xml><?xml version="1.0" encoding="utf-8"?>
+<file path=ppt/notesSlides/notesSlide24.xml><?xml version="1.0" encoding="utf-8"?>
 <p:notes xmlns:a="http://schemas.openxmlformats.org/drawingml/2006/main" xmlns:r="http://schemas.openxmlformats.org/officeDocument/2006/relationships" xmlns:p="http://schemas.openxmlformats.org/presentationml/2006/main">
   <p:cSld>
     <p:spTree>
@@ -2967,7 +3221,7 @@
             <a:fld id="{7D8C2C35-2B8A-446E-BEC0-FD36716C29AC}" type="slidenum">
               <a:rPr lang="en-US" smtClean="0"/>
               <a:pPr/>
-              <a:t>25</a:t>
+              <a:t>26</a:t>
             </a:fld>
             <a:endParaRPr lang="en-US" dirty="0"/>
           </a:p>
@@ -18896,6 +19150,94 @@
       </p:grpSpPr>
       <p:sp>
         <p:nvSpPr>
+          <p:cNvPr id="2" name="Title 1">
+            <a:extLst>
+              <a:ext uri="{FF2B5EF4-FFF2-40B4-BE49-F238E27FC236}">
+                <a16:creationId xmlns:a16="http://schemas.microsoft.com/office/drawing/2014/main" id="{2D4BD4BF-5C0E-4BE1-A99C-25DBDC85D9CD}"/>
+              </a:ext>
+            </a:extLst>
+          </p:cNvPr>
+          <p:cNvSpPr>
+            <a:spLocks noGrp="1"/>
+          </p:cNvSpPr>
+          <p:nvPr>
+            <p:ph type="title"/>
+          </p:nvPr>
+        </p:nvSpPr>
+        <p:spPr/>
+        <p:txBody>
+          <a:bodyPr/>
+          <a:lstStyle/>
+          <a:p>
+            <a:r>
+              <a:rPr lang="en-US" dirty="0"/>
+              <a:t>Optional Demo</a:t>
+            </a:r>
+          </a:p>
+        </p:txBody>
+      </p:sp>
+      <p:pic>
+        <p:nvPicPr>
+          <p:cNvPr id="18" name="Picture 17">
+            <a:extLst>
+              <a:ext uri="{FF2B5EF4-FFF2-40B4-BE49-F238E27FC236}">
+                <a16:creationId xmlns:a16="http://schemas.microsoft.com/office/drawing/2014/main" id="{FC355B51-9D60-4DBB-9EF1-08294FF8959E}"/>
+              </a:ext>
+            </a:extLst>
+          </p:cNvPr>
+          <p:cNvPicPr>
+            <a:picLocks noChangeAspect="1"/>
+          </p:cNvPicPr>
+          <p:nvPr/>
+        </p:nvPicPr>
+        <p:blipFill>
+          <a:blip r:embed="rId3"/>
+          <a:stretch>
+            <a:fillRect/>
+          </a:stretch>
+        </p:blipFill>
+        <p:spPr>
+          <a:xfrm>
+            <a:off x="3849419" y="1181180"/>
+            <a:ext cx="4495640" cy="4495640"/>
+          </a:xfrm>
+          <a:prstGeom prst="rect">
+            <a:avLst/>
+          </a:prstGeom>
+        </p:spPr>
+      </p:pic>
+    </p:spTree>
+    <p:extLst>
+      <p:ext uri="{BB962C8B-B14F-4D97-AF65-F5344CB8AC3E}">
+        <p14:creationId xmlns:p14="http://schemas.microsoft.com/office/powerpoint/2010/main" val="1414088338"/>
+      </p:ext>
+    </p:extLst>
+  </p:cSld>
+  <p:clrMapOvr>
+    <a:masterClrMapping/>
+  </p:clrMapOvr>
+</p:sld>
+</file>
+
+<file path=ppt/slides/slide13.xml><?xml version="1.0" encoding="utf-8"?>
+<p:sld xmlns:a="http://schemas.openxmlformats.org/drawingml/2006/main" xmlns:r="http://schemas.openxmlformats.org/officeDocument/2006/relationships" xmlns:p="http://schemas.openxmlformats.org/presentationml/2006/main">
+  <p:cSld>
+    <p:spTree>
+      <p:nvGrpSpPr>
+        <p:cNvPr id="1" name=""/>
+        <p:cNvGrpSpPr/>
+        <p:nvPr/>
+      </p:nvGrpSpPr>
+      <p:grpSpPr>
+        <a:xfrm>
+          <a:off x="0" y="0"/>
+          <a:ext cx="0" cy="0"/>
+          <a:chOff x="0" y="0"/>
+          <a:chExt cx="0" cy="0"/>
+        </a:xfrm>
+      </p:grpSpPr>
+      <p:sp>
+        <p:nvSpPr>
           <p:cNvPr id="5" name="Text Placeholder 4"/>
           <p:cNvSpPr>
             <a:spLocks noGrp="1"/>
@@ -19019,7 +19361,7 @@
 </p:sld>
 </file>
 
-<file path=ppt/slides/slide13.xml><?xml version="1.0" encoding="utf-8"?>
+<file path=ppt/slides/slide14.xml><?xml version="1.0" encoding="utf-8"?>
 <p:sld xmlns:a="http://schemas.openxmlformats.org/drawingml/2006/main" xmlns:r="http://schemas.openxmlformats.org/officeDocument/2006/relationships" xmlns:p="http://schemas.openxmlformats.org/presentationml/2006/main">
   <p:cSld>
     <p:spTree>
@@ -19983,7 +20325,7 @@
 </p:sld>
 </file>
 
-<file path=ppt/slides/slide14.xml><?xml version="1.0" encoding="utf-8"?>
+<file path=ppt/slides/slide15.xml><?xml version="1.0" encoding="utf-8"?>
 <p:sld xmlns:a="http://schemas.openxmlformats.org/drawingml/2006/main" xmlns:r="http://schemas.openxmlformats.org/officeDocument/2006/relationships" xmlns:p="http://schemas.openxmlformats.org/presentationml/2006/main">
   <p:cSld>
     <p:spTree>
@@ -21066,7 +21408,7 @@
 </p:sld>
 </file>
 
-<file path=ppt/slides/slide15.xml><?xml version="1.0" encoding="utf-8"?>
+<file path=ppt/slides/slide16.xml><?xml version="1.0" encoding="utf-8"?>
 <p:sld xmlns:a="http://schemas.openxmlformats.org/drawingml/2006/main" xmlns:r="http://schemas.openxmlformats.org/officeDocument/2006/relationships" xmlns:p="http://schemas.openxmlformats.org/presentationml/2006/main" show="0">
   <p:cSld>
     <p:spTree>
@@ -22169,7 +22511,7 @@
 </p:sld>
 </file>
 
-<file path=ppt/slides/slide16.xml><?xml version="1.0" encoding="utf-8"?>
+<file path=ppt/slides/slide17.xml><?xml version="1.0" encoding="utf-8"?>
 <p:sld xmlns:a="http://schemas.openxmlformats.org/drawingml/2006/main" xmlns:r="http://schemas.openxmlformats.org/officeDocument/2006/relationships" xmlns:p="http://schemas.openxmlformats.org/presentationml/2006/main">
   <p:cSld>
     <p:spTree>
@@ -22257,7 +22599,7 @@
 </p:sld>
 </file>
 
-<file path=ppt/slides/slide17.xml><?xml version="1.0" encoding="utf-8"?>
+<file path=ppt/slides/slide18.xml><?xml version="1.0" encoding="utf-8"?>
 <p:sld xmlns:a="http://schemas.openxmlformats.org/drawingml/2006/main" xmlns:r="http://schemas.openxmlformats.org/officeDocument/2006/relationships" xmlns:p="http://schemas.openxmlformats.org/presentationml/2006/main">
   <p:cSld>
     <p:spTree>
@@ -23480,7 +23822,7 @@
 </p:sld>
 </file>
 
-<file path=ppt/slides/slide18.xml><?xml version="1.0" encoding="utf-8"?>
+<file path=ppt/slides/slide19.xml><?xml version="1.0" encoding="utf-8"?>
 <p:sld xmlns:a="http://schemas.openxmlformats.org/drawingml/2006/main" xmlns:r="http://schemas.openxmlformats.org/officeDocument/2006/relationships" xmlns:p="http://schemas.openxmlformats.org/presentationml/2006/main">
   <p:cSld>
     <p:spTree>
@@ -23613,138 +23955,6 @@
     <p:extLst>
       <p:ext uri="{BB962C8B-B14F-4D97-AF65-F5344CB8AC3E}">
         <p14:creationId xmlns:p14="http://schemas.microsoft.com/office/powerpoint/2010/main" val="3023893567"/>
-      </p:ext>
-    </p:extLst>
-  </p:cSld>
-  <p:clrMapOvr>
-    <a:masterClrMapping/>
-  </p:clrMapOvr>
-</p:sld>
-</file>
-
-<file path=ppt/slides/slide19.xml><?xml version="1.0" encoding="utf-8"?>
-<p:sld xmlns:a="http://schemas.openxmlformats.org/drawingml/2006/main" xmlns:r="http://schemas.openxmlformats.org/officeDocument/2006/relationships" xmlns:p="http://schemas.openxmlformats.org/presentationml/2006/main">
-  <p:cSld>
-    <p:spTree>
-      <p:nvGrpSpPr>
-        <p:cNvPr id="1" name=""/>
-        <p:cNvGrpSpPr/>
-        <p:nvPr/>
-      </p:nvGrpSpPr>
-      <p:grpSpPr>
-        <a:xfrm>
-          <a:off x="0" y="0"/>
-          <a:ext cx="0" cy="0"/>
-          <a:chOff x="0" y="0"/>
-          <a:chExt cx="0" cy="0"/>
-        </a:xfrm>
-      </p:grpSpPr>
-      <p:sp>
-        <p:nvSpPr>
-          <p:cNvPr id="3" name="Title 2"/>
-          <p:cNvSpPr>
-            <a:spLocks noGrp="1"/>
-          </p:cNvSpPr>
-          <p:nvPr>
-            <p:ph type="title"/>
-          </p:nvPr>
-        </p:nvSpPr>
-        <p:spPr/>
-        <p:txBody>
-          <a:bodyPr/>
-          <a:lstStyle/>
-          <a:p>
-            <a:r>
-              <a:rPr lang="en-US" dirty="0"/>
-              <a:t>Sometimes working with </a:t>
-            </a:r>
-            <a:r>
-              <a:rPr lang="en-US" dirty="0" err="1"/>
-              <a:t>kubernetes</a:t>
-            </a:r>
-            <a:r>
-              <a:rPr lang="en-US" dirty="0"/>
-              <a:t> is like …</a:t>
-            </a:r>
-          </a:p>
-        </p:txBody>
-      </p:sp>
-      <p:pic>
-        <p:nvPicPr>
-          <p:cNvPr id="1028" name="Picture 4" descr="The Important Field"/>
-          <p:cNvPicPr>
-            <a:picLocks noChangeAspect="1" noChangeArrowheads="1"/>
-          </p:cNvPicPr>
-          <p:nvPr/>
-        </p:nvPicPr>
-        <p:blipFill>
-          <a:blip r:embed="rId3">
-            <a:extLst>
-              <a:ext uri="{28A0092B-C50C-407E-A947-70E740481C1C}">
-                <a14:useLocalDpi xmlns:a14="http://schemas.microsoft.com/office/drawing/2010/main" val="0"/>
-              </a:ext>
-            </a:extLst>
-          </a:blip>
-          <a:srcRect/>
-          <a:stretch>
-            <a:fillRect/>
-          </a:stretch>
-        </p:blipFill>
-        <p:spPr bwMode="auto">
-          <a:xfrm>
-            <a:off x="1258388" y="1370845"/>
-            <a:ext cx="9753039" cy="4239116"/>
-          </a:xfrm>
-          <a:prstGeom prst="rect">
-            <a:avLst/>
-          </a:prstGeom>
-          <a:noFill/>
-          <a:extLst>
-            <a:ext uri="{909E8E84-426E-40DD-AFC4-6F175D3DCCD1}">
-              <a14:hiddenFill xmlns:a14="http://schemas.microsoft.com/office/drawing/2010/main">
-                <a:solidFill>
-                  <a:srgbClr val="FFFFFF"/>
-                </a:solidFill>
-              </a14:hiddenFill>
-            </a:ext>
-          </a:extLst>
-        </p:spPr>
-      </p:pic>
-      <p:sp>
-        <p:nvSpPr>
-          <p:cNvPr id="5" name="Rectangle 4"/>
-          <p:cNvSpPr/>
-          <p:nvPr/>
-        </p:nvSpPr>
-        <p:spPr>
-          <a:xfrm>
-            <a:off x="4732922" y="5691976"/>
-            <a:ext cx="2803973" cy="415498"/>
-          </a:xfrm>
-          <a:prstGeom prst="rect">
-            <a:avLst/>
-          </a:prstGeom>
-        </p:spPr>
-        <p:txBody>
-          <a:bodyPr wrap="none">
-            <a:spAutoFit/>
-          </a:bodyPr>
-          <a:lstStyle/>
-          <a:p>
-            <a:r>
-              <a:rPr lang="en-US" dirty="0">
-                <a:hlinkClick r:id="rId4"/>
-              </a:rPr>
-              <a:t>https://xkcd.com/970/</a:t>
-            </a:r>
-            <a:endParaRPr lang="en-US" dirty="0"/>
-          </a:p>
-        </p:txBody>
-      </p:sp>
-    </p:spTree>
-    <p:extLst>
-      <p:ext uri="{BB962C8B-B14F-4D97-AF65-F5344CB8AC3E}">
-        <p14:creationId xmlns:p14="http://schemas.microsoft.com/office/powerpoint/2010/main" val="822933932"/>
       </p:ext>
     </p:extLst>
   </p:cSld>
@@ -24443,6 +24653,138 @@
           <a:p>
             <a:r>
               <a:rPr lang="en-US" dirty="0"/>
+              <a:t>Sometimes working with </a:t>
+            </a:r>
+            <a:r>
+              <a:rPr lang="en-US" dirty="0" err="1"/>
+              <a:t>kubernetes</a:t>
+            </a:r>
+            <a:r>
+              <a:rPr lang="en-US" dirty="0"/>
+              <a:t> is like …</a:t>
+            </a:r>
+          </a:p>
+        </p:txBody>
+      </p:sp>
+      <p:pic>
+        <p:nvPicPr>
+          <p:cNvPr id="1028" name="Picture 4" descr="The Important Field"/>
+          <p:cNvPicPr>
+            <a:picLocks noChangeAspect="1" noChangeArrowheads="1"/>
+          </p:cNvPicPr>
+          <p:nvPr/>
+        </p:nvPicPr>
+        <p:blipFill>
+          <a:blip r:embed="rId3">
+            <a:extLst>
+              <a:ext uri="{28A0092B-C50C-407E-A947-70E740481C1C}">
+                <a14:useLocalDpi xmlns:a14="http://schemas.microsoft.com/office/drawing/2010/main" val="0"/>
+              </a:ext>
+            </a:extLst>
+          </a:blip>
+          <a:srcRect/>
+          <a:stretch>
+            <a:fillRect/>
+          </a:stretch>
+        </p:blipFill>
+        <p:spPr bwMode="auto">
+          <a:xfrm>
+            <a:off x="1258388" y="1370845"/>
+            <a:ext cx="9753039" cy="4239116"/>
+          </a:xfrm>
+          <a:prstGeom prst="rect">
+            <a:avLst/>
+          </a:prstGeom>
+          <a:noFill/>
+          <a:extLst>
+            <a:ext uri="{909E8E84-426E-40DD-AFC4-6F175D3DCCD1}">
+              <a14:hiddenFill xmlns:a14="http://schemas.microsoft.com/office/drawing/2010/main">
+                <a:solidFill>
+                  <a:srgbClr val="FFFFFF"/>
+                </a:solidFill>
+              </a14:hiddenFill>
+            </a:ext>
+          </a:extLst>
+        </p:spPr>
+      </p:pic>
+      <p:sp>
+        <p:nvSpPr>
+          <p:cNvPr id="5" name="Rectangle 4"/>
+          <p:cNvSpPr/>
+          <p:nvPr/>
+        </p:nvSpPr>
+        <p:spPr>
+          <a:xfrm>
+            <a:off x="4732922" y="5691976"/>
+            <a:ext cx="2803973" cy="415498"/>
+          </a:xfrm>
+          <a:prstGeom prst="rect">
+            <a:avLst/>
+          </a:prstGeom>
+        </p:spPr>
+        <p:txBody>
+          <a:bodyPr wrap="none">
+            <a:spAutoFit/>
+          </a:bodyPr>
+          <a:lstStyle/>
+          <a:p>
+            <a:r>
+              <a:rPr lang="en-US" dirty="0">
+                <a:hlinkClick r:id="rId4"/>
+              </a:rPr>
+              <a:t>https://xkcd.com/970/</a:t>
+            </a:r>
+            <a:endParaRPr lang="en-US" dirty="0"/>
+          </a:p>
+        </p:txBody>
+      </p:sp>
+    </p:spTree>
+    <p:extLst>
+      <p:ext uri="{BB962C8B-B14F-4D97-AF65-F5344CB8AC3E}">
+        <p14:creationId xmlns:p14="http://schemas.microsoft.com/office/powerpoint/2010/main" val="822933932"/>
+      </p:ext>
+    </p:extLst>
+  </p:cSld>
+  <p:clrMapOvr>
+    <a:masterClrMapping/>
+  </p:clrMapOvr>
+</p:sld>
+</file>
+
+<file path=ppt/slides/slide21.xml><?xml version="1.0" encoding="utf-8"?>
+<p:sld xmlns:a="http://schemas.openxmlformats.org/drawingml/2006/main" xmlns:r="http://schemas.openxmlformats.org/officeDocument/2006/relationships" xmlns:p="http://schemas.openxmlformats.org/presentationml/2006/main">
+  <p:cSld>
+    <p:spTree>
+      <p:nvGrpSpPr>
+        <p:cNvPr id="1" name=""/>
+        <p:cNvGrpSpPr/>
+        <p:nvPr/>
+      </p:nvGrpSpPr>
+      <p:grpSpPr>
+        <a:xfrm>
+          <a:off x="0" y="0"/>
+          <a:ext cx="0" cy="0"/>
+          <a:chOff x="0" y="0"/>
+          <a:chExt cx="0" cy="0"/>
+        </a:xfrm>
+      </p:grpSpPr>
+      <p:sp>
+        <p:nvSpPr>
+          <p:cNvPr id="3" name="Title 2"/>
+          <p:cNvSpPr>
+            <a:spLocks noGrp="1"/>
+          </p:cNvSpPr>
+          <p:nvPr>
+            <p:ph type="title"/>
+          </p:nvPr>
+        </p:nvSpPr>
+        <p:spPr/>
+        <p:txBody>
+          <a:bodyPr/>
+          <a:lstStyle/>
+          <a:p>
+            <a:r>
+              <a:rPr lang="en-US" dirty="0"/>
               <a:t> K8s Dashboard</a:t>
             </a:r>
           </a:p>
@@ -24485,7 +24827,7 @@
 </p:sld>
 </file>
 
-<file path=ppt/slides/slide21.xml><?xml version="1.0" encoding="utf-8"?>
+<file path=ppt/slides/slide22.xml><?xml version="1.0" encoding="utf-8"?>
 <p:sld xmlns:a="http://schemas.openxmlformats.org/drawingml/2006/main" xmlns:r="http://schemas.openxmlformats.org/officeDocument/2006/relationships" xmlns:p="http://schemas.openxmlformats.org/presentationml/2006/main">
   <p:cSld>
     <p:spTree>
@@ -24574,7 +24916,7 @@
 </p:sld>
 </file>
 
-<file path=ppt/slides/slide22.xml><?xml version="1.0" encoding="utf-8"?>
+<file path=ppt/slides/slide23.xml><?xml version="1.0" encoding="utf-8"?>
 <p:sld xmlns:a="http://schemas.openxmlformats.org/drawingml/2006/main" xmlns:r="http://schemas.openxmlformats.org/officeDocument/2006/relationships" xmlns:p="http://schemas.openxmlformats.org/presentationml/2006/main">
   <p:cSld>
     <p:spTree>
@@ -25242,7 +25584,7 @@
 </p:sld>
 </file>
 
-<file path=ppt/slides/slide23.xml><?xml version="1.0" encoding="utf-8"?>
+<file path=ppt/slides/slide24.xml><?xml version="1.0" encoding="utf-8"?>
 <p:sld xmlns:a="http://schemas.openxmlformats.org/drawingml/2006/main" xmlns:r="http://schemas.openxmlformats.org/officeDocument/2006/relationships" xmlns:p="http://schemas.openxmlformats.org/presentationml/2006/main">
   <p:cSld>
     <p:spTree>
@@ -27365,7 +27707,7 @@
 </p:sld>
 </file>
 
-<file path=ppt/slides/slide24.xml><?xml version="1.0" encoding="utf-8"?>
+<file path=ppt/slides/slide25.xml><?xml version="1.0" encoding="utf-8"?>
 <p:sld xmlns:a="http://schemas.openxmlformats.org/drawingml/2006/main" xmlns:r="http://schemas.openxmlformats.org/officeDocument/2006/relationships" xmlns:p="http://schemas.openxmlformats.org/presentationml/2006/main">
   <p:cSld>
     <p:spTree>
@@ -31340,7 +31682,7 @@
 </p:sld>
 </file>
 
-<file path=ppt/slides/slide25.xml><?xml version="1.0" encoding="utf-8"?>
+<file path=ppt/slides/slide26.xml><?xml version="1.0" encoding="utf-8"?>
 <p:sld xmlns:a="http://schemas.openxmlformats.org/drawingml/2006/main" xmlns:r="http://schemas.openxmlformats.org/officeDocument/2006/relationships" xmlns:p="http://schemas.openxmlformats.org/presentationml/2006/main" show="0">
   <p:cSld>
     <p:spTree>

--- a/kubernetes/11_administration.pptx
+++ b/kubernetes/11_administration.pptx
@@ -5,10 +5,10 @@
     <p:sldMasterId id="2147483733" r:id="rId1"/>
   </p:sldMasterIdLst>
   <p:notesMasterIdLst>
-    <p:notesMasterId r:id="rId27"/>
+    <p:notesMasterId r:id="rId30"/>
   </p:notesMasterIdLst>
   <p:handoutMasterIdLst>
-    <p:handoutMasterId r:id="rId28"/>
+    <p:handoutMasterId r:id="rId31"/>
   </p:handoutMasterIdLst>
   <p:sldIdLst>
     <p:sldId id="433" r:id="rId2"/>
@@ -35,7 +35,10 @@
     <p:sldId id="449" r:id="rId23"/>
     <p:sldId id="460" r:id="rId24"/>
     <p:sldId id="461" r:id="rId25"/>
-    <p:sldId id="265" r:id="rId26"/>
+    <p:sldId id="474" r:id="rId26"/>
+    <p:sldId id="472" r:id="rId27"/>
+    <p:sldId id="473" r:id="rId28"/>
+    <p:sldId id="265" r:id="rId29"/>
   </p:sldIdLst>
   <p:sldSz cx="12195175" cy="6858000"/>
   <p:notesSz cx="6858000" cy="9144000"/>
@@ -2704,13 +2707,21 @@
           <a:p>
             <a:r>
               <a:rPr lang="en-US" dirty="0"/>
-              <a:t>Show internal landing page: https://github.wdf.sap.corp/pages/kubernetes/gardener/ including blog </a:t>
-            </a:r>
+              <a:t>Show internal landing page: https://github.wdf.sap.corp/pages/kubernetes/gardener/ including blog &amp; help section</a:t>
+            </a:r>
+          </a:p>
+          <a:p>
+            <a:endParaRPr lang="en-US" dirty="0"/>
+          </a:p>
+          <a:p>
             <a:r>
               <a:rPr lang="en-US"/>
-              <a:t>&amp; help section</a:t>
-            </a:r>
-            <a:endParaRPr lang="en-US" dirty="0"/>
+              <a:t>Jam Group Kubernetes </a:t>
+            </a:r>
+            <a:r>
+              <a:rPr lang="en-US" dirty="0"/>
+              <a:t>Clusters as a Service in SAP Cloud Platform: https://jam4.sapjam.com/groups/Niq7TSBxLlzgb3nroBZJVx/overview_page/e9uqTDxXBRFbk7FJXEA4Cd</a:t>
+            </a:r>
           </a:p>
         </p:txBody>
       </p:sp>
@@ -2951,6 +2962,37 @@
       </p:grpSpPr>
       <p:sp>
         <p:nvSpPr>
+          <p:cNvPr id="2" name="Slide Image Placeholder 1"/>
+          <p:cNvSpPr>
+            <a:spLocks noGrp="1" noRot="1" noChangeAspect="1"/>
+          </p:cNvSpPr>
+          <p:nvPr>
+            <p:ph type="sldImg"/>
+          </p:nvPr>
+        </p:nvSpPr>
+        <p:spPr/>
+      </p:sp>
+      <p:sp>
+        <p:nvSpPr>
+          <p:cNvPr id="3" name="Notes Placeholder 2"/>
+          <p:cNvSpPr>
+            <a:spLocks noGrp="1"/>
+          </p:cNvSpPr>
+          <p:nvPr>
+            <p:ph type="body" idx="1"/>
+          </p:nvPr>
+        </p:nvSpPr>
+        <p:spPr/>
+        <p:txBody>
+          <a:bodyPr/>
+          <a:lstStyle/>
+          <a:p>
+            <a:endParaRPr lang="de-DE" dirty="0"/>
+          </a:p>
+        </p:txBody>
+      </p:sp>
+      <p:sp>
+        <p:nvSpPr>
           <p:cNvPr id="4" name="Slide Number Placeholder 3"/>
           <p:cNvSpPr>
             <a:spLocks noGrp="1"/>
@@ -2965,9 +3007,236 @@
           <a:lstStyle/>
           <a:p>
             <a:fld id="{7D8C2C35-2B8A-446E-BEC0-FD36716C29AC}" type="slidenum">
+              <a:rPr lang="de-DE" smtClean="0"/>
+              <a:pPr/>
+              <a:t>25</a:t>
+            </a:fld>
+            <a:endParaRPr lang="de-DE" dirty="0"/>
+          </a:p>
+        </p:txBody>
+      </p:sp>
+    </p:spTree>
+    <p:extLst>
+      <p:ext uri="{BB962C8B-B14F-4D97-AF65-F5344CB8AC3E}">
+        <p14:creationId xmlns:p14="http://schemas.microsoft.com/office/powerpoint/2010/main" val="1785805150"/>
+      </p:ext>
+    </p:extLst>
+  </p:cSld>
+  <p:clrMapOvr>
+    <a:masterClrMapping/>
+  </p:clrMapOvr>
+</p:notes>
+</file>
+
+<file path=ppt/notesSlides/notesSlide24.xml><?xml version="1.0" encoding="utf-8"?>
+<p:notes xmlns:a="http://schemas.openxmlformats.org/drawingml/2006/main" xmlns:r="http://schemas.openxmlformats.org/officeDocument/2006/relationships" xmlns:p="http://schemas.openxmlformats.org/presentationml/2006/main">
+  <p:cSld>
+    <p:spTree>
+      <p:nvGrpSpPr>
+        <p:cNvPr id="1" name=""/>
+        <p:cNvGrpSpPr/>
+        <p:nvPr/>
+      </p:nvGrpSpPr>
+      <p:grpSpPr>
+        <a:xfrm>
+          <a:off x="0" y="0"/>
+          <a:ext cx="0" cy="0"/>
+          <a:chOff x="0" y="0"/>
+          <a:chExt cx="0" cy="0"/>
+        </a:xfrm>
+      </p:grpSpPr>
+      <p:sp>
+        <p:nvSpPr>
+          <p:cNvPr id="2" name="Slide Image Placeholder 1"/>
+          <p:cNvSpPr>
+            <a:spLocks noGrp="1" noRot="1" noChangeAspect="1"/>
+          </p:cNvSpPr>
+          <p:nvPr>
+            <p:ph type="sldImg"/>
+          </p:nvPr>
+        </p:nvSpPr>
+        <p:spPr/>
+      </p:sp>
+      <p:sp>
+        <p:nvSpPr>
+          <p:cNvPr id="3" name="Notes Placeholder 2"/>
+          <p:cNvSpPr>
+            <a:spLocks noGrp="1"/>
+          </p:cNvSpPr>
+          <p:nvPr>
+            <p:ph type="body" idx="1"/>
+          </p:nvPr>
+        </p:nvSpPr>
+        <p:spPr/>
+        <p:txBody>
+          <a:bodyPr/>
+          <a:lstStyle/>
+          <a:p>
+            <a:endParaRPr lang="en-US" dirty="0"/>
+          </a:p>
+        </p:txBody>
+      </p:sp>
+      <p:sp>
+        <p:nvSpPr>
+          <p:cNvPr id="4" name="Slide Number Placeholder 3"/>
+          <p:cNvSpPr>
+            <a:spLocks noGrp="1"/>
+          </p:cNvSpPr>
+          <p:nvPr>
+            <p:ph type="sldNum" sz="quarter" idx="10"/>
+          </p:nvPr>
+        </p:nvSpPr>
+        <p:spPr/>
+        <p:txBody>
+          <a:bodyPr/>
+          <a:lstStyle/>
+          <a:p>
+            <a:fld id="{7D8C2C35-2B8A-446E-BEC0-FD36716C29AC}" type="slidenum">
+              <a:rPr lang="de-DE" smtClean="0"/>
+              <a:pPr/>
+              <a:t>26</a:t>
+            </a:fld>
+            <a:endParaRPr lang="de-DE" dirty="0"/>
+          </a:p>
+        </p:txBody>
+      </p:sp>
+    </p:spTree>
+    <p:extLst>
+      <p:ext uri="{BB962C8B-B14F-4D97-AF65-F5344CB8AC3E}">
+        <p14:creationId xmlns:p14="http://schemas.microsoft.com/office/powerpoint/2010/main" val="1413328071"/>
+      </p:ext>
+    </p:extLst>
+  </p:cSld>
+  <p:clrMapOvr>
+    <a:masterClrMapping/>
+  </p:clrMapOvr>
+</p:notes>
+</file>
+
+<file path=ppt/notesSlides/notesSlide25.xml><?xml version="1.0" encoding="utf-8"?>
+<p:notes xmlns:a="http://schemas.openxmlformats.org/drawingml/2006/main" xmlns:r="http://schemas.openxmlformats.org/officeDocument/2006/relationships" xmlns:p="http://schemas.openxmlformats.org/presentationml/2006/main">
+  <p:cSld>
+    <p:spTree>
+      <p:nvGrpSpPr>
+        <p:cNvPr id="1" name=""/>
+        <p:cNvGrpSpPr/>
+        <p:nvPr/>
+      </p:nvGrpSpPr>
+      <p:grpSpPr>
+        <a:xfrm>
+          <a:off x="0" y="0"/>
+          <a:ext cx="0" cy="0"/>
+          <a:chOff x="0" y="0"/>
+          <a:chExt cx="0" cy="0"/>
+        </a:xfrm>
+      </p:grpSpPr>
+      <p:sp>
+        <p:nvSpPr>
+          <p:cNvPr id="2" name="Slide Image Placeholder 1"/>
+          <p:cNvSpPr>
+            <a:spLocks noGrp="1" noRot="1" noChangeAspect="1"/>
+          </p:cNvSpPr>
+          <p:nvPr>
+            <p:ph type="sldImg"/>
+          </p:nvPr>
+        </p:nvSpPr>
+        <p:spPr/>
+      </p:sp>
+      <p:sp>
+        <p:nvSpPr>
+          <p:cNvPr id="3" name="Notes Placeholder 2"/>
+          <p:cNvSpPr>
+            <a:spLocks noGrp="1"/>
+          </p:cNvSpPr>
+          <p:nvPr>
+            <p:ph type="body" idx="1"/>
+          </p:nvPr>
+        </p:nvSpPr>
+        <p:spPr/>
+        <p:txBody>
+          <a:bodyPr/>
+          <a:lstStyle/>
+          <a:p>
+            <a:r>
+              <a:rPr lang="en-US" dirty="0"/>
+              <a:t>https://jam4.sapjam.com/groups/Niq7TSBxLlzgb3nroBZJVx/overview_page/e9uqTDxXBRFbk7FJXEA4Cd</a:t>
+            </a:r>
+          </a:p>
+        </p:txBody>
+      </p:sp>
+      <p:sp>
+        <p:nvSpPr>
+          <p:cNvPr id="4" name="Slide Number Placeholder 3"/>
+          <p:cNvSpPr>
+            <a:spLocks noGrp="1"/>
+          </p:cNvSpPr>
+          <p:nvPr>
+            <p:ph type="sldNum" sz="quarter" idx="10"/>
+          </p:nvPr>
+        </p:nvSpPr>
+        <p:spPr/>
+        <p:txBody>
+          <a:bodyPr/>
+          <a:lstStyle/>
+          <a:p>
+            <a:fld id="{7D8C2C35-2B8A-446E-BEC0-FD36716C29AC}" type="slidenum">
+              <a:rPr lang="de-DE" smtClean="0"/>
+              <a:pPr/>
+              <a:t>27</a:t>
+            </a:fld>
+            <a:endParaRPr lang="de-DE" dirty="0"/>
+          </a:p>
+        </p:txBody>
+      </p:sp>
+    </p:spTree>
+    <p:extLst>
+      <p:ext uri="{BB962C8B-B14F-4D97-AF65-F5344CB8AC3E}">
+        <p14:creationId xmlns:p14="http://schemas.microsoft.com/office/powerpoint/2010/main" val="2237772025"/>
+      </p:ext>
+    </p:extLst>
+  </p:cSld>
+  <p:clrMapOvr>
+    <a:masterClrMapping/>
+  </p:clrMapOvr>
+</p:notes>
+</file>
+
+<file path=ppt/notesSlides/notesSlide26.xml><?xml version="1.0" encoding="utf-8"?>
+<p:notes xmlns:a="http://schemas.openxmlformats.org/drawingml/2006/main" xmlns:r="http://schemas.openxmlformats.org/officeDocument/2006/relationships" xmlns:p="http://schemas.openxmlformats.org/presentationml/2006/main">
+  <p:cSld>
+    <p:spTree>
+      <p:nvGrpSpPr>
+        <p:cNvPr id="1" name=""/>
+        <p:cNvGrpSpPr/>
+        <p:nvPr/>
+      </p:nvGrpSpPr>
+      <p:grpSpPr>
+        <a:xfrm>
+          <a:off x="0" y="0"/>
+          <a:ext cx="0" cy="0"/>
+          <a:chOff x="0" y="0"/>
+          <a:chExt cx="0" cy="0"/>
+        </a:xfrm>
+      </p:grpSpPr>
+      <p:sp>
+        <p:nvSpPr>
+          <p:cNvPr id="4" name="Slide Number Placeholder 3"/>
+          <p:cNvSpPr>
+            <a:spLocks noGrp="1"/>
+          </p:cNvSpPr>
+          <p:nvPr>
+            <p:ph type="sldNum" sz="quarter" idx="10"/>
+          </p:nvPr>
+        </p:nvSpPr>
+        <p:spPr/>
+        <p:txBody>
+          <a:bodyPr/>
+          <a:lstStyle/>
+          <a:p>
+            <a:fld id="{7D8C2C35-2B8A-446E-BEC0-FD36716C29AC}" type="slidenum">
               <a:rPr lang="en-US" smtClean="0"/>
               <a:pPr/>
-              <a:t>25</a:t>
+              <a:t>28</a:t>
             </a:fld>
             <a:endParaRPr lang="en-US" dirty="0"/>
           </a:p>
@@ -31320,6 +31589,426 @@
 </file>
 
 <file path=ppt/slides/slide25.xml><?xml version="1.0" encoding="utf-8"?>
+<p:sld xmlns:a="http://schemas.openxmlformats.org/drawingml/2006/main" xmlns:r="http://schemas.openxmlformats.org/officeDocument/2006/relationships" xmlns:p="http://schemas.openxmlformats.org/presentationml/2006/main">
+  <p:cSld>
+    <p:spTree>
+      <p:nvGrpSpPr>
+        <p:cNvPr id="1" name=""/>
+        <p:cNvGrpSpPr/>
+        <p:nvPr/>
+      </p:nvGrpSpPr>
+      <p:grpSpPr>
+        <a:xfrm>
+          <a:off x="0" y="0"/>
+          <a:ext cx="0" cy="0"/>
+          <a:chOff x="0" y="0"/>
+          <a:chExt cx="0" cy="0"/>
+        </a:xfrm>
+      </p:grpSpPr>
+      <p:sp>
+        <p:nvSpPr>
+          <p:cNvPr id="3" name="Title 2">
+            <a:extLst>
+              <a:ext uri="{FF2B5EF4-FFF2-40B4-BE49-F238E27FC236}">
+                <a16:creationId xmlns:a16="http://schemas.microsoft.com/office/drawing/2014/main" id="{339290FA-2FB3-46AF-A98A-CEAC5B76446E}"/>
+              </a:ext>
+            </a:extLst>
+          </p:cNvPr>
+          <p:cNvSpPr>
+            <a:spLocks noGrp="1"/>
+          </p:cNvSpPr>
+          <p:nvPr>
+            <p:ph type="ctrTitle"/>
+          </p:nvPr>
+        </p:nvSpPr>
+        <p:spPr/>
+        <p:txBody>
+          <a:bodyPr/>
+          <a:lstStyle/>
+          <a:p>
+            <a:r>
+              <a:rPr lang="de-DE" dirty="0"/>
+              <a:t>Appendix</a:t>
+            </a:r>
+          </a:p>
+        </p:txBody>
+      </p:sp>
+    </p:spTree>
+    <p:extLst>
+      <p:ext uri="{BB962C8B-B14F-4D97-AF65-F5344CB8AC3E}">
+        <p14:creationId xmlns:p14="http://schemas.microsoft.com/office/powerpoint/2010/main" val="1879866351"/>
+      </p:ext>
+    </p:extLst>
+  </p:cSld>
+  <p:clrMapOvr>
+    <a:masterClrMapping/>
+  </p:clrMapOvr>
+</p:sld>
+</file>
+
+<file path=ppt/slides/slide26.xml><?xml version="1.0" encoding="utf-8"?>
+<p:sld xmlns:a="http://schemas.openxmlformats.org/drawingml/2006/main" xmlns:r="http://schemas.openxmlformats.org/officeDocument/2006/relationships" xmlns:p="http://schemas.openxmlformats.org/presentationml/2006/main">
+  <p:cSld>
+    <p:spTree>
+      <p:nvGrpSpPr>
+        <p:cNvPr id="1" name=""/>
+        <p:cNvGrpSpPr/>
+        <p:nvPr/>
+      </p:nvGrpSpPr>
+      <p:grpSpPr>
+        <a:xfrm>
+          <a:off x="0" y="0"/>
+          <a:ext cx="0" cy="0"/>
+          <a:chOff x="0" y="0"/>
+          <a:chExt cx="0" cy="0"/>
+        </a:xfrm>
+      </p:grpSpPr>
+      <p:sp>
+        <p:nvSpPr>
+          <p:cNvPr id="2" name="Title 1"/>
+          <p:cNvSpPr>
+            <a:spLocks noGrp="1"/>
+          </p:cNvSpPr>
+          <p:nvPr>
+            <p:ph type="title"/>
+          </p:nvPr>
+        </p:nvSpPr>
+        <p:spPr>
+          <a:xfrm>
+            <a:off x="504001" y="504000"/>
+            <a:ext cx="5840279" cy="369332"/>
+          </a:xfrm>
+        </p:spPr>
+        <p:txBody>
+          <a:bodyPr/>
+          <a:lstStyle/>
+          <a:p>
+            <a:r>
+              <a:rPr lang="en-US" dirty="0">
+                <a:solidFill>
+                  <a:srgbClr val="09ABFF"/>
+                </a:solidFill>
+              </a:rPr>
+              <a:t>The Gardener: Technical landscape</a:t>
+            </a:r>
+            <a:endParaRPr lang="en-GB" dirty="0"/>
+          </a:p>
+        </p:txBody>
+      </p:sp>
+      <p:pic>
+        <p:nvPicPr>
+          <p:cNvPr id="6" name="Picture 5">
+            <a:extLst>
+              <a:ext uri="{FF2B5EF4-FFF2-40B4-BE49-F238E27FC236}">
+                <a16:creationId xmlns:a16="http://schemas.microsoft.com/office/drawing/2014/main" id="{68F36224-0F3F-4D3F-A57A-95E8849F38A1}"/>
+              </a:ext>
+            </a:extLst>
+          </p:cNvPr>
+          <p:cNvPicPr>
+            <a:picLocks noChangeAspect="1"/>
+          </p:cNvPicPr>
+          <p:nvPr/>
+        </p:nvPicPr>
+        <p:blipFill>
+          <a:blip r:embed="rId3"/>
+          <a:stretch>
+            <a:fillRect/>
+          </a:stretch>
+        </p:blipFill>
+        <p:spPr>
+          <a:xfrm>
+            <a:off x="504001" y="1090011"/>
+            <a:ext cx="10932795" cy="5377815"/>
+          </a:xfrm>
+          <a:prstGeom prst="rect">
+            <a:avLst/>
+          </a:prstGeom>
+        </p:spPr>
+      </p:pic>
+      <p:sp>
+        <p:nvSpPr>
+          <p:cNvPr id="7" name="Rectangle 6">
+            <a:extLst>
+              <a:ext uri="{FF2B5EF4-FFF2-40B4-BE49-F238E27FC236}">
+                <a16:creationId xmlns:a16="http://schemas.microsoft.com/office/drawing/2014/main" id="{F227F697-5E4F-4972-A519-722C34E148A8}"/>
+              </a:ext>
+            </a:extLst>
+          </p:cNvPr>
+          <p:cNvSpPr/>
+          <p:nvPr/>
+        </p:nvSpPr>
+        <p:spPr>
+          <a:xfrm>
+            <a:off x="8028491" y="504000"/>
+            <a:ext cx="3408305" cy="276999"/>
+          </a:xfrm>
+          <a:prstGeom prst="rect">
+            <a:avLst/>
+          </a:prstGeom>
+        </p:spPr>
+        <p:txBody>
+          <a:bodyPr wrap="none">
+            <a:spAutoFit/>
+          </a:bodyPr>
+          <a:lstStyle/>
+          <a:p>
+            <a:r>
+              <a:rPr lang="de-DE" sz="1200" dirty="0">
+                <a:hlinkClick r:id="rId4"/>
+              </a:rPr>
+              <a:t>https://kubernetes.io/blog/2018/05/17/gardener/</a:t>
+            </a:r>
+            <a:endParaRPr lang="de-DE" sz="1200" dirty="0"/>
+          </a:p>
+        </p:txBody>
+      </p:sp>
+    </p:spTree>
+    <p:extLst>
+      <p:ext uri="{BB962C8B-B14F-4D97-AF65-F5344CB8AC3E}">
+        <p14:creationId xmlns:p14="http://schemas.microsoft.com/office/powerpoint/2010/main" val="2481577014"/>
+      </p:ext>
+    </p:extLst>
+  </p:cSld>
+  <p:clrMapOvr>
+    <a:masterClrMapping/>
+  </p:clrMapOvr>
+</p:sld>
+</file>
+
+<file path=ppt/slides/slide27.xml><?xml version="1.0" encoding="utf-8"?>
+<p:sld xmlns:a="http://schemas.openxmlformats.org/drawingml/2006/main" xmlns:r="http://schemas.openxmlformats.org/officeDocument/2006/relationships" xmlns:p="http://schemas.openxmlformats.org/presentationml/2006/main">
+  <p:cSld>
+    <p:spTree>
+      <p:nvGrpSpPr>
+        <p:cNvPr id="1" name=""/>
+        <p:cNvGrpSpPr/>
+        <p:nvPr/>
+      </p:nvGrpSpPr>
+      <p:grpSpPr>
+        <a:xfrm>
+          <a:off x="0" y="0"/>
+          <a:ext cx="0" cy="0"/>
+          <a:chOff x="0" y="0"/>
+          <a:chExt cx="0" cy="0"/>
+        </a:xfrm>
+      </p:grpSpPr>
+      <p:sp>
+        <p:nvSpPr>
+          <p:cNvPr id="2" name="Title 1"/>
+          <p:cNvSpPr>
+            <a:spLocks noGrp="1"/>
+          </p:cNvSpPr>
+          <p:nvPr>
+            <p:ph type="title"/>
+          </p:nvPr>
+        </p:nvSpPr>
+        <p:spPr/>
+        <p:txBody>
+          <a:bodyPr/>
+          <a:lstStyle/>
+          <a:p>
+            <a:r>
+              <a:rPr lang="en-US" dirty="0"/>
+              <a:t>Wherefrom can I get a cluster?</a:t>
+            </a:r>
+          </a:p>
+        </p:txBody>
+      </p:sp>
+      <p:pic>
+        <p:nvPicPr>
+          <p:cNvPr id="6" name="Picture 5">
+            <a:extLst>
+              <a:ext uri="{FF2B5EF4-FFF2-40B4-BE49-F238E27FC236}">
+                <a16:creationId xmlns:a16="http://schemas.microsoft.com/office/drawing/2014/main" id="{4D51B190-A21E-4DF4-BA5A-DCDB4A632252}"/>
+              </a:ext>
+            </a:extLst>
+          </p:cNvPr>
+          <p:cNvPicPr>
+            <a:picLocks noChangeAspect="1"/>
+          </p:cNvPicPr>
+          <p:nvPr/>
+        </p:nvPicPr>
+        <p:blipFill>
+          <a:blip r:embed="rId3"/>
+          <a:stretch>
+            <a:fillRect/>
+          </a:stretch>
+        </p:blipFill>
+        <p:spPr>
+          <a:xfrm>
+            <a:off x="194098" y="1159035"/>
+            <a:ext cx="10907143" cy="4962857"/>
+          </a:xfrm>
+          <a:prstGeom prst="rect">
+            <a:avLst/>
+          </a:prstGeom>
+        </p:spPr>
+      </p:pic>
+      <p:pic>
+        <p:nvPicPr>
+          <p:cNvPr id="5" name="Picture 4">
+            <a:extLst>
+              <a:ext uri="{FF2B5EF4-FFF2-40B4-BE49-F238E27FC236}">
+                <a16:creationId xmlns:a16="http://schemas.microsoft.com/office/drawing/2014/main" id="{695BC615-DFDD-4B5A-8E0B-E9031239678D}"/>
+              </a:ext>
+            </a:extLst>
+          </p:cNvPr>
+          <p:cNvPicPr>
+            <a:picLocks noChangeAspect="1"/>
+          </p:cNvPicPr>
+          <p:nvPr/>
+        </p:nvPicPr>
+        <p:blipFill>
+          <a:blip r:embed="rId4"/>
+          <a:stretch>
+            <a:fillRect/>
+          </a:stretch>
+        </p:blipFill>
+        <p:spPr>
+          <a:xfrm>
+            <a:off x="2309649" y="1546643"/>
+            <a:ext cx="9691428" cy="4860952"/>
+          </a:xfrm>
+          <a:prstGeom prst="rect">
+            <a:avLst/>
+          </a:prstGeom>
+        </p:spPr>
+      </p:pic>
+    </p:spTree>
+    <p:extLst>
+      <p:ext uri="{BB962C8B-B14F-4D97-AF65-F5344CB8AC3E}">
+        <p14:creationId xmlns:p14="http://schemas.microsoft.com/office/powerpoint/2010/main" val="210032650"/>
+      </p:ext>
+    </p:extLst>
+  </p:cSld>
+  <p:clrMapOvr>
+    <a:masterClrMapping/>
+  </p:clrMapOvr>
+  <p:timing>
+    <p:tnLst>
+      <p:par>
+        <p:cTn id="1" dur="indefinite" restart="never" nodeType="tmRoot">
+          <p:childTnLst>
+            <p:seq concurrent="1" nextAc="seek">
+              <p:cTn id="2" dur="indefinite" nodeType="mainSeq">
+                <p:childTnLst>
+                  <p:par>
+                    <p:cTn id="3" fill="hold">
+                      <p:stCondLst>
+                        <p:cond delay="indefinite"/>
+                      </p:stCondLst>
+                      <p:childTnLst>
+                        <p:par>
+                          <p:cTn id="4" fill="hold">
+                            <p:stCondLst>
+                              <p:cond delay="0"/>
+                            </p:stCondLst>
+                            <p:childTnLst>
+                              <p:par>
+                                <p:cTn id="5" presetID="2" presetClass="entr" presetSubtype="4" fill="hold" nodeType="clickEffect">
+                                  <p:stCondLst>
+                                    <p:cond delay="0"/>
+                                  </p:stCondLst>
+                                  <p:childTnLst>
+                                    <p:set>
+                                      <p:cBhvr>
+                                        <p:cTn id="6" dur="1" fill="hold">
+                                          <p:stCondLst>
+                                            <p:cond delay="0"/>
+                                          </p:stCondLst>
+                                        </p:cTn>
+                                        <p:tgtEl>
+                                          <p:spTgt spid="5"/>
+                                        </p:tgtEl>
+                                        <p:attrNameLst>
+                                          <p:attrName>style.visibility</p:attrName>
+                                        </p:attrNameLst>
+                                      </p:cBhvr>
+                                      <p:to>
+                                        <p:strVal val="visible"/>
+                                      </p:to>
+                                    </p:set>
+                                    <p:anim calcmode="lin" valueType="num">
+                                      <p:cBhvr additive="base">
+                                        <p:cTn id="7" dur="500" fill="hold"/>
+                                        <p:tgtEl>
+                                          <p:spTgt spid="5"/>
+                                        </p:tgtEl>
+                                        <p:attrNameLst>
+                                          <p:attrName>ppt_x</p:attrName>
+                                        </p:attrNameLst>
+                                      </p:cBhvr>
+                                      <p:tavLst>
+                                        <p:tav tm="0">
+                                          <p:val>
+                                            <p:strVal val="#ppt_x"/>
+                                          </p:val>
+                                        </p:tav>
+                                        <p:tav tm="100000">
+                                          <p:val>
+                                            <p:strVal val="#ppt_x"/>
+                                          </p:val>
+                                        </p:tav>
+                                      </p:tavLst>
+                                    </p:anim>
+                                    <p:anim calcmode="lin" valueType="num">
+                                      <p:cBhvr additive="base">
+                                        <p:cTn id="8" dur="500" fill="hold"/>
+                                        <p:tgtEl>
+                                          <p:spTgt spid="5"/>
+                                        </p:tgtEl>
+                                        <p:attrNameLst>
+                                          <p:attrName>ppt_y</p:attrName>
+                                        </p:attrNameLst>
+                                      </p:cBhvr>
+                                      <p:tavLst>
+                                        <p:tav tm="0">
+                                          <p:val>
+                                            <p:strVal val="1+#ppt_h/2"/>
+                                          </p:val>
+                                        </p:tav>
+                                        <p:tav tm="100000">
+                                          <p:val>
+                                            <p:strVal val="#ppt_y"/>
+                                          </p:val>
+                                        </p:tav>
+                                      </p:tavLst>
+                                    </p:anim>
+                                  </p:childTnLst>
+                                </p:cTn>
+                              </p:par>
+                            </p:childTnLst>
+                          </p:cTn>
+                        </p:par>
+                      </p:childTnLst>
+                    </p:cTn>
+                  </p:par>
+                </p:childTnLst>
+              </p:cTn>
+              <p:prevCondLst>
+                <p:cond evt="onPrev" delay="0">
+                  <p:tgtEl>
+                    <p:sldTgt/>
+                  </p:tgtEl>
+                </p:cond>
+              </p:prevCondLst>
+              <p:nextCondLst>
+                <p:cond evt="onNext" delay="0">
+                  <p:tgtEl>
+                    <p:sldTgt/>
+                  </p:tgtEl>
+                </p:cond>
+              </p:nextCondLst>
+            </p:seq>
+          </p:childTnLst>
+        </p:cTn>
+      </p:par>
+    </p:tnLst>
+  </p:timing>
+</p:sld>
+</file>
+
+<file path=ppt/slides/slide28.xml><?xml version="1.0" encoding="utf-8"?>
 <p:sld xmlns:a="http://schemas.openxmlformats.org/drawingml/2006/main" xmlns:r="http://schemas.openxmlformats.org/officeDocument/2006/relationships" xmlns:p="http://schemas.openxmlformats.org/presentationml/2006/main" show="0">
   <p:cSld>
     <p:spTree>

--- a/kubernetes/11_administration.pptx
+++ b/kubernetes/11_administration.pptx
@@ -5,10 +5,10 @@
     <p:sldMasterId id="2147483733" r:id="rId1"/>
   </p:sldMasterIdLst>
   <p:notesMasterIdLst>
-    <p:notesMasterId r:id="rId30"/>
+    <p:notesMasterId r:id="rId31"/>
   </p:notesMasterIdLst>
   <p:handoutMasterIdLst>
-    <p:handoutMasterId r:id="rId31"/>
+    <p:handoutMasterId r:id="rId32"/>
   </p:handoutMasterIdLst>
   <p:sldIdLst>
     <p:sldId id="433" r:id="rId2"/>
@@ -22,23 +22,24 @@
     <p:sldId id="454" r:id="rId10"/>
     <p:sldId id="450" r:id="rId11"/>
     <p:sldId id="462" r:id="rId12"/>
-    <p:sldId id="469" r:id="rId13"/>
-    <p:sldId id="471" r:id="rId14"/>
-    <p:sldId id="459" r:id="rId15"/>
-    <p:sldId id="446" r:id="rId16"/>
-    <p:sldId id="467" r:id="rId17"/>
-    <p:sldId id="458" r:id="rId18"/>
-    <p:sldId id="470" r:id="rId19"/>
-    <p:sldId id="457" r:id="rId20"/>
-    <p:sldId id="456" r:id="rId21"/>
-    <p:sldId id="468" r:id="rId22"/>
-    <p:sldId id="449" r:id="rId23"/>
-    <p:sldId id="460" r:id="rId24"/>
-    <p:sldId id="461" r:id="rId25"/>
-    <p:sldId id="474" r:id="rId26"/>
-    <p:sldId id="472" r:id="rId27"/>
-    <p:sldId id="473" r:id="rId28"/>
-    <p:sldId id="265" r:id="rId29"/>
+    <p:sldId id="475" r:id="rId13"/>
+    <p:sldId id="469" r:id="rId14"/>
+    <p:sldId id="471" r:id="rId15"/>
+    <p:sldId id="459" r:id="rId16"/>
+    <p:sldId id="446" r:id="rId17"/>
+    <p:sldId id="467" r:id="rId18"/>
+    <p:sldId id="458" r:id="rId19"/>
+    <p:sldId id="470" r:id="rId20"/>
+    <p:sldId id="457" r:id="rId21"/>
+    <p:sldId id="456" r:id="rId22"/>
+    <p:sldId id="468" r:id="rId23"/>
+    <p:sldId id="449" r:id="rId24"/>
+    <p:sldId id="460" r:id="rId25"/>
+    <p:sldId id="461" r:id="rId26"/>
+    <p:sldId id="474" r:id="rId27"/>
+    <p:sldId id="472" r:id="rId28"/>
+    <p:sldId id="473" r:id="rId29"/>
+    <p:sldId id="265" r:id="rId30"/>
   </p:sldIdLst>
   <p:sldSz cx="12195175" cy="6858000"/>
   <p:notesSz cx="6858000" cy="9144000"/>
@@ -796,9 +797,177 @@
         </p:nvSpPr>
         <p:spPr/>
         <p:txBody>
-          <a:bodyPr/>
+          <a:bodyPr>
+            <a:normAutofit lnSpcReduction="10000"/>
+          </a:bodyPr>
           <a:lstStyle/>
           <a:p>
+            <a:pPr marL="0" lvl="0" indent="0">
+              <a:buFontTx/>
+              <a:buNone/>
+            </a:pPr>
+            <a:r>
+              <a:rPr lang="en-US" dirty="0"/>
+              <a:t>Custom scheduler - this Demo is optional!</a:t>
+            </a:r>
+          </a:p>
+          <a:p>
+            <a:pPr marL="0" lvl="0" indent="0">
+              <a:buFontTx/>
+              <a:buNone/>
+            </a:pPr>
+            <a:endParaRPr lang="en-US" dirty="0"/>
+          </a:p>
+          <a:p>
+            <a:pPr marL="0" lvl="0" indent="0">
+              <a:buFontTx/>
+              <a:buNone/>
+            </a:pPr>
+            <a:r>
+              <a:rPr lang="en-US" dirty="0"/>
+              <a:t>If regular scheduling doesn’t fit to your requirements, you can build a custom scheduler. </a:t>
+            </a:r>
+          </a:p>
+          <a:p>
+            <a:pPr marL="0" lvl="0" indent="0">
+              <a:buFontTx/>
+              <a:buNone/>
+            </a:pPr>
+            <a:r>
+              <a:rPr lang="en-US" dirty="0"/>
+              <a:t>All you need is to</a:t>
+            </a:r>
+          </a:p>
+          <a:p>
+            <a:pPr marL="285750" lvl="0" indent="-285750">
+              <a:buFontTx/>
+              <a:buChar char="-"/>
+            </a:pPr>
+            <a:r>
+              <a:rPr lang="en-US" dirty="0"/>
+              <a:t>a name the scheduler can be referenced by</a:t>
+            </a:r>
+          </a:p>
+          <a:p>
+            <a:pPr marL="285750" lvl="0" indent="-285750">
+              <a:buFontTx/>
+              <a:buChar char="-"/>
+            </a:pPr>
+            <a:r>
+              <a:rPr lang="en-US" dirty="0"/>
+              <a:t>A control loop watching the API for unscheduled pods referencing the scheduler by name</a:t>
+            </a:r>
+          </a:p>
+          <a:p>
+            <a:pPr marL="285750" lvl="0" indent="-285750">
+              <a:buFontTx/>
+              <a:buChar char="-"/>
+            </a:pPr>
+            <a:r>
+              <a:rPr lang="en-US" dirty="0"/>
+              <a:t>Access to the cluster API to run the loop and post the bindings</a:t>
+            </a:r>
+          </a:p>
+          <a:p>
+            <a:pPr marL="285750" lvl="0" indent="-285750">
+              <a:buFontTx/>
+              <a:buChar char="-"/>
+            </a:pPr>
+            <a:endParaRPr lang="en-US" dirty="0"/>
+          </a:p>
+          <a:p>
+            <a:pPr marL="0" lvl="0" indent="0">
+              <a:buFontTx/>
+              <a:buNone/>
+            </a:pPr>
+            <a:r>
+              <a:rPr lang="en-US" dirty="0"/>
+              <a:t>Demo :</a:t>
+            </a:r>
+          </a:p>
+          <a:p>
+            <a:pPr marL="285750" lvl="0" indent="-285750">
+              <a:buFontTx/>
+              <a:buChar char="-"/>
+            </a:pPr>
+            <a:r>
+              <a:rPr lang="en-US" dirty="0" err="1"/>
+              <a:t>kubectl</a:t>
+            </a:r>
+            <a:r>
+              <a:rPr lang="en-US" dirty="0"/>
+              <a:t> proxy &amp;</a:t>
+            </a:r>
+          </a:p>
+          <a:p>
+            <a:pPr marL="285750" lvl="0" indent="-285750">
+              <a:buFontTx/>
+              <a:buChar char="-"/>
+            </a:pPr>
+            <a:r>
+              <a:rPr lang="en-US" dirty="0"/>
+              <a:t>Create the deployment 11d_custom_scheduler_deployment.yaml</a:t>
+            </a:r>
+          </a:p>
+          <a:p>
+            <a:pPr marL="285750" lvl="0" indent="-285750">
+              <a:buFontTx/>
+              <a:buChar char="-"/>
+            </a:pPr>
+            <a:r>
+              <a:rPr lang="en-US" dirty="0"/>
+              <a:t>Show the pod with the specified scheduler name &amp; run a “describe” on it. Highlight the missing default scheduling event </a:t>
+            </a:r>
+            <a:r>
+              <a:rPr lang="en-US" dirty="0">
+                <a:sym typeface="Wingdings" panose="05000000000000000000" pitchFamily="2" charset="2"/>
+              </a:rPr>
+              <a:t> the default scheduler doesn’t pick it up</a:t>
+            </a:r>
+            <a:endParaRPr lang="en-US" dirty="0"/>
+          </a:p>
+          <a:p>
+            <a:pPr marL="285750" lvl="0" indent="-285750">
+              <a:buFontTx/>
+              <a:buChar char="-"/>
+            </a:pPr>
+            <a:r>
+              <a:rPr lang="en-US" dirty="0"/>
+              <a:t>Run “./11e_custom_scheduler.sh &lt;your-target-namespace&gt;” to start the scheduling loop</a:t>
+            </a:r>
+          </a:p>
+          <a:p>
+            <a:pPr marL="285750" lvl="0" indent="-285750">
+              <a:buFontTx/>
+              <a:buChar char="-"/>
+            </a:pPr>
+            <a:r>
+              <a:rPr lang="en-US" dirty="0"/>
+              <a:t>Show the scheduled pods</a:t>
+            </a:r>
+          </a:p>
+          <a:p>
+            <a:pPr marL="0" lvl="0" indent="0">
+              <a:buFontTx/>
+              <a:buNone/>
+            </a:pPr>
+            <a:endParaRPr lang="en-US" dirty="0"/>
+          </a:p>
+          <a:p>
+            <a:pPr marL="0" lvl="0" indent="0">
+              <a:buFontTx/>
+              <a:buNone/>
+            </a:pPr>
+            <a:r>
+              <a:rPr lang="en-US" dirty="0"/>
+              <a:t>Instead of running the scheduler locally you could also run it within the cluster – simply pack it into a docker image and use it with a deployment.</a:t>
+            </a:r>
+          </a:p>
+          <a:p>
+            <a:pPr marL="285750" lvl="0" indent="-285750">
+              <a:buFontTx/>
+              <a:buChar char="-"/>
+            </a:pPr>
             <a:endParaRPr lang="en-US" dirty="0"/>
           </a:p>
         </p:txBody>
@@ -819,18 +988,18 @@
           <a:lstStyle/>
           <a:p>
             <a:fld id="{7D8C2C35-2B8A-446E-BEC0-FD36716C29AC}" type="slidenum">
-              <a:rPr lang="en-US" smtClean="0"/>
+              <a:rPr lang="de-DE" smtClean="0"/>
               <a:pPr/>
               <a:t>12</a:t>
             </a:fld>
-            <a:endParaRPr lang="en-US" dirty="0"/>
+            <a:endParaRPr lang="de-DE" dirty="0"/>
           </a:p>
         </p:txBody>
       </p:sp>
     </p:spTree>
     <p:extLst>
       <p:ext uri="{BB962C8B-B14F-4D97-AF65-F5344CB8AC3E}">
-        <p14:creationId xmlns:p14="http://schemas.microsoft.com/office/powerpoint/2010/main" val="2873814892"/>
+        <p14:creationId xmlns:p14="http://schemas.microsoft.com/office/powerpoint/2010/main" val="2127571660"/>
       </p:ext>
     </p:extLst>
   </p:cSld>
@@ -884,42 +1053,6 @@
           <a:bodyPr/>
           <a:lstStyle/>
           <a:p>
-            <a:r>
-              <a:rPr lang="en-US" dirty="0"/>
-              <a:t>Resource Quota and </a:t>
-            </a:r>
-            <a:r>
-              <a:rPr lang="en-US" dirty="0" err="1"/>
-              <a:t>LimitRanges</a:t>
-            </a:r>
-            <a:r>
-              <a:rPr lang="en-US" dirty="0"/>
-              <a:t> can be used to control requested as well as actual resource consumption + # of k8s objects per namespace. Example: if the memory quota per pod is 200 MB and you want to start, let’s say a Jenkins which would require more – the application will not be able to start before being killed for exceeding the memory limit.</a:t>
-            </a:r>
-          </a:p>
-          <a:p>
-            <a:endParaRPr lang="en-US" dirty="0"/>
-          </a:p>
-          <a:p>
-            <a:r>
-              <a:rPr lang="en-US" dirty="0"/>
-              <a:t>Network policies control traffic within the cluster – details on next slide.</a:t>
-            </a:r>
-          </a:p>
-          <a:p>
-            <a:endParaRPr lang="en-US" dirty="0"/>
-          </a:p>
-          <a:p>
-            <a:r>
-              <a:rPr lang="en-US" dirty="0" err="1"/>
-              <a:t>PodSecurityPolicies</a:t>
-            </a:r>
-            <a:r>
-              <a:rPr lang="en-US" dirty="0"/>
-              <a:t> specify (security relevant) runtime conditions for pods. https://kubernetes.io/docs/concepts/policy/pod-security-policy/ </a:t>
-            </a:r>
-          </a:p>
-          <a:p>
             <a:endParaRPr lang="en-US" dirty="0"/>
           </a:p>
         </p:txBody>
@@ -940,18 +1073,18 @@
           <a:lstStyle/>
           <a:p>
             <a:fld id="{7D8C2C35-2B8A-446E-BEC0-FD36716C29AC}" type="slidenum">
-              <a:rPr lang="de-DE" smtClean="0"/>
+              <a:rPr lang="en-US" smtClean="0"/>
               <a:pPr/>
               <a:t>13</a:t>
             </a:fld>
-            <a:endParaRPr lang="de-DE" dirty="0"/>
+            <a:endParaRPr lang="en-US" dirty="0"/>
           </a:p>
         </p:txBody>
       </p:sp>
     </p:spTree>
     <p:extLst>
       <p:ext uri="{BB962C8B-B14F-4D97-AF65-F5344CB8AC3E}">
-        <p14:creationId xmlns:p14="http://schemas.microsoft.com/office/powerpoint/2010/main" val="3992989739"/>
+        <p14:creationId xmlns:p14="http://schemas.microsoft.com/office/powerpoint/2010/main" val="2873814892"/>
       </p:ext>
     </p:extLst>
   </p:cSld>
@@ -1002,49 +1135,46 @@
         </p:nvSpPr>
         <p:spPr/>
         <p:txBody>
-          <a:bodyPr>
-            <a:normAutofit/>
-          </a:bodyPr>
+          <a:bodyPr/>
           <a:lstStyle/>
           <a:p>
             <a:r>
-              <a:rPr lang="en-US" noProof="0" dirty="0"/>
-              <a:t>Network policies are </a:t>
-            </a:r>
-            <a:r>
-              <a:rPr lang="en-US" noProof="0" dirty="0" err="1"/>
-              <a:t>kubernetes</a:t>
-            </a:r>
-            <a:r>
-              <a:rPr lang="en-US" noProof="0" dirty="0"/>
-              <a:t> object just as pods. The need an overlay network that supports the enforcement of their rules, like Calico. </a:t>
-            </a:r>
-          </a:p>
-          <a:p>
-            <a:r>
-              <a:rPr lang="en-US" noProof="0" dirty="0"/>
-              <a:t>Basically they define rules for incoming (ingress) and outgoing (egress) traffic to pods. As filter rules you can set IP addresses or use labels. Filter actions are deny or allow.</a:t>
-            </a:r>
-          </a:p>
-          <a:p>
-            <a:endParaRPr lang="en-US" noProof="0" dirty="0"/>
-          </a:p>
-          <a:p>
-            <a:r>
-              <a:rPr lang="en-US" noProof="0" dirty="0"/>
-              <a:t>In the example above, let’s assume princess Peach is at her castle (pod). She has created a service in order to be callable, but only as long as her location = castle. That works quite well, only that Bowser keeps calling her all the time. So Peach decides to allow only calls from Mario and puts a network policy in place. The policy filters incoming calls when she has her “location: castle” label and allows only those to pass, that have a label “caller: </a:t>
-            </a:r>
-            <a:r>
-              <a:rPr lang="en-US" noProof="0" dirty="0" err="1"/>
-              <a:t>mario</a:t>
-            </a:r>
-            <a:r>
-              <a:rPr lang="en-US" noProof="0" dirty="0"/>
-              <a:t>” attached. As a result Bowser is no longer able to call her.</a:t>
-            </a:r>
-          </a:p>
-          <a:p>
-            <a:endParaRPr lang="en-US" noProof="0" dirty="0"/>
+              <a:rPr lang="en-US" dirty="0"/>
+              <a:t>Resource Quota and </a:t>
+            </a:r>
+            <a:r>
+              <a:rPr lang="en-US" dirty="0" err="1"/>
+              <a:t>LimitRanges</a:t>
+            </a:r>
+            <a:r>
+              <a:rPr lang="en-US" dirty="0"/>
+              <a:t> can be used to control requested as well as actual resource consumption + # of k8s objects per namespace. Example: if the memory quota per pod is 200 MB and you want to start, let’s say a Jenkins which would require more – the application will not be able to start before being killed for exceeding the memory limit.</a:t>
+            </a:r>
+          </a:p>
+          <a:p>
+            <a:endParaRPr lang="en-US" dirty="0"/>
+          </a:p>
+          <a:p>
+            <a:r>
+              <a:rPr lang="en-US" dirty="0"/>
+              <a:t>Network policies control traffic within the cluster – details on next slide.</a:t>
+            </a:r>
+          </a:p>
+          <a:p>
+            <a:endParaRPr lang="en-US" dirty="0"/>
+          </a:p>
+          <a:p>
+            <a:r>
+              <a:rPr lang="en-US" dirty="0" err="1"/>
+              <a:t>PodSecurityPolicies</a:t>
+            </a:r>
+            <a:r>
+              <a:rPr lang="en-US" dirty="0"/>
+              <a:t> specify (security relevant) runtime conditions for pods. https://kubernetes.io/docs/concepts/policy/pod-security-policy/ </a:t>
+            </a:r>
+          </a:p>
+          <a:p>
+            <a:endParaRPr lang="en-US" dirty="0"/>
           </a:p>
         </p:txBody>
       </p:sp>
@@ -1064,18 +1194,18 @@
           <a:lstStyle/>
           <a:p>
             <a:fld id="{7D8C2C35-2B8A-446E-BEC0-FD36716C29AC}" type="slidenum">
-              <a:rPr lang="en-US" smtClean="0"/>
+              <a:rPr lang="de-DE" smtClean="0"/>
               <a:pPr/>
               <a:t>14</a:t>
             </a:fld>
-            <a:endParaRPr lang="en-US" dirty="0"/>
+            <a:endParaRPr lang="de-DE" dirty="0"/>
           </a:p>
         </p:txBody>
       </p:sp>
     </p:spTree>
     <p:extLst>
       <p:ext uri="{BB962C8B-B14F-4D97-AF65-F5344CB8AC3E}">
-        <p14:creationId xmlns:p14="http://schemas.microsoft.com/office/powerpoint/2010/main" val="325304950"/>
+        <p14:creationId xmlns:p14="http://schemas.microsoft.com/office/powerpoint/2010/main" val="3992989739"/>
       </p:ext>
     </p:extLst>
   </p:cSld>
@@ -1126,7 +1256,9 @@
         </p:nvSpPr>
         <p:spPr/>
         <p:txBody>
-          <a:bodyPr/>
+          <a:bodyPr>
+            <a:normAutofit/>
+          </a:bodyPr>
           <a:lstStyle/>
           <a:p>
             <a:r>
@@ -1149,229 +1281,24 @@
             </a:r>
           </a:p>
           <a:p>
+            <a:endParaRPr lang="en-US" noProof="0" dirty="0"/>
+          </a:p>
+          <a:p>
             <a:r>
               <a:rPr lang="en-US" noProof="0" dirty="0"/>
-              <a:t>In the example above, the network policy is enforced for access to “Pod A”, determined by its label and the corresponding selector.</a:t>
-            </a:r>
-          </a:p>
-          <a:p>
+              <a:t>In the example above, let’s assume princess Peach is at her castle (pod). She has created a service in order to be callable, but only as long as her location = castle. That works quite well, only that Bowser keeps calling her all the time. So Peach decides to allow only calls from Mario and puts a network policy in place. The policy filters incoming calls when she has her “location: castle” label and allows only those to pass, that have a label “caller: </a:t>
+            </a:r>
+            <a:r>
+              <a:rPr lang="en-US" noProof="0" dirty="0" err="1"/>
+              <a:t>mario</a:t>
+            </a:r>
             <a:r>
               <a:rPr lang="en-US" noProof="0" dirty="0"/>
-              <a:t>Pod B is allowed to access pod A since it has the correct label. Traffic from pod M will be blocked.</a:t>
-            </a:r>
-          </a:p>
-          <a:p>
-            <a:r>
-              <a:rPr lang="de-DE" dirty="0"/>
-              <a:t>Demo:</a:t>
-            </a:r>
-          </a:p>
-          <a:p>
-            <a:r>
-              <a:rPr lang="de-DE" dirty="0" err="1"/>
-              <a:t>kubectl</a:t>
-            </a:r>
-            <a:r>
-              <a:rPr lang="de-DE" dirty="0"/>
-              <a:t> </a:t>
-            </a:r>
-            <a:r>
-              <a:rPr lang="de-DE" dirty="0" err="1"/>
-              <a:t>run</a:t>
-            </a:r>
-            <a:r>
-              <a:rPr lang="de-DE" dirty="0"/>
-              <a:t> </a:t>
-            </a:r>
-            <a:r>
-              <a:rPr lang="de-DE" dirty="0" err="1"/>
-              <a:t>nginx</a:t>
-            </a:r>
-            <a:r>
-              <a:rPr lang="de-DE" dirty="0"/>
-              <a:t> --image</a:t>
-            </a:r>
-            <a:r>
-              <a:rPr lang="de-DE" b="1" dirty="0"/>
-              <a:t>=</a:t>
-            </a:r>
-            <a:r>
-              <a:rPr lang="de-DE" dirty="0" err="1"/>
-              <a:t>nginx</a:t>
-            </a:r>
-            <a:r>
-              <a:rPr lang="de-DE" dirty="0"/>
-              <a:t> --</a:t>
-            </a:r>
-            <a:r>
-              <a:rPr lang="de-DE" dirty="0" err="1"/>
-              <a:t>replicas</a:t>
-            </a:r>
-            <a:r>
-              <a:rPr lang="de-DE" b="1" dirty="0"/>
-              <a:t>=</a:t>
-            </a:r>
-            <a:r>
-              <a:rPr lang="de-DE" dirty="0"/>
-              <a:t>2 </a:t>
-            </a:r>
-          </a:p>
-          <a:p>
-            <a:r>
-              <a:rPr lang="de-DE" dirty="0" err="1"/>
-              <a:t>kubectl</a:t>
-            </a:r>
-            <a:r>
-              <a:rPr lang="de-DE" dirty="0"/>
-              <a:t> </a:t>
-            </a:r>
-            <a:r>
-              <a:rPr lang="de-DE" dirty="0" err="1"/>
-              <a:t>expose</a:t>
-            </a:r>
-            <a:r>
-              <a:rPr lang="de-DE" dirty="0"/>
-              <a:t> </a:t>
-            </a:r>
-            <a:r>
-              <a:rPr lang="de-DE" dirty="0" err="1"/>
-              <a:t>deployment</a:t>
-            </a:r>
-            <a:r>
-              <a:rPr lang="de-DE" dirty="0"/>
-              <a:t> </a:t>
-            </a:r>
-            <a:r>
-              <a:rPr lang="de-DE" dirty="0" err="1"/>
-              <a:t>nginx</a:t>
-            </a:r>
-            <a:r>
-              <a:rPr lang="de-DE" dirty="0"/>
-              <a:t> --</a:t>
-            </a:r>
-            <a:r>
-              <a:rPr lang="de-DE" dirty="0" err="1"/>
-              <a:t>port</a:t>
-            </a:r>
-            <a:r>
-              <a:rPr lang="de-DE" b="1" dirty="0"/>
-              <a:t>=</a:t>
-            </a:r>
-            <a:r>
-              <a:rPr lang="de-DE" dirty="0"/>
-              <a:t>80</a:t>
-            </a:r>
-          </a:p>
-          <a:p>
-            <a:r>
-              <a:rPr lang="de-DE" dirty="0" err="1"/>
-              <a:t>kubectl</a:t>
-            </a:r>
-            <a:r>
-              <a:rPr lang="de-DE" dirty="0"/>
-              <a:t> </a:t>
-            </a:r>
-            <a:r>
-              <a:rPr lang="de-DE" dirty="0" err="1"/>
-              <a:t>run</a:t>
-            </a:r>
-            <a:r>
-              <a:rPr lang="de-DE" dirty="0"/>
-              <a:t> </a:t>
-            </a:r>
-            <a:r>
-              <a:rPr lang="de-DE" dirty="0" err="1"/>
-              <a:t>busybox</a:t>
-            </a:r>
-            <a:r>
-              <a:rPr lang="de-DE" dirty="0"/>
-              <a:t> --</a:t>
-            </a:r>
-            <a:r>
-              <a:rPr lang="de-DE" dirty="0" err="1"/>
-              <a:t>rm</a:t>
-            </a:r>
-            <a:r>
-              <a:rPr lang="de-DE" dirty="0"/>
-              <a:t> -</a:t>
-            </a:r>
-            <a:r>
-              <a:rPr lang="de-DE" dirty="0" err="1"/>
-              <a:t>ti</a:t>
-            </a:r>
-            <a:r>
-              <a:rPr lang="de-DE" dirty="0"/>
-              <a:t> --image</a:t>
-            </a:r>
-            <a:r>
-              <a:rPr lang="de-DE" b="1" dirty="0"/>
-              <a:t>=</a:t>
-            </a:r>
-            <a:r>
-              <a:rPr lang="de-DE" dirty="0" err="1"/>
-              <a:t>busybox</a:t>
-            </a:r>
-            <a:r>
-              <a:rPr lang="de-DE" dirty="0"/>
-              <a:t> /bin/sh</a:t>
-            </a:r>
-          </a:p>
-          <a:p>
-            <a:r>
-              <a:rPr lang="de-DE" dirty="0"/>
-              <a:t> # </a:t>
-            </a:r>
-            <a:r>
-              <a:rPr lang="de-DE" dirty="0" err="1"/>
-              <a:t>wget</a:t>
-            </a:r>
-            <a:r>
-              <a:rPr lang="de-DE" dirty="0"/>
-              <a:t> --spider --timeout=1 </a:t>
-            </a:r>
-            <a:r>
-              <a:rPr lang="de-DE" dirty="0" err="1"/>
-              <a:t>nginx</a:t>
-            </a:r>
-            <a:endParaRPr lang="en-US" dirty="0"/>
-          </a:p>
-          <a:p>
-            <a:r>
-              <a:rPr lang="en-US" dirty="0" err="1"/>
-              <a:t>Kubectl</a:t>
-            </a:r>
-            <a:r>
-              <a:rPr lang="en-US" dirty="0"/>
-              <a:t> create –f network-</a:t>
-            </a:r>
-            <a:r>
-              <a:rPr lang="en-US" dirty="0" err="1"/>
-              <a:t>policy.yaml</a:t>
-            </a:r>
-            <a:endParaRPr lang="en-US" dirty="0"/>
-          </a:p>
-          <a:p>
-            <a:r>
-              <a:rPr lang="en-US" dirty="0" err="1"/>
-              <a:t>Kubectl</a:t>
-            </a:r>
-            <a:r>
-              <a:rPr lang="en-US" dirty="0"/>
-              <a:t> run ..</a:t>
-            </a:r>
-          </a:p>
-          <a:p>
-            <a:r>
-              <a:rPr lang="en-US" dirty="0" err="1"/>
-              <a:t>Kubectl</a:t>
-            </a:r>
-            <a:r>
-              <a:rPr lang="en-US" dirty="0"/>
-              <a:t> run … -l access=true</a:t>
-            </a:r>
-          </a:p>
-          <a:p>
-            <a:endParaRPr lang="en-US" dirty="0"/>
+              <a:t>” attached. As a result Bowser is no longer able to call her.</a:t>
+            </a:r>
+          </a:p>
+          <a:p>
+            <a:endParaRPr lang="en-US" noProof="0" dirty="0"/>
           </a:p>
         </p:txBody>
       </p:sp>
@@ -1402,7 +1329,7 @@
     </p:spTree>
     <p:extLst>
       <p:ext uri="{BB962C8B-B14F-4D97-AF65-F5344CB8AC3E}">
-        <p14:creationId xmlns:p14="http://schemas.microsoft.com/office/powerpoint/2010/main" val="3747275599"/>
+        <p14:creationId xmlns:p14="http://schemas.microsoft.com/office/powerpoint/2010/main" val="325304950"/>
       </p:ext>
     </p:extLst>
   </p:cSld>
@@ -1453,10 +1380,40 @@
         </p:nvSpPr>
         <p:spPr/>
         <p:txBody>
-          <a:bodyPr>
-            <a:normAutofit fontScale="92500" lnSpcReduction="20000"/>
-          </a:bodyPr>
+          <a:bodyPr/>
           <a:lstStyle/>
+          <a:p>
+            <a:r>
+              <a:rPr lang="en-US" noProof="0" dirty="0"/>
+              <a:t>Network policies are </a:t>
+            </a:r>
+            <a:r>
+              <a:rPr lang="en-US" noProof="0" dirty="0" err="1"/>
+              <a:t>kubernetes</a:t>
+            </a:r>
+            <a:r>
+              <a:rPr lang="en-US" noProof="0" dirty="0"/>
+              <a:t> object just as pods. The need an overlay network that supports the enforcement of their rules, like Calico. </a:t>
+            </a:r>
+          </a:p>
+          <a:p>
+            <a:r>
+              <a:rPr lang="en-US" noProof="0" dirty="0"/>
+              <a:t>Basically they define rules for incoming (ingress) and outgoing (egress) traffic to pods. As filter rules you can set IP addresses or use labels. Filter actions are deny or allow.</a:t>
+            </a:r>
+          </a:p>
+          <a:p>
+            <a:r>
+              <a:rPr lang="en-US" noProof="0" dirty="0"/>
+              <a:t>In the example above, the network policy is enforced for access to “Pod A”, determined by its label and the corresponding selector.</a:t>
+            </a:r>
+          </a:p>
+          <a:p>
+            <a:r>
+              <a:rPr lang="en-US" noProof="0" dirty="0"/>
+              <a:t>Pod B is allowed to access pod A since it has the correct label. Traffic from pod M will be blocked.</a:t>
+            </a:r>
+          </a:p>
           <a:p>
             <a:r>
               <a:rPr lang="de-DE" dirty="0"/>
@@ -1464,13 +1421,71 @@
             </a:r>
           </a:p>
           <a:p>
-            <a:pPr marL="285750" indent="-285750">
-              <a:buFont typeface="Symbol" panose="05050102010706020507" pitchFamily="18" charset="2"/>
-              <a:buChar char="-"/>
-            </a:pPr>
+            <a:r>
+              <a:rPr lang="de-DE" dirty="0" err="1"/>
+              <a:t>kubectl</a:t>
+            </a:r>
             <a:r>
               <a:rPr lang="de-DE" dirty="0"/>
-              <a:t>Create a </a:t>
+              <a:t> </a:t>
+            </a:r>
+            <a:r>
+              <a:rPr lang="de-DE" dirty="0" err="1"/>
+              <a:t>run</a:t>
+            </a:r>
+            <a:r>
+              <a:rPr lang="de-DE" dirty="0"/>
+              <a:t> </a:t>
+            </a:r>
+            <a:r>
+              <a:rPr lang="de-DE" dirty="0" err="1"/>
+              <a:t>nginx</a:t>
+            </a:r>
+            <a:r>
+              <a:rPr lang="de-DE" dirty="0"/>
+              <a:t> --image</a:t>
+            </a:r>
+            <a:r>
+              <a:rPr lang="de-DE" b="1" dirty="0"/>
+              <a:t>=</a:t>
+            </a:r>
+            <a:r>
+              <a:rPr lang="de-DE" dirty="0" err="1"/>
+              <a:t>nginx</a:t>
+            </a:r>
+            <a:r>
+              <a:rPr lang="de-DE" dirty="0"/>
+              <a:t> --</a:t>
+            </a:r>
+            <a:r>
+              <a:rPr lang="de-DE" dirty="0" err="1"/>
+              <a:t>replicas</a:t>
+            </a:r>
+            <a:r>
+              <a:rPr lang="de-DE" b="1" dirty="0"/>
+              <a:t>=</a:t>
+            </a:r>
+            <a:r>
+              <a:rPr lang="de-DE" dirty="0"/>
+              <a:t>2 </a:t>
+            </a:r>
+          </a:p>
+          <a:p>
+            <a:r>
+              <a:rPr lang="de-DE" dirty="0" err="1"/>
+              <a:t>kubectl</a:t>
+            </a:r>
+            <a:r>
+              <a:rPr lang="de-DE" dirty="0"/>
+              <a:t> </a:t>
+            </a:r>
+            <a:r>
+              <a:rPr lang="de-DE" dirty="0" err="1"/>
+              <a:t>expose</a:t>
+            </a:r>
+            <a:r>
+              <a:rPr lang="de-DE" dirty="0"/>
+              <a:t> </a:t>
             </a:r>
             <a:r>
               <a:rPr lang="de-DE" dirty="0" err="1"/>
@@ -1478,11 +1493,33 @@
             </a:r>
             <a:r>
               <a:rPr lang="de-DE" dirty="0"/>
-              <a:t> &amp; a </a:t>
+              <a:t> </a:t>
             </a:r>
             <a:r>
               <a:rPr lang="de-DE" dirty="0" err="1"/>
-              <a:t>corresponding</a:t>
+              <a:t>nginx</a:t>
+            </a:r>
+            <a:r>
+              <a:rPr lang="de-DE" dirty="0"/>
+              <a:t> --</a:t>
+            </a:r>
+            <a:r>
+              <a:rPr lang="de-DE" dirty="0" err="1"/>
+              <a:t>port</a:t>
+            </a:r>
+            <a:r>
+              <a:rPr lang="de-DE" b="1" dirty="0"/>
+              <a:t>=</a:t>
+            </a:r>
+            <a:r>
+              <a:rPr lang="de-DE" dirty="0"/>
+              <a:t>80</a:t>
+            </a:r>
+          </a:p>
+          <a:p>
+            <a:r>
+              <a:rPr lang="de-DE" dirty="0" err="1"/>
+              <a:t>kubectl</a:t>
             </a:r>
             <a:r>
               <a:rPr lang="de-DE" dirty="0"/>
@@ -1490,23 +1527,7 @@
             </a:r>
             <a:r>
               <a:rPr lang="de-DE" dirty="0" err="1"/>
-              <a:t>service</a:t>
-            </a:r>
-            <a:r>
-              <a:rPr lang="de-DE" dirty="0"/>
-              <a:t> (</a:t>
-            </a:r>
-            <a:r>
-              <a:rPr lang="de-DE" dirty="0" err="1"/>
-              <a:t>if</a:t>
-            </a:r>
-            <a:r>
-              <a:rPr lang="de-DE" dirty="0"/>
-              <a:t> not </a:t>
-            </a:r>
-            <a:r>
-              <a:rPr lang="de-DE" dirty="0" err="1"/>
-              <a:t>yet</a:t>
+              <a:t>run</a:t>
             </a:r>
             <a:r>
               <a:rPr lang="de-DE" dirty="0"/>
@@ -1514,350 +1535,64 @@
             </a:r>
             <a:r>
               <a:rPr lang="de-DE" dirty="0" err="1"/>
-              <a:t>done</a:t>
+              <a:t>busybox</a:t>
             </a:r>
             <a:r>
               <a:rPr lang="de-DE" dirty="0"/>
-              <a:t>)</a:t>
-            </a:r>
-          </a:p>
-          <a:p>
-            <a:pPr marL="465750" lvl="1" indent="-285750">
-              <a:buFont typeface="Symbol" panose="05050102010706020507" pitchFamily="18" charset="2"/>
-              <a:buChar char="-"/>
-            </a:pPr>
+              <a:t> --</a:t>
+            </a:r>
             <a:r>
               <a:rPr lang="de-DE" dirty="0" err="1"/>
-              <a:t>kubectl</a:t>
+              <a:t>rm</a:t>
             </a:r>
             <a:r>
               <a:rPr lang="de-DE" dirty="0"/>
-              <a:t> </a:t>
+              <a:t> -</a:t>
             </a:r>
             <a:r>
               <a:rPr lang="de-DE" dirty="0" err="1"/>
-              <a:t>run</a:t>
+              <a:t>ti</a:t>
             </a:r>
             <a:r>
               <a:rPr lang="de-DE" dirty="0"/>
-              <a:t> </a:t>
+              <a:t> --image</a:t>
+            </a:r>
+            <a:r>
+              <a:rPr lang="de-DE" b="1" dirty="0"/>
+              <a:t>=</a:t>
+            </a:r>
+            <a:r>
+              <a:rPr lang="de-DE" dirty="0" err="1"/>
+              <a:t>busybox</a:t>
+            </a:r>
+            <a:r>
+              <a:rPr lang="de-DE" dirty="0"/>
+              <a:t> /bin/sh</a:t>
+            </a:r>
+          </a:p>
+          <a:p>
+            <a:r>
+              <a:rPr lang="de-DE" dirty="0"/>
+              <a:t> # </a:t>
+            </a:r>
+            <a:r>
+              <a:rPr lang="de-DE" dirty="0" err="1"/>
+              <a:t>wget</a:t>
+            </a:r>
+            <a:r>
+              <a:rPr lang="de-DE" dirty="0"/>
+              <a:t> --spider --timeout=1 </a:t>
             </a:r>
             <a:r>
               <a:rPr lang="de-DE" dirty="0" err="1"/>
               <a:t>nginx</a:t>
             </a:r>
-            <a:r>
-              <a:rPr lang="de-DE" dirty="0"/>
-              <a:t> --image</a:t>
-            </a:r>
-            <a:r>
-              <a:rPr lang="de-DE" b="1" dirty="0"/>
-              <a:t>=</a:t>
-            </a:r>
-            <a:r>
-              <a:rPr lang="de-DE" dirty="0" err="1"/>
-              <a:t>nginx</a:t>
-            </a:r>
-            <a:r>
-              <a:rPr lang="de-DE" dirty="0"/>
-              <a:t> --</a:t>
-            </a:r>
-            <a:r>
-              <a:rPr lang="de-DE" dirty="0" err="1"/>
-              <a:t>replicas</a:t>
-            </a:r>
-            <a:r>
-              <a:rPr lang="de-DE" b="1" dirty="0"/>
-              <a:t>=</a:t>
-            </a:r>
-            <a:r>
-              <a:rPr lang="de-DE" dirty="0"/>
-              <a:t>2 </a:t>
-            </a:r>
-          </a:p>
-          <a:p>
-            <a:pPr marL="465750" lvl="1" indent="-285750">
-              <a:buFont typeface="Symbol" panose="05050102010706020507" pitchFamily="18" charset="2"/>
-              <a:buChar char="-"/>
-            </a:pPr>
-            <a:r>
-              <a:rPr lang="de-DE" dirty="0" err="1"/>
-              <a:t>kubectl</a:t>
-            </a:r>
-            <a:r>
-              <a:rPr lang="de-DE" dirty="0"/>
-              <a:t> </a:t>
-            </a:r>
-            <a:r>
-              <a:rPr lang="de-DE" dirty="0" err="1"/>
-              <a:t>expose</a:t>
-            </a:r>
-            <a:r>
-              <a:rPr lang="de-DE" dirty="0"/>
-              <a:t> </a:t>
-            </a:r>
-            <a:r>
-              <a:rPr lang="de-DE" dirty="0" err="1"/>
-              <a:t>deployment</a:t>
-            </a:r>
-            <a:r>
-              <a:rPr lang="de-DE" dirty="0"/>
-              <a:t> </a:t>
-            </a:r>
-            <a:r>
-              <a:rPr lang="de-DE" dirty="0" err="1"/>
-              <a:t>nginx</a:t>
-            </a:r>
-            <a:r>
-              <a:rPr lang="de-DE" dirty="0"/>
-              <a:t> --</a:t>
-            </a:r>
-            <a:r>
-              <a:rPr lang="de-DE" dirty="0" err="1"/>
-              <a:t>port</a:t>
-            </a:r>
-            <a:r>
-              <a:rPr lang="de-DE" b="1" dirty="0"/>
-              <a:t>=</a:t>
-            </a:r>
-            <a:r>
-              <a:rPr lang="de-DE" dirty="0"/>
-              <a:t>80</a:t>
-            </a:r>
-          </a:p>
-          <a:p>
-            <a:pPr marL="285750" indent="-285750">
-              <a:buFont typeface="Symbol" panose="05050102010706020507" pitchFamily="18" charset="2"/>
-              <a:buChar char="-"/>
-            </a:pPr>
-            <a:endParaRPr lang="de-DE" dirty="0"/>
-          </a:p>
-          <a:p>
-            <a:pPr marL="285750" indent="-285750">
-              <a:buFont typeface="Symbol" panose="05050102010706020507" pitchFamily="18" charset="2"/>
-              <a:buChar char="-"/>
-            </a:pPr>
-            <a:r>
-              <a:rPr lang="de-DE" dirty="0"/>
-              <a:t>Create a </a:t>
-            </a:r>
-            <a:r>
-              <a:rPr lang="de-DE" dirty="0" err="1"/>
-              <a:t>helper</a:t>
-            </a:r>
-            <a:r>
-              <a:rPr lang="de-DE" dirty="0"/>
-              <a:t> </a:t>
-            </a:r>
-            <a:r>
-              <a:rPr lang="de-DE" dirty="0" err="1"/>
-              <a:t>pod</a:t>
-            </a:r>
-            <a:r>
-              <a:rPr lang="de-DE" dirty="0"/>
-              <a:t>, </a:t>
-            </a:r>
-            <a:r>
-              <a:rPr lang="de-DE" dirty="0" err="1"/>
-              <a:t>logon</a:t>
-            </a:r>
-            <a:r>
-              <a:rPr lang="de-DE" dirty="0"/>
-              <a:t> </a:t>
-            </a:r>
-            <a:r>
-              <a:rPr lang="de-DE" dirty="0" err="1"/>
-              <a:t>to</a:t>
-            </a:r>
-            <a:r>
-              <a:rPr lang="de-DE" dirty="0"/>
-              <a:t> </a:t>
-            </a:r>
-            <a:r>
-              <a:rPr lang="de-DE" dirty="0" err="1"/>
-              <a:t>it</a:t>
-            </a:r>
-            <a:r>
-              <a:rPr lang="de-DE" dirty="0"/>
-              <a:t> and </a:t>
-            </a:r>
-            <a:r>
-              <a:rPr lang="de-DE" dirty="0" err="1"/>
-              <a:t>get</a:t>
-            </a:r>
-            <a:r>
-              <a:rPr lang="de-DE" dirty="0"/>
-              <a:t> </a:t>
-            </a:r>
-            <a:r>
-              <a:rPr lang="de-DE" dirty="0" err="1"/>
-              <a:t>the</a:t>
-            </a:r>
-            <a:r>
-              <a:rPr lang="de-DE" dirty="0"/>
-              <a:t> index.html </a:t>
-            </a:r>
-            <a:r>
-              <a:rPr lang="de-DE" dirty="0" err="1"/>
-              <a:t>page</a:t>
-            </a:r>
-            <a:r>
-              <a:rPr lang="de-DE" dirty="0"/>
-              <a:t> </a:t>
-            </a:r>
-            <a:r>
-              <a:rPr lang="de-DE" dirty="0" err="1"/>
-              <a:t>from</a:t>
-            </a:r>
-            <a:r>
-              <a:rPr lang="de-DE" dirty="0"/>
-              <a:t> </a:t>
-            </a:r>
-            <a:r>
-              <a:rPr lang="de-DE" dirty="0" err="1"/>
-              <a:t>the</a:t>
-            </a:r>
-            <a:r>
-              <a:rPr lang="de-DE" dirty="0"/>
-              <a:t> </a:t>
-            </a:r>
-            <a:r>
-              <a:rPr lang="de-DE" dirty="0" err="1"/>
-              <a:t>nginx</a:t>
-            </a:r>
-            <a:r>
-              <a:rPr lang="de-DE" dirty="0"/>
-              <a:t> backend.</a:t>
-            </a:r>
-          </a:p>
-          <a:p>
-            <a:pPr marL="465750" lvl="1" indent="-285750">
-              <a:buFont typeface="Symbol" panose="05050102010706020507" pitchFamily="18" charset="2"/>
-              <a:buChar char="-"/>
-            </a:pPr>
-            <a:r>
-              <a:rPr lang="de-DE" dirty="0" err="1"/>
-              <a:t>kubectl</a:t>
-            </a:r>
-            <a:r>
-              <a:rPr lang="de-DE" dirty="0"/>
-              <a:t> </a:t>
-            </a:r>
-            <a:r>
-              <a:rPr lang="de-DE" dirty="0" err="1"/>
-              <a:t>run</a:t>
-            </a:r>
-            <a:r>
-              <a:rPr lang="de-DE" dirty="0"/>
-              <a:t> </a:t>
-            </a:r>
-            <a:r>
-              <a:rPr lang="de-DE" dirty="0" err="1"/>
-              <a:t>connector</a:t>
-            </a:r>
-            <a:r>
-              <a:rPr lang="de-DE" dirty="0"/>
-              <a:t> --</a:t>
-            </a:r>
-            <a:r>
-              <a:rPr lang="de-DE" dirty="0" err="1"/>
-              <a:t>rm</a:t>
-            </a:r>
-            <a:r>
-              <a:rPr lang="de-DE" dirty="0"/>
-              <a:t> -</a:t>
-            </a:r>
-            <a:r>
-              <a:rPr lang="de-DE" dirty="0" err="1"/>
-              <a:t>ti</a:t>
-            </a:r>
-            <a:r>
-              <a:rPr lang="de-DE" dirty="0"/>
-              <a:t> --</a:t>
-            </a:r>
-            <a:r>
-              <a:rPr lang="de-DE" dirty="0" err="1"/>
-              <a:t>restart</a:t>
-            </a:r>
-            <a:r>
-              <a:rPr lang="de-DE" dirty="0"/>
-              <a:t>=Never --image</a:t>
-            </a:r>
-            <a:r>
-              <a:rPr lang="de-DE" b="1" dirty="0"/>
-              <a:t>=</a:t>
-            </a:r>
-            <a:r>
-              <a:rPr lang="de-DE" dirty="0"/>
-              <a:t>alpine:3.8</a:t>
-            </a:r>
-          </a:p>
-          <a:p>
-            <a:pPr marL="465750" lvl="1" indent="-285750">
-              <a:buFont typeface="Symbol" panose="05050102010706020507" pitchFamily="18" charset="2"/>
-              <a:buChar char="-"/>
-            </a:pPr>
-            <a:r>
-              <a:rPr lang="de-DE" dirty="0"/>
-              <a:t># </a:t>
-            </a:r>
-            <a:r>
-              <a:rPr lang="de-DE" dirty="0" err="1"/>
-              <a:t>wget</a:t>
-            </a:r>
-            <a:r>
-              <a:rPr lang="de-DE" dirty="0"/>
-              <a:t> --timeout=1 </a:t>
-            </a:r>
-            <a:r>
-              <a:rPr lang="de-DE" dirty="0" err="1"/>
-              <a:t>nginx</a:t>
-            </a:r>
-            <a:endParaRPr lang="de-DE" dirty="0"/>
-          </a:p>
-          <a:p>
-            <a:pPr marL="465750" lvl="1" indent="-285750">
-              <a:buFont typeface="Symbol" panose="05050102010706020507" pitchFamily="18" charset="2"/>
-              <a:buChar char="-"/>
-            </a:pPr>
-            <a:r>
-              <a:rPr lang="en-US" dirty="0"/>
-              <a:t>Remove the index.html page &amp; stay connected to the shell session</a:t>
-            </a:r>
-          </a:p>
-          <a:p>
-            <a:pPr marL="285750" indent="-285750">
-              <a:buFont typeface="Symbol" panose="05050102010706020507" pitchFamily="18" charset="2"/>
-              <a:buChar char="-"/>
-            </a:pPr>
             <a:endParaRPr lang="en-US" dirty="0"/>
           </a:p>
           <a:p>
-            <a:pPr marL="285750" indent="-285750">
-              <a:buFont typeface="Symbol" panose="05050102010706020507" pitchFamily="18" charset="2"/>
-              <a:buChar char="-"/>
-            </a:pPr>
-            <a:r>
-              <a:rPr lang="en-US" dirty="0"/>
-              <a:t>Create the network policy in a 2</a:t>
-            </a:r>
-            <a:r>
-              <a:rPr lang="en-US" baseline="30000" dirty="0"/>
-              <a:t>nd</a:t>
-            </a:r>
-            <a:r>
-              <a:rPr lang="en-US" dirty="0"/>
-              <a:t> shell:</a:t>
-            </a:r>
-          </a:p>
-          <a:p>
-            <a:pPr marL="465750" lvl="1" indent="-285750">
-              <a:buFont typeface="Symbol" panose="05050102010706020507" pitchFamily="18" charset="2"/>
-              <a:buChar char="-"/>
-            </a:pPr>
             <a:r>
               <a:rPr lang="en-US" dirty="0" err="1"/>
-              <a:t>kubectl</a:t>
+              <a:t>Kubectl</a:t>
             </a:r>
             <a:r>
               <a:rPr lang="en-US" dirty="0"/>
@@ -1870,162 +1605,26 @@
             <a:endParaRPr lang="en-US" dirty="0"/>
           </a:p>
           <a:p>
-            <a:pPr marL="465750" lvl="1" indent="-285750">
-              <a:buFont typeface="Symbol" panose="05050102010706020507" pitchFamily="18" charset="2"/>
-              <a:buChar char="-"/>
-            </a:pPr>
+            <a:r>
+              <a:rPr lang="en-US" dirty="0" err="1"/>
+              <a:t>Kubectl</a:t>
+            </a:r>
             <a:r>
               <a:rPr lang="en-US" dirty="0"/>
-              <a:t>Show the network policy definition and explain:</a:t>
-            </a:r>
-          </a:p>
-          <a:p>
-            <a:pPr marL="645750" lvl="2" indent="-285750">
-              <a:buFont typeface="Symbol" panose="05050102010706020507" pitchFamily="18" charset="2"/>
-              <a:buChar char="-"/>
-            </a:pPr>
+              <a:t> run ..</a:t>
+            </a:r>
+          </a:p>
+          <a:p>
+            <a:r>
+              <a:rPr lang="en-US" dirty="0" err="1"/>
+              <a:t>Kubectl</a:t>
+            </a:r>
             <a:r>
               <a:rPr lang="en-US" dirty="0"/>
-              <a:t>it’s implicitly a whitelisting</a:t>
-            </a:r>
-          </a:p>
-          <a:p>
-            <a:pPr marL="645750" lvl="2" indent="-285750">
-              <a:buFont typeface="Symbol" panose="05050102010706020507" pitchFamily="18" charset="2"/>
-              <a:buChar char="-"/>
-            </a:pPr>
-            <a:r>
-              <a:rPr lang="en-US" dirty="0"/>
-              <a:t>network policy can handle egress and ingress traffic. However the example is only of incoming (ingress) traffic.</a:t>
-            </a:r>
-          </a:p>
-          <a:p>
-            <a:pPr marL="645750" lvl="2" indent="-285750">
-              <a:buFont typeface="Symbol" panose="05050102010706020507" pitchFamily="18" charset="2"/>
-              <a:buChar char="-"/>
-            </a:pPr>
-            <a:r>
-              <a:rPr lang="en-US" dirty="0"/>
-              <a:t>The </a:t>
-            </a:r>
-            <a:r>
-              <a:rPr lang="en-US" dirty="0" err="1"/>
-              <a:t>cidr</a:t>
-            </a:r>
-            <a:r>
-              <a:rPr lang="en-US" dirty="0"/>
-              <a:t> block are required, if you want to access your service later from SAP networks. Otherwise all requested without the label (i.e. not cluster internal) will be blocked too.</a:t>
-            </a:r>
-          </a:p>
-          <a:p>
-            <a:pPr marL="465750" lvl="1" indent="-285750">
-              <a:buFont typeface="Symbol" panose="05050102010706020507" pitchFamily="18" charset="2"/>
-              <a:buChar char="-"/>
-            </a:pPr>
-            <a:endParaRPr lang="en-US" dirty="0"/>
-          </a:p>
-          <a:p>
-            <a:pPr marL="285750" indent="-285750">
-              <a:buFont typeface="Symbol" panose="05050102010706020507" pitchFamily="18" charset="2"/>
-              <a:buChar char="-"/>
-            </a:pPr>
-            <a:r>
-              <a:rPr lang="en-US" dirty="0"/>
-              <a:t>Switch back to the helper pod and re-run the </a:t>
-            </a:r>
-            <a:r>
-              <a:rPr lang="en-US" dirty="0" err="1"/>
-              <a:t>wget</a:t>
-            </a:r>
-            <a:r>
-              <a:rPr lang="en-US" dirty="0"/>
-              <a:t> command </a:t>
-            </a:r>
-            <a:r>
-              <a:rPr lang="en-US" dirty="0">
-                <a:sym typeface="Wingdings" panose="05000000000000000000" pitchFamily="2" charset="2"/>
-              </a:rPr>
-              <a:t> expected result: failure due to the missing label</a:t>
-            </a:r>
-            <a:endParaRPr lang="en-US" dirty="0"/>
-          </a:p>
-          <a:p>
-            <a:pPr marL="285750" indent="-285750">
-              <a:buFont typeface="Symbol" panose="05050102010706020507" pitchFamily="18" charset="2"/>
-              <a:buChar char="-"/>
-            </a:pPr>
-            <a:r>
-              <a:rPr lang="en-US" dirty="0"/>
-              <a:t>Label you helper pod accordingly (can be done from the 2</a:t>
-            </a:r>
-            <a:r>
-              <a:rPr lang="en-US" baseline="30000" dirty="0"/>
-              <a:t>nd</a:t>
-            </a:r>
-            <a:r>
-              <a:rPr lang="en-US" dirty="0"/>
-              <a:t> shell session, so stay connected to your helper pod)</a:t>
-            </a:r>
-          </a:p>
-          <a:p>
-            <a:pPr marL="465750" lvl="1" indent="-285750">
-              <a:buFont typeface="Symbol" panose="05050102010706020507" pitchFamily="18" charset="2"/>
-              <a:buChar char="-"/>
-            </a:pPr>
-            <a:r>
-              <a:rPr lang="en-US" dirty="0" err="1"/>
-              <a:t>kubectl</a:t>
-            </a:r>
-            <a:r>
-              <a:rPr lang="en-US" dirty="0"/>
-              <a:t> label pod connector access=true</a:t>
-            </a:r>
-          </a:p>
-          <a:p>
-            <a:pPr marL="285750" lvl="0" indent="-285750">
-              <a:buFont typeface="Symbol" panose="05050102010706020507" pitchFamily="18" charset="2"/>
-              <a:buChar char="-"/>
-            </a:pPr>
-            <a:endParaRPr lang="en-US" dirty="0"/>
-          </a:p>
-          <a:p>
-            <a:pPr marL="285750" lvl="0" indent="-285750">
-              <a:buFont typeface="Symbol" panose="05050102010706020507" pitchFamily="18" charset="2"/>
-              <a:buChar char="-"/>
-            </a:pPr>
-            <a:r>
-              <a:rPr lang="en-US" dirty="0"/>
-              <a:t>Re-run the </a:t>
-            </a:r>
-            <a:r>
-              <a:rPr lang="en-US" dirty="0" err="1"/>
-              <a:t>wget</a:t>
-            </a:r>
-            <a:r>
-              <a:rPr lang="en-US" dirty="0"/>
-              <a:t> command </a:t>
-            </a:r>
-            <a:r>
-              <a:rPr lang="en-US" dirty="0">
-                <a:sym typeface="Wingdings" panose="05000000000000000000" pitchFamily="2" charset="2"/>
-              </a:rPr>
-              <a:t> expected result: works again</a:t>
-            </a:r>
-          </a:p>
-          <a:p>
-            <a:pPr marL="285750" lvl="0" indent="-285750">
-              <a:buFont typeface="Symbol" panose="05050102010706020507" pitchFamily="18" charset="2"/>
-              <a:buChar char="-"/>
-            </a:pPr>
-            <a:endParaRPr lang="en-US" dirty="0">
-              <a:sym typeface="Wingdings" panose="05000000000000000000" pitchFamily="2" charset="2"/>
-            </a:endParaRPr>
-          </a:p>
-          <a:p>
-            <a:pPr marL="0" lvl="0" indent="0">
-              <a:buFont typeface="Symbol" panose="05050102010706020507" pitchFamily="18" charset="2"/>
-              <a:buNone/>
-            </a:pPr>
+              <a:t> run … -l access=true</a:t>
+            </a:r>
+          </a:p>
+          <a:p>
             <a:endParaRPr lang="en-US" dirty="0"/>
           </a:p>
         </p:txBody>
@@ -2046,18 +1645,18 @@
           <a:lstStyle/>
           <a:p>
             <a:fld id="{7D8C2C35-2B8A-446E-BEC0-FD36716C29AC}" type="slidenum">
-              <a:rPr lang="de-DE" smtClean="0"/>
+              <a:rPr lang="en-US" smtClean="0"/>
               <a:pPr/>
               <a:t>16</a:t>
             </a:fld>
-            <a:endParaRPr lang="de-DE" dirty="0"/>
+            <a:endParaRPr lang="en-US" dirty="0"/>
           </a:p>
         </p:txBody>
       </p:sp>
     </p:spTree>
     <p:extLst>
       <p:ext uri="{BB962C8B-B14F-4D97-AF65-F5344CB8AC3E}">
-        <p14:creationId xmlns:p14="http://schemas.microsoft.com/office/powerpoint/2010/main" val="2053658473"/>
+        <p14:creationId xmlns:p14="http://schemas.microsoft.com/office/powerpoint/2010/main" val="3747275599"/>
       </p:ext>
     </p:extLst>
   </p:cSld>
@@ -2108,9 +1707,579 @@
         </p:nvSpPr>
         <p:spPr/>
         <p:txBody>
-          <a:bodyPr/>
+          <a:bodyPr>
+            <a:normAutofit fontScale="92500" lnSpcReduction="20000"/>
+          </a:bodyPr>
           <a:lstStyle/>
           <a:p>
+            <a:r>
+              <a:rPr lang="de-DE" dirty="0"/>
+              <a:t>Demo:</a:t>
+            </a:r>
+          </a:p>
+          <a:p>
+            <a:pPr marL="285750" indent="-285750">
+              <a:buFont typeface="Symbol" panose="05050102010706020507" pitchFamily="18" charset="2"/>
+              <a:buChar char="-"/>
+            </a:pPr>
+            <a:r>
+              <a:rPr lang="de-DE" dirty="0"/>
+              <a:t>Create a </a:t>
+            </a:r>
+            <a:r>
+              <a:rPr lang="de-DE" dirty="0" err="1"/>
+              <a:t>deployment</a:t>
+            </a:r>
+            <a:r>
+              <a:rPr lang="de-DE" dirty="0"/>
+              <a:t> &amp; a </a:t>
+            </a:r>
+            <a:r>
+              <a:rPr lang="de-DE" dirty="0" err="1"/>
+              <a:t>corresponding</a:t>
+            </a:r>
+            <a:r>
+              <a:rPr lang="de-DE" dirty="0"/>
+              <a:t> </a:t>
+            </a:r>
+            <a:r>
+              <a:rPr lang="de-DE" dirty="0" err="1"/>
+              <a:t>service</a:t>
+            </a:r>
+            <a:r>
+              <a:rPr lang="de-DE" dirty="0"/>
+              <a:t> (</a:t>
+            </a:r>
+            <a:r>
+              <a:rPr lang="de-DE" dirty="0" err="1"/>
+              <a:t>if</a:t>
+            </a:r>
+            <a:r>
+              <a:rPr lang="de-DE" dirty="0"/>
+              <a:t> not </a:t>
+            </a:r>
+            <a:r>
+              <a:rPr lang="de-DE" dirty="0" err="1"/>
+              <a:t>yet</a:t>
+            </a:r>
+            <a:r>
+              <a:rPr lang="de-DE" dirty="0"/>
+              <a:t> </a:t>
+            </a:r>
+            <a:r>
+              <a:rPr lang="de-DE" dirty="0" err="1"/>
+              <a:t>done</a:t>
+            </a:r>
+            <a:r>
+              <a:rPr lang="de-DE" dirty="0"/>
+              <a:t>)</a:t>
+            </a:r>
+          </a:p>
+          <a:p>
+            <a:pPr marL="465750" lvl="1" indent="-285750">
+              <a:buFont typeface="Symbol" panose="05050102010706020507" pitchFamily="18" charset="2"/>
+              <a:buChar char="-"/>
+            </a:pPr>
+            <a:r>
+              <a:rPr lang="de-DE" dirty="0" err="1"/>
+              <a:t>kubectl</a:t>
+            </a:r>
+            <a:r>
+              <a:rPr lang="de-DE" dirty="0"/>
+              <a:t> </a:t>
+            </a:r>
+            <a:r>
+              <a:rPr lang="de-DE" dirty="0" err="1"/>
+              <a:t>run</a:t>
+            </a:r>
+            <a:r>
+              <a:rPr lang="de-DE" dirty="0"/>
+              <a:t> </a:t>
+            </a:r>
+            <a:r>
+              <a:rPr lang="de-DE" dirty="0" err="1"/>
+              <a:t>nginx</a:t>
+            </a:r>
+            <a:r>
+              <a:rPr lang="de-DE" dirty="0"/>
+              <a:t> --image</a:t>
+            </a:r>
+            <a:r>
+              <a:rPr lang="de-DE" b="1" dirty="0"/>
+              <a:t>=</a:t>
+            </a:r>
+            <a:r>
+              <a:rPr lang="de-DE" dirty="0" err="1"/>
+              <a:t>nginx</a:t>
+            </a:r>
+            <a:r>
+              <a:rPr lang="de-DE" dirty="0"/>
+              <a:t> --</a:t>
+            </a:r>
+            <a:r>
+              <a:rPr lang="de-DE" dirty="0" err="1"/>
+              <a:t>replicas</a:t>
+            </a:r>
+            <a:r>
+              <a:rPr lang="de-DE" b="1" dirty="0"/>
+              <a:t>=</a:t>
+            </a:r>
+            <a:r>
+              <a:rPr lang="de-DE" dirty="0"/>
+              <a:t>2 </a:t>
+            </a:r>
+          </a:p>
+          <a:p>
+            <a:pPr marL="465750" lvl="1" indent="-285750">
+              <a:buFont typeface="Symbol" panose="05050102010706020507" pitchFamily="18" charset="2"/>
+              <a:buChar char="-"/>
+            </a:pPr>
+            <a:r>
+              <a:rPr lang="de-DE" dirty="0" err="1"/>
+              <a:t>kubectl</a:t>
+            </a:r>
+            <a:r>
+              <a:rPr lang="de-DE" dirty="0"/>
+              <a:t> </a:t>
+            </a:r>
+            <a:r>
+              <a:rPr lang="de-DE" dirty="0" err="1"/>
+              <a:t>expose</a:t>
+            </a:r>
+            <a:r>
+              <a:rPr lang="de-DE" dirty="0"/>
+              <a:t> </a:t>
+            </a:r>
+            <a:r>
+              <a:rPr lang="de-DE" dirty="0" err="1"/>
+              <a:t>deployment</a:t>
+            </a:r>
+            <a:r>
+              <a:rPr lang="de-DE" dirty="0"/>
+              <a:t> </a:t>
+            </a:r>
+            <a:r>
+              <a:rPr lang="de-DE" dirty="0" err="1"/>
+              <a:t>nginx</a:t>
+            </a:r>
+            <a:r>
+              <a:rPr lang="de-DE" dirty="0"/>
+              <a:t> --</a:t>
+            </a:r>
+            <a:r>
+              <a:rPr lang="de-DE" dirty="0" err="1"/>
+              <a:t>port</a:t>
+            </a:r>
+            <a:r>
+              <a:rPr lang="de-DE" b="1" dirty="0"/>
+              <a:t>=</a:t>
+            </a:r>
+            <a:r>
+              <a:rPr lang="de-DE" dirty="0"/>
+              <a:t>80</a:t>
+            </a:r>
+          </a:p>
+          <a:p>
+            <a:pPr marL="285750" indent="-285750">
+              <a:buFont typeface="Symbol" panose="05050102010706020507" pitchFamily="18" charset="2"/>
+              <a:buChar char="-"/>
+            </a:pPr>
+            <a:endParaRPr lang="de-DE" dirty="0"/>
+          </a:p>
+          <a:p>
+            <a:pPr marL="285750" indent="-285750">
+              <a:buFont typeface="Symbol" panose="05050102010706020507" pitchFamily="18" charset="2"/>
+              <a:buChar char="-"/>
+            </a:pPr>
+            <a:r>
+              <a:rPr lang="de-DE" dirty="0"/>
+              <a:t>Create a </a:t>
+            </a:r>
+            <a:r>
+              <a:rPr lang="de-DE" dirty="0" err="1"/>
+              <a:t>helper</a:t>
+            </a:r>
+            <a:r>
+              <a:rPr lang="de-DE" dirty="0"/>
+              <a:t> </a:t>
+            </a:r>
+            <a:r>
+              <a:rPr lang="de-DE" dirty="0" err="1"/>
+              <a:t>pod</a:t>
+            </a:r>
+            <a:r>
+              <a:rPr lang="de-DE" dirty="0"/>
+              <a:t>, </a:t>
+            </a:r>
+            <a:r>
+              <a:rPr lang="de-DE" dirty="0" err="1"/>
+              <a:t>logon</a:t>
+            </a:r>
+            <a:r>
+              <a:rPr lang="de-DE" dirty="0"/>
+              <a:t> </a:t>
+            </a:r>
+            <a:r>
+              <a:rPr lang="de-DE" dirty="0" err="1"/>
+              <a:t>to</a:t>
+            </a:r>
+            <a:r>
+              <a:rPr lang="de-DE" dirty="0"/>
+              <a:t> </a:t>
+            </a:r>
+            <a:r>
+              <a:rPr lang="de-DE" dirty="0" err="1"/>
+              <a:t>it</a:t>
+            </a:r>
+            <a:r>
+              <a:rPr lang="de-DE" dirty="0"/>
+              <a:t> and </a:t>
+            </a:r>
+            <a:r>
+              <a:rPr lang="de-DE" dirty="0" err="1"/>
+              <a:t>get</a:t>
+            </a:r>
+            <a:r>
+              <a:rPr lang="de-DE" dirty="0"/>
+              <a:t> </a:t>
+            </a:r>
+            <a:r>
+              <a:rPr lang="de-DE" dirty="0" err="1"/>
+              <a:t>the</a:t>
+            </a:r>
+            <a:r>
+              <a:rPr lang="de-DE" dirty="0"/>
+              <a:t> index.html </a:t>
+            </a:r>
+            <a:r>
+              <a:rPr lang="de-DE" dirty="0" err="1"/>
+              <a:t>page</a:t>
+            </a:r>
+            <a:r>
+              <a:rPr lang="de-DE" dirty="0"/>
+              <a:t> </a:t>
+            </a:r>
+            <a:r>
+              <a:rPr lang="de-DE" dirty="0" err="1"/>
+              <a:t>from</a:t>
+            </a:r>
+            <a:r>
+              <a:rPr lang="de-DE" dirty="0"/>
+              <a:t> </a:t>
+            </a:r>
+            <a:r>
+              <a:rPr lang="de-DE" dirty="0" err="1"/>
+              <a:t>the</a:t>
+            </a:r>
+            <a:r>
+              <a:rPr lang="de-DE" dirty="0"/>
+              <a:t> </a:t>
+            </a:r>
+            <a:r>
+              <a:rPr lang="de-DE" dirty="0" err="1"/>
+              <a:t>nginx</a:t>
+            </a:r>
+            <a:r>
+              <a:rPr lang="de-DE" dirty="0"/>
+              <a:t> backend.</a:t>
+            </a:r>
+          </a:p>
+          <a:p>
+            <a:pPr marL="465750" lvl="1" indent="-285750">
+              <a:buFont typeface="Symbol" panose="05050102010706020507" pitchFamily="18" charset="2"/>
+              <a:buChar char="-"/>
+            </a:pPr>
+            <a:r>
+              <a:rPr lang="de-DE" dirty="0" err="1"/>
+              <a:t>kubectl</a:t>
+            </a:r>
+            <a:r>
+              <a:rPr lang="de-DE" dirty="0"/>
+              <a:t> </a:t>
+            </a:r>
+            <a:r>
+              <a:rPr lang="de-DE" dirty="0" err="1"/>
+              <a:t>run</a:t>
+            </a:r>
+            <a:r>
+              <a:rPr lang="de-DE" dirty="0"/>
+              <a:t> </a:t>
+            </a:r>
+            <a:r>
+              <a:rPr lang="de-DE" dirty="0" err="1"/>
+              <a:t>connector</a:t>
+            </a:r>
+            <a:r>
+              <a:rPr lang="de-DE" dirty="0"/>
+              <a:t> --</a:t>
+            </a:r>
+            <a:r>
+              <a:rPr lang="de-DE" dirty="0" err="1"/>
+              <a:t>rm</a:t>
+            </a:r>
+            <a:r>
+              <a:rPr lang="de-DE" dirty="0"/>
+              <a:t> -</a:t>
+            </a:r>
+            <a:r>
+              <a:rPr lang="de-DE" dirty="0" err="1"/>
+              <a:t>ti</a:t>
+            </a:r>
+            <a:r>
+              <a:rPr lang="de-DE" dirty="0"/>
+              <a:t> --</a:t>
+            </a:r>
+            <a:r>
+              <a:rPr lang="de-DE" dirty="0" err="1"/>
+              <a:t>restart</a:t>
+            </a:r>
+            <a:r>
+              <a:rPr lang="de-DE" dirty="0"/>
+              <a:t>=Never --image</a:t>
+            </a:r>
+            <a:r>
+              <a:rPr lang="de-DE" b="1" dirty="0"/>
+              <a:t>=</a:t>
+            </a:r>
+            <a:r>
+              <a:rPr lang="de-DE" dirty="0"/>
+              <a:t>alpine:3.8</a:t>
+            </a:r>
+          </a:p>
+          <a:p>
+            <a:pPr marL="465750" lvl="1" indent="-285750">
+              <a:buFont typeface="Symbol" panose="05050102010706020507" pitchFamily="18" charset="2"/>
+              <a:buChar char="-"/>
+            </a:pPr>
+            <a:r>
+              <a:rPr lang="de-DE" dirty="0"/>
+              <a:t># </a:t>
+            </a:r>
+            <a:r>
+              <a:rPr lang="de-DE" dirty="0" err="1"/>
+              <a:t>wget</a:t>
+            </a:r>
+            <a:r>
+              <a:rPr lang="de-DE" dirty="0"/>
+              <a:t> --timeout=1 </a:t>
+            </a:r>
+            <a:r>
+              <a:rPr lang="de-DE" dirty="0" err="1"/>
+              <a:t>nginx</a:t>
+            </a:r>
+            <a:endParaRPr lang="de-DE" dirty="0"/>
+          </a:p>
+          <a:p>
+            <a:pPr marL="465750" lvl="1" indent="-285750">
+              <a:buFont typeface="Symbol" panose="05050102010706020507" pitchFamily="18" charset="2"/>
+              <a:buChar char="-"/>
+            </a:pPr>
+            <a:r>
+              <a:rPr lang="en-US" dirty="0"/>
+              <a:t>Remove the index.html page &amp; stay connected to the shell session</a:t>
+            </a:r>
+          </a:p>
+          <a:p>
+            <a:pPr marL="285750" indent="-285750">
+              <a:buFont typeface="Symbol" panose="05050102010706020507" pitchFamily="18" charset="2"/>
+              <a:buChar char="-"/>
+            </a:pPr>
+            <a:endParaRPr lang="en-US" dirty="0"/>
+          </a:p>
+          <a:p>
+            <a:pPr marL="285750" indent="-285750">
+              <a:buFont typeface="Symbol" panose="05050102010706020507" pitchFamily="18" charset="2"/>
+              <a:buChar char="-"/>
+            </a:pPr>
+            <a:r>
+              <a:rPr lang="en-US" dirty="0"/>
+              <a:t>Create the network policy in a 2</a:t>
+            </a:r>
+            <a:r>
+              <a:rPr lang="en-US" baseline="30000" dirty="0"/>
+              <a:t>nd</a:t>
+            </a:r>
+            <a:r>
+              <a:rPr lang="en-US" dirty="0"/>
+              <a:t> shell:</a:t>
+            </a:r>
+          </a:p>
+          <a:p>
+            <a:pPr marL="465750" lvl="1" indent="-285750">
+              <a:buFont typeface="Symbol" panose="05050102010706020507" pitchFamily="18" charset="2"/>
+              <a:buChar char="-"/>
+            </a:pPr>
+            <a:r>
+              <a:rPr lang="en-US" dirty="0" err="1"/>
+              <a:t>kubectl</a:t>
+            </a:r>
+            <a:r>
+              <a:rPr lang="en-US" dirty="0"/>
+              <a:t> create –f network-</a:t>
+            </a:r>
+            <a:r>
+              <a:rPr lang="en-US" dirty="0" err="1"/>
+              <a:t>policy.yaml</a:t>
+            </a:r>
+            <a:endParaRPr lang="en-US" dirty="0"/>
+          </a:p>
+          <a:p>
+            <a:pPr marL="465750" lvl="1" indent="-285750">
+              <a:buFont typeface="Symbol" panose="05050102010706020507" pitchFamily="18" charset="2"/>
+              <a:buChar char="-"/>
+            </a:pPr>
+            <a:r>
+              <a:rPr lang="en-US" dirty="0"/>
+              <a:t>Show the network policy definition and explain:</a:t>
+            </a:r>
+          </a:p>
+          <a:p>
+            <a:pPr marL="645750" lvl="2" indent="-285750">
+              <a:buFont typeface="Symbol" panose="05050102010706020507" pitchFamily="18" charset="2"/>
+              <a:buChar char="-"/>
+            </a:pPr>
+            <a:r>
+              <a:rPr lang="en-US" dirty="0"/>
+              <a:t>it’s implicitly a whitelisting</a:t>
+            </a:r>
+          </a:p>
+          <a:p>
+            <a:pPr marL="645750" lvl="2" indent="-285750">
+              <a:buFont typeface="Symbol" panose="05050102010706020507" pitchFamily="18" charset="2"/>
+              <a:buChar char="-"/>
+            </a:pPr>
+            <a:r>
+              <a:rPr lang="en-US" dirty="0"/>
+              <a:t>network policy can handle egress and ingress traffic. However the example is only of incoming (ingress) traffic.</a:t>
+            </a:r>
+          </a:p>
+          <a:p>
+            <a:pPr marL="645750" lvl="2" indent="-285750">
+              <a:buFont typeface="Symbol" panose="05050102010706020507" pitchFamily="18" charset="2"/>
+              <a:buChar char="-"/>
+            </a:pPr>
+            <a:r>
+              <a:rPr lang="en-US" dirty="0"/>
+              <a:t>The </a:t>
+            </a:r>
+            <a:r>
+              <a:rPr lang="en-US" dirty="0" err="1"/>
+              <a:t>cidr</a:t>
+            </a:r>
+            <a:r>
+              <a:rPr lang="en-US" dirty="0"/>
+              <a:t> block are required, if you want to access your service later from SAP networks. Otherwise all requested without the label (i.e. not cluster internal) will be blocked too.</a:t>
+            </a:r>
+          </a:p>
+          <a:p>
+            <a:pPr marL="465750" lvl="1" indent="-285750">
+              <a:buFont typeface="Symbol" panose="05050102010706020507" pitchFamily="18" charset="2"/>
+              <a:buChar char="-"/>
+            </a:pPr>
+            <a:endParaRPr lang="en-US" dirty="0"/>
+          </a:p>
+          <a:p>
+            <a:pPr marL="285750" indent="-285750">
+              <a:buFont typeface="Symbol" panose="05050102010706020507" pitchFamily="18" charset="2"/>
+              <a:buChar char="-"/>
+            </a:pPr>
+            <a:r>
+              <a:rPr lang="en-US" dirty="0"/>
+              <a:t>Switch back to the helper pod and re-run the </a:t>
+            </a:r>
+            <a:r>
+              <a:rPr lang="en-US" dirty="0" err="1"/>
+              <a:t>wget</a:t>
+            </a:r>
+            <a:r>
+              <a:rPr lang="en-US" dirty="0"/>
+              <a:t> command </a:t>
+            </a:r>
+            <a:r>
+              <a:rPr lang="en-US" dirty="0">
+                <a:sym typeface="Wingdings" panose="05000000000000000000" pitchFamily="2" charset="2"/>
+              </a:rPr>
+              <a:t> expected result: failure due to the missing label</a:t>
+            </a:r>
+            <a:endParaRPr lang="en-US" dirty="0"/>
+          </a:p>
+          <a:p>
+            <a:pPr marL="285750" indent="-285750">
+              <a:buFont typeface="Symbol" panose="05050102010706020507" pitchFamily="18" charset="2"/>
+              <a:buChar char="-"/>
+            </a:pPr>
+            <a:r>
+              <a:rPr lang="en-US" dirty="0"/>
+              <a:t>Label you helper pod accordingly (can be done from the 2</a:t>
+            </a:r>
+            <a:r>
+              <a:rPr lang="en-US" baseline="30000" dirty="0"/>
+              <a:t>nd</a:t>
+            </a:r>
+            <a:r>
+              <a:rPr lang="en-US" dirty="0"/>
+              <a:t> shell session, so stay connected to your helper pod)</a:t>
+            </a:r>
+          </a:p>
+          <a:p>
+            <a:pPr marL="465750" lvl="1" indent="-285750">
+              <a:buFont typeface="Symbol" panose="05050102010706020507" pitchFamily="18" charset="2"/>
+              <a:buChar char="-"/>
+            </a:pPr>
+            <a:r>
+              <a:rPr lang="en-US" dirty="0" err="1"/>
+              <a:t>kubectl</a:t>
+            </a:r>
+            <a:r>
+              <a:rPr lang="en-US" dirty="0"/>
+              <a:t> label pod connector access=true</a:t>
+            </a:r>
+          </a:p>
+          <a:p>
+            <a:pPr marL="285750" lvl="0" indent="-285750">
+              <a:buFont typeface="Symbol" panose="05050102010706020507" pitchFamily="18" charset="2"/>
+              <a:buChar char="-"/>
+            </a:pPr>
+            <a:endParaRPr lang="en-US" dirty="0"/>
+          </a:p>
+          <a:p>
+            <a:pPr marL="285750" lvl="0" indent="-285750">
+              <a:buFont typeface="Symbol" panose="05050102010706020507" pitchFamily="18" charset="2"/>
+              <a:buChar char="-"/>
+            </a:pPr>
+            <a:r>
+              <a:rPr lang="en-US" dirty="0"/>
+              <a:t>Re-run the </a:t>
+            </a:r>
+            <a:r>
+              <a:rPr lang="en-US" dirty="0" err="1"/>
+              <a:t>wget</a:t>
+            </a:r>
+            <a:r>
+              <a:rPr lang="en-US" dirty="0"/>
+              <a:t> command </a:t>
+            </a:r>
+            <a:r>
+              <a:rPr lang="en-US" dirty="0">
+                <a:sym typeface="Wingdings" panose="05000000000000000000" pitchFamily="2" charset="2"/>
+              </a:rPr>
+              <a:t> expected result: works again</a:t>
+            </a:r>
+          </a:p>
+          <a:p>
+            <a:pPr marL="285750" lvl="0" indent="-285750">
+              <a:buFont typeface="Symbol" panose="05050102010706020507" pitchFamily="18" charset="2"/>
+              <a:buChar char="-"/>
+            </a:pPr>
+            <a:endParaRPr lang="en-US" dirty="0">
+              <a:sym typeface="Wingdings" panose="05000000000000000000" pitchFamily="2" charset="2"/>
+            </a:endParaRPr>
+          </a:p>
+          <a:p>
+            <a:pPr marL="0" lvl="0" indent="0">
+              <a:buFont typeface="Symbol" panose="05050102010706020507" pitchFamily="18" charset="2"/>
+              <a:buNone/>
+            </a:pPr>
             <a:endParaRPr lang="en-US" dirty="0"/>
           </a:p>
         </p:txBody>
@@ -2131,18 +2300,18 @@
           <a:lstStyle/>
           <a:p>
             <a:fld id="{7D8C2C35-2B8A-446E-BEC0-FD36716C29AC}" type="slidenum">
-              <a:rPr lang="en-US" smtClean="0"/>
+              <a:rPr lang="de-DE" smtClean="0"/>
               <a:pPr/>
-              <a:t>18</a:t>
+              <a:t>17</a:t>
             </a:fld>
-            <a:endParaRPr lang="en-US" dirty="0"/>
+            <a:endParaRPr lang="de-DE" dirty="0"/>
           </a:p>
         </p:txBody>
       </p:sp>
     </p:spTree>
     <p:extLst>
       <p:ext uri="{BB962C8B-B14F-4D97-AF65-F5344CB8AC3E}">
-        <p14:creationId xmlns:p14="http://schemas.microsoft.com/office/powerpoint/2010/main" val="1582342442"/>
+        <p14:creationId xmlns:p14="http://schemas.microsoft.com/office/powerpoint/2010/main" val="2053658473"/>
       </p:ext>
     </p:extLst>
   </p:cSld>
@@ -2216,18 +2385,18 @@
           <a:lstStyle/>
           <a:p>
             <a:fld id="{7D8C2C35-2B8A-446E-BEC0-FD36716C29AC}" type="slidenum">
-              <a:rPr lang="de-DE" smtClean="0"/>
+              <a:rPr lang="en-US" smtClean="0"/>
               <a:pPr/>
               <a:t>19</a:t>
             </a:fld>
-            <a:endParaRPr lang="de-DE" dirty="0"/>
+            <a:endParaRPr lang="en-US" dirty="0"/>
           </a:p>
         </p:txBody>
       </p:sp>
     </p:spTree>
     <p:extLst>
       <p:ext uri="{BB962C8B-B14F-4D97-AF65-F5344CB8AC3E}">
-        <p14:creationId xmlns:p14="http://schemas.microsoft.com/office/powerpoint/2010/main" val="3466716593"/>
+        <p14:creationId xmlns:p14="http://schemas.microsoft.com/office/powerpoint/2010/main" val="1582342442"/>
       </p:ext>
     </p:extLst>
   </p:cSld>
@@ -2312,7 +2481,7 @@
     </p:spTree>
     <p:extLst>
       <p:ext uri="{BB962C8B-B14F-4D97-AF65-F5344CB8AC3E}">
-        <p14:creationId xmlns:p14="http://schemas.microsoft.com/office/powerpoint/2010/main" val="157809321"/>
+        <p14:creationId xmlns:p14="http://schemas.microsoft.com/office/powerpoint/2010/main" val="3466716593"/>
       </p:ext>
     </p:extLst>
   </p:cSld>
@@ -2363,70 +2532,9 @@
         </p:nvSpPr>
         <p:spPr/>
         <p:txBody>
-          <a:bodyPr>
-            <a:normAutofit/>
-          </a:bodyPr>
+          <a:bodyPr/>
           <a:lstStyle/>
           <a:p>
-            <a:r>
-              <a:rPr lang="en-US" baseline="0" dirty="0"/>
-              <a:t>Optional demo: </a:t>
-            </a:r>
-          </a:p>
-          <a:p>
-            <a:r>
-              <a:rPr lang="en-US" baseline="0" dirty="0"/>
-              <a:t>To access the cluster’s dashboard, use the Gardener UI or port-forward the to dashboard pod (example: </a:t>
-            </a:r>
-            <a:r>
-              <a:rPr lang="en-US" baseline="0" dirty="0" err="1"/>
-              <a:t>kubectl</a:t>
-            </a:r>
-            <a:r>
-              <a:rPr lang="en-US" baseline="0" dirty="0"/>
-              <a:t> port-forward -n </a:t>
-            </a:r>
-            <a:r>
-              <a:rPr lang="en-US" baseline="0" dirty="0" err="1"/>
-              <a:t>kube</a:t>
-            </a:r>
-            <a:r>
-              <a:rPr lang="en-US" baseline="0" dirty="0"/>
-              <a:t>-system addons-kubernetes-dashboard-5486b968b7-zf62b 8443:8443)</a:t>
-            </a:r>
-          </a:p>
-          <a:p>
-            <a:endParaRPr lang="en-US" baseline="0" dirty="0"/>
-          </a:p>
-          <a:p>
-            <a:r>
-              <a:rPr lang="en-US" baseline="0" dirty="0"/>
-              <a:t>Demo the dashboard</a:t>
-            </a:r>
-          </a:p>
-          <a:p>
-            <a:r>
-              <a:rPr lang="en-US" baseline="0" dirty="0"/>
-              <a:t>- Show status info &amp; utilization of nodes</a:t>
-            </a:r>
-          </a:p>
-          <a:p>
-            <a:r>
-              <a:rPr lang="en-US" dirty="0"/>
-              <a:t>- Show deployments</a:t>
-            </a:r>
-            <a:r>
-              <a:rPr lang="en-US" baseline="0" dirty="0"/>
-              <a:t> </a:t>
-            </a:r>
-            <a:r>
-              <a:rPr lang="en-US" dirty="0"/>
-              <a:t>&amp; services and how to create a new</a:t>
-            </a:r>
-            <a:r>
-              <a:rPr lang="en-US" baseline="0" dirty="0"/>
-              <a:t> deployment</a:t>
-            </a:r>
             <a:endParaRPr lang="en-US" dirty="0"/>
           </a:p>
         </p:txBody>
@@ -2458,7 +2566,7 @@
     </p:spTree>
     <p:extLst>
       <p:ext uri="{BB962C8B-B14F-4D97-AF65-F5344CB8AC3E}">
-        <p14:creationId xmlns:p14="http://schemas.microsoft.com/office/powerpoint/2010/main" val="3052625252"/>
+        <p14:creationId xmlns:p14="http://schemas.microsoft.com/office/powerpoint/2010/main" val="157809321"/>
       </p:ext>
     </p:extLst>
   </p:cSld>
@@ -2677,51 +2785,71 @@
         </p:nvSpPr>
         <p:spPr/>
         <p:txBody>
-          <a:bodyPr/>
+          <a:bodyPr>
+            <a:normAutofit/>
+          </a:bodyPr>
           <a:lstStyle/>
           <a:p>
             <a:r>
+              <a:rPr lang="en-US" baseline="0" dirty="0"/>
+              <a:t>Optional demo: </a:t>
+            </a:r>
+          </a:p>
+          <a:p>
+            <a:r>
+              <a:rPr lang="en-US" baseline="0" dirty="0"/>
+              <a:t>To access the cluster’s dashboard, use the Gardener UI or port-forward the to dashboard pod (example: </a:t>
+            </a:r>
+            <a:r>
+              <a:rPr lang="en-US" baseline="0" dirty="0" err="1"/>
+              <a:t>kubectl</a:t>
+            </a:r>
+            <a:r>
+              <a:rPr lang="en-US" baseline="0" dirty="0"/>
+              <a:t> port-forward -n </a:t>
+            </a:r>
+            <a:r>
+              <a:rPr lang="en-US" baseline="0" dirty="0" err="1"/>
+              <a:t>kube</a:t>
+            </a:r>
+            <a:r>
+              <a:rPr lang="en-US" baseline="0" dirty="0"/>
+              <a:t>-system addons-kubernetes-dashboard-5486b968b7-zf62b 8443:8443)</a:t>
+            </a:r>
+          </a:p>
+          <a:p>
+            <a:endParaRPr lang="en-US" baseline="0" dirty="0"/>
+          </a:p>
+          <a:p>
+            <a:r>
+              <a:rPr lang="en-US" baseline="0" dirty="0"/>
+              <a:t>Demo the dashboard</a:t>
+            </a:r>
+          </a:p>
+          <a:p>
+            <a:r>
+              <a:rPr lang="en-US" baseline="0" dirty="0"/>
+              <a:t>- Show status info &amp; utilization of nodes</a:t>
+            </a:r>
+          </a:p>
+          <a:p>
+            <a:r>
               <a:rPr lang="en-US" dirty="0"/>
-              <a:t>Gardener is SAP’s solution for managed </a:t>
-            </a:r>
-            <a:r>
-              <a:rPr lang="en-US" dirty="0" err="1"/>
-              <a:t>kubernetes</a:t>
+              <a:t>- Show deployments</a:t>
+            </a:r>
+            <a:r>
+              <a:rPr lang="en-US" baseline="0" dirty="0"/>
+              <a:t> </a:t>
             </a:r>
             <a:r>
               <a:rPr lang="en-US" dirty="0"/>
-              <a:t> cluster. It is open source &amp; completely available on </a:t>
-            </a:r>
-            <a:r>
-              <a:rPr lang="en-US" dirty="0" err="1"/>
-              <a:t>github</a:t>
-            </a:r>
-            <a:r>
-              <a:rPr lang="en-US" dirty="0"/>
-              <a:t>: https://github.com/gardener/gardener/ </a:t>
-            </a:r>
-          </a:p>
-          <a:p>
+              <a:t>&amp; services and how to create a new</a:t>
+            </a:r>
+            <a:r>
+              <a:rPr lang="en-US" baseline="0" dirty="0"/>
+              <a:t> deployment</a:t>
+            </a:r>
             <a:endParaRPr lang="en-US" dirty="0"/>
-          </a:p>
-          <a:p>
-            <a:r>
-              <a:rPr lang="en-US" dirty="0"/>
-              <a:t>Show internal landing page: https://github.wdf.sap.corp/pages/kubernetes/gardener/ including blog &amp; help section</a:t>
-            </a:r>
-          </a:p>
-          <a:p>
-            <a:endParaRPr lang="en-US" dirty="0"/>
-          </a:p>
-          <a:p>
-            <a:r>
-              <a:rPr lang="en-US"/>
-              <a:t>Jam Group Kubernetes </a:t>
-            </a:r>
-            <a:r>
-              <a:rPr lang="en-US" dirty="0"/>
-              <a:t>Clusters as a Service in SAP Cloud Platform: https://jam4.sapjam.com/groups/Niq7TSBxLlzgb3nroBZJVx/overview_page/e9uqTDxXBRFbk7FJXEA4Cd</a:t>
-            </a:r>
           </a:p>
         </p:txBody>
       </p:sp>
@@ -2752,7 +2880,7 @@
     </p:spTree>
     <p:extLst>
       <p:ext uri="{BB962C8B-B14F-4D97-AF65-F5344CB8AC3E}">
-        <p14:creationId xmlns:p14="http://schemas.microsoft.com/office/powerpoint/2010/main" val="3611099769"/>
+        <p14:creationId xmlns:p14="http://schemas.microsoft.com/office/powerpoint/2010/main" val="3052625252"/>
       </p:ext>
     </p:extLst>
   </p:cSld>
@@ -2808,7 +2936,41 @@
           <a:p>
             <a:r>
               <a:rPr lang="en-US" dirty="0"/>
-              <a:t>Setting up lots of small clusters individually leads to resource waste. The control plane / master needs to be high available but the resources reserved for fail-over usually idle.</a:t>
+              <a:t>Gardener is SAP’s solution for managed </a:t>
+            </a:r>
+            <a:r>
+              <a:rPr lang="en-US" dirty="0" err="1"/>
+              <a:t>kubernetes</a:t>
+            </a:r>
+            <a:r>
+              <a:rPr lang="en-US" dirty="0"/>
+              <a:t> cluster. It is open source &amp; completely available on </a:t>
+            </a:r>
+            <a:r>
+              <a:rPr lang="en-US" dirty="0" err="1"/>
+              <a:t>github</a:t>
+            </a:r>
+            <a:r>
+              <a:rPr lang="en-US" dirty="0"/>
+              <a:t>: https://github.com/gardener/gardener/ </a:t>
+            </a:r>
+          </a:p>
+          <a:p>
+            <a:endParaRPr lang="en-US" dirty="0"/>
+          </a:p>
+          <a:p>
+            <a:r>
+              <a:rPr lang="en-US" dirty="0"/>
+              <a:t>Show internal landing page: https://github.wdf.sap.corp/pages/kubernetes/gardener/ including blog &amp; help section</a:t>
+            </a:r>
+          </a:p>
+          <a:p>
+            <a:endParaRPr lang="en-US" dirty="0"/>
+          </a:p>
+          <a:p>
+            <a:r>
+              <a:rPr lang="en-US" dirty="0"/>
+              <a:t>Jam Group Kubernetes Clusters as a Service in SAP Cloud Platform: https://jam4.sapjam.com/groups/Niq7TSBxLlzgb3nroBZJVx/overview_page/e9uqTDxXBRFbk7FJXEA4Cd</a:t>
             </a:r>
           </a:p>
         </p:txBody>
@@ -2829,18 +2991,18 @@
           <a:lstStyle/>
           <a:p>
             <a:fld id="{7D8C2C35-2B8A-446E-BEC0-FD36716C29AC}" type="slidenum">
-              <a:rPr lang="en-US" smtClean="0"/>
+              <a:rPr lang="de-DE" smtClean="0"/>
               <a:pPr/>
               <a:t>23</a:t>
             </a:fld>
-            <a:endParaRPr lang="en-US" dirty="0"/>
+            <a:endParaRPr lang="de-DE" dirty="0"/>
           </a:p>
         </p:txBody>
       </p:sp>
     </p:spTree>
     <p:extLst>
       <p:ext uri="{BB962C8B-B14F-4D97-AF65-F5344CB8AC3E}">
-        <p14:creationId xmlns:p14="http://schemas.microsoft.com/office/powerpoint/2010/main" val="1487314377"/>
+        <p14:creationId xmlns:p14="http://schemas.microsoft.com/office/powerpoint/2010/main" val="3611099769"/>
       </p:ext>
     </p:extLst>
   </p:cSld>
@@ -2896,13 +3058,8 @@
           <a:p>
             <a:r>
               <a:rPr lang="en-US" dirty="0"/>
-              <a:t>Solution: Gardener runs the control plane / master components of many “worker” clusters in a </a:t>
-            </a:r>
-            <a:r>
-              <a:rPr lang="en-US"/>
-              <a:t>separate cluster</a:t>
-            </a:r>
-            <a:endParaRPr lang="en-US" dirty="0"/>
+              <a:t>Setting up lots of small clusters individually leads to resource waste. The control plane / master needs to be high available but the resources reserved for fail-over usually idle.</a:t>
+            </a:r>
           </a:p>
         </p:txBody>
       </p:sp>
@@ -2922,18 +3079,18 @@
           <a:lstStyle/>
           <a:p>
             <a:fld id="{7D8C2C35-2B8A-446E-BEC0-FD36716C29AC}" type="slidenum">
-              <a:rPr lang="de-DE" smtClean="0"/>
+              <a:rPr lang="en-US" smtClean="0"/>
               <a:pPr/>
               <a:t>24</a:t>
             </a:fld>
-            <a:endParaRPr lang="de-DE" dirty="0"/>
+            <a:endParaRPr lang="en-US" dirty="0"/>
           </a:p>
         </p:txBody>
       </p:sp>
     </p:spTree>
     <p:extLst>
       <p:ext uri="{BB962C8B-B14F-4D97-AF65-F5344CB8AC3E}">
-        <p14:creationId xmlns:p14="http://schemas.microsoft.com/office/powerpoint/2010/main" val="1867122449"/>
+        <p14:creationId xmlns:p14="http://schemas.microsoft.com/office/powerpoint/2010/main" val="1487314377"/>
       </p:ext>
     </p:extLst>
   </p:cSld>
@@ -2987,7 +3144,15 @@
           <a:bodyPr/>
           <a:lstStyle/>
           <a:p>
-            <a:endParaRPr lang="de-DE" dirty="0"/>
+            <a:r>
+              <a:rPr lang="en-US" dirty="0"/>
+              <a:t>Solution: Gardener runs the control plane / master components of many “worker” clusters in a </a:t>
+            </a:r>
+            <a:r>
+              <a:rPr lang="en-US"/>
+              <a:t>separate cluster</a:t>
+            </a:r>
+            <a:endParaRPr lang="en-US" dirty="0"/>
           </a:p>
         </p:txBody>
       </p:sp>
@@ -3018,7 +3183,7 @@
     </p:spTree>
     <p:extLst>
       <p:ext uri="{BB962C8B-B14F-4D97-AF65-F5344CB8AC3E}">
-        <p14:creationId xmlns:p14="http://schemas.microsoft.com/office/powerpoint/2010/main" val="1785805150"/>
+        <p14:creationId xmlns:p14="http://schemas.microsoft.com/office/powerpoint/2010/main" val="1867122449"/>
       </p:ext>
     </p:extLst>
   </p:cSld>
@@ -3072,7 +3237,7 @@
           <a:bodyPr/>
           <a:lstStyle/>
           <a:p>
-            <a:endParaRPr lang="en-US" dirty="0"/>
+            <a:endParaRPr lang="de-DE" dirty="0"/>
           </a:p>
         </p:txBody>
       </p:sp>
@@ -3103,7 +3268,7 @@
     </p:spTree>
     <p:extLst>
       <p:ext uri="{BB962C8B-B14F-4D97-AF65-F5344CB8AC3E}">
-        <p14:creationId xmlns:p14="http://schemas.microsoft.com/office/powerpoint/2010/main" val="1413328071"/>
+        <p14:creationId xmlns:p14="http://schemas.microsoft.com/office/powerpoint/2010/main" val="1785805150"/>
       </p:ext>
     </p:extLst>
   </p:cSld>
@@ -3157,10 +3322,7 @@
           <a:bodyPr/>
           <a:lstStyle/>
           <a:p>
-            <a:r>
-              <a:rPr lang="en-US" dirty="0"/>
-              <a:t>https://jam4.sapjam.com/groups/Niq7TSBxLlzgb3nroBZJVx/overview_page/e9uqTDxXBRFbk7FJXEA4Cd</a:t>
-            </a:r>
+            <a:endParaRPr lang="en-US" dirty="0"/>
           </a:p>
         </p:txBody>
       </p:sp>
@@ -3191,6 +3353,94 @@
     </p:spTree>
     <p:extLst>
       <p:ext uri="{BB962C8B-B14F-4D97-AF65-F5344CB8AC3E}">
+        <p14:creationId xmlns:p14="http://schemas.microsoft.com/office/powerpoint/2010/main" val="1413328071"/>
+      </p:ext>
+    </p:extLst>
+  </p:cSld>
+  <p:clrMapOvr>
+    <a:masterClrMapping/>
+  </p:clrMapOvr>
+</p:notes>
+</file>
+
+<file path=ppt/notesSlides/notesSlide26.xml><?xml version="1.0" encoding="utf-8"?>
+<p:notes xmlns:a="http://schemas.openxmlformats.org/drawingml/2006/main" xmlns:r="http://schemas.openxmlformats.org/officeDocument/2006/relationships" xmlns:p="http://schemas.openxmlformats.org/presentationml/2006/main">
+  <p:cSld>
+    <p:spTree>
+      <p:nvGrpSpPr>
+        <p:cNvPr id="1" name=""/>
+        <p:cNvGrpSpPr/>
+        <p:nvPr/>
+      </p:nvGrpSpPr>
+      <p:grpSpPr>
+        <a:xfrm>
+          <a:off x="0" y="0"/>
+          <a:ext cx="0" cy="0"/>
+          <a:chOff x="0" y="0"/>
+          <a:chExt cx="0" cy="0"/>
+        </a:xfrm>
+      </p:grpSpPr>
+      <p:sp>
+        <p:nvSpPr>
+          <p:cNvPr id="2" name="Slide Image Placeholder 1"/>
+          <p:cNvSpPr>
+            <a:spLocks noGrp="1" noRot="1" noChangeAspect="1"/>
+          </p:cNvSpPr>
+          <p:nvPr>
+            <p:ph type="sldImg"/>
+          </p:nvPr>
+        </p:nvSpPr>
+        <p:spPr/>
+      </p:sp>
+      <p:sp>
+        <p:nvSpPr>
+          <p:cNvPr id="3" name="Notes Placeholder 2"/>
+          <p:cNvSpPr>
+            <a:spLocks noGrp="1"/>
+          </p:cNvSpPr>
+          <p:nvPr>
+            <p:ph type="body" idx="1"/>
+          </p:nvPr>
+        </p:nvSpPr>
+        <p:spPr/>
+        <p:txBody>
+          <a:bodyPr/>
+          <a:lstStyle/>
+          <a:p>
+            <a:r>
+              <a:rPr lang="en-US" dirty="0"/>
+              <a:t>https://jam4.sapjam.com/groups/Niq7TSBxLlzgb3nroBZJVx/overview_page/e9uqTDxXBRFbk7FJXEA4Cd</a:t>
+            </a:r>
+          </a:p>
+        </p:txBody>
+      </p:sp>
+      <p:sp>
+        <p:nvSpPr>
+          <p:cNvPr id="4" name="Slide Number Placeholder 3"/>
+          <p:cNvSpPr>
+            <a:spLocks noGrp="1"/>
+          </p:cNvSpPr>
+          <p:nvPr>
+            <p:ph type="sldNum" sz="quarter" idx="10"/>
+          </p:nvPr>
+        </p:nvSpPr>
+        <p:spPr/>
+        <p:txBody>
+          <a:bodyPr/>
+          <a:lstStyle/>
+          <a:p>
+            <a:fld id="{7D8C2C35-2B8A-446E-BEC0-FD36716C29AC}" type="slidenum">
+              <a:rPr lang="de-DE" smtClean="0"/>
+              <a:pPr/>
+              <a:t>28</a:t>
+            </a:fld>
+            <a:endParaRPr lang="de-DE" dirty="0"/>
+          </a:p>
+        </p:txBody>
+      </p:sp>
+    </p:spTree>
+    <p:extLst>
+      <p:ext uri="{BB962C8B-B14F-4D97-AF65-F5344CB8AC3E}">
         <p14:creationId xmlns:p14="http://schemas.microsoft.com/office/powerpoint/2010/main" val="2237772025"/>
       </p:ext>
     </p:extLst>
@@ -3201,7 +3451,7 @@
 </p:notes>
 </file>
 
-<file path=ppt/notesSlides/notesSlide26.xml><?xml version="1.0" encoding="utf-8"?>
+<file path=ppt/notesSlides/notesSlide27.xml><?xml version="1.0" encoding="utf-8"?>
 <p:notes xmlns:a="http://schemas.openxmlformats.org/drawingml/2006/main" xmlns:r="http://schemas.openxmlformats.org/officeDocument/2006/relationships" xmlns:p="http://schemas.openxmlformats.org/presentationml/2006/main">
   <p:cSld>
     <p:spTree>
@@ -3236,7 +3486,7 @@
             <a:fld id="{7D8C2C35-2B8A-446E-BEC0-FD36716C29AC}" type="slidenum">
               <a:rPr lang="en-US" smtClean="0"/>
               <a:pPr/>
-              <a:t>28</a:t>
+              <a:t>29</a:t>
             </a:fld>
             <a:endParaRPr lang="en-US" dirty="0"/>
           </a:p>
@@ -4222,7 +4472,7 @@
             </a:r>
             <a:r>
               <a:rPr lang="en-US" baseline="0" dirty="0"/>
-              <a:t>: https://kubernetes.io/docs/reference/generated/kubernetes-api/v1.9/#podspec-v1-core</a:t>
+              <a:t>: https://kubernetes.io/docs/reference/generated/kubernetes-api/v1.12/#podspec-v1-core</a:t>
             </a:r>
           </a:p>
           <a:p>
@@ -19144,6 +19394,94 @@
       </p:grpSpPr>
       <p:sp>
         <p:nvSpPr>
+          <p:cNvPr id="2" name="Title 1">
+            <a:extLst>
+              <a:ext uri="{FF2B5EF4-FFF2-40B4-BE49-F238E27FC236}">
+                <a16:creationId xmlns:a16="http://schemas.microsoft.com/office/drawing/2014/main" id="{2D4BD4BF-5C0E-4BE1-A99C-25DBDC85D9CD}"/>
+              </a:ext>
+            </a:extLst>
+          </p:cNvPr>
+          <p:cNvSpPr>
+            <a:spLocks noGrp="1"/>
+          </p:cNvSpPr>
+          <p:nvPr>
+            <p:ph type="title"/>
+          </p:nvPr>
+        </p:nvSpPr>
+        <p:spPr/>
+        <p:txBody>
+          <a:bodyPr/>
+          <a:lstStyle/>
+          <a:p>
+            <a:r>
+              <a:rPr lang="en-US" dirty="0"/>
+              <a:t>Optional Demo</a:t>
+            </a:r>
+          </a:p>
+        </p:txBody>
+      </p:sp>
+      <p:pic>
+        <p:nvPicPr>
+          <p:cNvPr id="18" name="Picture 17">
+            <a:extLst>
+              <a:ext uri="{FF2B5EF4-FFF2-40B4-BE49-F238E27FC236}">
+                <a16:creationId xmlns:a16="http://schemas.microsoft.com/office/drawing/2014/main" id="{FC355B51-9D60-4DBB-9EF1-08294FF8959E}"/>
+              </a:ext>
+            </a:extLst>
+          </p:cNvPr>
+          <p:cNvPicPr>
+            <a:picLocks noChangeAspect="1"/>
+          </p:cNvPicPr>
+          <p:nvPr/>
+        </p:nvPicPr>
+        <p:blipFill>
+          <a:blip r:embed="rId3"/>
+          <a:stretch>
+            <a:fillRect/>
+          </a:stretch>
+        </p:blipFill>
+        <p:spPr>
+          <a:xfrm>
+            <a:off x="3849419" y="1181180"/>
+            <a:ext cx="4495640" cy="4495640"/>
+          </a:xfrm>
+          <a:prstGeom prst="rect">
+            <a:avLst/>
+          </a:prstGeom>
+        </p:spPr>
+      </p:pic>
+    </p:spTree>
+    <p:extLst>
+      <p:ext uri="{BB962C8B-B14F-4D97-AF65-F5344CB8AC3E}">
+        <p14:creationId xmlns:p14="http://schemas.microsoft.com/office/powerpoint/2010/main" val="1414088338"/>
+      </p:ext>
+    </p:extLst>
+  </p:cSld>
+  <p:clrMapOvr>
+    <a:masterClrMapping/>
+  </p:clrMapOvr>
+</p:sld>
+</file>
+
+<file path=ppt/slides/slide13.xml><?xml version="1.0" encoding="utf-8"?>
+<p:sld xmlns:a="http://schemas.openxmlformats.org/drawingml/2006/main" xmlns:r="http://schemas.openxmlformats.org/officeDocument/2006/relationships" xmlns:p="http://schemas.openxmlformats.org/presentationml/2006/main">
+  <p:cSld>
+    <p:spTree>
+      <p:nvGrpSpPr>
+        <p:cNvPr id="1" name=""/>
+        <p:cNvGrpSpPr/>
+        <p:nvPr/>
+      </p:nvGrpSpPr>
+      <p:grpSpPr>
+        <a:xfrm>
+          <a:off x="0" y="0"/>
+          <a:ext cx="0" cy="0"/>
+          <a:chOff x="0" y="0"/>
+          <a:chExt cx="0" cy="0"/>
+        </a:xfrm>
+      </p:grpSpPr>
+      <p:sp>
+        <p:nvSpPr>
           <p:cNvPr id="5" name="Text Placeholder 4"/>
           <p:cNvSpPr>
             <a:spLocks noGrp="1"/>
@@ -19267,7 +19605,7 @@
 </p:sld>
 </file>
 
-<file path=ppt/slides/slide13.xml><?xml version="1.0" encoding="utf-8"?>
+<file path=ppt/slides/slide14.xml><?xml version="1.0" encoding="utf-8"?>
 <p:sld xmlns:a="http://schemas.openxmlformats.org/drawingml/2006/main" xmlns:r="http://schemas.openxmlformats.org/officeDocument/2006/relationships" xmlns:p="http://schemas.openxmlformats.org/presentationml/2006/main">
   <p:cSld>
     <p:spTree>
@@ -20231,7 +20569,7 @@
 </p:sld>
 </file>
 
-<file path=ppt/slides/slide14.xml><?xml version="1.0" encoding="utf-8"?>
+<file path=ppt/slides/slide15.xml><?xml version="1.0" encoding="utf-8"?>
 <p:sld xmlns:a="http://schemas.openxmlformats.org/drawingml/2006/main" xmlns:r="http://schemas.openxmlformats.org/officeDocument/2006/relationships" xmlns:p="http://schemas.openxmlformats.org/presentationml/2006/main">
   <p:cSld>
     <p:spTree>
@@ -21314,7 +21652,7 @@
 </p:sld>
 </file>
 
-<file path=ppt/slides/slide15.xml><?xml version="1.0" encoding="utf-8"?>
+<file path=ppt/slides/slide16.xml><?xml version="1.0" encoding="utf-8"?>
 <p:sld xmlns:a="http://schemas.openxmlformats.org/drawingml/2006/main" xmlns:r="http://schemas.openxmlformats.org/officeDocument/2006/relationships" xmlns:p="http://schemas.openxmlformats.org/presentationml/2006/main" show="0">
   <p:cSld>
     <p:spTree>
@@ -22417,7 +22755,7 @@
 </p:sld>
 </file>
 
-<file path=ppt/slides/slide16.xml><?xml version="1.0" encoding="utf-8"?>
+<file path=ppt/slides/slide17.xml><?xml version="1.0" encoding="utf-8"?>
 <p:sld xmlns:a="http://schemas.openxmlformats.org/drawingml/2006/main" xmlns:r="http://schemas.openxmlformats.org/officeDocument/2006/relationships" xmlns:p="http://schemas.openxmlformats.org/presentationml/2006/main">
   <p:cSld>
     <p:spTree>
@@ -22505,7 +22843,7 @@
 </p:sld>
 </file>
 
-<file path=ppt/slides/slide17.xml><?xml version="1.0" encoding="utf-8"?>
+<file path=ppt/slides/slide18.xml><?xml version="1.0" encoding="utf-8"?>
 <p:sld xmlns:a="http://schemas.openxmlformats.org/drawingml/2006/main" xmlns:r="http://schemas.openxmlformats.org/officeDocument/2006/relationships" xmlns:p="http://schemas.openxmlformats.org/presentationml/2006/main">
   <p:cSld>
     <p:spTree>
@@ -23728,7 +24066,7 @@
 </p:sld>
 </file>
 
-<file path=ppt/slides/slide18.xml><?xml version="1.0" encoding="utf-8"?>
+<file path=ppt/slides/slide19.xml><?xml version="1.0" encoding="utf-8"?>
 <p:sld xmlns:a="http://schemas.openxmlformats.org/drawingml/2006/main" xmlns:r="http://schemas.openxmlformats.org/officeDocument/2006/relationships" xmlns:p="http://schemas.openxmlformats.org/presentationml/2006/main">
   <p:cSld>
     <p:spTree>
@@ -23861,138 +24199,6 @@
     <p:extLst>
       <p:ext uri="{BB962C8B-B14F-4D97-AF65-F5344CB8AC3E}">
         <p14:creationId xmlns:p14="http://schemas.microsoft.com/office/powerpoint/2010/main" val="3023893567"/>
-      </p:ext>
-    </p:extLst>
-  </p:cSld>
-  <p:clrMapOvr>
-    <a:masterClrMapping/>
-  </p:clrMapOvr>
-</p:sld>
-</file>
-
-<file path=ppt/slides/slide19.xml><?xml version="1.0" encoding="utf-8"?>
-<p:sld xmlns:a="http://schemas.openxmlformats.org/drawingml/2006/main" xmlns:r="http://schemas.openxmlformats.org/officeDocument/2006/relationships" xmlns:p="http://schemas.openxmlformats.org/presentationml/2006/main">
-  <p:cSld>
-    <p:spTree>
-      <p:nvGrpSpPr>
-        <p:cNvPr id="1" name=""/>
-        <p:cNvGrpSpPr/>
-        <p:nvPr/>
-      </p:nvGrpSpPr>
-      <p:grpSpPr>
-        <a:xfrm>
-          <a:off x="0" y="0"/>
-          <a:ext cx="0" cy="0"/>
-          <a:chOff x="0" y="0"/>
-          <a:chExt cx="0" cy="0"/>
-        </a:xfrm>
-      </p:grpSpPr>
-      <p:sp>
-        <p:nvSpPr>
-          <p:cNvPr id="3" name="Title 2"/>
-          <p:cNvSpPr>
-            <a:spLocks noGrp="1"/>
-          </p:cNvSpPr>
-          <p:nvPr>
-            <p:ph type="title"/>
-          </p:nvPr>
-        </p:nvSpPr>
-        <p:spPr/>
-        <p:txBody>
-          <a:bodyPr/>
-          <a:lstStyle/>
-          <a:p>
-            <a:r>
-              <a:rPr lang="en-US" dirty="0"/>
-              <a:t>Sometimes working with </a:t>
-            </a:r>
-            <a:r>
-              <a:rPr lang="en-US" dirty="0" err="1"/>
-              <a:t>kubernetes</a:t>
-            </a:r>
-            <a:r>
-              <a:rPr lang="en-US" dirty="0"/>
-              <a:t> is like …</a:t>
-            </a:r>
-          </a:p>
-        </p:txBody>
-      </p:sp>
-      <p:pic>
-        <p:nvPicPr>
-          <p:cNvPr id="1028" name="Picture 4" descr="The Important Field"/>
-          <p:cNvPicPr>
-            <a:picLocks noChangeAspect="1" noChangeArrowheads="1"/>
-          </p:cNvPicPr>
-          <p:nvPr/>
-        </p:nvPicPr>
-        <p:blipFill>
-          <a:blip r:embed="rId3">
-            <a:extLst>
-              <a:ext uri="{28A0092B-C50C-407E-A947-70E740481C1C}">
-                <a14:useLocalDpi xmlns:a14="http://schemas.microsoft.com/office/drawing/2010/main" val="0"/>
-              </a:ext>
-            </a:extLst>
-          </a:blip>
-          <a:srcRect/>
-          <a:stretch>
-            <a:fillRect/>
-          </a:stretch>
-        </p:blipFill>
-        <p:spPr bwMode="auto">
-          <a:xfrm>
-            <a:off x="1258388" y="1370845"/>
-            <a:ext cx="9753039" cy="4239116"/>
-          </a:xfrm>
-          <a:prstGeom prst="rect">
-            <a:avLst/>
-          </a:prstGeom>
-          <a:noFill/>
-          <a:extLst>
-            <a:ext uri="{909E8E84-426E-40DD-AFC4-6F175D3DCCD1}">
-              <a14:hiddenFill xmlns:a14="http://schemas.microsoft.com/office/drawing/2010/main">
-                <a:solidFill>
-                  <a:srgbClr val="FFFFFF"/>
-                </a:solidFill>
-              </a14:hiddenFill>
-            </a:ext>
-          </a:extLst>
-        </p:spPr>
-      </p:pic>
-      <p:sp>
-        <p:nvSpPr>
-          <p:cNvPr id="5" name="Rectangle 4"/>
-          <p:cNvSpPr/>
-          <p:nvPr/>
-        </p:nvSpPr>
-        <p:spPr>
-          <a:xfrm>
-            <a:off x="4732922" y="5691976"/>
-            <a:ext cx="2803973" cy="415498"/>
-          </a:xfrm>
-          <a:prstGeom prst="rect">
-            <a:avLst/>
-          </a:prstGeom>
-        </p:spPr>
-        <p:txBody>
-          <a:bodyPr wrap="none">
-            <a:spAutoFit/>
-          </a:bodyPr>
-          <a:lstStyle/>
-          <a:p>
-            <a:r>
-              <a:rPr lang="en-US" dirty="0">
-                <a:hlinkClick r:id="rId4"/>
-              </a:rPr>
-              <a:t>https://xkcd.com/970/</a:t>
-            </a:r>
-            <a:endParaRPr lang="en-US" dirty="0"/>
-          </a:p>
-        </p:txBody>
-      </p:sp>
-    </p:spTree>
-    <p:extLst>
-      <p:ext uri="{BB962C8B-B14F-4D97-AF65-F5344CB8AC3E}">
-        <p14:creationId xmlns:p14="http://schemas.microsoft.com/office/powerpoint/2010/main" val="822933932"/>
       </p:ext>
     </p:extLst>
   </p:cSld>
@@ -24691,6 +24897,138 @@
           <a:p>
             <a:r>
               <a:rPr lang="en-US" dirty="0"/>
+              <a:t>Sometimes working with </a:t>
+            </a:r>
+            <a:r>
+              <a:rPr lang="en-US" dirty="0" err="1"/>
+              <a:t>kubernetes</a:t>
+            </a:r>
+            <a:r>
+              <a:rPr lang="en-US" dirty="0"/>
+              <a:t> is like …</a:t>
+            </a:r>
+          </a:p>
+        </p:txBody>
+      </p:sp>
+      <p:pic>
+        <p:nvPicPr>
+          <p:cNvPr id="1028" name="Picture 4" descr="The Important Field"/>
+          <p:cNvPicPr>
+            <a:picLocks noChangeAspect="1" noChangeArrowheads="1"/>
+          </p:cNvPicPr>
+          <p:nvPr/>
+        </p:nvPicPr>
+        <p:blipFill>
+          <a:blip r:embed="rId3">
+            <a:extLst>
+              <a:ext uri="{28A0092B-C50C-407E-A947-70E740481C1C}">
+                <a14:useLocalDpi xmlns:a14="http://schemas.microsoft.com/office/drawing/2010/main" val="0"/>
+              </a:ext>
+            </a:extLst>
+          </a:blip>
+          <a:srcRect/>
+          <a:stretch>
+            <a:fillRect/>
+          </a:stretch>
+        </p:blipFill>
+        <p:spPr bwMode="auto">
+          <a:xfrm>
+            <a:off x="1258388" y="1370845"/>
+            <a:ext cx="9753039" cy="4239116"/>
+          </a:xfrm>
+          <a:prstGeom prst="rect">
+            <a:avLst/>
+          </a:prstGeom>
+          <a:noFill/>
+          <a:extLst>
+            <a:ext uri="{909E8E84-426E-40DD-AFC4-6F175D3DCCD1}">
+              <a14:hiddenFill xmlns:a14="http://schemas.microsoft.com/office/drawing/2010/main">
+                <a:solidFill>
+                  <a:srgbClr val="FFFFFF"/>
+                </a:solidFill>
+              </a14:hiddenFill>
+            </a:ext>
+          </a:extLst>
+        </p:spPr>
+      </p:pic>
+      <p:sp>
+        <p:nvSpPr>
+          <p:cNvPr id="5" name="Rectangle 4"/>
+          <p:cNvSpPr/>
+          <p:nvPr/>
+        </p:nvSpPr>
+        <p:spPr>
+          <a:xfrm>
+            <a:off x="4732922" y="5691976"/>
+            <a:ext cx="2803973" cy="415498"/>
+          </a:xfrm>
+          <a:prstGeom prst="rect">
+            <a:avLst/>
+          </a:prstGeom>
+        </p:spPr>
+        <p:txBody>
+          <a:bodyPr wrap="none">
+            <a:spAutoFit/>
+          </a:bodyPr>
+          <a:lstStyle/>
+          <a:p>
+            <a:r>
+              <a:rPr lang="en-US" dirty="0">
+                <a:hlinkClick r:id="rId4"/>
+              </a:rPr>
+              <a:t>https://xkcd.com/970/</a:t>
+            </a:r>
+            <a:endParaRPr lang="en-US" dirty="0"/>
+          </a:p>
+        </p:txBody>
+      </p:sp>
+    </p:spTree>
+    <p:extLst>
+      <p:ext uri="{BB962C8B-B14F-4D97-AF65-F5344CB8AC3E}">
+        <p14:creationId xmlns:p14="http://schemas.microsoft.com/office/powerpoint/2010/main" val="822933932"/>
+      </p:ext>
+    </p:extLst>
+  </p:cSld>
+  <p:clrMapOvr>
+    <a:masterClrMapping/>
+  </p:clrMapOvr>
+</p:sld>
+</file>
+
+<file path=ppt/slides/slide21.xml><?xml version="1.0" encoding="utf-8"?>
+<p:sld xmlns:a="http://schemas.openxmlformats.org/drawingml/2006/main" xmlns:r="http://schemas.openxmlformats.org/officeDocument/2006/relationships" xmlns:p="http://schemas.openxmlformats.org/presentationml/2006/main">
+  <p:cSld>
+    <p:spTree>
+      <p:nvGrpSpPr>
+        <p:cNvPr id="1" name=""/>
+        <p:cNvGrpSpPr/>
+        <p:nvPr/>
+      </p:nvGrpSpPr>
+      <p:grpSpPr>
+        <a:xfrm>
+          <a:off x="0" y="0"/>
+          <a:ext cx="0" cy="0"/>
+          <a:chOff x="0" y="0"/>
+          <a:chExt cx="0" cy="0"/>
+        </a:xfrm>
+      </p:grpSpPr>
+      <p:sp>
+        <p:nvSpPr>
+          <p:cNvPr id="3" name="Title 2"/>
+          <p:cNvSpPr>
+            <a:spLocks noGrp="1"/>
+          </p:cNvSpPr>
+          <p:nvPr>
+            <p:ph type="title"/>
+          </p:nvPr>
+        </p:nvSpPr>
+        <p:spPr/>
+        <p:txBody>
+          <a:bodyPr/>
+          <a:lstStyle/>
+          <a:p>
+            <a:r>
+              <a:rPr lang="en-US" dirty="0"/>
               <a:t> K8s Dashboard</a:t>
             </a:r>
           </a:p>
@@ -24733,7 +25071,7 @@
 </p:sld>
 </file>
 
-<file path=ppt/slides/slide21.xml><?xml version="1.0" encoding="utf-8"?>
+<file path=ppt/slides/slide22.xml><?xml version="1.0" encoding="utf-8"?>
 <p:sld xmlns:a="http://schemas.openxmlformats.org/drawingml/2006/main" xmlns:r="http://schemas.openxmlformats.org/officeDocument/2006/relationships" xmlns:p="http://schemas.openxmlformats.org/presentationml/2006/main">
   <p:cSld>
     <p:spTree>
@@ -24822,7 +25160,7 @@
 </p:sld>
 </file>
 
-<file path=ppt/slides/slide22.xml><?xml version="1.0" encoding="utf-8"?>
+<file path=ppt/slides/slide23.xml><?xml version="1.0" encoding="utf-8"?>
 <p:sld xmlns:a="http://schemas.openxmlformats.org/drawingml/2006/main" xmlns:r="http://schemas.openxmlformats.org/officeDocument/2006/relationships" xmlns:p="http://schemas.openxmlformats.org/presentationml/2006/main">
   <p:cSld>
     <p:spTree>
@@ -25490,7 +25828,7 @@
 </p:sld>
 </file>
 
-<file path=ppt/slides/slide23.xml><?xml version="1.0" encoding="utf-8"?>
+<file path=ppt/slides/slide24.xml><?xml version="1.0" encoding="utf-8"?>
 <p:sld xmlns:a="http://schemas.openxmlformats.org/drawingml/2006/main" xmlns:r="http://schemas.openxmlformats.org/officeDocument/2006/relationships" xmlns:p="http://schemas.openxmlformats.org/presentationml/2006/main">
   <p:cSld>
     <p:spTree>
@@ -27613,7 +27951,7 @@
 </p:sld>
 </file>
 
-<file path=ppt/slides/slide24.xml><?xml version="1.0" encoding="utf-8"?>
+<file path=ppt/slides/slide25.xml><?xml version="1.0" encoding="utf-8"?>
 <p:sld xmlns:a="http://schemas.openxmlformats.org/drawingml/2006/main" xmlns:r="http://schemas.openxmlformats.org/officeDocument/2006/relationships" xmlns:p="http://schemas.openxmlformats.org/presentationml/2006/main">
   <p:cSld>
     <p:spTree>
@@ -31588,7 +31926,7 @@
 </p:sld>
 </file>
 
-<file path=ppt/slides/slide25.xml><?xml version="1.0" encoding="utf-8"?>
+<file path=ppt/slides/slide26.xml><?xml version="1.0" encoding="utf-8"?>
 <p:sld xmlns:a="http://schemas.openxmlformats.org/drawingml/2006/main" xmlns:r="http://schemas.openxmlformats.org/officeDocument/2006/relationships" xmlns:p="http://schemas.openxmlformats.org/presentationml/2006/main">
   <p:cSld>
     <p:spTree>
@@ -31646,7 +31984,7 @@
 </p:sld>
 </file>
 
-<file path=ppt/slides/slide26.xml><?xml version="1.0" encoding="utf-8"?>
+<file path=ppt/slides/slide27.xml><?xml version="1.0" encoding="utf-8"?>
 <p:sld xmlns:a="http://schemas.openxmlformats.org/drawingml/2006/main" xmlns:r="http://schemas.openxmlformats.org/officeDocument/2006/relationships" xmlns:p="http://schemas.openxmlformats.org/presentationml/2006/main">
   <p:cSld>
     <p:spTree>
@@ -31775,7 +32113,7 @@
 </p:sld>
 </file>
 
-<file path=ppt/slides/slide27.xml><?xml version="1.0" encoding="utf-8"?>
+<file path=ppt/slides/slide28.xml><?xml version="1.0" encoding="utf-8"?>
 <p:sld xmlns:a="http://schemas.openxmlformats.org/drawingml/2006/main" xmlns:r="http://schemas.openxmlformats.org/officeDocument/2006/relationships" xmlns:p="http://schemas.openxmlformats.org/presentationml/2006/main">
   <p:cSld>
     <p:spTree>
@@ -32008,7 +32346,7 @@
 </p:sld>
 </file>
 
-<file path=ppt/slides/slide28.xml><?xml version="1.0" encoding="utf-8"?>
+<file path=ppt/slides/slide29.xml><?xml version="1.0" encoding="utf-8"?>
 <p:sld xmlns:a="http://schemas.openxmlformats.org/drawingml/2006/main" xmlns:r="http://schemas.openxmlformats.org/officeDocument/2006/relationships" xmlns:p="http://schemas.openxmlformats.org/presentationml/2006/main" show="0">
   <p:cSld>
     <p:spTree>

--- a/kubernetes/11_administration.pptx
+++ b/kubernetes/11_administration.pptx
@@ -4344,7 +4344,7 @@
         <p:spPr/>
         <p:txBody>
           <a:bodyPr>
-            <a:normAutofit fontScale="92500" lnSpcReduction="20000"/>
+            <a:normAutofit fontScale="85000" lnSpcReduction="10000"/>
           </a:bodyPr>
           <a:lstStyle/>
           <a:p>
@@ -4590,6 +4590,40 @@
             </a:pPr>
             <a:r>
               <a:rPr lang="en-US" dirty="0"/>
+              <a:t>Before you switch the </a:t>
+            </a:r>
+            <a:r>
+              <a:rPr lang="en-US" dirty="0" err="1"/>
+              <a:t>kubeconfig</a:t>
+            </a:r>
+            <a:r>
+              <a:rPr lang="en-US" dirty="0"/>
+              <a:t> context, check, if the secret </a:t>
+            </a:r>
+            <a:r>
+              <a:rPr lang="en-US"/>
+              <a:t>“admin-access” </a:t>
+            </a:r>
+            <a:r>
+              <a:rPr lang="en-US" dirty="0"/>
+              <a:t>described in file 07c_demo_secret.yaml is present in your namespace. If not, re-create it (</a:t>
+            </a:r>
+            <a:r>
+              <a:rPr lang="en-US" dirty="0" err="1"/>
+              <a:t>kubectl</a:t>
+            </a:r>
+            <a:r>
+              <a:rPr lang="en-US" dirty="0"/>
+              <a:t> create –f 07c_demo_secret.yaml)</a:t>
+            </a:r>
+          </a:p>
+          <a:p>
+            <a:pPr marL="465750" lvl="1" indent="-285750">
+              <a:buFontTx/>
+              <a:buChar char="-"/>
+            </a:pPr>
+            <a:r>
+              <a:rPr lang="en-US" dirty="0"/>
               <a:t>In the demo folder, run the script 11b_rbac-demo-shell.sh</a:t>
             </a:r>
           </a:p>
@@ -4643,7 +4677,7 @@
             </a:pPr>
             <a:r>
               <a:rPr lang="en-US" dirty="0"/>
-              <a:t>Create the secret pod with "</a:t>
+              <a:t>Create a pod using the secret “admin-access” with "</a:t>
             </a:r>
             <a:r>
               <a:rPr lang="en-US" dirty="0" err="1"/>

--- a/kubernetes/11_administration.pptx
+++ b/kubernetes/11_administration.pptx
@@ -4344,7 +4344,7 @@
         <p:spPr/>
         <p:txBody>
           <a:bodyPr>
-            <a:normAutofit fontScale="85000" lnSpcReduction="10000"/>
+            <a:normAutofit fontScale="85000" lnSpcReduction="20000"/>
           </a:bodyPr>
           <a:lstStyle/>
           <a:p>
@@ -7660,14 +7660,6 @@
 <file path=ppt/slideLayouts/slideLayout15.xml><?xml version="1.0" encoding="utf-8"?>
 <p:sldLayout xmlns:a="http://schemas.openxmlformats.org/drawingml/2006/main" xmlns:r="http://schemas.openxmlformats.org/officeDocument/2006/relationships" xmlns:p="http://schemas.openxmlformats.org/presentationml/2006/main" preserve="1" userDrawn="1">
   <p:cSld name="Quote">
-    <p:bg>
-      <p:bgPr>
-        <a:solidFill>
-          <a:schemeClr val="bg1"/>
-        </a:solidFill>
-        <a:effectLst/>
-      </p:bgPr>
-    </p:bg>
     <p:spTree>
       <p:nvGrpSpPr>
         <p:cNvPr id="1" name=""/>
@@ -18432,7 +18424,7 @@
       </p:ext>
     </p:extLst>
   </p:cSld>
-  <p:clrMap bg1="dk1" tx1="lt1" bg2="dk2" tx2="lt2" accent1="accent1" accent2="accent2" accent3="accent3" accent4="accent4" accent5="accent5" accent6="accent6" hlink="hlink" folHlink="folHlink"/>
+  <p:clrMap bg1="lt1" tx1="dk1" bg2="lt2" tx2="dk2" accent1="accent1" accent2="accent2" accent3="accent3" accent4="accent4" accent5="accent5" accent6="accent6" hlink="hlink" folHlink="folHlink"/>
   <p:sldLayoutIdLst>
     <p:sldLayoutId id="2147483772" r:id="rId1"/>
     <p:sldLayoutId id="2147483776" r:id="rId2"/>
@@ -18792,25 +18784,6 @@
       </p:sp>
       <p:pic>
         <p:nvPicPr>
-          <p:cNvPr id="3" name="Picture Placeholder 2"/>
-          <p:cNvPicPr>
-            <a:picLocks noGrp="1" noChangeAspect="1"/>
-          </p:cNvPicPr>
-          <p:nvPr>
-            <p:ph type="pic" sz="quarter" idx="12"/>
-          </p:nvPr>
-        </p:nvPicPr>
-        <p:blipFill>
-          <a:blip r:embed="rId3"/>
-          <a:srcRect t="3112" b="3112"/>
-          <a:stretch>
-            <a:fillRect/>
-          </a:stretch>
-        </p:blipFill>
-        <p:spPr/>
-      </p:pic>
-      <p:pic>
-        <p:nvPicPr>
           <p:cNvPr id="4" name="Picture 3" descr="cid:image003.png@01D31CC6.A08B1C50">
             <a:extLst>
               <a:ext uri="{FF2B5EF4-FFF2-40B4-BE49-F238E27FC236}">
@@ -18824,7 +18797,7 @@
           <p:nvPr/>
         </p:nvPicPr>
         <p:blipFill>
-          <a:blip r:embed="rId4">
+          <a:blip r:embed="rId3">
             <a:extLst>
               <a:ext uri="{28A0092B-C50C-407E-A947-70E740481C1C}">
                 <a14:useLocalDpi xmlns:a14="http://schemas.microsoft.com/office/drawing/2010/main" val="0"/>
@@ -18867,6 +18840,36 @@
               </a14:hiddenLine>
             </a:ext>
           </a:extLst>
+        </p:spPr>
+      </p:pic>
+      <p:pic>
+        <p:nvPicPr>
+          <p:cNvPr id="7" name="Illustration" descr="Example of an illustration" title="Illustration for title slide">
+            <a:extLst>
+              <a:ext uri="{FF2B5EF4-FFF2-40B4-BE49-F238E27FC236}">
+                <a16:creationId xmlns:a16="http://schemas.microsoft.com/office/drawing/2014/main" id="{195BD3AD-0485-46D2-AEE5-17D39F99CC8F}"/>
+              </a:ext>
+            </a:extLst>
+          </p:cNvPr>
+          <p:cNvPicPr>
+            <a:picLocks noGrp="1" noChangeAspect="1"/>
+          </p:cNvPicPr>
+          <p:nvPr>
+            <p:ph type="pic" sz="quarter" idx="12"/>
+          </p:nvPr>
+        </p:nvPicPr>
+        <p:blipFill>
+          <a:blip r:embed="rId4"/>
+          <a:srcRect t="3112" b="3112"/>
+          <a:stretch>
+            <a:fillRect/>
+          </a:stretch>
+        </p:blipFill>
+        <p:spPr bwMode="gray">
+          <a:xfrm>
+            <a:off x="1" y="0"/>
+            <a:ext cx="12195174" cy="3430006"/>
+          </a:xfrm>
         </p:spPr>
       </p:pic>
     </p:spTree>
@@ -20060,10 +20063,10 @@
       </p:sp>
       <p:pic>
         <p:nvPicPr>
-          <p:cNvPr id="4" name="Picture 3">
+          <p:cNvPr id="2" name="Picture 1">
             <a:extLst>
               <a:ext uri="{FF2B5EF4-FFF2-40B4-BE49-F238E27FC236}">
-                <a16:creationId xmlns:a16="http://schemas.microsoft.com/office/drawing/2014/main" id="{63572B24-95A9-44B1-ADEF-F45AE37D5E46}"/>
+                <a16:creationId xmlns:a16="http://schemas.microsoft.com/office/drawing/2014/main" id="{524F79CC-E6C1-48F3-8481-85B6CE93C86F}"/>
               </a:ext>
             </a:extLst>
           </p:cNvPr>
@@ -20080,12 +20083,17 @@
         </p:blipFill>
         <p:spPr>
           <a:xfrm>
-            <a:off x="1839050" y="1611085"/>
-            <a:ext cx="8516377" cy="4055938"/>
+            <a:off x="1839050" y="1724804"/>
+            <a:ext cx="8436454" cy="3828499"/>
           </a:xfrm>
           <a:prstGeom prst="rect">
             <a:avLst/>
           </a:prstGeom>
+          <a:ln>
+            <a:solidFill>
+              <a:schemeClr val="tx1"/>
+            </a:solidFill>
+          </a:ln>
         </p:spPr>
       </p:pic>
     </p:spTree>
@@ -20148,10 +20156,10 @@
       </p:sp>
       <p:pic>
         <p:nvPicPr>
-          <p:cNvPr id="18" name="Picture 17">
+          <p:cNvPr id="4" name="Picture 3">
             <a:extLst>
               <a:ext uri="{FF2B5EF4-FFF2-40B4-BE49-F238E27FC236}">
-                <a16:creationId xmlns:a16="http://schemas.microsoft.com/office/drawing/2014/main" id="{FC355B51-9D60-4DBB-9EF1-08294FF8959E}"/>
+                <a16:creationId xmlns:a16="http://schemas.microsoft.com/office/drawing/2014/main" id="{AB318321-2E93-4274-88BA-A559A69B3FF1}"/>
               </a:ext>
             </a:extLst>
           </p:cNvPr>
@@ -20168,8 +20176,8 @@
         </p:blipFill>
         <p:spPr>
           <a:xfrm>
-            <a:off x="3849419" y="1181180"/>
-            <a:ext cx="4495640" cy="4495640"/>
+            <a:off x="3645157" y="976918"/>
+            <a:ext cx="4904163" cy="4904163"/>
           </a:xfrm>
           <a:prstGeom prst="rect">
             <a:avLst/>
@@ -20249,25 +20257,6 @@
       </p:sp>
       <p:pic>
         <p:nvPicPr>
-          <p:cNvPr id="3" name="Picture Placeholder 2"/>
-          <p:cNvPicPr>
-            <a:picLocks noGrp="1" noChangeAspect="1"/>
-          </p:cNvPicPr>
-          <p:nvPr>
-            <p:ph type="pic" sz="quarter" idx="12"/>
-          </p:nvPr>
-        </p:nvPicPr>
-        <p:blipFill>
-          <a:blip r:embed="rId3"/>
-          <a:srcRect t="3112" b="3112"/>
-          <a:stretch>
-            <a:fillRect/>
-          </a:stretch>
-        </p:blipFill>
-        <p:spPr/>
-      </p:pic>
-      <p:pic>
-        <p:nvPicPr>
           <p:cNvPr id="4" name="Picture 3" descr="cid:image003.png@01D31CC6.A08B1C50">
             <a:extLst>
               <a:ext uri="{FF2B5EF4-FFF2-40B4-BE49-F238E27FC236}">
@@ -20281,7 +20270,7 @@
           <p:nvPr/>
         </p:nvPicPr>
         <p:blipFill>
-          <a:blip r:embed="rId4">
+          <a:blip r:embed="rId3">
             <a:extLst>
               <a:ext uri="{28A0092B-C50C-407E-A947-70E740481C1C}">
                 <a14:useLocalDpi xmlns:a14="http://schemas.microsoft.com/office/drawing/2010/main" val="0"/>
@@ -20324,6 +20313,36 @@
               </a14:hiddenLine>
             </a:ext>
           </a:extLst>
+        </p:spPr>
+      </p:pic>
+      <p:pic>
+        <p:nvPicPr>
+          <p:cNvPr id="7" name="Illustration" descr="Example of an illustration" title="Illustration for title slide">
+            <a:extLst>
+              <a:ext uri="{FF2B5EF4-FFF2-40B4-BE49-F238E27FC236}">
+                <a16:creationId xmlns:a16="http://schemas.microsoft.com/office/drawing/2014/main" id="{CDBA1D1D-EB82-467B-BE26-980F1DC9F7E9}"/>
+              </a:ext>
+            </a:extLst>
+          </p:cNvPr>
+          <p:cNvPicPr>
+            <a:picLocks noGrp="1" noChangeAspect="1"/>
+          </p:cNvPicPr>
+          <p:nvPr>
+            <p:ph type="pic" sz="quarter" idx="12"/>
+          </p:nvPr>
+        </p:nvPicPr>
+        <p:blipFill>
+          <a:blip r:embed="rId4"/>
+          <a:srcRect t="3112" b="3112"/>
+          <a:stretch>
+            <a:fillRect/>
+          </a:stretch>
+        </p:blipFill>
+        <p:spPr bwMode="gray">
+          <a:xfrm>
+            <a:off x="1" y="0"/>
+            <a:ext cx="12195174" cy="3430006"/>
+          </a:xfrm>
         </p:spPr>
       </p:pic>
     </p:spTree>
@@ -20428,6 +20447,11 @@
           <a:prstGeom prst="rect">
             <a:avLst/>
           </a:prstGeom>
+          <a:solidFill>
+            <a:schemeClr val="bg1">
+              <a:lumMod val="85000"/>
+            </a:schemeClr>
+          </a:solidFill>
           <a:ln>
             <a:headEnd/>
             <a:tailEnd/>
@@ -20500,6 +20524,11 @@
           <a:prstGeom prst="rect">
             <a:avLst/>
           </a:prstGeom>
+          <a:solidFill>
+            <a:schemeClr val="bg1">
+              <a:lumMod val="85000"/>
+            </a:schemeClr>
+          </a:solidFill>
           <a:ln>
             <a:headEnd/>
             <a:tailEnd/>
@@ -20538,14 +20567,12 @@
             <a:r>
               <a:rPr lang="de-DE" sz="2400" b="1" kern="0" dirty="0" err="1">
                 <a:ea typeface="Arial Unicode MS" pitchFamily="34" charset="-128"/>
-                <a:cs typeface="Arial Unicode MS" pitchFamily="34" charset="-128"/>
               </a:rPr>
               <a:t>Node</a:t>
             </a:r>
             <a:r>
               <a:rPr lang="de-DE" sz="2400" b="1" kern="0" dirty="0">
                 <a:ea typeface="Arial Unicode MS" pitchFamily="34" charset="-128"/>
-                <a:cs typeface="Arial Unicode MS" pitchFamily="34" charset="-128"/>
               </a:rPr>
               <a:t> B</a:t>
             </a:r>
@@ -20572,6 +20599,11 @@
           <a:prstGeom prst="rect">
             <a:avLst/>
           </a:prstGeom>
+          <a:solidFill>
+            <a:schemeClr val="bg1">
+              <a:lumMod val="85000"/>
+            </a:schemeClr>
+          </a:solidFill>
           <a:ln>
             <a:headEnd/>
             <a:tailEnd/>
@@ -20610,14 +20642,12 @@
             <a:r>
               <a:rPr lang="de-DE" sz="2400" b="1" kern="0" dirty="0" err="1">
                 <a:ea typeface="Arial Unicode MS" pitchFamily="34" charset="-128"/>
-                <a:cs typeface="Arial Unicode MS" pitchFamily="34" charset="-128"/>
               </a:rPr>
               <a:t>Node</a:t>
             </a:r>
             <a:r>
               <a:rPr lang="de-DE" sz="2400" b="1" kern="0" dirty="0">
                 <a:ea typeface="Arial Unicode MS" pitchFamily="34" charset="-128"/>
-                <a:cs typeface="Arial Unicode MS" pitchFamily="34" charset="-128"/>
               </a:rPr>
               <a:t> C</a:t>
             </a:r>
@@ -20645,8 +20675,8 @@
             <a:avLst/>
           </a:prstGeom>
           <a:solidFill>
-            <a:schemeClr val="bg2">
-              <a:lumMod val="75000"/>
+            <a:schemeClr val="bg1">
+              <a:lumMod val="65000"/>
             </a:schemeClr>
           </a:solidFill>
           <a:ln>
@@ -20677,10 +20707,7 @@
           <a:bodyPr lIns="90000" tIns="72000" rIns="90000" bIns="72000" rtlCol="0" anchor="ctr"/>
           <a:lstStyle/>
           <a:p>
-            <a:pPr marR="0" algn="ctr" defTabSz="914400" eaLnBrk="1" fontAlgn="base" latinLnBrk="0" hangingPunct="1">
-              <a:lnSpc>
-                <a:spcPct val="100000"/>
-              </a:lnSpc>
+            <a:pPr algn="ctr" defTabSz="914400" fontAlgn="base">
               <a:spcBef>
                 <a:spcPct val="50000"/>
               </a:spcBef>
@@ -20691,18 +20718,13 @@
                 <a:srgbClr val="F0AB00"/>
               </a:buClr>
               <a:buSzPct val="80000"/>
-              <a:tabLst/>
             </a:pPr>
             <a:r>
-              <a:rPr kumimoji="0" lang="en-US" sz="1800" b="0" i="0" u="none" strike="noStrike" kern="0" cap="none" spc="0" normalizeH="0" baseline="0" noProof="0" dirty="0">
-                <a:ln>
-                  <a:noFill/>
-                </a:ln>
-                <a:effectLst/>
-                <a:uLnTx/>
-                <a:uFillTx/>
+              <a:rPr lang="en-US" sz="1800" kern="0" dirty="0">
+                <a:solidFill>
+                  <a:sysClr val="windowText" lastClr="000000"/>
+                </a:solidFill>
                 <a:ea typeface="Arial Unicode MS" pitchFamily="34" charset="-128"/>
-                <a:cs typeface="Arial Unicode MS" pitchFamily="34" charset="-128"/>
               </a:rPr>
               <a:t>monitoring</a:t>
             </a:r>
@@ -20730,8 +20752,8 @@
             <a:avLst/>
           </a:prstGeom>
           <a:solidFill>
-            <a:schemeClr val="bg2">
-              <a:lumMod val="75000"/>
+            <a:schemeClr val="bg1">
+              <a:lumMod val="65000"/>
             </a:schemeClr>
           </a:solidFill>
           <a:ln>
@@ -20762,10 +20784,7 @@
           <a:bodyPr lIns="90000" tIns="72000" rIns="90000" bIns="72000" rtlCol="0" anchor="ctr"/>
           <a:lstStyle/>
           <a:p>
-            <a:pPr marR="0" algn="ctr" defTabSz="914400" eaLnBrk="1" fontAlgn="base" latinLnBrk="0" hangingPunct="1">
-              <a:lnSpc>
-                <a:spcPct val="100000"/>
-              </a:lnSpc>
+            <a:pPr algn="ctr" defTabSz="914400" fontAlgn="base">
               <a:spcBef>
                 <a:spcPct val="50000"/>
               </a:spcBef>
@@ -20776,21 +20795,22 @@
                 <a:srgbClr val="F0AB00"/>
               </a:buClr>
               <a:buSzPct val="80000"/>
-              <a:tabLst/>
             </a:pPr>
             <a:r>
-              <a:rPr kumimoji="0" lang="en-US" sz="1800" b="0" i="0" u="none" strike="noStrike" kern="0" cap="none" spc="0" normalizeH="0" baseline="0" noProof="0" dirty="0">
-                <a:ln>
-                  <a:noFill/>
-                </a:ln>
-                <a:effectLst/>
-                <a:uLnTx/>
-                <a:uFillTx/>
+              <a:rPr lang="en-US" sz="1800" kern="0">
+                <a:solidFill>
+                  <a:sysClr val="windowText" lastClr="000000"/>
+                </a:solidFill>
                 <a:ea typeface="Arial Unicode MS" pitchFamily="34" charset="-128"/>
-                <a:cs typeface="Arial Unicode MS" pitchFamily="34" charset="-128"/>
               </a:rPr>
               <a:t>monitoring</a:t>
             </a:r>
+            <a:endParaRPr lang="en-US" sz="1800" kern="0" dirty="0">
+              <a:solidFill>
+                <a:sysClr val="windowText" lastClr="000000"/>
+              </a:solidFill>
+              <a:ea typeface="Arial Unicode MS" pitchFamily="34" charset="-128"/>
+            </a:endParaRPr>
           </a:p>
         </p:txBody>
       </p:sp>
@@ -20815,8 +20835,8 @@
             <a:avLst/>
           </a:prstGeom>
           <a:solidFill>
-            <a:schemeClr val="bg2">
-              <a:lumMod val="75000"/>
+            <a:schemeClr val="bg1">
+              <a:lumMod val="65000"/>
             </a:schemeClr>
           </a:solidFill>
           <a:ln>
@@ -20847,10 +20867,7 @@
           <a:bodyPr lIns="90000" tIns="72000" rIns="90000" bIns="72000" rtlCol="0" anchor="ctr"/>
           <a:lstStyle/>
           <a:p>
-            <a:pPr marR="0" algn="ctr" defTabSz="914400" eaLnBrk="1" fontAlgn="base" latinLnBrk="0" hangingPunct="1">
-              <a:lnSpc>
-                <a:spcPct val="100000"/>
-              </a:lnSpc>
+            <a:pPr algn="ctr" defTabSz="914400" fontAlgn="base">
               <a:spcBef>
                 <a:spcPct val="50000"/>
               </a:spcBef>
@@ -20861,21 +20878,22 @@
                 <a:srgbClr val="F0AB00"/>
               </a:buClr>
               <a:buSzPct val="80000"/>
-              <a:tabLst/>
             </a:pPr>
             <a:r>
-              <a:rPr kumimoji="0" lang="en-US" sz="1800" b="0" i="0" u="none" strike="noStrike" kern="0" cap="none" spc="0" normalizeH="0" baseline="0" noProof="0" dirty="0">
-                <a:ln>
-                  <a:noFill/>
-                </a:ln>
-                <a:effectLst/>
-                <a:uLnTx/>
-                <a:uFillTx/>
+              <a:rPr lang="en-US" sz="1800" kern="0">
+                <a:solidFill>
+                  <a:sysClr val="windowText" lastClr="000000"/>
+                </a:solidFill>
                 <a:ea typeface="Arial Unicode MS" pitchFamily="34" charset="-128"/>
-                <a:cs typeface="Arial Unicode MS" pitchFamily="34" charset="-128"/>
               </a:rPr>
               <a:t>monitoring</a:t>
             </a:r>
+            <a:endParaRPr lang="en-US" sz="1800" kern="0" dirty="0">
+              <a:solidFill>
+                <a:sysClr val="windowText" lastClr="000000"/>
+              </a:solidFill>
+              <a:ea typeface="Arial Unicode MS" pitchFamily="34" charset="-128"/>
+            </a:endParaRPr>
           </a:p>
         </p:txBody>
       </p:sp>
@@ -20900,8 +20918,8 @@
             <a:avLst/>
           </a:prstGeom>
           <a:solidFill>
-            <a:schemeClr val="bg2">
-              <a:lumMod val="75000"/>
+            <a:schemeClr val="bg1">
+              <a:lumMod val="65000"/>
             </a:schemeClr>
           </a:solidFill>
           <a:ln>
@@ -20950,6 +20968,9 @@
             </a:pPr>
             <a:r>
               <a:rPr lang="en-US" sz="1800" kern="0" dirty="0">
+                <a:solidFill>
+                  <a:sysClr val="windowText" lastClr="000000"/>
+                </a:solidFill>
                 <a:ea typeface="Arial Unicode MS" pitchFamily="34" charset="-128"/>
                 <a:cs typeface="Arial Unicode MS" pitchFamily="34" charset="-128"/>
               </a:rPr>
@@ -20959,6 +20980,9 @@
               <a:ln>
                 <a:noFill/>
               </a:ln>
+              <a:solidFill>
+                <a:sysClr val="windowText" lastClr="000000"/>
+              </a:solidFill>
               <a:effectLst/>
               <a:uLnTx/>
               <a:uFillTx/>
@@ -20989,8 +21013,8 @@
             <a:avLst/>
           </a:prstGeom>
           <a:solidFill>
-            <a:schemeClr val="bg2">
-              <a:lumMod val="75000"/>
+            <a:schemeClr val="bg1">
+              <a:lumMod val="65000"/>
             </a:schemeClr>
           </a:solidFill>
           <a:ln>
@@ -21021,10 +21045,7 @@
           <a:bodyPr lIns="90000" tIns="72000" rIns="90000" bIns="72000" rtlCol="0" anchor="ctr"/>
           <a:lstStyle/>
           <a:p>
-            <a:pPr marR="0" algn="ctr" defTabSz="914400" eaLnBrk="1" fontAlgn="base" latinLnBrk="0" hangingPunct="1">
-              <a:lnSpc>
-                <a:spcPct val="100000"/>
-              </a:lnSpc>
+            <a:pPr algn="ctr" defTabSz="914400" fontAlgn="base">
               <a:spcBef>
                 <a:spcPct val="50000"/>
               </a:spcBef>
@@ -21035,25 +21056,16 @@
                 <a:srgbClr val="F0AB00"/>
               </a:buClr>
               <a:buSzPct val="80000"/>
-              <a:tabLst/>
             </a:pPr>
             <a:r>
               <a:rPr lang="en-US" sz="1800" kern="0" dirty="0">
+                <a:solidFill>
+                  <a:sysClr val="windowText" lastClr="000000"/>
+                </a:solidFill>
                 <a:ea typeface="Arial Unicode MS" pitchFamily="34" charset="-128"/>
-                <a:cs typeface="Arial Unicode MS" pitchFamily="34" charset="-128"/>
               </a:rPr>
               <a:t>log collection</a:t>
             </a:r>
-            <a:endParaRPr kumimoji="0" lang="en-US" sz="1800" b="0" i="0" u="none" strike="noStrike" kern="0" cap="none" spc="0" normalizeH="0" baseline="0" noProof="0" dirty="0">
-              <a:ln>
-                <a:noFill/>
-              </a:ln>
-              <a:effectLst/>
-              <a:uLnTx/>
-              <a:uFillTx/>
-              <a:ea typeface="Arial Unicode MS" pitchFamily="34" charset="-128"/>
-              <a:cs typeface="Arial Unicode MS" pitchFamily="34" charset="-128"/>
-            </a:endParaRPr>
           </a:p>
         </p:txBody>
       </p:sp>
@@ -21078,8 +21090,8 @@
             <a:avLst/>
           </a:prstGeom>
           <a:solidFill>
-            <a:schemeClr val="bg2">
-              <a:lumMod val="75000"/>
+            <a:schemeClr val="bg1">
+              <a:lumMod val="65000"/>
             </a:schemeClr>
           </a:solidFill>
           <a:ln>
@@ -21110,10 +21122,7 @@
           <a:bodyPr lIns="90000" tIns="72000" rIns="90000" bIns="72000" rtlCol="0" anchor="ctr"/>
           <a:lstStyle/>
           <a:p>
-            <a:pPr marR="0" algn="ctr" defTabSz="914400" eaLnBrk="1" fontAlgn="base" latinLnBrk="0" hangingPunct="1">
-              <a:lnSpc>
-                <a:spcPct val="100000"/>
-              </a:lnSpc>
+            <a:pPr algn="ctr" defTabSz="914400" fontAlgn="base">
               <a:spcBef>
                 <a:spcPct val="50000"/>
               </a:spcBef>
@@ -21124,25 +21133,16 @@
                 <a:srgbClr val="F0AB00"/>
               </a:buClr>
               <a:buSzPct val="80000"/>
-              <a:tabLst/>
             </a:pPr>
             <a:r>
               <a:rPr lang="en-US" sz="1800" kern="0" dirty="0">
+                <a:solidFill>
+                  <a:sysClr val="windowText" lastClr="000000"/>
+                </a:solidFill>
                 <a:ea typeface="Arial Unicode MS" pitchFamily="34" charset="-128"/>
-                <a:cs typeface="Arial Unicode MS" pitchFamily="34" charset="-128"/>
               </a:rPr>
               <a:t>log collection</a:t>
             </a:r>
-            <a:endParaRPr kumimoji="0" lang="en-US" sz="1800" b="0" i="0" u="none" strike="noStrike" kern="0" cap="none" spc="0" normalizeH="0" baseline="0" noProof="0" dirty="0">
-              <a:ln>
-                <a:noFill/>
-              </a:ln>
-              <a:effectLst/>
-              <a:uLnTx/>
-              <a:uFillTx/>
-              <a:ea typeface="Arial Unicode MS" pitchFamily="34" charset="-128"/>
-              <a:cs typeface="Arial Unicode MS" pitchFamily="34" charset="-128"/>
-            </a:endParaRPr>
           </a:p>
         </p:txBody>
       </p:sp>
@@ -21167,7 +21167,10 @@
             <a:avLst/>
           </a:prstGeom>
           <a:solidFill>
-            <a:schemeClr val="accent1"/>
+            <a:schemeClr val="accent1">
+              <a:lumMod val="60000"/>
+              <a:lumOff val="40000"/>
+            </a:schemeClr>
           </a:solidFill>
           <a:ln w="6350" algn="ctr">
             <a:noFill/>
@@ -21855,7 +21858,10 @@
             <a:avLst/>
           </a:prstGeom>
           <a:solidFill>
-            <a:schemeClr val="accent1"/>
+            <a:schemeClr val="accent1">
+              <a:lumMod val="60000"/>
+              <a:lumOff val="40000"/>
+            </a:schemeClr>
           </a:solidFill>
           <a:ln w="6350" algn="ctr">
             <a:noFill/>
@@ -22135,7 +22141,8 @@
           </a:prstGeom>
           <a:solidFill>
             <a:schemeClr val="bg2">
-              <a:lumMod val="75000"/>
+              <a:lumMod val="60000"/>
+              <a:lumOff val="40000"/>
             </a:schemeClr>
           </a:solidFill>
           <a:ln>
@@ -22183,10 +22190,13 @@
               <a:tabLst/>
             </a:pPr>
             <a:r>
-              <a:rPr kumimoji="0" lang="en-US" sz="1800" b="0" i="0" u="none" strike="noStrike" kern="0" cap="none" spc="0" normalizeH="0" baseline="0" noProof="0" dirty="0">
+              <a:rPr kumimoji="0" lang="en-US" sz="1800" b="1" i="0" u="none" strike="noStrike" kern="0" cap="none" spc="0" normalizeH="0" baseline="0" noProof="0" dirty="0">
                 <a:ln>
                   <a:noFill/>
                 </a:ln>
+                <a:solidFill>
+                  <a:sysClr val="windowText" lastClr="000000"/>
+                </a:solidFill>
                 <a:effectLst/>
                 <a:uLnTx/>
                 <a:uFillTx/>
@@ -22704,25 +22714,6 @@
       </p:sp>
       <p:pic>
         <p:nvPicPr>
-          <p:cNvPr id="3" name="Picture Placeholder 2"/>
-          <p:cNvPicPr>
-            <a:picLocks noGrp="1" noChangeAspect="1"/>
-          </p:cNvPicPr>
-          <p:nvPr>
-            <p:ph type="pic" sz="quarter" idx="12"/>
-          </p:nvPr>
-        </p:nvPicPr>
-        <p:blipFill>
-          <a:blip r:embed="rId3"/>
-          <a:srcRect t="3112" b="3112"/>
-          <a:stretch>
-            <a:fillRect/>
-          </a:stretch>
-        </p:blipFill>
-        <p:spPr/>
-      </p:pic>
-      <p:pic>
-        <p:nvPicPr>
           <p:cNvPr id="4" name="Picture 3" descr="cid:image003.png@01D31CC6.A08B1C50">
             <a:extLst>
               <a:ext uri="{FF2B5EF4-FFF2-40B4-BE49-F238E27FC236}">
@@ -22736,7 +22727,7 @@
           <p:nvPr/>
         </p:nvPicPr>
         <p:blipFill>
-          <a:blip r:embed="rId4">
+          <a:blip r:embed="rId3">
             <a:extLst>
               <a:ext uri="{28A0092B-C50C-407E-A947-70E740481C1C}">
                 <a14:useLocalDpi xmlns:a14="http://schemas.microsoft.com/office/drawing/2010/main" val="0"/>
@@ -22779,6 +22770,36 @@
               </a14:hiddenLine>
             </a:ext>
           </a:extLst>
+        </p:spPr>
+      </p:pic>
+      <p:pic>
+        <p:nvPicPr>
+          <p:cNvPr id="7" name="Illustration" descr="Example of an illustration" title="Illustration for title slide">
+            <a:extLst>
+              <a:ext uri="{FF2B5EF4-FFF2-40B4-BE49-F238E27FC236}">
+                <a16:creationId xmlns:a16="http://schemas.microsoft.com/office/drawing/2014/main" id="{22F2E50F-EBB2-47D2-B872-FA5012B3343A}"/>
+              </a:ext>
+            </a:extLst>
+          </p:cNvPr>
+          <p:cNvPicPr>
+            <a:picLocks noGrp="1" noChangeAspect="1"/>
+          </p:cNvPicPr>
+          <p:nvPr>
+            <p:ph type="pic" sz="quarter" idx="12"/>
+          </p:nvPr>
+        </p:nvPicPr>
+        <p:blipFill>
+          <a:blip r:embed="rId4"/>
+          <a:srcRect t="3112" b="3112"/>
+          <a:stretch>
+            <a:fillRect/>
+          </a:stretch>
+        </p:blipFill>
+        <p:spPr bwMode="gray">
+          <a:xfrm>
+            <a:off x="1" y="0"/>
+            <a:ext cx="12195174" cy="3430006"/>
+          </a:xfrm>
         </p:spPr>
       </p:pic>
     </p:spTree>
@@ -23916,10 +23937,10 @@
       </p:sp>
       <p:pic>
         <p:nvPicPr>
-          <p:cNvPr id="4" name="Picture 3">
+          <p:cNvPr id="3" name="Picture 2">
             <a:extLst>
               <a:ext uri="{FF2B5EF4-FFF2-40B4-BE49-F238E27FC236}">
-                <a16:creationId xmlns:a16="http://schemas.microsoft.com/office/drawing/2014/main" id="{116EC041-5B04-45C5-9A49-5664BD47C544}"/>
+                <a16:creationId xmlns:a16="http://schemas.microsoft.com/office/drawing/2014/main" id="{89C68C63-C610-45AE-A19F-2DC6D51FBAB6}"/>
               </a:ext>
             </a:extLst>
           </p:cNvPr>
@@ -23936,12 +23957,17 @@
         </p:blipFill>
         <p:spPr>
           <a:xfrm>
-            <a:off x="6069661" y="1620000"/>
-            <a:ext cx="5913632" cy="3368332"/>
+            <a:off x="6880979" y="1395211"/>
+            <a:ext cx="3216036" cy="4691493"/>
           </a:xfrm>
           <a:prstGeom prst="rect">
             <a:avLst/>
           </a:prstGeom>
+          <a:ln>
+            <a:solidFill>
+              <a:schemeClr val="tx1"/>
+            </a:solidFill>
+          </a:ln>
         </p:spPr>
       </p:pic>
     </p:spTree>
@@ -24102,10 +24128,10 @@
       </p:sp>
       <p:pic>
         <p:nvPicPr>
-          <p:cNvPr id="6" name="Picture 5">
+          <p:cNvPr id="3" name="Picture 2">
             <a:extLst>
               <a:ext uri="{FF2B5EF4-FFF2-40B4-BE49-F238E27FC236}">
-                <a16:creationId xmlns:a16="http://schemas.microsoft.com/office/drawing/2014/main" id="{BFC0E384-E926-471B-A062-592BB2DBEBE1}"/>
+                <a16:creationId xmlns:a16="http://schemas.microsoft.com/office/drawing/2014/main" id="{7A35E34D-6606-4810-88D5-A62B9BFE3A73}"/>
               </a:ext>
             </a:extLst>
           </p:cNvPr>
@@ -24122,20 +24148,25 @@
         </p:blipFill>
         <p:spPr>
           <a:xfrm>
-            <a:off x="6085411" y="2502803"/>
-            <a:ext cx="5853461" cy="3589331"/>
+            <a:off x="7395119" y="2591537"/>
+            <a:ext cx="2583981" cy="3479974"/>
           </a:xfrm>
           <a:prstGeom prst="rect">
             <a:avLst/>
           </a:prstGeom>
+          <a:ln>
+            <a:solidFill>
+              <a:schemeClr val="tx1"/>
+            </a:solidFill>
+          </a:ln>
         </p:spPr>
       </p:pic>
       <p:pic>
         <p:nvPicPr>
-          <p:cNvPr id="8" name="Picture 7">
+          <p:cNvPr id="7" name="Picture 6">
             <a:extLst>
               <a:ext uri="{FF2B5EF4-FFF2-40B4-BE49-F238E27FC236}">
-                <a16:creationId xmlns:a16="http://schemas.microsoft.com/office/drawing/2014/main" id="{29FBC844-35AB-4B0C-B6FC-9B0CA8B92165}"/>
+                <a16:creationId xmlns:a16="http://schemas.microsoft.com/office/drawing/2014/main" id="{B728B219-96F2-4D3F-9621-2D3B724FE276}"/>
               </a:ext>
             </a:extLst>
           </p:cNvPr>
@@ -24152,12 +24183,17 @@
         </p:blipFill>
         <p:spPr>
           <a:xfrm>
-            <a:off x="7760939" y="1151838"/>
-            <a:ext cx="2502406" cy="1072459"/>
+            <a:off x="7395119" y="669851"/>
+            <a:ext cx="2220995" cy="1764627"/>
           </a:xfrm>
           <a:prstGeom prst="rect">
             <a:avLst/>
           </a:prstGeom>
+          <a:ln>
+            <a:solidFill>
+              <a:schemeClr val="tx1"/>
+            </a:solidFill>
+          </a:ln>
         </p:spPr>
       </p:pic>
     </p:spTree>
@@ -24204,6 +24240,9 @@
           <a:prstGeom prst="rect">
             <a:avLst/>
           </a:prstGeom>
+          <a:solidFill>
+            <a:schemeClr val="bg2"/>
+          </a:solidFill>
           <a:ln>
             <a:headEnd/>
             <a:tailEnd/>
@@ -24247,6 +24286,9 @@
             </a:pPr>
             <a:r>
               <a:rPr lang="en-US" sz="1600" b="1" kern="0" dirty="0">
+                <a:solidFill>
+                  <a:sysClr val="windowText" lastClr="000000"/>
+                </a:solidFill>
                 <a:ea typeface="Arial Unicode MS" pitchFamily="34" charset="-128"/>
                 <a:cs typeface="Arial Unicode MS" pitchFamily="34" charset="-128"/>
               </a:rPr>
@@ -24256,6 +24298,9 @@
               <a:ln>
                 <a:noFill/>
               </a:ln>
+              <a:solidFill>
+                <a:sysClr val="windowText" lastClr="000000"/>
+              </a:solidFill>
               <a:effectLst/>
               <a:uLnTx/>
               <a:uFillTx/>
@@ -25091,10 +25136,7 @@
           </a:prstGeom>
           <a:ln w="38100">
             <a:solidFill>
-              <a:schemeClr val="tx2">
-                <a:lumMod val="60000"/>
-                <a:lumOff val="40000"/>
-              </a:schemeClr>
+              <a:schemeClr val="tx1"/>
             </a:solidFill>
             <a:headEnd type="none" w="med" len="med"/>
             <a:tailEnd type="triangle"/>
@@ -25207,10 +25249,7 @@
           </a:prstGeom>
           <a:ln w="38100">
             <a:solidFill>
-              <a:schemeClr val="tx2">
-                <a:lumMod val="60000"/>
-                <a:lumOff val="40000"/>
-              </a:schemeClr>
+              <a:schemeClr val="tx1"/>
             </a:solidFill>
             <a:headEnd type="none" w="med" len="med"/>
             <a:tailEnd type="triangle"/>
@@ -25251,10 +25290,7 @@
           </a:prstGeom>
           <a:ln w="38100">
             <a:solidFill>
-              <a:schemeClr val="tx2">
-                <a:lumMod val="60000"/>
-                <a:lumOff val="40000"/>
-              </a:schemeClr>
+              <a:schemeClr val="tx1"/>
             </a:solidFill>
             <a:headEnd type="none" w="med" len="med"/>
             <a:tailEnd type="triangle"/>
@@ -26450,14 +26486,16 @@
         </p:nvSpPr>
         <p:spPr bwMode="gray">
           <a:xfrm>
-            <a:off x="5450635" y="4778963"/>
-            <a:ext cx="998220" cy="1004248"/>
+            <a:off x="5450634" y="4778963"/>
+            <a:ext cx="1056243" cy="1004248"/>
           </a:xfrm>
           <a:prstGeom prst="can">
             <a:avLst/>
           </a:prstGeom>
           <a:solidFill>
-            <a:schemeClr val="tx1"/>
+            <a:schemeClr val="bg1">
+              <a:lumMod val="75000"/>
+            </a:schemeClr>
           </a:solidFill>
           <a:ln>
             <a:solidFill>
@@ -26485,10 +26523,7 @@
           <a:bodyPr lIns="90000" tIns="72000" rIns="90000" bIns="72000" rtlCol="0" anchor="ctr"/>
           <a:lstStyle/>
           <a:p>
-            <a:pPr marR="0" algn="ctr" defTabSz="914400" eaLnBrk="1" fontAlgn="base" latinLnBrk="0" hangingPunct="1">
-              <a:lnSpc>
-                <a:spcPct val="100000"/>
-              </a:lnSpc>
+            <a:pPr algn="ctr" defTabSz="914400" fontAlgn="base">
               <a:spcBef>
                 <a:spcPct val="50000"/>
               </a:spcBef>
@@ -26499,30 +26534,23 @@
                 <a:srgbClr val="F0AB00"/>
               </a:buClr>
               <a:buSzPct val="80000"/>
-              <a:tabLst/>
             </a:pPr>
             <a:r>
-              <a:rPr kumimoji="0" lang="de-DE" sz="1100" i="0" u="none" strike="noStrike" kern="0" cap="none" spc="0" normalizeH="0" baseline="0" noProof="0" dirty="0" err="1">
-                <a:ln>
-                  <a:noFill/>
-                </a:ln>
-                <a:effectLst/>
-                <a:uLnTx/>
-                <a:uFillTx/>
+              <a:rPr lang="de-DE" sz="1400" kern="0" dirty="0" err="1">
+                <a:solidFill>
+                  <a:srgbClr val="000000"/>
+                </a:solidFill>
+                <a:latin typeface="Arial"/>
                 <a:ea typeface="Arial Unicode MS" pitchFamily="34" charset="-128"/>
-                <a:cs typeface="Arial Unicode MS" pitchFamily="34" charset="-128"/>
               </a:rPr>
               <a:t>Postgresql</a:t>
             </a:r>
-            <a:endParaRPr kumimoji="0" lang="de-DE" sz="1100" i="0" u="none" strike="noStrike" kern="0" cap="none" spc="0" normalizeH="0" baseline="0" noProof="0" dirty="0">
-              <a:ln>
-                <a:noFill/>
-              </a:ln>
-              <a:effectLst/>
-              <a:uLnTx/>
-              <a:uFillTx/>
+            <a:endParaRPr lang="de-DE" sz="1400" kern="0" dirty="0">
+              <a:solidFill>
+                <a:srgbClr val="000000"/>
+              </a:solidFill>
+              <a:latin typeface="Arial"/>
               <a:ea typeface="Arial Unicode MS" pitchFamily="34" charset="-128"/>
-              <a:cs typeface="Arial Unicode MS" pitchFamily="34" charset="-128"/>
             </a:endParaRPr>
           </a:p>
         </p:txBody>
@@ -26742,9 +26770,6 @@
             </a:pPr>
             <a:r>
               <a:rPr lang="de-DE" sz="700" b="1" kern="0" dirty="0">
-                <a:solidFill>
-                  <a:schemeClr val="bg1"/>
-                </a:solidFill>
                 <a:ea typeface="Arial Unicode MS" pitchFamily="34" charset="-128"/>
                 <a:cs typeface="Arial Unicode MS" pitchFamily="34" charset="-128"/>
               </a:rPr>
@@ -26755,9 +26780,6 @@
                 <a:ln>
                   <a:noFill/>
                 </a:ln>
-                <a:solidFill>
-                  <a:schemeClr val="bg1"/>
-                </a:solidFill>
                 <a:effectLst/>
                 <a:uLnTx/>
                 <a:uFillTx/>
@@ -26771,9 +26793,6 @@
                 <a:ln>
                   <a:noFill/>
                 </a:ln>
-                <a:solidFill>
-                  <a:schemeClr val="bg1"/>
-                </a:solidFill>
                 <a:effectLst/>
                 <a:uLnTx/>
                 <a:uFillTx/>
@@ -26787,9 +26806,6 @@
                 <a:ln>
                   <a:noFill/>
                 </a:ln>
-                <a:solidFill>
-                  <a:schemeClr val="bg1"/>
-                </a:solidFill>
                 <a:effectLst/>
                 <a:uLnTx/>
                 <a:uFillTx/>
@@ -26802,9 +26818,6 @@
               <a:ln>
                 <a:noFill/>
               </a:ln>
-              <a:solidFill>
-                <a:schemeClr val="bg1"/>
-              </a:solidFill>
               <a:effectLst/>
               <a:uLnTx/>
               <a:uFillTx/>
@@ -26871,9 +26884,6 @@
                 <a:ln>
                   <a:noFill/>
                 </a:ln>
-                <a:solidFill>
-                  <a:schemeClr val="bg1"/>
-                </a:solidFill>
                 <a:effectLst/>
                 <a:uLnTx/>
                 <a:uFillTx/>
@@ -26887,9 +26897,6 @@
                 <a:ln>
                   <a:noFill/>
                 </a:ln>
-                <a:solidFill>
-                  <a:schemeClr val="bg1"/>
-                </a:solidFill>
                 <a:effectLst/>
                 <a:uLnTx/>
                 <a:uFillTx/>
@@ -26903,9 +26910,6 @@
                 <a:ln>
                   <a:noFill/>
                 </a:ln>
-                <a:solidFill>
-                  <a:schemeClr val="bg1"/>
-                </a:solidFill>
                 <a:effectLst/>
                 <a:uLnTx/>
                 <a:uFillTx/>
@@ -26918,9 +26922,6 @@
                 <a:ln>
                   <a:noFill/>
                 </a:ln>
-                <a:solidFill>
-                  <a:schemeClr val="bg1"/>
-                </a:solidFill>
                 <a:effectLst/>
                 <a:uLnTx/>
                 <a:uFillTx/>
@@ -26933,9 +26934,6 @@
               <a:ln>
                 <a:noFill/>
               </a:ln>
-              <a:solidFill>
-                <a:schemeClr val="bg1"/>
-              </a:solidFill>
               <a:effectLst/>
               <a:uLnTx/>
               <a:uFillTx/>
@@ -26966,8 +26964,8 @@
             <a:avLst/>
           </a:prstGeom>
           <a:solidFill>
-            <a:schemeClr val="tx1">
-              <a:lumMod val="75000"/>
+            <a:schemeClr val="bg1">
+              <a:lumMod val="85000"/>
             </a:schemeClr>
           </a:solidFill>
           <a:ln>
@@ -27041,7 +27039,7 @@
             <a:avLst/>
           </a:prstGeom>
           <a:solidFill>
-            <a:schemeClr val="tx1">
+            <a:schemeClr val="bg1">
               <a:lumMod val="75000"/>
             </a:schemeClr>
           </a:solidFill>
@@ -27217,7 +27215,7 @@
           </a:bodyPr>
           <a:lstStyle/>
           <a:p>
-            <a:pPr fontAlgn="base">
+            <a:pPr algn="ctr" fontAlgn="base">
               <a:spcBef>
                 <a:spcPct val="50000"/>
               </a:spcBef>
@@ -27372,9 +27370,6 @@
             </a:pPr>
             <a:r>
               <a:rPr lang="de-DE" sz="700" b="1" kern="0" dirty="0">
-                <a:solidFill>
-                  <a:schemeClr val="bg1"/>
-                </a:solidFill>
                 <a:ea typeface="Arial Unicode MS" pitchFamily="34" charset="-128"/>
                 <a:cs typeface="Arial Unicode MS" pitchFamily="34" charset="-128"/>
               </a:rPr>
@@ -27385,9 +27380,6 @@
                 <a:ln>
                   <a:noFill/>
                 </a:ln>
-                <a:solidFill>
-                  <a:schemeClr val="bg1"/>
-                </a:solidFill>
                 <a:effectLst/>
                 <a:uLnTx/>
                 <a:uFillTx/>
@@ -27401,9 +27393,6 @@
                 <a:ln>
                   <a:noFill/>
                 </a:ln>
-                <a:solidFill>
-                  <a:schemeClr val="bg1"/>
-                </a:solidFill>
                 <a:effectLst/>
                 <a:uLnTx/>
                 <a:uFillTx/>
@@ -27417,9 +27406,6 @@
                 <a:ln>
                   <a:noFill/>
                 </a:ln>
-                <a:solidFill>
-                  <a:schemeClr val="bg1"/>
-                </a:solidFill>
                 <a:effectLst/>
                 <a:uLnTx/>
                 <a:uFillTx/>
@@ -27432,9 +27418,6 @@
               <a:ln>
                 <a:noFill/>
               </a:ln>
-              <a:solidFill>
-                <a:schemeClr val="bg1"/>
-              </a:solidFill>
               <a:effectLst/>
               <a:uLnTx/>
               <a:uFillTx/>
@@ -27501,9 +27484,6 @@
                 <a:ln>
                   <a:noFill/>
                 </a:ln>
-                <a:solidFill>
-                  <a:schemeClr val="bg1"/>
-                </a:solidFill>
                 <a:effectLst/>
                 <a:uLnTx/>
                 <a:uFillTx/>
@@ -27517,9 +27497,6 @@
                 <a:ln>
                   <a:noFill/>
                 </a:ln>
-                <a:solidFill>
-                  <a:schemeClr val="bg1"/>
-                </a:solidFill>
                 <a:effectLst/>
                 <a:uLnTx/>
                 <a:uFillTx/>
@@ -27533,9 +27510,6 @@
                 <a:ln>
                   <a:noFill/>
                 </a:ln>
-                <a:solidFill>
-                  <a:schemeClr val="bg1"/>
-                </a:solidFill>
                 <a:effectLst/>
                 <a:uLnTx/>
                 <a:uFillTx/>
@@ -27545,9 +27519,6 @@
             </a:br>
             <a:r>
               <a:rPr lang="de-DE" sz="700" b="1" kern="0" dirty="0" err="1">
-                <a:solidFill>
-                  <a:schemeClr val="bg1"/>
-                </a:solidFill>
                 <a:ea typeface="Arial Unicode MS" pitchFamily="34" charset="-128"/>
                 <a:cs typeface="Arial Unicode MS" pitchFamily="34" charset="-128"/>
               </a:rPr>
@@ -27557,9 +27528,6 @@
               <a:ln>
                 <a:noFill/>
               </a:ln>
-              <a:solidFill>
-                <a:schemeClr val="bg1"/>
-              </a:solidFill>
               <a:effectLst/>
               <a:uLnTx/>
               <a:uFillTx/>
@@ -28384,9 +28352,6 @@
               <a:ln>
                 <a:noFill/>
               </a:ln>
-              <a:solidFill>
-                <a:schemeClr val="bg1"/>
-              </a:solidFill>
               <a:effectLst/>
               <a:uLnTx/>
               <a:uFillTx/>
@@ -28491,9 +28456,6 @@
               <a:ln>
                 <a:noFill/>
               </a:ln>
-              <a:solidFill>
-                <a:schemeClr val="bg1"/>
-              </a:solidFill>
               <a:effectLst/>
               <a:uLnTx/>
               <a:uFillTx/>
@@ -28557,8 +28519,8 @@
             <a:avLst/>
           </a:prstGeom>
           <a:solidFill>
-            <a:schemeClr val="tx1">
-              <a:lumMod val="75000"/>
+            <a:schemeClr val="bg1">
+              <a:lumMod val="85000"/>
             </a:schemeClr>
           </a:solidFill>
           <a:ln>
@@ -28606,7 +28568,6 @@
               </a:solidFill>
               <a:latin typeface="Arial"/>
               <a:ea typeface="Arial Unicode MS" pitchFamily="34" charset="-128"/>
-              <a:cs typeface="Arial Unicode MS" pitchFamily="34" charset="-128"/>
             </a:endParaRPr>
           </a:p>
         </p:txBody>
@@ -28692,7 +28653,7 @@
             <a:avLst/>
           </a:prstGeom>
           <a:solidFill>
-            <a:schemeClr val="tx1">
+            <a:schemeClr val="bg1">
               <a:lumMod val="75000"/>
             </a:schemeClr>
           </a:solidFill>
@@ -28932,9 +28893,6 @@
             </a:pPr>
             <a:r>
               <a:rPr lang="de-DE" sz="700" b="1" kern="0" dirty="0">
-                <a:solidFill>
-                  <a:schemeClr val="bg1"/>
-                </a:solidFill>
                 <a:ea typeface="Arial Unicode MS" pitchFamily="34" charset="-128"/>
                 <a:cs typeface="Arial Unicode MS" pitchFamily="34" charset="-128"/>
               </a:rPr>
@@ -28945,9 +28903,6 @@
                 <a:ln>
                   <a:noFill/>
                 </a:ln>
-                <a:solidFill>
-                  <a:schemeClr val="bg1"/>
-                </a:solidFill>
                 <a:effectLst/>
                 <a:uLnTx/>
                 <a:uFillTx/>
@@ -28961,9 +28916,6 @@
                 <a:ln>
                   <a:noFill/>
                 </a:ln>
-                <a:solidFill>
-                  <a:schemeClr val="bg1"/>
-                </a:solidFill>
                 <a:effectLst/>
                 <a:uLnTx/>
                 <a:uFillTx/>
@@ -28977,9 +28929,6 @@
                 <a:ln>
                   <a:noFill/>
                 </a:ln>
-                <a:solidFill>
-                  <a:schemeClr val="bg1"/>
-                </a:solidFill>
                 <a:effectLst/>
                 <a:uLnTx/>
                 <a:uFillTx/>
@@ -28992,9 +28941,6 @@
               <a:ln>
                 <a:noFill/>
               </a:ln>
-              <a:solidFill>
-                <a:schemeClr val="bg1"/>
-              </a:solidFill>
               <a:effectLst/>
               <a:uLnTx/>
               <a:uFillTx/>
@@ -29061,9 +29007,6 @@
                 <a:ln>
                   <a:noFill/>
                 </a:ln>
-                <a:solidFill>
-                  <a:schemeClr val="bg1"/>
-                </a:solidFill>
                 <a:effectLst/>
                 <a:uLnTx/>
                 <a:uFillTx/>
@@ -29077,9 +29020,6 @@
                 <a:ln>
                   <a:noFill/>
                 </a:ln>
-                <a:solidFill>
-                  <a:schemeClr val="bg1"/>
-                </a:solidFill>
                 <a:effectLst/>
                 <a:uLnTx/>
                 <a:uFillTx/>
@@ -29093,9 +29033,6 @@
                 <a:ln>
                   <a:noFill/>
                 </a:ln>
-                <a:solidFill>
-                  <a:schemeClr val="bg1"/>
-                </a:solidFill>
                 <a:effectLst/>
                 <a:uLnTx/>
                 <a:uFillTx/>
@@ -29108,9 +29045,6 @@
                 <a:ln>
                   <a:noFill/>
                 </a:ln>
-                <a:solidFill>
-                  <a:schemeClr val="bg1"/>
-                </a:solidFill>
                 <a:effectLst/>
                 <a:uLnTx/>
                 <a:uFillTx/>
@@ -29123,9 +29057,6 @@
               <a:ln>
                 <a:noFill/>
               </a:ln>
-              <a:solidFill>
-                <a:schemeClr val="bg1"/>
-              </a:solidFill>
               <a:effectLst/>
               <a:uLnTx/>
               <a:uFillTx/>
@@ -29561,9 +29492,6 @@
             </a:pPr>
             <a:r>
               <a:rPr lang="de-DE" sz="700" b="1" kern="0" dirty="0">
-                <a:solidFill>
-                  <a:schemeClr val="bg1"/>
-                </a:solidFill>
                 <a:ea typeface="Arial Unicode MS" pitchFamily="34" charset="-128"/>
                 <a:cs typeface="Arial Unicode MS" pitchFamily="34" charset="-128"/>
               </a:rPr>
@@ -29574,9 +29502,6 @@
                 <a:ln>
                   <a:noFill/>
                 </a:ln>
-                <a:solidFill>
-                  <a:schemeClr val="bg1"/>
-                </a:solidFill>
                 <a:effectLst/>
                 <a:uLnTx/>
                 <a:uFillTx/>
@@ -29590,9 +29515,6 @@
                 <a:ln>
                   <a:noFill/>
                 </a:ln>
-                <a:solidFill>
-                  <a:schemeClr val="bg1"/>
-                </a:solidFill>
                 <a:effectLst/>
                 <a:uLnTx/>
                 <a:uFillTx/>
@@ -29606,9 +29528,6 @@
                 <a:ln>
                   <a:noFill/>
                 </a:ln>
-                <a:solidFill>
-                  <a:schemeClr val="bg1"/>
-                </a:solidFill>
                 <a:effectLst/>
                 <a:uLnTx/>
                 <a:uFillTx/>
@@ -29621,9 +29540,6 @@
               <a:ln>
                 <a:noFill/>
               </a:ln>
-              <a:solidFill>
-                <a:schemeClr val="bg1"/>
-              </a:solidFill>
               <a:effectLst/>
               <a:uLnTx/>
               <a:uFillTx/>
@@ -29690,9 +29606,6 @@
                 <a:ln>
                   <a:noFill/>
                 </a:ln>
-                <a:solidFill>
-                  <a:schemeClr val="bg1"/>
-                </a:solidFill>
                 <a:effectLst/>
                 <a:uLnTx/>
                 <a:uFillTx/>
@@ -29706,9 +29619,6 @@
                 <a:ln>
                   <a:noFill/>
                 </a:ln>
-                <a:solidFill>
-                  <a:schemeClr val="bg1"/>
-                </a:solidFill>
                 <a:effectLst/>
                 <a:uLnTx/>
                 <a:uFillTx/>
@@ -29722,9 +29632,6 @@
                 <a:ln>
                   <a:noFill/>
                 </a:ln>
-                <a:solidFill>
-                  <a:schemeClr val="bg1"/>
-                </a:solidFill>
                 <a:effectLst/>
                 <a:uLnTx/>
                 <a:uFillTx/>
@@ -29734,9 +29641,6 @@
             </a:br>
             <a:r>
               <a:rPr lang="de-DE" sz="700" b="1" kern="0" dirty="0" err="1">
-                <a:solidFill>
-                  <a:schemeClr val="bg1"/>
-                </a:solidFill>
                 <a:ea typeface="Arial Unicode MS" pitchFamily="34" charset="-128"/>
                 <a:cs typeface="Arial Unicode MS" pitchFamily="34" charset="-128"/>
               </a:rPr>
@@ -29746,9 +29650,6 @@
               <a:ln>
                 <a:noFill/>
               </a:ln>
-              <a:solidFill>
-                <a:schemeClr val="bg1"/>
-              </a:solidFill>
               <a:effectLst/>
               <a:uLnTx/>
               <a:uFillTx/>
@@ -29779,8 +29680,8 @@
             <a:avLst/>
           </a:prstGeom>
           <a:solidFill>
-            <a:schemeClr val="tx1">
-              <a:lumMod val="75000"/>
+            <a:schemeClr val="bg1">
+              <a:lumMod val="85000"/>
             </a:schemeClr>
           </a:solidFill>
           <a:ln>
@@ -29828,7 +29729,6 @@
               </a:solidFill>
               <a:latin typeface="Arial"/>
               <a:ea typeface="Arial Unicode MS" pitchFamily="34" charset="-128"/>
-              <a:cs typeface="Arial Unicode MS" pitchFamily="34" charset="-128"/>
             </a:endParaRPr>
           </a:p>
         </p:txBody>
@@ -29854,7 +29754,7 @@
             <a:avLst/>
           </a:prstGeom>
           <a:solidFill>
-            <a:schemeClr val="tx1">
+            <a:schemeClr val="bg1">
               <a:lumMod val="75000"/>
             </a:schemeClr>
           </a:solidFill>
@@ -30063,9 +29963,6 @@
             </a:pPr>
             <a:r>
               <a:rPr lang="de-DE" sz="700" b="1" kern="0" dirty="0">
-                <a:solidFill>
-                  <a:schemeClr val="bg1"/>
-                </a:solidFill>
                 <a:ea typeface="Arial Unicode MS" pitchFamily="34" charset="-128"/>
                 <a:cs typeface="Arial Unicode MS" pitchFamily="34" charset="-128"/>
               </a:rPr>
@@ -30076,9 +29973,6 @@
                 <a:ln>
                   <a:noFill/>
                 </a:ln>
-                <a:solidFill>
-                  <a:schemeClr val="bg1"/>
-                </a:solidFill>
                 <a:effectLst/>
                 <a:uLnTx/>
                 <a:uFillTx/>
@@ -30092,9 +29986,6 @@
                 <a:ln>
                   <a:noFill/>
                 </a:ln>
-                <a:solidFill>
-                  <a:schemeClr val="bg1"/>
-                </a:solidFill>
                 <a:effectLst/>
                 <a:uLnTx/>
                 <a:uFillTx/>
@@ -30105,9 +29996,6 @@
             </a:r>
             <a:r>
               <a:rPr lang="de-DE" sz="700" b="1" kern="0" dirty="0">
-                <a:solidFill>
-                  <a:schemeClr val="bg1"/>
-                </a:solidFill>
                 <a:ea typeface="Arial Unicode MS" pitchFamily="34" charset="-128"/>
                 <a:cs typeface="Arial Unicode MS" pitchFamily="34" charset="-128"/>
               </a:rPr>
@@ -30115,9 +30003,6 @@
             </a:r>
             <a:r>
               <a:rPr lang="de-DE" sz="700" b="1" kern="0" dirty="0" err="1">
-                <a:solidFill>
-                  <a:schemeClr val="bg1"/>
-                </a:solidFill>
                 <a:ea typeface="Arial Unicode MS" pitchFamily="34" charset="-128"/>
                 <a:cs typeface="Arial Unicode MS" pitchFamily="34" charset="-128"/>
               </a:rPr>
@@ -30127,9 +30012,6 @@
               <a:ln>
                 <a:noFill/>
               </a:ln>
-              <a:solidFill>
-                <a:schemeClr val="bg1"/>
-              </a:solidFill>
               <a:effectLst/>
               <a:uLnTx/>
               <a:uFillTx/>
@@ -30160,8 +30042,8 @@
             <a:avLst/>
           </a:prstGeom>
           <a:solidFill>
-            <a:schemeClr val="tx1">
-              <a:lumMod val="75000"/>
+            <a:schemeClr val="bg1">
+              <a:lumMod val="85000"/>
             </a:schemeClr>
           </a:solidFill>
           <a:ln>
@@ -30209,7 +30091,6 @@
               </a:solidFill>
               <a:latin typeface="Arial"/>
               <a:ea typeface="Arial Unicode MS" pitchFamily="34" charset="-128"/>
-              <a:cs typeface="Arial Unicode MS" pitchFamily="34" charset="-128"/>
             </a:endParaRPr>
           </a:p>
         </p:txBody>
@@ -30235,7 +30116,7 @@
             <a:avLst/>
           </a:prstGeom>
           <a:solidFill>
-            <a:schemeClr val="tx1">
+            <a:schemeClr val="bg1">
               <a:lumMod val="75000"/>
             </a:schemeClr>
           </a:solidFill>
@@ -30396,9 +30277,6 @@
             </a:pPr>
             <a:r>
               <a:rPr lang="de-DE" sz="700" b="1" kern="0" dirty="0" err="1">
-                <a:solidFill>
-                  <a:schemeClr val="bg1"/>
-                </a:solidFill>
                 <a:ea typeface="Arial Unicode MS" pitchFamily="34" charset="-128"/>
                 <a:cs typeface="Arial Unicode MS" pitchFamily="34" charset="-128"/>
               </a:rPr>
@@ -30406,9 +30284,6 @@
             </a:r>
             <a:r>
               <a:rPr lang="de-DE" sz="700" b="1" kern="0" dirty="0">
-                <a:solidFill>
-                  <a:schemeClr val="bg1"/>
-                </a:solidFill>
                 <a:ea typeface="Arial Unicode MS" pitchFamily="34" charset="-128"/>
                 <a:cs typeface="Arial Unicode MS" pitchFamily="34" charset="-128"/>
               </a:rPr>
@@ -30419,9 +30294,6 @@
                 <a:ln>
                   <a:noFill/>
                 </a:ln>
-                <a:solidFill>
-                  <a:schemeClr val="bg1"/>
-                </a:solidFill>
                 <a:effectLst/>
                 <a:uLnTx/>
                 <a:uFillTx/>
@@ -30435,9 +30307,6 @@
                 <a:ln>
                   <a:noFill/>
                 </a:ln>
-                <a:solidFill>
-                  <a:schemeClr val="bg1"/>
-                </a:solidFill>
                 <a:effectLst/>
                 <a:uLnTx/>
                 <a:uFillTx/>
@@ -30451,9 +30320,6 @@
                 <a:ln>
                   <a:noFill/>
                 </a:ln>
-                <a:solidFill>
-                  <a:schemeClr val="bg1"/>
-                </a:solidFill>
                 <a:effectLst/>
                 <a:uLnTx/>
                 <a:uFillTx/>
@@ -30519,9 +30385,6 @@
             </a:pPr>
             <a:r>
               <a:rPr lang="de-DE" sz="700" b="1" kern="0" dirty="0" err="1">
-                <a:solidFill>
-                  <a:schemeClr val="bg1"/>
-                </a:solidFill>
                 <a:ea typeface="Arial Unicode MS" pitchFamily="34" charset="-128"/>
                 <a:cs typeface="Arial Unicode MS" pitchFamily="34" charset="-128"/>
               </a:rPr>
@@ -30529,9 +30392,6 @@
             </a:r>
             <a:r>
               <a:rPr lang="de-DE" sz="700" b="1" kern="0" dirty="0">
-                <a:solidFill>
-                  <a:schemeClr val="bg1"/>
-                </a:solidFill>
                 <a:ea typeface="Arial Unicode MS" pitchFamily="34" charset="-128"/>
                 <a:cs typeface="Arial Unicode MS" pitchFamily="34" charset="-128"/>
               </a:rPr>
@@ -30539,9 +30399,6 @@
             </a:r>
             <a:r>
               <a:rPr lang="de-DE" sz="700" b="1" kern="0" dirty="0" err="1">
-                <a:solidFill>
-                  <a:schemeClr val="bg1"/>
-                </a:solidFill>
                 <a:ea typeface="Arial Unicode MS" pitchFamily="34" charset="-128"/>
                 <a:cs typeface="Arial Unicode MS" pitchFamily="34" charset="-128"/>
               </a:rPr>
@@ -30549,9 +30406,6 @@
             </a:r>
             <a:r>
               <a:rPr lang="de-DE" sz="700" b="1" kern="0" dirty="0">
-                <a:solidFill>
-                  <a:schemeClr val="bg1"/>
-                </a:solidFill>
                 <a:ea typeface="Arial Unicode MS" pitchFamily="34" charset="-128"/>
                 <a:cs typeface="Arial Unicode MS" pitchFamily="34" charset="-128"/>
               </a:rPr>
@@ -30561,9 +30415,6 @@
               <a:ln>
                 <a:noFill/>
               </a:ln>
-              <a:solidFill>
-                <a:schemeClr val="bg1"/>
-              </a:solidFill>
               <a:effectLst/>
               <a:uLnTx/>
               <a:uFillTx/>
@@ -30736,9 +30587,6 @@
                 <a:ln>
                   <a:noFill/>
                 </a:ln>
-                <a:solidFill>
-                  <a:schemeClr val="bg1"/>
-                </a:solidFill>
                 <a:effectLst/>
                 <a:uLnTx/>
                 <a:uFillTx/>
@@ -30752,9 +30600,6 @@
                 <a:ln>
                   <a:noFill/>
                 </a:ln>
-                <a:solidFill>
-                  <a:schemeClr val="bg1"/>
-                </a:solidFill>
                 <a:effectLst/>
                 <a:uLnTx/>
                 <a:uFillTx/>
@@ -30768,9 +30613,6 @@
                 <a:ln>
                   <a:noFill/>
                 </a:ln>
-                <a:solidFill>
-                  <a:schemeClr val="bg1"/>
-                </a:solidFill>
                 <a:effectLst/>
                 <a:uLnTx/>
                 <a:uFillTx/>
@@ -30783,9 +30625,6 @@
               <a:ln>
                 <a:noFill/>
               </a:ln>
-              <a:solidFill>
-                <a:schemeClr val="bg1"/>
-              </a:solidFill>
               <a:effectLst/>
               <a:uLnTx/>
               <a:uFillTx/>
@@ -30849,9 +30688,6 @@
             </a:pPr>
             <a:r>
               <a:rPr lang="de-DE" sz="700" b="1" kern="0" dirty="0" err="1">
-                <a:solidFill>
-                  <a:schemeClr val="bg1"/>
-                </a:solidFill>
                 <a:ea typeface="Arial Unicode MS" pitchFamily="34" charset="-128"/>
                 <a:cs typeface="Arial Unicode MS" pitchFamily="34" charset="-128"/>
               </a:rPr>
@@ -30859,9 +30695,6 @@
             </a:r>
             <a:r>
               <a:rPr lang="de-DE" sz="700" b="1" kern="0" dirty="0">
-                <a:solidFill>
-                  <a:schemeClr val="bg1"/>
-                </a:solidFill>
                 <a:ea typeface="Arial Unicode MS" pitchFamily="34" charset="-128"/>
                 <a:cs typeface="Arial Unicode MS" pitchFamily="34" charset="-128"/>
               </a:rPr>
@@ -30869,9 +30702,6 @@
             </a:r>
             <a:r>
               <a:rPr lang="de-DE" sz="700" b="1" kern="0" dirty="0" err="1">
-                <a:solidFill>
-                  <a:schemeClr val="bg1"/>
-                </a:solidFill>
                 <a:ea typeface="Arial Unicode MS" pitchFamily="34" charset="-128"/>
                 <a:cs typeface="Arial Unicode MS" pitchFamily="34" charset="-128"/>
               </a:rPr>
@@ -30881,9 +30711,6 @@
               <a:ln>
                 <a:noFill/>
               </a:ln>
-              <a:solidFill>
-                <a:schemeClr val="bg1"/>
-              </a:solidFill>
               <a:effectLst/>
               <a:uLnTx/>
               <a:uFillTx/>
@@ -31105,9 +30932,6 @@
             </a:pPr>
             <a:r>
               <a:rPr lang="en-US" sz="2000" kern="0" dirty="0">
-                <a:solidFill>
-                  <a:schemeClr val="bg1"/>
-                </a:solidFill>
                 <a:ea typeface="Arial Unicode MS" pitchFamily="34" charset="-128"/>
                 <a:cs typeface="Arial Unicode MS" pitchFamily="34" charset="-128"/>
               </a:rPr>
@@ -31115,18 +30939,12 @@
             </a:r>
             <a:br>
               <a:rPr lang="en-US" sz="2000" kern="0" dirty="0">
-                <a:solidFill>
-                  <a:schemeClr val="bg1"/>
-                </a:solidFill>
                 <a:ea typeface="Arial Unicode MS" pitchFamily="34" charset="-128"/>
                 <a:cs typeface="Arial Unicode MS" pitchFamily="34" charset="-128"/>
               </a:rPr>
             </a:br>
             <a:r>
               <a:rPr lang="en-US" sz="2000" kern="0" dirty="0" err="1">
-                <a:solidFill>
-                  <a:schemeClr val="bg1"/>
-                </a:solidFill>
                 <a:ea typeface="Arial Unicode MS" pitchFamily="34" charset="-128"/>
                 <a:cs typeface="Arial Unicode MS" pitchFamily="34" charset="-128"/>
               </a:rPr>
@@ -31134,9 +30952,6 @@
             </a:r>
             <a:r>
               <a:rPr lang="en-US" sz="2000" kern="0" dirty="0">
-                <a:solidFill>
-                  <a:schemeClr val="bg1"/>
-                </a:solidFill>
                 <a:ea typeface="Arial Unicode MS" pitchFamily="34" charset="-128"/>
                 <a:cs typeface="Arial Unicode MS" pitchFamily="34" charset="-128"/>
               </a:rPr>
@@ -31186,9 +31001,6 @@
             </a:pPr>
             <a:r>
               <a:rPr lang="en-US" sz="2000" kern="0" dirty="0">
-                <a:solidFill>
-                  <a:schemeClr val="bg1"/>
-                </a:solidFill>
                 <a:ea typeface="Arial Unicode MS" pitchFamily="34" charset="-128"/>
                 <a:cs typeface="Arial Unicode MS" pitchFamily="34" charset="-128"/>
               </a:rPr>
@@ -31196,18 +31008,12 @@
             </a:r>
             <a:br>
               <a:rPr lang="en-US" sz="2000" kern="0" dirty="0">
-                <a:solidFill>
-                  <a:schemeClr val="bg1"/>
-                </a:solidFill>
                 <a:ea typeface="Arial Unicode MS" pitchFamily="34" charset="-128"/>
                 <a:cs typeface="Arial Unicode MS" pitchFamily="34" charset="-128"/>
               </a:rPr>
             </a:br>
             <a:r>
               <a:rPr lang="en-US" sz="2000" kern="0" dirty="0">
-                <a:solidFill>
-                  <a:schemeClr val="bg1"/>
-                </a:solidFill>
                 <a:ea typeface="Arial Unicode MS" pitchFamily="34" charset="-128"/>
                 <a:cs typeface="Arial Unicode MS" pitchFamily="34" charset="-128"/>
               </a:rPr>
@@ -32642,10 +32448,7 @@
           </a:prstGeom>
           <a:ln w="38100">
             <a:solidFill>
-              <a:schemeClr val="tx2">
-                <a:lumMod val="60000"/>
-                <a:lumOff val="40000"/>
-              </a:schemeClr>
+              <a:schemeClr val="tx1"/>
             </a:solidFill>
             <a:headEnd type="none" w="med" len="med"/>
             <a:tailEnd type="triangle"/>
@@ -32757,10 +32560,7 @@
           </a:prstGeom>
           <a:ln w="38100">
             <a:solidFill>
-              <a:schemeClr val="tx2">
-                <a:lumMod val="60000"/>
-                <a:lumOff val="40000"/>
-              </a:schemeClr>
+              <a:schemeClr val="tx1"/>
             </a:solidFill>
             <a:headEnd type="none" w="med" len="med"/>
             <a:tailEnd type="triangle"/>
@@ -32800,10 +32600,7 @@
           </a:prstGeom>
           <a:ln w="38100">
             <a:solidFill>
-              <a:schemeClr val="tx2">
-                <a:lumMod val="60000"/>
-                <a:lumOff val="40000"/>
-              </a:schemeClr>
+              <a:schemeClr val="tx1"/>
             </a:solidFill>
             <a:headEnd type="none" w="med" len="med"/>
             <a:tailEnd type="triangle"/>
@@ -33528,10 +33325,10 @@
       </p:sp>
       <p:pic>
         <p:nvPicPr>
-          <p:cNvPr id="18" name="Picture 17">
+          <p:cNvPr id="4" name="Picture 3">
             <a:extLst>
               <a:ext uri="{FF2B5EF4-FFF2-40B4-BE49-F238E27FC236}">
-                <a16:creationId xmlns:a16="http://schemas.microsoft.com/office/drawing/2014/main" id="{FC355B51-9D60-4DBB-9EF1-08294FF8959E}"/>
+                <a16:creationId xmlns:a16="http://schemas.microsoft.com/office/drawing/2014/main" id="{A37371D8-51AB-421E-816A-31039883CAA2}"/>
               </a:ext>
             </a:extLst>
           </p:cNvPr>
@@ -33548,8 +33345,8 @@
         </p:blipFill>
         <p:spPr>
           <a:xfrm>
-            <a:off x="3849419" y="1181180"/>
-            <a:ext cx="4495640" cy="4495640"/>
+            <a:off x="3645157" y="976918"/>
+            <a:ext cx="4904163" cy="4904163"/>
           </a:xfrm>
           <a:prstGeom prst="rect">
             <a:avLst/>
@@ -34755,10 +34552,7 @@
           </a:prstGeom>
           <a:ln w="38100">
             <a:solidFill>
-              <a:schemeClr val="tx2">
-                <a:lumMod val="60000"/>
-                <a:lumOff val="40000"/>
-              </a:schemeClr>
+              <a:schemeClr val="tx1"/>
             </a:solidFill>
             <a:headEnd type="none" w="med" len="med"/>
             <a:tailEnd type="triangle"/>
@@ -34844,25 +34638,6 @@
       </p:sp>
       <p:pic>
         <p:nvPicPr>
-          <p:cNvPr id="3" name="Picture Placeholder 2"/>
-          <p:cNvPicPr>
-            <a:picLocks noGrp="1" noChangeAspect="1"/>
-          </p:cNvPicPr>
-          <p:nvPr>
-            <p:ph type="pic" sz="quarter" idx="12"/>
-          </p:nvPr>
-        </p:nvPicPr>
-        <p:blipFill>
-          <a:blip r:embed="rId3"/>
-          <a:srcRect t="3112" b="3112"/>
-          <a:stretch>
-            <a:fillRect/>
-          </a:stretch>
-        </p:blipFill>
-        <p:spPr/>
-      </p:pic>
-      <p:pic>
-        <p:nvPicPr>
           <p:cNvPr id="4" name="Picture 3" descr="cid:image003.png@01D31CC6.A08B1C50">
             <a:extLst>
               <a:ext uri="{FF2B5EF4-FFF2-40B4-BE49-F238E27FC236}">
@@ -34876,7 +34651,7 @@
           <p:nvPr/>
         </p:nvPicPr>
         <p:blipFill>
-          <a:blip r:embed="rId4">
+          <a:blip r:embed="rId3">
             <a:extLst>
               <a:ext uri="{28A0092B-C50C-407E-A947-70E740481C1C}">
                 <a14:useLocalDpi xmlns:a14="http://schemas.microsoft.com/office/drawing/2010/main" val="0"/>
@@ -34919,6 +34694,36 @@
               </a14:hiddenLine>
             </a:ext>
           </a:extLst>
+        </p:spPr>
+      </p:pic>
+      <p:pic>
+        <p:nvPicPr>
+          <p:cNvPr id="8" name="Illustration" descr="Example of an illustration" title="Illustration for title slide">
+            <a:extLst>
+              <a:ext uri="{FF2B5EF4-FFF2-40B4-BE49-F238E27FC236}">
+                <a16:creationId xmlns:a16="http://schemas.microsoft.com/office/drawing/2014/main" id="{01600F65-CF7C-4978-AEE5-E81564FA87FF}"/>
+              </a:ext>
+            </a:extLst>
+          </p:cNvPr>
+          <p:cNvPicPr>
+            <a:picLocks noGrp="1" noChangeAspect="1"/>
+          </p:cNvPicPr>
+          <p:nvPr>
+            <p:ph type="pic" sz="quarter" idx="12"/>
+          </p:nvPr>
+        </p:nvPicPr>
+        <p:blipFill>
+          <a:blip r:embed="rId4"/>
+          <a:srcRect t="3112" b="3112"/>
+          <a:stretch>
+            <a:fillRect/>
+          </a:stretch>
+        </p:blipFill>
+        <p:spPr bwMode="gray">
+          <a:xfrm>
+            <a:off x="1" y="0"/>
+            <a:ext cx="12195174" cy="3430006"/>
+          </a:xfrm>
         </p:spPr>
       </p:pic>
     </p:spTree>
@@ -35167,12 +34972,15 @@
         </p:nvSpPr>
         <p:spPr bwMode="gray">
           <a:xfrm>
-            <a:off x="2171701" y="3185160"/>
+            <a:off x="619347" y="3185160"/>
             <a:ext cx="6179820" cy="3303743"/>
           </a:xfrm>
           <a:prstGeom prst="rect">
             <a:avLst/>
           </a:prstGeom>
+          <a:solidFill>
+            <a:schemeClr val="bg2"/>
+          </a:solidFill>
           <a:ln>
             <a:headEnd/>
             <a:tailEnd/>
@@ -35216,6 +35024,9 @@
             </a:pPr>
             <a:r>
               <a:rPr lang="en-US" sz="1600" b="1" kern="0" dirty="0">
+                <a:solidFill>
+                  <a:sysClr val="windowText" lastClr="000000"/>
+                </a:solidFill>
                 <a:ea typeface="Arial Unicode MS" pitchFamily="34" charset="-128"/>
                 <a:cs typeface="Arial Unicode MS" pitchFamily="34" charset="-128"/>
               </a:rPr>
@@ -35225,6 +35036,9 @@
               <a:ln>
                 <a:noFill/>
               </a:ln>
+              <a:solidFill>
+                <a:sysClr val="windowText" lastClr="000000"/>
+              </a:solidFill>
               <a:effectLst/>
               <a:uLnTx/>
               <a:uFillTx/>
@@ -35334,7 +35148,7 @@
         </p:nvSpPr>
         <p:spPr bwMode="gray">
           <a:xfrm>
-            <a:off x="3230020" y="4349097"/>
+            <a:off x="1677666" y="4349097"/>
             <a:ext cx="1315448" cy="774112"/>
           </a:xfrm>
           <a:prstGeom prst="rect">
@@ -35407,7 +35221,7 @@
         </p:nvSpPr>
         <p:spPr bwMode="gray">
           <a:xfrm>
-            <a:off x="6624394" y="3542373"/>
+            <a:off x="5072040" y="3542373"/>
             <a:ext cx="1062486" cy="806724"/>
           </a:xfrm>
           <a:prstGeom prst="rect">
@@ -35487,7 +35301,7 @@
         </p:nvSpPr>
         <p:spPr bwMode="gray">
           <a:xfrm>
-            <a:off x="6624394" y="5477853"/>
+            <a:off x="5072040" y="5477853"/>
             <a:ext cx="1062486" cy="806724"/>
           </a:xfrm>
           <a:prstGeom prst="rect">
@@ -35570,7 +35384,7 @@
         </p:nvCxnSpPr>
         <p:spPr>
           <a:xfrm>
-            <a:off x="3261598" y="4006198"/>
+            <a:off x="1709244" y="4006198"/>
             <a:ext cx="626146" cy="342899"/>
           </a:xfrm>
           <a:prstGeom prst="straightConnector1">
@@ -35613,7 +35427,7 @@
         </p:nvCxnSpPr>
         <p:spPr>
           <a:xfrm>
-            <a:off x="4545468" y="4736153"/>
+            <a:off x="2993114" y="4736153"/>
             <a:ext cx="2078926" cy="1145062"/>
           </a:xfrm>
           <a:prstGeom prst="straightConnector1">
@@ -35653,7 +35467,7 @@
         </p:nvSpPr>
         <p:spPr bwMode="gray">
           <a:xfrm>
-            <a:off x="2765260" y="5500723"/>
+            <a:off x="1212906" y="5500723"/>
             <a:ext cx="1002967" cy="812920"/>
           </a:xfrm>
           <a:prstGeom prst="can">
@@ -35729,7 +35543,7 @@
         </p:nvCxnSpPr>
         <p:spPr>
           <a:xfrm flipV="1">
-            <a:off x="3266744" y="5123209"/>
+            <a:off x="1714390" y="5123209"/>
             <a:ext cx="621000" cy="377514"/>
           </a:xfrm>
           <a:prstGeom prst="straightConnector1">
@@ -35761,30 +35575,6 @@
           </a:fontRef>
         </p:style>
       </p:cxnSp>
-      <p:pic>
-        <p:nvPicPr>
-          <p:cNvPr id="3" name="Picture 2"/>
-          <p:cNvPicPr>
-            <a:picLocks noChangeAspect="1"/>
-          </p:cNvPicPr>
-          <p:nvPr/>
-        </p:nvPicPr>
-        <p:blipFill>
-          <a:blip r:embed="rId3"/>
-          <a:stretch>
-            <a:fillRect/>
-          </a:stretch>
-        </p:blipFill>
-        <p:spPr>
-          <a:xfrm>
-            <a:off x="9032212" y="2746046"/>
-            <a:ext cx="1533333" cy="3742857"/>
-          </a:xfrm>
-          <a:prstGeom prst="rect">
-            <a:avLst/>
-          </a:prstGeom>
-        </p:spPr>
-      </p:pic>
       <p:sp>
         <p:nvSpPr>
           <p:cNvPr id="25" name="Flowchart: Delay 24"/>
@@ -35793,7 +35583,7 @@
         </p:nvSpPr>
         <p:spPr bwMode="gray">
           <a:xfrm rot="16200000">
-            <a:off x="3083489" y="3675689"/>
+            <a:off x="1531135" y="3675689"/>
             <a:ext cx="356217" cy="304800"/>
           </a:xfrm>
           <a:prstGeom prst="flowChartDelay">
@@ -35859,7 +35649,7 @@
         </p:nvSpPr>
         <p:spPr bwMode="gray">
           <a:xfrm>
-            <a:off x="3127980" y="3345043"/>
+            <a:off x="1575626" y="3345043"/>
             <a:ext cx="249224" cy="289560"/>
           </a:xfrm>
           <a:prstGeom prst="ellipse">
@@ -35927,7 +35717,7 @@
         </p:nvCxnSpPr>
         <p:spPr>
           <a:xfrm flipV="1">
-            <a:off x="4545468" y="4098135"/>
+            <a:off x="2993114" y="4098135"/>
             <a:ext cx="2231326" cy="638018"/>
           </a:xfrm>
           <a:prstGeom prst="straightConnector1">
@@ -35967,7 +35757,7 @@
         </p:nvSpPr>
         <p:spPr bwMode="gray">
           <a:xfrm>
-            <a:off x="5226159" y="4869699"/>
+            <a:off x="3673805" y="4869699"/>
             <a:ext cx="436108" cy="877969"/>
           </a:xfrm>
           <a:prstGeom prst="lightningBolt">
@@ -36027,6 +35817,41 @@
           </a:p>
         </p:txBody>
       </p:sp>
+      <p:pic>
+        <p:nvPicPr>
+          <p:cNvPr id="4" name="Picture 3">
+            <a:extLst>
+              <a:ext uri="{FF2B5EF4-FFF2-40B4-BE49-F238E27FC236}">
+                <a16:creationId xmlns:a16="http://schemas.microsoft.com/office/drawing/2014/main" id="{3A2E580D-EB83-4079-B611-A016A7F8D705}"/>
+              </a:ext>
+            </a:extLst>
+          </p:cNvPr>
+          <p:cNvPicPr>
+            <a:picLocks noChangeAspect="1"/>
+          </p:cNvPicPr>
+          <p:nvPr/>
+        </p:nvPicPr>
+        <p:blipFill>
+          <a:blip r:embed="rId3"/>
+          <a:stretch>
+            <a:fillRect/>
+          </a:stretch>
+        </p:blipFill>
+        <p:spPr>
+          <a:xfrm>
+            <a:off x="7289450" y="3177564"/>
+            <a:ext cx="4206870" cy="3303743"/>
+          </a:xfrm>
+          <a:prstGeom prst="rect">
+            <a:avLst/>
+          </a:prstGeom>
+          <a:ln>
+            <a:solidFill>
+              <a:schemeClr val="tx1"/>
+            </a:solidFill>
+          </a:ln>
+        </p:spPr>
+      </p:pic>
     </p:spTree>
     <p:extLst>
       <p:ext uri="{BB962C8B-B14F-4D97-AF65-F5344CB8AC3E}">
@@ -36088,10 +35913,10 @@
       </p:sp>
       <p:pic>
         <p:nvPicPr>
-          <p:cNvPr id="18" name="Picture 17">
+          <p:cNvPr id="4" name="Picture 3">
             <a:extLst>
               <a:ext uri="{FF2B5EF4-FFF2-40B4-BE49-F238E27FC236}">
-                <a16:creationId xmlns:a16="http://schemas.microsoft.com/office/drawing/2014/main" id="{FC355B51-9D60-4DBB-9EF1-08294FF8959E}"/>
+                <a16:creationId xmlns:a16="http://schemas.microsoft.com/office/drawing/2014/main" id="{7F798369-315D-4168-9945-CC458FC9EC6E}"/>
               </a:ext>
             </a:extLst>
           </p:cNvPr>
@@ -36108,8 +35933,8 @@
         </p:blipFill>
         <p:spPr>
           <a:xfrm>
-            <a:off x="3849419" y="1181180"/>
-            <a:ext cx="4495640" cy="4495640"/>
+            <a:off x="3645157" y="976918"/>
+            <a:ext cx="4904163" cy="4904163"/>
           </a:xfrm>
           <a:prstGeom prst="rect">
             <a:avLst/>
@@ -43388,10 +43213,10 @@
       </p:sp>
       <p:pic>
         <p:nvPicPr>
-          <p:cNvPr id="18" name="Picture 17">
+          <p:cNvPr id="4" name="Picture 3">
             <a:extLst>
               <a:ext uri="{FF2B5EF4-FFF2-40B4-BE49-F238E27FC236}">
-                <a16:creationId xmlns:a16="http://schemas.microsoft.com/office/drawing/2014/main" id="{FC355B51-9D60-4DBB-9EF1-08294FF8959E}"/>
+                <a16:creationId xmlns:a16="http://schemas.microsoft.com/office/drawing/2014/main" id="{5FE40FB9-B494-4A8D-9303-B2966A5347AB}"/>
               </a:ext>
             </a:extLst>
           </p:cNvPr>
@@ -43408,8 +43233,8 @@
         </p:blipFill>
         <p:spPr>
           <a:xfrm>
-            <a:off x="3849419" y="1181180"/>
-            <a:ext cx="4495640" cy="4495640"/>
+            <a:off x="3645157" y="976918"/>
+            <a:ext cx="4904163" cy="4904163"/>
           </a:xfrm>
           <a:prstGeom prst="rect">
             <a:avLst/>
@@ -43800,8 +43625,8 @@
           </a:prstGeom>
           <a:solidFill>
             <a:schemeClr val="accent1">
-              <a:lumMod val="60000"/>
-              <a:lumOff val="40000"/>
+              <a:lumMod val="40000"/>
+              <a:lumOff val="60000"/>
             </a:schemeClr>
           </a:solidFill>
           <a:ln>
@@ -44050,10 +43875,7 @@
           </a:prstGeom>
           <a:ln w="57150">
             <a:solidFill>
-              <a:schemeClr val="tx2">
-                <a:lumMod val="60000"/>
-                <a:lumOff val="40000"/>
-              </a:schemeClr>
+              <a:schemeClr val="tx1"/>
             </a:solidFill>
             <a:headEnd type="none" w="med" len="med"/>
             <a:tailEnd type="triangle" w="med" len="med"/>
@@ -44221,10 +44043,7 @@
           </a:prstGeom>
           <a:ln w="57150">
             <a:solidFill>
-              <a:schemeClr val="tx2">
-                <a:lumMod val="60000"/>
-                <a:lumOff val="40000"/>
-              </a:schemeClr>
+              <a:schemeClr val="tx1"/>
             </a:solidFill>
             <a:headEnd type="none" w="med" len="med"/>
             <a:tailEnd type="triangle" w="med" len="med"/>
@@ -44337,10 +44156,7 @@
           </a:prstGeom>
           <a:ln w="57150">
             <a:solidFill>
-              <a:schemeClr val="tx2">
-                <a:lumMod val="60000"/>
-                <a:lumOff val="40000"/>
-              </a:schemeClr>
+              <a:schemeClr val="tx1"/>
             </a:solidFill>
             <a:headEnd type="none" w="med" len="med"/>
             <a:tailEnd type="triangle" w="med" len="med"/>
@@ -44816,7 +44632,10 @@
             <a:avLst/>
           </a:prstGeom>
           <a:solidFill>
-            <a:schemeClr val="accent1"/>
+            <a:schemeClr val="accent1">
+              <a:lumMod val="40000"/>
+              <a:lumOff val="60000"/>
+            </a:schemeClr>
           </a:solidFill>
           <a:ln w="6350" algn="ctr">
             <a:noFill/>
@@ -44875,6 +44694,9 @@
           <a:prstGeom prst="rect">
             <a:avLst/>
           </a:prstGeom>
+          <a:solidFill>
+            <a:schemeClr val="tx2"/>
+          </a:solidFill>
           <a:ln>
             <a:headEnd/>
             <a:tailEnd/>
@@ -44959,10 +44781,7 @@
           <a:bodyPr lIns="90000" tIns="72000" rIns="90000" bIns="72000" rtlCol="0" anchor="ctr"/>
           <a:lstStyle/>
           <a:p>
-            <a:pPr marR="0" algn="ctr" defTabSz="914400" eaLnBrk="1" fontAlgn="base" latinLnBrk="0" hangingPunct="1">
-              <a:lnSpc>
-                <a:spcPct val="100000"/>
-              </a:lnSpc>
+            <a:pPr algn="ctr" defTabSz="914400" fontAlgn="base">
               <a:spcBef>
                 <a:spcPct val="50000"/>
               </a:spcBef>
@@ -44973,28 +44792,16 @@
                 <a:srgbClr val="F0AB00"/>
               </a:buClr>
               <a:buSzPct val="80000"/>
-              <a:tabLst/>
             </a:pPr>
-            <a:r>
-              <a:rPr lang="en-US" sz="1800" kern="0" noProof="0" dirty="0">
-                <a:ea typeface="Arial Unicode MS" pitchFamily="34" charset="-128"/>
-                <a:cs typeface="Arial Unicode MS" pitchFamily="34" charset="-128"/>
-              </a:rPr>
-              <a:t>Pod</a:t>
-            </a:r>
             <a:r>
               <a:rPr lang="en-US" sz="1800" kern="0" dirty="0">
                 <a:ea typeface="Arial Unicode MS" pitchFamily="34" charset="-128"/>
-                <a:cs typeface="Arial Unicode MS" pitchFamily="34" charset="-128"/>
-              </a:rPr>
-              <a:t> A</a:t>
-            </a:r>
-          </a:p>
-          <a:p>
-            <a:pPr marR="0" algn="ctr" defTabSz="914400" eaLnBrk="1" fontAlgn="base" latinLnBrk="0" hangingPunct="1">
-              <a:lnSpc>
-                <a:spcPct val="100000"/>
-              </a:lnSpc>
+              </a:rPr>
+              <a:t>Pod A</a:t>
+            </a:r>
+          </a:p>
+          <a:p>
+            <a:pPr algn="ctr" defTabSz="914400" fontAlgn="base">
               <a:spcBef>
                 <a:spcPct val="50000"/>
               </a:spcBef>
@@ -45005,18 +44812,10 @@
                 <a:srgbClr val="F0AB00"/>
               </a:buClr>
               <a:buSzPct val="80000"/>
-              <a:tabLst/>
             </a:pPr>
             <a:r>
-              <a:rPr kumimoji="0" lang="en-US" sz="1800" b="0" i="0" u="none" strike="noStrike" kern="0" cap="none" spc="0" normalizeH="0" baseline="0" noProof="0" dirty="0">
-                <a:ln>
-                  <a:noFill/>
-                </a:ln>
-                <a:effectLst/>
-                <a:uLnTx/>
-                <a:uFillTx/>
+              <a:rPr lang="en-US" sz="1800" kern="0" dirty="0">
                 <a:ea typeface="Arial Unicode MS" pitchFamily="34" charset="-128"/>
-                <a:cs typeface="Arial Unicode MS" pitchFamily="34" charset="-128"/>
               </a:rPr>
               <a:t>Image: private.registry.com/my-image:0.1</a:t>
             </a:r>
@@ -45027,6 +44826,7 @@
         <p:nvCxnSpPr>
           <p:cNvPr id="10" name="Straight Arrow Connector 9"/>
           <p:cNvCxnSpPr>
+            <a:cxnSpLocks/>
             <a:stCxn id="4" idx="3"/>
             <a:endCxn id="8" idx="1"/>
           </p:cNvCxnSpPr>
@@ -45065,7 +44865,13 @@
       </p:cxnSp>
       <p:pic>
         <p:nvPicPr>
-          <p:cNvPr id="25" name="Picture 24"/>
+          <p:cNvPr id="6" name="Picture 5">
+            <a:extLst>
+              <a:ext uri="{FF2B5EF4-FFF2-40B4-BE49-F238E27FC236}">
+                <a16:creationId xmlns:a16="http://schemas.microsoft.com/office/drawing/2014/main" id="{28D20A85-6570-41D1-9EBB-386327904E82}"/>
+              </a:ext>
+            </a:extLst>
+          </p:cNvPr>
           <p:cNvPicPr>
             <a:picLocks noChangeAspect="1"/>
           </p:cNvPicPr>
@@ -45079,8 +44885,8 @@
         </p:blipFill>
         <p:spPr>
           <a:xfrm>
-            <a:off x="3151912" y="3004175"/>
-            <a:ext cx="1419591" cy="1419591"/>
+            <a:off x="2974704" y="3311093"/>
+            <a:ext cx="1774008" cy="1774008"/>
           </a:xfrm>
           <a:prstGeom prst="rect">
             <a:avLst/>
@@ -45373,30 +45179,6 @@
           </a:fontRef>
         </p:style>
       </p:cxnSp>
-      <p:pic>
-        <p:nvPicPr>
-          <p:cNvPr id="27" name="Picture 26"/>
-          <p:cNvPicPr>
-            <a:picLocks noChangeAspect="1"/>
-          </p:cNvPicPr>
-          <p:nvPr/>
-        </p:nvPicPr>
-        <p:blipFill>
-          <a:blip r:embed="rId3"/>
-          <a:stretch>
-            <a:fillRect/>
-          </a:stretch>
-        </p:blipFill>
-        <p:spPr>
-          <a:xfrm>
-            <a:off x="3266129" y="2348274"/>
-            <a:ext cx="1542129" cy="1542129"/>
-          </a:xfrm>
-          <a:prstGeom prst="rect">
-            <a:avLst/>
-          </a:prstGeom>
-        </p:spPr>
-      </p:pic>
       <p:sp>
         <p:nvSpPr>
           <p:cNvPr id="34" name="Rectangle: Rounded Corners 33"/>
@@ -45678,7 +45460,7 @@
           <p:nvPr/>
         </p:nvPicPr>
         <p:blipFill>
-          <a:blip r:embed="rId4"/>
+          <a:blip r:embed="rId3"/>
           <a:stretch>
             <a:fillRect/>
           </a:stretch>
@@ -45812,6 +45594,36 @@
           </a:p>
         </p:txBody>
       </p:sp>
+      <p:pic>
+        <p:nvPicPr>
+          <p:cNvPr id="11" name="Picture 10">
+            <a:extLst>
+              <a:ext uri="{FF2B5EF4-FFF2-40B4-BE49-F238E27FC236}">
+                <a16:creationId xmlns:a16="http://schemas.microsoft.com/office/drawing/2014/main" id="{8687B53D-D62B-41B5-9DDD-8963C6188C03}"/>
+              </a:ext>
+            </a:extLst>
+          </p:cNvPr>
+          <p:cNvPicPr>
+            <a:picLocks noChangeAspect="1"/>
+          </p:cNvPicPr>
+          <p:nvPr/>
+        </p:nvPicPr>
+        <p:blipFill>
+          <a:blip r:embed="rId4"/>
+          <a:stretch>
+            <a:fillRect/>
+          </a:stretch>
+        </p:blipFill>
+        <p:spPr>
+          <a:xfrm>
+            <a:off x="3136565" y="2705828"/>
+            <a:ext cx="1774008" cy="1774008"/>
+          </a:xfrm>
+          <a:prstGeom prst="rect">
+            <a:avLst/>
+          </a:prstGeom>
+        </p:spPr>
+      </p:pic>
     </p:spTree>
     <p:extLst>
       <p:ext uri="{BB962C8B-B14F-4D97-AF65-F5344CB8AC3E}">
@@ -46402,7 +46214,13 @@
       </p:pic>
       <p:pic>
         <p:nvPicPr>
-          <p:cNvPr id="27" name="Picture 26"/>
+          <p:cNvPr id="17" name="Picture 16">
+            <a:extLst>
+              <a:ext uri="{FF2B5EF4-FFF2-40B4-BE49-F238E27FC236}">
+                <a16:creationId xmlns:a16="http://schemas.microsoft.com/office/drawing/2014/main" id="{1F59F847-7CB2-438C-813E-873217E8ECB4}"/>
+              </a:ext>
+            </a:extLst>
+          </p:cNvPr>
           <p:cNvPicPr>
             <a:picLocks noChangeAspect="1"/>
           </p:cNvPicPr>
@@ -46416,8 +46234,8 @@
         </p:blipFill>
         <p:spPr>
           <a:xfrm>
-            <a:off x="3265865" y="2355160"/>
-            <a:ext cx="1542129" cy="1542129"/>
+            <a:off x="3186943" y="2733493"/>
+            <a:ext cx="1774008" cy="1774008"/>
           </a:xfrm>
           <a:prstGeom prst="rect">
             <a:avLst/>
